--- a/slides/FRS_exercise_R.pptx
+++ b/slides/FRS_exercise_R.pptx
@@ -1666,35 +1666,7 @@
                 <a:ea typeface="MS PGothic" panose="020B0600070205080204" pitchFamily="34" charset="-128"/>
                 <a:cs typeface="ＭＳ Ｐゴシック"/>
               </a:rPr>
-              <a:t>A function is a set of statements organized together to perform a specific task. R has a large number of in-built functions and the user can create their own functions.</a:t>
-            </a:r>
-          </a:p>
-          <a:p>
-            <a:r>
-              <a:rPr lang="en-US" sz="1200" b="0" i="0" kern="1200" dirty="0">
-                <a:solidFill>
-                  <a:schemeClr val="tx1"/>
-                </a:solidFill>
-                <a:effectLst/>
-                <a:latin typeface="Verdana" pitchFamily="96" charset="0"/>
-                <a:ea typeface="MS PGothic" panose="020B0600070205080204" pitchFamily="34" charset="-128"/>
-                <a:cs typeface="ＭＳ Ｐゴシック"/>
-              </a:rPr>
-              <a:t>In R, a function is an object so the R interpreter is able to pass control to the function, along with arguments that may be necessary for the function to accomplish the actions.</a:t>
-            </a:r>
-          </a:p>
-          <a:p>
-            <a:r>
-              <a:rPr lang="en-US" sz="1200" b="0" i="0" kern="1200" dirty="0">
-                <a:solidFill>
-                  <a:schemeClr val="tx1"/>
-                </a:solidFill>
-                <a:effectLst/>
-                <a:latin typeface="Verdana" pitchFamily="96" charset="0"/>
-                <a:ea typeface="MS PGothic" panose="020B0600070205080204" pitchFamily="34" charset="-128"/>
-                <a:cs typeface="ＭＳ Ｐゴシック"/>
-              </a:rPr>
-              <a:t>The function in turn performs its task and returns control to the interpreter as well as any result which may be stored in other objects.</a:t>
+              <a:t>A function is a set of statements organized together to perform a specific task. R has a large number of in-built functions and the user can create their own functions. In R, a function is an object so the R interpreter is able to pass control to the function, along with arguments that may be necessary for the function to accomplish the actions.</a:t>
             </a:r>
           </a:p>
           <a:p>
@@ -1783,6 +1755,66 @@
           <a:bodyPr/>
           <a:lstStyle/>
           <a:p>
+            <a:r>
+              <a:rPr lang="en-US" sz="1200" b="0" i="0" kern="1200" dirty="0">
+                <a:solidFill>
+                  <a:schemeClr val="tx1"/>
+                </a:solidFill>
+                <a:effectLst/>
+                <a:latin typeface="Verdana" pitchFamily="96" charset="0"/>
+                <a:ea typeface="MS PGothic" panose="020B0600070205080204" pitchFamily="34" charset="-128"/>
+                <a:cs typeface="ＭＳ Ｐゴシック"/>
+              </a:rPr>
+              <a:t>The </a:t>
+            </a:r>
+            <a:r>
+              <a:rPr lang="en-US" sz="1200" b="1" i="0" kern="1200" dirty="0">
+                <a:solidFill>
+                  <a:schemeClr val="tx1"/>
+                </a:solidFill>
+                <a:effectLst/>
+                <a:latin typeface="Verdana" pitchFamily="96" charset="0"/>
+                <a:ea typeface="MS PGothic" panose="020B0600070205080204" pitchFamily="34" charset="-128"/>
+                <a:cs typeface="ＭＳ Ｐゴシック"/>
+              </a:rPr>
+              <a:t>if</a:t>
+            </a:r>
+            <a:r>
+              <a:rPr lang="en-US" sz="1200" b="0" i="0" kern="1200" dirty="0">
+                <a:solidFill>
+                  <a:schemeClr val="tx1"/>
+                </a:solidFill>
+                <a:effectLst/>
+                <a:latin typeface="Verdana" pitchFamily="96" charset="0"/>
+                <a:ea typeface="MS PGothic" panose="020B0600070205080204" pitchFamily="34" charset="-128"/>
+                <a:cs typeface="ＭＳ Ｐゴシック"/>
+              </a:rPr>
+              <a:t>...</a:t>
+            </a:r>
+            <a:r>
+              <a:rPr lang="en-US" sz="1200" b="1" i="0" kern="1200" dirty="0">
+                <a:solidFill>
+                  <a:schemeClr val="tx1"/>
+                </a:solidFill>
+                <a:effectLst/>
+                <a:latin typeface="Verdana" pitchFamily="96" charset="0"/>
+                <a:ea typeface="MS PGothic" panose="020B0600070205080204" pitchFamily="34" charset="-128"/>
+                <a:cs typeface="ＭＳ Ｐゴシック"/>
+              </a:rPr>
+              <a:t>else statement</a:t>
+            </a:r>
+            <a:r>
+              <a:rPr lang="en-US" sz="1200" b="0" i="0" kern="1200" dirty="0">
+                <a:solidFill>
+                  <a:schemeClr val="tx1"/>
+                </a:solidFill>
+                <a:effectLst/>
+                <a:latin typeface="Verdana" pitchFamily="96" charset="0"/>
+                <a:ea typeface="MS PGothic" panose="020B0600070205080204" pitchFamily="34" charset="-128"/>
+                <a:cs typeface="ＭＳ Ｐゴシック"/>
+              </a:rPr>
+              <a:t> executes two different codes depending upon whether the test expression is true or false.</a:t>
+            </a:r>
             <a:endParaRPr lang="en-US" dirty="0"/>
           </a:p>
         </p:txBody>
@@ -4845,7 +4877,7 @@
           <a:effectLst/>
           <a:extLst>
             <a:ext uri="{AF507438-7753-43e0-B8FC-AC1667EBCBE1}">
-              <a14:hiddenEffects xmlns:a14="http://schemas.microsoft.com/office/drawing/2010/main" xmlns="">
+              <a14:hiddenEffects xmlns="" xmlns:a14="http://schemas.microsoft.com/office/drawing/2010/main">
                 <a:effectLst>
                   <a:outerShdw dist="35921" dir="2700000" algn="ctr" rotWithShape="0">
                     <a:schemeClr val="bg2"/>
@@ -4911,7 +4943,7 @@
         <p:spPr>
           <a:xfrm>
             <a:off x="611560" y="767484"/>
-            <a:ext cx="3063659" cy="400110"/>
+            <a:ext cx="4528804" cy="400110"/>
           </a:xfrm>
           <a:prstGeom prst="rect">
             <a:avLst/>
@@ -4950,7 +4982,7 @@
                   <a:srgbClr val="00589C"/>
                 </a:solidFill>
               </a:rPr>
-              <a:t>4. Functions and Loops</a:t>
+              <a:t>4. Functions and Control structures</a:t>
             </a:r>
           </a:p>
         </p:txBody>
@@ -5314,7 +5346,7 @@
           <a:effectLst/>
           <a:extLst>
             <a:ext uri="{AF507438-7753-43e0-B8FC-AC1667EBCBE1}">
-              <a14:hiddenEffects xmlns:a14="http://schemas.microsoft.com/office/drawing/2010/main" xmlns="">
+              <a14:hiddenEffects xmlns="" xmlns:a14="http://schemas.microsoft.com/office/drawing/2010/main">
                 <a:effectLst>
                   <a:outerShdw dist="35921" dir="2700000" algn="ctr" rotWithShape="0">
                     <a:schemeClr val="bg2"/>
@@ -5493,7 +5525,7 @@
           <a:effectLst/>
           <a:extLst>
             <a:ext uri="{AF507438-7753-43e0-B8FC-AC1667EBCBE1}">
-              <a14:hiddenEffects xmlns:a14="http://schemas.microsoft.com/office/drawing/2010/main" xmlns="">
+              <a14:hiddenEffects xmlns="" xmlns:a14="http://schemas.microsoft.com/office/drawing/2010/main">
                 <a:effectLst>
                   <a:outerShdw dist="35921" dir="2700000" algn="ctr" rotWithShape="0">
                     <a:schemeClr val="bg2"/>
@@ -5579,7 +5611,7 @@
           <a:effectLst/>
           <a:extLst>
             <a:ext uri="{AF507438-7753-43e0-B8FC-AC1667EBCBE1}">
-              <a14:hiddenEffects xmlns:a14="http://schemas.microsoft.com/office/drawing/2010/main" xmlns="">
+              <a14:hiddenEffects xmlns="" xmlns:a14="http://schemas.microsoft.com/office/drawing/2010/main">
                 <a:effectLst>
                   <a:outerShdw dist="35921" dir="2700000" algn="ctr" rotWithShape="0">
                     <a:schemeClr val="bg2"/>
@@ -5665,7 +5697,7 @@
           <a:effectLst/>
           <a:extLst>
             <a:ext uri="{AF507438-7753-43e0-B8FC-AC1667EBCBE1}">
-              <a14:hiddenEffects xmlns:a14="http://schemas.microsoft.com/office/drawing/2010/main" xmlns="">
+              <a14:hiddenEffects xmlns="" xmlns:a14="http://schemas.microsoft.com/office/drawing/2010/main">
                 <a:effectLst>
                   <a:outerShdw dist="35921" dir="2700000" algn="ctr" rotWithShape="0">
                     <a:schemeClr val="bg2"/>
@@ -5751,7 +5783,7 @@
           <a:effectLst/>
           <a:extLst>
             <a:ext uri="{AF507438-7753-43e0-B8FC-AC1667EBCBE1}">
-              <a14:hiddenEffects xmlns:a14="http://schemas.microsoft.com/office/drawing/2010/main" xmlns="">
+              <a14:hiddenEffects xmlns="" xmlns:a14="http://schemas.microsoft.com/office/drawing/2010/main">
                 <a:effectLst>
                   <a:outerShdw dist="35921" dir="2700000" algn="ctr" rotWithShape="0">
                     <a:schemeClr val="bg2"/>
@@ -5837,7 +5869,7 @@
           <a:effectLst/>
           <a:extLst>
             <a:ext uri="{AF507438-7753-43e0-B8FC-AC1667EBCBE1}">
-              <a14:hiddenEffects xmlns:a14="http://schemas.microsoft.com/office/drawing/2010/main" xmlns="">
+              <a14:hiddenEffects xmlns="" xmlns:a14="http://schemas.microsoft.com/office/drawing/2010/main">
                 <a:effectLst>
                   <a:outerShdw dist="35921" dir="2700000" algn="ctr" rotWithShape="0">
                     <a:schemeClr val="bg2"/>
@@ -5923,7 +5955,7 @@
           <a:effectLst/>
           <a:extLst>
             <a:ext uri="{AF507438-7753-43e0-B8FC-AC1667EBCBE1}">
-              <a14:hiddenEffects xmlns:a14="http://schemas.microsoft.com/office/drawing/2010/main" xmlns="">
+              <a14:hiddenEffects xmlns="" xmlns:a14="http://schemas.microsoft.com/office/drawing/2010/main">
                 <a:effectLst>
                   <a:outerShdw dist="35921" dir="2700000" algn="ctr" rotWithShape="0">
                     <a:schemeClr val="bg2"/>
@@ -6009,7 +6041,7 @@
           <a:effectLst/>
           <a:extLst>
             <a:ext uri="{AF507438-7753-43e0-B8FC-AC1667EBCBE1}">
-              <a14:hiddenEffects xmlns:a14="http://schemas.microsoft.com/office/drawing/2010/main" xmlns="">
+              <a14:hiddenEffects xmlns="" xmlns:a14="http://schemas.microsoft.com/office/drawing/2010/main">
                 <a:effectLst>
                   <a:outerShdw dist="35921" dir="2700000" algn="ctr" rotWithShape="0">
                     <a:schemeClr val="bg2"/>
@@ -6095,7 +6127,7 @@
           <a:effectLst/>
           <a:extLst>
             <a:ext uri="{AF507438-7753-43e0-B8FC-AC1667EBCBE1}">
-              <a14:hiddenEffects xmlns:a14="http://schemas.microsoft.com/office/drawing/2010/main" xmlns="">
+              <a14:hiddenEffects xmlns="" xmlns:a14="http://schemas.microsoft.com/office/drawing/2010/main">
                 <a:effectLst>
                   <a:outerShdw dist="35921" dir="2700000" algn="ctr" rotWithShape="0">
                     <a:schemeClr val="bg2"/>
@@ -6179,7 +6211,7 @@
           <a:effectLst/>
           <a:extLst>
             <a:ext uri="{AF507438-7753-43e0-B8FC-AC1667EBCBE1}">
-              <a14:hiddenEffects xmlns:a14="http://schemas.microsoft.com/office/drawing/2010/main" xmlns="">
+              <a14:hiddenEffects xmlns="" xmlns:a14="http://schemas.microsoft.com/office/drawing/2010/main">
                 <a:effectLst>
                   <a:outerShdw dist="35921" dir="2700000" algn="ctr" rotWithShape="0">
                     <a:schemeClr val="bg2"/>
@@ -6262,7 +6294,7 @@
           <a:effectLst/>
           <a:extLst>
             <a:ext uri="{AF507438-7753-43e0-B8FC-AC1667EBCBE1}">
-              <a14:hiddenEffects xmlns:a14="http://schemas.microsoft.com/office/drawing/2010/main" xmlns="">
+              <a14:hiddenEffects xmlns="" xmlns:a14="http://schemas.microsoft.com/office/drawing/2010/main">
                 <a:effectLst>
                   <a:outerShdw dist="35921" dir="2700000" algn="ctr" rotWithShape="0">
                     <a:schemeClr val="bg2"/>
@@ -6416,7 +6448,7 @@
           <a:effectLst/>
           <a:extLst>
             <a:ext uri="{AF507438-7753-43e0-B8FC-AC1667EBCBE1}">
-              <a14:hiddenEffects xmlns:a14="http://schemas.microsoft.com/office/drawing/2010/main" xmlns="">
+              <a14:hiddenEffects xmlns="" xmlns:a14="http://schemas.microsoft.com/office/drawing/2010/main">
                 <a:effectLst>
                   <a:outerShdw dist="35921" dir="2700000" algn="ctr" rotWithShape="0">
                     <a:schemeClr val="bg2"/>
@@ -6737,7 +6769,7 @@
           <a:effectLst/>
           <a:extLst>
             <a:ext uri="{AF507438-7753-43e0-B8FC-AC1667EBCBE1}">
-              <a14:hiddenEffects xmlns:a14="http://schemas.microsoft.com/office/drawing/2010/main" xmlns="">
+              <a14:hiddenEffects xmlns="" xmlns:a14="http://schemas.microsoft.com/office/drawing/2010/main">
                 <a:effectLst>
                   <a:outerShdw dist="35921" dir="2700000" algn="ctr" rotWithShape="0">
                     <a:schemeClr val="bg2"/>
@@ -7081,7 +7113,7 @@
           <a:effectLst/>
           <a:extLst>
             <a:ext uri="{AF507438-7753-43e0-B8FC-AC1667EBCBE1}">
-              <a14:hiddenEffects xmlns:a14="http://schemas.microsoft.com/office/drawing/2010/main" xmlns="">
+              <a14:hiddenEffects xmlns="" xmlns:a14="http://schemas.microsoft.com/office/drawing/2010/main">
                 <a:effectLst>
                   <a:outerShdw dist="35921" dir="2700000" algn="ctr" rotWithShape="0">
                     <a:schemeClr val="bg2"/>
@@ -7501,42 +7533,6 @@
           <a:chExt cx="0" cy="0"/>
         </a:xfrm>
       </p:grpSpPr>
-      <p:pic>
-        <p:nvPicPr>
-          <p:cNvPr id="21" name="Picture 20">
-            <a:extLst>
-              <a:ext uri="{FF2B5EF4-FFF2-40B4-BE49-F238E27FC236}">
-                <a16:creationId xmlns:a16="http://schemas.microsoft.com/office/drawing/2014/main" id="{DEA27C86-9ED3-44A0-ADE8-1D980FE06E16}"/>
-              </a:ext>
-            </a:extLst>
-          </p:cNvPr>
-          <p:cNvPicPr>
-            <a:picLocks noChangeAspect="1"/>
-          </p:cNvPicPr>
-          <p:nvPr/>
-        </p:nvPicPr>
-        <p:blipFill>
-          <a:blip r:embed="rId2">
-            <a:extLst>
-              <a:ext uri="{28A0092B-C50C-407E-A947-70E740481C1C}">
-                <a14:useLocalDpi xmlns:a14="http://schemas.microsoft.com/office/drawing/2010/main" val="0"/>
-              </a:ext>
-            </a:extLst>
-          </a:blip>
-          <a:stretch>
-            <a:fillRect/>
-          </a:stretch>
-        </p:blipFill>
-        <p:spPr>
-          <a:xfrm>
-            <a:off x="6187653" y="550802"/>
-            <a:ext cx="2408064" cy="1973864"/>
-          </a:xfrm>
-          <a:prstGeom prst="rect">
-            <a:avLst/>
-          </a:prstGeom>
-        </p:spPr>
-      </p:pic>
       <p:sp>
         <p:nvSpPr>
           <p:cNvPr id="4" name="Rectangle 3">
@@ -7551,8 +7547,8 @@
         </p:nvSpPr>
         <p:spPr>
           <a:xfrm>
-            <a:off x="602270" y="2576974"/>
-            <a:ext cx="5832648" cy="1938992"/>
+            <a:off x="827584" y="1707654"/>
+            <a:ext cx="5832648" cy="2092881"/>
           </a:xfrm>
           <a:prstGeom prst="rect">
             <a:avLst/>
@@ -7566,7 +7562,7 @@
           <a:p>
             <a:pPr marL="228600" indent="-228600">
               <a:spcAft>
-                <a:spcPts val="800"/>
+                <a:spcPts val="1000"/>
               </a:spcAft>
               <a:buFont typeface="+mj-lt"/>
               <a:buAutoNum type="arabicParenR"/>
@@ -7593,7 +7589,7 @@
           <a:p>
             <a:pPr marL="228600" indent="-228600">
               <a:spcAft>
-                <a:spcPts val="800"/>
+                <a:spcPts val="1000"/>
               </a:spcAft>
               <a:buFont typeface="+mj-lt"/>
               <a:buAutoNum type="arabicParenR"/>
@@ -7620,7 +7616,7 @@
           <a:p>
             <a:pPr marL="228600" indent="-228600">
               <a:spcAft>
-                <a:spcPts val="800"/>
+                <a:spcPts val="1000"/>
               </a:spcAft>
               <a:buFont typeface="+mj-lt"/>
               <a:buAutoNum type="arabicParenR"/>
@@ -7647,7 +7643,7 @@
           <a:p>
             <a:pPr marL="228600" indent="-228600">
               <a:spcAft>
-                <a:spcPts val="800"/>
+                <a:spcPts val="1000"/>
               </a:spcAft>
               <a:buFont typeface="+mj-lt"/>
               <a:buAutoNum type="arabicParenR"/>
@@ -7674,7 +7670,7 @@
           <a:p>
             <a:pPr marL="228600" indent="-228600">
               <a:spcAft>
-                <a:spcPts val="800"/>
+                <a:spcPts val="1000"/>
               </a:spcAft>
               <a:buFont typeface="+mj-lt"/>
               <a:buAutoNum type="arabicParenR"/>
@@ -7701,7 +7697,7 @@
           <a:p>
             <a:pPr marL="228600" indent="-228600">
               <a:spcAft>
-                <a:spcPts val="800"/>
+                <a:spcPts val="1000"/>
               </a:spcAft>
               <a:buFont typeface="+mj-lt"/>
               <a:buAutoNum type="arabicParenR"/>
@@ -7728,7 +7724,7 @@
           <a:p>
             <a:pPr marL="228600" indent="-228600">
               <a:spcAft>
-                <a:spcPts val="800"/>
+                <a:spcPts val="1000"/>
               </a:spcAft>
               <a:buFont typeface="+mj-lt"/>
               <a:buAutoNum type="arabicParenR"/>
@@ -7754,41 +7750,6 @@
             <a:endParaRPr lang="en-US" sz="1000" dirty="0">
               <a:latin typeface="+mn-lt"/>
             </a:endParaRPr>
-          </a:p>
-        </p:txBody>
-      </p:sp>
-      <p:sp>
-        <p:nvSpPr>
-          <p:cNvPr id="5" name="Rectangle 2">
-            <a:extLst>
-              <a:ext uri="{FF2B5EF4-FFF2-40B4-BE49-F238E27FC236}">
-                <a16:creationId xmlns:a16="http://schemas.microsoft.com/office/drawing/2014/main" id="{D1A64498-ECA2-4F8D-B04F-61FFF6F92927}"/>
-              </a:ext>
-            </a:extLst>
-          </p:cNvPr>
-          <p:cNvSpPr>
-            <a:spLocks noGrp="1" noChangeArrowheads="1"/>
-          </p:cNvSpPr>
-          <p:nvPr>
-            <p:ph type="title"/>
-          </p:nvPr>
-        </p:nvSpPr>
-        <p:spPr>
-          <a:xfrm>
-            <a:off x="152400" y="228600"/>
-            <a:ext cx="8839200" cy="914400"/>
-          </a:xfrm>
-        </p:spPr>
-        <p:txBody>
-          <a:bodyPr/>
-          <a:lstStyle/>
-          <a:p>
-            <a:pPr eaLnBrk="1" hangingPunct="1"/>
-            <a:r>
-              <a:rPr lang="de-DE" altLang="de-DE" dirty="0" err="1"/>
-              <a:t>Overview</a:t>
-            </a:r>
-            <a:endParaRPr lang="de-DE" altLang="de-DE" dirty="0"/>
           </a:p>
         </p:txBody>
       </p:sp>
@@ -7806,8 +7767,8 @@
         </p:nvSpPr>
         <p:spPr>
           <a:xfrm>
-            <a:off x="548283" y="2141992"/>
-            <a:ext cx="5526128" cy="400110"/>
+            <a:off x="791050" y="1149908"/>
+            <a:ext cx="5654368" cy="400110"/>
           </a:xfrm>
           <a:prstGeom prst="rect">
             <a:avLst/>
@@ -7826,7 +7787,7 @@
                   <a:srgbClr val="00589C"/>
                 </a:solidFill>
               </a:rPr>
-              <a:t>Typical (successful) procedure for data science</a:t>
+              <a:t>Typical (successful) procedures for data science</a:t>
             </a:r>
           </a:p>
         </p:txBody>
@@ -7845,7 +7806,7 @@
         </p:nvGrpSpPr>
         <p:grpSpPr>
           <a:xfrm>
-            <a:off x="6516216" y="2542102"/>
+            <a:off x="6871829" y="1782424"/>
             <a:ext cx="1512168" cy="1973864"/>
             <a:chOff x="6516216" y="2032822"/>
             <a:chExt cx="1512168" cy="1973864"/>
@@ -7886,7 +7847,7 @@
             <a:effectLst/>
             <a:extLst>
               <a:ext uri="{AF507438-7753-43e0-B8FC-AC1667EBCBE1}">
-                <a14:hiddenEffects xmlns:a14="http://schemas.microsoft.com/office/drawing/2010/main" xmlns="">
+                <a14:hiddenEffects xmlns="" xmlns:a14="http://schemas.microsoft.com/office/drawing/2010/main">
                   <a:effectLst>
                     <a:outerShdw dist="35921" dir="2700000" algn="ctr" rotWithShape="0">
                       <a:schemeClr val="bg2"/>
@@ -7972,7 +7933,7 @@
             <a:effectLst/>
             <a:extLst>
               <a:ext uri="{AF507438-7753-43e0-B8FC-AC1667EBCBE1}">
-                <a14:hiddenEffects xmlns:a14="http://schemas.microsoft.com/office/drawing/2010/main" xmlns="">
+                <a14:hiddenEffects xmlns="" xmlns:a14="http://schemas.microsoft.com/office/drawing/2010/main">
                   <a:effectLst>
                     <a:outerShdw dist="35921" dir="2700000" algn="ctr" rotWithShape="0">
                       <a:schemeClr val="bg2"/>
@@ -8058,7 +8019,7 @@
             <a:effectLst/>
             <a:extLst>
               <a:ext uri="{AF507438-7753-43e0-B8FC-AC1667EBCBE1}">
-                <a14:hiddenEffects xmlns:a14="http://schemas.microsoft.com/office/drawing/2010/main" xmlns="">
+                <a14:hiddenEffects xmlns="" xmlns:a14="http://schemas.microsoft.com/office/drawing/2010/main">
                   <a:effectLst>
                     <a:outerShdw dist="35921" dir="2700000" algn="ctr" rotWithShape="0">
                       <a:schemeClr val="bg2"/>
@@ -8144,7 +8105,7 @@
             <a:effectLst/>
             <a:extLst>
               <a:ext uri="{AF507438-7753-43e0-B8FC-AC1667EBCBE1}">
-                <a14:hiddenEffects xmlns:a14="http://schemas.microsoft.com/office/drawing/2010/main" xmlns="">
+                <a14:hiddenEffects xmlns="" xmlns:a14="http://schemas.microsoft.com/office/drawing/2010/main">
                   <a:effectLst>
                     <a:outerShdw dist="35921" dir="2700000" algn="ctr" rotWithShape="0">
                       <a:schemeClr val="bg2"/>
@@ -8228,7 +8189,7 @@
             <a:effectLst/>
             <a:extLst>
               <a:ext uri="{AF507438-7753-43e0-B8FC-AC1667EBCBE1}">
-                <a14:hiddenEffects xmlns:a14="http://schemas.microsoft.com/office/drawing/2010/main" xmlns="">
+                <a14:hiddenEffects xmlns="" xmlns:a14="http://schemas.microsoft.com/office/drawing/2010/main">
                   <a:effectLst>
                     <a:outerShdw dist="35921" dir="2700000" algn="ctr" rotWithShape="0">
                       <a:schemeClr val="bg2"/>
@@ -8308,6 +8269,92 @@
                 <a:schemeClr val="tx1"/>
               </a:solidFill>
             </a:endParaRPr>
+          </a:p>
+        </p:txBody>
+      </p:sp>
+      <p:sp>
+        <p:nvSpPr>
+          <p:cNvPr id="26" name="Rectangle 25">
+            <a:extLst>
+              <a:ext uri="{FF2B5EF4-FFF2-40B4-BE49-F238E27FC236}">
+                <a16:creationId xmlns:a16="http://schemas.microsoft.com/office/drawing/2014/main" id="{92825894-94E4-47FA-8039-D98AA3D39589}"/>
+              </a:ext>
+            </a:extLst>
+          </p:cNvPr>
+          <p:cNvSpPr/>
+          <p:nvPr/>
+        </p:nvSpPr>
+        <p:spPr bwMode="auto">
+          <a:xfrm>
+            <a:off x="0" y="0"/>
+            <a:ext cx="9144000" cy="627534"/>
+          </a:xfrm>
+          <a:prstGeom prst="rect">
+            <a:avLst/>
+          </a:prstGeom>
+          <a:solidFill>
+            <a:srgbClr val="00589C"/>
+          </a:solidFill>
+          <a:ln w="9525" cap="flat" cmpd="sng" algn="ctr">
+            <a:solidFill>
+              <a:srgbClr val="00589C"/>
+            </a:solidFill>
+            <a:prstDash val="solid"/>
+            <a:round/>
+            <a:headEnd type="none" w="med" len="med"/>
+            <a:tailEnd type="none" w="med" len="med"/>
+          </a:ln>
+          <a:effectLst/>
+          <a:extLst>
+            <a:ext uri="{AF507438-7753-43e0-B8FC-AC1667EBCBE1}">
+              <a14:hiddenEffects xmlns="" xmlns:a14="http://schemas.microsoft.com/office/drawing/2010/main">
+                <a:effectLst>
+                  <a:outerShdw dist="35921" dir="2700000" algn="ctr" rotWithShape="0">
+                    <a:schemeClr val="bg2"/>
+                  </a:outerShdw>
+                </a:effectLst>
+              </a14:hiddenEffects>
+            </a:ext>
+          </a:extLst>
+        </p:spPr>
+        <p:txBody>
+          <a:bodyPr vert="horz" wrap="square" lIns="91440" tIns="45720" rIns="91440" bIns="45720" numCol="1" rtlCol="0" anchor="ctr" anchorCtr="0" compatLnSpc="1">
+            <a:prstTxWarp prst="textNoShape">
+              <a:avLst/>
+            </a:prstTxWarp>
+          </a:bodyPr>
+          <a:lstStyle/>
+          <a:p>
+            <a:pPr marL="0" marR="0" indent="0" algn="l" defTabSz="914400" rtl="0" eaLnBrk="0" fontAlgn="base" latinLnBrk="0" hangingPunct="0">
+              <a:lnSpc>
+                <a:spcPct val="100000"/>
+              </a:lnSpc>
+              <a:spcBef>
+                <a:spcPct val="0"/>
+              </a:spcBef>
+              <a:spcAft>
+                <a:spcPct val="0"/>
+              </a:spcAft>
+              <a:buClrTx/>
+              <a:buSzTx/>
+              <a:buFontTx/>
+              <a:buNone/>
+              <a:tabLst/>
+            </a:pPr>
+            <a:r>
+              <a:rPr kumimoji="0" lang="en-US" sz="2000" b="1" i="0" u="none" strike="noStrike" cap="none" normalizeH="0" baseline="0" dirty="0">
+                <a:ln>
+                  <a:noFill/>
+                </a:ln>
+                <a:solidFill>
+                  <a:schemeClr val="bg1"/>
+                </a:solidFill>
+                <a:effectLst/>
+                <a:latin typeface="+mj-lt"/>
+                <a:ea typeface="ＭＳ Ｐゴシック" pitchFamily="96" charset="-128"/>
+              </a:rPr>
+              <a:t>Topic 1. Introduction to R</a:t>
+            </a:r>
           </a:p>
         </p:txBody>
       </p:sp>
@@ -8376,7 +8423,7 @@
           <a:effectLst/>
           <a:extLst>
             <a:ext uri="{AF507438-7753-43e0-B8FC-AC1667EBCBE1}">
-              <a14:hiddenEffects xmlns:a14="http://schemas.microsoft.com/office/drawing/2010/main" xmlns="">
+              <a14:hiddenEffects xmlns="" xmlns:a14="http://schemas.microsoft.com/office/drawing/2010/main">
                 <a:effectLst>
                   <a:outerShdw dist="35921" dir="2700000" algn="ctr" rotWithShape="0">
                     <a:schemeClr val="bg2"/>
@@ -8540,7 +8587,7 @@
                   <a:srgbClr val="00589C"/>
                 </a:solidFill>
               </a:rPr>
-              <a:t>Functions and Loops</a:t>
+              <a:t>Functions and Control structures</a:t>
             </a:r>
           </a:p>
           <a:p>
@@ -8574,7 +8621,7 @@
                   <a:srgbClr val="00589C"/>
                 </a:solidFill>
               </a:rPr>
-              <a:t>Graphing tool</a:t>
+              <a:t>Graphic tools</a:t>
             </a:r>
           </a:p>
         </p:txBody>
@@ -8678,7 +8725,7 @@
           <a:effectLst/>
           <a:extLst>
             <a:ext uri="{AF507438-7753-43e0-B8FC-AC1667EBCBE1}">
-              <a14:hiddenEffects xmlns:a14="http://schemas.microsoft.com/office/drawing/2010/main" xmlns="">
+              <a14:hiddenEffects xmlns="" xmlns:a14="http://schemas.microsoft.com/office/drawing/2010/main">
                 <a:effectLst>
                   <a:outerShdw dist="35921" dir="2700000" algn="ctr" rotWithShape="0">
                     <a:schemeClr val="bg2"/>
@@ -9141,7 +9188,7 @@
           <a:effectLst/>
           <a:extLst>
             <a:ext uri="{AF507438-7753-43e0-B8FC-AC1667EBCBE1}">
-              <a14:hiddenEffects xmlns:a14="http://schemas.microsoft.com/office/drawing/2010/main" xmlns="">
+              <a14:hiddenEffects xmlns="" xmlns:a14="http://schemas.microsoft.com/office/drawing/2010/main">
                 <a:effectLst>
                   <a:outerShdw dist="35921" dir="2700000" algn="ctr" rotWithShape="0">
                     <a:schemeClr val="bg2"/>
@@ -10629,7 +10676,7 @@
           <a:effectLst/>
           <a:extLst>
             <a:ext uri="{AF507438-7753-43e0-B8FC-AC1667EBCBE1}">
-              <a14:hiddenEffects xmlns:a14="http://schemas.microsoft.com/office/drawing/2010/main" xmlns="">
+              <a14:hiddenEffects xmlns="" xmlns:a14="http://schemas.microsoft.com/office/drawing/2010/main">
                 <a:effectLst>
                   <a:outerShdw dist="35921" dir="2700000" algn="ctr" rotWithShape="0">
                     <a:schemeClr val="bg2"/>
@@ -11189,7 +11236,7 @@
           <a:effectLst/>
           <a:extLst>
             <a:ext uri="{AF507438-7753-43e0-B8FC-AC1667EBCBE1}">
-              <a14:hiddenEffects xmlns:a14="http://schemas.microsoft.com/office/drawing/2010/main" xmlns="">
+              <a14:hiddenEffects xmlns="" xmlns:a14="http://schemas.microsoft.com/office/drawing/2010/main">
                 <a:effectLst>
                   <a:outerShdw dist="35921" dir="2700000" algn="ctr" rotWithShape="0">
                     <a:schemeClr val="bg2"/>
@@ -11469,7 +11516,7 @@
             <a:effectLst/>
             <a:extLst>
               <a:ext uri="{AF507438-7753-43e0-B8FC-AC1667EBCBE1}">
-                <a14:hiddenEffects xmlns:a14="http://schemas.microsoft.com/office/drawing/2010/main" xmlns="">
+                <a14:hiddenEffects xmlns="" xmlns:a14="http://schemas.microsoft.com/office/drawing/2010/main">
                   <a:effectLst>
                     <a:outerShdw dist="35921" dir="2700000" algn="ctr" rotWithShape="0">
                       <a:schemeClr val="bg2"/>
@@ -11599,7 +11646,7 @@
             <a:effectLst/>
             <a:extLst>
               <a:ext uri="{AF507438-7753-43e0-B8FC-AC1667EBCBE1}">
-                <a14:hiddenEffects xmlns:a14="http://schemas.microsoft.com/office/drawing/2010/main" xmlns="">
+                <a14:hiddenEffects xmlns="" xmlns:a14="http://schemas.microsoft.com/office/drawing/2010/main">
                   <a:effectLst>
                     <a:outerShdw dist="35921" dir="2700000" algn="ctr" rotWithShape="0">
                       <a:schemeClr val="bg2"/>
@@ -11829,7 +11876,7 @@
           <a:effectLst/>
           <a:extLst>
             <a:ext uri="{AF507438-7753-43e0-B8FC-AC1667EBCBE1}">
-              <a14:hiddenEffects xmlns:a14="http://schemas.microsoft.com/office/drawing/2010/main" xmlns="">
+              <a14:hiddenEffects xmlns="" xmlns:a14="http://schemas.microsoft.com/office/drawing/2010/main">
                 <a:effectLst>
                   <a:outerShdw dist="35921" dir="2700000" algn="ctr" rotWithShape="0">
                     <a:schemeClr val="bg2"/>
@@ -11895,7 +11942,7 @@
         <p:spPr>
           <a:xfrm>
             <a:off x="611560" y="767484"/>
-            <a:ext cx="3063659" cy="400110"/>
+            <a:ext cx="4528804" cy="400110"/>
           </a:xfrm>
           <a:prstGeom prst="rect">
             <a:avLst/>
@@ -11934,7 +11981,7 @@
                   <a:srgbClr val="00589C"/>
                 </a:solidFill>
               </a:rPr>
-              <a:t>4. Functions and Loops</a:t>
+              <a:t>4. Functions and Control structures</a:t>
             </a:r>
           </a:p>
         </p:txBody>
@@ -12531,7 +12578,7 @@
         <a:effectLst/>
         <a:extLst>
           <a:ext uri="{AF507438-7753-43e0-B8FC-AC1667EBCBE1}">
-            <a14:hiddenEffects xmlns:a14="http://schemas.microsoft.com/office/drawing/2010/main" xmlns="">
+            <a14:hiddenEffects xmlns="" xmlns:a14="http://schemas.microsoft.com/office/drawing/2010/main">
               <a:effectLst>
                 <a:outerShdw dist="35921" dir="2700000" algn="ctr" rotWithShape="0">
                   <a:schemeClr val="bg2"/>
@@ -12605,7 +12652,7 @@
         <a:effectLst/>
         <a:extLst>
           <a:ext uri="{AF507438-7753-43e0-B8FC-AC1667EBCBE1}">
-            <a14:hiddenEffects xmlns:a14="http://schemas.microsoft.com/office/drawing/2010/main" xmlns="">
+            <a14:hiddenEffects xmlns="" xmlns:a14="http://schemas.microsoft.com/office/drawing/2010/main">
               <a:effectLst>
                 <a:outerShdw dist="35921" dir="2700000" algn="ctr" rotWithShape="0">
                   <a:schemeClr val="bg2"/>

--- a/slides/FRS_exercise_R.pptx
+++ b/slides/FRS_exercise_R.pptx
@@ -5,10 +5,10 @@
     <p:sldMasterId id="2147483648" r:id="rId1"/>
   </p:sldMasterIdLst>
   <p:notesMasterIdLst>
-    <p:notesMasterId r:id="rId16"/>
+    <p:notesMasterId r:id="rId19"/>
   </p:notesMasterIdLst>
   <p:handoutMasterIdLst>
-    <p:handoutMasterId r:id="rId17"/>
+    <p:handoutMasterId r:id="rId20"/>
   </p:handoutMasterIdLst>
   <p:sldIdLst>
     <p:sldId id="258" r:id="rId2"/>
@@ -24,7 +24,10 @@
     <p:sldId id="266" r:id="rId12"/>
     <p:sldId id="260" r:id="rId13"/>
     <p:sldId id="270" r:id="rId14"/>
-    <p:sldId id="272" r:id="rId15"/>
+    <p:sldId id="273" r:id="rId15"/>
+    <p:sldId id="277" r:id="rId16"/>
+    <p:sldId id="274" r:id="rId17"/>
+    <p:sldId id="275" r:id="rId18"/>
   </p:sldIdLst>
   <p:sldSz cx="9144000" cy="5143500" type="screen16x9"/>
   <p:notesSz cx="6858000" cy="9144000"/>
@@ -1178,6 +1181,91 @@
     <p:extLst>
       <p:ext uri="{BB962C8B-B14F-4D97-AF65-F5344CB8AC3E}">
         <p14:creationId xmlns:p14="http://schemas.microsoft.com/office/powerpoint/2010/main" val="1164181401"/>
+      </p:ext>
+    </p:extLst>
+  </p:cSld>
+  <p:clrMapOvr>
+    <a:masterClrMapping/>
+  </p:clrMapOvr>
+</p:notes>
+</file>
+
+<file path=ppt/notesSlides/notesSlide11.xml><?xml version="1.0" encoding="utf-8"?>
+<p:notes xmlns:a="http://schemas.openxmlformats.org/drawingml/2006/main" xmlns:r="http://schemas.openxmlformats.org/officeDocument/2006/relationships" xmlns:p="http://schemas.openxmlformats.org/presentationml/2006/main">
+  <p:cSld>
+    <p:spTree>
+      <p:nvGrpSpPr>
+        <p:cNvPr id="1" name=""/>
+        <p:cNvGrpSpPr/>
+        <p:nvPr/>
+      </p:nvGrpSpPr>
+      <p:grpSpPr>
+        <a:xfrm>
+          <a:off x="0" y="0"/>
+          <a:ext cx="0" cy="0"/>
+          <a:chOff x="0" y="0"/>
+          <a:chExt cx="0" cy="0"/>
+        </a:xfrm>
+      </p:grpSpPr>
+      <p:sp>
+        <p:nvSpPr>
+          <p:cNvPr id="2" name="Slide Image Placeholder 1"/>
+          <p:cNvSpPr>
+            <a:spLocks noGrp="1" noRot="1" noChangeAspect="1"/>
+          </p:cNvSpPr>
+          <p:nvPr>
+            <p:ph type="sldImg"/>
+          </p:nvPr>
+        </p:nvSpPr>
+        <p:spPr/>
+      </p:sp>
+      <p:sp>
+        <p:nvSpPr>
+          <p:cNvPr id="3" name="Notes Placeholder 2"/>
+          <p:cNvSpPr>
+            <a:spLocks noGrp="1"/>
+          </p:cNvSpPr>
+          <p:nvPr>
+            <p:ph type="body" idx="1"/>
+          </p:nvPr>
+        </p:nvSpPr>
+        <p:spPr/>
+        <p:txBody>
+          <a:bodyPr/>
+          <a:lstStyle/>
+          <a:p>
+            <a:endParaRPr lang="en-US" dirty="0"/>
+          </a:p>
+        </p:txBody>
+      </p:sp>
+      <p:sp>
+        <p:nvSpPr>
+          <p:cNvPr id="4" name="Slide Number Placeholder 3"/>
+          <p:cNvSpPr>
+            <a:spLocks noGrp="1"/>
+          </p:cNvSpPr>
+          <p:nvPr>
+            <p:ph type="sldNum" sz="quarter" idx="5"/>
+          </p:nvPr>
+        </p:nvSpPr>
+        <p:spPr/>
+        <p:txBody>
+          <a:bodyPr/>
+          <a:lstStyle/>
+          <a:p>
+            <a:fld id="{0A463E84-36D0-47AB-AE84-D840C4315E64}" type="slidenum">
+              <a:rPr lang="de-DE" altLang="de-DE" smtClean="0"/>
+              <a:pPr/>
+              <a:t>14</a:t>
+            </a:fld>
+            <a:endParaRPr lang="de-DE" altLang="de-DE"/>
+          </a:p>
+        </p:txBody>
+      </p:sp>
+    </p:spTree>
+    <p:extLst>
+      <p:ext uri="{BB962C8B-B14F-4D97-AF65-F5344CB8AC3E}">
+        <p14:creationId xmlns:p14="http://schemas.microsoft.com/office/powerpoint/2010/main" val="2674444161"/>
       </p:ext>
     </p:extLst>
   </p:cSld>
@@ -4877,7 +4965,7 @@
           <a:effectLst/>
           <a:extLst>
             <a:ext uri="{AF507438-7753-43e0-B8FC-AC1667EBCBE1}">
-              <a14:hiddenEffects xmlns="" xmlns:a14="http://schemas.microsoft.com/office/drawing/2010/main">
+              <a14:hiddenEffects xmlns:a14="http://schemas.microsoft.com/office/drawing/2010/main" xmlns="">
                 <a:effectLst>
                   <a:outerShdw dist="35921" dir="2700000" algn="ctr" rotWithShape="0">
                     <a:schemeClr val="bg2"/>
@@ -5346,7 +5434,7 @@
           <a:effectLst/>
           <a:extLst>
             <a:ext uri="{AF507438-7753-43e0-B8FC-AC1667EBCBE1}">
-              <a14:hiddenEffects xmlns="" xmlns:a14="http://schemas.microsoft.com/office/drawing/2010/main">
+              <a14:hiddenEffects xmlns:a14="http://schemas.microsoft.com/office/drawing/2010/main" xmlns="">
                 <a:effectLst>
                   <a:outerShdw dist="35921" dir="2700000" algn="ctr" rotWithShape="0">
                     <a:schemeClr val="bg2"/>
@@ -5525,7 +5613,7 @@
           <a:effectLst/>
           <a:extLst>
             <a:ext uri="{AF507438-7753-43e0-B8FC-AC1667EBCBE1}">
-              <a14:hiddenEffects xmlns="" xmlns:a14="http://schemas.microsoft.com/office/drawing/2010/main">
+              <a14:hiddenEffects xmlns:a14="http://schemas.microsoft.com/office/drawing/2010/main" xmlns="">
                 <a:effectLst>
                   <a:outerShdw dist="35921" dir="2700000" algn="ctr" rotWithShape="0">
                     <a:schemeClr val="bg2"/>
@@ -5611,7 +5699,7 @@
           <a:effectLst/>
           <a:extLst>
             <a:ext uri="{AF507438-7753-43e0-B8FC-AC1667EBCBE1}">
-              <a14:hiddenEffects xmlns="" xmlns:a14="http://schemas.microsoft.com/office/drawing/2010/main">
+              <a14:hiddenEffects xmlns:a14="http://schemas.microsoft.com/office/drawing/2010/main" xmlns="">
                 <a:effectLst>
                   <a:outerShdw dist="35921" dir="2700000" algn="ctr" rotWithShape="0">
                     <a:schemeClr val="bg2"/>
@@ -5697,7 +5785,7 @@
           <a:effectLst/>
           <a:extLst>
             <a:ext uri="{AF507438-7753-43e0-B8FC-AC1667EBCBE1}">
-              <a14:hiddenEffects xmlns="" xmlns:a14="http://schemas.microsoft.com/office/drawing/2010/main">
+              <a14:hiddenEffects xmlns:a14="http://schemas.microsoft.com/office/drawing/2010/main" xmlns="">
                 <a:effectLst>
                   <a:outerShdw dist="35921" dir="2700000" algn="ctr" rotWithShape="0">
                     <a:schemeClr val="bg2"/>
@@ -5783,7 +5871,7 @@
           <a:effectLst/>
           <a:extLst>
             <a:ext uri="{AF507438-7753-43e0-B8FC-AC1667EBCBE1}">
-              <a14:hiddenEffects xmlns="" xmlns:a14="http://schemas.microsoft.com/office/drawing/2010/main">
+              <a14:hiddenEffects xmlns:a14="http://schemas.microsoft.com/office/drawing/2010/main" xmlns="">
                 <a:effectLst>
                   <a:outerShdw dist="35921" dir="2700000" algn="ctr" rotWithShape="0">
                     <a:schemeClr val="bg2"/>
@@ -5869,7 +5957,7 @@
           <a:effectLst/>
           <a:extLst>
             <a:ext uri="{AF507438-7753-43e0-B8FC-AC1667EBCBE1}">
-              <a14:hiddenEffects xmlns="" xmlns:a14="http://schemas.microsoft.com/office/drawing/2010/main">
+              <a14:hiddenEffects xmlns:a14="http://schemas.microsoft.com/office/drawing/2010/main" xmlns="">
                 <a:effectLst>
                   <a:outerShdw dist="35921" dir="2700000" algn="ctr" rotWithShape="0">
                     <a:schemeClr val="bg2"/>
@@ -5955,7 +6043,7 @@
           <a:effectLst/>
           <a:extLst>
             <a:ext uri="{AF507438-7753-43e0-B8FC-AC1667EBCBE1}">
-              <a14:hiddenEffects xmlns="" xmlns:a14="http://schemas.microsoft.com/office/drawing/2010/main">
+              <a14:hiddenEffects xmlns:a14="http://schemas.microsoft.com/office/drawing/2010/main" xmlns="">
                 <a:effectLst>
                   <a:outerShdw dist="35921" dir="2700000" algn="ctr" rotWithShape="0">
                     <a:schemeClr val="bg2"/>
@@ -6041,7 +6129,7 @@
           <a:effectLst/>
           <a:extLst>
             <a:ext uri="{AF507438-7753-43e0-B8FC-AC1667EBCBE1}">
-              <a14:hiddenEffects xmlns="" xmlns:a14="http://schemas.microsoft.com/office/drawing/2010/main">
+              <a14:hiddenEffects xmlns:a14="http://schemas.microsoft.com/office/drawing/2010/main" xmlns="">
                 <a:effectLst>
                   <a:outerShdw dist="35921" dir="2700000" algn="ctr" rotWithShape="0">
                     <a:schemeClr val="bg2"/>
@@ -6127,7 +6215,7 @@
           <a:effectLst/>
           <a:extLst>
             <a:ext uri="{AF507438-7753-43e0-B8FC-AC1667EBCBE1}">
-              <a14:hiddenEffects xmlns="" xmlns:a14="http://schemas.microsoft.com/office/drawing/2010/main">
+              <a14:hiddenEffects xmlns:a14="http://schemas.microsoft.com/office/drawing/2010/main" xmlns="">
                 <a:effectLst>
                   <a:outerShdw dist="35921" dir="2700000" algn="ctr" rotWithShape="0">
                     <a:schemeClr val="bg2"/>
@@ -6211,7 +6299,7 @@
           <a:effectLst/>
           <a:extLst>
             <a:ext uri="{AF507438-7753-43e0-B8FC-AC1667EBCBE1}">
-              <a14:hiddenEffects xmlns="" xmlns:a14="http://schemas.microsoft.com/office/drawing/2010/main">
+              <a14:hiddenEffects xmlns:a14="http://schemas.microsoft.com/office/drawing/2010/main" xmlns="">
                 <a:effectLst>
                   <a:outerShdw dist="35921" dir="2700000" algn="ctr" rotWithShape="0">
                     <a:schemeClr val="bg2"/>
@@ -6294,7 +6382,7 @@
           <a:effectLst/>
           <a:extLst>
             <a:ext uri="{AF507438-7753-43e0-B8FC-AC1667EBCBE1}">
-              <a14:hiddenEffects xmlns="" xmlns:a14="http://schemas.microsoft.com/office/drawing/2010/main">
+              <a14:hiddenEffects xmlns:a14="http://schemas.microsoft.com/office/drawing/2010/main" xmlns="">
                 <a:effectLst>
                   <a:outerShdw dist="35921" dir="2700000" algn="ctr" rotWithShape="0">
                     <a:schemeClr val="bg2"/>
@@ -6448,7 +6536,7 @@
           <a:effectLst/>
           <a:extLst>
             <a:ext uri="{AF507438-7753-43e0-B8FC-AC1667EBCBE1}">
-              <a14:hiddenEffects xmlns="" xmlns:a14="http://schemas.microsoft.com/office/drawing/2010/main">
+              <a14:hiddenEffects xmlns:a14="http://schemas.microsoft.com/office/drawing/2010/main" xmlns="">
                 <a:effectLst>
                   <a:outerShdw dist="35921" dir="2700000" algn="ctr" rotWithShape="0">
                     <a:schemeClr val="bg2"/>
@@ -6769,7 +6857,7 @@
           <a:effectLst/>
           <a:extLst>
             <a:ext uri="{AF507438-7753-43e0-B8FC-AC1667EBCBE1}">
-              <a14:hiddenEffects xmlns="" xmlns:a14="http://schemas.microsoft.com/office/drawing/2010/main">
+              <a14:hiddenEffects xmlns:a14="http://schemas.microsoft.com/office/drawing/2010/main" xmlns="">
                 <a:effectLst>
                   <a:outerShdw dist="35921" dir="2700000" algn="ctr" rotWithShape="0">
                     <a:schemeClr val="bg2"/>
@@ -7113,7 +7201,1947 @@
           <a:effectLst/>
           <a:extLst>
             <a:ext uri="{AF507438-7753-43e0-B8FC-AC1667EBCBE1}">
-              <a14:hiddenEffects xmlns="" xmlns:a14="http://schemas.microsoft.com/office/drawing/2010/main">
+              <a14:hiddenEffects xmlns:a14="http://schemas.microsoft.com/office/drawing/2010/main" xmlns="">
+                <a:effectLst>
+                  <a:outerShdw dist="35921" dir="2700000" algn="ctr" rotWithShape="0">
+                    <a:schemeClr val="bg2"/>
+                  </a:outerShdw>
+                </a:effectLst>
+              </a14:hiddenEffects>
+            </a:ext>
+          </a:extLst>
+        </p:spPr>
+        <p:txBody>
+          <a:bodyPr vert="horz" wrap="square" lIns="91440" tIns="45720" rIns="91440" bIns="45720" numCol="1" rtlCol="0" anchor="ctr" anchorCtr="0" compatLnSpc="1">
+            <a:prstTxWarp prst="textNoShape">
+              <a:avLst/>
+            </a:prstTxWarp>
+          </a:bodyPr>
+          <a:lstStyle/>
+          <a:p>
+            <a:pPr marL="0" marR="0" indent="0" algn="l" defTabSz="914400" rtl="0" eaLnBrk="0" fontAlgn="base" latinLnBrk="0" hangingPunct="0">
+              <a:lnSpc>
+                <a:spcPct val="100000"/>
+              </a:lnSpc>
+              <a:spcBef>
+                <a:spcPct val="0"/>
+              </a:spcBef>
+              <a:spcAft>
+                <a:spcPct val="0"/>
+              </a:spcAft>
+              <a:buClrTx/>
+              <a:buSzTx/>
+              <a:buFontTx/>
+              <a:buNone/>
+              <a:tabLst/>
+            </a:pPr>
+            <a:r>
+              <a:rPr kumimoji="0" lang="en-US" sz="2000" b="1" i="0" u="none" strike="noStrike" cap="none" normalizeH="0" baseline="0" dirty="0">
+                <a:ln>
+                  <a:noFill/>
+                </a:ln>
+                <a:solidFill>
+                  <a:schemeClr val="bg1"/>
+                </a:solidFill>
+                <a:effectLst/>
+                <a:latin typeface="+mj-lt"/>
+                <a:ea typeface="ＭＳ Ｐゴシック" pitchFamily="96" charset="-128"/>
+              </a:rPr>
+              <a:t>Topic 1. Introduction to R</a:t>
+            </a:r>
+          </a:p>
+        </p:txBody>
+      </p:sp>
+      <p:sp>
+        <p:nvSpPr>
+          <p:cNvPr id="3" name="Rectangle 2">
+            <a:extLst>
+              <a:ext uri="{FF2B5EF4-FFF2-40B4-BE49-F238E27FC236}">
+                <a16:creationId xmlns:a16="http://schemas.microsoft.com/office/drawing/2014/main" id="{E695171C-A629-451F-B41F-BBA81B01A78E}"/>
+              </a:ext>
+            </a:extLst>
+          </p:cNvPr>
+          <p:cNvSpPr/>
+          <p:nvPr/>
+        </p:nvSpPr>
+        <p:spPr>
+          <a:xfrm>
+            <a:off x="611560" y="767484"/>
+            <a:ext cx="2148345" cy="400110"/>
+          </a:xfrm>
+          <a:prstGeom prst="rect">
+            <a:avLst/>
+          </a:prstGeom>
+          <a:ln>
+            <a:noFill/>
+          </a:ln>
+          <a:effectLst>
+            <a:outerShdw blurRad="44450" dist="27940" dir="5400000" algn="ctr">
+              <a:srgbClr val="000000">
+                <a:alpha val="32000"/>
+              </a:srgbClr>
+            </a:outerShdw>
+          </a:effectLst>
+          <a:scene3d>
+            <a:camera prst="orthographicFront">
+              <a:rot lat="0" lon="0" rev="0"/>
+            </a:camera>
+            <a:lightRig rig="balanced" dir="t">
+              <a:rot lat="0" lon="0" rev="8700000"/>
+            </a:lightRig>
+          </a:scene3d>
+          <a:sp3d>
+            <a:bevelT w="190500" h="38100"/>
+          </a:sp3d>
+        </p:spPr>
+        <p:txBody>
+          <a:bodyPr wrap="none">
+            <a:spAutoFit/>
+          </a:bodyPr>
+          <a:lstStyle/>
+          <a:p>
+            <a:r>
+              <a:rPr lang="en-US" sz="2000" b="1" dirty="0">
+                <a:solidFill>
+                  <a:srgbClr val="00589C"/>
+                </a:solidFill>
+              </a:rPr>
+              <a:t>6. Graphing tool</a:t>
+            </a:r>
+          </a:p>
+        </p:txBody>
+      </p:sp>
+      <p:sp>
+        <p:nvSpPr>
+          <p:cNvPr id="2" name="Slide Number Placeholder 1">
+            <a:extLst>
+              <a:ext uri="{FF2B5EF4-FFF2-40B4-BE49-F238E27FC236}">
+                <a16:creationId xmlns:a16="http://schemas.microsoft.com/office/drawing/2014/main" id="{4BA77301-7EC3-46B2-876D-812AAB1A3F7F}"/>
+              </a:ext>
+            </a:extLst>
+          </p:cNvPr>
+          <p:cNvSpPr>
+            <a:spLocks noGrp="1"/>
+          </p:cNvSpPr>
+          <p:nvPr>
+            <p:ph type="sldNum" sz="quarter" idx="11"/>
+          </p:nvPr>
+        </p:nvSpPr>
+        <p:spPr/>
+        <p:txBody>
+          <a:bodyPr/>
+          <a:lstStyle/>
+          <a:p>
+            <a:fld id="{48105EDC-34E1-4D80-B051-D0CBD59863B8}" type="slidenum">
+              <a:rPr lang="de-DE" altLang="de-DE" smtClean="0"/>
+              <a:pPr/>
+              <a:t>14</a:t>
+            </a:fld>
+            <a:endParaRPr lang="de-DE" altLang="de-DE">
+              <a:solidFill>
+                <a:schemeClr val="tx1"/>
+              </a:solidFill>
+            </a:endParaRPr>
+          </a:p>
+        </p:txBody>
+      </p:sp>
+      <p:sp>
+        <p:nvSpPr>
+          <p:cNvPr id="12" name="Rectangle 11">
+            <a:extLst>
+              <a:ext uri="{FF2B5EF4-FFF2-40B4-BE49-F238E27FC236}">
+                <a16:creationId xmlns:a16="http://schemas.microsoft.com/office/drawing/2014/main" id="{A393EF17-4253-4C20-A8E4-FF59F507A6DD}"/>
+              </a:ext>
+            </a:extLst>
+          </p:cNvPr>
+          <p:cNvSpPr/>
+          <p:nvPr/>
+        </p:nvSpPr>
+        <p:spPr bwMode="auto">
+          <a:xfrm>
+            <a:off x="4572000" y="639690"/>
+            <a:ext cx="576064" cy="255587"/>
+          </a:xfrm>
+          <a:prstGeom prst="rect">
+            <a:avLst/>
+          </a:prstGeom>
+          <a:solidFill>
+            <a:schemeClr val="accent5"/>
+          </a:solidFill>
+          <a:ln w="9525" cap="flat" cmpd="sng" algn="ctr">
+            <a:solidFill>
+              <a:schemeClr val="accent5">
+                <a:lumMod val="50000"/>
+              </a:schemeClr>
+            </a:solidFill>
+            <a:prstDash val="solid"/>
+            <a:round/>
+            <a:headEnd type="none" w="med" len="med"/>
+            <a:tailEnd type="none" w="med" len="med"/>
+          </a:ln>
+          <a:effectLst/>
+          <a:extLst>
+            <a:ext uri="{AF507438-7753-43e0-B8FC-AC1667EBCBE1}">
+              <a14:hiddenEffects xmlns:a14="http://schemas.microsoft.com/office/drawing/2010/main" xmlns="">
+                <a:effectLst>
+                  <a:outerShdw dist="35921" dir="2700000" algn="ctr" rotWithShape="0">
+                    <a:schemeClr val="bg2"/>
+                  </a:outerShdw>
+                </a:effectLst>
+              </a14:hiddenEffects>
+            </a:ext>
+          </a:extLst>
+        </p:spPr>
+        <p:txBody>
+          <a:bodyPr vert="horz" wrap="square" lIns="91440" tIns="45720" rIns="91440" bIns="45720" numCol="1" rtlCol="0" anchor="ctr" anchorCtr="0" compatLnSpc="1">
+            <a:prstTxWarp prst="textNoShape">
+              <a:avLst/>
+            </a:prstTxWarp>
+          </a:bodyPr>
+          <a:lstStyle/>
+          <a:p>
+            <a:pPr marL="0" marR="0" indent="0" algn="ctr" defTabSz="914400" rtl="0" eaLnBrk="0" fontAlgn="base" latinLnBrk="0" hangingPunct="0">
+              <a:lnSpc>
+                <a:spcPct val="100000"/>
+              </a:lnSpc>
+              <a:spcBef>
+                <a:spcPct val="0"/>
+              </a:spcBef>
+              <a:spcAft>
+                <a:spcPct val="0"/>
+              </a:spcAft>
+              <a:buClrTx/>
+              <a:buSzTx/>
+              <a:buFontTx/>
+              <a:buNone/>
+              <a:tabLst/>
+            </a:pPr>
+            <a:r>
+              <a:rPr lang="en-US" sz="1400" dirty="0">
+                <a:latin typeface="Arial" charset="0"/>
+                <a:ea typeface="ＭＳ Ｐゴシック" pitchFamily="96" charset="-128"/>
+              </a:rPr>
+              <a:t>title</a:t>
+            </a:r>
+            <a:endParaRPr kumimoji="0" lang="en-US" sz="1400" b="0" i="0" u="none" strike="noStrike" cap="none" normalizeH="0" baseline="0" dirty="0">
+              <a:ln>
+                <a:noFill/>
+              </a:ln>
+              <a:solidFill>
+                <a:schemeClr val="tx1"/>
+              </a:solidFill>
+              <a:effectLst/>
+              <a:latin typeface="Arial" charset="0"/>
+              <a:ea typeface="ＭＳ Ｐゴシック" pitchFamily="96" charset="-128"/>
+            </a:endParaRPr>
+          </a:p>
+        </p:txBody>
+      </p:sp>
+      <p:grpSp>
+        <p:nvGrpSpPr>
+          <p:cNvPr id="57" name="Group 56">
+            <a:extLst>
+              <a:ext uri="{FF2B5EF4-FFF2-40B4-BE49-F238E27FC236}">
+                <a16:creationId xmlns:a16="http://schemas.microsoft.com/office/drawing/2014/main" id="{14C40D03-3054-4118-B42C-33FB2F91A449}"/>
+              </a:ext>
+            </a:extLst>
+          </p:cNvPr>
+          <p:cNvGrpSpPr/>
+          <p:nvPr/>
+        </p:nvGrpSpPr>
+        <p:grpSpPr>
+          <a:xfrm>
+            <a:off x="2051720" y="659979"/>
+            <a:ext cx="6072783" cy="4227934"/>
+            <a:chOff x="2027608" y="659979"/>
+            <a:chExt cx="6072783" cy="4227934"/>
+          </a:xfrm>
+        </p:grpSpPr>
+        <p:pic>
+          <p:nvPicPr>
+            <p:cNvPr id="9" name="Picture 8">
+              <a:extLst>
+                <a:ext uri="{FF2B5EF4-FFF2-40B4-BE49-F238E27FC236}">
+                  <a16:creationId xmlns:a16="http://schemas.microsoft.com/office/drawing/2014/main" id="{E0507937-FECC-4326-A95C-0D2CBB6B5096}"/>
+                </a:ext>
+              </a:extLst>
+            </p:cNvPr>
+            <p:cNvPicPr>
+              <a:picLocks noChangeAspect="1"/>
+            </p:cNvPicPr>
+            <p:nvPr/>
+          </p:nvPicPr>
+          <p:blipFill>
+            <a:blip r:embed="rId3"/>
+            <a:stretch>
+              <a:fillRect/>
+            </a:stretch>
+          </p:blipFill>
+          <p:spPr>
+            <a:xfrm>
+              <a:off x="2987824" y="1097745"/>
+              <a:ext cx="3585908" cy="3790168"/>
+            </a:xfrm>
+            <a:prstGeom prst="rect">
+              <a:avLst/>
+            </a:prstGeom>
+            <a:ln>
+              <a:solidFill>
+                <a:schemeClr val="accent5">
+                  <a:lumMod val="50000"/>
+                </a:schemeClr>
+              </a:solidFill>
+            </a:ln>
+          </p:spPr>
+        </p:pic>
+        <p:sp>
+          <p:nvSpPr>
+            <p:cNvPr id="11" name="Rectangle 10">
+              <a:extLst>
+                <a:ext uri="{FF2B5EF4-FFF2-40B4-BE49-F238E27FC236}">
+                  <a16:creationId xmlns:a16="http://schemas.microsoft.com/office/drawing/2014/main" id="{B338AFCD-6DB1-41DF-9EB5-CE1A8019F115}"/>
+                </a:ext>
+              </a:extLst>
+            </p:cNvPr>
+            <p:cNvSpPr/>
+            <p:nvPr/>
+          </p:nvSpPr>
+          <p:spPr bwMode="auto">
+            <a:xfrm>
+              <a:off x="4780778" y="2865035"/>
+              <a:ext cx="576064" cy="255587"/>
+            </a:xfrm>
+            <a:prstGeom prst="rect">
+              <a:avLst/>
+            </a:prstGeom>
+            <a:solidFill>
+              <a:schemeClr val="accent5"/>
+            </a:solidFill>
+            <a:ln w="9525" cap="flat" cmpd="sng" algn="ctr">
+              <a:solidFill>
+                <a:schemeClr val="accent5">
+                  <a:lumMod val="50000"/>
+                </a:schemeClr>
+              </a:solidFill>
+              <a:prstDash val="solid"/>
+              <a:round/>
+              <a:headEnd type="none" w="med" len="med"/>
+              <a:tailEnd type="none" w="med" len="med"/>
+            </a:ln>
+            <a:effectLst/>
+            <a:extLst>
+              <a:ext uri="{AF507438-7753-43e0-B8FC-AC1667EBCBE1}">
+                <a14:hiddenEffects xmlns:a14="http://schemas.microsoft.com/office/drawing/2010/main" xmlns="">
+                  <a:effectLst>
+                    <a:outerShdw dist="35921" dir="2700000" algn="ctr" rotWithShape="0">
+                      <a:schemeClr val="bg2"/>
+                    </a:outerShdw>
+                  </a:effectLst>
+                </a14:hiddenEffects>
+              </a:ext>
+            </a:extLst>
+          </p:spPr>
+          <p:txBody>
+            <a:bodyPr vert="horz" wrap="square" lIns="91440" tIns="45720" rIns="91440" bIns="45720" numCol="1" rtlCol="0" anchor="ctr" anchorCtr="0" compatLnSpc="1">
+              <a:prstTxWarp prst="textNoShape">
+                <a:avLst/>
+              </a:prstTxWarp>
+            </a:bodyPr>
+            <a:lstStyle/>
+            <a:p>
+              <a:pPr marL="0" marR="0" indent="0" algn="ctr" defTabSz="914400" rtl="0" eaLnBrk="0" fontAlgn="base" latinLnBrk="0" hangingPunct="0">
+                <a:lnSpc>
+                  <a:spcPct val="100000"/>
+                </a:lnSpc>
+                <a:spcBef>
+                  <a:spcPct val="0"/>
+                </a:spcBef>
+                <a:spcAft>
+                  <a:spcPct val="0"/>
+                </a:spcAft>
+                <a:buClrTx/>
+                <a:buSzTx/>
+                <a:buFontTx/>
+                <a:buNone/>
+                <a:tabLst/>
+              </a:pPr>
+              <a:r>
+                <a:rPr kumimoji="0" lang="en-US" sz="1400" b="0" i="0" u="none" strike="noStrike" cap="none" normalizeH="0" baseline="0" dirty="0">
+                  <a:ln>
+                    <a:noFill/>
+                  </a:ln>
+                  <a:solidFill>
+                    <a:schemeClr val="tx1"/>
+                  </a:solidFill>
+                  <a:effectLst/>
+                  <a:latin typeface="Arial" charset="0"/>
+                  <a:ea typeface="ＭＳ Ｐゴシック" pitchFamily="96" charset="-128"/>
+                </a:rPr>
+                <a:t>data</a:t>
+              </a:r>
+            </a:p>
+          </p:txBody>
+        </p:sp>
+        <p:sp>
+          <p:nvSpPr>
+            <p:cNvPr id="13" name="Rectangle 12">
+              <a:extLst>
+                <a:ext uri="{FF2B5EF4-FFF2-40B4-BE49-F238E27FC236}">
+                  <a16:creationId xmlns:a16="http://schemas.microsoft.com/office/drawing/2014/main" id="{30F746BC-F986-48EF-BD17-16E13262F55A}"/>
+                </a:ext>
+              </a:extLst>
+            </p:cNvPr>
+            <p:cNvSpPr/>
+            <p:nvPr/>
+          </p:nvSpPr>
+          <p:spPr bwMode="auto">
+            <a:xfrm>
+              <a:off x="2027608" y="4299942"/>
+              <a:ext cx="734144" cy="255587"/>
+            </a:xfrm>
+            <a:prstGeom prst="rect">
+              <a:avLst/>
+            </a:prstGeom>
+            <a:solidFill>
+              <a:schemeClr val="accent5"/>
+            </a:solidFill>
+            <a:ln w="9525" cap="flat" cmpd="sng" algn="ctr">
+              <a:solidFill>
+                <a:schemeClr val="accent5">
+                  <a:lumMod val="50000"/>
+                </a:schemeClr>
+              </a:solidFill>
+              <a:prstDash val="solid"/>
+              <a:round/>
+              <a:headEnd type="none" w="med" len="med"/>
+              <a:tailEnd type="none" w="med" len="med"/>
+            </a:ln>
+            <a:effectLst/>
+            <a:extLst>
+              <a:ext uri="{AF507438-7753-43e0-B8FC-AC1667EBCBE1}">
+                <a14:hiddenEffects xmlns:a14="http://schemas.microsoft.com/office/drawing/2010/main" xmlns="">
+                  <a:effectLst>
+                    <a:outerShdw dist="35921" dir="2700000" algn="ctr" rotWithShape="0">
+                      <a:schemeClr val="bg2"/>
+                    </a:outerShdw>
+                  </a:effectLst>
+                </a14:hiddenEffects>
+              </a:ext>
+            </a:extLst>
+          </p:spPr>
+          <p:txBody>
+            <a:bodyPr vert="horz" wrap="square" lIns="91440" tIns="45720" rIns="91440" bIns="45720" numCol="1" rtlCol="0" anchor="ctr" anchorCtr="0" compatLnSpc="1">
+              <a:prstTxWarp prst="textNoShape">
+                <a:avLst/>
+              </a:prstTxWarp>
+            </a:bodyPr>
+            <a:lstStyle/>
+            <a:p>
+              <a:pPr marL="0" marR="0" indent="0" algn="ctr" defTabSz="914400" rtl="0" eaLnBrk="0" fontAlgn="base" latinLnBrk="0" hangingPunct="0">
+                <a:lnSpc>
+                  <a:spcPct val="100000"/>
+                </a:lnSpc>
+                <a:spcBef>
+                  <a:spcPct val="0"/>
+                </a:spcBef>
+                <a:spcAft>
+                  <a:spcPct val="0"/>
+                </a:spcAft>
+                <a:buClrTx/>
+                <a:buSzTx/>
+                <a:buFontTx/>
+                <a:buNone/>
+                <a:tabLst/>
+              </a:pPr>
+              <a:r>
+                <a:rPr lang="en-US" sz="1400" dirty="0">
+                  <a:latin typeface="Arial" charset="0"/>
+                  <a:ea typeface="ＭＳ Ｐゴシック" pitchFamily="96" charset="-128"/>
+                </a:rPr>
+                <a:t>x</a:t>
+              </a:r>
+              <a:r>
+                <a:rPr kumimoji="0" lang="en-US" sz="1400" b="0" i="0" u="none" strike="noStrike" cap="none" normalizeH="0" baseline="0" dirty="0">
+                  <a:ln>
+                    <a:noFill/>
+                  </a:ln>
+                  <a:solidFill>
+                    <a:schemeClr val="tx1"/>
+                  </a:solidFill>
+                  <a:effectLst/>
+                  <a:latin typeface="Arial" charset="0"/>
+                  <a:ea typeface="ＭＳ Ｐゴシック" pitchFamily="96" charset="-128"/>
+                </a:rPr>
+                <a:t>-axis</a:t>
+              </a:r>
+            </a:p>
+          </p:txBody>
+        </p:sp>
+        <p:sp>
+          <p:nvSpPr>
+            <p:cNvPr id="14" name="Rectangle 13">
+              <a:extLst>
+                <a:ext uri="{FF2B5EF4-FFF2-40B4-BE49-F238E27FC236}">
+                  <a16:creationId xmlns:a16="http://schemas.microsoft.com/office/drawing/2014/main" id="{F11FF508-E4E8-4051-9691-729B04F109D1}"/>
+                </a:ext>
+              </a:extLst>
+            </p:cNvPr>
+            <p:cNvSpPr/>
+            <p:nvPr/>
+          </p:nvSpPr>
+          <p:spPr bwMode="auto">
+            <a:xfrm>
+              <a:off x="2037656" y="3596084"/>
+              <a:ext cx="734144" cy="255587"/>
+            </a:xfrm>
+            <a:prstGeom prst="rect">
+              <a:avLst/>
+            </a:prstGeom>
+            <a:solidFill>
+              <a:schemeClr val="accent5"/>
+            </a:solidFill>
+            <a:ln w="9525" cap="flat" cmpd="sng" algn="ctr">
+              <a:solidFill>
+                <a:schemeClr val="accent5">
+                  <a:lumMod val="50000"/>
+                </a:schemeClr>
+              </a:solidFill>
+              <a:prstDash val="solid"/>
+              <a:round/>
+              <a:headEnd type="none" w="med" len="med"/>
+              <a:tailEnd type="none" w="med" len="med"/>
+            </a:ln>
+            <a:effectLst/>
+            <a:extLst>
+              <a:ext uri="{AF507438-7753-43e0-B8FC-AC1667EBCBE1}">
+                <a14:hiddenEffects xmlns:a14="http://schemas.microsoft.com/office/drawing/2010/main" xmlns="">
+                  <a:effectLst>
+                    <a:outerShdw dist="35921" dir="2700000" algn="ctr" rotWithShape="0">
+                      <a:schemeClr val="bg2"/>
+                    </a:outerShdw>
+                  </a:effectLst>
+                </a14:hiddenEffects>
+              </a:ext>
+            </a:extLst>
+          </p:spPr>
+          <p:txBody>
+            <a:bodyPr vert="horz" wrap="square" lIns="91440" tIns="45720" rIns="91440" bIns="45720" numCol="1" rtlCol="0" anchor="ctr" anchorCtr="0" compatLnSpc="1">
+              <a:prstTxWarp prst="textNoShape">
+                <a:avLst/>
+              </a:prstTxWarp>
+            </a:bodyPr>
+            <a:lstStyle/>
+            <a:p>
+              <a:pPr marL="0" marR="0" indent="0" algn="ctr" defTabSz="914400" rtl="0" eaLnBrk="0" fontAlgn="base" latinLnBrk="0" hangingPunct="0">
+                <a:lnSpc>
+                  <a:spcPct val="100000"/>
+                </a:lnSpc>
+                <a:spcBef>
+                  <a:spcPct val="0"/>
+                </a:spcBef>
+                <a:spcAft>
+                  <a:spcPct val="0"/>
+                </a:spcAft>
+                <a:buClrTx/>
+                <a:buSzTx/>
+                <a:buFontTx/>
+                <a:buNone/>
+                <a:tabLst/>
+              </a:pPr>
+              <a:r>
+                <a:rPr kumimoji="0" lang="en-US" sz="1400" b="0" i="0" u="none" strike="noStrike" cap="none" normalizeH="0" baseline="0" dirty="0">
+                  <a:ln>
+                    <a:noFill/>
+                  </a:ln>
+                  <a:solidFill>
+                    <a:schemeClr val="tx1"/>
+                  </a:solidFill>
+                  <a:effectLst/>
+                  <a:latin typeface="Arial" charset="0"/>
+                  <a:ea typeface="ＭＳ Ｐゴシック" pitchFamily="96" charset="-128"/>
+                </a:rPr>
+                <a:t>y-axis</a:t>
+              </a:r>
+            </a:p>
+          </p:txBody>
+        </p:sp>
+        <p:sp>
+          <p:nvSpPr>
+            <p:cNvPr id="15" name="Rectangle 14">
+              <a:extLst>
+                <a:ext uri="{FF2B5EF4-FFF2-40B4-BE49-F238E27FC236}">
+                  <a16:creationId xmlns:a16="http://schemas.microsoft.com/office/drawing/2014/main" id="{671041AB-D363-4278-92D9-D7B2F47CF8B3}"/>
+                </a:ext>
+              </a:extLst>
+            </p:cNvPr>
+            <p:cNvSpPr/>
+            <p:nvPr/>
+          </p:nvSpPr>
+          <p:spPr bwMode="auto">
+            <a:xfrm>
+              <a:off x="3161213" y="4553696"/>
+              <a:ext cx="1166406" cy="255587"/>
+            </a:xfrm>
+            <a:prstGeom prst="rect">
+              <a:avLst/>
+            </a:prstGeom>
+            <a:solidFill>
+              <a:schemeClr val="accent5"/>
+            </a:solidFill>
+            <a:ln w="9525" cap="flat" cmpd="sng" algn="ctr">
+              <a:solidFill>
+                <a:schemeClr val="accent5">
+                  <a:lumMod val="50000"/>
+                </a:schemeClr>
+              </a:solidFill>
+              <a:prstDash val="solid"/>
+              <a:round/>
+              <a:headEnd type="none" w="med" len="med"/>
+              <a:tailEnd type="none" w="med" len="med"/>
+            </a:ln>
+            <a:effectLst/>
+            <a:extLst>
+              <a:ext uri="{AF507438-7753-43e0-B8FC-AC1667EBCBE1}">
+                <a14:hiddenEffects xmlns:a14="http://schemas.microsoft.com/office/drawing/2010/main" xmlns="">
+                  <a:effectLst>
+                    <a:outerShdw dist="35921" dir="2700000" algn="ctr" rotWithShape="0">
+                      <a:schemeClr val="bg2"/>
+                    </a:outerShdw>
+                  </a:effectLst>
+                </a14:hiddenEffects>
+              </a:ext>
+            </a:extLst>
+          </p:spPr>
+          <p:txBody>
+            <a:bodyPr vert="horz" wrap="square" lIns="91440" tIns="45720" rIns="91440" bIns="45720" numCol="1" rtlCol="0" anchor="ctr" anchorCtr="0" compatLnSpc="1">
+              <a:prstTxWarp prst="textNoShape">
+                <a:avLst/>
+              </a:prstTxWarp>
+            </a:bodyPr>
+            <a:lstStyle/>
+            <a:p>
+              <a:pPr marL="0" marR="0" indent="0" algn="ctr" defTabSz="914400" rtl="0" eaLnBrk="0" fontAlgn="base" latinLnBrk="0" hangingPunct="0">
+                <a:lnSpc>
+                  <a:spcPct val="100000"/>
+                </a:lnSpc>
+                <a:spcBef>
+                  <a:spcPct val="0"/>
+                </a:spcBef>
+                <a:spcAft>
+                  <a:spcPct val="0"/>
+                </a:spcAft>
+                <a:buClrTx/>
+                <a:buSzTx/>
+                <a:buFontTx/>
+                <a:buNone/>
+                <a:tabLst/>
+              </a:pPr>
+              <a:r>
+                <a:rPr kumimoji="0" lang="en-US" sz="1400" b="0" i="0" u="none" strike="noStrike" cap="none" normalizeH="0" baseline="0" dirty="0">
+                  <a:ln>
+                    <a:noFill/>
+                  </a:ln>
+                  <a:solidFill>
+                    <a:schemeClr val="tx1"/>
+                  </a:solidFill>
+                  <a:effectLst/>
+                  <a:latin typeface="Arial" charset="0"/>
+                  <a:ea typeface="ＭＳ Ｐゴシック" pitchFamily="96" charset="-128"/>
+                </a:rPr>
+                <a:t>x-axis label</a:t>
+              </a:r>
+            </a:p>
+          </p:txBody>
+        </p:sp>
+        <p:sp>
+          <p:nvSpPr>
+            <p:cNvPr id="16" name="Rectangle 15">
+              <a:extLst>
+                <a:ext uri="{FF2B5EF4-FFF2-40B4-BE49-F238E27FC236}">
+                  <a16:creationId xmlns:a16="http://schemas.microsoft.com/office/drawing/2014/main" id="{7CC71E54-F06F-4637-A06B-DE1989FFD9EC}"/>
+                </a:ext>
+              </a:extLst>
+            </p:cNvPr>
+            <p:cNvSpPr/>
+            <p:nvPr/>
+          </p:nvSpPr>
+          <p:spPr bwMode="auto">
+            <a:xfrm>
+              <a:off x="6842248" y="3803760"/>
+              <a:ext cx="557425" cy="255587"/>
+            </a:xfrm>
+            <a:prstGeom prst="rect">
+              <a:avLst/>
+            </a:prstGeom>
+            <a:solidFill>
+              <a:schemeClr val="accent5"/>
+            </a:solidFill>
+            <a:ln w="9525" cap="flat" cmpd="sng" algn="ctr">
+              <a:solidFill>
+                <a:schemeClr val="accent5">
+                  <a:lumMod val="50000"/>
+                </a:schemeClr>
+              </a:solidFill>
+              <a:prstDash val="solid"/>
+              <a:round/>
+              <a:headEnd type="none" w="med" len="med"/>
+              <a:tailEnd type="none" w="med" len="med"/>
+            </a:ln>
+            <a:effectLst/>
+            <a:extLst>
+              <a:ext uri="{AF507438-7753-43e0-B8FC-AC1667EBCBE1}">
+                <a14:hiddenEffects xmlns:a14="http://schemas.microsoft.com/office/drawing/2010/main" xmlns="">
+                  <a:effectLst>
+                    <a:outerShdw dist="35921" dir="2700000" algn="ctr" rotWithShape="0">
+                      <a:schemeClr val="bg2"/>
+                    </a:outerShdw>
+                  </a:effectLst>
+                </a14:hiddenEffects>
+              </a:ext>
+            </a:extLst>
+          </p:spPr>
+          <p:txBody>
+            <a:bodyPr vert="horz" wrap="square" lIns="91440" tIns="45720" rIns="91440" bIns="45720" numCol="1" rtlCol="0" anchor="ctr" anchorCtr="0" compatLnSpc="1">
+              <a:prstTxWarp prst="textNoShape">
+                <a:avLst/>
+              </a:prstTxWarp>
+            </a:bodyPr>
+            <a:lstStyle/>
+            <a:p>
+              <a:pPr marL="0" marR="0" indent="0" algn="ctr" defTabSz="914400" rtl="0" eaLnBrk="0" fontAlgn="base" latinLnBrk="0" hangingPunct="0">
+                <a:lnSpc>
+                  <a:spcPct val="100000"/>
+                </a:lnSpc>
+                <a:spcBef>
+                  <a:spcPct val="0"/>
+                </a:spcBef>
+                <a:spcAft>
+                  <a:spcPct val="0"/>
+                </a:spcAft>
+                <a:buClrTx/>
+                <a:buSzTx/>
+                <a:buFontTx/>
+                <a:buNone/>
+                <a:tabLst/>
+              </a:pPr>
+              <a:r>
+                <a:rPr kumimoji="0" lang="en-US" sz="1400" b="0" i="0" u="none" strike="noStrike" cap="none" normalizeH="0" baseline="0" dirty="0">
+                  <a:ln>
+                    <a:noFill/>
+                  </a:ln>
+                  <a:solidFill>
+                    <a:schemeClr val="tx1"/>
+                  </a:solidFill>
+                  <a:effectLst/>
+                  <a:latin typeface="Arial" charset="0"/>
+                  <a:ea typeface="ＭＳ Ｐゴシック" pitchFamily="96" charset="-128"/>
+                </a:rPr>
+                <a:t>tick</a:t>
+              </a:r>
+            </a:p>
+          </p:txBody>
+        </p:sp>
+        <p:sp>
+          <p:nvSpPr>
+            <p:cNvPr id="17" name="Rectangle 16">
+              <a:extLst>
+                <a:ext uri="{FF2B5EF4-FFF2-40B4-BE49-F238E27FC236}">
+                  <a16:creationId xmlns:a16="http://schemas.microsoft.com/office/drawing/2014/main" id="{21F7F71B-6891-4C30-8527-A25DB9E473D7}"/>
+                </a:ext>
+              </a:extLst>
+            </p:cNvPr>
+            <p:cNvSpPr/>
+            <p:nvPr/>
+          </p:nvSpPr>
+          <p:spPr bwMode="auto">
+            <a:xfrm>
+              <a:off x="7066214" y="1888078"/>
+              <a:ext cx="1034177" cy="255587"/>
+            </a:xfrm>
+            <a:prstGeom prst="rect">
+              <a:avLst/>
+            </a:prstGeom>
+            <a:solidFill>
+              <a:schemeClr val="accent5"/>
+            </a:solidFill>
+            <a:ln w="9525" cap="flat" cmpd="sng" algn="ctr">
+              <a:solidFill>
+                <a:schemeClr val="accent5">
+                  <a:lumMod val="50000"/>
+                </a:schemeClr>
+              </a:solidFill>
+              <a:prstDash val="solid"/>
+              <a:round/>
+              <a:headEnd type="none" w="med" len="med"/>
+              <a:tailEnd type="none" w="med" len="med"/>
+            </a:ln>
+            <a:effectLst/>
+            <a:extLst>
+              <a:ext uri="{AF507438-7753-43e0-B8FC-AC1667EBCBE1}">
+                <a14:hiddenEffects xmlns:a14="http://schemas.microsoft.com/office/drawing/2010/main" xmlns="">
+                  <a:effectLst>
+                    <a:outerShdw dist="35921" dir="2700000" algn="ctr" rotWithShape="0">
+                      <a:schemeClr val="bg2"/>
+                    </a:outerShdw>
+                  </a:effectLst>
+                </a14:hiddenEffects>
+              </a:ext>
+            </a:extLst>
+          </p:spPr>
+          <p:txBody>
+            <a:bodyPr vert="horz" wrap="square" lIns="91440" tIns="45720" rIns="91440" bIns="45720" numCol="1" rtlCol="0" anchor="ctr" anchorCtr="0" compatLnSpc="1">
+              <a:prstTxWarp prst="textNoShape">
+                <a:avLst/>
+              </a:prstTxWarp>
+            </a:bodyPr>
+            <a:lstStyle/>
+            <a:p>
+              <a:pPr marL="0" marR="0" indent="0" algn="ctr" defTabSz="914400" rtl="0" eaLnBrk="0" fontAlgn="base" latinLnBrk="0" hangingPunct="0">
+                <a:lnSpc>
+                  <a:spcPct val="100000"/>
+                </a:lnSpc>
+                <a:spcBef>
+                  <a:spcPct val="0"/>
+                </a:spcBef>
+                <a:spcAft>
+                  <a:spcPct val="0"/>
+                </a:spcAft>
+                <a:buClrTx/>
+                <a:buSzTx/>
+                <a:buFontTx/>
+                <a:buNone/>
+                <a:tabLst/>
+              </a:pPr>
+              <a:r>
+                <a:rPr kumimoji="0" lang="en-US" sz="1400" b="0" i="0" u="none" strike="noStrike" cap="none" normalizeH="0" baseline="0" dirty="0">
+                  <a:ln>
+                    <a:noFill/>
+                  </a:ln>
+                  <a:solidFill>
+                    <a:schemeClr val="tx1"/>
+                  </a:solidFill>
+                  <a:effectLst/>
+                  <a:latin typeface="Arial" charset="0"/>
+                  <a:ea typeface="ＭＳ Ｐゴシック" pitchFamily="96" charset="-128"/>
+                </a:rPr>
+                <a:t>Plot panel</a:t>
+              </a:r>
+            </a:p>
+          </p:txBody>
+        </p:sp>
+        <p:sp>
+          <p:nvSpPr>
+            <p:cNvPr id="18" name="Rectangle 17">
+              <a:extLst>
+                <a:ext uri="{FF2B5EF4-FFF2-40B4-BE49-F238E27FC236}">
+                  <a16:creationId xmlns:a16="http://schemas.microsoft.com/office/drawing/2014/main" id="{285C8C16-EF74-4BA1-8231-5539609D75BE}"/>
+                </a:ext>
+              </a:extLst>
+            </p:cNvPr>
+            <p:cNvSpPr/>
+            <p:nvPr/>
+          </p:nvSpPr>
+          <p:spPr bwMode="auto">
+            <a:xfrm>
+              <a:off x="6819973" y="2456119"/>
+              <a:ext cx="943136" cy="255587"/>
+            </a:xfrm>
+            <a:prstGeom prst="rect">
+              <a:avLst/>
+            </a:prstGeom>
+            <a:solidFill>
+              <a:schemeClr val="accent5"/>
+            </a:solidFill>
+            <a:ln w="9525" cap="flat" cmpd="sng" algn="ctr">
+              <a:solidFill>
+                <a:schemeClr val="accent5">
+                  <a:lumMod val="50000"/>
+                </a:schemeClr>
+              </a:solidFill>
+              <a:prstDash val="solid"/>
+              <a:round/>
+              <a:headEnd type="none" w="med" len="med"/>
+              <a:tailEnd type="none" w="med" len="med"/>
+            </a:ln>
+            <a:effectLst/>
+            <a:extLst>
+              <a:ext uri="{AF507438-7753-43e0-B8FC-AC1667EBCBE1}">
+                <a14:hiddenEffects xmlns:a14="http://schemas.microsoft.com/office/drawing/2010/main" xmlns="">
+                  <a:effectLst>
+                    <a:outerShdw dist="35921" dir="2700000" algn="ctr" rotWithShape="0">
+                      <a:schemeClr val="bg2"/>
+                    </a:outerShdw>
+                  </a:effectLst>
+                </a14:hiddenEffects>
+              </a:ext>
+            </a:extLst>
+          </p:spPr>
+          <p:txBody>
+            <a:bodyPr vert="horz" wrap="square" lIns="91440" tIns="45720" rIns="91440" bIns="45720" numCol="1" rtlCol="0" anchor="ctr" anchorCtr="0" compatLnSpc="1">
+              <a:prstTxWarp prst="textNoShape">
+                <a:avLst/>
+              </a:prstTxWarp>
+            </a:bodyPr>
+            <a:lstStyle/>
+            <a:p>
+              <a:pPr marL="0" marR="0" indent="0" algn="ctr" defTabSz="914400" rtl="0" eaLnBrk="0" fontAlgn="base" latinLnBrk="0" hangingPunct="0">
+                <a:lnSpc>
+                  <a:spcPct val="100000"/>
+                </a:lnSpc>
+                <a:spcBef>
+                  <a:spcPct val="0"/>
+                </a:spcBef>
+                <a:spcAft>
+                  <a:spcPct val="0"/>
+                </a:spcAft>
+                <a:buClrTx/>
+                <a:buSzTx/>
+                <a:buFontTx/>
+                <a:buNone/>
+                <a:tabLst/>
+              </a:pPr>
+              <a:r>
+                <a:rPr kumimoji="0" lang="en-US" sz="1400" b="0" i="0" u="none" strike="noStrike" cap="none" normalizeH="0" baseline="0" dirty="0">
+                  <a:ln>
+                    <a:noFill/>
+                  </a:ln>
+                  <a:solidFill>
+                    <a:schemeClr val="tx1"/>
+                  </a:solidFill>
+                  <a:effectLst/>
+                  <a:latin typeface="Arial" charset="0"/>
+                  <a:ea typeface="ＭＳ Ｐゴシック" pitchFamily="96" charset="-128"/>
+                </a:rPr>
+                <a:t>Plot area</a:t>
+              </a:r>
+            </a:p>
+          </p:txBody>
+        </p:sp>
+        <p:sp>
+          <p:nvSpPr>
+            <p:cNvPr id="19" name="Rectangle 18">
+              <a:extLst>
+                <a:ext uri="{FF2B5EF4-FFF2-40B4-BE49-F238E27FC236}">
+                  <a16:creationId xmlns:a16="http://schemas.microsoft.com/office/drawing/2014/main" id="{8BBF5866-4135-47AA-924F-3BDECD7BE9A0}"/>
+                </a:ext>
+              </a:extLst>
+            </p:cNvPr>
+            <p:cNvSpPr/>
+            <p:nvPr/>
+          </p:nvSpPr>
+          <p:spPr bwMode="auto">
+            <a:xfrm>
+              <a:off x="3298880" y="659979"/>
+              <a:ext cx="734144" cy="255587"/>
+            </a:xfrm>
+            <a:prstGeom prst="rect">
+              <a:avLst/>
+            </a:prstGeom>
+            <a:solidFill>
+              <a:schemeClr val="accent5"/>
+            </a:solidFill>
+            <a:ln w="9525" cap="flat" cmpd="sng" algn="ctr">
+              <a:solidFill>
+                <a:schemeClr val="accent5">
+                  <a:lumMod val="50000"/>
+                </a:schemeClr>
+              </a:solidFill>
+              <a:prstDash val="solid"/>
+              <a:round/>
+              <a:headEnd type="none" w="med" len="med"/>
+              <a:tailEnd type="none" w="med" len="med"/>
+            </a:ln>
+            <a:effectLst/>
+            <a:extLst>
+              <a:ext uri="{AF507438-7753-43e0-B8FC-AC1667EBCBE1}">
+                <a14:hiddenEffects xmlns:a14="http://schemas.microsoft.com/office/drawing/2010/main" xmlns="">
+                  <a:effectLst>
+                    <a:outerShdw dist="35921" dir="2700000" algn="ctr" rotWithShape="0">
+                      <a:schemeClr val="bg2"/>
+                    </a:outerShdw>
+                  </a:effectLst>
+                </a14:hiddenEffects>
+              </a:ext>
+            </a:extLst>
+          </p:spPr>
+          <p:txBody>
+            <a:bodyPr vert="horz" wrap="square" lIns="91440" tIns="45720" rIns="91440" bIns="45720" numCol="1" rtlCol="0" anchor="ctr" anchorCtr="0" compatLnSpc="1">
+              <a:prstTxWarp prst="textNoShape">
+                <a:avLst/>
+              </a:prstTxWarp>
+            </a:bodyPr>
+            <a:lstStyle/>
+            <a:p>
+              <a:pPr marL="0" marR="0" indent="0" algn="ctr" defTabSz="914400" rtl="0" eaLnBrk="0" fontAlgn="base" latinLnBrk="0" hangingPunct="0">
+                <a:lnSpc>
+                  <a:spcPct val="100000"/>
+                </a:lnSpc>
+                <a:spcBef>
+                  <a:spcPct val="0"/>
+                </a:spcBef>
+                <a:spcAft>
+                  <a:spcPct val="0"/>
+                </a:spcAft>
+                <a:buClrTx/>
+                <a:buSzTx/>
+                <a:buFontTx/>
+                <a:buNone/>
+                <a:tabLst/>
+              </a:pPr>
+              <a:r>
+                <a:rPr kumimoji="0" lang="en-US" sz="1400" b="0" i="0" u="none" strike="noStrike" cap="none" normalizeH="0" baseline="0" dirty="0">
+                  <a:ln>
+                    <a:noFill/>
+                  </a:ln>
+                  <a:solidFill>
+                    <a:schemeClr val="tx1"/>
+                  </a:solidFill>
+                  <a:effectLst/>
+                  <a:latin typeface="Arial" charset="0"/>
+                  <a:ea typeface="ＭＳ Ｐゴシック" pitchFamily="96" charset="-128"/>
+                </a:rPr>
+                <a:t>legend</a:t>
+              </a:r>
+            </a:p>
+          </p:txBody>
+        </p:sp>
+        <p:sp>
+          <p:nvSpPr>
+            <p:cNvPr id="20" name="Rectangle 19">
+              <a:extLst>
+                <a:ext uri="{FF2B5EF4-FFF2-40B4-BE49-F238E27FC236}">
+                  <a16:creationId xmlns:a16="http://schemas.microsoft.com/office/drawing/2014/main" id="{087B71BF-A6B8-4E53-B38A-A3DC1D44EBFF}"/>
+                </a:ext>
+              </a:extLst>
+            </p:cNvPr>
+            <p:cNvSpPr/>
+            <p:nvPr/>
+          </p:nvSpPr>
+          <p:spPr bwMode="auto">
+            <a:xfrm>
+              <a:off x="6842248" y="4227934"/>
+              <a:ext cx="942212" cy="255587"/>
+            </a:xfrm>
+            <a:prstGeom prst="rect">
+              <a:avLst/>
+            </a:prstGeom>
+            <a:solidFill>
+              <a:schemeClr val="accent5"/>
+            </a:solidFill>
+            <a:ln w="9525" cap="flat" cmpd="sng" algn="ctr">
+              <a:solidFill>
+                <a:schemeClr val="accent5">
+                  <a:lumMod val="50000"/>
+                </a:schemeClr>
+              </a:solidFill>
+              <a:prstDash val="solid"/>
+              <a:round/>
+              <a:headEnd type="none" w="med" len="med"/>
+              <a:tailEnd type="none" w="med" len="med"/>
+            </a:ln>
+            <a:effectLst/>
+            <a:extLst>
+              <a:ext uri="{AF507438-7753-43e0-B8FC-AC1667EBCBE1}">
+                <a14:hiddenEffects xmlns:a14="http://schemas.microsoft.com/office/drawing/2010/main" xmlns="">
+                  <a:effectLst>
+                    <a:outerShdw dist="35921" dir="2700000" algn="ctr" rotWithShape="0">
+                      <a:schemeClr val="bg2"/>
+                    </a:outerShdw>
+                  </a:effectLst>
+                </a14:hiddenEffects>
+              </a:ext>
+            </a:extLst>
+          </p:spPr>
+          <p:txBody>
+            <a:bodyPr vert="horz" wrap="square" lIns="91440" tIns="45720" rIns="91440" bIns="45720" numCol="1" rtlCol="0" anchor="ctr" anchorCtr="0" compatLnSpc="1">
+              <a:prstTxWarp prst="textNoShape">
+                <a:avLst/>
+              </a:prstTxWarp>
+            </a:bodyPr>
+            <a:lstStyle/>
+            <a:p>
+              <a:pPr marL="0" marR="0" indent="0" algn="ctr" defTabSz="914400" rtl="0" eaLnBrk="0" fontAlgn="base" latinLnBrk="0" hangingPunct="0">
+                <a:lnSpc>
+                  <a:spcPct val="100000"/>
+                </a:lnSpc>
+                <a:spcBef>
+                  <a:spcPct val="0"/>
+                </a:spcBef>
+                <a:spcAft>
+                  <a:spcPct val="0"/>
+                </a:spcAft>
+                <a:buClrTx/>
+                <a:buSzTx/>
+                <a:buFontTx/>
+                <a:buNone/>
+                <a:tabLst/>
+              </a:pPr>
+              <a:r>
+                <a:rPr lang="en-US" sz="1400" dirty="0">
+                  <a:latin typeface="Arial" charset="0"/>
+                  <a:ea typeface="ＭＳ Ｐゴシック" pitchFamily="96" charset="-128"/>
+                </a:rPr>
+                <a:t>t</a:t>
+              </a:r>
+              <a:r>
+                <a:rPr kumimoji="0" lang="en-US" sz="1400" b="0" i="0" u="none" strike="noStrike" cap="none" normalizeH="0" baseline="0" dirty="0">
+                  <a:ln>
+                    <a:noFill/>
+                  </a:ln>
+                  <a:solidFill>
+                    <a:schemeClr val="tx1"/>
+                  </a:solidFill>
+                  <a:effectLst/>
+                  <a:latin typeface="Arial" charset="0"/>
+                  <a:ea typeface="ＭＳ Ｐゴシック" pitchFamily="96" charset="-128"/>
+                </a:rPr>
+                <a:t>ick label</a:t>
+              </a:r>
+            </a:p>
+          </p:txBody>
+        </p:sp>
+        <p:cxnSp>
+          <p:nvCxnSpPr>
+            <p:cNvPr id="22" name="Straight Arrow Connector 21">
+              <a:extLst>
+                <a:ext uri="{FF2B5EF4-FFF2-40B4-BE49-F238E27FC236}">
+                  <a16:creationId xmlns:a16="http://schemas.microsoft.com/office/drawing/2014/main" id="{1ACCB7C5-1047-4DA7-B5BB-FD7F2781DFC7}"/>
+                </a:ext>
+              </a:extLst>
+            </p:cNvPr>
+            <p:cNvCxnSpPr>
+              <a:endCxn id="17" idx="1"/>
+            </p:cNvCxnSpPr>
+            <p:nvPr/>
+          </p:nvCxnSpPr>
+          <p:spPr bwMode="auto">
+            <a:xfrm>
+              <a:off x="6573732" y="2015871"/>
+              <a:ext cx="492482" cy="1"/>
+            </a:xfrm>
+            <a:prstGeom prst="straightConnector1">
+              <a:avLst/>
+            </a:prstGeom>
+            <a:solidFill>
+              <a:schemeClr val="accent1"/>
+            </a:solidFill>
+            <a:ln w="9525" cap="flat" cmpd="sng" algn="ctr">
+              <a:solidFill>
+                <a:schemeClr val="accent5">
+                  <a:lumMod val="50000"/>
+                </a:schemeClr>
+              </a:solidFill>
+              <a:prstDash val="solid"/>
+              <a:round/>
+              <a:headEnd type="none" w="med" len="med"/>
+              <a:tailEnd type="triangle"/>
+            </a:ln>
+            <a:effectLst/>
+            <a:extLst>
+              <a:ext uri="{AF507438-7753-43e0-B8FC-AC1667EBCBE1}">
+                <a14:hiddenEffects xmlns:a14="http://schemas.microsoft.com/office/drawing/2010/main" xmlns="">
+                  <a:effectLst>
+                    <a:outerShdw dist="35921" dir="2700000" algn="ctr" rotWithShape="0">
+                      <a:schemeClr val="bg2"/>
+                    </a:outerShdw>
+                  </a:effectLst>
+                </a14:hiddenEffects>
+              </a:ext>
+            </a:extLst>
+          </p:spPr>
+        </p:cxnSp>
+        <p:cxnSp>
+          <p:nvCxnSpPr>
+            <p:cNvPr id="24" name="Straight Arrow Connector 23">
+              <a:extLst>
+                <a:ext uri="{FF2B5EF4-FFF2-40B4-BE49-F238E27FC236}">
+                  <a16:creationId xmlns:a16="http://schemas.microsoft.com/office/drawing/2014/main" id="{A612E8EE-5EE7-4735-B502-D5B9DAE069EB}"/>
+                </a:ext>
+              </a:extLst>
+            </p:cNvPr>
+            <p:cNvCxnSpPr>
+              <a:cxnSpLocks/>
+              <a:endCxn id="12" idx="2"/>
+            </p:cNvCxnSpPr>
+            <p:nvPr/>
+          </p:nvCxnSpPr>
+          <p:spPr bwMode="auto">
+            <a:xfrm flipV="1">
+              <a:off x="4860032" y="895277"/>
+              <a:ext cx="0" cy="452337"/>
+            </a:xfrm>
+            <a:prstGeom prst="straightConnector1">
+              <a:avLst/>
+            </a:prstGeom>
+            <a:solidFill>
+              <a:schemeClr val="accent1"/>
+            </a:solidFill>
+            <a:ln w="9525" cap="flat" cmpd="sng" algn="ctr">
+              <a:solidFill>
+                <a:schemeClr val="accent5">
+                  <a:lumMod val="50000"/>
+                </a:schemeClr>
+              </a:solidFill>
+              <a:prstDash val="solid"/>
+              <a:round/>
+              <a:headEnd type="none" w="med" len="med"/>
+              <a:tailEnd type="triangle"/>
+            </a:ln>
+            <a:effectLst/>
+            <a:extLst>
+              <a:ext uri="{AF507438-7753-43e0-B8FC-AC1667EBCBE1}">
+                <a14:hiddenEffects xmlns:a14="http://schemas.microsoft.com/office/drawing/2010/main" xmlns="">
+                  <a:effectLst>
+                    <a:outerShdw dist="35921" dir="2700000" algn="ctr" rotWithShape="0">
+                      <a:schemeClr val="bg2"/>
+                    </a:outerShdw>
+                  </a:effectLst>
+                </a14:hiddenEffects>
+              </a:ext>
+            </a:extLst>
+          </p:spPr>
+        </p:cxnSp>
+        <p:cxnSp>
+          <p:nvCxnSpPr>
+            <p:cNvPr id="26" name="Straight Arrow Connector 25">
+              <a:extLst>
+                <a:ext uri="{FF2B5EF4-FFF2-40B4-BE49-F238E27FC236}">
+                  <a16:creationId xmlns:a16="http://schemas.microsoft.com/office/drawing/2014/main" id="{620E53D2-BACC-4EEE-83E1-FA8F7E746DCB}"/>
+                </a:ext>
+              </a:extLst>
+            </p:cNvPr>
+            <p:cNvCxnSpPr>
+              <a:cxnSpLocks/>
+            </p:cNvCxnSpPr>
+            <p:nvPr/>
+          </p:nvCxnSpPr>
+          <p:spPr bwMode="auto">
+            <a:xfrm flipV="1">
+              <a:off x="3923928" y="915566"/>
+              <a:ext cx="0" cy="936104"/>
+            </a:xfrm>
+            <a:prstGeom prst="straightConnector1">
+              <a:avLst/>
+            </a:prstGeom>
+            <a:solidFill>
+              <a:schemeClr val="accent1"/>
+            </a:solidFill>
+            <a:ln w="9525" cap="flat" cmpd="sng" algn="ctr">
+              <a:solidFill>
+                <a:schemeClr val="accent5">
+                  <a:lumMod val="50000"/>
+                </a:schemeClr>
+              </a:solidFill>
+              <a:prstDash val="solid"/>
+              <a:round/>
+              <a:headEnd type="none" w="med" len="med"/>
+              <a:tailEnd type="triangle"/>
+            </a:ln>
+            <a:effectLst/>
+            <a:extLst>
+              <a:ext uri="{AF507438-7753-43e0-B8FC-AC1667EBCBE1}">
+                <a14:hiddenEffects xmlns:a14="http://schemas.microsoft.com/office/drawing/2010/main" xmlns="">
+                  <a:effectLst>
+                    <a:outerShdw dist="35921" dir="2700000" algn="ctr" rotWithShape="0">
+                      <a:schemeClr val="bg2"/>
+                    </a:outerShdw>
+                  </a:effectLst>
+                </a14:hiddenEffects>
+              </a:ext>
+            </a:extLst>
+          </p:spPr>
+        </p:cxnSp>
+        <p:sp>
+          <p:nvSpPr>
+            <p:cNvPr id="27" name="Rectangle 26">
+              <a:extLst>
+                <a:ext uri="{FF2B5EF4-FFF2-40B4-BE49-F238E27FC236}">
+                  <a16:creationId xmlns:a16="http://schemas.microsoft.com/office/drawing/2014/main" id="{90583344-CBA1-47F1-96CC-F6EAB53379E8}"/>
+                </a:ext>
+              </a:extLst>
+            </p:cNvPr>
+            <p:cNvSpPr/>
+            <p:nvPr/>
+          </p:nvSpPr>
+          <p:spPr bwMode="auto">
+            <a:xfrm>
+              <a:off x="3563888" y="1707654"/>
+              <a:ext cx="2681251" cy="2412775"/>
+            </a:xfrm>
+            <a:prstGeom prst="rect">
+              <a:avLst/>
+            </a:prstGeom>
+            <a:solidFill>
+              <a:schemeClr val="accent5">
+                <a:alpha val="20000"/>
+              </a:schemeClr>
+            </a:solidFill>
+            <a:ln w="9525" cap="flat" cmpd="sng" algn="ctr">
+              <a:solidFill>
+                <a:schemeClr val="accent5"/>
+              </a:solidFill>
+              <a:prstDash val="solid"/>
+              <a:round/>
+              <a:headEnd type="none" w="med" len="med"/>
+              <a:tailEnd type="none" w="med" len="med"/>
+            </a:ln>
+            <a:effectLst/>
+            <a:extLst>
+              <a:ext uri="{AF507438-7753-43e0-B8FC-AC1667EBCBE1}">
+                <a14:hiddenEffects xmlns:a14="http://schemas.microsoft.com/office/drawing/2010/main" xmlns="">
+                  <a:effectLst>
+                    <a:outerShdw dist="35921" dir="2700000" algn="ctr" rotWithShape="0">
+                      <a:schemeClr val="bg2"/>
+                    </a:outerShdw>
+                  </a:effectLst>
+                </a14:hiddenEffects>
+              </a:ext>
+            </a:extLst>
+          </p:spPr>
+          <p:txBody>
+            <a:bodyPr vert="horz" wrap="square" lIns="91440" tIns="45720" rIns="91440" bIns="45720" numCol="1" rtlCol="0" anchor="t" anchorCtr="0" compatLnSpc="1">
+              <a:prstTxWarp prst="textNoShape">
+                <a:avLst/>
+              </a:prstTxWarp>
+            </a:bodyPr>
+            <a:lstStyle/>
+            <a:p>
+              <a:pPr marL="0" marR="0" indent="0" algn="l" defTabSz="914400" rtl="0" eaLnBrk="0" fontAlgn="base" latinLnBrk="0" hangingPunct="0">
+                <a:lnSpc>
+                  <a:spcPct val="100000"/>
+                </a:lnSpc>
+                <a:spcBef>
+                  <a:spcPct val="0"/>
+                </a:spcBef>
+                <a:spcAft>
+                  <a:spcPct val="0"/>
+                </a:spcAft>
+                <a:buClrTx/>
+                <a:buSzTx/>
+                <a:buFontTx/>
+                <a:buNone/>
+                <a:tabLst/>
+              </a:pPr>
+              <a:endParaRPr kumimoji="0" lang="en-US" sz="2400" b="0" i="0" u="none" strike="noStrike" cap="none" normalizeH="0" baseline="0">
+                <a:ln>
+                  <a:noFill/>
+                </a:ln>
+                <a:solidFill>
+                  <a:schemeClr val="tx1"/>
+                </a:solidFill>
+                <a:effectLst/>
+                <a:latin typeface="Arial" charset="0"/>
+                <a:ea typeface="ＭＳ Ｐゴシック" pitchFamily="96" charset="-128"/>
+              </a:endParaRPr>
+            </a:p>
+          </p:txBody>
+        </p:sp>
+        <p:cxnSp>
+          <p:nvCxnSpPr>
+            <p:cNvPr id="33" name="Straight Arrow Connector 32">
+              <a:extLst>
+                <a:ext uri="{FF2B5EF4-FFF2-40B4-BE49-F238E27FC236}">
+                  <a16:creationId xmlns:a16="http://schemas.microsoft.com/office/drawing/2014/main" id="{01420809-FD89-48C2-A548-A23B825B9327}"/>
+                </a:ext>
+              </a:extLst>
+            </p:cNvPr>
+            <p:cNvCxnSpPr/>
+            <p:nvPr/>
+          </p:nvCxnSpPr>
+          <p:spPr bwMode="auto">
+            <a:xfrm>
+              <a:off x="6245139" y="2571750"/>
+              <a:ext cx="559109" cy="0"/>
+            </a:xfrm>
+            <a:prstGeom prst="straightConnector1">
+              <a:avLst/>
+            </a:prstGeom>
+            <a:solidFill>
+              <a:schemeClr val="accent1"/>
+            </a:solidFill>
+            <a:ln w="9525" cap="flat" cmpd="sng" algn="ctr">
+              <a:solidFill>
+                <a:schemeClr val="accent5">
+                  <a:lumMod val="50000"/>
+                </a:schemeClr>
+              </a:solidFill>
+              <a:prstDash val="solid"/>
+              <a:round/>
+              <a:headEnd type="none" w="med" len="med"/>
+              <a:tailEnd type="triangle"/>
+            </a:ln>
+            <a:effectLst/>
+            <a:extLst>
+              <a:ext uri="{AF507438-7753-43e0-B8FC-AC1667EBCBE1}">
+                <a14:hiddenEffects xmlns:a14="http://schemas.microsoft.com/office/drawing/2010/main" xmlns="">
+                  <a:effectLst>
+                    <a:outerShdw dist="35921" dir="2700000" algn="ctr" rotWithShape="0">
+                      <a:schemeClr val="bg2"/>
+                    </a:outerShdw>
+                  </a:effectLst>
+                </a14:hiddenEffects>
+              </a:ext>
+            </a:extLst>
+          </p:spPr>
+        </p:cxnSp>
+        <p:cxnSp>
+          <p:nvCxnSpPr>
+            <p:cNvPr id="35" name="Straight Connector 34">
+              <a:extLst>
+                <a:ext uri="{FF2B5EF4-FFF2-40B4-BE49-F238E27FC236}">
+                  <a16:creationId xmlns:a16="http://schemas.microsoft.com/office/drawing/2014/main" id="{F7194BD4-6416-455F-9231-641D0C154DA7}"/>
+                </a:ext>
+              </a:extLst>
+            </p:cNvPr>
+            <p:cNvCxnSpPr/>
+            <p:nvPr/>
+          </p:nvCxnSpPr>
+          <p:spPr bwMode="auto">
+            <a:xfrm>
+              <a:off x="3563888" y="1707654"/>
+              <a:ext cx="0" cy="2412775"/>
+            </a:xfrm>
+            <a:prstGeom prst="line">
+              <a:avLst/>
+            </a:prstGeom>
+            <a:solidFill>
+              <a:schemeClr val="accent1"/>
+            </a:solidFill>
+            <a:ln w="38100" cap="flat" cmpd="sng" algn="ctr">
+              <a:solidFill>
+                <a:schemeClr val="tx2"/>
+              </a:solidFill>
+              <a:prstDash val="solid"/>
+              <a:round/>
+              <a:headEnd type="none" w="med" len="med"/>
+              <a:tailEnd type="none" w="med" len="med"/>
+            </a:ln>
+            <a:effectLst/>
+            <a:extLst>
+              <a:ext uri="{AF507438-7753-43e0-B8FC-AC1667EBCBE1}">
+                <a14:hiddenEffects xmlns:a14="http://schemas.microsoft.com/office/drawing/2010/main" xmlns="">
+                  <a:effectLst>
+                    <a:outerShdw dist="35921" dir="2700000" algn="ctr" rotWithShape="0">
+                      <a:schemeClr val="bg2"/>
+                    </a:outerShdw>
+                  </a:effectLst>
+                </a14:hiddenEffects>
+              </a:ext>
+            </a:extLst>
+          </p:spPr>
+        </p:cxnSp>
+        <p:cxnSp>
+          <p:nvCxnSpPr>
+            <p:cNvPr id="37" name="Straight Arrow Connector 36">
+              <a:extLst>
+                <a:ext uri="{FF2B5EF4-FFF2-40B4-BE49-F238E27FC236}">
+                  <a16:creationId xmlns:a16="http://schemas.microsoft.com/office/drawing/2014/main" id="{9B7FDCAF-1B91-4E78-A027-94C86F86C329}"/>
+                </a:ext>
+              </a:extLst>
+            </p:cNvPr>
+            <p:cNvCxnSpPr>
+              <a:cxnSpLocks/>
+              <a:endCxn id="14" idx="3"/>
+            </p:cNvCxnSpPr>
+            <p:nvPr/>
+          </p:nvCxnSpPr>
+          <p:spPr bwMode="auto">
+            <a:xfrm flipH="1">
+              <a:off x="2771800" y="3723878"/>
+              <a:ext cx="792088" cy="0"/>
+            </a:xfrm>
+            <a:prstGeom prst="straightConnector1">
+              <a:avLst/>
+            </a:prstGeom>
+            <a:solidFill>
+              <a:schemeClr val="accent1"/>
+            </a:solidFill>
+            <a:ln w="9525" cap="flat" cmpd="sng" algn="ctr">
+              <a:solidFill>
+                <a:schemeClr val="accent5">
+                  <a:lumMod val="50000"/>
+                </a:schemeClr>
+              </a:solidFill>
+              <a:prstDash val="solid"/>
+              <a:round/>
+              <a:headEnd type="none" w="med" len="med"/>
+              <a:tailEnd type="triangle"/>
+            </a:ln>
+            <a:effectLst/>
+            <a:extLst>
+              <a:ext uri="{AF507438-7753-43e0-B8FC-AC1667EBCBE1}">
+                <a14:hiddenEffects xmlns:a14="http://schemas.microsoft.com/office/drawing/2010/main" xmlns="">
+                  <a:effectLst>
+                    <a:outerShdw dist="35921" dir="2700000" algn="ctr" rotWithShape="0">
+                      <a:schemeClr val="bg2"/>
+                    </a:outerShdw>
+                  </a:effectLst>
+                </a14:hiddenEffects>
+              </a:ext>
+            </a:extLst>
+          </p:spPr>
+        </p:cxnSp>
+        <p:cxnSp>
+          <p:nvCxnSpPr>
+            <p:cNvPr id="39" name="Straight Connector 38">
+              <a:extLst>
+                <a:ext uri="{FF2B5EF4-FFF2-40B4-BE49-F238E27FC236}">
+                  <a16:creationId xmlns:a16="http://schemas.microsoft.com/office/drawing/2014/main" id="{3A34D71E-3541-40AA-9A29-9114793F23C8}"/>
+                </a:ext>
+              </a:extLst>
+            </p:cNvPr>
+            <p:cNvCxnSpPr>
+              <a:cxnSpLocks/>
+            </p:cNvCxnSpPr>
+            <p:nvPr/>
+          </p:nvCxnSpPr>
+          <p:spPr bwMode="auto">
+            <a:xfrm flipH="1">
+              <a:off x="3563888" y="4138814"/>
+              <a:ext cx="2668582" cy="0"/>
+            </a:xfrm>
+            <a:prstGeom prst="line">
+              <a:avLst/>
+            </a:prstGeom>
+            <a:solidFill>
+              <a:schemeClr val="accent1"/>
+            </a:solidFill>
+            <a:ln w="38100" cap="flat" cmpd="sng" algn="ctr">
+              <a:solidFill>
+                <a:schemeClr val="tx2"/>
+              </a:solidFill>
+              <a:prstDash val="solid"/>
+              <a:round/>
+              <a:headEnd type="none" w="med" len="med"/>
+              <a:tailEnd type="none" w="med" len="med"/>
+            </a:ln>
+            <a:effectLst/>
+            <a:extLst>
+              <a:ext uri="{AF507438-7753-43e0-B8FC-AC1667EBCBE1}">
+                <a14:hiddenEffects xmlns:a14="http://schemas.microsoft.com/office/drawing/2010/main" xmlns="">
+                  <a:effectLst>
+                    <a:outerShdw dist="35921" dir="2700000" algn="ctr" rotWithShape="0">
+                      <a:schemeClr val="bg2"/>
+                    </a:outerShdw>
+                  </a:effectLst>
+                </a14:hiddenEffects>
+              </a:ext>
+            </a:extLst>
+          </p:spPr>
+        </p:cxnSp>
+        <p:cxnSp>
+          <p:nvCxnSpPr>
+            <p:cNvPr id="43" name="Straight Arrow Connector 42">
+              <a:extLst>
+                <a:ext uri="{FF2B5EF4-FFF2-40B4-BE49-F238E27FC236}">
+                  <a16:creationId xmlns:a16="http://schemas.microsoft.com/office/drawing/2014/main" id="{2F4FA8C8-6574-4328-A0C4-F23F7B04F638}"/>
+                </a:ext>
+              </a:extLst>
+            </p:cNvPr>
+            <p:cNvCxnSpPr>
+              <a:endCxn id="13" idx="3"/>
+            </p:cNvCxnSpPr>
+            <p:nvPr/>
+          </p:nvCxnSpPr>
+          <p:spPr bwMode="auto">
+            <a:xfrm flipH="1">
+              <a:off x="2761752" y="4136144"/>
+              <a:ext cx="904200" cy="291592"/>
+            </a:xfrm>
+            <a:prstGeom prst="straightConnector1">
+              <a:avLst/>
+            </a:prstGeom>
+            <a:solidFill>
+              <a:schemeClr val="accent1"/>
+            </a:solidFill>
+            <a:ln w="9525" cap="flat" cmpd="sng" algn="ctr">
+              <a:solidFill>
+                <a:schemeClr val="accent5">
+                  <a:lumMod val="50000"/>
+                </a:schemeClr>
+              </a:solidFill>
+              <a:prstDash val="solid"/>
+              <a:round/>
+              <a:headEnd type="none" w="med" len="med"/>
+              <a:tailEnd type="triangle"/>
+            </a:ln>
+            <a:effectLst/>
+            <a:extLst>
+              <a:ext uri="{AF507438-7753-43e0-B8FC-AC1667EBCBE1}">
+                <a14:hiddenEffects xmlns:a14="http://schemas.microsoft.com/office/drawing/2010/main" xmlns="">
+                  <a:effectLst>
+                    <a:outerShdw dist="35921" dir="2700000" algn="ctr" rotWithShape="0">
+                      <a:schemeClr val="bg2"/>
+                    </a:outerShdw>
+                  </a:effectLst>
+                </a14:hiddenEffects>
+              </a:ext>
+            </a:extLst>
+          </p:spPr>
+        </p:cxnSp>
+        <p:cxnSp>
+          <p:nvCxnSpPr>
+            <p:cNvPr id="45" name="Straight Arrow Connector 44">
+              <a:extLst>
+                <a:ext uri="{FF2B5EF4-FFF2-40B4-BE49-F238E27FC236}">
+                  <a16:creationId xmlns:a16="http://schemas.microsoft.com/office/drawing/2014/main" id="{7B973E39-0A46-42BE-9586-9412DBF9D8E5}"/>
+                </a:ext>
+              </a:extLst>
+            </p:cNvPr>
+            <p:cNvCxnSpPr>
+              <a:endCxn id="15" idx="3"/>
+            </p:cNvCxnSpPr>
+            <p:nvPr/>
+          </p:nvCxnSpPr>
+          <p:spPr bwMode="auto">
+            <a:xfrm flipH="1">
+              <a:off x="4327619" y="4630203"/>
+              <a:ext cx="244381" cy="51287"/>
+            </a:xfrm>
+            <a:prstGeom prst="straightConnector1">
+              <a:avLst/>
+            </a:prstGeom>
+            <a:solidFill>
+              <a:schemeClr val="accent1"/>
+            </a:solidFill>
+            <a:ln w="9525" cap="flat" cmpd="sng" algn="ctr">
+              <a:solidFill>
+                <a:schemeClr val="accent5">
+                  <a:lumMod val="50000"/>
+                </a:schemeClr>
+              </a:solidFill>
+              <a:prstDash val="solid"/>
+              <a:round/>
+              <a:headEnd type="none" w="med" len="med"/>
+              <a:tailEnd type="triangle"/>
+            </a:ln>
+            <a:effectLst/>
+            <a:extLst>
+              <a:ext uri="{AF507438-7753-43e0-B8FC-AC1667EBCBE1}">
+                <a14:hiddenEffects xmlns:a14="http://schemas.microsoft.com/office/drawing/2010/main" xmlns="">
+                  <a:effectLst>
+                    <a:outerShdw dist="35921" dir="2700000" algn="ctr" rotWithShape="0">
+                      <a:schemeClr val="bg2"/>
+                    </a:outerShdw>
+                  </a:effectLst>
+                </a14:hiddenEffects>
+              </a:ext>
+            </a:extLst>
+          </p:spPr>
+        </p:cxnSp>
+        <p:sp>
+          <p:nvSpPr>
+            <p:cNvPr id="46" name="Rectangle 45">
+              <a:extLst>
+                <a:ext uri="{FF2B5EF4-FFF2-40B4-BE49-F238E27FC236}">
+                  <a16:creationId xmlns:a16="http://schemas.microsoft.com/office/drawing/2014/main" id="{1C862A63-77AF-4FB6-8A9C-FEB317C73857}"/>
+                </a:ext>
+              </a:extLst>
+            </p:cNvPr>
+            <p:cNvSpPr/>
+            <p:nvPr/>
+          </p:nvSpPr>
+          <p:spPr bwMode="auto">
+            <a:xfrm rot="16200000">
+              <a:off x="1871502" y="2433436"/>
+              <a:ext cx="1166406" cy="255587"/>
+            </a:xfrm>
+            <a:prstGeom prst="rect">
+              <a:avLst/>
+            </a:prstGeom>
+            <a:solidFill>
+              <a:schemeClr val="accent5"/>
+            </a:solidFill>
+            <a:ln w="9525" cap="flat" cmpd="sng" algn="ctr">
+              <a:solidFill>
+                <a:schemeClr val="accent5">
+                  <a:lumMod val="50000"/>
+                </a:schemeClr>
+              </a:solidFill>
+              <a:prstDash val="solid"/>
+              <a:round/>
+              <a:headEnd type="none" w="med" len="med"/>
+              <a:tailEnd type="none" w="med" len="med"/>
+            </a:ln>
+            <a:effectLst/>
+            <a:extLst>
+              <a:ext uri="{AF507438-7753-43e0-B8FC-AC1667EBCBE1}">
+                <a14:hiddenEffects xmlns:a14="http://schemas.microsoft.com/office/drawing/2010/main" xmlns="">
+                  <a:effectLst>
+                    <a:outerShdw dist="35921" dir="2700000" algn="ctr" rotWithShape="0">
+                      <a:schemeClr val="bg2"/>
+                    </a:outerShdw>
+                  </a:effectLst>
+                </a14:hiddenEffects>
+              </a:ext>
+            </a:extLst>
+          </p:spPr>
+          <p:txBody>
+            <a:bodyPr vert="horz" wrap="square" lIns="91440" tIns="45720" rIns="91440" bIns="45720" numCol="1" rtlCol="0" anchor="ctr" anchorCtr="0" compatLnSpc="1">
+              <a:prstTxWarp prst="textNoShape">
+                <a:avLst/>
+              </a:prstTxWarp>
+            </a:bodyPr>
+            <a:lstStyle/>
+            <a:p>
+              <a:pPr marL="0" marR="0" indent="0" algn="ctr" defTabSz="914400" rtl="0" eaLnBrk="0" fontAlgn="base" latinLnBrk="0" hangingPunct="0">
+                <a:lnSpc>
+                  <a:spcPct val="100000"/>
+                </a:lnSpc>
+                <a:spcBef>
+                  <a:spcPct val="0"/>
+                </a:spcBef>
+                <a:spcAft>
+                  <a:spcPct val="0"/>
+                </a:spcAft>
+                <a:buClrTx/>
+                <a:buSzTx/>
+                <a:buFontTx/>
+                <a:buNone/>
+                <a:tabLst/>
+              </a:pPr>
+              <a:r>
+                <a:rPr lang="en-US" sz="1400" dirty="0">
+                  <a:latin typeface="Arial" charset="0"/>
+                  <a:ea typeface="ＭＳ Ｐゴシック" pitchFamily="96" charset="-128"/>
+                </a:rPr>
+                <a:t>y</a:t>
+              </a:r>
+              <a:r>
+                <a:rPr kumimoji="0" lang="en-US" sz="1400" b="0" i="0" u="none" strike="noStrike" cap="none" normalizeH="0" baseline="0" dirty="0">
+                  <a:ln>
+                    <a:noFill/>
+                  </a:ln>
+                  <a:solidFill>
+                    <a:schemeClr val="tx1"/>
+                  </a:solidFill>
+                  <a:effectLst/>
+                  <a:latin typeface="Arial" charset="0"/>
+                  <a:ea typeface="ＭＳ Ｐゴシック" pitchFamily="96" charset="-128"/>
+                </a:rPr>
+                <a:t>-axis label</a:t>
+              </a:r>
+            </a:p>
+          </p:txBody>
+        </p:sp>
+        <p:cxnSp>
+          <p:nvCxnSpPr>
+            <p:cNvPr id="48" name="Straight Arrow Connector 47">
+              <a:extLst>
+                <a:ext uri="{FF2B5EF4-FFF2-40B4-BE49-F238E27FC236}">
+                  <a16:creationId xmlns:a16="http://schemas.microsoft.com/office/drawing/2014/main" id="{B984A9B4-AD9B-4621-92FE-0B6DCAC6D796}"/>
+                </a:ext>
+              </a:extLst>
+            </p:cNvPr>
+            <p:cNvCxnSpPr>
+              <a:endCxn id="46" idx="2"/>
+            </p:cNvCxnSpPr>
+            <p:nvPr/>
+          </p:nvCxnSpPr>
+          <p:spPr bwMode="auto">
+            <a:xfrm flipH="1" flipV="1">
+              <a:off x="2582499" y="2561230"/>
+              <a:ext cx="405325" cy="150476"/>
+            </a:xfrm>
+            <a:prstGeom prst="straightConnector1">
+              <a:avLst/>
+            </a:prstGeom>
+            <a:solidFill>
+              <a:schemeClr val="accent1"/>
+            </a:solidFill>
+            <a:ln w="9525" cap="flat" cmpd="sng" algn="ctr">
+              <a:solidFill>
+                <a:schemeClr val="accent5">
+                  <a:lumMod val="50000"/>
+                </a:schemeClr>
+              </a:solidFill>
+              <a:prstDash val="solid"/>
+              <a:round/>
+              <a:headEnd type="none" w="med" len="med"/>
+              <a:tailEnd type="triangle"/>
+            </a:ln>
+            <a:effectLst/>
+            <a:extLst>
+              <a:ext uri="{AF507438-7753-43e0-B8FC-AC1667EBCBE1}">
+                <a14:hiddenEffects xmlns:a14="http://schemas.microsoft.com/office/drawing/2010/main" xmlns="">
+                  <a:effectLst>
+                    <a:outerShdw dist="35921" dir="2700000" algn="ctr" rotWithShape="0">
+                      <a:schemeClr val="bg2"/>
+                    </a:outerShdw>
+                  </a:effectLst>
+                </a14:hiddenEffects>
+              </a:ext>
+            </a:extLst>
+          </p:spPr>
+        </p:cxnSp>
+        <p:cxnSp>
+          <p:nvCxnSpPr>
+            <p:cNvPr id="50" name="Straight Arrow Connector 49">
+              <a:extLst>
+                <a:ext uri="{FF2B5EF4-FFF2-40B4-BE49-F238E27FC236}">
+                  <a16:creationId xmlns:a16="http://schemas.microsoft.com/office/drawing/2014/main" id="{CDF5C69D-396A-4669-BF9C-659B3264D0F2}"/>
+                </a:ext>
+              </a:extLst>
+            </p:cNvPr>
+            <p:cNvCxnSpPr>
+              <a:cxnSpLocks/>
+              <a:endCxn id="16" idx="1"/>
+            </p:cNvCxnSpPr>
+            <p:nvPr/>
+          </p:nvCxnSpPr>
+          <p:spPr bwMode="auto">
+            <a:xfrm flipV="1">
+              <a:off x="6245139" y="3931554"/>
+              <a:ext cx="597109" cy="252771"/>
+            </a:xfrm>
+            <a:prstGeom prst="straightConnector1">
+              <a:avLst/>
+            </a:prstGeom>
+            <a:solidFill>
+              <a:schemeClr val="accent1"/>
+            </a:solidFill>
+            <a:ln w="9525" cap="flat" cmpd="sng" algn="ctr">
+              <a:solidFill>
+                <a:schemeClr val="accent5">
+                  <a:lumMod val="50000"/>
+                </a:schemeClr>
+              </a:solidFill>
+              <a:prstDash val="solid"/>
+              <a:round/>
+              <a:headEnd type="none" w="med" len="med"/>
+              <a:tailEnd type="triangle"/>
+            </a:ln>
+            <a:effectLst/>
+            <a:extLst>
+              <a:ext uri="{AF507438-7753-43e0-B8FC-AC1667EBCBE1}">
+                <a14:hiddenEffects xmlns:a14="http://schemas.microsoft.com/office/drawing/2010/main" xmlns="">
+                  <a:effectLst>
+                    <a:outerShdw dist="35921" dir="2700000" algn="ctr" rotWithShape="0">
+                      <a:schemeClr val="bg2"/>
+                    </a:outerShdw>
+                  </a:effectLst>
+                </a14:hiddenEffects>
+              </a:ext>
+            </a:extLst>
+          </p:spPr>
+        </p:cxnSp>
+        <p:cxnSp>
+          <p:nvCxnSpPr>
+            <p:cNvPr id="53" name="Straight Arrow Connector 52">
+              <a:extLst>
+                <a:ext uri="{FF2B5EF4-FFF2-40B4-BE49-F238E27FC236}">
+                  <a16:creationId xmlns:a16="http://schemas.microsoft.com/office/drawing/2014/main" id="{583607E5-1DF0-4425-9876-83CEB49C6F9C}"/>
+                </a:ext>
+              </a:extLst>
+            </p:cNvPr>
+            <p:cNvCxnSpPr>
+              <a:endCxn id="20" idx="1"/>
+            </p:cNvCxnSpPr>
+            <p:nvPr/>
+          </p:nvCxnSpPr>
+          <p:spPr bwMode="auto">
+            <a:xfrm>
+              <a:off x="6300192" y="4355727"/>
+              <a:ext cx="542056" cy="1"/>
+            </a:xfrm>
+            <a:prstGeom prst="straightConnector1">
+              <a:avLst/>
+            </a:prstGeom>
+            <a:solidFill>
+              <a:schemeClr val="accent1"/>
+            </a:solidFill>
+            <a:ln w="9525" cap="flat" cmpd="sng" algn="ctr">
+              <a:solidFill>
+                <a:schemeClr val="accent5">
+                  <a:lumMod val="50000"/>
+                </a:schemeClr>
+              </a:solidFill>
+              <a:prstDash val="solid"/>
+              <a:round/>
+              <a:headEnd type="none" w="med" len="med"/>
+              <a:tailEnd type="triangle"/>
+            </a:ln>
+            <a:effectLst/>
+            <a:extLst>
+              <a:ext uri="{AF507438-7753-43e0-B8FC-AC1667EBCBE1}">
+                <a14:hiddenEffects xmlns:a14="http://schemas.microsoft.com/office/drawing/2010/main" xmlns="">
+                  <a:effectLst>
+                    <a:outerShdw dist="35921" dir="2700000" algn="ctr" rotWithShape="0">
+                      <a:schemeClr val="bg2"/>
+                    </a:outerShdw>
+                  </a:effectLst>
+                </a14:hiddenEffects>
+              </a:ext>
+            </a:extLst>
+          </p:spPr>
+        </p:cxnSp>
+      </p:grpSp>
+    </p:spTree>
+    <p:extLst>
+      <p:ext uri="{BB962C8B-B14F-4D97-AF65-F5344CB8AC3E}">
+        <p14:creationId xmlns:p14="http://schemas.microsoft.com/office/powerpoint/2010/main" val="3720326435"/>
+      </p:ext>
+    </p:extLst>
+  </p:cSld>
+  <p:clrMapOvr>
+    <a:masterClrMapping/>
+  </p:clrMapOvr>
+</p:sld>
+</file>
+
+<file path=ppt/slides/slide15.xml><?xml version="1.0" encoding="utf-8"?>
+<p:sld xmlns:a="http://schemas.openxmlformats.org/drawingml/2006/main" xmlns:r="http://schemas.openxmlformats.org/officeDocument/2006/relationships" xmlns:p="http://schemas.openxmlformats.org/presentationml/2006/main">
+  <p:cSld>
+    <p:spTree>
+      <p:nvGrpSpPr>
+        <p:cNvPr id="1" name=""/>
+        <p:cNvGrpSpPr/>
+        <p:nvPr/>
+      </p:nvGrpSpPr>
+      <p:grpSpPr>
+        <a:xfrm>
+          <a:off x="0" y="0"/>
+          <a:ext cx="0" cy="0"/>
+          <a:chOff x="0" y="0"/>
+          <a:chExt cx="0" cy="0"/>
+        </a:xfrm>
+      </p:grpSpPr>
+      <p:sp>
+        <p:nvSpPr>
+          <p:cNvPr id="4" name="Rectangle 3">
+            <a:extLst>
+              <a:ext uri="{FF2B5EF4-FFF2-40B4-BE49-F238E27FC236}">
+                <a16:creationId xmlns:a16="http://schemas.microsoft.com/office/drawing/2014/main" id="{741E6F0F-8952-48F7-B8A6-5C00D4C8363A}"/>
+              </a:ext>
+            </a:extLst>
+          </p:cNvPr>
+          <p:cNvSpPr/>
+          <p:nvPr/>
+        </p:nvSpPr>
+        <p:spPr bwMode="auto">
+          <a:xfrm>
+            <a:off x="0" y="0"/>
+            <a:ext cx="9144000" cy="627534"/>
+          </a:xfrm>
+          <a:prstGeom prst="rect">
+            <a:avLst/>
+          </a:prstGeom>
+          <a:solidFill>
+            <a:srgbClr val="00589C"/>
+          </a:solidFill>
+          <a:ln w="9525" cap="flat" cmpd="sng" algn="ctr">
+            <a:solidFill>
+              <a:srgbClr val="00589C"/>
+            </a:solidFill>
+            <a:prstDash val="solid"/>
+            <a:round/>
+            <a:headEnd type="none" w="med" len="med"/>
+            <a:tailEnd type="none" w="med" len="med"/>
+          </a:ln>
+          <a:effectLst/>
+          <a:extLst>
+            <a:ext uri="{AF507438-7753-43e0-B8FC-AC1667EBCBE1}">
+              <a14:hiddenEffects xmlns:a14="http://schemas.microsoft.com/office/drawing/2010/main" xmlns="">
                 <a:effectLst>
                   <a:outerShdw dist="35921" dir="2700000" algn="ctr" rotWithShape="0">
                     <a:schemeClr val="bg2"/>
@@ -7194,7 +9222,7 @@
             <a:fld id="{48105EDC-34E1-4D80-B051-D0CBD59863B8}" type="slidenum">
               <a:rPr lang="de-DE" altLang="de-DE" smtClean="0"/>
               <a:pPr/>
-              <a:t>14</a:t>
+              <a:t>15</a:t>
             </a:fld>
             <a:endParaRPr lang="de-DE" altLang="de-DE">
               <a:solidFill>
@@ -7204,16 +9232,2528 @@
           </a:p>
         </p:txBody>
       </p:sp>
+      <p:sp>
+        <p:nvSpPr>
+          <p:cNvPr id="6" name="Textfeld 6">
+            <a:extLst>
+              <a:ext uri="{FF2B5EF4-FFF2-40B4-BE49-F238E27FC236}">
+                <a16:creationId xmlns:a16="http://schemas.microsoft.com/office/drawing/2014/main" id="{AEE49D0C-9094-46A3-856A-2410F8A115C7}"/>
+              </a:ext>
+            </a:extLst>
+          </p:cNvPr>
+          <p:cNvSpPr txBox="1"/>
+          <p:nvPr/>
+        </p:nvSpPr>
+        <p:spPr>
+          <a:xfrm>
+            <a:off x="5514813" y="3921769"/>
+            <a:ext cx="1075936" cy="830997"/>
+          </a:xfrm>
+          <a:prstGeom prst="rect">
+            <a:avLst/>
+          </a:prstGeom>
+          <a:noFill/>
+        </p:spPr>
+        <p:txBody>
+          <a:bodyPr wrap="none">
+            <a:spAutoFit/>
+          </a:bodyPr>
+          <a:lstStyle/>
+          <a:p>
+            <a:pPr eaLnBrk="1" hangingPunct="1">
+              <a:defRPr/>
+            </a:pPr>
+            <a:r>
+              <a:rPr lang="de-DE" sz="1200" dirty="0">
+                <a:solidFill>
+                  <a:schemeClr val="bg2">
+                    <a:lumMod val="50000"/>
+                  </a:schemeClr>
+                </a:solidFill>
+                <a:latin typeface="+mn-lt"/>
+                <a:cs typeface="Times New Roman" pitchFamily="18" charset="0"/>
+              </a:rPr>
+              <a:t>Parameter:</a:t>
+            </a:r>
+          </a:p>
+          <a:p>
+            <a:pPr eaLnBrk="1" hangingPunct="1">
+              <a:defRPr/>
+            </a:pPr>
+            <a:r>
+              <a:rPr lang="de-DE" sz="1200" i="1" dirty="0">
+                <a:solidFill>
+                  <a:schemeClr val="bg2">
+                    <a:lumMod val="50000"/>
+                  </a:schemeClr>
+                </a:solidFill>
+                <a:latin typeface="Times New Roman" pitchFamily="18" charset="0"/>
+                <a:cs typeface="Times New Roman" pitchFamily="18" charset="0"/>
+              </a:rPr>
+              <a:t>ξ</a:t>
+            </a:r>
+            <a:r>
+              <a:rPr lang="de-DE" sz="1200" dirty="0">
+                <a:solidFill>
+                  <a:schemeClr val="bg2">
+                    <a:lumMod val="50000"/>
+                  </a:schemeClr>
+                </a:solidFill>
+                <a:latin typeface="Times New Roman" pitchFamily="18" charset="0"/>
+                <a:cs typeface="Times New Roman" pitchFamily="18" charset="0"/>
+              </a:rPr>
+              <a:t>:   </a:t>
+            </a:r>
+            <a:r>
+              <a:rPr lang="de-DE" sz="1200" dirty="0">
+                <a:solidFill>
+                  <a:schemeClr val="bg2">
+                    <a:lumMod val="50000"/>
+                  </a:schemeClr>
+                </a:solidFill>
+                <a:latin typeface="+mn-lt"/>
+                <a:cs typeface="Times New Roman" pitchFamily="18" charset="0"/>
+              </a:rPr>
+              <a:t>Shape</a:t>
+            </a:r>
+          </a:p>
+          <a:p>
+            <a:pPr eaLnBrk="1" hangingPunct="1">
+              <a:defRPr/>
+            </a:pPr>
+            <a:r>
+              <a:rPr lang="de-DE" sz="1200" i="1" dirty="0">
+                <a:solidFill>
+                  <a:schemeClr val="bg2">
+                    <a:lumMod val="50000"/>
+                  </a:schemeClr>
+                </a:solidFill>
+                <a:latin typeface="Times New Roman" pitchFamily="18" charset="0"/>
+                <a:cs typeface="Times New Roman" pitchFamily="18" charset="0"/>
+                <a:sym typeface="Symbol"/>
+              </a:rPr>
+              <a:t>µ</a:t>
+            </a:r>
+            <a:r>
+              <a:rPr lang="de-DE" sz="1200" dirty="0">
+                <a:solidFill>
+                  <a:schemeClr val="bg2">
+                    <a:lumMod val="50000"/>
+                  </a:schemeClr>
+                </a:solidFill>
+                <a:latin typeface="Times New Roman" pitchFamily="18" charset="0"/>
+                <a:cs typeface="Times New Roman" pitchFamily="18" charset="0"/>
+                <a:sym typeface="Symbol"/>
+              </a:rPr>
+              <a:t>:   </a:t>
+            </a:r>
+            <a:r>
+              <a:rPr lang="de-DE" sz="1200" dirty="0">
+                <a:solidFill>
+                  <a:schemeClr val="bg2">
+                    <a:lumMod val="50000"/>
+                  </a:schemeClr>
+                </a:solidFill>
+                <a:latin typeface="+mj-lt"/>
+                <a:cs typeface="Times New Roman" pitchFamily="18" charset="0"/>
+                <a:sym typeface="Symbol"/>
+              </a:rPr>
+              <a:t>Location</a:t>
+            </a:r>
+          </a:p>
+          <a:p>
+            <a:pPr eaLnBrk="1" hangingPunct="1">
+              <a:defRPr/>
+            </a:pPr>
+            <a:r>
+              <a:rPr lang="de-DE" sz="1200" i="1" dirty="0">
+                <a:solidFill>
+                  <a:schemeClr val="bg2">
+                    <a:lumMod val="50000"/>
+                  </a:schemeClr>
+                </a:solidFill>
+                <a:latin typeface="Times New Roman" pitchFamily="18" charset="0"/>
+                <a:cs typeface="Times New Roman" pitchFamily="18" charset="0"/>
+                <a:sym typeface="Symbol"/>
+              </a:rPr>
+              <a:t>σ</a:t>
+            </a:r>
+            <a:r>
+              <a:rPr lang="de-DE" sz="1200" dirty="0">
+                <a:solidFill>
+                  <a:schemeClr val="bg2">
+                    <a:lumMod val="50000"/>
+                  </a:schemeClr>
+                </a:solidFill>
+                <a:latin typeface="Times New Roman" pitchFamily="18" charset="0"/>
+                <a:cs typeface="Times New Roman" pitchFamily="18" charset="0"/>
+                <a:sym typeface="Symbol"/>
+              </a:rPr>
+              <a:t>:   </a:t>
+            </a:r>
+            <a:r>
+              <a:rPr lang="de-DE" sz="1200" dirty="0">
+                <a:solidFill>
+                  <a:schemeClr val="bg2">
+                    <a:lumMod val="50000"/>
+                  </a:schemeClr>
+                </a:solidFill>
+                <a:latin typeface="+mn-lt"/>
+                <a:cs typeface="Times New Roman" pitchFamily="18" charset="0"/>
+                <a:sym typeface="Symbol"/>
+              </a:rPr>
+              <a:t>Scale</a:t>
+            </a:r>
+            <a:endParaRPr lang="de-DE" sz="1200" dirty="0">
+              <a:solidFill>
+                <a:schemeClr val="bg2">
+                  <a:lumMod val="50000"/>
+                </a:schemeClr>
+              </a:solidFill>
+              <a:latin typeface="+mn-lt"/>
+              <a:cs typeface="Times New Roman" pitchFamily="18" charset="0"/>
+            </a:endParaRPr>
+          </a:p>
+        </p:txBody>
+      </p:sp>
+      <p:sp>
+        <p:nvSpPr>
+          <p:cNvPr id="7" name="Rechteck 5">
+            <a:extLst>
+              <a:ext uri="{FF2B5EF4-FFF2-40B4-BE49-F238E27FC236}">
+                <a16:creationId xmlns:a16="http://schemas.microsoft.com/office/drawing/2014/main" id="{FB7B17B6-72C5-476E-AD4A-9CA8020549E0}"/>
+              </a:ext>
+            </a:extLst>
+          </p:cNvPr>
+          <p:cNvSpPr>
+            <a:spLocks noChangeArrowheads="1"/>
+          </p:cNvSpPr>
+          <p:nvPr/>
+        </p:nvSpPr>
+        <p:spPr bwMode="auto">
+          <a:xfrm>
+            <a:off x="2771800" y="3729516"/>
+            <a:ext cx="2664866" cy="1146490"/>
+          </a:xfrm>
+          <a:prstGeom prst="rect">
+            <a:avLst/>
+          </a:prstGeom>
+          <a:solidFill>
+            <a:srgbClr val="FFDC6D"/>
+          </a:solidFill>
+          <a:ln>
+            <a:noFill/>
+          </a:ln>
+          <a:extLst>
+            <a:ext uri="{91240B29-F687-4F45-9708-019B960494DF}">
+              <a14:hiddenLine xmlns:a14="http://schemas.microsoft.com/office/drawing/2010/main" w="22225">
+                <a:solidFill>
+                  <a:srgbClr val="000000"/>
+                </a:solidFill>
+                <a:miter lim="800000"/>
+                <a:headEnd/>
+                <a:tailEnd/>
+              </a14:hiddenLine>
+            </a:ext>
+          </a:extLst>
+        </p:spPr>
+        <p:txBody>
+          <a:bodyPr wrap="none" anchor="ctr"/>
+          <a:lstStyle>
+            <a:lvl1pPr>
+              <a:spcBef>
+                <a:spcPct val="20000"/>
+              </a:spcBef>
+              <a:buChar char="•"/>
+              <a:defRPr sz="3200">
+                <a:solidFill>
+                  <a:schemeClr val="tx1"/>
+                </a:solidFill>
+                <a:latin typeface="Arial" panose="020B0604020202020204" pitchFamily="34" charset="0"/>
+              </a:defRPr>
+            </a:lvl1pPr>
+            <a:lvl2pPr marL="742950" indent="-285750">
+              <a:spcBef>
+                <a:spcPct val="20000"/>
+              </a:spcBef>
+              <a:buChar char="–"/>
+              <a:defRPr sz="2800">
+                <a:solidFill>
+                  <a:schemeClr val="tx1"/>
+                </a:solidFill>
+                <a:latin typeface="Arial" panose="020B0604020202020204" pitchFamily="34" charset="0"/>
+              </a:defRPr>
+            </a:lvl2pPr>
+            <a:lvl3pPr marL="1143000" indent="-228600">
+              <a:spcBef>
+                <a:spcPct val="20000"/>
+              </a:spcBef>
+              <a:buChar char="•"/>
+              <a:defRPr sz="2400">
+                <a:solidFill>
+                  <a:schemeClr val="tx1"/>
+                </a:solidFill>
+                <a:latin typeface="Arial" panose="020B0604020202020204" pitchFamily="34" charset="0"/>
+              </a:defRPr>
+            </a:lvl3pPr>
+            <a:lvl4pPr marL="1600200" indent="-228600">
+              <a:spcBef>
+                <a:spcPct val="20000"/>
+              </a:spcBef>
+              <a:buChar char="–"/>
+              <a:defRPr sz="2000">
+                <a:solidFill>
+                  <a:schemeClr val="tx1"/>
+                </a:solidFill>
+                <a:latin typeface="Arial" panose="020B0604020202020204" pitchFamily="34" charset="0"/>
+              </a:defRPr>
+            </a:lvl4pPr>
+            <a:lvl5pPr marL="2057400" indent="-228600">
+              <a:spcBef>
+                <a:spcPct val="20000"/>
+              </a:spcBef>
+              <a:buChar char="»"/>
+              <a:defRPr sz="2000">
+                <a:solidFill>
+                  <a:schemeClr val="tx1"/>
+                </a:solidFill>
+                <a:latin typeface="Arial" panose="020B0604020202020204" pitchFamily="34" charset="0"/>
+              </a:defRPr>
+            </a:lvl5pPr>
+            <a:lvl6pPr marL="2514600" indent="-228600" eaLnBrk="0" fontAlgn="base" hangingPunct="0">
+              <a:spcBef>
+                <a:spcPct val="20000"/>
+              </a:spcBef>
+              <a:spcAft>
+                <a:spcPct val="0"/>
+              </a:spcAft>
+              <a:buChar char="»"/>
+              <a:defRPr sz="2000">
+                <a:solidFill>
+                  <a:schemeClr val="tx1"/>
+                </a:solidFill>
+                <a:latin typeface="Arial" panose="020B0604020202020204" pitchFamily="34" charset="0"/>
+              </a:defRPr>
+            </a:lvl6pPr>
+            <a:lvl7pPr marL="2971800" indent="-228600" eaLnBrk="0" fontAlgn="base" hangingPunct="0">
+              <a:spcBef>
+                <a:spcPct val="20000"/>
+              </a:spcBef>
+              <a:spcAft>
+                <a:spcPct val="0"/>
+              </a:spcAft>
+              <a:buChar char="»"/>
+              <a:defRPr sz="2000">
+                <a:solidFill>
+                  <a:schemeClr val="tx1"/>
+                </a:solidFill>
+                <a:latin typeface="Arial" panose="020B0604020202020204" pitchFamily="34" charset="0"/>
+              </a:defRPr>
+            </a:lvl7pPr>
+            <a:lvl8pPr marL="3429000" indent="-228600" eaLnBrk="0" fontAlgn="base" hangingPunct="0">
+              <a:spcBef>
+                <a:spcPct val="20000"/>
+              </a:spcBef>
+              <a:spcAft>
+                <a:spcPct val="0"/>
+              </a:spcAft>
+              <a:buChar char="»"/>
+              <a:defRPr sz="2000">
+                <a:solidFill>
+                  <a:schemeClr val="tx1"/>
+                </a:solidFill>
+                <a:latin typeface="Arial" panose="020B0604020202020204" pitchFamily="34" charset="0"/>
+              </a:defRPr>
+            </a:lvl8pPr>
+            <a:lvl9pPr marL="3886200" indent="-228600" eaLnBrk="0" fontAlgn="base" hangingPunct="0">
+              <a:spcBef>
+                <a:spcPct val="20000"/>
+              </a:spcBef>
+              <a:spcAft>
+                <a:spcPct val="0"/>
+              </a:spcAft>
+              <a:buChar char="»"/>
+              <a:defRPr sz="2000">
+                <a:solidFill>
+                  <a:schemeClr val="tx1"/>
+                </a:solidFill>
+                <a:latin typeface="Arial" panose="020B0604020202020204" pitchFamily="34" charset="0"/>
+              </a:defRPr>
+            </a:lvl9pPr>
+          </a:lstStyle>
+          <a:p>
+            <a:pPr algn="ctr" eaLnBrk="1" hangingPunct="1">
+              <a:spcBef>
+                <a:spcPts val="600"/>
+              </a:spcBef>
+              <a:buFontTx/>
+              <a:buNone/>
+            </a:pPr>
+            <a:endParaRPr lang="en-US" altLang="en-US" sz="1200">
+              <a:latin typeface="Candara" panose="020E0502030303020204" pitchFamily="34" charset="0"/>
+            </a:endParaRPr>
+          </a:p>
+        </p:txBody>
+      </p:sp>
+      <p:graphicFrame>
+        <p:nvGraphicFramePr>
+          <p:cNvPr id="8" name="Object 2">
+            <a:extLst>
+              <a:ext uri="{FF2B5EF4-FFF2-40B4-BE49-F238E27FC236}">
+                <a16:creationId xmlns:a16="http://schemas.microsoft.com/office/drawing/2014/main" id="{636C0D05-56D9-48B7-8D8F-561F32A39056}"/>
+              </a:ext>
+            </a:extLst>
+          </p:cNvPr>
+          <p:cNvGraphicFramePr>
+            <a:graphicFrameLocks noChangeAspect="1"/>
+          </p:cNvGraphicFramePr>
+          <p:nvPr>
+            <p:extLst>
+              <p:ext uri="{D42A27DB-BD31-4B8C-83A1-F6EECF244321}">
+                <p14:modId xmlns:p14="http://schemas.microsoft.com/office/powerpoint/2010/main" val="673660723"/>
+              </p:ext>
+            </p:extLst>
+          </p:nvPr>
+        </p:nvGraphicFramePr>
+        <p:xfrm>
+          <a:off x="2859497" y="3779507"/>
+          <a:ext cx="2461095" cy="1005955"/>
+        </p:xfrm>
+        <a:graphic>
+          <a:graphicData uri="http://schemas.openxmlformats.org/presentationml/2006/ole">
+            <mc:AlternateContent xmlns:mc="http://schemas.openxmlformats.org/markup-compatibility/2006">
+              <mc:Choice xmlns:v="urn:schemas-microsoft-com:vml" Requires="v">
+                <p:oleObj spid="_x0000_s1030" name="Formel" r:id="rId3" imgW="2590800" imgH="990600" progId="Equation.3">
+                  <p:embed/>
+                </p:oleObj>
+              </mc:Choice>
+              <mc:Fallback>
+                <p:oleObj name="Formel" r:id="rId3" imgW="2590800" imgH="990600" progId="Equation.3">
+                  <p:embed/>
+                  <p:pic>
+                    <p:nvPicPr>
+                      <p:cNvPr id="7" name="Object 2">
+                        <a:extLst>
+                          <a:ext uri="{FF2B5EF4-FFF2-40B4-BE49-F238E27FC236}">
+                            <a16:creationId xmlns:a16="http://schemas.microsoft.com/office/drawing/2014/main" id="{E514E0AA-D3B3-4A15-BB6B-6922E89A92DC}"/>
+                          </a:ext>
+                        </a:extLst>
+                      </p:cNvPr>
+                      <p:cNvPicPr>
+                        <a:picLocks noChangeAspect="1" noChangeArrowheads="1"/>
+                      </p:cNvPicPr>
+                      <p:nvPr/>
+                    </p:nvPicPr>
+                    <p:blipFill>
+                      <a:blip r:embed="rId4">
+                        <a:extLst>
+                          <a:ext uri="{28A0092B-C50C-407E-A947-70E740481C1C}">
+                            <a14:useLocalDpi xmlns:a14="http://schemas.microsoft.com/office/drawing/2010/main" val="0"/>
+                          </a:ext>
+                        </a:extLst>
+                      </a:blip>
+                      <a:srcRect/>
+                      <a:stretch>
+                        <a:fillRect/>
+                      </a:stretch>
+                    </p:blipFill>
+                    <p:spPr bwMode="auto">
+                      <a:xfrm>
+                        <a:off x="2859497" y="3779507"/>
+                        <a:ext cx="2461095" cy="1005955"/>
+                      </a:xfrm>
+                      <a:prstGeom prst="rect">
+                        <a:avLst/>
+                      </a:prstGeom>
+                      <a:noFill/>
+                      <a:ln>
+                        <a:noFill/>
+                      </a:ln>
+                      <a:extLst/>
+                    </p:spPr>
+                  </p:pic>
+                </p:oleObj>
+              </mc:Fallback>
+            </mc:AlternateContent>
+          </a:graphicData>
+        </a:graphic>
+      </p:graphicFrame>
+      <p:sp>
+        <p:nvSpPr>
+          <p:cNvPr id="9" name="Textfeld 17">
+            <a:extLst>
+              <a:ext uri="{FF2B5EF4-FFF2-40B4-BE49-F238E27FC236}">
+                <a16:creationId xmlns:a16="http://schemas.microsoft.com/office/drawing/2014/main" id="{EF802C1C-B0F8-46E8-87A7-068E84C99922}"/>
+              </a:ext>
+            </a:extLst>
+          </p:cNvPr>
+          <p:cNvSpPr txBox="1"/>
+          <p:nvPr/>
+        </p:nvSpPr>
+        <p:spPr>
+          <a:xfrm>
+            <a:off x="2700362" y="3418366"/>
+            <a:ext cx="3538538" cy="276999"/>
+          </a:xfrm>
+          <a:prstGeom prst="rect">
+            <a:avLst/>
+          </a:prstGeom>
+          <a:noFill/>
+        </p:spPr>
+        <p:txBody>
+          <a:bodyPr>
+            <a:spAutoFit/>
+          </a:bodyPr>
+          <a:lstStyle/>
+          <a:p>
+            <a:pPr eaLnBrk="1" hangingPunct="1">
+              <a:defRPr/>
+            </a:pPr>
+            <a:r>
+              <a:rPr lang="de-DE" sz="1200" dirty="0"/>
+              <a:t>Cumulative distribution function</a:t>
+            </a:r>
+            <a:endParaRPr lang="de-DE" sz="1200" dirty="0">
+              <a:solidFill>
+                <a:schemeClr val="tx1">
+                  <a:lumMod val="50000"/>
+                </a:schemeClr>
+              </a:solidFill>
+              <a:latin typeface="Arial" charset="0"/>
+            </a:endParaRPr>
+          </a:p>
+        </p:txBody>
+      </p:sp>
+      <p:sp>
+        <p:nvSpPr>
+          <p:cNvPr id="10" name="Textfeld 1">
+            <a:extLst>
+              <a:ext uri="{FF2B5EF4-FFF2-40B4-BE49-F238E27FC236}">
+                <a16:creationId xmlns:a16="http://schemas.microsoft.com/office/drawing/2014/main" id="{3CC7FD99-4ED3-492F-9604-15B713138CF9}"/>
+              </a:ext>
+            </a:extLst>
+          </p:cNvPr>
+          <p:cNvSpPr txBox="1">
+            <a:spLocks noChangeArrowheads="1"/>
+          </p:cNvSpPr>
+          <p:nvPr/>
+        </p:nvSpPr>
+        <p:spPr bwMode="auto">
+          <a:xfrm>
+            <a:off x="1941332" y="5010721"/>
+            <a:ext cx="144439" cy="278199"/>
+          </a:xfrm>
+          <a:prstGeom prst="rect">
+            <a:avLst/>
+          </a:prstGeom>
+          <a:noFill/>
+          <a:ln>
+            <a:noFill/>
+          </a:ln>
+          <a:extLst>
+            <a:ext uri="{909E8E84-426E-40DD-AFC4-6F175D3DCCD1}">
+              <a14:hiddenFill xmlns:a14="http://schemas.microsoft.com/office/drawing/2010/main">
+                <a:solidFill>
+                  <a:srgbClr val="FFFFFF"/>
+                </a:solidFill>
+              </a14:hiddenFill>
+            </a:ext>
+            <a:ext uri="{91240B29-F687-4F45-9708-019B960494DF}">
+              <a14:hiddenLine xmlns:a14="http://schemas.microsoft.com/office/drawing/2010/main" w="9525">
+                <a:solidFill>
+                  <a:srgbClr val="000000"/>
+                </a:solidFill>
+                <a:miter lim="800000"/>
+                <a:headEnd/>
+                <a:tailEnd/>
+              </a14:hiddenLine>
+            </a:ext>
+          </a:extLst>
+        </p:spPr>
+        <p:txBody>
+          <a:bodyPr wrap="square">
+            <a:spAutoFit/>
+          </a:bodyPr>
+          <a:lstStyle>
+            <a:lvl1pPr>
+              <a:spcBef>
+                <a:spcPct val="20000"/>
+              </a:spcBef>
+              <a:buChar char="•"/>
+              <a:defRPr sz="3200">
+                <a:solidFill>
+                  <a:schemeClr val="tx1"/>
+                </a:solidFill>
+                <a:latin typeface="Arial" panose="020B0604020202020204" pitchFamily="34" charset="0"/>
+              </a:defRPr>
+            </a:lvl1pPr>
+            <a:lvl2pPr marL="742950" indent="-285750">
+              <a:spcBef>
+                <a:spcPct val="20000"/>
+              </a:spcBef>
+              <a:buChar char="–"/>
+              <a:defRPr sz="2800">
+                <a:solidFill>
+                  <a:schemeClr val="tx1"/>
+                </a:solidFill>
+                <a:latin typeface="Arial" panose="020B0604020202020204" pitchFamily="34" charset="0"/>
+              </a:defRPr>
+            </a:lvl2pPr>
+            <a:lvl3pPr marL="1143000" indent="-228600">
+              <a:spcBef>
+                <a:spcPct val="20000"/>
+              </a:spcBef>
+              <a:buChar char="•"/>
+              <a:defRPr sz="2400">
+                <a:solidFill>
+                  <a:schemeClr val="tx1"/>
+                </a:solidFill>
+                <a:latin typeface="Arial" panose="020B0604020202020204" pitchFamily="34" charset="0"/>
+              </a:defRPr>
+            </a:lvl3pPr>
+            <a:lvl4pPr marL="1600200" indent="-228600">
+              <a:spcBef>
+                <a:spcPct val="20000"/>
+              </a:spcBef>
+              <a:buChar char="–"/>
+              <a:defRPr sz="2000">
+                <a:solidFill>
+                  <a:schemeClr val="tx1"/>
+                </a:solidFill>
+                <a:latin typeface="Arial" panose="020B0604020202020204" pitchFamily="34" charset="0"/>
+              </a:defRPr>
+            </a:lvl4pPr>
+            <a:lvl5pPr marL="2057400" indent="-228600">
+              <a:spcBef>
+                <a:spcPct val="20000"/>
+              </a:spcBef>
+              <a:buChar char="»"/>
+              <a:defRPr sz="2000">
+                <a:solidFill>
+                  <a:schemeClr val="tx1"/>
+                </a:solidFill>
+                <a:latin typeface="Arial" panose="020B0604020202020204" pitchFamily="34" charset="0"/>
+              </a:defRPr>
+            </a:lvl5pPr>
+            <a:lvl6pPr marL="2514600" indent="-228600" eaLnBrk="0" fontAlgn="base" hangingPunct="0">
+              <a:spcBef>
+                <a:spcPct val="20000"/>
+              </a:spcBef>
+              <a:spcAft>
+                <a:spcPct val="0"/>
+              </a:spcAft>
+              <a:buChar char="»"/>
+              <a:defRPr sz="2000">
+                <a:solidFill>
+                  <a:schemeClr val="tx1"/>
+                </a:solidFill>
+                <a:latin typeface="Arial" panose="020B0604020202020204" pitchFamily="34" charset="0"/>
+              </a:defRPr>
+            </a:lvl6pPr>
+            <a:lvl7pPr marL="2971800" indent="-228600" eaLnBrk="0" fontAlgn="base" hangingPunct="0">
+              <a:spcBef>
+                <a:spcPct val="20000"/>
+              </a:spcBef>
+              <a:spcAft>
+                <a:spcPct val="0"/>
+              </a:spcAft>
+              <a:buChar char="»"/>
+              <a:defRPr sz="2000">
+                <a:solidFill>
+                  <a:schemeClr val="tx1"/>
+                </a:solidFill>
+                <a:latin typeface="Arial" panose="020B0604020202020204" pitchFamily="34" charset="0"/>
+              </a:defRPr>
+            </a:lvl7pPr>
+            <a:lvl8pPr marL="3429000" indent="-228600" eaLnBrk="0" fontAlgn="base" hangingPunct="0">
+              <a:spcBef>
+                <a:spcPct val="20000"/>
+              </a:spcBef>
+              <a:spcAft>
+                <a:spcPct val="0"/>
+              </a:spcAft>
+              <a:buChar char="»"/>
+              <a:defRPr sz="2000">
+                <a:solidFill>
+                  <a:schemeClr val="tx1"/>
+                </a:solidFill>
+                <a:latin typeface="Arial" panose="020B0604020202020204" pitchFamily="34" charset="0"/>
+              </a:defRPr>
+            </a:lvl8pPr>
+            <a:lvl9pPr marL="3886200" indent="-228600" eaLnBrk="0" fontAlgn="base" hangingPunct="0">
+              <a:spcBef>
+                <a:spcPct val="20000"/>
+              </a:spcBef>
+              <a:spcAft>
+                <a:spcPct val="0"/>
+              </a:spcAft>
+              <a:buChar char="»"/>
+              <a:defRPr sz="2000">
+                <a:solidFill>
+                  <a:schemeClr val="tx1"/>
+                </a:solidFill>
+                <a:latin typeface="Arial" panose="020B0604020202020204" pitchFamily="34" charset="0"/>
+              </a:defRPr>
+            </a:lvl9pPr>
+          </a:lstStyle>
+          <a:p>
+            <a:pPr eaLnBrk="1" hangingPunct="1">
+              <a:spcBef>
+                <a:spcPct val="0"/>
+              </a:spcBef>
+              <a:buFontTx/>
+              <a:buNone/>
+            </a:pPr>
+            <a:endParaRPr lang="en-US" altLang="en-US" sz="1800"/>
+          </a:p>
+        </p:txBody>
+      </p:sp>
+      <p:pic>
+        <p:nvPicPr>
+          <p:cNvPr id="11" name="Picture 10">
+            <a:extLst>
+              <a:ext uri="{FF2B5EF4-FFF2-40B4-BE49-F238E27FC236}">
+                <a16:creationId xmlns:a16="http://schemas.microsoft.com/office/drawing/2014/main" id="{7110BBBB-0C83-4A04-AC19-158D09063001}"/>
+              </a:ext>
+            </a:extLst>
+          </p:cNvPr>
+          <p:cNvPicPr>
+            <a:picLocks noChangeAspect="1"/>
+          </p:cNvPicPr>
+          <p:nvPr/>
+        </p:nvPicPr>
+        <p:blipFill>
+          <a:blip r:embed="rId5" cstate="print">
+            <a:extLst>
+              <a:ext uri="{28A0092B-C50C-407E-A947-70E740481C1C}">
+                <a14:useLocalDpi xmlns:a14="http://schemas.microsoft.com/office/drawing/2010/main" val="0"/>
+              </a:ext>
+            </a:extLst>
+          </a:blip>
+          <a:stretch>
+            <a:fillRect/>
+          </a:stretch>
+        </p:blipFill>
+        <p:spPr>
+          <a:xfrm>
+            <a:off x="1257815" y="911722"/>
+            <a:ext cx="2823430" cy="2256832"/>
+          </a:xfrm>
+          <a:prstGeom prst="rect">
+            <a:avLst/>
+          </a:prstGeom>
+        </p:spPr>
+      </p:pic>
+      <p:pic>
+        <p:nvPicPr>
+          <p:cNvPr id="12" name="Picture 11">
+            <a:extLst>
+              <a:ext uri="{FF2B5EF4-FFF2-40B4-BE49-F238E27FC236}">
+                <a16:creationId xmlns:a16="http://schemas.microsoft.com/office/drawing/2014/main" id="{68051825-0D8A-4087-9E73-FB9B26B2365F}"/>
+              </a:ext>
+            </a:extLst>
+          </p:cNvPr>
+          <p:cNvPicPr>
+            <a:picLocks noChangeAspect="1"/>
+          </p:cNvPicPr>
+          <p:nvPr/>
+        </p:nvPicPr>
+        <p:blipFill>
+          <a:blip r:embed="rId6" cstate="print">
+            <a:extLst>
+              <a:ext uri="{28A0092B-C50C-407E-A947-70E740481C1C}">
+                <a14:useLocalDpi xmlns:a14="http://schemas.microsoft.com/office/drawing/2010/main" val="0"/>
+              </a:ext>
+            </a:extLst>
+          </a:blip>
+          <a:stretch>
+            <a:fillRect/>
+          </a:stretch>
+        </p:blipFill>
+        <p:spPr>
+          <a:xfrm>
+            <a:off x="4849796" y="962990"/>
+            <a:ext cx="2878416" cy="2256832"/>
+          </a:xfrm>
+          <a:prstGeom prst="rect">
+            <a:avLst/>
+          </a:prstGeom>
+        </p:spPr>
+      </p:pic>
+      <p:sp>
+        <p:nvSpPr>
+          <p:cNvPr id="13" name="Textfeld 17">
+            <a:extLst>
+              <a:ext uri="{FF2B5EF4-FFF2-40B4-BE49-F238E27FC236}">
+                <a16:creationId xmlns:a16="http://schemas.microsoft.com/office/drawing/2014/main" id="{B5599B0A-6706-411B-A839-E4A072BE71C5}"/>
+              </a:ext>
+            </a:extLst>
+          </p:cNvPr>
+          <p:cNvSpPr txBox="1"/>
+          <p:nvPr/>
+        </p:nvSpPr>
+        <p:spPr>
+          <a:xfrm>
+            <a:off x="1532421" y="667289"/>
+            <a:ext cx="2749605" cy="307777"/>
+          </a:xfrm>
+          <a:prstGeom prst="rect">
+            <a:avLst/>
+          </a:prstGeom>
+          <a:noFill/>
+        </p:spPr>
+        <p:txBody>
+          <a:bodyPr wrap="square">
+            <a:spAutoFit/>
+          </a:bodyPr>
+          <a:lstStyle/>
+          <a:p>
+            <a:pPr eaLnBrk="1" hangingPunct="1">
+              <a:defRPr/>
+            </a:pPr>
+            <a:r>
+              <a:rPr lang="de-DE" sz="1400" dirty="0"/>
+              <a:t>Cumulative distribution function</a:t>
+            </a:r>
+            <a:endParaRPr lang="de-DE" sz="1400" dirty="0">
+              <a:solidFill>
+                <a:schemeClr val="tx1">
+                  <a:lumMod val="50000"/>
+                </a:schemeClr>
+              </a:solidFill>
+              <a:latin typeface="Arial" charset="0"/>
+            </a:endParaRPr>
+          </a:p>
+        </p:txBody>
+      </p:sp>
+      <p:sp>
+        <p:nvSpPr>
+          <p:cNvPr id="14" name="Textfeld 17">
+            <a:extLst>
+              <a:ext uri="{FF2B5EF4-FFF2-40B4-BE49-F238E27FC236}">
+                <a16:creationId xmlns:a16="http://schemas.microsoft.com/office/drawing/2014/main" id="{7D08B9E2-A390-4334-859A-A39A53FD0305}"/>
+              </a:ext>
+            </a:extLst>
+          </p:cNvPr>
+          <p:cNvSpPr txBox="1"/>
+          <p:nvPr/>
+        </p:nvSpPr>
+        <p:spPr>
+          <a:xfrm>
+            <a:off x="5314465" y="670950"/>
+            <a:ext cx="2364874" cy="307777"/>
+          </a:xfrm>
+          <a:prstGeom prst="rect">
+            <a:avLst/>
+          </a:prstGeom>
+          <a:noFill/>
+        </p:spPr>
+        <p:txBody>
+          <a:bodyPr wrap="square">
+            <a:spAutoFit/>
+          </a:bodyPr>
+          <a:lstStyle/>
+          <a:p>
+            <a:pPr eaLnBrk="1" hangingPunct="1">
+              <a:defRPr/>
+            </a:pPr>
+            <a:r>
+              <a:rPr lang="de-DE" sz="1400" dirty="0"/>
+              <a:t>Probability density function</a:t>
+            </a:r>
+            <a:endParaRPr lang="de-DE" sz="1400" dirty="0">
+              <a:solidFill>
+                <a:schemeClr val="tx1">
+                  <a:lumMod val="50000"/>
+                </a:schemeClr>
+              </a:solidFill>
+              <a:latin typeface="Arial" charset="0"/>
+            </a:endParaRPr>
+          </a:p>
+        </p:txBody>
+      </p:sp>
     </p:spTree>
     <p:extLst>
       <p:ext uri="{BB962C8B-B14F-4D97-AF65-F5344CB8AC3E}">
-        <p14:creationId xmlns:p14="http://schemas.microsoft.com/office/powerpoint/2010/main" val="30017851"/>
+        <p14:creationId xmlns:p14="http://schemas.microsoft.com/office/powerpoint/2010/main" val="3157590198"/>
       </p:ext>
     </p:extLst>
   </p:cSld>
   <p:clrMapOvr>
     <a:masterClrMapping/>
   </p:clrMapOvr>
+</p:sld>
+</file>
+
+<file path=ppt/slides/slide16.xml><?xml version="1.0" encoding="utf-8"?>
+<p:sld xmlns:a="http://schemas.openxmlformats.org/drawingml/2006/main" xmlns:r="http://schemas.openxmlformats.org/officeDocument/2006/relationships" xmlns:p="http://schemas.openxmlformats.org/presentationml/2006/main">
+  <p:cSld>
+    <p:spTree>
+      <p:nvGrpSpPr>
+        <p:cNvPr id="1" name=""/>
+        <p:cNvGrpSpPr/>
+        <p:nvPr/>
+      </p:nvGrpSpPr>
+      <p:grpSpPr>
+        <a:xfrm>
+          <a:off x="0" y="0"/>
+          <a:ext cx="0" cy="0"/>
+          <a:chOff x="0" y="0"/>
+          <a:chExt cx="0" cy="0"/>
+        </a:xfrm>
+      </p:grpSpPr>
+      <p:sp>
+        <p:nvSpPr>
+          <p:cNvPr id="4" name="Rectangle 3">
+            <a:extLst>
+              <a:ext uri="{FF2B5EF4-FFF2-40B4-BE49-F238E27FC236}">
+                <a16:creationId xmlns:a16="http://schemas.microsoft.com/office/drawing/2014/main" id="{741E6F0F-8952-48F7-B8A6-5C00D4C8363A}"/>
+              </a:ext>
+            </a:extLst>
+          </p:cNvPr>
+          <p:cNvSpPr/>
+          <p:nvPr/>
+        </p:nvSpPr>
+        <p:spPr bwMode="auto">
+          <a:xfrm>
+            <a:off x="0" y="0"/>
+            <a:ext cx="9144000" cy="627534"/>
+          </a:xfrm>
+          <a:prstGeom prst="rect">
+            <a:avLst/>
+          </a:prstGeom>
+          <a:solidFill>
+            <a:srgbClr val="00589C"/>
+          </a:solidFill>
+          <a:ln w="9525" cap="flat" cmpd="sng" algn="ctr">
+            <a:solidFill>
+              <a:srgbClr val="00589C"/>
+            </a:solidFill>
+            <a:prstDash val="solid"/>
+            <a:round/>
+            <a:headEnd type="none" w="med" len="med"/>
+            <a:tailEnd type="none" w="med" len="med"/>
+          </a:ln>
+          <a:effectLst/>
+          <a:extLst>
+            <a:ext uri="{AF507438-7753-43e0-B8FC-AC1667EBCBE1}">
+              <a14:hiddenEffects xmlns:a14="http://schemas.microsoft.com/office/drawing/2010/main" xmlns="">
+                <a:effectLst>
+                  <a:outerShdw dist="35921" dir="2700000" algn="ctr" rotWithShape="0">
+                    <a:schemeClr val="bg2"/>
+                  </a:outerShdw>
+                </a:effectLst>
+              </a14:hiddenEffects>
+            </a:ext>
+          </a:extLst>
+        </p:spPr>
+        <p:txBody>
+          <a:bodyPr vert="horz" wrap="square" lIns="91440" tIns="45720" rIns="91440" bIns="45720" numCol="1" rtlCol="0" anchor="ctr" anchorCtr="0" compatLnSpc="1">
+            <a:prstTxWarp prst="textNoShape">
+              <a:avLst/>
+            </a:prstTxWarp>
+          </a:bodyPr>
+          <a:lstStyle/>
+          <a:p>
+            <a:pPr eaLnBrk="0" hangingPunct="0"/>
+            <a:r>
+              <a:rPr kumimoji="0" lang="en-US" sz="2000" b="1" i="0" u="none" strike="noStrike" cap="none" normalizeH="0" baseline="0" dirty="0">
+                <a:ln>
+                  <a:noFill/>
+                </a:ln>
+                <a:solidFill>
+                  <a:schemeClr val="bg1"/>
+                </a:solidFill>
+                <a:effectLst/>
+                <a:latin typeface="+mj-lt"/>
+                <a:ea typeface="ＭＳ Ｐゴシック" pitchFamily="96" charset="-128"/>
+              </a:rPr>
+              <a:t>Topic 2</a:t>
+            </a:r>
+            <a:r>
+              <a:rPr lang="en-US" sz="2000" b="1" dirty="0">
+                <a:solidFill>
+                  <a:schemeClr val="bg1"/>
+                </a:solidFill>
+                <a:latin typeface="+mj-lt"/>
+                <a:ea typeface="ＭＳ Ｐゴシック" pitchFamily="96" charset="-128"/>
+              </a:rPr>
+              <a:t>. Exercise with R - Flood frequency analysis</a:t>
+            </a:r>
+            <a:endParaRPr kumimoji="0" lang="en-US" sz="2000" b="1" i="0" u="none" strike="noStrike" cap="none" normalizeH="0" baseline="0" dirty="0">
+              <a:ln>
+                <a:noFill/>
+              </a:ln>
+              <a:solidFill>
+                <a:schemeClr val="bg1"/>
+              </a:solidFill>
+              <a:effectLst/>
+              <a:latin typeface="+mj-lt"/>
+              <a:ea typeface="ＭＳ Ｐゴシック" pitchFamily="96" charset="-128"/>
+            </a:endParaRPr>
+          </a:p>
+        </p:txBody>
+      </p:sp>
+      <p:sp>
+        <p:nvSpPr>
+          <p:cNvPr id="2" name="Slide Number Placeholder 1">
+            <a:extLst>
+              <a:ext uri="{FF2B5EF4-FFF2-40B4-BE49-F238E27FC236}">
+                <a16:creationId xmlns:a16="http://schemas.microsoft.com/office/drawing/2014/main" id="{2070EC6C-AAF5-4D83-AEC1-C7F2433683BB}"/>
+              </a:ext>
+            </a:extLst>
+          </p:cNvPr>
+          <p:cNvSpPr>
+            <a:spLocks noGrp="1"/>
+          </p:cNvSpPr>
+          <p:nvPr>
+            <p:ph type="sldNum" sz="quarter" idx="11"/>
+          </p:nvPr>
+        </p:nvSpPr>
+        <p:spPr/>
+        <p:txBody>
+          <a:bodyPr/>
+          <a:lstStyle/>
+          <a:p>
+            <a:fld id="{48105EDC-34E1-4D80-B051-D0CBD59863B8}" type="slidenum">
+              <a:rPr lang="de-DE" altLang="de-DE" smtClean="0"/>
+              <a:pPr/>
+              <a:t>16</a:t>
+            </a:fld>
+            <a:endParaRPr lang="de-DE" altLang="de-DE">
+              <a:solidFill>
+                <a:schemeClr val="tx1"/>
+              </a:solidFill>
+            </a:endParaRPr>
+          </a:p>
+        </p:txBody>
+      </p:sp>
+      <p:sp>
+        <p:nvSpPr>
+          <p:cNvPr id="5" name="Rectangle 4">
+            <a:extLst>
+              <a:ext uri="{FF2B5EF4-FFF2-40B4-BE49-F238E27FC236}">
+                <a16:creationId xmlns:a16="http://schemas.microsoft.com/office/drawing/2014/main" id="{FFD55E64-A004-4FD3-9310-E6F296A645FD}"/>
+              </a:ext>
+            </a:extLst>
+          </p:cNvPr>
+          <p:cNvSpPr/>
+          <p:nvPr/>
+        </p:nvSpPr>
+        <p:spPr>
+          <a:xfrm>
+            <a:off x="1331640" y="1563638"/>
+            <a:ext cx="6961778" cy="1446550"/>
+          </a:xfrm>
+          <a:prstGeom prst="rect">
+            <a:avLst/>
+          </a:prstGeom>
+        </p:spPr>
+        <p:txBody>
+          <a:bodyPr wrap="square">
+            <a:spAutoFit/>
+          </a:bodyPr>
+          <a:lstStyle/>
+          <a:p>
+            <a:r>
+              <a:rPr lang="en-US" sz="2000" dirty="0">
+                <a:latin typeface="+mn-lt"/>
+              </a:rPr>
+              <a:t>Exercises: </a:t>
+            </a:r>
+          </a:p>
+          <a:p>
+            <a:pPr marL="342900" indent="-342900">
+              <a:spcAft>
+                <a:spcPts val="800"/>
+              </a:spcAft>
+              <a:buFont typeface="+mj-lt"/>
+              <a:buAutoNum type="arabicParenR"/>
+            </a:pPr>
+            <a:r>
+              <a:rPr lang="en-US" sz="1200" dirty="0">
+                <a:latin typeface="+mn-lt"/>
+              </a:rPr>
+              <a:t>get data into R: ./data/</a:t>
+            </a:r>
+            <a:r>
+              <a:rPr lang="en-US" sz="1200" b="1" dirty="0">
+                <a:solidFill>
+                  <a:srgbClr val="004D95"/>
+                </a:solidFill>
+                <a:latin typeface="+mn-lt"/>
+              </a:rPr>
+              <a:t>Example_data.csv</a:t>
+            </a:r>
+            <a:r>
+              <a:rPr lang="en-US" sz="1200" dirty="0">
+                <a:latin typeface="+mn-lt"/>
+              </a:rPr>
+              <a:t>, use </a:t>
+            </a:r>
+            <a:r>
+              <a:rPr lang="en-US" sz="1200" dirty="0" err="1">
+                <a:latin typeface="+mn-lt"/>
+              </a:rPr>
+              <a:t>read.table</a:t>
+            </a:r>
+            <a:r>
+              <a:rPr lang="en-US" sz="1200" dirty="0">
+                <a:latin typeface="+mn-lt"/>
+              </a:rPr>
+              <a:t>() function</a:t>
+            </a:r>
+          </a:p>
+          <a:p>
+            <a:pPr marL="342900" indent="-342900">
+              <a:spcAft>
+                <a:spcPts val="800"/>
+              </a:spcAft>
+              <a:buFont typeface="+mj-lt"/>
+              <a:buAutoNum type="arabicParenR"/>
+            </a:pPr>
+            <a:r>
+              <a:rPr lang="en-US" sz="1200" dirty="0">
+                <a:latin typeface="+mn-lt"/>
+              </a:rPr>
+              <a:t>Derive the annual maximum discharge series </a:t>
+            </a:r>
+          </a:p>
+          <a:p>
+            <a:pPr marL="342900" indent="-342900">
+              <a:spcAft>
+                <a:spcPts val="800"/>
+              </a:spcAft>
+              <a:buFont typeface="+mj-lt"/>
+              <a:buAutoNum type="arabicParenR"/>
+            </a:pPr>
+            <a:r>
+              <a:rPr lang="en-US" sz="1200" dirty="0">
+                <a:latin typeface="+mn-lt"/>
+              </a:rPr>
+              <a:t>Estimate the GEV parameters for annual maximum discharge</a:t>
+            </a:r>
+          </a:p>
+          <a:p>
+            <a:pPr marL="342900" indent="-342900">
+              <a:spcAft>
+                <a:spcPts val="800"/>
+              </a:spcAft>
+              <a:buFont typeface="+mj-lt"/>
+              <a:buAutoNum type="arabicParenR"/>
+            </a:pPr>
+            <a:r>
+              <a:rPr lang="en-US" sz="1200" dirty="0">
+                <a:latin typeface="+mn-lt"/>
+              </a:rPr>
+              <a:t>Generate 100 random numbers based on the estimated GEV parameters</a:t>
+            </a:r>
+          </a:p>
+        </p:txBody>
+      </p:sp>
+    </p:spTree>
+    <p:extLst>
+      <p:ext uri="{BB962C8B-B14F-4D97-AF65-F5344CB8AC3E}">
+        <p14:creationId xmlns:p14="http://schemas.microsoft.com/office/powerpoint/2010/main" val="3491938248"/>
+      </p:ext>
+    </p:extLst>
+  </p:cSld>
+  <p:clrMapOvr>
+    <a:masterClrMapping/>
+  </p:clrMapOvr>
+</p:sld>
+</file>
+
+<file path=ppt/slides/slide17.xml><?xml version="1.0" encoding="utf-8"?>
+<p:sld xmlns:a="http://schemas.openxmlformats.org/drawingml/2006/main" xmlns:r="http://schemas.openxmlformats.org/officeDocument/2006/relationships" xmlns:p="http://schemas.openxmlformats.org/presentationml/2006/main">
+  <p:cSld>
+    <p:spTree>
+      <p:nvGrpSpPr>
+        <p:cNvPr id="1" name=""/>
+        <p:cNvGrpSpPr/>
+        <p:nvPr/>
+      </p:nvGrpSpPr>
+      <p:grpSpPr>
+        <a:xfrm>
+          <a:off x="0" y="0"/>
+          <a:ext cx="0" cy="0"/>
+          <a:chOff x="0" y="0"/>
+          <a:chExt cx="0" cy="0"/>
+        </a:xfrm>
+      </p:grpSpPr>
+      <p:sp>
+        <p:nvSpPr>
+          <p:cNvPr id="4" name="Rectangle 3">
+            <a:extLst>
+              <a:ext uri="{FF2B5EF4-FFF2-40B4-BE49-F238E27FC236}">
+                <a16:creationId xmlns:a16="http://schemas.microsoft.com/office/drawing/2014/main" id="{741E6F0F-8952-48F7-B8A6-5C00D4C8363A}"/>
+              </a:ext>
+            </a:extLst>
+          </p:cNvPr>
+          <p:cNvSpPr/>
+          <p:nvPr/>
+        </p:nvSpPr>
+        <p:spPr bwMode="auto">
+          <a:xfrm>
+            <a:off x="0" y="0"/>
+            <a:ext cx="9144000" cy="627534"/>
+          </a:xfrm>
+          <a:prstGeom prst="rect">
+            <a:avLst/>
+          </a:prstGeom>
+          <a:solidFill>
+            <a:srgbClr val="00589C"/>
+          </a:solidFill>
+          <a:ln w="9525" cap="flat" cmpd="sng" algn="ctr">
+            <a:solidFill>
+              <a:srgbClr val="00589C"/>
+            </a:solidFill>
+            <a:prstDash val="solid"/>
+            <a:round/>
+            <a:headEnd type="none" w="med" len="med"/>
+            <a:tailEnd type="none" w="med" len="med"/>
+          </a:ln>
+          <a:effectLst/>
+          <a:extLst>
+            <a:ext uri="{AF507438-7753-43e0-B8FC-AC1667EBCBE1}">
+              <a14:hiddenEffects xmlns:a14="http://schemas.microsoft.com/office/drawing/2010/main" xmlns="">
+                <a:effectLst>
+                  <a:outerShdw dist="35921" dir="2700000" algn="ctr" rotWithShape="0">
+                    <a:schemeClr val="bg2"/>
+                  </a:outerShdw>
+                </a:effectLst>
+              </a14:hiddenEffects>
+            </a:ext>
+          </a:extLst>
+        </p:spPr>
+        <p:txBody>
+          <a:bodyPr vert="horz" wrap="square" lIns="91440" tIns="45720" rIns="91440" bIns="45720" numCol="1" rtlCol="0" anchor="ctr" anchorCtr="0" compatLnSpc="1">
+            <a:prstTxWarp prst="textNoShape">
+              <a:avLst/>
+            </a:prstTxWarp>
+          </a:bodyPr>
+          <a:lstStyle/>
+          <a:p>
+            <a:pPr eaLnBrk="0" hangingPunct="0"/>
+            <a:r>
+              <a:rPr kumimoji="0" lang="en-US" sz="2000" b="1" i="0" u="none" strike="noStrike" cap="none" normalizeH="0" baseline="0" dirty="0">
+                <a:ln>
+                  <a:noFill/>
+                </a:ln>
+                <a:solidFill>
+                  <a:schemeClr val="bg1"/>
+                </a:solidFill>
+                <a:effectLst/>
+                <a:latin typeface="+mj-lt"/>
+                <a:ea typeface="ＭＳ Ｐゴシック" pitchFamily="96" charset="-128"/>
+              </a:rPr>
+              <a:t>Topic 2</a:t>
+            </a:r>
+            <a:r>
+              <a:rPr lang="en-US" sz="2000" b="1" dirty="0">
+                <a:solidFill>
+                  <a:schemeClr val="bg1"/>
+                </a:solidFill>
+                <a:latin typeface="+mj-lt"/>
+                <a:ea typeface="ＭＳ Ｐゴシック" pitchFamily="96" charset="-128"/>
+              </a:rPr>
+              <a:t>. Exercise with R - Flood frequency analysis</a:t>
+            </a:r>
+            <a:endParaRPr kumimoji="0" lang="en-US" sz="2000" b="1" i="0" u="none" strike="noStrike" cap="none" normalizeH="0" baseline="0" dirty="0">
+              <a:ln>
+                <a:noFill/>
+              </a:ln>
+              <a:solidFill>
+                <a:schemeClr val="bg1"/>
+              </a:solidFill>
+              <a:effectLst/>
+              <a:latin typeface="+mj-lt"/>
+              <a:ea typeface="ＭＳ Ｐゴシック" pitchFamily="96" charset="-128"/>
+            </a:endParaRPr>
+          </a:p>
+        </p:txBody>
+      </p:sp>
+      <p:sp>
+        <p:nvSpPr>
+          <p:cNvPr id="2" name="Slide Number Placeholder 1">
+            <a:extLst>
+              <a:ext uri="{FF2B5EF4-FFF2-40B4-BE49-F238E27FC236}">
+                <a16:creationId xmlns:a16="http://schemas.microsoft.com/office/drawing/2014/main" id="{2070EC6C-AAF5-4D83-AEC1-C7F2433683BB}"/>
+              </a:ext>
+            </a:extLst>
+          </p:cNvPr>
+          <p:cNvSpPr>
+            <a:spLocks noGrp="1"/>
+          </p:cNvSpPr>
+          <p:nvPr>
+            <p:ph type="sldNum" sz="quarter" idx="11"/>
+          </p:nvPr>
+        </p:nvSpPr>
+        <p:spPr/>
+        <p:txBody>
+          <a:bodyPr/>
+          <a:lstStyle/>
+          <a:p>
+            <a:fld id="{48105EDC-34E1-4D80-B051-D0CBD59863B8}" type="slidenum">
+              <a:rPr lang="de-DE" altLang="de-DE" smtClean="0"/>
+              <a:pPr/>
+              <a:t>17</a:t>
+            </a:fld>
+            <a:endParaRPr lang="de-DE" altLang="de-DE">
+              <a:solidFill>
+                <a:schemeClr val="tx1"/>
+              </a:solidFill>
+            </a:endParaRPr>
+          </a:p>
+        </p:txBody>
+      </p:sp>
+      <p:grpSp>
+        <p:nvGrpSpPr>
+          <p:cNvPr id="15" name="Group 14">
+            <a:extLst>
+              <a:ext uri="{FF2B5EF4-FFF2-40B4-BE49-F238E27FC236}">
+                <a16:creationId xmlns:a16="http://schemas.microsoft.com/office/drawing/2014/main" id="{F0BF64BF-1835-405A-A655-302A3B552A25}"/>
+              </a:ext>
+            </a:extLst>
+          </p:cNvPr>
+          <p:cNvGrpSpPr/>
+          <p:nvPr/>
+        </p:nvGrpSpPr>
+        <p:grpSpPr>
+          <a:xfrm>
+            <a:off x="107504" y="699542"/>
+            <a:ext cx="2304256" cy="3773542"/>
+            <a:chOff x="107504" y="637038"/>
+            <a:chExt cx="2304256" cy="3773542"/>
+          </a:xfrm>
+        </p:grpSpPr>
+        <p:pic>
+          <p:nvPicPr>
+            <p:cNvPr id="6" name="Picture 5">
+              <a:extLst>
+                <a:ext uri="{FF2B5EF4-FFF2-40B4-BE49-F238E27FC236}">
+                  <a16:creationId xmlns:a16="http://schemas.microsoft.com/office/drawing/2014/main" id="{B69A44AF-C2C3-4D11-BA3D-0C23521068C4}"/>
+                </a:ext>
+              </a:extLst>
+            </p:cNvPr>
+            <p:cNvPicPr>
+              <a:picLocks noChangeAspect="1"/>
+            </p:cNvPicPr>
+            <p:nvPr/>
+          </p:nvPicPr>
+          <p:blipFill>
+            <a:blip r:embed="rId2" cstate="print">
+              <a:extLst>
+                <a:ext uri="{28A0092B-C50C-407E-A947-70E740481C1C}">
+                  <a14:useLocalDpi xmlns:a14="http://schemas.microsoft.com/office/drawing/2010/main" val="0"/>
+                </a:ext>
+              </a:extLst>
+            </a:blip>
+            <a:stretch>
+              <a:fillRect/>
+            </a:stretch>
+          </p:blipFill>
+          <p:spPr>
+            <a:xfrm>
+              <a:off x="323528" y="637038"/>
+              <a:ext cx="2088232" cy="1399914"/>
+            </a:xfrm>
+            <a:prstGeom prst="rect">
+              <a:avLst/>
+            </a:prstGeom>
+          </p:spPr>
+        </p:pic>
+        <p:grpSp>
+          <p:nvGrpSpPr>
+            <p:cNvPr id="14" name="Group 13">
+              <a:extLst>
+                <a:ext uri="{FF2B5EF4-FFF2-40B4-BE49-F238E27FC236}">
+                  <a16:creationId xmlns:a16="http://schemas.microsoft.com/office/drawing/2014/main" id="{25E1374D-C358-4C66-8080-9CA419ACAC1A}"/>
+                </a:ext>
+              </a:extLst>
+            </p:cNvPr>
+            <p:cNvGrpSpPr/>
+            <p:nvPr/>
+          </p:nvGrpSpPr>
+          <p:grpSpPr>
+            <a:xfrm>
+              <a:off x="107504" y="2031382"/>
+              <a:ext cx="2149978" cy="2379198"/>
+              <a:chOff x="107504" y="2031382"/>
+              <a:chExt cx="2149978" cy="2379198"/>
+            </a:xfrm>
+          </p:grpSpPr>
+          <p:pic>
+            <p:nvPicPr>
+              <p:cNvPr id="8" name="Picture 7">
+                <a:extLst>
+                  <a:ext uri="{FF2B5EF4-FFF2-40B4-BE49-F238E27FC236}">
+                    <a16:creationId xmlns:a16="http://schemas.microsoft.com/office/drawing/2014/main" id="{F2282450-0500-4F64-9971-5976C34ECF2B}"/>
+                  </a:ext>
+                </a:extLst>
+              </p:cNvPr>
+              <p:cNvPicPr>
+                <a:picLocks noChangeAspect="1"/>
+              </p:cNvPicPr>
+              <p:nvPr/>
+            </p:nvPicPr>
+            <p:blipFill>
+              <a:blip r:embed="rId3">
+                <a:extLst>
+                  <a:ext uri="{28A0092B-C50C-407E-A947-70E740481C1C}">
+                    <a14:useLocalDpi xmlns:a14="http://schemas.microsoft.com/office/drawing/2010/main" val="0"/>
+                  </a:ext>
+                </a:extLst>
+              </a:blip>
+              <a:stretch>
+                <a:fillRect/>
+              </a:stretch>
+            </p:blipFill>
+            <p:spPr>
+              <a:xfrm>
+                <a:off x="107504" y="2031382"/>
+                <a:ext cx="2146927" cy="2379198"/>
+              </a:xfrm>
+              <a:prstGeom prst="rect">
+                <a:avLst/>
+              </a:prstGeom>
+            </p:spPr>
+          </p:pic>
+          <mc:AlternateContent xmlns:mc="http://schemas.openxmlformats.org/markup-compatibility/2006">
+            <mc:Choice xmlns:a14="http://schemas.microsoft.com/office/drawing/2010/main" Requires="a14">
+              <p:sp>
+                <p:nvSpPr>
+                  <p:cNvPr id="9" name="TextBox 8">
+                    <a:extLst>
+                      <a:ext uri="{FF2B5EF4-FFF2-40B4-BE49-F238E27FC236}">
+                        <a16:creationId xmlns:a16="http://schemas.microsoft.com/office/drawing/2014/main" id="{52D74326-FF53-45AB-A3A9-6789500AF098}"/>
+                      </a:ext>
+                    </a:extLst>
+                  </p:cNvPr>
+                  <p:cNvSpPr txBox="1"/>
+                  <p:nvPr/>
+                </p:nvSpPr>
+                <p:spPr>
+                  <a:xfrm>
+                    <a:off x="956517" y="3339337"/>
+                    <a:ext cx="1067536" cy="184666"/>
+                  </a:xfrm>
+                  <a:prstGeom prst="rect">
+                    <a:avLst/>
+                  </a:prstGeom>
+                  <a:noFill/>
+                </p:spPr>
+                <p:txBody>
+                  <a:bodyPr wrap="none" lIns="0" tIns="0" rIns="0" bIns="0" rtlCol="0">
+                    <a:spAutoFit/>
+                  </a:bodyPr>
+                  <a:lstStyle/>
+                  <a:p>
+                    <a14:m>
+                      <m:oMathPara xmlns:m="http://schemas.openxmlformats.org/officeDocument/2006/math">
+                        <m:oMathParaPr>
+                          <m:jc m:val="centerGroup"/>
+                        </m:oMathParaPr>
+                        <m:oMath xmlns:m="http://schemas.openxmlformats.org/officeDocument/2006/math">
+                          <m:r>
+                            <a:rPr lang="en-US" sz="1200" b="0" i="1" smtClean="0">
+                              <a:solidFill>
+                                <a:srgbClr val="004D95"/>
+                              </a:solidFill>
+                              <a:latin typeface="Cambria Math" panose="02040503050406030204" pitchFamily="18" charset="0"/>
+                            </a:rPr>
+                            <m:t>𝐻</m:t>
+                          </m:r>
+                          <m:r>
+                            <a:rPr lang="en-US" sz="1200" b="0" i="1" smtClean="0">
+                              <a:solidFill>
+                                <a:srgbClr val="004D95"/>
+                              </a:solidFill>
+                              <a:latin typeface="Cambria Math" panose="02040503050406030204" pitchFamily="18" charset="0"/>
+                            </a:rPr>
+                            <m:t>=0.478</m:t>
+                          </m:r>
+                          <m:sSup>
+                            <m:sSupPr>
+                              <m:ctrlPr>
+                                <a:rPr lang="en-US" sz="1200" b="0" i="1" smtClean="0">
+                                  <a:solidFill>
+                                    <a:srgbClr val="004D95"/>
+                                  </a:solidFill>
+                                  <a:latin typeface="Cambria Math" panose="02040503050406030204" pitchFamily="18" charset="0"/>
+                                </a:rPr>
+                              </m:ctrlPr>
+                            </m:sSupPr>
+                            <m:e>
+                              <m:r>
+                                <a:rPr lang="en-US" sz="1200" b="0" i="1" smtClean="0">
+                                  <a:solidFill>
+                                    <a:srgbClr val="004D95"/>
+                                  </a:solidFill>
+                                  <a:latin typeface="Cambria Math" panose="02040503050406030204" pitchFamily="18" charset="0"/>
+                                </a:rPr>
+                                <m:t>𝑄</m:t>
+                              </m:r>
+                            </m:e>
+                            <m:sup>
+                              <m:r>
+                                <a:rPr lang="en-US" sz="1200" b="0" i="1" smtClean="0">
+                                  <a:solidFill>
+                                    <a:srgbClr val="004D95"/>
+                                  </a:solidFill>
+                                  <a:latin typeface="Cambria Math" panose="02040503050406030204" pitchFamily="18" charset="0"/>
+                                </a:rPr>
+                                <m:t>0.23</m:t>
+                              </m:r>
+                            </m:sup>
+                          </m:sSup>
+                        </m:oMath>
+                      </m:oMathPara>
+                    </a14:m>
+                    <a:endParaRPr lang="en-US" sz="1200" dirty="0">
+                      <a:solidFill>
+                        <a:srgbClr val="004D95"/>
+                      </a:solidFill>
+                    </a:endParaRPr>
+                  </a:p>
+                </p:txBody>
+              </p:sp>
+            </mc:Choice>
+            <mc:Fallback>
+              <p:sp>
+                <p:nvSpPr>
+                  <p:cNvPr id="9" name="TextBox 8">
+                    <a:extLst>
+                      <a:ext uri="{FF2B5EF4-FFF2-40B4-BE49-F238E27FC236}">
+                        <a16:creationId xmlns:a16="http://schemas.microsoft.com/office/drawing/2014/main" id="{52D74326-FF53-45AB-A3A9-6789500AF098}"/>
+                      </a:ext>
+                    </a:extLst>
+                  </p:cNvPr>
+                  <p:cNvSpPr txBox="1">
+                    <a:spLocks noRot="1" noChangeAspect="1" noMove="1" noResize="1" noEditPoints="1" noAdjustHandles="1" noChangeArrowheads="1" noChangeShapeType="1" noTextEdit="1"/>
+                  </p:cNvSpPr>
+                  <p:nvPr/>
+                </p:nvSpPr>
+                <p:spPr>
+                  <a:xfrm>
+                    <a:off x="956517" y="3339337"/>
+                    <a:ext cx="1067536" cy="184666"/>
+                  </a:xfrm>
+                  <a:prstGeom prst="rect">
+                    <a:avLst/>
+                  </a:prstGeom>
+                  <a:blipFill>
+                    <a:blip r:embed="rId4"/>
+                    <a:stretch>
+                      <a:fillRect l="-2857" b="-30000"/>
+                    </a:stretch>
+                  </a:blipFill>
+                </p:spPr>
+                <p:txBody>
+                  <a:bodyPr/>
+                  <a:lstStyle/>
+                  <a:p>
+                    <a:r>
+                      <a:rPr lang="en-US">
+                        <a:noFill/>
+                      </a:rPr>
+                      <a:t> </a:t>
+                    </a:r>
+                  </a:p>
+                </p:txBody>
+              </p:sp>
+            </mc:Fallback>
+          </mc:AlternateContent>
+          <p:sp>
+            <p:nvSpPr>
+              <p:cNvPr id="10" name="TextBox 9">
+                <a:extLst>
+                  <a:ext uri="{FF2B5EF4-FFF2-40B4-BE49-F238E27FC236}">
+                    <a16:creationId xmlns:a16="http://schemas.microsoft.com/office/drawing/2014/main" id="{4D191F95-8DC9-48C8-830E-D89CF7A80076}"/>
+                  </a:ext>
+                </a:extLst>
+              </p:cNvPr>
+              <p:cNvSpPr txBox="1"/>
+              <p:nvPr/>
+            </p:nvSpPr>
+            <p:spPr>
+              <a:xfrm>
+                <a:off x="723088" y="3542659"/>
+                <a:ext cx="1534394" cy="461665"/>
+              </a:xfrm>
+              <a:prstGeom prst="rect">
+                <a:avLst/>
+              </a:prstGeom>
+              <a:noFill/>
+            </p:spPr>
+            <p:txBody>
+              <a:bodyPr wrap="none" rtlCol="0">
+                <a:spAutoFit/>
+              </a:bodyPr>
+              <a:lstStyle/>
+              <a:p>
+                <a:r>
+                  <a:rPr lang="en-US" sz="1200" i="1" dirty="0">
+                    <a:solidFill>
+                      <a:srgbClr val="004D95"/>
+                    </a:solidFill>
+                  </a:rPr>
+                  <a:t>H</a:t>
+                </a:r>
+                <a:r>
+                  <a:rPr lang="en-US" sz="1200" dirty="0">
+                    <a:solidFill>
+                      <a:srgbClr val="004D95"/>
+                    </a:solidFill>
+                  </a:rPr>
+                  <a:t>: water level (m)</a:t>
+                </a:r>
+              </a:p>
+              <a:p>
+                <a:r>
+                  <a:rPr lang="en-US" sz="1200" i="1" dirty="0">
+                    <a:solidFill>
+                      <a:srgbClr val="004D95"/>
+                    </a:solidFill>
+                  </a:rPr>
+                  <a:t>Q</a:t>
+                </a:r>
+                <a:r>
+                  <a:rPr lang="en-US" sz="1200" dirty="0">
+                    <a:solidFill>
+                      <a:srgbClr val="004D95"/>
+                    </a:solidFill>
+                  </a:rPr>
+                  <a:t>: discharge (m3/s)</a:t>
+                </a:r>
+              </a:p>
+            </p:txBody>
+          </p:sp>
+        </p:grpSp>
+      </p:grpSp>
+      <mc:AlternateContent xmlns:mc="http://schemas.openxmlformats.org/markup-compatibility/2006">
+        <mc:Choice xmlns:a14="http://schemas.microsoft.com/office/drawing/2010/main" Requires="a14">
+          <p:sp>
+            <p:nvSpPr>
+              <p:cNvPr id="11" name="TextBox 10">
+                <a:extLst>
+                  <a:ext uri="{FF2B5EF4-FFF2-40B4-BE49-F238E27FC236}">
+                    <a16:creationId xmlns:a16="http://schemas.microsoft.com/office/drawing/2014/main" id="{C0504C0D-3CD4-4164-805B-D0427EA27DB2}"/>
+                  </a:ext>
+                </a:extLst>
+              </p:cNvPr>
+              <p:cNvSpPr txBox="1"/>
+              <p:nvPr/>
+            </p:nvSpPr>
+            <p:spPr>
+              <a:xfrm>
+                <a:off x="5652120" y="779562"/>
+                <a:ext cx="3430322" cy="2907912"/>
+              </a:xfrm>
+              <a:prstGeom prst="rect">
+                <a:avLst/>
+              </a:prstGeom>
+              <a:noFill/>
+            </p:spPr>
+            <p:txBody>
+              <a:bodyPr wrap="square" rtlCol="0">
+                <a:spAutoFit/>
+              </a:bodyPr>
+              <a:lstStyle/>
+              <a:p>
+                <a:r>
+                  <a:rPr lang="en-US" sz="1400" b="1" dirty="0">
+                    <a:solidFill>
+                      <a:srgbClr val="004D95"/>
+                    </a:solidFill>
+                  </a:rPr>
+                  <a:t>Exercise:</a:t>
+                </a:r>
+                <a:endParaRPr lang="en-US" sz="1200" b="1" dirty="0">
+                  <a:solidFill>
+                    <a:srgbClr val="004D95"/>
+                  </a:solidFill>
+                </a:endParaRPr>
+              </a:p>
+              <a:p>
+                <a:pPr marL="228600" indent="-228600">
+                  <a:buAutoNum type="arabicPeriod"/>
+                </a:pPr>
+                <a:r>
+                  <a:rPr lang="en-US" sz="1200" dirty="0"/>
+                  <a:t>In case, the flood defense water level is </a:t>
+                </a:r>
+                <a:r>
+                  <a:rPr lang="en-US" sz="1200" b="1" dirty="0">
+                    <a:solidFill>
+                      <a:srgbClr val="004D95"/>
+                    </a:solidFill>
+                  </a:rPr>
+                  <a:t>3.8</a:t>
+                </a:r>
+                <a:r>
+                  <a:rPr lang="en-US" sz="1200" dirty="0"/>
+                  <a:t> m, then a flood happens, with the discharge of 11000 m</a:t>
+                </a:r>
+                <a:r>
+                  <a:rPr lang="en-US" sz="1200" baseline="30000" dirty="0"/>
+                  <a:t>3</a:t>
+                </a:r>
+                <a:r>
+                  <a:rPr lang="en-US" sz="1200" dirty="0"/>
+                  <a:t>/s, what is the expected economic loss?</a:t>
+                </a:r>
+              </a:p>
+              <a:p>
+                <a:pPr marL="228600" indent="-228600">
+                  <a:buAutoNum type="arabicPeriod"/>
+                </a:pPr>
+                <a:endParaRPr lang="en-US" sz="1200" dirty="0"/>
+              </a:p>
+              <a:p>
+                <a:pPr marL="228600" indent="-228600">
+                  <a:buAutoNum type="arabicPeriod"/>
+                </a:pPr>
+                <a:r>
+                  <a:rPr lang="en-US" sz="1200" dirty="0"/>
+                  <a:t>In case, the flood defense water level is </a:t>
+                </a:r>
+                <a:r>
+                  <a:rPr lang="en-US" sz="1200" b="1" dirty="0">
+                    <a:solidFill>
+                      <a:srgbClr val="004D95"/>
+                    </a:solidFill>
+                  </a:rPr>
+                  <a:t>3.8</a:t>
+                </a:r>
+                <a:r>
+                  <a:rPr lang="en-US" sz="1200" dirty="0"/>
+                  <a:t> m, generate 100 years of GEV-distributed annual maximum discharge series, calculate the mean annual expected economic loss. </a:t>
+                </a:r>
+              </a:p>
+              <a:p>
+                <a:pPr marL="228600" indent="-228600">
+                  <a:buAutoNum type="arabicPeriod"/>
+                </a:pPr>
+                <a:endParaRPr lang="en-US" sz="1200" dirty="0"/>
+              </a:p>
+              <a:p>
+                <a:pPr marL="228600" indent="-228600">
+                  <a:buAutoNum type="arabicPeriod"/>
+                </a:pPr>
+                <a:r>
+                  <a:rPr lang="en-US" sz="1200" dirty="0"/>
+                  <a:t>Design the </a:t>
+                </a:r>
+                <a14:m>
+                  <m:oMath xmlns:m="http://schemas.openxmlformats.org/officeDocument/2006/math">
+                    <m:sSub>
+                      <m:sSubPr>
+                        <m:ctrlPr>
+                          <a:rPr lang="en-US" sz="1200" i="1">
+                            <a:solidFill>
+                              <a:srgbClr val="004D95"/>
+                            </a:solidFill>
+                            <a:latin typeface="Cambria Math" panose="02040503050406030204" pitchFamily="18" charset="0"/>
+                          </a:rPr>
+                        </m:ctrlPr>
+                      </m:sSubPr>
+                      <m:e>
+                        <m:r>
+                          <a:rPr lang="en-US" sz="1200" i="1">
+                            <a:solidFill>
+                              <a:srgbClr val="004D95"/>
+                            </a:solidFill>
+                            <a:latin typeface="Cambria Math" panose="02040503050406030204" pitchFamily="18" charset="0"/>
+                          </a:rPr>
+                          <m:t>𝐻</m:t>
+                        </m:r>
+                      </m:e>
+                      <m:sub>
+                        <m:r>
+                          <a:rPr lang="en-US" sz="1200" i="1">
+                            <a:solidFill>
+                              <a:srgbClr val="004D95"/>
+                            </a:solidFill>
+                            <a:latin typeface="Cambria Math" panose="02040503050406030204" pitchFamily="18" charset="0"/>
+                          </a:rPr>
+                          <m:t>𝑑𝑒𝑓𝑒𝑛𝑠𝑒</m:t>
+                        </m:r>
+                      </m:sub>
+                    </m:sSub>
+                  </m:oMath>
+                </a14:m>
+                <a:r>
+                  <a:rPr lang="en-US" sz="1200" dirty="0"/>
+                  <a:t> which could maintain the mean annual expected economic loss </a:t>
+                </a:r>
+                <a:r>
+                  <a:rPr lang="en-US" sz="1200" dirty="0">
+                    <a:solidFill>
+                      <a:srgbClr val="004D95"/>
+                    </a:solidFill>
+                  </a:rPr>
+                  <a:t>no greater than 1.5 million $</a:t>
+                </a:r>
+                <a:r>
+                  <a:rPr lang="en-US" sz="1200" dirty="0"/>
+                  <a:t> for the following 100 years.</a:t>
+                </a:r>
+              </a:p>
+            </p:txBody>
+          </p:sp>
+        </mc:Choice>
+        <mc:Fallback>
+          <p:sp>
+            <p:nvSpPr>
+              <p:cNvPr id="11" name="TextBox 10">
+                <a:extLst>
+                  <a:ext uri="{FF2B5EF4-FFF2-40B4-BE49-F238E27FC236}">
+                    <a16:creationId xmlns:a16="http://schemas.microsoft.com/office/drawing/2014/main" id="{C0504C0D-3CD4-4164-805B-D0427EA27DB2}"/>
+                  </a:ext>
+                </a:extLst>
+              </p:cNvPr>
+              <p:cNvSpPr txBox="1">
+                <a:spLocks noRot="1" noChangeAspect="1" noMove="1" noResize="1" noEditPoints="1" noAdjustHandles="1" noChangeArrowheads="1" noChangeShapeType="1" noTextEdit="1"/>
+              </p:cNvSpPr>
+              <p:nvPr/>
+            </p:nvSpPr>
+            <p:spPr>
+              <a:xfrm>
+                <a:off x="5652120" y="779562"/>
+                <a:ext cx="3430322" cy="2907912"/>
+              </a:xfrm>
+              <a:prstGeom prst="rect">
+                <a:avLst/>
+              </a:prstGeom>
+              <a:blipFill>
+                <a:blip r:embed="rId5"/>
+                <a:stretch>
+                  <a:fillRect l="-533" t="-419" r="-1066" b="-629"/>
+                </a:stretch>
+              </a:blipFill>
+            </p:spPr>
+            <p:txBody>
+              <a:bodyPr/>
+              <a:lstStyle/>
+              <a:p>
+                <a:r>
+                  <a:rPr lang="en-US">
+                    <a:noFill/>
+                  </a:rPr>
+                  <a:t> </a:t>
+                </a:r>
+              </a:p>
+            </p:txBody>
+          </p:sp>
+        </mc:Fallback>
+      </mc:AlternateContent>
+      <p:grpSp>
+        <p:nvGrpSpPr>
+          <p:cNvPr id="16" name="Group 15">
+            <a:extLst>
+              <a:ext uri="{FF2B5EF4-FFF2-40B4-BE49-F238E27FC236}">
+                <a16:creationId xmlns:a16="http://schemas.microsoft.com/office/drawing/2014/main" id="{AA9B368F-D194-4BAA-9F73-6763A04C48D4}"/>
+              </a:ext>
+            </a:extLst>
+          </p:cNvPr>
+          <p:cNvGrpSpPr/>
+          <p:nvPr/>
+        </p:nvGrpSpPr>
+        <p:grpSpPr>
+          <a:xfrm>
+            <a:off x="2535804" y="672824"/>
+            <a:ext cx="4340452" cy="3908582"/>
+            <a:chOff x="2535804" y="672824"/>
+            <a:chExt cx="4340452" cy="3908582"/>
+          </a:xfrm>
+        </p:grpSpPr>
+        <p:pic>
+          <p:nvPicPr>
+            <p:cNvPr id="12" name="Picture 11">
+              <a:extLst>
+                <a:ext uri="{FF2B5EF4-FFF2-40B4-BE49-F238E27FC236}">
+                  <a16:creationId xmlns:a16="http://schemas.microsoft.com/office/drawing/2014/main" id="{DA75BE0F-168C-4BC2-B05B-E783B2FC2100}"/>
+                </a:ext>
+              </a:extLst>
+            </p:cNvPr>
+            <p:cNvPicPr>
+              <a:picLocks noChangeAspect="1"/>
+            </p:cNvPicPr>
+            <p:nvPr/>
+          </p:nvPicPr>
+          <p:blipFill>
+            <a:blip r:embed="rId6"/>
+            <a:stretch>
+              <a:fillRect/>
+            </a:stretch>
+          </p:blipFill>
+          <p:spPr>
+            <a:xfrm>
+              <a:off x="2676439" y="672824"/>
+              <a:ext cx="2883701" cy="3047962"/>
+            </a:xfrm>
+            <a:prstGeom prst="rect">
+              <a:avLst/>
+            </a:prstGeom>
+          </p:spPr>
+        </p:pic>
+        <mc:AlternateContent xmlns:mc="http://schemas.openxmlformats.org/markup-compatibility/2006">
+          <mc:Choice xmlns:a14="http://schemas.microsoft.com/office/drawing/2010/main" Requires="a14">
+            <p:sp>
+              <p:nvSpPr>
+                <p:cNvPr id="13" name="TextBox 12">
+                  <a:extLst>
+                    <a:ext uri="{FF2B5EF4-FFF2-40B4-BE49-F238E27FC236}">
+                      <a16:creationId xmlns:a16="http://schemas.microsoft.com/office/drawing/2014/main" id="{69B1B620-55DE-4823-8C41-E181283B4427}"/>
+                    </a:ext>
+                  </a:extLst>
+                </p:cNvPr>
+                <p:cNvSpPr txBox="1"/>
+                <p:nvPr/>
+              </p:nvSpPr>
+              <p:spPr>
+                <a:xfrm>
+                  <a:off x="2535804" y="3720786"/>
+                  <a:ext cx="4340452" cy="860620"/>
+                </a:xfrm>
+                <a:prstGeom prst="rect">
+                  <a:avLst/>
+                </a:prstGeom>
+                <a:noFill/>
+              </p:spPr>
+              <p:txBody>
+                <a:bodyPr wrap="square" rtlCol="0">
+                  <a:spAutoFit/>
+                </a:bodyPr>
+                <a:lstStyle/>
+                <a:p>
+                  <a:r>
+                    <a:rPr lang="en-US" sz="1200" dirty="0">
+                      <a:solidFill>
+                        <a:srgbClr val="004D95"/>
+                      </a:solidFill>
+                    </a:rPr>
+                    <a:t>Exceeding water level </a:t>
+                  </a:r>
+                  <a14:m>
+                    <m:oMath xmlns:m="http://schemas.openxmlformats.org/officeDocument/2006/math">
+                      <m:sSub>
+                        <m:sSubPr>
+                          <m:ctrlPr>
+                            <a:rPr lang="en-US" sz="1200" b="1" i="1">
+                              <a:solidFill>
+                                <a:srgbClr val="004D95"/>
+                              </a:solidFill>
+                              <a:latin typeface="Cambria Math" panose="02040503050406030204" pitchFamily="18" charset="0"/>
+                            </a:rPr>
+                          </m:ctrlPr>
+                        </m:sSubPr>
+                        <m:e>
+                          <m:r>
+                            <a:rPr lang="en-US" sz="1200" b="1" i="1">
+                              <a:solidFill>
+                                <a:srgbClr val="004D95"/>
+                              </a:solidFill>
+                              <a:latin typeface="Cambria Math" panose="02040503050406030204" pitchFamily="18" charset="0"/>
+                            </a:rPr>
+                            <m:t>𝑯</m:t>
+                          </m:r>
+                        </m:e>
+                        <m:sub>
+                          <m:r>
+                            <a:rPr lang="en-US" sz="1200" b="1" i="1">
+                              <a:solidFill>
+                                <a:srgbClr val="004D95"/>
+                              </a:solidFill>
+                              <a:latin typeface="Cambria Math" panose="02040503050406030204" pitchFamily="18" charset="0"/>
+                            </a:rPr>
+                            <m:t>𝒇𝒍𝒐𝒐𝒅</m:t>
+                          </m:r>
+                        </m:sub>
+                      </m:sSub>
+                      <m:r>
+                        <a:rPr lang="en-US" sz="1200" b="1" i="1">
+                          <a:solidFill>
+                            <a:srgbClr val="004D95"/>
+                          </a:solidFill>
+                          <a:latin typeface="Cambria Math" panose="02040503050406030204" pitchFamily="18" charset="0"/>
+                        </a:rPr>
+                        <m:t>−</m:t>
+                      </m:r>
+                      <m:sSub>
+                        <m:sSubPr>
+                          <m:ctrlPr>
+                            <a:rPr lang="en-US" sz="1200" b="1" i="1">
+                              <a:solidFill>
+                                <a:srgbClr val="004D95"/>
+                              </a:solidFill>
+                              <a:latin typeface="Cambria Math" panose="02040503050406030204" pitchFamily="18" charset="0"/>
+                            </a:rPr>
+                          </m:ctrlPr>
+                        </m:sSubPr>
+                        <m:e>
+                          <m:r>
+                            <a:rPr lang="en-US" sz="1200" b="1" i="1">
+                              <a:solidFill>
+                                <a:srgbClr val="004D95"/>
+                              </a:solidFill>
+                              <a:latin typeface="Cambria Math" panose="02040503050406030204" pitchFamily="18" charset="0"/>
+                            </a:rPr>
+                            <m:t>𝑯</m:t>
+                          </m:r>
+                        </m:e>
+                        <m:sub>
+                          <m:r>
+                            <a:rPr lang="en-US" sz="1200" b="1" i="1">
+                              <a:solidFill>
+                                <a:srgbClr val="004D95"/>
+                              </a:solidFill>
+                              <a:latin typeface="Cambria Math" panose="02040503050406030204" pitchFamily="18" charset="0"/>
+                            </a:rPr>
+                            <m:t>𝒅𝒆𝒇𝒆𝒏𝒔𝒆</m:t>
+                          </m:r>
+                        </m:sub>
+                      </m:sSub>
+                      <m:r>
+                        <a:rPr lang="en-US" sz="1200" i="1">
+                          <a:solidFill>
+                            <a:srgbClr val="004D95"/>
+                          </a:solidFill>
+                          <a:latin typeface="Cambria Math" panose="02040503050406030204" pitchFamily="18" charset="0"/>
+                        </a:rPr>
+                        <m:t> </m:t>
+                      </m:r>
+                    </m:oMath>
+                  </a14:m>
+                  <a:r>
+                    <a:rPr lang="en-US" sz="1200" dirty="0">
+                      <a:solidFill>
+                        <a:srgbClr val="004D95"/>
+                      </a:solidFill>
+                    </a:rPr>
+                    <a:t>:</a:t>
+                  </a:r>
+                </a:p>
+                <a:p>
+                  <a:r>
+                    <a:rPr lang="en-US" sz="1200" dirty="0"/>
+                    <a:t>&lt;=0.15 m 	loss: 0 (zero)</a:t>
+                  </a:r>
+                </a:p>
+                <a:p>
+                  <a:r>
+                    <a:rPr lang="en-US" sz="1200" dirty="0"/>
+                    <a:t>0.15~1 m 	loss: </a:t>
+                  </a:r>
+                  <a14:m>
+                    <m:oMath xmlns:m="http://schemas.openxmlformats.org/officeDocument/2006/math">
+                      <m:sSub>
+                        <m:sSubPr>
+                          <m:ctrlPr>
+                            <a:rPr lang="en-US" sz="1200" i="1">
+                              <a:latin typeface="Cambria Math" panose="02040503050406030204" pitchFamily="18" charset="0"/>
+                            </a:rPr>
+                          </m:ctrlPr>
+                        </m:sSubPr>
+                        <m:e>
+                          <m:r>
+                            <a:rPr lang="en-US" sz="1200" b="0" i="1" smtClean="0">
+                              <a:latin typeface="Cambria Math" panose="02040503050406030204" pitchFamily="18" charset="0"/>
+                            </a:rPr>
+                            <m:t>(</m:t>
+                          </m:r>
+                          <m:r>
+                            <a:rPr lang="en-US" sz="1200" i="1">
+                              <a:latin typeface="Cambria Math" panose="02040503050406030204" pitchFamily="18" charset="0"/>
+                            </a:rPr>
+                            <m:t>𝐻</m:t>
+                          </m:r>
+                        </m:e>
+                        <m:sub>
+                          <m:r>
+                            <a:rPr lang="en-US" sz="1200" i="1">
+                              <a:latin typeface="Cambria Math" panose="02040503050406030204" pitchFamily="18" charset="0"/>
+                            </a:rPr>
+                            <m:t>𝑓𝑙𝑜𝑜𝑑</m:t>
+                          </m:r>
+                        </m:sub>
+                      </m:sSub>
+                      <m:r>
+                        <a:rPr lang="en-US" sz="1200" i="1">
+                          <a:latin typeface="Cambria Math" panose="02040503050406030204" pitchFamily="18" charset="0"/>
+                        </a:rPr>
+                        <m:t>−</m:t>
+                      </m:r>
+                      <m:sSub>
+                        <m:sSubPr>
+                          <m:ctrlPr>
+                            <a:rPr lang="en-US" sz="1200" i="1">
+                              <a:latin typeface="Cambria Math" panose="02040503050406030204" pitchFamily="18" charset="0"/>
+                            </a:rPr>
+                          </m:ctrlPr>
+                        </m:sSubPr>
+                        <m:e>
+                          <m:r>
+                            <a:rPr lang="en-US" sz="1200" i="1">
+                              <a:latin typeface="Cambria Math" panose="02040503050406030204" pitchFamily="18" charset="0"/>
+                            </a:rPr>
+                            <m:t>𝐻</m:t>
+                          </m:r>
+                        </m:e>
+                        <m:sub>
+                          <m:r>
+                            <a:rPr lang="en-US" sz="1200" i="1">
+                              <a:latin typeface="Cambria Math" panose="02040503050406030204" pitchFamily="18" charset="0"/>
+                            </a:rPr>
+                            <m:t>𝑑𝑒𝑓𝑒𝑛𝑠𝑒</m:t>
+                          </m:r>
+                        </m:sub>
+                      </m:sSub>
+                      <m:r>
+                        <a:rPr lang="en-US" sz="1200" b="0" i="1" smtClean="0">
+                          <a:latin typeface="Cambria Math" panose="02040503050406030204" pitchFamily="18" charset="0"/>
+                        </a:rPr>
+                        <m:t>−0.15)</m:t>
+                      </m:r>
+                      <m:r>
+                        <a:rPr lang="en-US" sz="1200" b="0" i="1" smtClean="0">
+                          <a:latin typeface="Cambria Math" panose="02040503050406030204" pitchFamily="18" charset="0"/>
+                          <a:ea typeface="Cambria Math" panose="02040503050406030204" pitchFamily="18" charset="0"/>
+                        </a:rPr>
+                        <m:t>×8 (</m:t>
+                      </m:r>
+                      <m:r>
+                        <m:rPr>
+                          <m:sty m:val="p"/>
+                        </m:rPr>
+                        <a:rPr lang="en-US" sz="1200" b="0" i="0" smtClean="0">
+                          <a:latin typeface="Cambria Math" panose="02040503050406030204" pitchFamily="18" charset="0"/>
+                          <a:ea typeface="Cambria Math" panose="02040503050406030204" pitchFamily="18" charset="0"/>
+                        </a:rPr>
+                        <m:t>million</m:t>
+                      </m:r>
+                      <m:r>
+                        <a:rPr lang="en-US" sz="1200" b="0" i="1" smtClean="0">
+                          <a:latin typeface="Cambria Math" panose="02040503050406030204" pitchFamily="18" charset="0"/>
+                          <a:ea typeface="Cambria Math" panose="02040503050406030204" pitchFamily="18" charset="0"/>
+                        </a:rPr>
+                        <m:t> $)</m:t>
+                      </m:r>
+                    </m:oMath>
+                  </a14:m>
+                  <a:endParaRPr lang="en-US" sz="1200" dirty="0"/>
+                </a:p>
+                <a:p>
+                  <a:r>
+                    <a:rPr lang="en-US" sz="1200" dirty="0"/>
+                    <a:t>&gt;=1 m	loss: </a:t>
+                  </a:r>
+                  <a14:m>
+                    <m:oMath xmlns:m="http://schemas.openxmlformats.org/officeDocument/2006/math">
+                      <m:r>
+                        <a:rPr lang="en-US" sz="1200" b="0" i="0" smtClean="0">
+                          <a:latin typeface="Cambria Math" panose="02040503050406030204" pitchFamily="18" charset="0"/>
+                          <a:ea typeface="Cambria Math" panose="02040503050406030204" pitchFamily="18" charset="0"/>
+                        </a:rPr>
+                        <m:t>6.</m:t>
+                      </m:r>
+                      <m:r>
+                        <a:rPr lang="en-US" sz="1200" i="1">
+                          <a:latin typeface="Cambria Math" panose="02040503050406030204" pitchFamily="18" charset="0"/>
+                          <a:ea typeface="Cambria Math" panose="02040503050406030204" pitchFamily="18" charset="0"/>
+                        </a:rPr>
+                        <m:t>8 (</m:t>
+                      </m:r>
+                      <m:r>
+                        <m:rPr>
+                          <m:sty m:val="p"/>
+                        </m:rPr>
+                        <a:rPr lang="en-US" sz="1200">
+                          <a:latin typeface="Cambria Math" panose="02040503050406030204" pitchFamily="18" charset="0"/>
+                          <a:ea typeface="Cambria Math" panose="02040503050406030204" pitchFamily="18" charset="0"/>
+                        </a:rPr>
+                        <m:t>million</m:t>
+                      </m:r>
+                      <m:r>
+                        <a:rPr lang="en-US" sz="1200" i="1">
+                          <a:latin typeface="Cambria Math" panose="02040503050406030204" pitchFamily="18" charset="0"/>
+                          <a:ea typeface="Cambria Math" panose="02040503050406030204" pitchFamily="18" charset="0"/>
+                        </a:rPr>
+                        <m:t> $)</m:t>
+                      </m:r>
+                    </m:oMath>
+                  </a14:m>
+                  <a:r>
+                    <a:rPr lang="en-US" sz="1200" dirty="0"/>
+                    <a:t> </a:t>
+                  </a:r>
+                </a:p>
+              </p:txBody>
+            </p:sp>
+          </mc:Choice>
+          <mc:Fallback>
+            <p:sp>
+              <p:nvSpPr>
+                <p:cNvPr id="13" name="TextBox 12">
+                  <a:extLst>
+                    <a:ext uri="{FF2B5EF4-FFF2-40B4-BE49-F238E27FC236}">
+                      <a16:creationId xmlns:a16="http://schemas.microsoft.com/office/drawing/2014/main" id="{69B1B620-55DE-4823-8C41-E181283B4427}"/>
+                    </a:ext>
+                  </a:extLst>
+                </p:cNvPr>
+                <p:cNvSpPr txBox="1">
+                  <a:spLocks noRot="1" noChangeAspect="1" noMove="1" noResize="1" noEditPoints="1" noAdjustHandles="1" noChangeArrowheads="1" noChangeShapeType="1" noTextEdit="1"/>
+                </p:cNvSpPr>
+                <p:nvPr/>
+              </p:nvSpPr>
+              <p:spPr>
+                <a:xfrm>
+                  <a:off x="2535804" y="3720786"/>
+                  <a:ext cx="4340452" cy="860620"/>
+                </a:xfrm>
+                <a:prstGeom prst="rect">
+                  <a:avLst/>
+                </a:prstGeom>
+                <a:blipFill>
+                  <a:blip r:embed="rId7"/>
+                  <a:stretch>
+                    <a:fillRect l="-140" t="-704" b="-4225"/>
+                  </a:stretch>
+                </a:blipFill>
+              </p:spPr>
+              <p:txBody>
+                <a:bodyPr/>
+                <a:lstStyle/>
+                <a:p>
+                  <a:r>
+                    <a:rPr lang="en-US">
+                      <a:noFill/>
+                    </a:rPr>
+                    <a:t> </a:t>
+                  </a:r>
+                </a:p>
+              </p:txBody>
+            </p:sp>
+          </mc:Fallback>
+        </mc:AlternateContent>
+      </p:grpSp>
+    </p:spTree>
+    <p:extLst>
+      <p:ext uri="{BB962C8B-B14F-4D97-AF65-F5344CB8AC3E}">
+        <p14:creationId xmlns:p14="http://schemas.microsoft.com/office/powerpoint/2010/main" val="1533324520"/>
+      </p:ext>
+    </p:extLst>
+  </p:cSld>
+  <p:clrMapOvr>
+    <a:masterClrMapping/>
+  </p:clrMapOvr>
+  <p:timing>
+    <p:tnLst>
+      <p:par>
+        <p:cTn id="1" dur="indefinite" restart="never" nodeType="tmRoot">
+          <p:childTnLst>
+            <p:seq concurrent="1" nextAc="seek">
+              <p:cTn id="2" dur="indefinite" nodeType="mainSeq">
+                <p:childTnLst>
+                  <p:par>
+                    <p:cTn id="3" fill="hold">
+                      <p:stCondLst>
+                        <p:cond delay="indefinite"/>
+                      </p:stCondLst>
+                      <p:childTnLst>
+                        <p:par>
+                          <p:cTn id="4" fill="hold">
+                            <p:stCondLst>
+                              <p:cond delay="0"/>
+                            </p:stCondLst>
+                            <p:childTnLst>
+                              <p:par>
+                                <p:cTn id="5" presetID="2" presetClass="entr" presetSubtype="4" fill="hold" nodeType="clickEffect">
+                                  <p:stCondLst>
+                                    <p:cond delay="0"/>
+                                  </p:stCondLst>
+                                  <p:childTnLst>
+                                    <p:set>
+                                      <p:cBhvr>
+                                        <p:cTn id="6" dur="1" fill="hold">
+                                          <p:stCondLst>
+                                            <p:cond delay="0"/>
+                                          </p:stCondLst>
+                                        </p:cTn>
+                                        <p:tgtEl>
+                                          <p:spTgt spid="15"/>
+                                        </p:tgtEl>
+                                        <p:attrNameLst>
+                                          <p:attrName>style.visibility</p:attrName>
+                                        </p:attrNameLst>
+                                      </p:cBhvr>
+                                      <p:to>
+                                        <p:strVal val="visible"/>
+                                      </p:to>
+                                    </p:set>
+                                    <p:anim calcmode="lin" valueType="num">
+                                      <p:cBhvr additive="base">
+                                        <p:cTn id="7" dur="500" fill="hold"/>
+                                        <p:tgtEl>
+                                          <p:spTgt spid="15"/>
+                                        </p:tgtEl>
+                                        <p:attrNameLst>
+                                          <p:attrName>ppt_x</p:attrName>
+                                        </p:attrNameLst>
+                                      </p:cBhvr>
+                                      <p:tavLst>
+                                        <p:tav tm="0">
+                                          <p:val>
+                                            <p:strVal val="#ppt_x"/>
+                                          </p:val>
+                                        </p:tav>
+                                        <p:tav tm="100000">
+                                          <p:val>
+                                            <p:strVal val="#ppt_x"/>
+                                          </p:val>
+                                        </p:tav>
+                                      </p:tavLst>
+                                    </p:anim>
+                                    <p:anim calcmode="lin" valueType="num">
+                                      <p:cBhvr additive="base">
+                                        <p:cTn id="8" dur="500" fill="hold"/>
+                                        <p:tgtEl>
+                                          <p:spTgt spid="15"/>
+                                        </p:tgtEl>
+                                        <p:attrNameLst>
+                                          <p:attrName>ppt_y</p:attrName>
+                                        </p:attrNameLst>
+                                      </p:cBhvr>
+                                      <p:tavLst>
+                                        <p:tav tm="0">
+                                          <p:val>
+                                            <p:strVal val="1+#ppt_h/2"/>
+                                          </p:val>
+                                        </p:tav>
+                                        <p:tav tm="100000">
+                                          <p:val>
+                                            <p:strVal val="#ppt_y"/>
+                                          </p:val>
+                                        </p:tav>
+                                      </p:tavLst>
+                                    </p:anim>
+                                  </p:childTnLst>
+                                </p:cTn>
+                              </p:par>
+                            </p:childTnLst>
+                          </p:cTn>
+                        </p:par>
+                      </p:childTnLst>
+                    </p:cTn>
+                  </p:par>
+                  <p:par>
+                    <p:cTn id="9" fill="hold">
+                      <p:stCondLst>
+                        <p:cond delay="indefinite"/>
+                      </p:stCondLst>
+                      <p:childTnLst>
+                        <p:par>
+                          <p:cTn id="10" fill="hold">
+                            <p:stCondLst>
+                              <p:cond delay="0"/>
+                            </p:stCondLst>
+                            <p:childTnLst>
+                              <p:par>
+                                <p:cTn id="11" presetID="2" presetClass="entr" presetSubtype="4" fill="hold" nodeType="clickEffect">
+                                  <p:stCondLst>
+                                    <p:cond delay="0"/>
+                                  </p:stCondLst>
+                                  <p:childTnLst>
+                                    <p:set>
+                                      <p:cBhvr>
+                                        <p:cTn id="12" dur="1" fill="hold">
+                                          <p:stCondLst>
+                                            <p:cond delay="0"/>
+                                          </p:stCondLst>
+                                        </p:cTn>
+                                        <p:tgtEl>
+                                          <p:spTgt spid="16"/>
+                                        </p:tgtEl>
+                                        <p:attrNameLst>
+                                          <p:attrName>style.visibility</p:attrName>
+                                        </p:attrNameLst>
+                                      </p:cBhvr>
+                                      <p:to>
+                                        <p:strVal val="visible"/>
+                                      </p:to>
+                                    </p:set>
+                                    <p:anim calcmode="lin" valueType="num">
+                                      <p:cBhvr additive="base">
+                                        <p:cTn id="13" dur="500" fill="hold"/>
+                                        <p:tgtEl>
+                                          <p:spTgt spid="16"/>
+                                        </p:tgtEl>
+                                        <p:attrNameLst>
+                                          <p:attrName>ppt_x</p:attrName>
+                                        </p:attrNameLst>
+                                      </p:cBhvr>
+                                      <p:tavLst>
+                                        <p:tav tm="0">
+                                          <p:val>
+                                            <p:strVal val="#ppt_x"/>
+                                          </p:val>
+                                        </p:tav>
+                                        <p:tav tm="100000">
+                                          <p:val>
+                                            <p:strVal val="#ppt_x"/>
+                                          </p:val>
+                                        </p:tav>
+                                      </p:tavLst>
+                                    </p:anim>
+                                    <p:anim calcmode="lin" valueType="num">
+                                      <p:cBhvr additive="base">
+                                        <p:cTn id="14" dur="500" fill="hold"/>
+                                        <p:tgtEl>
+                                          <p:spTgt spid="16"/>
+                                        </p:tgtEl>
+                                        <p:attrNameLst>
+                                          <p:attrName>ppt_y</p:attrName>
+                                        </p:attrNameLst>
+                                      </p:cBhvr>
+                                      <p:tavLst>
+                                        <p:tav tm="0">
+                                          <p:val>
+                                            <p:strVal val="1+#ppt_h/2"/>
+                                          </p:val>
+                                        </p:tav>
+                                        <p:tav tm="100000">
+                                          <p:val>
+                                            <p:strVal val="#ppt_y"/>
+                                          </p:val>
+                                        </p:tav>
+                                      </p:tavLst>
+                                    </p:anim>
+                                  </p:childTnLst>
+                                </p:cTn>
+                              </p:par>
+                            </p:childTnLst>
+                          </p:cTn>
+                        </p:par>
+                      </p:childTnLst>
+                    </p:cTn>
+                  </p:par>
+                  <p:par>
+                    <p:cTn id="15" fill="hold">
+                      <p:stCondLst>
+                        <p:cond delay="indefinite"/>
+                      </p:stCondLst>
+                      <p:childTnLst>
+                        <p:par>
+                          <p:cTn id="16" fill="hold">
+                            <p:stCondLst>
+                              <p:cond delay="0"/>
+                            </p:stCondLst>
+                            <p:childTnLst>
+                              <p:par>
+                                <p:cTn id="17" presetID="2" presetClass="entr" presetSubtype="4" fill="hold" grpId="0" nodeType="clickEffect">
+                                  <p:stCondLst>
+                                    <p:cond delay="0"/>
+                                  </p:stCondLst>
+                                  <p:childTnLst>
+                                    <p:set>
+                                      <p:cBhvr>
+                                        <p:cTn id="18" dur="1" fill="hold">
+                                          <p:stCondLst>
+                                            <p:cond delay="0"/>
+                                          </p:stCondLst>
+                                        </p:cTn>
+                                        <p:tgtEl>
+                                          <p:spTgt spid="11"/>
+                                        </p:tgtEl>
+                                        <p:attrNameLst>
+                                          <p:attrName>style.visibility</p:attrName>
+                                        </p:attrNameLst>
+                                      </p:cBhvr>
+                                      <p:to>
+                                        <p:strVal val="visible"/>
+                                      </p:to>
+                                    </p:set>
+                                    <p:anim calcmode="lin" valueType="num">
+                                      <p:cBhvr additive="base">
+                                        <p:cTn id="19" dur="500" fill="hold"/>
+                                        <p:tgtEl>
+                                          <p:spTgt spid="11"/>
+                                        </p:tgtEl>
+                                        <p:attrNameLst>
+                                          <p:attrName>ppt_x</p:attrName>
+                                        </p:attrNameLst>
+                                      </p:cBhvr>
+                                      <p:tavLst>
+                                        <p:tav tm="0">
+                                          <p:val>
+                                            <p:strVal val="#ppt_x"/>
+                                          </p:val>
+                                        </p:tav>
+                                        <p:tav tm="100000">
+                                          <p:val>
+                                            <p:strVal val="#ppt_x"/>
+                                          </p:val>
+                                        </p:tav>
+                                      </p:tavLst>
+                                    </p:anim>
+                                    <p:anim calcmode="lin" valueType="num">
+                                      <p:cBhvr additive="base">
+                                        <p:cTn id="20" dur="500" fill="hold"/>
+                                        <p:tgtEl>
+                                          <p:spTgt spid="11"/>
+                                        </p:tgtEl>
+                                        <p:attrNameLst>
+                                          <p:attrName>ppt_y</p:attrName>
+                                        </p:attrNameLst>
+                                      </p:cBhvr>
+                                      <p:tavLst>
+                                        <p:tav tm="0">
+                                          <p:val>
+                                            <p:strVal val="1+#ppt_h/2"/>
+                                          </p:val>
+                                        </p:tav>
+                                        <p:tav tm="100000">
+                                          <p:val>
+                                            <p:strVal val="#ppt_y"/>
+                                          </p:val>
+                                        </p:tav>
+                                      </p:tavLst>
+                                    </p:anim>
+                                  </p:childTnLst>
+                                </p:cTn>
+                              </p:par>
+                            </p:childTnLst>
+                          </p:cTn>
+                        </p:par>
+                      </p:childTnLst>
+                    </p:cTn>
+                  </p:par>
+                </p:childTnLst>
+              </p:cTn>
+              <p:prevCondLst>
+                <p:cond evt="onPrev" delay="0">
+                  <p:tgtEl>
+                    <p:sldTgt/>
+                  </p:tgtEl>
+                </p:cond>
+              </p:prevCondLst>
+              <p:nextCondLst>
+                <p:cond evt="onNext" delay="0">
+                  <p:tgtEl>
+                    <p:sldTgt/>
+                  </p:tgtEl>
+                </p:cond>
+              </p:nextCondLst>
+            </p:seq>
+          </p:childTnLst>
+        </p:cTn>
+      </p:par>
+    </p:tnLst>
+    <p:bldLst>
+      <p:bldP spid="11" grpId="0"/>
+    </p:bldLst>
+  </p:timing>
 </p:sld>
 </file>
 
@@ -7847,7 +12387,7 @@
             <a:effectLst/>
             <a:extLst>
               <a:ext uri="{AF507438-7753-43e0-B8FC-AC1667EBCBE1}">
-                <a14:hiddenEffects xmlns="" xmlns:a14="http://schemas.microsoft.com/office/drawing/2010/main">
+                <a14:hiddenEffects xmlns:a14="http://schemas.microsoft.com/office/drawing/2010/main" xmlns="">
                   <a:effectLst>
                     <a:outerShdw dist="35921" dir="2700000" algn="ctr" rotWithShape="0">
                       <a:schemeClr val="bg2"/>
@@ -7933,7 +12473,7 @@
             <a:effectLst/>
             <a:extLst>
               <a:ext uri="{AF507438-7753-43e0-B8FC-AC1667EBCBE1}">
-                <a14:hiddenEffects xmlns="" xmlns:a14="http://schemas.microsoft.com/office/drawing/2010/main">
+                <a14:hiddenEffects xmlns:a14="http://schemas.microsoft.com/office/drawing/2010/main" xmlns="">
                   <a:effectLst>
                     <a:outerShdw dist="35921" dir="2700000" algn="ctr" rotWithShape="0">
                       <a:schemeClr val="bg2"/>
@@ -8019,7 +12559,7 @@
             <a:effectLst/>
             <a:extLst>
               <a:ext uri="{AF507438-7753-43e0-B8FC-AC1667EBCBE1}">
-                <a14:hiddenEffects xmlns="" xmlns:a14="http://schemas.microsoft.com/office/drawing/2010/main">
+                <a14:hiddenEffects xmlns:a14="http://schemas.microsoft.com/office/drawing/2010/main" xmlns="">
                   <a:effectLst>
                     <a:outerShdw dist="35921" dir="2700000" algn="ctr" rotWithShape="0">
                       <a:schemeClr val="bg2"/>
@@ -8105,7 +12645,7 @@
             <a:effectLst/>
             <a:extLst>
               <a:ext uri="{AF507438-7753-43e0-B8FC-AC1667EBCBE1}">
-                <a14:hiddenEffects xmlns="" xmlns:a14="http://schemas.microsoft.com/office/drawing/2010/main">
+                <a14:hiddenEffects xmlns:a14="http://schemas.microsoft.com/office/drawing/2010/main" xmlns="">
                   <a:effectLst>
                     <a:outerShdw dist="35921" dir="2700000" algn="ctr" rotWithShape="0">
                       <a:schemeClr val="bg2"/>
@@ -8189,7 +12729,7 @@
             <a:effectLst/>
             <a:extLst>
               <a:ext uri="{AF507438-7753-43e0-B8FC-AC1667EBCBE1}">
-                <a14:hiddenEffects xmlns="" xmlns:a14="http://schemas.microsoft.com/office/drawing/2010/main">
+                <a14:hiddenEffects xmlns:a14="http://schemas.microsoft.com/office/drawing/2010/main" xmlns="">
                   <a:effectLst>
                     <a:outerShdw dist="35921" dir="2700000" algn="ctr" rotWithShape="0">
                       <a:schemeClr val="bg2"/>
@@ -8307,7 +12847,7 @@
           <a:effectLst/>
           <a:extLst>
             <a:ext uri="{AF507438-7753-43e0-B8FC-AC1667EBCBE1}">
-              <a14:hiddenEffects xmlns="" xmlns:a14="http://schemas.microsoft.com/office/drawing/2010/main">
+              <a14:hiddenEffects xmlns:a14="http://schemas.microsoft.com/office/drawing/2010/main" xmlns="">
                 <a:effectLst>
                   <a:outerShdw dist="35921" dir="2700000" algn="ctr" rotWithShape="0">
                     <a:schemeClr val="bg2"/>
@@ -8423,7 +12963,7 @@
           <a:effectLst/>
           <a:extLst>
             <a:ext uri="{AF507438-7753-43e0-B8FC-AC1667EBCBE1}">
-              <a14:hiddenEffects xmlns="" xmlns:a14="http://schemas.microsoft.com/office/drawing/2010/main">
+              <a14:hiddenEffects xmlns:a14="http://schemas.microsoft.com/office/drawing/2010/main" xmlns="">
                 <a:effectLst>
                   <a:outerShdw dist="35921" dir="2700000" algn="ctr" rotWithShape="0">
                     <a:schemeClr val="bg2"/>
@@ -8725,7 +13265,7 @@
           <a:effectLst/>
           <a:extLst>
             <a:ext uri="{AF507438-7753-43e0-B8FC-AC1667EBCBE1}">
-              <a14:hiddenEffects xmlns="" xmlns:a14="http://schemas.microsoft.com/office/drawing/2010/main">
+              <a14:hiddenEffects xmlns:a14="http://schemas.microsoft.com/office/drawing/2010/main" xmlns="">
                 <a:effectLst>
                   <a:outerShdw dist="35921" dir="2700000" algn="ctr" rotWithShape="0">
                     <a:schemeClr val="bg2"/>
@@ -9188,7 +13728,7 @@
           <a:effectLst/>
           <a:extLst>
             <a:ext uri="{AF507438-7753-43e0-B8FC-AC1667EBCBE1}">
-              <a14:hiddenEffects xmlns="" xmlns:a14="http://schemas.microsoft.com/office/drawing/2010/main">
+              <a14:hiddenEffects xmlns:a14="http://schemas.microsoft.com/office/drawing/2010/main" xmlns="">
                 <a:effectLst>
                   <a:outerShdw dist="35921" dir="2700000" algn="ctr" rotWithShape="0">
                     <a:schemeClr val="bg2"/>
@@ -10676,7 +15216,7 @@
           <a:effectLst/>
           <a:extLst>
             <a:ext uri="{AF507438-7753-43e0-B8FC-AC1667EBCBE1}">
-              <a14:hiddenEffects xmlns="" xmlns:a14="http://schemas.microsoft.com/office/drawing/2010/main">
+              <a14:hiddenEffects xmlns:a14="http://schemas.microsoft.com/office/drawing/2010/main" xmlns="">
                 <a:effectLst>
                   <a:outerShdw dist="35921" dir="2700000" algn="ctr" rotWithShape="0">
                     <a:schemeClr val="bg2"/>
@@ -11236,7 +15776,7 @@
           <a:effectLst/>
           <a:extLst>
             <a:ext uri="{AF507438-7753-43e0-B8FC-AC1667EBCBE1}">
-              <a14:hiddenEffects xmlns="" xmlns:a14="http://schemas.microsoft.com/office/drawing/2010/main">
+              <a14:hiddenEffects xmlns:a14="http://schemas.microsoft.com/office/drawing/2010/main" xmlns="">
                 <a:effectLst>
                   <a:outerShdw dist="35921" dir="2700000" algn="ctr" rotWithShape="0">
                     <a:schemeClr val="bg2"/>
@@ -11516,7 +16056,7 @@
             <a:effectLst/>
             <a:extLst>
               <a:ext uri="{AF507438-7753-43e0-B8FC-AC1667EBCBE1}">
-                <a14:hiddenEffects xmlns="" xmlns:a14="http://schemas.microsoft.com/office/drawing/2010/main">
+                <a14:hiddenEffects xmlns:a14="http://schemas.microsoft.com/office/drawing/2010/main" xmlns="">
                   <a:effectLst>
                     <a:outerShdw dist="35921" dir="2700000" algn="ctr" rotWithShape="0">
                       <a:schemeClr val="bg2"/>
@@ -11646,7 +16186,7 @@
             <a:effectLst/>
             <a:extLst>
               <a:ext uri="{AF507438-7753-43e0-B8FC-AC1667EBCBE1}">
-                <a14:hiddenEffects xmlns="" xmlns:a14="http://schemas.microsoft.com/office/drawing/2010/main">
+                <a14:hiddenEffects xmlns:a14="http://schemas.microsoft.com/office/drawing/2010/main" xmlns="">
                   <a:effectLst>
                     <a:outerShdw dist="35921" dir="2700000" algn="ctr" rotWithShape="0">
                       <a:schemeClr val="bg2"/>
@@ -11876,7 +16416,7 @@
           <a:effectLst/>
           <a:extLst>
             <a:ext uri="{AF507438-7753-43e0-B8FC-AC1667EBCBE1}">
-              <a14:hiddenEffects xmlns="" xmlns:a14="http://schemas.microsoft.com/office/drawing/2010/main">
+              <a14:hiddenEffects xmlns:a14="http://schemas.microsoft.com/office/drawing/2010/main" xmlns="">
                 <a:effectLst>
                   <a:outerShdw dist="35921" dir="2700000" algn="ctr" rotWithShape="0">
                     <a:schemeClr val="bg2"/>
@@ -12578,7 +17118,7 @@
         <a:effectLst/>
         <a:extLst>
           <a:ext uri="{AF507438-7753-43e0-B8FC-AC1667EBCBE1}">
-            <a14:hiddenEffects xmlns="" xmlns:a14="http://schemas.microsoft.com/office/drawing/2010/main">
+            <a14:hiddenEffects xmlns:a14="http://schemas.microsoft.com/office/drawing/2010/main" xmlns="">
               <a:effectLst>
                 <a:outerShdw dist="35921" dir="2700000" algn="ctr" rotWithShape="0">
                   <a:schemeClr val="bg2"/>
@@ -12652,7 +17192,7 @@
         <a:effectLst/>
         <a:extLst>
           <a:ext uri="{AF507438-7753-43e0-B8FC-AC1667EBCBE1}">
-            <a14:hiddenEffects xmlns="" xmlns:a14="http://schemas.microsoft.com/office/drawing/2010/main">
+            <a14:hiddenEffects xmlns:a14="http://schemas.microsoft.com/office/drawing/2010/main" xmlns="">
               <a:effectLst>
                 <a:outerShdw dist="35921" dir="2700000" algn="ctr" rotWithShape="0">
                   <a:schemeClr val="bg2"/>

--- a/slides/FRS_exercise_R.pptx
+++ b/slides/FRS_exercise_R.pptx
@@ -5,10 +5,10 @@
     <p:sldMasterId id="2147483648" r:id="rId1"/>
   </p:sldMasterIdLst>
   <p:notesMasterIdLst>
-    <p:notesMasterId r:id="rId19"/>
+    <p:notesMasterId r:id="rId21"/>
   </p:notesMasterIdLst>
   <p:handoutMasterIdLst>
-    <p:handoutMasterId r:id="rId20"/>
+    <p:handoutMasterId r:id="rId22"/>
   </p:handoutMasterIdLst>
   <p:sldIdLst>
     <p:sldId id="258" r:id="rId2"/>
@@ -28,6 +28,8 @@
     <p:sldId id="277" r:id="rId16"/>
     <p:sldId id="274" r:id="rId17"/>
     <p:sldId id="275" r:id="rId18"/>
+    <p:sldId id="278" r:id="rId19"/>
+    <p:sldId id="279" r:id="rId20"/>
   </p:sldIdLst>
   <p:sldSz cx="9144000" cy="5143500" type="screen16x9"/>
   <p:notesSz cx="6858000" cy="9144000"/>
@@ -4538,7 +4540,7 @@
           <a:p>
             <a:pPr eaLnBrk="1" hangingPunct="1"/>
             <a:r>
-              <a:rPr lang="de-DE" altLang="de-DE" dirty="0"/>
+              <a:rPr lang="de-DE" altLang="de-DE" b="1" dirty="0"/>
               <a:t>Flood Risk Seminar</a:t>
             </a:r>
           </a:p>
@@ -4965,7 +4967,7 @@
           <a:effectLst/>
           <a:extLst>
             <a:ext uri="{AF507438-7753-43e0-B8FC-AC1667EBCBE1}">
-              <a14:hiddenEffects xmlns:a14="http://schemas.microsoft.com/office/drawing/2010/main" xmlns="">
+              <a14:hiddenEffects xmlns="" xmlns:a14="http://schemas.microsoft.com/office/drawing/2010/main">
                 <a:effectLst>
                   <a:outerShdw dist="35921" dir="2700000" algn="ctr" rotWithShape="0">
                     <a:schemeClr val="bg2"/>
@@ -5434,7 +5436,7 @@
           <a:effectLst/>
           <a:extLst>
             <a:ext uri="{AF507438-7753-43e0-B8FC-AC1667EBCBE1}">
-              <a14:hiddenEffects xmlns:a14="http://schemas.microsoft.com/office/drawing/2010/main" xmlns="">
+              <a14:hiddenEffects xmlns="" xmlns:a14="http://schemas.microsoft.com/office/drawing/2010/main">
                 <a:effectLst>
                   <a:outerShdw dist="35921" dir="2700000" algn="ctr" rotWithShape="0">
                     <a:schemeClr val="bg2"/>
@@ -5613,7 +5615,7 @@
           <a:effectLst/>
           <a:extLst>
             <a:ext uri="{AF507438-7753-43e0-B8FC-AC1667EBCBE1}">
-              <a14:hiddenEffects xmlns:a14="http://schemas.microsoft.com/office/drawing/2010/main" xmlns="">
+              <a14:hiddenEffects xmlns="" xmlns:a14="http://schemas.microsoft.com/office/drawing/2010/main">
                 <a:effectLst>
                   <a:outerShdw dist="35921" dir="2700000" algn="ctr" rotWithShape="0">
                     <a:schemeClr val="bg2"/>
@@ -5699,7 +5701,7 @@
           <a:effectLst/>
           <a:extLst>
             <a:ext uri="{AF507438-7753-43e0-B8FC-AC1667EBCBE1}">
-              <a14:hiddenEffects xmlns:a14="http://schemas.microsoft.com/office/drawing/2010/main" xmlns="">
+              <a14:hiddenEffects xmlns="" xmlns:a14="http://schemas.microsoft.com/office/drawing/2010/main">
                 <a:effectLst>
                   <a:outerShdw dist="35921" dir="2700000" algn="ctr" rotWithShape="0">
                     <a:schemeClr val="bg2"/>
@@ -5785,7 +5787,7 @@
           <a:effectLst/>
           <a:extLst>
             <a:ext uri="{AF507438-7753-43e0-B8FC-AC1667EBCBE1}">
-              <a14:hiddenEffects xmlns:a14="http://schemas.microsoft.com/office/drawing/2010/main" xmlns="">
+              <a14:hiddenEffects xmlns="" xmlns:a14="http://schemas.microsoft.com/office/drawing/2010/main">
                 <a:effectLst>
                   <a:outerShdw dist="35921" dir="2700000" algn="ctr" rotWithShape="0">
                     <a:schemeClr val="bg2"/>
@@ -5871,7 +5873,7 @@
           <a:effectLst/>
           <a:extLst>
             <a:ext uri="{AF507438-7753-43e0-B8FC-AC1667EBCBE1}">
-              <a14:hiddenEffects xmlns:a14="http://schemas.microsoft.com/office/drawing/2010/main" xmlns="">
+              <a14:hiddenEffects xmlns="" xmlns:a14="http://schemas.microsoft.com/office/drawing/2010/main">
                 <a:effectLst>
                   <a:outerShdw dist="35921" dir="2700000" algn="ctr" rotWithShape="0">
                     <a:schemeClr val="bg2"/>
@@ -5957,7 +5959,7 @@
           <a:effectLst/>
           <a:extLst>
             <a:ext uri="{AF507438-7753-43e0-B8FC-AC1667EBCBE1}">
-              <a14:hiddenEffects xmlns:a14="http://schemas.microsoft.com/office/drawing/2010/main" xmlns="">
+              <a14:hiddenEffects xmlns="" xmlns:a14="http://schemas.microsoft.com/office/drawing/2010/main">
                 <a:effectLst>
                   <a:outerShdw dist="35921" dir="2700000" algn="ctr" rotWithShape="0">
                     <a:schemeClr val="bg2"/>
@@ -6043,7 +6045,7 @@
           <a:effectLst/>
           <a:extLst>
             <a:ext uri="{AF507438-7753-43e0-B8FC-AC1667EBCBE1}">
-              <a14:hiddenEffects xmlns:a14="http://schemas.microsoft.com/office/drawing/2010/main" xmlns="">
+              <a14:hiddenEffects xmlns="" xmlns:a14="http://schemas.microsoft.com/office/drawing/2010/main">
                 <a:effectLst>
                   <a:outerShdw dist="35921" dir="2700000" algn="ctr" rotWithShape="0">
                     <a:schemeClr val="bg2"/>
@@ -6129,7 +6131,7 @@
           <a:effectLst/>
           <a:extLst>
             <a:ext uri="{AF507438-7753-43e0-B8FC-AC1667EBCBE1}">
-              <a14:hiddenEffects xmlns:a14="http://schemas.microsoft.com/office/drawing/2010/main" xmlns="">
+              <a14:hiddenEffects xmlns="" xmlns:a14="http://schemas.microsoft.com/office/drawing/2010/main">
                 <a:effectLst>
                   <a:outerShdw dist="35921" dir="2700000" algn="ctr" rotWithShape="0">
                     <a:schemeClr val="bg2"/>
@@ -6215,7 +6217,7 @@
           <a:effectLst/>
           <a:extLst>
             <a:ext uri="{AF507438-7753-43e0-B8FC-AC1667EBCBE1}">
-              <a14:hiddenEffects xmlns:a14="http://schemas.microsoft.com/office/drawing/2010/main" xmlns="">
+              <a14:hiddenEffects xmlns="" xmlns:a14="http://schemas.microsoft.com/office/drawing/2010/main">
                 <a:effectLst>
                   <a:outerShdw dist="35921" dir="2700000" algn="ctr" rotWithShape="0">
                     <a:schemeClr val="bg2"/>
@@ -6299,7 +6301,7 @@
           <a:effectLst/>
           <a:extLst>
             <a:ext uri="{AF507438-7753-43e0-B8FC-AC1667EBCBE1}">
-              <a14:hiddenEffects xmlns:a14="http://schemas.microsoft.com/office/drawing/2010/main" xmlns="">
+              <a14:hiddenEffects xmlns="" xmlns:a14="http://schemas.microsoft.com/office/drawing/2010/main">
                 <a:effectLst>
                   <a:outerShdw dist="35921" dir="2700000" algn="ctr" rotWithShape="0">
                     <a:schemeClr val="bg2"/>
@@ -6382,7 +6384,7 @@
           <a:effectLst/>
           <a:extLst>
             <a:ext uri="{AF507438-7753-43e0-B8FC-AC1667EBCBE1}">
-              <a14:hiddenEffects xmlns:a14="http://schemas.microsoft.com/office/drawing/2010/main" xmlns="">
+              <a14:hiddenEffects xmlns="" xmlns:a14="http://schemas.microsoft.com/office/drawing/2010/main">
                 <a:effectLst>
                   <a:outerShdw dist="35921" dir="2700000" algn="ctr" rotWithShape="0">
                     <a:schemeClr val="bg2"/>
@@ -6536,7 +6538,7 @@
           <a:effectLst/>
           <a:extLst>
             <a:ext uri="{AF507438-7753-43e0-B8FC-AC1667EBCBE1}">
-              <a14:hiddenEffects xmlns:a14="http://schemas.microsoft.com/office/drawing/2010/main" xmlns="">
+              <a14:hiddenEffects xmlns="" xmlns:a14="http://schemas.microsoft.com/office/drawing/2010/main">
                 <a:effectLst>
                   <a:outerShdw dist="35921" dir="2700000" algn="ctr" rotWithShape="0">
                     <a:schemeClr val="bg2"/>
@@ -6857,7 +6859,7 @@
           <a:effectLst/>
           <a:extLst>
             <a:ext uri="{AF507438-7753-43e0-B8FC-AC1667EBCBE1}">
-              <a14:hiddenEffects xmlns:a14="http://schemas.microsoft.com/office/drawing/2010/main" xmlns="">
+              <a14:hiddenEffects xmlns="" xmlns:a14="http://schemas.microsoft.com/office/drawing/2010/main">
                 <a:effectLst>
                   <a:outerShdw dist="35921" dir="2700000" algn="ctr" rotWithShape="0">
                     <a:schemeClr val="bg2"/>
@@ -7201,7 +7203,7 @@
           <a:effectLst/>
           <a:extLst>
             <a:ext uri="{AF507438-7753-43e0-B8FC-AC1667EBCBE1}">
-              <a14:hiddenEffects xmlns:a14="http://schemas.microsoft.com/office/drawing/2010/main" xmlns="">
+              <a14:hiddenEffects xmlns="" xmlns:a14="http://schemas.microsoft.com/office/drawing/2010/main">
                 <a:effectLst>
                   <a:outerShdw dist="35921" dir="2700000" algn="ctr" rotWithShape="0">
                     <a:schemeClr val="bg2"/>
@@ -7382,7 +7384,7 @@
           <a:effectLst/>
           <a:extLst>
             <a:ext uri="{AF507438-7753-43e0-B8FC-AC1667EBCBE1}">
-              <a14:hiddenEffects xmlns:a14="http://schemas.microsoft.com/office/drawing/2010/main" xmlns="">
+              <a14:hiddenEffects xmlns="" xmlns:a14="http://schemas.microsoft.com/office/drawing/2010/main">
                 <a:effectLst>
                   <a:outerShdw dist="35921" dir="2700000" algn="ctr" rotWithShape="0">
                     <a:schemeClr val="bg2"/>
@@ -7531,7 +7533,7 @@
             <a:effectLst/>
             <a:extLst>
               <a:ext uri="{AF507438-7753-43e0-B8FC-AC1667EBCBE1}">
-                <a14:hiddenEffects xmlns:a14="http://schemas.microsoft.com/office/drawing/2010/main" xmlns="">
+                <a14:hiddenEffects xmlns="" xmlns:a14="http://schemas.microsoft.com/office/drawing/2010/main">
                   <a:effectLst>
                     <a:outerShdw dist="35921" dir="2700000" algn="ctr" rotWithShape="0">
                       <a:schemeClr val="bg2"/>
@@ -7619,7 +7621,7 @@
             <a:effectLst/>
             <a:extLst>
               <a:ext uri="{AF507438-7753-43e0-B8FC-AC1667EBCBE1}">
-                <a14:hiddenEffects xmlns:a14="http://schemas.microsoft.com/office/drawing/2010/main" xmlns="">
+                <a14:hiddenEffects xmlns="" xmlns:a14="http://schemas.microsoft.com/office/drawing/2010/main">
                   <a:effectLst>
                     <a:outerShdw dist="35921" dir="2700000" algn="ctr" rotWithShape="0">
                       <a:schemeClr val="bg2"/>
@@ -7714,7 +7716,7 @@
             <a:effectLst/>
             <a:extLst>
               <a:ext uri="{AF507438-7753-43e0-B8FC-AC1667EBCBE1}">
-                <a14:hiddenEffects xmlns:a14="http://schemas.microsoft.com/office/drawing/2010/main" xmlns="">
+                <a14:hiddenEffects xmlns="" xmlns:a14="http://schemas.microsoft.com/office/drawing/2010/main">
                   <a:effectLst>
                     <a:outerShdw dist="35921" dir="2700000" algn="ctr" rotWithShape="0">
                       <a:schemeClr val="bg2"/>
@@ -7802,7 +7804,7 @@
             <a:effectLst/>
             <a:extLst>
               <a:ext uri="{AF507438-7753-43e0-B8FC-AC1667EBCBE1}">
-                <a14:hiddenEffects xmlns:a14="http://schemas.microsoft.com/office/drawing/2010/main" xmlns="">
+                <a14:hiddenEffects xmlns="" xmlns:a14="http://schemas.microsoft.com/office/drawing/2010/main">
                   <a:effectLst>
                     <a:outerShdw dist="35921" dir="2700000" algn="ctr" rotWithShape="0">
                       <a:schemeClr val="bg2"/>
@@ -7890,7 +7892,7 @@
             <a:effectLst/>
             <a:extLst>
               <a:ext uri="{AF507438-7753-43e0-B8FC-AC1667EBCBE1}">
-                <a14:hiddenEffects xmlns:a14="http://schemas.microsoft.com/office/drawing/2010/main" xmlns="">
+                <a14:hiddenEffects xmlns="" xmlns:a14="http://schemas.microsoft.com/office/drawing/2010/main">
                   <a:effectLst>
                     <a:outerShdw dist="35921" dir="2700000" algn="ctr" rotWithShape="0">
                       <a:schemeClr val="bg2"/>
@@ -7978,7 +7980,7 @@
             <a:effectLst/>
             <a:extLst>
               <a:ext uri="{AF507438-7753-43e0-B8FC-AC1667EBCBE1}">
-                <a14:hiddenEffects xmlns:a14="http://schemas.microsoft.com/office/drawing/2010/main" xmlns="">
+                <a14:hiddenEffects xmlns="" xmlns:a14="http://schemas.microsoft.com/office/drawing/2010/main">
                   <a:effectLst>
                     <a:outerShdw dist="35921" dir="2700000" algn="ctr" rotWithShape="0">
                       <a:schemeClr val="bg2"/>
@@ -8066,7 +8068,7 @@
             <a:effectLst/>
             <a:extLst>
               <a:ext uri="{AF507438-7753-43e0-B8FC-AC1667EBCBE1}">
-                <a14:hiddenEffects xmlns:a14="http://schemas.microsoft.com/office/drawing/2010/main" xmlns="">
+                <a14:hiddenEffects xmlns="" xmlns:a14="http://schemas.microsoft.com/office/drawing/2010/main">
                   <a:effectLst>
                     <a:outerShdw dist="35921" dir="2700000" algn="ctr" rotWithShape="0">
                       <a:schemeClr val="bg2"/>
@@ -8154,7 +8156,7 @@
             <a:effectLst/>
             <a:extLst>
               <a:ext uri="{AF507438-7753-43e0-B8FC-AC1667EBCBE1}">
-                <a14:hiddenEffects xmlns:a14="http://schemas.microsoft.com/office/drawing/2010/main" xmlns="">
+                <a14:hiddenEffects xmlns="" xmlns:a14="http://schemas.microsoft.com/office/drawing/2010/main">
                   <a:effectLst>
                     <a:outerShdw dist="35921" dir="2700000" algn="ctr" rotWithShape="0">
                       <a:schemeClr val="bg2"/>
@@ -8242,7 +8244,7 @@
             <a:effectLst/>
             <a:extLst>
               <a:ext uri="{AF507438-7753-43e0-B8FC-AC1667EBCBE1}">
-                <a14:hiddenEffects xmlns:a14="http://schemas.microsoft.com/office/drawing/2010/main" xmlns="">
+                <a14:hiddenEffects xmlns="" xmlns:a14="http://schemas.microsoft.com/office/drawing/2010/main">
                   <a:effectLst>
                     <a:outerShdw dist="35921" dir="2700000" algn="ctr" rotWithShape="0">
                       <a:schemeClr val="bg2"/>
@@ -8339,7 +8341,7 @@
             <a:effectLst/>
             <a:extLst>
               <a:ext uri="{AF507438-7753-43e0-B8FC-AC1667EBCBE1}">
-                <a14:hiddenEffects xmlns:a14="http://schemas.microsoft.com/office/drawing/2010/main" xmlns="">
+                <a14:hiddenEffects xmlns="" xmlns:a14="http://schemas.microsoft.com/office/drawing/2010/main">
                   <a:effectLst>
                     <a:outerShdw dist="35921" dir="2700000" algn="ctr" rotWithShape="0">
                       <a:schemeClr val="bg2"/>
@@ -8390,7 +8392,7 @@
             <a:effectLst/>
             <a:extLst>
               <a:ext uri="{AF507438-7753-43e0-B8FC-AC1667EBCBE1}">
-                <a14:hiddenEffects xmlns:a14="http://schemas.microsoft.com/office/drawing/2010/main" xmlns="">
+                <a14:hiddenEffects xmlns="" xmlns:a14="http://schemas.microsoft.com/office/drawing/2010/main">
                   <a:effectLst>
                     <a:outerShdw dist="35921" dir="2700000" algn="ctr" rotWithShape="0">
                       <a:schemeClr val="bg2"/>
@@ -8440,7 +8442,7 @@
             <a:effectLst/>
             <a:extLst>
               <a:ext uri="{AF507438-7753-43e0-B8FC-AC1667EBCBE1}">
-                <a14:hiddenEffects xmlns:a14="http://schemas.microsoft.com/office/drawing/2010/main" xmlns="">
+                <a14:hiddenEffects xmlns="" xmlns:a14="http://schemas.microsoft.com/office/drawing/2010/main">
                   <a:effectLst>
                     <a:outerShdw dist="35921" dir="2700000" algn="ctr" rotWithShape="0">
                       <a:schemeClr val="bg2"/>
@@ -8488,7 +8490,7 @@
             <a:effectLst/>
             <a:extLst>
               <a:ext uri="{AF507438-7753-43e0-B8FC-AC1667EBCBE1}">
-                <a14:hiddenEffects xmlns:a14="http://schemas.microsoft.com/office/drawing/2010/main" xmlns="">
+                <a14:hiddenEffects xmlns="" xmlns:a14="http://schemas.microsoft.com/office/drawing/2010/main">
                   <a:effectLst>
                     <a:outerShdw dist="35921" dir="2700000" algn="ctr" rotWithShape="0">
                       <a:schemeClr val="bg2"/>
@@ -8573,7 +8575,7 @@
             <a:effectLst/>
             <a:extLst>
               <a:ext uri="{AF507438-7753-43e0-B8FC-AC1667EBCBE1}">
-                <a14:hiddenEffects xmlns:a14="http://schemas.microsoft.com/office/drawing/2010/main" xmlns="">
+                <a14:hiddenEffects xmlns="" xmlns:a14="http://schemas.microsoft.com/office/drawing/2010/main">
                   <a:effectLst>
                     <a:outerShdw dist="35921" dir="2700000" algn="ctr" rotWithShape="0">
                       <a:schemeClr val="bg2"/>
@@ -8619,7 +8621,7 @@
             <a:effectLst/>
             <a:extLst>
               <a:ext uri="{AF507438-7753-43e0-B8FC-AC1667EBCBE1}">
-                <a14:hiddenEffects xmlns:a14="http://schemas.microsoft.com/office/drawing/2010/main" xmlns="">
+                <a14:hiddenEffects xmlns="" xmlns:a14="http://schemas.microsoft.com/office/drawing/2010/main">
                   <a:effectLst>
                     <a:outerShdw dist="35921" dir="2700000" algn="ctr" rotWithShape="0">
                       <a:schemeClr val="bg2"/>
@@ -8670,7 +8672,7 @@
             <a:effectLst/>
             <a:extLst>
               <a:ext uri="{AF507438-7753-43e0-B8FC-AC1667EBCBE1}">
-                <a14:hiddenEffects xmlns:a14="http://schemas.microsoft.com/office/drawing/2010/main" xmlns="">
+                <a14:hiddenEffects xmlns="" xmlns:a14="http://schemas.microsoft.com/office/drawing/2010/main">
                   <a:effectLst>
                     <a:outerShdw dist="35921" dir="2700000" algn="ctr" rotWithShape="0">
                       <a:schemeClr val="bg2"/>
@@ -8718,7 +8720,7 @@
             <a:effectLst/>
             <a:extLst>
               <a:ext uri="{AF507438-7753-43e0-B8FC-AC1667EBCBE1}">
-                <a14:hiddenEffects xmlns:a14="http://schemas.microsoft.com/office/drawing/2010/main" xmlns="">
+                <a14:hiddenEffects xmlns="" xmlns:a14="http://schemas.microsoft.com/office/drawing/2010/main">
                   <a:effectLst>
                     <a:outerShdw dist="35921" dir="2700000" algn="ctr" rotWithShape="0">
                       <a:schemeClr val="bg2"/>
@@ -8768,7 +8770,7 @@
             <a:effectLst/>
             <a:extLst>
               <a:ext uri="{AF507438-7753-43e0-B8FC-AC1667EBCBE1}">
-                <a14:hiddenEffects xmlns:a14="http://schemas.microsoft.com/office/drawing/2010/main" xmlns="">
+                <a14:hiddenEffects xmlns="" xmlns:a14="http://schemas.microsoft.com/office/drawing/2010/main">
                   <a:effectLst>
                     <a:outerShdw dist="35921" dir="2700000" algn="ctr" rotWithShape="0">
                       <a:schemeClr val="bg2"/>
@@ -8818,7 +8820,7 @@
             <a:effectLst/>
             <a:extLst>
               <a:ext uri="{AF507438-7753-43e0-B8FC-AC1667EBCBE1}">
-                <a14:hiddenEffects xmlns:a14="http://schemas.microsoft.com/office/drawing/2010/main" xmlns="">
+                <a14:hiddenEffects xmlns="" xmlns:a14="http://schemas.microsoft.com/office/drawing/2010/main">
                   <a:effectLst>
                     <a:outerShdw dist="35921" dir="2700000" algn="ctr" rotWithShape="0">
                       <a:schemeClr val="bg2"/>
@@ -8866,7 +8868,7 @@
             <a:effectLst/>
             <a:extLst>
               <a:ext uri="{AF507438-7753-43e0-B8FC-AC1667EBCBE1}">
-                <a14:hiddenEffects xmlns:a14="http://schemas.microsoft.com/office/drawing/2010/main" xmlns="">
+                <a14:hiddenEffects xmlns="" xmlns:a14="http://schemas.microsoft.com/office/drawing/2010/main">
                   <a:effectLst>
                     <a:outerShdw dist="35921" dir="2700000" algn="ctr" rotWithShape="0">
                       <a:schemeClr val="bg2"/>
@@ -8963,7 +8965,7 @@
             <a:effectLst/>
             <a:extLst>
               <a:ext uri="{AF507438-7753-43e0-B8FC-AC1667EBCBE1}">
-                <a14:hiddenEffects xmlns:a14="http://schemas.microsoft.com/office/drawing/2010/main" xmlns="">
+                <a14:hiddenEffects xmlns="" xmlns:a14="http://schemas.microsoft.com/office/drawing/2010/main">
                   <a:effectLst>
                     <a:outerShdw dist="35921" dir="2700000" algn="ctr" rotWithShape="0">
                       <a:schemeClr val="bg2"/>
@@ -9014,7 +9016,7 @@
             <a:effectLst/>
             <a:extLst>
               <a:ext uri="{AF507438-7753-43e0-B8FC-AC1667EBCBE1}">
-                <a14:hiddenEffects xmlns:a14="http://schemas.microsoft.com/office/drawing/2010/main" xmlns="">
+                <a14:hiddenEffects xmlns="" xmlns:a14="http://schemas.microsoft.com/office/drawing/2010/main">
                   <a:effectLst>
                     <a:outerShdw dist="35921" dir="2700000" algn="ctr" rotWithShape="0">
                       <a:schemeClr val="bg2"/>
@@ -9064,7 +9066,7 @@
             <a:effectLst/>
             <a:extLst>
               <a:ext uri="{AF507438-7753-43e0-B8FC-AC1667EBCBE1}">
-                <a14:hiddenEffects xmlns:a14="http://schemas.microsoft.com/office/drawing/2010/main" xmlns="">
+                <a14:hiddenEffects xmlns="" xmlns:a14="http://schemas.microsoft.com/office/drawing/2010/main">
                   <a:effectLst>
                     <a:outerShdw dist="35921" dir="2700000" algn="ctr" rotWithShape="0">
                       <a:schemeClr val="bg2"/>
@@ -9141,7 +9143,7 @@
           <a:effectLst/>
           <a:extLst>
             <a:ext uri="{AF507438-7753-43e0-B8FC-AC1667EBCBE1}">
-              <a14:hiddenEffects xmlns:a14="http://schemas.microsoft.com/office/drawing/2010/main" xmlns="">
+              <a14:hiddenEffects xmlns="" xmlns:a14="http://schemas.microsoft.com/office/drawing/2010/main">
                 <a:effectLst>
                   <a:outerShdw dist="35921" dir="2700000" algn="ctr" rotWithShape="0">
                     <a:schemeClr val="bg2"/>
@@ -9172,7 +9174,7 @@
                 <a:latin typeface="+mj-lt"/>
                 <a:ea typeface="ＭＳ Ｐゴシック" pitchFamily="96" charset="-128"/>
               </a:rPr>
-              <a:t>Topic 2</a:t>
+              <a:t>Topic 3</a:t>
             </a:r>
             <a:r>
               <a:rPr lang="en-US" sz="2000" b="1" dirty="0">
@@ -9232,498 +9234,517 @@
           </a:p>
         </p:txBody>
       </p:sp>
-      <p:sp>
-        <p:nvSpPr>
-          <p:cNvPr id="6" name="Textfeld 6">
+      <p:grpSp>
+        <p:nvGrpSpPr>
+          <p:cNvPr id="17" name="Group 16">
             <a:extLst>
               <a:ext uri="{FF2B5EF4-FFF2-40B4-BE49-F238E27FC236}">
-                <a16:creationId xmlns:a16="http://schemas.microsoft.com/office/drawing/2014/main" id="{AEE49D0C-9094-46A3-856A-2410F8A115C7}"/>
+                <a16:creationId xmlns:a16="http://schemas.microsoft.com/office/drawing/2014/main" id="{9D09E210-974A-4A04-A0A8-F12F17414882}"/>
               </a:ext>
             </a:extLst>
           </p:cNvPr>
-          <p:cNvSpPr txBox="1"/>
+          <p:cNvGrpSpPr/>
           <p:nvPr/>
-        </p:nvSpPr>
-        <p:spPr>
+        </p:nvGrpSpPr>
+        <p:grpSpPr>
           <a:xfrm>
-            <a:off x="5514813" y="3921769"/>
-            <a:ext cx="1075936" cy="830997"/>
+            <a:off x="2700362" y="3446879"/>
+            <a:ext cx="3760943" cy="1429127"/>
+            <a:chOff x="2700362" y="3446879"/>
+            <a:chExt cx="3760943" cy="1429127"/>
           </a:xfrm>
-          <a:prstGeom prst="rect">
-            <a:avLst/>
-          </a:prstGeom>
-          <a:noFill/>
-        </p:spPr>
-        <p:txBody>
-          <a:bodyPr wrap="none">
-            <a:spAutoFit/>
-          </a:bodyPr>
-          <a:lstStyle/>
-          <a:p>
-            <a:pPr eaLnBrk="1" hangingPunct="1">
-              <a:defRPr/>
-            </a:pPr>
-            <a:r>
-              <a:rPr lang="de-DE" sz="1200" dirty="0">
+        </p:grpSpPr>
+        <p:sp>
+          <p:nvSpPr>
+            <p:cNvPr id="6" name="Textfeld 6">
+              <a:extLst>
+                <a:ext uri="{FF2B5EF4-FFF2-40B4-BE49-F238E27FC236}">
+                  <a16:creationId xmlns:a16="http://schemas.microsoft.com/office/drawing/2014/main" id="{AEE49D0C-9094-46A3-856A-2410F8A115C7}"/>
+                </a:ext>
+              </a:extLst>
+            </p:cNvPr>
+            <p:cNvSpPr txBox="1"/>
+            <p:nvPr/>
+          </p:nvSpPr>
+          <p:spPr>
+            <a:xfrm>
+              <a:off x="5436666" y="3866985"/>
+              <a:ext cx="1024639" cy="830997"/>
+            </a:xfrm>
+            <a:prstGeom prst="rect">
+              <a:avLst/>
+            </a:prstGeom>
+            <a:noFill/>
+          </p:spPr>
+          <p:txBody>
+            <a:bodyPr wrap="none">
+              <a:spAutoFit/>
+            </a:bodyPr>
+            <a:lstStyle/>
+            <a:p>
+              <a:pPr eaLnBrk="1" hangingPunct="1">
+                <a:defRPr/>
+              </a:pPr>
+              <a:r>
+                <a:rPr lang="de-DE" sz="1200" dirty="0">
+                  <a:solidFill>
+                    <a:schemeClr val="bg2">
+                      <a:lumMod val="50000"/>
+                    </a:schemeClr>
+                  </a:solidFill>
+                  <a:cs typeface="Arial" panose="020B0604020202020204" pitchFamily="34" charset="0"/>
+                </a:rPr>
+                <a:t>Parameter:</a:t>
+              </a:r>
+            </a:p>
+            <a:p>
+              <a:pPr eaLnBrk="1" hangingPunct="1">
+                <a:defRPr/>
+              </a:pPr>
+              <a:r>
+                <a:rPr lang="de-DE" sz="1200" i="1" dirty="0">
+                  <a:solidFill>
+                    <a:schemeClr val="bg2">
+                      <a:lumMod val="50000"/>
+                    </a:schemeClr>
+                  </a:solidFill>
+                  <a:cs typeface="Arial" panose="020B0604020202020204" pitchFamily="34" charset="0"/>
+                </a:rPr>
+                <a:t>ξ</a:t>
+              </a:r>
+              <a:r>
+                <a:rPr lang="de-DE" sz="1200" dirty="0">
+                  <a:solidFill>
+                    <a:schemeClr val="bg2">
+                      <a:lumMod val="50000"/>
+                    </a:schemeClr>
+                  </a:solidFill>
+                  <a:cs typeface="Arial" panose="020B0604020202020204" pitchFamily="34" charset="0"/>
+                </a:rPr>
+                <a:t>:   Shape</a:t>
+              </a:r>
+            </a:p>
+            <a:p>
+              <a:pPr eaLnBrk="1" hangingPunct="1">
+                <a:defRPr/>
+              </a:pPr>
+              <a:r>
+                <a:rPr lang="de-DE" sz="1200" i="1" dirty="0">
+                  <a:solidFill>
+                    <a:schemeClr val="bg2">
+                      <a:lumMod val="50000"/>
+                    </a:schemeClr>
+                  </a:solidFill>
+                  <a:cs typeface="Arial" panose="020B0604020202020204" pitchFamily="34" charset="0"/>
+                  <a:sym typeface="Symbol"/>
+                </a:rPr>
+                <a:t>µ</a:t>
+              </a:r>
+              <a:r>
+                <a:rPr lang="de-DE" sz="1200" dirty="0">
+                  <a:solidFill>
+                    <a:schemeClr val="bg2">
+                      <a:lumMod val="50000"/>
+                    </a:schemeClr>
+                  </a:solidFill>
+                  <a:cs typeface="Arial" panose="020B0604020202020204" pitchFamily="34" charset="0"/>
+                  <a:sym typeface="Symbol"/>
+                </a:rPr>
+                <a:t>:   Location</a:t>
+              </a:r>
+            </a:p>
+            <a:p>
+              <a:pPr eaLnBrk="1" hangingPunct="1">
+                <a:defRPr/>
+              </a:pPr>
+              <a:r>
+                <a:rPr lang="de-DE" sz="1200" i="1" dirty="0">
+                  <a:solidFill>
+                    <a:schemeClr val="bg2">
+                      <a:lumMod val="50000"/>
+                    </a:schemeClr>
+                  </a:solidFill>
+                  <a:cs typeface="Arial" panose="020B0604020202020204" pitchFamily="34" charset="0"/>
+                  <a:sym typeface="Symbol"/>
+                </a:rPr>
+                <a:t>σ</a:t>
+              </a:r>
+              <a:r>
+                <a:rPr lang="de-DE" sz="1200" dirty="0">
+                  <a:solidFill>
+                    <a:schemeClr val="bg2">
+                      <a:lumMod val="50000"/>
+                    </a:schemeClr>
+                  </a:solidFill>
+                  <a:cs typeface="Arial" panose="020B0604020202020204" pitchFamily="34" charset="0"/>
+                  <a:sym typeface="Symbol"/>
+                </a:rPr>
+                <a:t>:   Scale</a:t>
+              </a:r>
+              <a:endParaRPr lang="de-DE" sz="1200" dirty="0">
                 <a:solidFill>
                   <a:schemeClr val="bg2">
                     <a:lumMod val="50000"/>
                   </a:schemeClr>
                 </a:solidFill>
-                <a:latin typeface="+mn-lt"/>
-                <a:cs typeface="Times New Roman" pitchFamily="18" charset="0"/>
-              </a:rPr>
-              <a:t>Parameter:</a:t>
-            </a:r>
-          </a:p>
-          <a:p>
-            <a:pPr eaLnBrk="1" hangingPunct="1">
-              <a:defRPr/>
-            </a:pPr>
-            <a:r>
-              <a:rPr lang="de-DE" sz="1200" i="1" dirty="0">
+                <a:cs typeface="Arial" panose="020B0604020202020204" pitchFamily="34" charset="0"/>
+              </a:endParaRPr>
+            </a:p>
+          </p:txBody>
+        </p:sp>
+        <p:grpSp>
+          <p:nvGrpSpPr>
+            <p:cNvPr id="16" name="Group 15">
+              <a:extLst>
+                <a:ext uri="{FF2B5EF4-FFF2-40B4-BE49-F238E27FC236}">
+                  <a16:creationId xmlns:a16="http://schemas.microsoft.com/office/drawing/2014/main" id="{91B2A85B-C3AB-4876-9FBE-55F7B3DA838C}"/>
+                </a:ext>
+              </a:extLst>
+            </p:cNvPr>
+            <p:cNvGrpSpPr/>
+            <p:nvPr/>
+          </p:nvGrpSpPr>
+          <p:grpSpPr>
+            <a:xfrm>
+              <a:off x="2700362" y="3446879"/>
+              <a:ext cx="2736304" cy="1429127"/>
+              <a:chOff x="2700362" y="3446879"/>
+              <a:chExt cx="2736304" cy="1429127"/>
+            </a:xfrm>
+          </p:grpSpPr>
+          <p:grpSp>
+            <p:nvGrpSpPr>
+              <p:cNvPr id="15" name="Group 14">
+                <a:extLst>
+                  <a:ext uri="{FF2B5EF4-FFF2-40B4-BE49-F238E27FC236}">
+                    <a16:creationId xmlns:a16="http://schemas.microsoft.com/office/drawing/2014/main" id="{0E3834B1-179E-458E-AB22-D0A529BCA498}"/>
+                  </a:ext>
+                </a:extLst>
+              </p:cNvPr>
+              <p:cNvGrpSpPr/>
+              <p:nvPr/>
+            </p:nvGrpSpPr>
+            <p:grpSpPr>
+              <a:xfrm>
+                <a:off x="2771800" y="3729516"/>
+                <a:ext cx="2664866" cy="1146490"/>
+                <a:chOff x="2771800" y="3729516"/>
+                <a:chExt cx="2664866" cy="1146490"/>
+              </a:xfrm>
+            </p:grpSpPr>
+            <p:sp>
+              <p:nvSpPr>
+                <p:cNvPr id="7" name="Rechteck 5">
+                  <a:extLst>
+                    <a:ext uri="{FF2B5EF4-FFF2-40B4-BE49-F238E27FC236}">
+                      <a16:creationId xmlns:a16="http://schemas.microsoft.com/office/drawing/2014/main" id="{FB7B17B6-72C5-476E-AD4A-9CA8020549E0}"/>
+                    </a:ext>
+                  </a:extLst>
+                </p:cNvPr>
+                <p:cNvSpPr>
+                  <a:spLocks noChangeArrowheads="1"/>
+                </p:cNvSpPr>
+                <p:nvPr/>
+              </p:nvSpPr>
+              <p:spPr bwMode="auto">
+                <a:xfrm>
+                  <a:off x="2771800" y="3729516"/>
+                  <a:ext cx="2664866" cy="1146490"/>
+                </a:xfrm>
+                <a:prstGeom prst="rect">
+                  <a:avLst/>
+                </a:prstGeom>
                 <a:solidFill>
-                  <a:schemeClr val="bg2">
-                    <a:lumMod val="50000"/>
-                  </a:schemeClr>
+                  <a:srgbClr val="FFDC6D"/>
                 </a:solidFill>
-                <a:latin typeface="Times New Roman" pitchFamily="18" charset="0"/>
-                <a:cs typeface="Times New Roman" pitchFamily="18" charset="0"/>
-              </a:rPr>
-              <a:t>ξ</a:t>
-            </a:r>
-            <a:r>
-              <a:rPr lang="de-DE" sz="1200" dirty="0">
-                <a:solidFill>
-                  <a:schemeClr val="bg2">
-                    <a:lumMod val="50000"/>
-                  </a:schemeClr>
-                </a:solidFill>
-                <a:latin typeface="Times New Roman" pitchFamily="18" charset="0"/>
-                <a:cs typeface="Times New Roman" pitchFamily="18" charset="0"/>
-              </a:rPr>
-              <a:t>:   </a:t>
-            </a:r>
-            <a:r>
-              <a:rPr lang="de-DE" sz="1200" dirty="0">
-                <a:solidFill>
-                  <a:schemeClr val="bg2">
-                    <a:lumMod val="50000"/>
-                  </a:schemeClr>
-                </a:solidFill>
-                <a:latin typeface="+mn-lt"/>
-                <a:cs typeface="Times New Roman" pitchFamily="18" charset="0"/>
-              </a:rPr>
-              <a:t>Shape</a:t>
-            </a:r>
-          </a:p>
-          <a:p>
-            <a:pPr eaLnBrk="1" hangingPunct="1">
-              <a:defRPr/>
-            </a:pPr>
-            <a:r>
-              <a:rPr lang="de-DE" sz="1200" i="1" dirty="0">
-                <a:solidFill>
-                  <a:schemeClr val="bg2">
-                    <a:lumMod val="50000"/>
-                  </a:schemeClr>
-                </a:solidFill>
-                <a:latin typeface="Times New Roman" pitchFamily="18" charset="0"/>
-                <a:cs typeface="Times New Roman" pitchFamily="18" charset="0"/>
-                <a:sym typeface="Symbol"/>
-              </a:rPr>
-              <a:t>µ</a:t>
-            </a:r>
-            <a:r>
-              <a:rPr lang="de-DE" sz="1200" dirty="0">
-                <a:solidFill>
-                  <a:schemeClr val="bg2">
-                    <a:lumMod val="50000"/>
-                  </a:schemeClr>
-                </a:solidFill>
-                <a:latin typeface="Times New Roman" pitchFamily="18" charset="0"/>
-                <a:cs typeface="Times New Roman" pitchFamily="18" charset="0"/>
-                <a:sym typeface="Symbol"/>
-              </a:rPr>
-              <a:t>:   </a:t>
-            </a:r>
-            <a:r>
-              <a:rPr lang="de-DE" sz="1200" dirty="0">
-                <a:solidFill>
-                  <a:schemeClr val="bg2">
-                    <a:lumMod val="50000"/>
-                  </a:schemeClr>
-                </a:solidFill>
-                <a:latin typeface="+mj-lt"/>
-                <a:cs typeface="Times New Roman" pitchFamily="18" charset="0"/>
-                <a:sym typeface="Symbol"/>
-              </a:rPr>
-              <a:t>Location</a:t>
-            </a:r>
-          </a:p>
-          <a:p>
-            <a:pPr eaLnBrk="1" hangingPunct="1">
-              <a:defRPr/>
-            </a:pPr>
-            <a:r>
-              <a:rPr lang="de-DE" sz="1200" i="1" dirty="0">
-                <a:solidFill>
-                  <a:schemeClr val="bg2">
-                    <a:lumMod val="50000"/>
-                  </a:schemeClr>
-                </a:solidFill>
-                <a:latin typeface="Times New Roman" pitchFamily="18" charset="0"/>
-                <a:cs typeface="Times New Roman" pitchFamily="18" charset="0"/>
-                <a:sym typeface="Symbol"/>
-              </a:rPr>
-              <a:t>σ</a:t>
-            </a:r>
-            <a:r>
-              <a:rPr lang="de-DE" sz="1200" dirty="0">
-                <a:solidFill>
-                  <a:schemeClr val="bg2">
-                    <a:lumMod val="50000"/>
-                  </a:schemeClr>
-                </a:solidFill>
-                <a:latin typeface="Times New Roman" pitchFamily="18" charset="0"/>
-                <a:cs typeface="Times New Roman" pitchFamily="18" charset="0"/>
-                <a:sym typeface="Symbol"/>
-              </a:rPr>
-              <a:t>:   </a:t>
-            </a:r>
-            <a:r>
-              <a:rPr lang="de-DE" sz="1200" dirty="0">
-                <a:solidFill>
-                  <a:schemeClr val="bg2">
-                    <a:lumMod val="50000"/>
-                  </a:schemeClr>
-                </a:solidFill>
-                <a:latin typeface="+mn-lt"/>
-                <a:cs typeface="Times New Roman" pitchFamily="18" charset="0"/>
-                <a:sym typeface="Symbol"/>
-              </a:rPr>
-              <a:t>Scale</a:t>
-            </a:r>
-            <a:endParaRPr lang="de-DE" sz="1200" dirty="0">
-              <a:solidFill>
-                <a:schemeClr val="bg2">
-                  <a:lumMod val="50000"/>
-                </a:schemeClr>
-              </a:solidFill>
-              <a:latin typeface="+mn-lt"/>
-              <a:cs typeface="Times New Roman" pitchFamily="18" charset="0"/>
-            </a:endParaRPr>
-          </a:p>
-        </p:txBody>
-      </p:sp>
-      <p:sp>
-        <p:nvSpPr>
-          <p:cNvPr id="7" name="Rechteck 5">
-            <a:extLst>
-              <a:ext uri="{FF2B5EF4-FFF2-40B4-BE49-F238E27FC236}">
-                <a16:creationId xmlns:a16="http://schemas.microsoft.com/office/drawing/2014/main" id="{FB7B17B6-72C5-476E-AD4A-9CA8020549E0}"/>
-              </a:ext>
-            </a:extLst>
-          </p:cNvPr>
-          <p:cNvSpPr>
-            <a:spLocks noChangeArrowheads="1"/>
-          </p:cNvSpPr>
-          <p:nvPr/>
-        </p:nvSpPr>
-        <p:spPr bwMode="auto">
-          <a:xfrm>
-            <a:off x="2771800" y="3729516"/>
-            <a:ext cx="2664866" cy="1146490"/>
-          </a:xfrm>
-          <a:prstGeom prst="rect">
-            <a:avLst/>
-          </a:prstGeom>
-          <a:solidFill>
-            <a:srgbClr val="FFDC6D"/>
-          </a:solidFill>
-          <a:ln>
-            <a:noFill/>
-          </a:ln>
-          <a:extLst>
-            <a:ext uri="{91240B29-F687-4F45-9708-019B960494DF}">
-              <a14:hiddenLine xmlns:a14="http://schemas.microsoft.com/office/drawing/2010/main" w="22225">
-                <a:solidFill>
-                  <a:srgbClr val="000000"/>
-                </a:solidFill>
-                <a:miter lim="800000"/>
-                <a:headEnd/>
-                <a:tailEnd/>
-              </a14:hiddenLine>
-            </a:ext>
-          </a:extLst>
-        </p:spPr>
-        <p:txBody>
-          <a:bodyPr wrap="none" anchor="ctr"/>
-          <a:lstStyle>
-            <a:lvl1pPr>
-              <a:spcBef>
-                <a:spcPct val="20000"/>
-              </a:spcBef>
-              <a:buChar char="•"/>
-              <a:defRPr sz="3200">
-                <a:solidFill>
-                  <a:schemeClr val="tx1"/>
-                </a:solidFill>
-                <a:latin typeface="Arial" panose="020B0604020202020204" pitchFamily="34" charset="0"/>
-              </a:defRPr>
-            </a:lvl1pPr>
-            <a:lvl2pPr marL="742950" indent="-285750">
-              <a:spcBef>
-                <a:spcPct val="20000"/>
-              </a:spcBef>
-              <a:buChar char="–"/>
-              <a:defRPr sz="2800">
-                <a:solidFill>
-                  <a:schemeClr val="tx1"/>
-                </a:solidFill>
-                <a:latin typeface="Arial" panose="020B0604020202020204" pitchFamily="34" charset="0"/>
-              </a:defRPr>
-            </a:lvl2pPr>
-            <a:lvl3pPr marL="1143000" indent="-228600">
-              <a:spcBef>
-                <a:spcPct val="20000"/>
-              </a:spcBef>
-              <a:buChar char="•"/>
-              <a:defRPr sz="2400">
-                <a:solidFill>
-                  <a:schemeClr val="tx1"/>
-                </a:solidFill>
-                <a:latin typeface="Arial" panose="020B0604020202020204" pitchFamily="34" charset="0"/>
-              </a:defRPr>
-            </a:lvl3pPr>
-            <a:lvl4pPr marL="1600200" indent="-228600">
-              <a:spcBef>
-                <a:spcPct val="20000"/>
-              </a:spcBef>
-              <a:buChar char="–"/>
-              <a:defRPr sz="2000">
-                <a:solidFill>
-                  <a:schemeClr val="tx1"/>
-                </a:solidFill>
-                <a:latin typeface="Arial" panose="020B0604020202020204" pitchFamily="34" charset="0"/>
-              </a:defRPr>
-            </a:lvl4pPr>
-            <a:lvl5pPr marL="2057400" indent="-228600">
-              <a:spcBef>
-                <a:spcPct val="20000"/>
-              </a:spcBef>
-              <a:buChar char="»"/>
-              <a:defRPr sz="2000">
-                <a:solidFill>
-                  <a:schemeClr val="tx1"/>
-                </a:solidFill>
-                <a:latin typeface="Arial" panose="020B0604020202020204" pitchFamily="34" charset="0"/>
-              </a:defRPr>
-            </a:lvl5pPr>
-            <a:lvl6pPr marL="2514600" indent="-228600" eaLnBrk="0" fontAlgn="base" hangingPunct="0">
-              <a:spcBef>
-                <a:spcPct val="20000"/>
-              </a:spcBef>
-              <a:spcAft>
-                <a:spcPct val="0"/>
-              </a:spcAft>
-              <a:buChar char="»"/>
-              <a:defRPr sz="2000">
-                <a:solidFill>
-                  <a:schemeClr val="tx1"/>
-                </a:solidFill>
-                <a:latin typeface="Arial" panose="020B0604020202020204" pitchFamily="34" charset="0"/>
-              </a:defRPr>
-            </a:lvl6pPr>
-            <a:lvl7pPr marL="2971800" indent="-228600" eaLnBrk="0" fontAlgn="base" hangingPunct="0">
-              <a:spcBef>
-                <a:spcPct val="20000"/>
-              </a:spcBef>
-              <a:spcAft>
-                <a:spcPct val="0"/>
-              </a:spcAft>
-              <a:buChar char="»"/>
-              <a:defRPr sz="2000">
-                <a:solidFill>
-                  <a:schemeClr val="tx1"/>
-                </a:solidFill>
-                <a:latin typeface="Arial" panose="020B0604020202020204" pitchFamily="34" charset="0"/>
-              </a:defRPr>
-            </a:lvl7pPr>
-            <a:lvl8pPr marL="3429000" indent="-228600" eaLnBrk="0" fontAlgn="base" hangingPunct="0">
-              <a:spcBef>
-                <a:spcPct val="20000"/>
-              </a:spcBef>
-              <a:spcAft>
-                <a:spcPct val="0"/>
-              </a:spcAft>
-              <a:buChar char="»"/>
-              <a:defRPr sz="2000">
-                <a:solidFill>
-                  <a:schemeClr val="tx1"/>
-                </a:solidFill>
-                <a:latin typeface="Arial" panose="020B0604020202020204" pitchFamily="34" charset="0"/>
-              </a:defRPr>
-            </a:lvl8pPr>
-            <a:lvl9pPr marL="3886200" indent="-228600" eaLnBrk="0" fontAlgn="base" hangingPunct="0">
-              <a:spcBef>
-                <a:spcPct val="20000"/>
-              </a:spcBef>
-              <a:spcAft>
-                <a:spcPct val="0"/>
-              </a:spcAft>
-              <a:buChar char="»"/>
-              <a:defRPr sz="2000">
-                <a:solidFill>
-                  <a:schemeClr val="tx1"/>
-                </a:solidFill>
-                <a:latin typeface="Arial" panose="020B0604020202020204" pitchFamily="34" charset="0"/>
-              </a:defRPr>
-            </a:lvl9pPr>
-          </a:lstStyle>
-          <a:p>
-            <a:pPr algn="ctr" eaLnBrk="1" hangingPunct="1">
-              <a:spcBef>
-                <a:spcPts val="600"/>
-              </a:spcBef>
-              <a:buFontTx/>
-              <a:buNone/>
-            </a:pPr>
-            <a:endParaRPr lang="en-US" altLang="en-US" sz="1200">
-              <a:latin typeface="Candara" panose="020E0502030303020204" pitchFamily="34" charset="0"/>
-            </a:endParaRPr>
-          </a:p>
-        </p:txBody>
-      </p:sp>
-      <p:graphicFrame>
-        <p:nvGraphicFramePr>
-          <p:cNvPr id="8" name="Object 2">
-            <a:extLst>
-              <a:ext uri="{FF2B5EF4-FFF2-40B4-BE49-F238E27FC236}">
-                <a16:creationId xmlns:a16="http://schemas.microsoft.com/office/drawing/2014/main" id="{636C0D05-56D9-48B7-8D8F-561F32A39056}"/>
-              </a:ext>
-            </a:extLst>
-          </p:cNvPr>
-          <p:cNvGraphicFramePr>
-            <a:graphicFrameLocks noChangeAspect="1"/>
-          </p:cNvGraphicFramePr>
-          <p:nvPr>
-            <p:extLst>
-              <p:ext uri="{D42A27DB-BD31-4B8C-83A1-F6EECF244321}">
-                <p14:modId xmlns:p14="http://schemas.microsoft.com/office/powerpoint/2010/main" val="673660723"/>
-              </p:ext>
-            </p:extLst>
-          </p:nvPr>
-        </p:nvGraphicFramePr>
-        <p:xfrm>
-          <a:off x="2859497" y="3779507"/>
-          <a:ext cx="2461095" cy="1005955"/>
-        </p:xfrm>
-        <a:graphic>
-          <a:graphicData uri="http://schemas.openxmlformats.org/presentationml/2006/ole">
-            <mc:AlternateContent xmlns:mc="http://schemas.openxmlformats.org/markup-compatibility/2006">
-              <mc:Choice xmlns:v="urn:schemas-microsoft-com:vml" Requires="v">
-                <p:oleObj spid="_x0000_s1030" name="Formel" r:id="rId3" imgW="2590800" imgH="990600" progId="Equation.3">
-                  <p:embed/>
-                </p:oleObj>
-              </mc:Choice>
-              <mc:Fallback>
-                <p:oleObj name="Formel" r:id="rId3" imgW="2590800" imgH="990600" progId="Equation.3">
-                  <p:embed/>
-                  <p:pic>
-                    <p:nvPicPr>
-                      <p:cNvPr id="7" name="Object 2">
-                        <a:extLst>
-                          <a:ext uri="{FF2B5EF4-FFF2-40B4-BE49-F238E27FC236}">
-                            <a16:creationId xmlns:a16="http://schemas.microsoft.com/office/drawing/2014/main" id="{E514E0AA-D3B3-4A15-BB6B-6922E89A92DC}"/>
-                          </a:ext>
-                        </a:extLst>
-                      </p:cNvPr>
-                      <p:cNvPicPr>
-                        <a:picLocks noChangeAspect="1" noChangeArrowheads="1"/>
-                      </p:cNvPicPr>
-                      <p:nvPr/>
-                    </p:nvPicPr>
-                    <p:blipFill>
-                      <a:blip r:embed="rId4">
-                        <a:extLst>
-                          <a:ext uri="{28A0092B-C50C-407E-A947-70E740481C1C}">
-                            <a14:useLocalDpi xmlns:a14="http://schemas.microsoft.com/office/drawing/2010/main" val="0"/>
-                          </a:ext>
-                        </a:extLst>
-                      </a:blip>
-                      <a:srcRect/>
-                      <a:stretch>
-                        <a:fillRect/>
-                      </a:stretch>
-                    </p:blipFill>
-                    <p:spPr bwMode="auto">
-                      <a:xfrm>
-                        <a:off x="2859497" y="3779507"/>
-                        <a:ext cx="2461095" cy="1005955"/>
-                      </a:xfrm>
-                      <a:prstGeom prst="rect">
-                        <a:avLst/>
-                      </a:prstGeom>
-                      <a:noFill/>
-                      <a:ln>
-                        <a:noFill/>
-                      </a:ln>
-                      <a:extLst/>
-                    </p:spPr>
-                  </p:pic>
-                </p:oleObj>
-              </mc:Fallback>
-            </mc:AlternateContent>
-          </a:graphicData>
-        </a:graphic>
-      </p:graphicFrame>
-      <p:sp>
-        <p:nvSpPr>
-          <p:cNvPr id="9" name="Textfeld 17">
-            <a:extLst>
-              <a:ext uri="{FF2B5EF4-FFF2-40B4-BE49-F238E27FC236}">
-                <a16:creationId xmlns:a16="http://schemas.microsoft.com/office/drawing/2014/main" id="{EF802C1C-B0F8-46E8-87A7-068E84C99922}"/>
-              </a:ext>
-            </a:extLst>
-          </p:cNvPr>
-          <p:cNvSpPr txBox="1"/>
-          <p:nvPr/>
-        </p:nvSpPr>
-        <p:spPr>
-          <a:xfrm>
-            <a:off x="2700362" y="3418366"/>
-            <a:ext cx="3538538" cy="276999"/>
-          </a:xfrm>
-          <a:prstGeom prst="rect">
-            <a:avLst/>
-          </a:prstGeom>
-          <a:noFill/>
-        </p:spPr>
-        <p:txBody>
-          <a:bodyPr>
-            <a:spAutoFit/>
-          </a:bodyPr>
-          <a:lstStyle/>
-          <a:p>
-            <a:pPr eaLnBrk="1" hangingPunct="1">
-              <a:defRPr/>
-            </a:pPr>
-            <a:r>
-              <a:rPr lang="de-DE" sz="1200" dirty="0"/>
-              <a:t>Cumulative distribution function</a:t>
-            </a:r>
-            <a:endParaRPr lang="de-DE" sz="1200" dirty="0">
-              <a:solidFill>
-                <a:schemeClr val="tx1">
-                  <a:lumMod val="50000"/>
-                </a:schemeClr>
-              </a:solidFill>
-              <a:latin typeface="Arial" charset="0"/>
-            </a:endParaRPr>
-          </a:p>
-        </p:txBody>
-      </p:sp>
+                <a:ln>
+                  <a:noFill/>
+                </a:ln>
+                <a:extLst>
+                  <a:ext uri="{91240B29-F687-4F45-9708-019B960494DF}">
+                    <a14:hiddenLine xmlns:a14="http://schemas.microsoft.com/office/drawing/2010/main" w="22225">
+                      <a:solidFill>
+                        <a:srgbClr val="000000"/>
+                      </a:solidFill>
+                      <a:miter lim="800000"/>
+                      <a:headEnd/>
+                      <a:tailEnd/>
+                    </a14:hiddenLine>
+                  </a:ext>
+                </a:extLst>
+              </p:spPr>
+              <p:txBody>
+                <a:bodyPr wrap="none" anchor="ctr"/>
+                <a:lstStyle>
+                  <a:lvl1pPr>
+                    <a:spcBef>
+                      <a:spcPct val="20000"/>
+                    </a:spcBef>
+                    <a:buChar char="•"/>
+                    <a:defRPr sz="3200">
+                      <a:solidFill>
+                        <a:schemeClr val="tx1"/>
+                      </a:solidFill>
+                      <a:latin typeface="Arial" panose="020B0604020202020204" pitchFamily="34" charset="0"/>
+                    </a:defRPr>
+                  </a:lvl1pPr>
+                  <a:lvl2pPr marL="742950" indent="-285750">
+                    <a:spcBef>
+                      <a:spcPct val="20000"/>
+                    </a:spcBef>
+                    <a:buChar char="–"/>
+                    <a:defRPr sz="2800">
+                      <a:solidFill>
+                        <a:schemeClr val="tx1"/>
+                      </a:solidFill>
+                      <a:latin typeface="Arial" panose="020B0604020202020204" pitchFamily="34" charset="0"/>
+                    </a:defRPr>
+                  </a:lvl2pPr>
+                  <a:lvl3pPr marL="1143000" indent="-228600">
+                    <a:spcBef>
+                      <a:spcPct val="20000"/>
+                    </a:spcBef>
+                    <a:buChar char="•"/>
+                    <a:defRPr sz="2400">
+                      <a:solidFill>
+                        <a:schemeClr val="tx1"/>
+                      </a:solidFill>
+                      <a:latin typeface="Arial" panose="020B0604020202020204" pitchFamily="34" charset="0"/>
+                    </a:defRPr>
+                  </a:lvl3pPr>
+                  <a:lvl4pPr marL="1600200" indent="-228600">
+                    <a:spcBef>
+                      <a:spcPct val="20000"/>
+                    </a:spcBef>
+                    <a:buChar char="–"/>
+                    <a:defRPr sz="2000">
+                      <a:solidFill>
+                        <a:schemeClr val="tx1"/>
+                      </a:solidFill>
+                      <a:latin typeface="Arial" panose="020B0604020202020204" pitchFamily="34" charset="0"/>
+                    </a:defRPr>
+                  </a:lvl4pPr>
+                  <a:lvl5pPr marL="2057400" indent="-228600">
+                    <a:spcBef>
+                      <a:spcPct val="20000"/>
+                    </a:spcBef>
+                    <a:buChar char="»"/>
+                    <a:defRPr sz="2000">
+                      <a:solidFill>
+                        <a:schemeClr val="tx1"/>
+                      </a:solidFill>
+                      <a:latin typeface="Arial" panose="020B0604020202020204" pitchFamily="34" charset="0"/>
+                    </a:defRPr>
+                  </a:lvl5pPr>
+                  <a:lvl6pPr marL="2514600" indent="-228600" eaLnBrk="0" fontAlgn="base" hangingPunct="0">
+                    <a:spcBef>
+                      <a:spcPct val="20000"/>
+                    </a:spcBef>
+                    <a:spcAft>
+                      <a:spcPct val="0"/>
+                    </a:spcAft>
+                    <a:buChar char="»"/>
+                    <a:defRPr sz="2000">
+                      <a:solidFill>
+                        <a:schemeClr val="tx1"/>
+                      </a:solidFill>
+                      <a:latin typeface="Arial" panose="020B0604020202020204" pitchFamily="34" charset="0"/>
+                    </a:defRPr>
+                  </a:lvl6pPr>
+                  <a:lvl7pPr marL="2971800" indent="-228600" eaLnBrk="0" fontAlgn="base" hangingPunct="0">
+                    <a:spcBef>
+                      <a:spcPct val="20000"/>
+                    </a:spcBef>
+                    <a:spcAft>
+                      <a:spcPct val="0"/>
+                    </a:spcAft>
+                    <a:buChar char="»"/>
+                    <a:defRPr sz="2000">
+                      <a:solidFill>
+                        <a:schemeClr val="tx1"/>
+                      </a:solidFill>
+                      <a:latin typeface="Arial" panose="020B0604020202020204" pitchFamily="34" charset="0"/>
+                    </a:defRPr>
+                  </a:lvl7pPr>
+                  <a:lvl8pPr marL="3429000" indent="-228600" eaLnBrk="0" fontAlgn="base" hangingPunct="0">
+                    <a:spcBef>
+                      <a:spcPct val="20000"/>
+                    </a:spcBef>
+                    <a:spcAft>
+                      <a:spcPct val="0"/>
+                    </a:spcAft>
+                    <a:buChar char="»"/>
+                    <a:defRPr sz="2000">
+                      <a:solidFill>
+                        <a:schemeClr val="tx1"/>
+                      </a:solidFill>
+                      <a:latin typeface="Arial" panose="020B0604020202020204" pitchFamily="34" charset="0"/>
+                    </a:defRPr>
+                  </a:lvl8pPr>
+                  <a:lvl9pPr marL="3886200" indent="-228600" eaLnBrk="0" fontAlgn="base" hangingPunct="0">
+                    <a:spcBef>
+                      <a:spcPct val="20000"/>
+                    </a:spcBef>
+                    <a:spcAft>
+                      <a:spcPct val="0"/>
+                    </a:spcAft>
+                    <a:buChar char="»"/>
+                    <a:defRPr sz="2000">
+                      <a:solidFill>
+                        <a:schemeClr val="tx1"/>
+                      </a:solidFill>
+                      <a:latin typeface="Arial" panose="020B0604020202020204" pitchFamily="34" charset="0"/>
+                    </a:defRPr>
+                  </a:lvl9pPr>
+                </a:lstStyle>
+                <a:p>
+                  <a:pPr algn="ctr" eaLnBrk="1" hangingPunct="1">
+                    <a:spcBef>
+                      <a:spcPts val="600"/>
+                    </a:spcBef>
+                    <a:buFontTx/>
+                    <a:buNone/>
+                  </a:pPr>
+                  <a:endParaRPr lang="en-US" altLang="en-US" sz="1200">
+                    <a:cs typeface="Arial" panose="020B0604020202020204" pitchFamily="34" charset="0"/>
+                  </a:endParaRPr>
+                </a:p>
+              </p:txBody>
+            </p:sp>
+            <p:graphicFrame>
+              <p:nvGraphicFramePr>
+                <p:cNvPr id="8" name="Object 2">
+                  <a:extLst>
+                    <a:ext uri="{FF2B5EF4-FFF2-40B4-BE49-F238E27FC236}">
+                      <a16:creationId xmlns:a16="http://schemas.microsoft.com/office/drawing/2014/main" id="{636C0D05-56D9-48B7-8D8F-561F32A39056}"/>
+                    </a:ext>
+                  </a:extLst>
+                </p:cNvPr>
+                <p:cNvGraphicFramePr>
+                  <a:graphicFrameLocks noChangeAspect="1"/>
+                </p:cNvGraphicFramePr>
+                <p:nvPr>
+                  <p:extLst>
+                    <p:ext uri="{D42A27DB-BD31-4B8C-83A1-F6EECF244321}">
+                      <p14:modId xmlns:p14="http://schemas.microsoft.com/office/powerpoint/2010/main" val="4168440460"/>
+                    </p:ext>
+                  </p:extLst>
+                </p:nvPr>
+              </p:nvGraphicFramePr>
+              <p:xfrm>
+                <a:off x="2859497" y="3779507"/>
+                <a:ext cx="2461095" cy="1005955"/>
+              </p:xfrm>
+              <a:graphic>
+                <a:graphicData uri="http://schemas.openxmlformats.org/presentationml/2006/ole">
+                  <mc:AlternateContent xmlns:mc="http://schemas.openxmlformats.org/markup-compatibility/2006">
+                    <mc:Choice xmlns:v="urn:schemas-microsoft-com:vml" Requires="v">
+                      <p:oleObj spid="_x0000_s1062" name="Formel" r:id="rId3" imgW="2590800" imgH="990600" progId="Equation.3">
+                        <p:embed/>
+                      </p:oleObj>
+                    </mc:Choice>
+                    <mc:Fallback>
+                      <p:oleObj name="Formel" r:id="rId3" imgW="2590800" imgH="990600" progId="Equation.3">
+                        <p:embed/>
+                        <p:pic>
+                          <p:nvPicPr>
+                            <p:cNvPr id="7" name="Object 2">
+                              <a:extLst>
+                                <a:ext uri="{FF2B5EF4-FFF2-40B4-BE49-F238E27FC236}">
+                                  <a16:creationId xmlns:a16="http://schemas.microsoft.com/office/drawing/2014/main" id="{E514E0AA-D3B3-4A15-BB6B-6922E89A92DC}"/>
+                                </a:ext>
+                              </a:extLst>
+                            </p:cNvPr>
+                            <p:cNvPicPr>
+                              <a:picLocks noChangeAspect="1" noChangeArrowheads="1"/>
+                            </p:cNvPicPr>
+                            <p:nvPr/>
+                          </p:nvPicPr>
+                          <p:blipFill>
+                            <a:blip r:embed="rId4">
+                              <a:extLst>
+                                <a:ext uri="{28A0092B-C50C-407E-A947-70E740481C1C}">
+                                  <a14:useLocalDpi xmlns:a14="http://schemas.microsoft.com/office/drawing/2010/main" val="0"/>
+                                </a:ext>
+                              </a:extLst>
+                            </a:blip>
+                            <a:srcRect/>
+                            <a:stretch>
+                              <a:fillRect/>
+                            </a:stretch>
+                          </p:blipFill>
+                          <p:spPr bwMode="auto">
+                            <a:xfrm>
+                              <a:off x="2859497" y="3779507"/>
+                              <a:ext cx="2461095" cy="1005955"/>
+                            </a:xfrm>
+                            <a:prstGeom prst="rect">
+                              <a:avLst/>
+                            </a:prstGeom>
+                            <a:noFill/>
+                            <a:ln>
+                              <a:noFill/>
+                            </a:ln>
+                            <a:extLst/>
+                          </p:spPr>
+                        </p:pic>
+                      </p:oleObj>
+                    </mc:Fallback>
+                  </mc:AlternateContent>
+                </a:graphicData>
+              </a:graphic>
+            </p:graphicFrame>
+          </p:grpSp>
+          <p:sp>
+            <p:nvSpPr>
+              <p:cNvPr id="9" name="Textfeld 17">
+                <a:extLst>
+                  <a:ext uri="{FF2B5EF4-FFF2-40B4-BE49-F238E27FC236}">
+                    <a16:creationId xmlns:a16="http://schemas.microsoft.com/office/drawing/2014/main" id="{EF802C1C-B0F8-46E8-87A7-068E84C99922}"/>
+                  </a:ext>
+                </a:extLst>
+              </p:cNvPr>
+              <p:cNvSpPr txBox="1"/>
+              <p:nvPr/>
+            </p:nvSpPr>
+            <p:spPr>
+              <a:xfrm>
+                <a:off x="2700362" y="3446879"/>
+                <a:ext cx="2736304" cy="276999"/>
+              </a:xfrm>
+              <a:prstGeom prst="rect">
+                <a:avLst/>
+              </a:prstGeom>
+              <a:noFill/>
+            </p:spPr>
+            <p:txBody>
+              <a:bodyPr wrap="square">
+                <a:spAutoFit/>
+              </a:bodyPr>
+              <a:lstStyle/>
+              <a:p>
+                <a:pPr eaLnBrk="1" hangingPunct="1">
+                  <a:defRPr/>
+                </a:pPr>
+                <a:r>
+                  <a:rPr lang="de-DE" sz="1200" dirty="0">
+                    <a:cs typeface="Arial" panose="020B0604020202020204" pitchFamily="34" charset="0"/>
+                  </a:rPr>
+                  <a:t>Cumulative distribution function</a:t>
+                </a:r>
+                <a:endParaRPr lang="de-DE" sz="1200" dirty="0">
+                  <a:solidFill>
+                    <a:schemeClr val="tx1">
+                      <a:lumMod val="50000"/>
+                    </a:schemeClr>
+                  </a:solidFill>
+                  <a:cs typeface="Arial" panose="020B0604020202020204" pitchFamily="34" charset="0"/>
+                </a:endParaRPr>
+              </a:p>
+            </p:txBody>
+          </p:sp>
+        </p:grpSp>
+      </p:grpSp>
       <p:sp>
         <p:nvSpPr>
           <p:cNvPr id="10" name="Textfeld 1">
@@ -9908,170 +9929,212 @@
           </a:p>
         </p:txBody>
       </p:sp>
-      <p:pic>
-        <p:nvPicPr>
-          <p:cNvPr id="11" name="Picture 10">
+      <p:grpSp>
+        <p:nvGrpSpPr>
+          <p:cNvPr id="5" name="Group 4">
             <a:extLst>
               <a:ext uri="{FF2B5EF4-FFF2-40B4-BE49-F238E27FC236}">
-                <a16:creationId xmlns:a16="http://schemas.microsoft.com/office/drawing/2014/main" id="{7110BBBB-0C83-4A04-AC19-158D09063001}"/>
+                <a16:creationId xmlns:a16="http://schemas.microsoft.com/office/drawing/2014/main" id="{F78924FC-B15E-47CF-BFB9-D67837235F63}"/>
               </a:ext>
             </a:extLst>
           </p:cNvPr>
-          <p:cNvPicPr>
-            <a:picLocks noChangeAspect="1"/>
-          </p:cNvPicPr>
+          <p:cNvGrpSpPr/>
           <p:nvPr/>
-        </p:nvPicPr>
-        <p:blipFill>
-          <a:blip r:embed="rId5" cstate="print">
-            <a:extLst>
-              <a:ext uri="{28A0092B-C50C-407E-A947-70E740481C1C}">
-                <a14:useLocalDpi xmlns:a14="http://schemas.microsoft.com/office/drawing/2010/main" val="0"/>
-              </a:ext>
-            </a:extLst>
-          </a:blip>
-          <a:stretch>
-            <a:fillRect/>
-          </a:stretch>
-        </p:blipFill>
-        <p:spPr>
+        </p:nvGrpSpPr>
+        <p:grpSpPr>
           <a:xfrm>
-            <a:off x="1257815" y="911722"/>
-            <a:ext cx="2823430" cy="2256832"/>
+            <a:off x="1257815" y="667289"/>
+            <a:ext cx="3024211" cy="2501265"/>
+            <a:chOff x="1257815" y="667289"/>
+            <a:chExt cx="3024211" cy="2501265"/>
           </a:xfrm>
-          <a:prstGeom prst="rect">
-            <a:avLst/>
-          </a:prstGeom>
-        </p:spPr>
-      </p:pic>
-      <p:pic>
-        <p:nvPicPr>
-          <p:cNvPr id="12" name="Picture 11">
+        </p:grpSpPr>
+        <p:pic>
+          <p:nvPicPr>
+            <p:cNvPr id="11" name="Picture 10">
+              <a:extLst>
+                <a:ext uri="{FF2B5EF4-FFF2-40B4-BE49-F238E27FC236}">
+                  <a16:creationId xmlns:a16="http://schemas.microsoft.com/office/drawing/2014/main" id="{7110BBBB-0C83-4A04-AC19-158D09063001}"/>
+                </a:ext>
+              </a:extLst>
+            </p:cNvPr>
+            <p:cNvPicPr>
+              <a:picLocks noChangeAspect="1"/>
+            </p:cNvPicPr>
+            <p:nvPr/>
+          </p:nvPicPr>
+          <p:blipFill>
+            <a:blip r:embed="rId5" cstate="print">
+              <a:extLst>
+                <a:ext uri="{28A0092B-C50C-407E-A947-70E740481C1C}">
+                  <a14:useLocalDpi xmlns:a14="http://schemas.microsoft.com/office/drawing/2010/main" val="0"/>
+                </a:ext>
+              </a:extLst>
+            </a:blip>
+            <a:stretch>
+              <a:fillRect/>
+            </a:stretch>
+          </p:blipFill>
+          <p:spPr>
+            <a:xfrm>
+              <a:off x="1257815" y="911722"/>
+              <a:ext cx="2823430" cy="2256832"/>
+            </a:xfrm>
+            <a:prstGeom prst="rect">
+              <a:avLst/>
+            </a:prstGeom>
+          </p:spPr>
+        </p:pic>
+        <p:sp>
+          <p:nvSpPr>
+            <p:cNvPr id="13" name="Textfeld 17">
+              <a:extLst>
+                <a:ext uri="{FF2B5EF4-FFF2-40B4-BE49-F238E27FC236}">
+                  <a16:creationId xmlns:a16="http://schemas.microsoft.com/office/drawing/2014/main" id="{B5599B0A-6706-411B-A839-E4A072BE71C5}"/>
+                </a:ext>
+              </a:extLst>
+            </p:cNvPr>
+            <p:cNvSpPr txBox="1"/>
+            <p:nvPr/>
+          </p:nvSpPr>
+          <p:spPr>
+            <a:xfrm>
+              <a:off x="1532421" y="667289"/>
+              <a:ext cx="2749605" cy="307777"/>
+            </a:xfrm>
+            <a:prstGeom prst="rect">
+              <a:avLst/>
+            </a:prstGeom>
+            <a:noFill/>
+          </p:spPr>
+          <p:txBody>
+            <a:bodyPr wrap="square">
+              <a:spAutoFit/>
+            </a:bodyPr>
+            <a:lstStyle/>
+            <a:p>
+              <a:pPr eaLnBrk="1" hangingPunct="1">
+                <a:defRPr/>
+              </a:pPr>
+              <a:r>
+                <a:rPr lang="de-DE" sz="1400" dirty="0"/>
+                <a:t>Cumulative distribution function</a:t>
+              </a:r>
+              <a:endParaRPr lang="de-DE" sz="1400" dirty="0">
+                <a:solidFill>
+                  <a:schemeClr val="tx1">
+                    <a:lumMod val="50000"/>
+                  </a:schemeClr>
+                </a:solidFill>
+                <a:latin typeface="Arial" charset="0"/>
+              </a:endParaRPr>
+            </a:p>
+          </p:txBody>
+        </p:sp>
+      </p:grpSp>
+      <p:grpSp>
+        <p:nvGrpSpPr>
+          <p:cNvPr id="3" name="Group 2">
             <a:extLst>
               <a:ext uri="{FF2B5EF4-FFF2-40B4-BE49-F238E27FC236}">
-                <a16:creationId xmlns:a16="http://schemas.microsoft.com/office/drawing/2014/main" id="{68051825-0D8A-4087-9E73-FB9B26B2365F}"/>
+                <a16:creationId xmlns:a16="http://schemas.microsoft.com/office/drawing/2014/main" id="{2CABA78F-A1A6-4E49-B698-90F2E1D3A732}"/>
               </a:ext>
             </a:extLst>
           </p:cNvPr>
-          <p:cNvPicPr>
-            <a:picLocks noChangeAspect="1"/>
-          </p:cNvPicPr>
+          <p:cNvGrpSpPr/>
           <p:nvPr/>
-        </p:nvPicPr>
-        <p:blipFill>
-          <a:blip r:embed="rId6" cstate="print">
-            <a:extLst>
-              <a:ext uri="{28A0092B-C50C-407E-A947-70E740481C1C}">
-                <a14:useLocalDpi xmlns:a14="http://schemas.microsoft.com/office/drawing/2010/main" val="0"/>
-              </a:ext>
-            </a:extLst>
-          </a:blip>
-          <a:stretch>
-            <a:fillRect/>
-          </a:stretch>
-        </p:blipFill>
-        <p:spPr>
+        </p:nvGrpSpPr>
+        <p:grpSpPr>
           <a:xfrm>
-            <a:off x="4849796" y="962990"/>
-            <a:ext cx="2878416" cy="2256832"/>
+            <a:off x="4849796" y="670950"/>
+            <a:ext cx="2878416" cy="2548872"/>
+            <a:chOff x="4849796" y="670950"/>
+            <a:chExt cx="2878416" cy="2548872"/>
           </a:xfrm>
-          <a:prstGeom prst="rect">
-            <a:avLst/>
-          </a:prstGeom>
-        </p:spPr>
-      </p:pic>
-      <p:sp>
-        <p:nvSpPr>
-          <p:cNvPr id="13" name="Textfeld 17">
-            <a:extLst>
-              <a:ext uri="{FF2B5EF4-FFF2-40B4-BE49-F238E27FC236}">
-                <a16:creationId xmlns:a16="http://schemas.microsoft.com/office/drawing/2014/main" id="{B5599B0A-6706-411B-A839-E4A072BE71C5}"/>
-              </a:ext>
-            </a:extLst>
-          </p:cNvPr>
-          <p:cNvSpPr txBox="1"/>
-          <p:nvPr/>
-        </p:nvSpPr>
-        <p:spPr>
-          <a:xfrm>
-            <a:off x="1532421" y="667289"/>
-            <a:ext cx="2749605" cy="307777"/>
-          </a:xfrm>
-          <a:prstGeom prst="rect">
-            <a:avLst/>
-          </a:prstGeom>
-          <a:noFill/>
-        </p:spPr>
-        <p:txBody>
-          <a:bodyPr wrap="square">
-            <a:spAutoFit/>
-          </a:bodyPr>
-          <a:lstStyle/>
-          <a:p>
-            <a:pPr eaLnBrk="1" hangingPunct="1">
-              <a:defRPr/>
-            </a:pPr>
-            <a:r>
-              <a:rPr lang="de-DE" sz="1400" dirty="0"/>
-              <a:t>Cumulative distribution function</a:t>
-            </a:r>
-            <a:endParaRPr lang="de-DE" sz="1400" dirty="0">
-              <a:solidFill>
-                <a:schemeClr val="tx1">
-                  <a:lumMod val="50000"/>
-                </a:schemeClr>
-              </a:solidFill>
-              <a:latin typeface="Arial" charset="0"/>
-            </a:endParaRPr>
-          </a:p>
-        </p:txBody>
-      </p:sp>
-      <p:sp>
-        <p:nvSpPr>
-          <p:cNvPr id="14" name="Textfeld 17">
-            <a:extLst>
-              <a:ext uri="{FF2B5EF4-FFF2-40B4-BE49-F238E27FC236}">
-                <a16:creationId xmlns:a16="http://schemas.microsoft.com/office/drawing/2014/main" id="{7D08B9E2-A390-4334-859A-A39A53FD0305}"/>
-              </a:ext>
-            </a:extLst>
-          </p:cNvPr>
-          <p:cNvSpPr txBox="1"/>
-          <p:nvPr/>
-        </p:nvSpPr>
-        <p:spPr>
-          <a:xfrm>
-            <a:off x="5314465" y="670950"/>
-            <a:ext cx="2364874" cy="307777"/>
-          </a:xfrm>
-          <a:prstGeom prst="rect">
-            <a:avLst/>
-          </a:prstGeom>
-          <a:noFill/>
-        </p:spPr>
-        <p:txBody>
-          <a:bodyPr wrap="square">
-            <a:spAutoFit/>
-          </a:bodyPr>
-          <a:lstStyle/>
-          <a:p>
-            <a:pPr eaLnBrk="1" hangingPunct="1">
-              <a:defRPr/>
-            </a:pPr>
-            <a:r>
-              <a:rPr lang="de-DE" sz="1400" dirty="0"/>
-              <a:t>Probability density function</a:t>
-            </a:r>
-            <a:endParaRPr lang="de-DE" sz="1400" dirty="0">
-              <a:solidFill>
-                <a:schemeClr val="tx1">
-                  <a:lumMod val="50000"/>
-                </a:schemeClr>
-              </a:solidFill>
-              <a:latin typeface="Arial" charset="0"/>
-            </a:endParaRPr>
-          </a:p>
-        </p:txBody>
-      </p:sp>
+        </p:grpSpPr>
+        <p:pic>
+          <p:nvPicPr>
+            <p:cNvPr id="12" name="Picture 11">
+              <a:extLst>
+                <a:ext uri="{FF2B5EF4-FFF2-40B4-BE49-F238E27FC236}">
+                  <a16:creationId xmlns:a16="http://schemas.microsoft.com/office/drawing/2014/main" id="{68051825-0D8A-4087-9E73-FB9B26B2365F}"/>
+                </a:ext>
+              </a:extLst>
+            </p:cNvPr>
+            <p:cNvPicPr>
+              <a:picLocks noChangeAspect="1"/>
+            </p:cNvPicPr>
+            <p:nvPr/>
+          </p:nvPicPr>
+          <p:blipFill>
+            <a:blip r:embed="rId6" cstate="print">
+              <a:extLst>
+                <a:ext uri="{28A0092B-C50C-407E-A947-70E740481C1C}">
+                  <a14:useLocalDpi xmlns:a14="http://schemas.microsoft.com/office/drawing/2010/main" val="0"/>
+                </a:ext>
+              </a:extLst>
+            </a:blip>
+            <a:stretch>
+              <a:fillRect/>
+            </a:stretch>
+          </p:blipFill>
+          <p:spPr>
+            <a:xfrm>
+              <a:off x="4849796" y="962990"/>
+              <a:ext cx="2878416" cy="2256832"/>
+            </a:xfrm>
+            <a:prstGeom prst="rect">
+              <a:avLst/>
+            </a:prstGeom>
+          </p:spPr>
+        </p:pic>
+        <p:sp>
+          <p:nvSpPr>
+            <p:cNvPr id="14" name="Textfeld 17">
+              <a:extLst>
+                <a:ext uri="{FF2B5EF4-FFF2-40B4-BE49-F238E27FC236}">
+                  <a16:creationId xmlns:a16="http://schemas.microsoft.com/office/drawing/2014/main" id="{7D08B9E2-A390-4334-859A-A39A53FD0305}"/>
+                </a:ext>
+              </a:extLst>
+            </p:cNvPr>
+            <p:cNvSpPr txBox="1"/>
+            <p:nvPr/>
+          </p:nvSpPr>
+          <p:spPr>
+            <a:xfrm>
+              <a:off x="5314465" y="670950"/>
+              <a:ext cx="2364874" cy="307777"/>
+            </a:xfrm>
+            <a:prstGeom prst="rect">
+              <a:avLst/>
+            </a:prstGeom>
+            <a:noFill/>
+          </p:spPr>
+          <p:txBody>
+            <a:bodyPr wrap="square">
+              <a:spAutoFit/>
+            </a:bodyPr>
+            <a:lstStyle/>
+            <a:p>
+              <a:pPr eaLnBrk="1" hangingPunct="1">
+                <a:defRPr/>
+              </a:pPr>
+              <a:r>
+                <a:rPr lang="de-DE" sz="1400" dirty="0"/>
+                <a:t>Probability density function</a:t>
+              </a:r>
+              <a:endParaRPr lang="de-DE" sz="1400" dirty="0">
+                <a:solidFill>
+                  <a:schemeClr val="tx1">
+                    <a:lumMod val="50000"/>
+                  </a:schemeClr>
+                </a:solidFill>
+                <a:latin typeface="Arial" charset="0"/>
+              </a:endParaRPr>
+            </a:p>
+          </p:txBody>
+        </p:sp>
+      </p:grpSp>
     </p:spTree>
     <p:extLst>
       <p:ext uri="{BB962C8B-B14F-4D97-AF65-F5344CB8AC3E}">
@@ -10137,7 +10200,7 @@
           <a:effectLst/>
           <a:extLst>
             <a:ext uri="{AF507438-7753-43e0-B8FC-AC1667EBCBE1}">
-              <a14:hiddenEffects xmlns:a14="http://schemas.microsoft.com/office/drawing/2010/main" xmlns="">
+              <a14:hiddenEffects xmlns="" xmlns:a14="http://schemas.microsoft.com/office/drawing/2010/main">
                 <a:effectLst>
                   <a:outerShdw dist="35921" dir="2700000" algn="ctr" rotWithShape="0">
                     <a:schemeClr val="bg2"/>
@@ -10168,7 +10231,7 @@
                 <a:latin typeface="+mj-lt"/>
                 <a:ea typeface="ＭＳ Ｐゴシック" pitchFamily="96" charset="-128"/>
               </a:rPr>
-              <a:t>Topic 2</a:t>
+              <a:t>Topic 3</a:t>
             </a:r>
             <a:r>
               <a:rPr lang="en-US" sz="2000" b="1" dirty="0">
@@ -10416,7 +10479,7 @@
           <a:effectLst/>
           <a:extLst>
             <a:ext uri="{AF507438-7753-43e0-B8FC-AC1667EBCBE1}">
-              <a14:hiddenEffects xmlns:a14="http://schemas.microsoft.com/office/drawing/2010/main" xmlns="">
+              <a14:hiddenEffects xmlns="" xmlns:a14="http://schemas.microsoft.com/office/drawing/2010/main">
                 <a:effectLst>
                   <a:outerShdw dist="35921" dir="2700000" algn="ctr" rotWithShape="0">
                     <a:schemeClr val="bg2"/>
@@ -10447,7 +10510,7 @@
                 <a:latin typeface="+mj-lt"/>
                 <a:ea typeface="ＭＳ Ｐゴシック" pitchFamily="96" charset="-128"/>
               </a:rPr>
-              <a:t>Topic 2</a:t>
+              <a:t>Topic 3</a:t>
             </a:r>
             <a:r>
               <a:rPr lang="en-US" sz="2000" b="1" dirty="0">
@@ -10619,8 +10682,8 @@
               </a:prstGeom>
             </p:spPr>
           </p:pic>
-          <mc:AlternateContent xmlns:mc="http://schemas.openxmlformats.org/markup-compatibility/2006">
-            <mc:Choice xmlns:a14="http://schemas.microsoft.com/office/drawing/2010/main" Requires="a14">
+          <mc:AlternateContent xmlns:mc="http://schemas.openxmlformats.org/markup-compatibility/2006" xmlns:a14="http://schemas.microsoft.com/office/drawing/2010/main">
+            <mc:Choice Requires="a14">
               <p:sp>
                 <p:nvSpPr>
                   <p:cNvPr id="9" name="TextBox 8">
@@ -10649,6 +10712,7 @@
                   </a:bodyPr>
                   <a:lstStyle/>
                   <a:p>
+                    <a:pPr/>
                     <a14:m>
                       <m:oMathPara xmlns:m="http://schemas.openxmlformats.org/officeDocument/2006/math">
                         <m:oMathParaPr>
@@ -10719,7 +10783,7 @@
                 </p:txBody>
               </p:sp>
             </mc:Choice>
-            <mc:Fallback>
+            <mc:Fallback xmlns="">
               <p:sp>
                 <p:nvSpPr>
                   <p:cNvPr id="9" name="TextBox 8">
@@ -10831,8 +10895,8 @@
           </p:sp>
         </p:grpSp>
       </p:grpSp>
-      <mc:AlternateContent xmlns:mc="http://schemas.openxmlformats.org/markup-compatibility/2006">
-        <mc:Choice xmlns:a14="http://schemas.microsoft.com/office/drawing/2010/main" Requires="a14">
+      <mc:AlternateContent xmlns:mc="http://schemas.openxmlformats.org/markup-compatibility/2006" xmlns:a14="http://schemas.microsoft.com/office/drawing/2010/main">
+        <mc:Choice Requires="a14">
           <p:sp>
             <p:nvSpPr>
               <p:cNvPr id="11" name="TextBox 10">
@@ -11003,7 +11067,7 @@
             </p:txBody>
           </p:sp>
         </mc:Choice>
-        <mc:Fallback>
+        <mc:Fallback xmlns="">
           <p:sp>
             <p:nvSpPr>
               <p:cNvPr id="11" name="TextBox 10">
@@ -11098,8 +11162,8 @@
             </a:prstGeom>
           </p:spPr>
         </p:pic>
-        <mc:AlternateContent xmlns:mc="http://schemas.openxmlformats.org/markup-compatibility/2006">
-          <mc:Choice xmlns:a14="http://schemas.microsoft.com/office/drawing/2010/main" Requires="a14">
+        <mc:AlternateContent xmlns:mc="http://schemas.openxmlformats.org/markup-compatibility/2006" xmlns:a14="http://schemas.microsoft.com/office/drawing/2010/main">
+          <mc:Choice Requires="a14">
             <p:sp>
               <p:nvSpPr>
                 <p:cNvPr id="13" name="TextBox 12">
@@ -11392,7 +11456,7 @@
               </p:txBody>
             </p:sp>
           </mc:Choice>
-          <mc:Fallback>
+          <mc:Fallback xmlns="">
             <p:sp>
               <p:nvSpPr>
                 <p:cNvPr id="13" name="TextBox 12">
@@ -11757,6 +11821,318 @@
 </p:sld>
 </file>
 
+<file path=ppt/slides/slide18.xml><?xml version="1.0" encoding="utf-8"?>
+<p:sld xmlns:a="http://schemas.openxmlformats.org/drawingml/2006/main" xmlns:r="http://schemas.openxmlformats.org/officeDocument/2006/relationships" xmlns:p="http://schemas.openxmlformats.org/presentationml/2006/main">
+  <p:cSld>
+    <p:spTree>
+      <p:nvGrpSpPr>
+        <p:cNvPr id="1" name=""/>
+        <p:cNvGrpSpPr/>
+        <p:nvPr/>
+      </p:nvGrpSpPr>
+      <p:grpSpPr>
+        <a:xfrm>
+          <a:off x="0" y="0"/>
+          <a:ext cx="0" cy="0"/>
+          <a:chOff x="0" y="0"/>
+          <a:chExt cx="0" cy="0"/>
+        </a:xfrm>
+      </p:grpSpPr>
+      <p:sp>
+        <p:nvSpPr>
+          <p:cNvPr id="4" name="Rectangle 3">
+            <a:extLst>
+              <a:ext uri="{FF2B5EF4-FFF2-40B4-BE49-F238E27FC236}">
+                <a16:creationId xmlns:a16="http://schemas.microsoft.com/office/drawing/2014/main" id="{741E6F0F-8952-48F7-B8A6-5C00D4C8363A}"/>
+              </a:ext>
+            </a:extLst>
+          </p:cNvPr>
+          <p:cNvSpPr/>
+          <p:nvPr/>
+        </p:nvSpPr>
+        <p:spPr bwMode="auto">
+          <a:xfrm>
+            <a:off x="0" y="0"/>
+            <a:ext cx="9144000" cy="627534"/>
+          </a:xfrm>
+          <a:prstGeom prst="rect">
+            <a:avLst/>
+          </a:prstGeom>
+          <a:solidFill>
+            <a:srgbClr val="00589C"/>
+          </a:solidFill>
+          <a:ln w="9525" cap="flat" cmpd="sng" algn="ctr">
+            <a:solidFill>
+              <a:srgbClr val="00589C"/>
+            </a:solidFill>
+            <a:prstDash val="solid"/>
+            <a:round/>
+            <a:headEnd type="none" w="med" len="med"/>
+            <a:tailEnd type="none" w="med" len="med"/>
+          </a:ln>
+          <a:effectLst/>
+          <a:extLst>
+            <a:ext uri="{AF507438-7753-43e0-B8FC-AC1667EBCBE1}">
+              <a14:hiddenEffects xmlns="" xmlns:a14="http://schemas.microsoft.com/office/drawing/2010/main">
+                <a:effectLst>
+                  <a:outerShdw dist="35921" dir="2700000" algn="ctr" rotWithShape="0">
+                    <a:schemeClr val="bg2"/>
+                  </a:outerShdw>
+                </a:effectLst>
+              </a14:hiddenEffects>
+            </a:ext>
+          </a:extLst>
+        </p:spPr>
+        <p:txBody>
+          <a:bodyPr vert="horz" wrap="square" lIns="91440" tIns="45720" rIns="91440" bIns="45720" numCol="1" rtlCol="0" anchor="ctr" anchorCtr="0" compatLnSpc="1">
+            <a:prstTxWarp prst="textNoShape">
+              <a:avLst/>
+            </a:prstTxWarp>
+          </a:bodyPr>
+          <a:lstStyle/>
+          <a:p>
+            <a:pPr eaLnBrk="0" hangingPunct="0"/>
+            <a:r>
+              <a:rPr kumimoji="0" lang="en-US" sz="2000" b="1" i="0" u="none" strike="noStrike" cap="none" normalizeH="0" baseline="0" dirty="0">
+                <a:ln>
+                  <a:noFill/>
+                </a:ln>
+                <a:solidFill>
+                  <a:schemeClr val="bg1"/>
+                </a:solidFill>
+                <a:effectLst/>
+                <a:latin typeface="+mj-lt"/>
+                <a:ea typeface="ＭＳ Ｐゴシック" pitchFamily="96" charset="-128"/>
+              </a:rPr>
+              <a:t>Topic </a:t>
+            </a:r>
+            <a:r>
+              <a:rPr lang="en-US" sz="2000" b="1" dirty="0">
+                <a:solidFill>
+                  <a:schemeClr val="bg1"/>
+                </a:solidFill>
+                <a:latin typeface="+mj-lt"/>
+                <a:ea typeface="ＭＳ Ｐゴシック" pitchFamily="96" charset="-128"/>
+              </a:rPr>
+              <a:t>4. Exercise with R - Time-varying flood risk analysis</a:t>
+            </a:r>
+            <a:endParaRPr kumimoji="0" lang="en-US" sz="2000" b="1" i="0" u="none" strike="noStrike" cap="none" normalizeH="0" baseline="0" dirty="0">
+              <a:ln>
+                <a:noFill/>
+              </a:ln>
+              <a:solidFill>
+                <a:schemeClr val="bg1"/>
+              </a:solidFill>
+              <a:effectLst/>
+              <a:latin typeface="+mj-lt"/>
+              <a:ea typeface="ＭＳ Ｐゴシック" pitchFamily="96" charset="-128"/>
+            </a:endParaRPr>
+          </a:p>
+        </p:txBody>
+      </p:sp>
+      <p:sp>
+        <p:nvSpPr>
+          <p:cNvPr id="2" name="Slide Number Placeholder 1">
+            <a:extLst>
+              <a:ext uri="{FF2B5EF4-FFF2-40B4-BE49-F238E27FC236}">
+                <a16:creationId xmlns:a16="http://schemas.microsoft.com/office/drawing/2014/main" id="{2070EC6C-AAF5-4D83-AEC1-C7F2433683BB}"/>
+              </a:ext>
+            </a:extLst>
+          </p:cNvPr>
+          <p:cNvSpPr>
+            <a:spLocks noGrp="1"/>
+          </p:cNvSpPr>
+          <p:nvPr>
+            <p:ph type="sldNum" sz="quarter" idx="11"/>
+          </p:nvPr>
+        </p:nvSpPr>
+        <p:spPr/>
+        <p:txBody>
+          <a:bodyPr/>
+          <a:lstStyle/>
+          <a:p>
+            <a:fld id="{48105EDC-34E1-4D80-B051-D0CBD59863B8}" type="slidenum">
+              <a:rPr lang="de-DE" altLang="de-DE" smtClean="0"/>
+              <a:pPr/>
+              <a:t>18</a:t>
+            </a:fld>
+            <a:endParaRPr lang="de-DE" altLang="de-DE">
+              <a:solidFill>
+                <a:schemeClr val="tx1"/>
+              </a:solidFill>
+            </a:endParaRPr>
+          </a:p>
+        </p:txBody>
+      </p:sp>
+    </p:spTree>
+    <p:extLst>
+      <p:ext uri="{BB962C8B-B14F-4D97-AF65-F5344CB8AC3E}">
+        <p14:creationId xmlns:p14="http://schemas.microsoft.com/office/powerpoint/2010/main" val="3924842481"/>
+      </p:ext>
+    </p:extLst>
+  </p:cSld>
+  <p:clrMapOvr>
+    <a:masterClrMapping/>
+  </p:clrMapOvr>
+</p:sld>
+</file>
+
+<file path=ppt/slides/slide19.xml><?xml version="1.0" encoding="utf-8"?>
+<p:sld xmlns:a="http://schemas.openxmlformats.org/drawingml/2006/main" xmlns:r="http://schemas.openxmlformats.org/officeDocument/2006/relationships" xmlns:p="http://schemas.openxmlformats.org/presentationml/2006/main">
+  <p:cSld>
+    <p:spTree>
+      <p:nvGrpSpPr>
+        <p:cNvPr id="1" name=""/>
+        <p:cNvGrpSpPr/>
+        <p:nvPr/>
+      </p:nvGrpSpPr>
+      <p:grpSpPr>
+        <a:xfrm>
+          <a:off x="0" y="0"/>
+          <a:ext cx="0" cy="0"/>
+          <a:chOff x="0" y="0"/>
+          <a:chExt cx="0" cy="0"/>
+        </a:xfrm>
+      </p:grpSpPr>
+      <p:sp>
+        <p:nvSpPr>
+          <p:cNvPr id="4" name="Rectangle 3">
+            <a:extLst>
+              <a:ext uri="{FF2B5EF4-FFF2-40B4-BE49-F238E27FC236}">
+                <a16:creationId xmlns:a16="http://schemas.microsoft.com/office/drawing/2014/main" id="{741E6F0F-8952-48F7-B8A6-5C00D4C8363A}"/>
+              </a:ext>
+            </a:extLst>
+          </p:cNvPr>
+          <p:cNvSpPr/>
+          <p:nvPr/>
+        </p:nvSpPr>
+        <p:spPr bwMode="auto">
+          <a:xfrm>
+            <a:off x="0" y="0"/>
+            <a:ext cx="9144000" cy="627534"/>
+          </a:xfrm>
+          <a:prstGeom prst="rect">
+            <a:avLst/>
+          </a:prstGeom>
+          <a:solidFill>
+            <a:srgbClr val="00589C"/>
+          </a:solidFill>
+          <a:ln w="9525" cap="flat" cmpd="sng" algn="ctr">
+            <a:solidFill>
+              <a:srgbClr val="00589C"/>
+            </a:solidFill>
+            <a:prstDash val="solid"/>
+            <a:round/>
+            <a:headEnd type="none" w="med" len="med"/>
+            <a:tailEnd type="none" w="med" len="med"/>
+          </a:ln>
+          <a:effectLst/>
+          <a:extLst>
+            <a:ext uri="{AF507438-7753-43e0-B8FC-AC1667EBCBE1}">
+              <a14:hiddenEffects xmlns="" xmlns:a14="http://schemas.microsoft.com/office/drawing/2010/main">
+                <a:effectLst>
+                  <a:outerShdw dist="35921" dir="2700000" algn="ctr" rotWithShape="0">
+                    <a:schemeClr val="bg2"/>
+                  </a:outerShdw>
+                </a:effectLst>
+              </a14:hiddenEffects>
+            </a:ext>
+          </a:extLst>
+        </p:spPr>
+        <p:txBody>
+          <a:bodyPr vert="horz" wrap="square" lIns="91440" tIns="45720" rIns="91440" bIns="45720" numCol="1" rtlCol="0" anchor="ctr" anchorCtr="0" compatLnSpc="1">
+            <a:prstTxWarp prst="textNoShape">
+              <a:avLst/>
+            </a:prstTxWarp>
+          </a:bodyPr>
+          <a:lstStyle/>
+          <a:p>
+            <a:pPr eaLnBrk="0" hangingPunct="0"/>
+            <a:r>
+              <a:rPr kumimoji="0" lang="en-US" sz="2000" b="1" i="0" u="none" strike="noStrike" cap="none" normalizeH="0" baseline="0" dirty="0">
+                <a:ln>
+                  <a:noFill/>
+                </a:ln>
+                <a:solidFill>
+                  <a:schemeClr val="bg1"/>
+                </a:solidFill>
+                <a:effectLst/>
+                <a:latin typeface="+mj-lt"/>
+                <a:ea typeface="ＭＳ Ｐゴシック" pitchFamily="96" charset="-128"/>
+              </a:rPr>
+              <a:t>Topic </a:t>
+            </a:r>
+            <a:r>
+              <a:rPr lang="en-US" sz="2000" b="1" dirty="0">
+                <a:solidFill>
+                  <a:schemeClr val="bg1"/>
+                </a:solidFill>
+                <a:latin typeface="+mj-lt"/>
+                <a:ea typeface="ＭＳ Ｐゴシック" pitchFamily="96" charset="-128"/>
+              </a:rPr>
+              <a:t>4. Exercise with R - Time-varying flood risk analysis</a:t>
+            </a:r>
+            <a:endParaRPr kumimoji="0" lang="en-US" sz="2000" b="1" i="0" u="none" strike="noStrike" cap="none" normalizeH="0" baseline="0" dirty="0">
+              <a:ln>
+                <a:noFill/>
+              </a:ln>
+              <a:solidFill>
+                <a:schemeClr val="bg1"/>
+              </a:solidFill>
+              <a:effectLst/>
+              <a:latin typeface="+mj-lt"/>
+              <a:ea typeface="ＭＳ Ｐゴシック" pitchFamily="96" charset="-128"/>
+            </a:endParaRPr>
+          </a:p>
+        </p:txBody>
+      </p:sp>
+      <p:sp>
+        <p:nvSpPr>
+          <p:cNvPr id="2" name="Slide Number Placeholder 1">
+            <a:extLst>
+              <a:ext uri="{FF2B5EF4-FFF2-40B4-BE49-F238E27FC236}">
+                <a16:creationId xmlns:a16="http://schemas.microsoft.com/office/drawing/2014/main" id="{2070EC6C-AAF5-4D83-AEC1-C7F2433683BB}"/>
+              </a:ext>
+            </a:extLst>
+          </p:cNvPr>
+          <p:cNvSpPr>
+            <a:spLocks noGrp="1"/>
+          </p:cNvSpPr>
+          <p:nvPr>
+            <p:ph type="sldNum" sz="quarter" idx="11"/>
+          </p:nvPr>
+        </p:nvSpPr>
+        <p:spPr/>
+        <p:txBody>
+          <a:bodyPr/>
+          <a:lstStyle/>
+          <a:p>
+            <a:fld id="{48105EDC-34E1-4D80-B051-D0CBD59863B8}" type="slidenum">
+              <a:rPr lang="de-DE" altLang="de-DE" smtClean="0"/>
+              <a:pPr/>
+              <a:t>19</a:t>
+            </a:fld>
+            <a:endParaRPr lang="de-DE" altLang="de-DE">
+              <a:solidFill>
+                <a:schemeClr val="tx1"/>
+              </a:solidFill>
+            </a:endParaRPr>
+          </a:p>
+        </p:txBody>
+      </p:sp>
+    </p:spTree>
+    <p:extLst>
+      <p:ext uri="{BB962C8B-B14F-4D97-AF65-F5344CB8AC3E}">
+        <p14:creationId xmlns:p14="http://schemas.microsoft.com/office/powerpoint/2010/main" val="468605507"/>
+      </p:ext>
+    </p:extLst>
+  </p:cSld>
+  <p:clrMapOvr>
+    <a:masterClrMapping/>
+  </p:clrMapOvr>
+</p:sld>
+</file>
+
 <file path=ppt/slides/slide2.xml><?xml version="1.0" encoding="utf-8"?>
 <p:sld xmlns:a="http://schemas.openxmlformats.org/drawingml/2006/main" xmlns:r="http://schemas.openxmlformats.org/officeDocument/2006/relationships" xmlns:p="http://schemas.openxmlformats.org/presentationml/2006/main">
   <p:cSld>
@@ -12387,7 +12763,7 @@
             <a:effectLst/>
             <a:extLst>
               <a:ext uri="{AF507438-7753-43e0-B8FC-AC1667EBCBE1}">
-                <a14:hiddenEffects xmlns:a14="http://schemas.microsoft.com/office/drawing/2010/main" xmlns="">
+                <a14:hiddenEffects xmlns="" xmlns:a14="http://schemas.microsoft.com/office/drawing/2010/main">
                   <a:effectLst>
                     <a:outerShdw dist="35921" dir="2700000" algn="ctr" rotWithShape="0">
                       <a:schemeClr val="bg2"/>
@@ -12473,7 +12849,7 @@
             <a:effectLst/>
             <a:extLst>
               <a:ext uri="{AF507438-7753-43e0-B8FC-AC1667EBCBE1}">
-                <a14:hiddenEffects xmlns:a14="http://schemas.microsoft.com/office/drawing/2010/main" xmlns="">
+                <a14:hiddenEffects xmlns="" xmlns:a14="http://schemas.microsoft.com/office/drawing/2010/main">
                   <a:effectLst>
                     <a:outerShdw dist="35921" dir="2700000" algn="ctr" rotWithShape="0">
                       <a:schemeClr val="bg2"/>
@@ -12559,7 +12935,7 @@
             <a:effectLst/>
             <a:extLst>
               <a:ext uri="{AF507438-7753-43e0-B8FC-AC1667EBCBE1}">
-                <a14:hiddenEffects xmlns:a14="http://schemas.microsoft.com/office/drawing/2010/main" xmlns="">
+                <a14:hiddenEffects xmlns="" xmlns:a14="http://schemas.microsoft.com/office/drawing/2010/main">
                   <a:effectLst>
                     <a:outerShdw dist="35921" dir="2700000" algn="ctr" rotWithShape="0">
                       <a:schemeClr val="bg2"/>
@@ -12645,7 +13021,7 @@
             <a:effectLst/>
             <a:extLst>
               <a:ext uri="{AF507438-7753-43e0-B8FC-AC1667EBCBE1}">
-                <a14:hiddenEffects xmlns:a14="http://schemas.microsoft.com/office/drawing/2010/main" xmlns="">
+                <a14:hiddenEffects xmlns="" xmlns:a14="http://schemas.microsoft.com/office/drawing/2010/main">
                   <a:effectLst>
                     <a:outerShdw dist="35921" dir="2700000" algn="ctr" rotWithShape="0">
                       <a:schemeClr val="bg2"/>
@@ -12729,7 +13105,7 @@
             <a:effectLst/>
             <a:extLst>
               <a:ext uri="{AF507438-7753-43e0-B8FC-AC1667EBCBE1}">
-                <a14:hiddenEffects xmlns:a14="http://schemas.microsoft.com/office/drawing/2010/main" xmlns="">
+                <a14:hiddenEffects xmlns="" xmlns:a14="http://schemas.microsoft.com/office/drawing/2010/main">
                   <a:effectLst>
                     <a:outerShdw dist="35921" dir="2700000" algn="ctr" rotWithShape="0">
                       <a:schemeClr val="bg2"/>
@@ -12847,7 +13223,7 @@
           <a:effectLst/>
           <a:extLst>
             <a:ext uri="{AF507438-7753-43e0-B8FC-AC1667EBCBE1}">
-              <a14:hiddenEffects xmlns:a14="http://schemas.microsoft.com/office/drawing/2010/main" xmlns="">
+              <a14:hiddenEffects xmlns="" xmlns:a14="http://schemas.microsoft.com/office/drawing/2010/main">
                 <a:effectLst>
                   <a:outerShdw dist="35921" dir="2700000" algn="ctr" rotWithShape="0">
                     <a:schemeClr val="bg2"/>
@@ -12963,7 +13339,7 @@
           <a:effectLst/>
           <a:extLst>
             <a:ext uri="{AF507438-7753-43e0-B8FC-AC1667EBCBE1}">
-              <a14:hiddenEffects xmlns:a14="http://schemas.microsoft.com/office/drawing/2010/main" xmlns="">
+              <a14:hiddenEffects xmlns="" xmlns:a14="http://schemas.microsoft.com/office/drawing/2010/main">
                 <a:effectLst>
                   <a:outerShdw dist="35921" dir="2700000" algn="ctr" rotWithShape="0">
                     <a:schemeClr val="bg2"/>
@@ -13265,7 +13641,7 @@
           <a:effectLst/>
           <a:extLst>
             <a:ext uri="{AF507438-7753-43e0-B8FC-AC1667EBCBE1}">
-              <a14:hiddenEffects xmlns:a14="http://schemas.microsoft.com/office/drawing/2010/main" xmlns="">
+              <a14:hiddenEffects xmlns="" xmlns:a14="http://schemas.microsoft.com/office/drawing/2010/main">
                 <a:effectLst>
                   <a:outerShdw dist="35921" dir="2700000" algn="ctr" rotWithShape="0">
                     <a:schemeClr val="bg2"/>
@@ -13728,7 +14104,7 @@
           <a:effectLst/>
           <a:extLst>
             <a:ext uri="{AF507438-7753-43e0-B8FC-AC1667EBCBE1}">
-              <a14:hiddenEffects xmlns:a14="http://schemas.microsoft.com/office/drawing/2010/main" xmlns="">
+              <a14:hiddenEffects xmlns="" xmlns:a14="http://schemas.microsoft.com/office/drawing/2010/main">
                 <a:effectLst>
                   <a:outerShdw dist="35921" dir="2700000" algn="ctr" rotWithShape="0">
                     <a:schemeClr val="bg2"/>
@@ -15216,7 +15592,7 @@
           <a:effectLst/>
           <a:extLst>
             <a:ext uri="{AF507438-7753-43e0-B8FC-AC1667EBCBE1}">
-              <a14:hiddenEffects xmlns:a14="http://schemas.microsoft.com/office/drawing/2010/main" xmlns="">
+              <a14:hiddenEffects xmlns="" xmlns:a14="http://schemas.microsoft.com/office/drawing/2010/main">
                 <a:effectLst>
                   <a:outerShdw dist="35921" dir="2700000" algn="ctr" rotWithShape="0">
                     <a:schemeClr val="bg2"/>
@@ -15776,7 +16152,7 @@
           <a:effectLst/>
           <a:extLst>
             <a:ext uri="{AF507438-7753-43e0-B8FC-AC1667EBCBE1}">
-              <a14:hiddenEffects xmlns:a14="http://schemas.microsoft.com/office/drawing/2010/main" xmlns="">
+              <a14:hiddenEffects xmlns="" xmlns:a14="http://schemas.microsoft.com/office/drawing/2010/main">
                 <a:effectLst>
                   <a:outerShdw dist="35921" dir="2700000" algn="ctr" rotWithShape="0">
                     <a:schemeClr val="bg2"/>
@@ -16056,7 +16432,7 @@
             <a:effectLst/>
             <a:extLst>
               <a:ext uri="{AF507438-7753-43e0-B8FC-AC1667EBCBE1}">
-                <a14:hiddenEffects xmlns:a14="http://schemas.microsoft.com/office/drawing/2010/main" xmlns="">
+                <a14:hiddenEffects xmlns="" xmlns:a14="http://schemas.microsoft.com/office/drawing/2010/main">
                   <a:effectLst>
                     <a:outerShdw dist="35921" dir="2700000" algn="ctr" rotWithShape="0">
                       <a:schemeClr val="bg2"/>
@@ -16186,7 +16562,7 @@
             <a:effectLst/>
             <a:extLst>
               <a:ext uri="{AF507438-7753-43e0-B8FC-AC1667EBCBE1}">
-                <a14:hiddenEffects xmlns:a14="http://schemas.microsoft.com/office/drawing/2010/main" xmlns="">
+                <a14:hiddenEffects xmlns="" xmlns:a14="http://schemas.microsoft.com/office/drawing/2010/main">
                   <a:effectLst>
                     <a:outerShdw dist="35921" dir="2700000" algn="ctr" rotWithShape="0">
                       <a:schemeClr val="bg2"/>
@@ -16416,7 +16792,7 @@
           <a:effectLst/>
           <a:extLst>
             <a:ext uri="{AF507438-7753-43e0-B8FC-AC1667EBCBE1}">
-              <a14:hiddenEffects xmlns:a14="http://schemas.microsoft.com/office/drawing/2010/main" xmlns="">
+              <a14:hiddenEffects xmlns="" xmlns:a14="http://schemas.microsoft.com/office/drawing/2010/main">
                 <a:effectLst>
                   <a:outerShdw dist="35921" dir="2700000" algn="ctr" rotWithShape="0">
                     <a:schemeClr val="bg2"/>
@@ -17118,7 +17494,7 @@
         <a:effectLst/>
         <a:extLst>
           <a:ext uri="{AF507438-7753-43e0-B8FC-AC1667EBCBE1}">
-            <a14:hiddenEffects xmlns:a14="http://schemas.microsoft.com/office/drawing/2010/main" xmlns="">
+            <a14:hiddenEffects xmlns="" xmlns:a14="http://schemas.microsoft.com/office/drawing/2010/main">
               <a:effectLst>
                 <a:outerShdw dist="35921" dir="2700000" algn="ctr" rotWithShape="0">
                   <a:schemeClr val="bg2"/>
@@ -17192,7 +17568,7 @@
         <a:effectLst/>
         <a:extLst>
           <a:ext uri="{AF507438-7753-43e0-B8FC-AC1667EBCBE1}">
-            <a14:hiddenEffects xmlns:a14="http://schemas.microsoft.com/office/drawing/2010/main" xmlns="">
+            <a14:hiddenEffects xmlns="" xmlns:a14="http://schemas.microsoft.com/office/drawing/2010/main">
               <a:effectLst>
                 <a:outerShdw dist="35921" dir="2700000" algn="ctr" rotWithShape="0">
                   <a:schemeClr val="bg2"/>

--- a/slides/FRS_exercise_R.pptx
+++ b/slides/FRS_exercise_R.pptx
@@ -1481,12 +1481,10 @@
                 <a:ea typeface="MS PGothic" panose="020B0600070205080204" pitchFamily="34" charset="-128"/>
                 <a:cs typeface="ＭＳ Ｐゴシック"/>
               </a:rPr>
-              <a:t>Here the loop will only continue to pass values to the main body of the loop (the </a:t>
-            </a:r>
-            <a:r>
-              <a:rPr lang="en-US" dirty="0"/>
-              <a:t>expression</a:t>
-            </a:r>
+              <a:t>While loop:</a:t>
+            </a:r>
+          </a:p>
+          <a:p>
             <a:r>
               <a:rPr lang="en-US" sz="1200" b="0" i="0" kern="1200" dirty="0">
                 <a:solidFill>
@@ -1497,12 +1495,10 @@
                 <a:ea typeface="MS PGothic" panose="020B0600070205080204" pitchFamily="34" charset="-128"/>
                 <a:cs typeface="ＭＳ Ｐゴシック"/>
               </a:rPr>
-              <a:t> body) when </a:t>
-            </a:r>
-            <a:r>
-              <a:rPr lang="en-US" dirty="0" err="1"/>
-              <a:t>i</a:t>
-            </a:r>
+              <a:t>Keep execute some codes as long as the test expression is true. </a:t>
+            </a:r>
+          </a:p>
+          <a:p>
             <a:r>
               <a:rPr lang="en-US" sz="1200" b="0" i="0" kern="1200" dirty="0">
                 <a:solidFill>
@@ -1513,11 +1509,67 @@
                 <a:ea typeface="MS PGothic" panose="020B0600070205080204" pitchFamily="34" charset="-128"/>
                 <a:cs typeface="ＭＳ Ｐゴシック"/>
               </a:rPr>
+              <a:t>Here the loop will only continue to pass values to the </a:t>
+            </a:r>
+            <a:r>
+              <a:rPr lang="en-US" sz="1200" b="1" i="0" kern="1200" dirty="0">
+                <a:solidFill>
+                  <a:schemeClr val="tx1"/>
+                </a:solidFill>
+                <a:effectLst/>
+                <a:latin typeface="Verdana" pitchFamily="96" charset="0"/>
+                <a:ea typeface="MS PGothic" panose="020B0600070205080204" pitchFamily="34" charset="-128"/>
+                <a:cs typeface="ＭＳ Ｐゴシック"/>
+              </a:rPr>
+              <a:t>main body of the loop (the </a:t>
+            </a:r>
+            <a:r>
+              <a:rPr lang="en-US" b="1" dirty="0"/>
+              <a:t>expression</a:t>
+            </a:r>
+            <a:r>
+              <a:rPr lang="en-US" sz="1200" b="1" i="0" kern="1200" dirty="0">
+                <a:solidFill>
+                  <a:schemeClr val="tx1"/>
+                </a:solidFill>
+                <a:effectLst/>
+                <a:latin typeface="Verdana" pitchFamily="96" charset="0"/>
+                <a:ea typeface="MS PGothic" panose="020B0600070205080204" pitchFamily="34" charset="-128"/>
+                <a:cs typeface="ＭＳ Ｐゴシック"/>
+              </a:rPr>
+              <a:t> body) </a:t>
+            </a:r>
+            <a:r>
+              <a:rPr lang="en-US" sz="1200" b="0" i="0" kern="1200" dirty="0">
+                <a:solidFill>
+                  <a:schemeClr val="tx1"/>
+                </a:solidFill>
+                <a:effectLst/>
+                <a:latin typeface="Verdana" pitchFamily="96" charset="0"/>
+                <a:ea typeface="MS PGothic" panose="020B0600070205080204" pitchFamily="34" charset="-128"/>
+                <a:cs typeface="ＭＳ Ｐゴシック"/>
+              </a:rPr>
+              <a:t>when </a:t>
+            </a:r>
+            <a:r>
+              <a:rPr lang="en-US" dirty="0" err="1"/>
+              <a:t>i</a:t>
+            </a:r>
+            <a:r>
+              <a:rPr lang="en-US" sz="1200" b="0" i="0" kern="1200" dirty="0">
+                <a:solidFill>
+                  <a:schemeClr val="tx1"/>
+                </a:solidFill>
+                <a:effectLst/>
+                <a:latin typeface="Verdana" pitchFamily="96" charset="0"/>
+                <a:ea typeface="MS PGothic" panose="020B0600070205080204" pitchFamily="34" charset="-128"/>
+                <a:cs typeface="ＭＳ Ｐゴシック"/>
+              </a:rPr>
               <a:t> is less than or equal to 4 (specified using the </a:t>
             </a:r>
             <a:r>
               <a:rPr lang="en-US" dirty="0"/>
-              <a:t>&lt;=</a:t>
+              <a:t>&lt;-</a:t>
             </a:r>
             <a:r>
               <a:rPr lang="en-US" sz="1200" b="0" i="0" kern="1200" dirty="0">
@@ -1717,6 +1769,40 @@
           <a:bodyPr/>
           <a:lstStyle/>
           <a:p>
+            <a:r>
+              <a:rPr lang="en-US" dirty="0"/>
+              <a:t>Split the </a:t>
+            </a:r>
+            <a:r>
+              <a:rPr lang="en-US" dirty="0" err="1"/>
+              <a:t>data.frame</a:t>
+            </a:r>
+            <a:r>
+              <a:rPr lang="en-US" dirty="0"/>
+              <a:t> into groups (or sub-dataset), </a:t>
+            </a:r>
+          </a:p>
+          <a:p>
+            <a:r>
+              <a:rPr lang="en-US" dirty="0"/>
+              <a:t>then apply the function to the specified column to compute the aggregation, </a:t>
+            </a:r>
+          </a:p>
+          <a:p>
+            <a:r>
+              <a:rPr lang="en-US" dirty="0"/>
+              <a:t>at last combine the results into a new </a:t>
+            </a:r>
+            <a:r>
+              <a:rPr lang="en-US" dirty="0" err="1"/>
+              <a:t>data.frame</a:t>
+            </a:r>
+            <a:r>
+              <a:rPr lang="en-US" dirty="0"/>
+              <a:t> (as output).</a:t>
+            </a:r>
+          </a:p>
+          <a:p>
             <a:endParaRPr lang="en-US" dirty="0"/>
           </a:p>
         </p:txBody>
@@ -1749,6 +1835,353 @@
     <p:extLst>
       <p:ext uri="{BB962C8B-B14F-4D97-AF65-F5344CB8AC3E}">
         <p14:creationId xmlns:p14="http://schemas.microsoft.com/office/powerpoint/2010/main" val="1578791702"/>
+      </p:ext>
+    </p:extLst>
+  </p:cSld>
+  <p:clrMapOvr>
+    <a:masterClrMapping/>
+  </p:clrMapOvr>
+</p:notes>
+</file>
+
+<file path=ppt/notesSlides/notesSlide16.xml><?xml version="1.0" encoding="utf-8"?>
+<p:notes xmlns:a="http://schemas.openxmlformats.org/drawingml/2006/main" xmlns:r="http://schemas.openxmlformats.org/officeDocument/2006/relationships" xmlns:p="http://schemas.openxmlformats.org/presentationml/2006/main">
+  <p:cSld>
+    <p:spTree>
+      <p:nvGrpSpPr>
+        <p:cNvPr id="1" name=""/>
+        <p:cNvGrpSpPr/>
+        <p:nvPr/>
+      </p:nvGrpSpPr>
+      <p:grpSpPr>
+        <a:xfrm>
+          <a:off x="0" y="0"/>
+          <a:ext cx="0" cy="0"/>
+          <a:chOff x="0" y="0"/>
+          <a:chExt cx="0" cy="0"/>
+        </a:xfrm>
+      </p:grpSpPr>
+      <p:sp>
+        <p:nvSpPr>
+          <p:cNvPr id="2" name="Slide Image Placeholder 1"/>
+          <p:cNvSpPr>
+            <a:spLocks noGrp="1" noRot="1" noChangeAspect="1"/>
+          </p:cNvSpPr>
+          <p:nvPr>
+            <p:ph type="sldImg"/>
+          </p:nvPr>
+        </p:nvSpPr>
+        <p:spPr/>
+      </p:sp>
+      <p:sp>
+        <p:nvSpPr>
+          <p:cNvPr id="3" name="Notes Placeholder 2"/>
+          <p:cNvSpPr>
+            <a:spLocks noGrp="1"/>
+          </p:cNvSpPr>
+          <p:nvPr>
+            <p:ph type="body" idx="1"/>
+          </p:nvPr>
+        </p:nvSpPr>
+        <p:spPr/>
+        <p:txBody>
+          <a:bodyPr/>
+          <a:lstStyle/>
+          <a:p>
+            <a:endParaRPr lang="en-US" dirty="0"/>
+          </a:p>
+        </p:txBody>
+      </p:sp>
+      <p:sp>
+        <p:nvSpPr>
+          <p:cNvPr id="4" name="Slide Number Placeholder 3"/>
+          <p:cNvSpPr>
+            <a:spLocks noGrp="1"/>
+          </p:cNvSpPr>
+          <p:nvPr>
+            <p:ph type="sldNum" sz="quarter" idx="5"/>
+          </p:nvPr>
+        </p:nvSpPr>
+        <p:spPr/>
+        <p:txBody>
+          <a:bodyPr/>
+          <a:lstStyle/>
+          <a:p>
+            <a:fld id="{0A463E84-36D0-47AB-AE84-D840C4315E64}" type="slidenum">
+              <a:rPr lang="de-DE" altLang="de-DE" smtClean="0"/>
+              <a:pPr/>
+              <a:t>20</a:t>
+            </a:fld>
+            <a:endParaRPr lang="de-DE" altLang="de-DE"/>
+          </a:p>
+        </p:txBody>
+      </p:sp>
+    </p:spTree>
+    <p:extLst>
+      <p:ext uri="{BB962C8B-B14F-4D97-AF65-F5344CB8AC3E}">
+        <p14:creationId xmlns:p14="http://schemas.microsoft.com/office/powerpoint/2010/main" val="2554823266"/>
+      </p:ext>
+    </p:extLst>
+  </p:cSld>
+  <p:clrMapOvr>
+    <a:masterClrMapping/>
+  </p:clrMapOvr>
+</p:notes>
+</file>
+
+<file path=ppt/notesSlides/notesSlide17.xml><?xml version="1.0" encoding="utf-8"?>
+<p:notes xmlns:a="http://schemas.openxmlformats.org/drawingml/2006/main" xmlns:r="http://schemas.openxmlformats.org/officeDocument/2006/relationships" xmlns:p="http://schemas.openxmlformats.org/presentationml/2006/main">
+  <p:cSld>
+    <p:spTree>
+      <p:nvGrpSpPr>
+        <p:cNvPr id="1" name=""/>
+        <p:cNvGrpSpPr/>
+        <p:nvPr/>
+      </p:nvGrpSpPr>
+      <p:grpSpPr>
+        <a:xfrm>
+          <a:off x="0" y="0"/>
+          <a:ext cx="0" cy="0"/>
+          <a:chOff x="0" y="0"/>
+          <a:chExt cx="0" cy="0"/>
+        </a:xfrm>
+      </p:grpSpPr>
+      <p:sp>
+        <p:nvSpPr>
+          <p:cNvPr id="2" name="Slide Image Placeholder 1"/>
+          <p:cNvSpPr>
+            <a:spLocks noGrp="1" noRot="1" noChangeAspect="1"/>
+          </p:cNvSpPr>
+          <p:nvPr>
+            <p:ph type="sldImg"/>
+          </p:nvPr>
+        </p:nvSpPr>
+        <p:spPr/>
+      </p:sp>
+      <p:sp>
+        <p:nvSpPr>
+          <p:cNvPr id="3" name="Notes Placeholder 2"/>
+          <p:cNvSpPr>
+            <a:spLocks noGrp="1"/>
+          </p:cNvSpPr>
+          <p:nvPr>
+            <p:ph type="body" idx="1"/>
+          </p:nvPr>
+        </p:nvSpPr>
+        <p:spPr/>
+        <p:txBody>
+          <a:bodyPr/>
+          <a:lstStyle/>
+          <a:p>
+            <a:endParaRPr lang="en-US" dirty="0"/>
+          </a:p>
+        </p:txBody>
+      </p:sp>
+      <p:sp>
+        <p:nvSpPr>
+          <p:cNvPr id="4" name="Slide Number Placeholder 3"/>
+          <p:cNvSpPr>
+            <a:spLocks noGrp="1"/>
+          </p:cNvSpPr>
+          <p:nvPr>
+            <p:ph type="sldNum" sz="quarter" idx="5"/>
+          </p:nvPr>
+        </p:nvSpPr>
+        <p:spPr/>
+        <p:txBody>
+          <a:bodyPr/>
+          <a:lstStyle/>
+          <a:p>
+            <a:fld id="{0A463E84-36D0-47AB-AE84-D840C4315E64}" type="slidenum">
+              <a:rPr lang="de-DE" altLang="de-DE" smtClean="0"/>
+              <a:pPr/>
+              <a:t>21</a:t>
+            </a:fld>
+            <a:endParaRPr lang="de-DE" altLang="de-DE"/>
+          </a:p>
+        </p:txBody>
+      </p:sp>
+    </p:spTree>
+    <p:extLst>
+      <p:ext uri="{BB962C8B-B14F-4D97-AF65-F5344CB8AC3E}">
+        <p14:creationId xmlns:p14="http://schemas.microsoft.com/office/powerpoint/2010/main" val="1576053959"/>
+      </p:ext>
+    </p:extLst>
+  </p:cSld>
+  <p:clrMapOvr>
+    <a:masterClrMapping/>
+  </p:clrMapOvr>
+</p:notes>
+</file>
+
+<file path=ppt/notesSlides/notesSlide18.xml><?xml version="1.0" encoding="utf-8"?>
+<p:notes xmlns:a="http://schemas.openxmlformats.org/drawingml/2006/main" xmlns:r="http://schemas.openxmlformats.org/officeDocument/2006/relationships" xmlns:p="http://schemas.openxmlformats.org/presentationml/2006/main">
+  <p:cSld>
+    <p:spTree>
+      <p:nvGrpSpPr>
+        <p:cNvPr id="1" name=""/>
+        <p:cNvGrpSpPr/>
+        <p:nvPr/>
+      </p:nvGrpSpPr>
+      <p:grpSpPr>
+        <a:xfrm>
+          <a:off x="0" y="0"/>
+          <a:ext cx="0" cy="0"/>
+          <a:chOff x="0" y="0"/>
+          <a:chExt cx="0" cy="0"/>
+        </a:xfrm>
+      </p:grpSpPr>
+      <p:sp>
+        <p:nvSpPr>
+          <p:cNvPr id="2" name="Slide Image Placeholder 1"/>
+          <p:cNvSpPr>
+            <a:spLocks noGrp="1" noRot="1" noChangeAspect="1"/>
+          </p:cNvSpPr>
+          <p:nvPr>
+            <p:ph type="sldImg"/>
+          </p:nvPr>
+        </p:nvSpPr>
+        <p:spPr/>
+      </p:sp>
+      <p:sp>
+        <p:nvSpPr>
+          <p:cNvPr id="3" name="Notes Placeholder 2"/>
+          <p:cNvSpPr>
+            <a:spLocks noGrp="1"/>
+          </p:cNvSpPr>
+          <p:nvPr>
+            <p:ph type="body" idx="1"/>
+          </p:nvPr>
+        </p:nvSpPr>
+        <p:spPr/>
+        <p:txBody>
+          <a:bodyPr/>
+          <a:lstStyle/>
+          <a:p>
+            <a:pPr marL="0" marR="0" lvl="0" indent="0" algn="l" defTabSz="914400" rtl="0" eaLnBrk="0" fontAlgn="base" latinLnBrk="0" hangingPunct="0">
+              <a:lnSpc>
+                <a:spcPct val="100000"/>
+              </a:lnSpc>
+              <a:spcBef>
+                <a:spcPct val="30000"/>
+              </a:spcBef>
+              <a:spcAft>
+                <a:spcPct val="0"/>
+              </a:spcAft>
+              <a:buClrTx/>
+              <a:buSzTx/>
+              <a:buFontTx/>
+              <a:buNone/>
+              <a:tabLst/>
+              <a:defRPr/>
+            </a:pPr>
+            <a:r>
+              <a:rPr lang="en-US" dirty="0"/>
+              <a:t>For instance, there is a city located beside the river and protected by embankments. </a:t>
+            </a:r>
+          </a:p>
+          <a:p>
+            <a:pPr marL="0" marR="0" lvl="0" indent="0" algn="l" defTabSz="914400" rtl="0" eaLnBrk="0" fontAlgn="base" latinLnBrk="0" hangingPunct="0">
+              <a:lnSpc>
+                <a:spcPct val="100000"/>
+              </a:lnSpc>
+              <a:spcBef>
+                <a:spcPct val="30000"/>
+              </a:spcBef>
+              <a:spcAft>
+                <a:spcPct val="0"/>
+              </a:spcAft>
+              <a:buClrTx/>
+              <a:buSzTx/>
+              <a:buFontTx/>
+              <a:buNone/>
+              <a:tabLst/>
+              <a:defRPr/>
+            </a:pPr>
+            <a:r>
+              <a:rPr lang="en-US" dirty="0"/>
+              <a:t>Within the river channel, the water level can be estimated from discharge. </a:t>
+            </a:r>
+          </a:p>
+          <a:p>
+            <a:pPr marL="0" marR="0" lvl="0" indent="0" algn="l" defTabSz="914400" rtl="0" eaLnBrk="0" fontAlgn="base" latinLnBrk="0" hangingPunct="0">
+              <a:lnSpc>
+                <a:spcPct val="100000"/>
+              </a:lnSpc>
+              <a:spcBef>
+                <a:spcPct val="30000"/>
+              </a:spcBef>
+              <a:spcAft>
+                <a:spcPct val="0"/>
+              </a:spcAft>
+              <a:buClrTx/>
+              <a:buSzTx/>
+              <a:buFontTx/>
+              <a:buNone/>
+              <a:tabLst/>
+              <a:defRPr/>
+            </a:pPr>
+            <a:r>
+              <a:rPr lang="en-US" dirty="0"/>
+              <a:t>Therefore, based on the water level – discharge relation, when a big discharge comes, we can derive the expected water level and quantify whether the water level will exceed the design defense level (flooding threshold) and the flood overtops or breaches the embankments and causes damages. </a:t>
+            </a:r>
+          </a:p>
+          <a:p>
+            <a:pPr marL="0" marR="0" lvl="0" indent="0" algn="l" defTabSz="914400" rtl="0" eaLnBrk="0" fontAlgn="base" latinLnBrk="0" hangingPunct="0">
+              <a:lnSpc>
+                <a:spcPct val="100000"/>
+              </a:lnSpc>
+              <a:spcBef>
+                <a:spcPct val="30000"/>
+              </a:spcBef>
+              <a:spcAft>
+                <a:spcPct val="0"/>
+              </a:spcAft>
+              <a:buClrTx/>
+              <a:buSzTx/>
+              <a:buFontTx/>
+              <a:buNone/>
+              <a:tabLst/>
+              <a:defRPr/>
+            </a:pPr>
+            <a:r>
+              <a:rPr lang="en-US" dirty="0"/>
+              <a:t>And further, the damages resulted from flood inundation is assumed to the function of exceeding water level. </a:t>
+            </a:r>
+          </a:p>
+          <a:p>
+            <a:endParaRPr lang="en-US" dirty="0"/>
+          </a:p>
+        </p:txBody>
+      </p:sp>
+      <p:sp>
+        <p:nvSpPr>
+          <p:cNvPr id="4" name="Slide Number Placeholder 3"/>
+          <p:cNvSpPr>
+            <a:spLocks noGrp="1"/>
+          </p:cNvSpPr>
+          <p:nvPr>
+            <p:ph type="sldNum" sz="quarter" idx="5"/>
+          </p:nvPr>
+        </p:nvSpPr>
+        <p:spPr/>
+        <p:txBody>
+          <a:bodyPr/>
+          <a:lstStyle/>
+          <a:p>
+            <a:fld id="{0A463E84-36D0-47AB-AE84-D840C4315E64}" type="slidenum">
+              <a:rPr lang="de-DE" altLang="de-DE" smtClean="0"/>
+              <a:pPr/>
+              <a:t>22</a:t>
+            </a:fld>
+            <a:endParaRPr lang="de-DE" altLang="de-DE"/>
+          </a:p>
+        </p:txBody>
+      </p:sp>
+    </p:spTree>
+    <p:extLst>
+      <p:ext uri="{BB962C8B-B14F-4D97-AF65-F5344CB8AC3E}">
+        <p14:creationId xmlns:p14="http://schemas.microsoft.com/office/powerpoint/2010/main" val="1435642583"/>
       </p:ext>
     </p:extLst>
   </p:cSld>
@@ -5422,7 +5855,7 @@
           <a:effectLst/>
           <a:extLst>
             <a:ext uri="{AF507438-7753-43e0-B8FC-AC1667EBCBE1}">
-              <a14:hiddenEffects xmlns:a14="http://schemas.microsoft.com/office/drawing/2010/main" xmlns="">
+              <a14:hiddenEffects xmlns="" xmlns:a14="http://schemas.microsoft.com/office/drawing/2010/main">
                 <a:effectLst>
                   <a:outerShdw dist="35921" dir="2700000" algn="ctr" rotWithShape="0">
                     <a:schemeClr val="bg2"/>
@@ -5891,7 +6324,7 @@
           <a:effectLst/>
           <a:extLst>
             <a:ext uri="{AF507438-7753-43e0-B8FC-AC1667EBCBE1}">
-              <a14:hiddenEffects xmlns:a14="http://schemas.microsoft.com/office/drawing/2010/main" xmlns="">
+              <a14:hiddenEffects xmlns="" xmlns:a14="http://schemas.microsoft.com/office/drawing/2010/main">
                 <a:effectLst>
                   <a:outerShdw dist="35921" dir="2700000" algn="ctr" rotWithShape="0">
                     <a:schemeClr val="bg2"/>
@@ -6594,7 +7027,7 @@
             <a:effectLst/>
             <a:extLst>
               <a:ext uri="{AF507438-7753-43e0-B8FC-AC1667EBCBE1}">
-                <a14:hiddenEffects xmlns:a14="http://schemas.microsoft.com/office/drawing/2010/main" xmlns="">
+                <a14:hiddenEffects xmlns="" xmlns:a14="http://schemas.microsoft.com/office/drawing/2010/main">
                   <a:effectLst>
                     <a:outerShdw dist="35921" dir="2700000" algn="ctr" rotWithShape="0">
                       <a:schemeClr val="bg2"/>
@@ -6675,7 +7108,7 @@
             <a:effectLst/>
             <a:extLst>
               <a:ext uri="{AF507438-7753-43e0-B8FC-AC1667EBCBE1}">
-                <a14:hiddenEffects xmlns:a14="http://schemas.microsoft.com/office/drawing/2010/main" xmlns="">
+                <a14:hiddenEffects xmlns="" xmlns:a14="http://schemas.microsoft.com/office/drawing/2010/main">
                   <a:effectLst>
                     <a:outerShdw dist="35921" dir="2700000" algn="ctr" rotWithShape="0">
                       <a:schemeClr val="bg2"/>
@@ -6756,7 +7189,7 @@
             <a:effectLst/>
             <a:extLst>
               <a:ext uri="{AF507438-7753-43e0-B8FC-AC1667EBCBE1}">
-                <a14:hiddenEffects xmlns:a14="http://schemas.microsoft.com/office/drawing/2010/main" xmlns="">
+                <a14:hiddenEffects xmlns="" xmlns:a14="http://schemas.microsoft.com/office/drawing/2010/main">
                   <a:effectLst>
                     <a:outerShdw dist="35921" dir="2700000" algn="ctr" rotWithShape="0">
                       <a:schemeClr val="bg2"/>
@@ -6837,7 +7270,7 @@
             <a:effectLst/>
             <a:extLst>
               <a:ext uri="{AF507438-7753-43e0-B8FC-AC1667EBCBE1}">
-                <a14:hiddenEffects xmlns:a14="http://schemas.microsoft.com/office/drawing/2010/main" xmlns="">
+                <a14:hiddenEffects xmlns="" xmlns:a14="http://schemas.microsoft.com/office/drawing/2010/main">
                   <a:effectLst>
                     <a:outerShdw dist="35921" dir="2700000" algn="ctr" rotWithShape="0">
                       <a:schemeClr val="bg2"/>
@@ -7075,7 +7508,7 @@
             <a:effectLst/>
             <a:extLst>
               <a:ext uri="{AF507438-7753-43e0-B8FC-AC1667EBCBE1}">
-                <a14:hiddenEffects xmlns:a14="http://schemas.microsoft.com/office/drawing/2010/main" xmlns="">
+                <a14:hiddenEffects xmlns="" xmlns:a14="http://schemas.microsoft.com/office/drawing/2010/main">
                   <a:effectLst>
                     <a:outerShdw dist="35921" dir="2700000" algn="ctr" rotWithShape="0">
                       <a:schemeClr val="bg2"/>
@@ -7156,7 +7589,7 @@
             <a:effectLst/>
             <a:extLst>
               <a:ext uri="{AF507438-7753-43e0-B8FC-AC1667EBCBE1}">
-                <a14:hiddenEffects xmlns:a14="http://schemas.microsoft.com/office/drawing/2010/main" xmlns="">
+                <a14:hiddenEffects xmlns="" xmlns:a14="http://schemas.microsoft.com/office/drawing/2010/main">
                   <a:effectLst>
                     <a:outerShdw dist="35921" dir="2700000" algn="ctr" rotWithShape="0">
                       <a:schemeClr val="bg2"/>
@@ -7237,7 +7670,7 @@
             <a:effectLst/>
             <a:extLst>
               <a:ext uri="{AF507438-7753-43e0-B8FC-AC1667EBCBE1}">
-                <a14:hiddenEffects xmlns:a14="http://schemas.microsoft.com/office/drawing/2010/main" xmlns="">
+                <a14:hiddenEffects xmlns="" xmlns:a14="http://schemas.microsoft.com/office/drawing/2010/main">
                   <a:effectLst>
                     <a:outerShdw dist="35921" dir="2700000" algn="ctr" rotWithShape="0">
                       <a:schemeClr val="bg2"/>
@@ -7318,7 +7751,7 @@
             <a:effectLst/>
             <a:extLst>
               <a:ext uri="{AF507438-7753-43e0-B8FC-AC1667EBCBE1}">
-                <a14:hiddenEffects xmlns:a14="http://schemas.microsoft.com/office/drawing/2010/main" xmlns="">
+                <a14:hiddenEffects xmlns="" xmlns:a14="http://schemas.microsoft.com/office/drawing/2010/main">
                   <a:effectLst>
                     <a:outerShdw dist="35921" dir="2700000" algn="ctr" rotWithShape="0">
                       <a:schemeClr val="bg2"/>
@@ -7422,7 +7855,7 @@
             <a:effectLst/>
             <a:extLst>
               <a:ext uri="{AF507438-7753-43e0-B8FC-AC1667EBCBE1}">
-                <a14:hiddenEffects xmlns:a14="http://schemas.microsoft.com/office/drawing/2010/main" xmlns="">
+                <a14:hiddenEffects xmlns="" xmlns:a14="http://schemas.microsoft.com/office/drawing/2010/main">
                   <a:effectLst>
                     <a:outerShdw dist="35921" dir="2700000" algn="ctr" rotWithShape="0">
                       <a:schemeClr val="bg2"/>
@@ -7468,7 +7901,7 @@
             <a:effectLst/>
             <a:extLst>
               <a:ext uri="{AF507438-7753-43e0-B8FC-AC1667EBCBE1}">
-                <a14:hiddenEffects xmlns:a14="http://schemas.microsoft.com/office/drawing/2010/main" xmlns="">
+                <a14:hiddenEffects xmlns="" xmlns:a14="http://schemas.microsoft.com/office/drawing/2010/main">
                   <a:effectLst>
                     <a:outerShdw dist="35921" dir="2700000" algn="ctr" rotWithShape="0">
                       <a:schemeClr val="bg2"/>
@@ -7514,7 +7947,7 @@
             <a:effectLst/>
             <a:extLst>
               <a:ext uri="{AF507438-7753-43e0-B8FC-AC1667EBCBE1}">
-                <a14:hiddenEffects xmlns:a14="http://schemas.microsoft.com/office/drawing/2010/main" xmlns="">
+                <a14:hiddenEffects xmlns="" xmlns:a14="http://schemas.microsoft.com/office/drawing/2010/main">
                   <a:effectLst>
                     <a:outerShdw dist="35921" dir="2700000" algn="ctr" rotWithShape="0">
                       <a:schemeClr val="bg2"/>
@@ -7560,7 +7993,7 @@
             <a:effectLst/>
             <a:extLst>
               <a:ext uri="{AF507438-7753-43e0-B8FC-AC1667EBCBE1}">
-                <a14:hiddenEffects xmlns:a14="http://schemas.microsoft.com/office/drawing/2010/main" xmlns="">
+                <a14:hiddenEffects xmlns="" xmlns:a14="http://schemas.microsoft.com/office/drawing/2010/main">
                   <a:effectLst>
                     <a:outerShdw dist="35921" dir="2700000" algn="ctr" rotWithShape="0">
                       <a:schemeClr val="bg2"/>
@@ -8296,7 +8729,7 @@
           <a:effectLst/>
           <a:extLst>
             <a:ext uri="{AF507438-7753-43e0-B8FC-AC1667EBCBE1}">
-              <a14:hiddenEffects xmlns:a14="http://schemas.microsoft.com/office/drawing/2010/main" xmlns="">
+              <a14:hiddenEffects xmlns="" xmlns:a14="http://schemas.microsoft.com/office/drawing/2010/main">
                 <a:effectLst>
                   <a:outerShdw dist="35921" dir="2700000" algn="ctr" rotWithShape="0">
                     <a:schemeClr val="bg2"/>
@@ -8617,7 +9050,7 @@
           <a:effectLst/>
           <a:extLst>
             <a:ext uri="{AF507438-7753-43e0-B8FC-AC1667EBCBE1}">
-              <a14:hiddenEffects xmlns:a14="http://schemas.microsoft.com/office/drawing/2010/main" xmlns="">
+              <a14:hiddenEffects xmlns="" xmlns:a14="http://schemas.microsoft.com/office/drawing/2010/main">
                 <a:effectLst>
                   <a:outerShdw dist="35921" dir="2700000" algn="ctr" rotWithShape="0">
                     <a:schemeClr val="bg2"/>
@@ -8961,7 +9394,7 @@
           <a:effectLst/>
           <a:extLst>
             <a:ext uri="{AF507438-7753-43e0-B8FC-AC1667EBCBE1}">
-              <a14:hiddenEffects xmlns:a14="http://schemas.microsoft.com/office/drawing/2010/main" xmlns="">
+              <a14:hiddenEffects xmlns="" xmlns:a14="http://schemas.microsoft.com/office/drawing/2010/main">
                 <a:effectLst>
                   <a:outerShdw dist="35921" dir="2700000" algn="ctr" rotWithShape="0">
                     <a:schemeClr val="bg2"/>
@@ -9142,7 +9575,7 @@
           <a:effectLst/>
           <a:extLst>
             <a:ext uri="{AF507438-7753-43e0-B8FC-AC1667EBCBE1}">
-              <a14:hiddenEffects xmlns:a14="http://schemas.microsoft.com/office/drawing/2010/main" xmlns="">
+              <a14:hiddenEffects xmlns="" xmlns:a14="http://schemas.microsoft.com/office/drawing/2010/main">
                 <a:effectLst>
                   <a:outerShdw dist="35921" dir="2700000" algn="ctr" rotWithShape="0">
                     <a:schemeClr val="bg2"/>
@@ -9291,7 +9724,7 @@
             <a:effectLst/>
             <a:extLst>
               <a:ext uri="{AF507438-7753-43e0-B8FC-AC1667EBCBE1}">
-                <a14:hiddenEffects xmlns:a14="http://schemas.microsoft.com/office/drawing/2010/main" xmlns="">
+                <a14:hiddenEffects xmlns="" xmlns:a14="http://schemas.microsoft.com/office/drawing/2010/main">
                   <a:effectLst>
                     <a:outerShdw dist="35921" dir="2700000" algn="ctr" rotWithShape="0">
                       <a:schemeClr val="bg2"/>
@@ -9379,7 +9812,7 @@
             <a:effectLst/>
             <a:extLst>
               <a:ext uri="{AF507438-7753-43e0-B8FC-AC1667EBCBE1}">
-                <a14:hiddenEffects xmlns:a14="http://schemas.microsoft.com/office/drawing/2010/main" xmlns="">
+                <a14:hiddenEffects xmlns="" xmlns:a14="http://schemas.microsoft.com/office/drawing/2010/main">
                   <a:effectLst>
                     <a:outerShdw dist="35921" dir="2700000" algn="ctr" rotWithShape="0">
                       <a:schemeClr val="bg2"/>
@@ -9474,7 +9907,7 @@
             <a:effectLst/>
             <a:extLst>
               <a:ext uri="{AF507438-7753-43e0-B8FC-AC1667EBCBE1}">
-                <a14:hiddenEffects xmlns:a14="http://schemas.microsoft.com/office/drawing/2010/main" xmlns="">
+                <a14:hiddenEffects xmlns="" xmlns:a14="http://schemas.microsoft.com/office/drawing/2010/main">
                   <a:effectLst>
                     <a:outerShdw dist="35921" dir="2700000" algn="ctr" rotWithShape="0">
                       <a:schemeClr val="bg2"/>
@@ -9562,7 +9995,7 @@
             <a:effectLst/>
             <a:extLst>
               <a:ext uri="{AF507438-7753-43e0-B8FC-AC1667EBCBE1}">
-                <a14:hiddenEffects xmlns:a14="http://schemas.microsoft.com/office/drawing/2010/main" xmlns="">
+                <a14:hiddenEffects xmlns="" xmlns:a14="http://schemas.microsoft.com/office/drawing/2010/main">
                   <a:effectLst>
                     <a:outerShdw dist="35921" dir="2700000" algn="ctr" rotWithShape="0">
                       <a:schemeClr val="bg2"/>
@@ -9650,7 +10083,7 @@
             <a:effectLst/>
             <a:extLst>
               <a:ext uri="{AF507438-7753-43e0-B8FC-AC1667EBCBE1}">
-                <a14:hiddenEffects xmlns:a14="http://schemas.microsoft.com/office/drawing/2010/main" xmlns="">
+                <a14:hiddenEffects xmlns="" xmlns:a14="http://schemas.microsoft.com/office/drawing/2010/main">
                   <a:effectLst>
                     <a:outerShdw dist="35921" dir="2700000" algn="ctr" rotWithShape="0">
                       <a:schemeClr val="bg2"/>
@@ -9738,7 +10171,7 @@
             <a:effectLst/>
             <a:extLst>
               <a:ext uri="{AF507438-7753-43e0-B8FC-AC1667EBCBE1}">
-                <a14:hiddenEffects xmlns:a14="http://schemas.microsoft.com/office/drawing/2010/main" xmlns="">
+                <a14:hiddenEffects xmlns="" xmlns:a14="http://schemas.microsoft.com/office/drawing/2010/main">
                   <a:effectLst>
                     <a:outerShdw dist="35921" dir="2700000" algn="ctr" rotWithShape="0">
                       <a:schemeClr val="bg2"/>
@@ -9826,7 +10259,7 @@
             <a:effectLst/>
             <a:extLst>
               <a:ext uri="{AF507438-7753-43e0-B8FC-AC1667EBCBE1}">
-                <a14:hiddenEffects xmlns:a14="http://schemas.microsoft.com/office/drawing/2010/main" xmlns="">
+                <a14:hiddenEffects xmlns="" xmlns:a14="http://schemas.microsoft.com/office/drawing/2010/main">
                   <a:effectLst>
                     <a:outerShdw dist="35921" dir="2700000" algn="ctr" rotWithShape="0">
                       <a:schemeClr val="bg2"/>
@@ -9914,7 +10347,7 @@
             <a:effectLst/>
             <a:extLst>
               <a:ext uri="{AF507438-7753-43e0-B8FC-AC1667EBCBE1}">
-                <a14:hiddenEffects xmlns:a14="http://schemas.microsoft.com/office/drawing/2010/main" xmlns="">
+                <a14:hiddenEffects xmlns="" xmlns:a14="http://schemas.microsoft.com/office/drawing/2010/main">
                   <a:effectLst>
                     <a:outerShdw dist="35921" dir="2700000" algn="ctr" rotWithShape="0">
                       <a:schemeClr val="bg2"/>
@@ -10002,7 +10435,7 @@
             <a:effectLst/>
             <a:extLst>
               <a:ext uri="{AF507438-7753-43e0-B8FC-AC1667EBCBE1}">
-                <a14:hiddenEffects xmlns:a14="http://schemas.microsoft.com/office/drawing/2010/main" xmlns="">
+                <a14:hiddenEffects xmlns="" xmlns:a14="http://schemas.microsoft.com/office/drawing/2010/main">
                   <a:effectLst>
                     <a:outerShdw dist="35921" dir="2700000" algn="ctr" rotWithShape="0">
                       <a:schemeClr val="bg2"/>
@@ -10099,7 +10532,7 @@
             <a:effectLst/>
             <a:extLst>
               <a:ext uri="{AF507438-7753-43e0-B8FC-AC1667EBCBE1}">
-                <a14:hiddenEffects xmlns:a14="http://schemas.microsoft.com/office/drawing/2010/main" xmlns="">
+                <a14:hiddenEffects xmlns="" xmlns:a14="http://schemas.microsoft.com/office/drawing/2010/main">
                   <a:effectLst>
                     <a:outerShdw dist="35921" dir="2700000" algn="ctr" rotWithShape="0">
                       <a:schemeClr val="bg2"/>
@@ -10150,7 +10583,7 @@
             <a:effectLst/>
             <a:extLst>
               <a:ext uri="{AF507438-7753-43e0-B8FC-AC1667EBCBE1}">
-                <a14:hiddenEffects xmlns:a14="http://schemas.microsoft.com/office/drawing/2010/main" xmlns="">
+                <a14:hiddenEffects xmlns="" xmlns:a14="http://schemas.microsoft.com/office/drawing/2010/main">
                   <a:effectLst>
                     <a:outerShdw dist="35921" dir="2700000" algn="ctr" rotWithShape="0">
                       <a:schemeClr val="bg2"/>
@@ -10200,7 +10633,7 @@
             <a:effectLst/>
             <a:extLst>
               <a:ext uri="{AF507438-7753-43e0-B8FC-AC1667EBCBE1}">
-                <a14:hiddenEffects xmlns:a14="http://schemas.microsoft.com/office/drawing/2010/main" xmlns="">
+                <a14:hiddenEffects xmlns="" xmlns:a14="http://schemas.microsoft.com/office/drawing/2010/main">
                   <a:effectLst>
                     <a:outerShdw dist="35921" dir="2700000" algn="ctr" rotWithShape="0">
                       <a:schemeClr val="bg2"/>
@@ -10248,7 +10681,7 @@
             <a:effectLst/>
             <a:extLst>
               <a:ext uri="{AF507438-7753-43e0-B8FC-AC1667EBCBE1}">
-                <a14:hiddenEffects xmlns:a14="http://schemas.microsoft.com/office/drawing/2010/main" xmlns="">
+                <a14:hiddenEffects xmlns="" xmlns:a14="http://schemas.microsoft.com/office/drawing/2010/main">
                   <a:effectLst>
                     <a:outerShdw dist="35921" dir="2700000" algn="ctr" rotWithShape="0">
                       <a:schemeClr val="bg2"/>
@@ -10333,7 +10766,7 @@
             <a:effectLst/>
             <a:extLst>
               <a:ext uri="{AF507438-7753-43e0-B8FC-AC1667EBCBE1}">
-                <a14:hiddenEffects xmlns:a14="http://schemas.microsoft.com/office/drawing/2010/main" xmlns="">
+                <a14:hiddenEffects xmlns="" xmlns:a14="http://schemas.microsoft.com/office/drawing/2010/main">
                   <a:effectLst>
                     <a:outerShdw dist="35921" dir="2700000" algn="ctr" rotWithShape="0">
                       <a:schemeClr val="bg2"/>
@@ -10379,7 +10812,7 @@
             <a:effectLst/>
             <a:extLst>
               <a:ext uri="{AF507438-7753-43e0-B8FC-AC1667EBCBE1}">
-                <a14:hiddenEffects xmlns:a14="http://schemas.microsoft.com/office/drawing/2010/main" xmlns="">
+                <a14:hiddenEffects xmlns="" xmlns:a14="http://schemas.microsoft.com/office/drawing/2010/main">
                   <a:effectLst>
                     <a:outerShdw dist="35921" dir="2700000" algn="ctr" rotWithShape="0">
                       <a:schemeClr val="bg2"/>
@@ -10430,7 +10863,7 @@
             <a:effectLst/>
             <a:extLst>
               <a:ext uri="{AF507438-7753-43e0-B8FC-AC1667EBCBE1}">
-                <a14:hiddenEffects xmlns:a14="http://schemas.microsoft.com/office/drawing/2010/main" xmlns="">
+                <a14:hiddenEffects xmlns="" xmlns:a14="http://schemas.microsoft.com/office/drawing/2010/main">
                   <a:effectLst>
                     <a:outerShdw dist="35921" dir="2700000" algn="ctr" rotWithShape="0">
                       <a:schemeClr val="bg2"/>
@@ -10478,7 +10911,7 @@
             <a:effectLst/>
             <a:extLst>
               <a:ext uri="{AF507438-7753-43e0-B8FC-AC1667EBCBE1}">
-                <a14:hiddenEffects xmlns:a14="http://schemas.microsoft.com/office/drawing/2010/main" xmlns="">
+                <a14:hiddenEffects xmlns="" xmlns:a14="http://schemas.microsoft.com/office/drawing/2010/main">
                   <a:effectLst>
                     <a:outerShdw dist="35921" dir="2700000" algn="ctr" rotWithShape="0">
                       <a:schemeClr val="bg2"/>
@@ -10528,7 +10961,7 @@
             <a:effectLst/>
             <a:extLst>
               <a:ext uri="{AF507438-7753-43e0-B8FC-AC1667EBCBE1}">
-                <a14:hiddenEffects xmlns:a14="http://schemas.microsoft.com/office/drawing/2010/main" xmlns="">
+                <a14:hiddenEffects xmlns="" xmlns:a14="http://schemas.microsoft.com/office/drawing/2010/main">
                   <a:effectLst>
                     <a:outerShdw dist="35921" dir="2700000" algn="ctr" rotWithShape="0">
                       <a:schemeClr val="bg2"/>
@@ -10578,7 +11011,7 @@
             <a:effectLst/>
             <a:extLst>
               <a:ext uri="{AF507438-7753-43e0-B8FC-AC1667EBCBE1}">
-                <a14:hiddenEffects xmlns:a14="http://schemas.microsoft.com/office/drawing/2010/main" xmlns="">
+                <a14:hiddenEffects xmlns="" xmlns:a14="http://schemas.microsoft.com/office/drawing/2010/main">
                   <a:effectLst>
                     <a:outerShdw dist="35921" dir="2700000" algn="ctr" rotWithShape="0">
                       <a:schemeClr val="bg2"/>
@@ -10626,7 +11059,7 @@
             <a:effectLst/>
             <a:extLst>
               <a:ext uri="{AF507438-7753-43e0-B8FC-AC1667EBCBE1}">
-                <a14:hiddenEffects xmlns:a14="http://schemas.microsoft.com/office/drawing/2010/main" xmlns="">
+                <a14:hiddenEffects xmlns="" xmlns:a14="http://schemas.microsoft.com/office/drawing/2010/main">
                   <a:effectLst>
                     <a:outerShdw dist="35921" dir="2700000" algn="ctr" rotWithShape="0">
                       <a:schemeClr val="bg2"/>
@@ -10723,7 +11156,7 @@
             <a:effectLst/>
             <a:extLst>
               <a:ext uri="{AF507438-7753-43e0-B8FC-AC1667EBCBE1}">
-                <a14:hiddenEffects xmlns:a14="http://schemas.microsoft.com/office/drawing/2010/main" xmlns="">
+                <a14:hiddenEffects xmlns="" xmlns:a14="http://schemas.microsoft.com/office/drawing/2010/main">
                   <a:effectLst>
                     <a:outerShdw dist="35921" dir="2700000" algn="ctr" rotWithShape="0">
                       <a:schemeClr val="bg2"/>
@@ -10774,7 +11207,7 @@
             <a:effectLst/>
             <a:extLst>
               <a:ext uri="{AF507438-7753-43e0-B8FC-AC1667EBCBE1}">
-                <a14:hiddenEffects xmlns:a14="http://schemas.microsoft.com/office/drawing/2010/main" xmlns="">
+                <a14:hiddenEffects xmlns="" xmlns:a14="http://schemas.microsoft.com/office/drawing/2010/main">
                   <a:effectLst>
                     <a:outerShdw dist="35921" dir="2700000" algn="ctr" rotWithShape="0">
                       <a:schemeClr val="bg2"/>
@@ -10824,7 +11257,7 @@
             <a:effectLst/>
             <a:extLst>
               <a:ext uri="{AF507438-7753-43e0-B8FC-AC1667EBCBE1}">
-                <a14:hiddenEffects xmlns:a14="http://schemas.microsoft.com/office/drawing/2010/main" xmlns="">
+                <a14:hiddenEffects xmlns="" xmlns:a14="http://schemas.microsoft.com/office/drawing/2010/main">
                   <a:effectLst>
                     <a:outerShdw dist="35921" dir="2700000" algn="ctr" rotWithShape="0">
                       <a:schemeClr val="bg2"/>
@@ -10901,7 +11334,7 @@
           <a:effectLst/>
           <a:extLst>
             <a:ext uri="{AF507438-7753-43e0-B8FC-AC1667EBCBE1}">
-              <a14:hiddenEffects xmlns:a14="http://schemas.microsoft.com/office/drawing/2010/main" xmlns="">
+              <a14:hiddenEffects xmlns="" xmlns:a14="http://schemas.microsoft.com/office/drawing/2010/main">
                 <a:effectLst>
                   <a:outerShdw dist="35921" dir="2700000" algn="ctr" rotWithShape="0">
                     <a:schemeClr val="bg2"/>
@@ -11218,7 +11651,7 @@
           <a:effectLst/>
           <a:extLst>
             <a:ext uri="{AF507438-7753-43e0-B8FC-AC1667EBCBE1}">
-              <a14:hiddenEffects xmlns:a14="http://schemas.microsoft.com/office/drawing/2010/main" xmlns="">
+              <a14:hiddenEffects xmlns="" xmlns:a14="http://schemas.microsoft.com/office/drawing/2010/main">
                 <a:effectLst>
                   <a:outerShdw dist="35921" dir="2700000" algn="ctr" rotWithShape="0">
                     <a:schemeClr val="bg2"/>
@@ -12311,7 +12744,7 @@
           <a:effectLst/>
           <a:extLst>
             <a:ext uri="{AF507438-7753-43e0-B8FC-AC1667EBCBE1}">
-              <a14:hiddenEffects xmlns:a14="http://schemas.microsoft.com/office/drawing/2010/main" xmlns="">
+              <a14:hiddenEffects xmlns="" xmlns:a14="http://schemas.microsoft.com/office/drawing/2010/main">
                 <a:effectLst>
                   <a:outerShdw dist="35921" dir="2700000" algn="ctr" rotWithShape="0">
                     <a:schemeClr val="bg2"/>
@@ -14598,7 +15031,7 @@
           <a:effectLst/>
           <a:extLst>
             <a:ext uri="{AF507438-7753-43e0-B8FC-AC1667EBCBE1}">
-              <a14:hiddenEffects xmlns:a14="http://schemas.microsoft.com/office/drawing/2010/main" xmlns="">
+              <a14:hiddenEffects xmlns="" xmlns:a14="http://schemas.microsoft.com/office/drawing/2010/main">
                 <a:effectLst>
                   <a:outerShdw dist="35921" dir="2700000" algn="ctr" rotWithShape="0">
                     <a:schemeClr val="bg2"/>
@@ -15301,7 +15734,7 @@
             <a:effectLst/>
             <a:extLst>
               <a:ext uri="{AF507438-7753-43e0-B8FC-AC1667EBCBE1}">
-                <a14:hiddenEffects xmlns:a14="http://schemas.microsoft.com/office/drawing/2010/main" xmlns="">
+                <a14:hiddenEffects xmlns="" xmlns:a14="http://schemas.microsoft.com/office/drawing/2010/main">
                   <a:effectLst>
                     <a:outerShdw dist="35921" dir="2700000" algn="ctr" rotWithShape="0">
                       <a:schemeClr val="bg2"/>
@@ -15382,7 +15815,7 @@
             <a:effectLst/>
             <a:extLst>
               <a:ext uri="{AF507438-7753-43e0-B8FC-AC1667EBCBE1}">
-                <a14:hiddenEffects xmlns:a14="http://schemas.microsoft.com/office/drawing/2010/main" xmlns="">
+                <a14:hiddenEffects xmlns="" xmlns:a14="http://schemas.microsoft.com/office/drawing/2010/main">
                   <a:effectLst>
                     <a:outerShdw dist="35921" dir="2700000" algn="ctr" rotWithShape="0">
                       <a:schemeClr val="bg2"/>
@@ -15463,7 +15896,7 @@
             <a:effectLst/>
             <a:extLst>
               <a:ext uri="{AF507438-7753-43e0-B8FC-AC1667EBCBE1}">
-                <a14:hiddenEffects xmlns:a14="http://schemas.microsoft.com/office/drawing/2010/main" xmlns="">
+                <a14:hiddenEffects xmlns="" xmlns:a14="http://schemas.microsoft.com/office/drawing/2010/main">
                   <a:effectLst>
                     <a:outerShdw dist="35921" dir="2700000" algn="ctr" rotWithShape="0">
                       <a:schemeClr val="bg2"/>
@@ -15544,7 +15977,7 @@
             <a:effectLst/>
             <a:extLst>
               <a:ext uri="{AF507438-7753-43e0-B8FC-AC1667EBCBE1}">
-                <a14:hiddenEffects xmlns:a14="http://schemas.microsoft.com/office/drawing/2010/main" xmlns="">
+                <a14:hiddenEffects xmlns="" xmlns:a14="http://schemas.microsoft.com/office/drawing/2010/main">
                   <a:effectLst>
                     <a:outerShdw dist="35921" dir="2700000" algn="ctr" rotWithShape="0">
                       <a:schemeClr val="bg2"/>
@@ -15782,7 +16215,7 @@
             <a:effectLst/>
             <a:extLst>
               <a:ext uri="{AF507438-7753-43e0-B8FC-AC1667EBCBE1}">
-                <a14:hiddenEffects xmlns:a14="http://schemas.microsoft.com/office/drawing/2010/main" xmlns="">
+                <a14:hiddenEffects xmlns="" xmlns:a14="http://schemas.microsoft.com/office/drawing/2010/main">
                   <a:effectLst>
                     <a:outerShdw dist="35921" dir="2700000" algn="ctr" rotWithShape="0">
                       <a:schemeClr val="bg2"/>
@@ -15863,7 +16296,7 @@
             <a:effectLst/>
             <a:extLst>
               <a:ext uri="{AF507438-7753-43e0-B8FC-AC1667EBCBE1}">
-                <a14:hiddenEffects xmlns:a14="http://schemas.microsoft.com/office/drawing/2010/main" xmlns="">
+                <a14:hiddenEffects xmlns="" xmlns:a14="http://schemas.microsoft.com/office/drawing/2010/main">
                   <a:effectLst>
                     <a:outerShdw dist="35921" dir="2700000" algn="ctr" rotWithShape="0">
                       <a:schemeClr val="bg2"/>
@@ -15944,7 +16377,7 @@
             <a:effectLst/>
             <a:extLst>
               <a:ext uri="{AF507438-7753-43e0-B8FC-AC1667EBCBE1}">
-                <a14:hiddenEffects xmlns:a14="http://schemas.microsoft.com/office/drawing/2010/main" xmlns="">
+                <a14:hiddenEffects xmlns="" xmlns:a14="http://schemas.microsoft.com/office/drawing/2010/main">
                   <a:effectLst>
                     <a:outerShdw dist="35921" dir="2700000" algn="ctr" rotWithShape="0">
                       <a:schemeClr val="bg2"/>
@@ -16025,7 +16458,7 @@
             <a:effectLst/>
             <a:extLst>
               <a:ext uri="{AF507438-7753-43e0-B8FC-AC1667EBCBE1}">
-                <a14:hiddenEffects xmlns:a14="http://schemas.microsoft.com/office/drawing/2010/main" xmlns="">
+                <a14:hiddenEffects xmlns="" xmlns:a14="http://schemas.microsoft.com/office/drawing/2010/main">
                   <a:effectLst>
                     <a:outerShdw dist="35921" dir="2700000" algn="ctr" rotWithShape="0">
                       <a:schemeClr val="bg2"/>
@@ -16129,7 +16562,7 @@
             <a:effectLst/>
             <a:extLst>
               <a:ext uri="{AF507438-7753-43e0-B8FC-AC1667EBCBE1}">
-                <a14:hiddenEffects xmlns:a14="http://schemas.microsoft.com/office/drawing/2010/main" xmlns="">
+                <a14:hiddenEffects xmlns="" xmlns:a14="http://schemas.microsoft.com/office/drawing/2010/main">
                   <a:effectLst>
                     <a:outerShdw dist="35921" dir="2700000" algn="ctr" rotWithShape="0">
                       <a:schemeClr val="bg2"/>
@@ -16175,7 +16608,7 @@
             <a:effectLst/>
             <a:extLst>
               <a:ext uri="{AF507438-7753-43e0-B8FC-AC1667EBCBE1}">
-                <a14:hiddenEffects xmlns:a14="http://schemas.microsoft.com/office/drawing/2010/main" xmlns="">
+                <a14:hiddenEffects xmlns="" xmlns:a14="http://schemas.microsoft.com/office/drawing/2010/main">
                   <a:effectLst>
                     <a:outerShdw dist="35921" dir="2700000" algn="ctr" rotWithShape="0">
                       <a:schemeClr val="bg2"/>
@@ -16221,7 +16654,7 @@
             <a:effectLst/>
             <a:extLst>
               <a:ext uri="{AF507438-7753-43e0-B8FC-AC1667EBCBE1}">
-                <a14:hiddenEffects xmlns:a14="http://schemas.microsoft.com/office/drawing/2010/main" xmlns="">
+                <a14:hiddenEffects xmlns="" xmlns:a14="http://schemas.microsoft.com/office/drawing/2010/main">
                   <a:effectLst>
                     <a:outerShdw dist="35921" dir="2700000" algn="ctr" rotWithShape="0">
                       <a:schemeClr val="bg2"/>
@@ -16267,7 +16700,7 @@
             <a:effectLst/>
             <a:extLst>
               <a:ext uri="{AF507438-7753-43e0-B8FC-AC1667EBCBE1}">
-                <a14:hiddenEffects xmlns:a14="http://schemas.microsoft.com/office/drawing/2010/main" xmlns="">
+                <a14:hiddenEffects xmlns="" xmlns:a14="http://schemas.microsoft.com/office/drawing/2010/main">
                   <a:effectLst>
                     <a:outerShdw dist="35921" dir="2700000" algn="ctr" rotWithShape="0">
                       <a:schemeClr val="bg2"/>
@@ -17003,7 +17436,7 @@
           <a:effectLst/>
           <a:extLst>
             <a:ext uri="{AF507438-7753-43e0-B8FC-AC1667EBCBE1}">
-              <a14:hiddenEffects xmlns:a14="http://schemas.microsoft.com/office/drawing/2010/main" xmlns="">
+              <a14:hiddenEffects xmlns="" xmlns:a14="http://schemas.microsoft.com/office/drawing/2010/main">
                 <a:effectLst>
                   <a:outerShdw dist="35921" dir="2700000" algn="ctr" rotWithShape="0">
                     <a:schemeClr val="bg2"/>
@@ -17581,7 +18014,7 @@
           <a:effectLst/>
           <a:extLst>
             <a:ext uri="{AF507438-7753-43e0-B8FC-AC1667EBCBE1}">
-              <a14:hiddenEffects xmlns:a14="http://schemas.microsoft.com/office/drawing/2010/main" xmlns="">
+              <a14:hiddenEffects xmlns="" xmlns:a14="http://schemas.microsoft.com/office/drawing/2010/main">
                 <a:effectLst>
                   <a:outerShdw dist="35921" dir="2700000" algn="ctr" rotWithShape="0">
                     <a:schemeClr val="bg2"/>
@@ -18077,12 +18510,12 @@
                 <a:graphicData uri="http://schemas.openxmlformats.org/presentationml/2006/ole">
                   <mc:AlternateContent xmlns:mc="http://schemas.openxmlformats.org/markup-compatibility/2006">
                     <mc:Choice xmlns:v="urn:schemas-microsoft-com:vml" Requires="v">
-                      <p:oleObj spid="_x0000_s1102" name="Formel" r:id="rId3" imgW="2590800" imgH="990600" progId="Equation.3">
+                      <p:oleObj spid="_x0000_s1124" name="Formel" r:id="rId4" imgW="2590800" imgH="990600" progId="Equation.3">
                         <p:embed/>
                       </p:oleObj>
                     </mc:Choice>
                     <mc:Fallback>
-                      <p:oleObj name="Formel" r:id="rId3" imgW="2590800" imgH="990600" progId="Equation.3">
+                      <p:oleObj name="Formel" r:id="rId4" imgW="2590800" imgH="990600" progId="Equation.3">
                         <p:embed/>
                         <p:pic>
                           <p:nvPicPr>
@@ -18099,7 +18532,7 @@
                             <p:nvPr/>
                           </p:nvPicPr>
                           <p:blipFill>
-                            <a:blip r:embed="rId4">
+                            <a:blip r:embed="rId5">
                               <a:extLst>
                                 <a:ext uri="{28A0092B-C50C-407E-A947-70E740481C1C}">
                                   <a14:useLocalDpi xmlns:a14="http://schemas.microsoft.com/office/drawing/2010/main" val="0"/>
@@ -18402,7 +18835,7 @@
             <p:nvPr/>
           </p:nvPicPr>
           <p:blipFill>
-            <a:blip r:embed="rId5" cstate="print">
+            <a:blip r:embed="rId6" cstate="print">
               <a:extLst>
                 <a:ext uri="{28A0092B-C50C-407E-A947-70E740481C1C}">
                   <a14:useLocalDpi xmlns:a14="http://schemas.microsoft.com/office/drawing/2010/main" val="0"/>
@@ -18505,7 +18938,7 @@
             <p:nvPr/>
           </p:nvPicPr>
           <p:blipFill>
-            <a:blip r:embed="rId6" cstate="print">
+            <a:blip r:embed="rId7" cstate="print">
               <a:extLst>
                 <a:ext uri="{28A0092B-C50C-407E-A947-70E740481C1C}">
                   <a14:useLocalDpi xmlns:a14="http://schemas.microsoft.com/office/drawing/2010/main" val="0"/>
@@ -18638,7 +19071,7 @@
           <a:effectLst/>
           <a:extLst>
             <a:ext uri="{AF507438-7753-43e0-B8FC-AC1667EBCBE1}">
-              <a14:hiddenEffects xmlns:a14="http://schemas.microsoft.com/office/drawing/2010/main" xmlns="">
+              <a14:hiddenEffects xmlns="" xmlns:a14="http://schemas.microsoft.com/office/drawing/2010/main">
                 <a:effectLst>
                   <a:outerShdw dist="35921" dir="2700000" algn="ctr" rotWithShape="0">
                     <a:schemeClr val="bg2"/>
@@ -18819,7 +19252,7 @@
           <p:nvPr/>
         </p:nvPicPr>
         <p:blipFill>
-          <a:blip r:embed="rId2">
+          <a:blip r:embed="rId3">
             <a:extLst>
               <a:ext uri="{28A0092B-C50C-407E-A947-70E740481C1C}">
                 <a14:useLocalDpi xmlns:a14="http://schemas.microsoft.com/office/drawing/2010/main" val="0"/>
@@ -18905,7 +19338,7 @@
           <a:effectLst/>
           <a:extLst>
             <a:ext uri="{AF507438-7753-43e0-B8FC-AC1667EBCBE1}">
-              <a14:hiddenEffects xmlns:a14="http://schemas.microsoft.com/office/drawing/2010/main" xmlns="">
+              <a14:hiddenEffects xmlns="" xmlns:a14="http://schemas.microsoft.com/office/drawing/2010/main">
                 <a:effectLst>
                   <a:outerShdw dist="35921" dir="2700000" algn="ctr" rotWithShape="0">
                     <a:schemeClr val="bg2"/>
@@ -19031,7 +19464,7 @@
             <p:nvPr/>
           </p:nvPicPr>
           <p:blipFill>
-            <a:blip r:embed="rId2" cstate="print">
+            <a:blip r:embed="rId3" cstate="print">
               <a:extLst>
                 <a:ext uri="{28A0092B-C50C-407E-A947-70E740481C1C}">
                   <a14:useLocalDpi xmlns:a14="http://schemas.microsoft.com/office/drawing/2010/main" val="0"/>
@@ -19087,7 +19520,7 @@
               <p:nvPr/>
             </p:nvPicPr>
             <p:blipFill>
-              <a:blip r:embed="rId3">
+              <a:blip r:embed="rId4">
                 <a:extLst>
                   <a:ext uri="{28A0092B-C50C-407E-A947-70E740481C1C}">
                     <a14:useLocalDpi xmlns:a14="http://schemas.microsoft.com/office/drawing/2010/main" val="0"/>
@@ -19233,7 +19666,7 @@
                     <a:avLst/>
                   </a:prstGeom>
                   <a:blipFill>
-                    <a:blip r:embed="rId4"/>
+                    <a:blip r:embed="rId5"/>
                     <a:stretch>
                       <a:fillRect l="-2857" b="-30000"/>
                     </a:stretch>
@@ -19321,8 +19754,8 @@
           </p:sp>
         </p:grpSp>
       </p:grpSp>
-      <mc:AlternateContent xmlns:mc="http://schemas.openxmlformats.org/markup-compatibility/2006" xmlns:a14="http://schemas.microsoft.com/office/drawing/2010/main">
-        <mc:Choice Requires="a14">
+      <mc:AlternateContent xmlns:mc="http://schemas.openxmlformats.org/markup-compatibility/2006">
+        <mc:Choice xmlns:a14="http://schemas.microsoft.com/office/drawing/2010/main" Requires="a14">
           <p:sp>
             <p:nvSpPr>
               <p:cNvPr id="11" name="TextBox 10">
@@ -19338,7 +19771,7 @@
             <p:spPr>
               <a:xfrm>
                 <a:off x="5652120" y="779562"/>
-                <a:ext cx="3430322" cy="2907912"/>
+                <a:ext cx="3430322" cy="2925481"/>
               </a:xfrm>
               <a:prstGeom prst="rect">
                 <a:avLst/>
@@ -19371,7 +19804,57 @@
                 </a:pPr>
                 <a:r>
                   <a:rPr lang="en-US" sz="1200" dirty="0"/>
-                  <a:t>In case, the flood defense water level is </a:t>
+                  <a:t>In case, the flood defense water level</a:t>
+                </a:r>
+                <a:r>
+                  <a:rPr lang="en-US" sz="1200" b="1" dirty="0">
+                    <a:solidFill>
+                      <a:srgbClr val="004D95"/>
+                    </a:solidFill>
+                  </a:rPr>
+                  <a:t> </a:t>
+                </a:r>
+                <a14:m>
+                  <m:oMath xmlns:m="http://schemas.openxmlformats.org/officeDocument/2006/math">
+                    <m:sSub>
+                      <m:sSubPr>
+                        <m:ctrlPr>
+                          <a:rPr lang="en-US" sz="1200" b="1" i="1">
+                            <a:solidFill>
+                              <a:srgbClr val="004D95"/>
+                            </a:solidFill>
+                            <a:latin typeface="Cambria Math" panose="02040503050406030204" pitchFamily="18" charset="0"/>
+                          </a:rPr>
+                        </m:ctrlPr>
+                      </m:sSubPr>
+                      <m:e>
+                        <m:r>
+                          <a:rPr lang="en-US" sz="1200" b="1" i="1">
+                            <a:solidFill>
+                              <a:srgbClr val="004D95"/>
+                            </a:solidFill>
+                            <a:latin typeface="Cambria Math" panose="02040503050406030204" pitchFamily="18" charset="0"/>
+                          </a:rPr>
+                          <m:t>𝑯</m:t>
+                        </m:r>
+                      </m:e>
+                      <m:sub>
+                        <m:r>
+                          <a:rPr lang="en-US" sz="1200" b="1" i="1">
+                            <a:solidFill>
+                              <a:srgbClr val="004D95"/>
+                            </a:solidFill>
+                            <a:latin typeface="Cambria Math" panose="02040503050406030204" pitchFamily="18" charset="0"/>
+                          </a:rPr>
+                          <m:t>𝒅𝒆𝒇𝒆𝒏𝒔𝒆</m:t>
+                        </m:r>
+                      </m:sub>
+                    </m:sSub>
+                  </m:oMath>
+                </a14:m>
+                <a:r>
+                  <a:rPr lang="en-US" sz="1200" dirty="0"/>
+                  <a:t> is </a:t>
                 </a:r>
                 <a:r>
                   <a:rPr lang="en-US" sz="1200" b="1" dirty="0">
@@ -19475,7 +19958,7 @@
                 </a14:m>
                 <a:r>
                   <a:rPr lang="en-US" sz="1200" dirty="0"/>
-                  <a:t> which could maintain the mean annual expected economic loss </a:t>
+                  <a:t> which could keep the mean annual expected economic loss </a:t>
                 </a:r>
                 <a:r>
                   <a:rPr lang="en-US" sz="1200" dirty="0">
@@ -19493,7 +19976,7 @@
             </p:txBody>
           </p:sp>
         </mc:Choice>
-        <mc:Fallback xmlns="">
+        <mc:Fallback>
           <p:sp>
             <p:nvSpPr>
               <p:cNvPr id="11" name="TextBox 10">
@@ -19511,15 +19994,15 @@
             <p:spPr>
               <a:xfrm>
                 <a:off x="5652120" y="779562"/>
-                <a:ext cx="3430322" cy="2907912"/>
+                <a:ext cx="3430322" cy="2925481"/>
               </a:xfrm>
               <a:prstGeom prst="rect">
                 <a:avLst/>
               </a:prstGeom>
               <a:blipFill>
-                <a:blip r:embed="rId5"/>
+                <a:blip r:embed="rId6"/>
                 <a:stretch>
-                  <a:fillRect l="-533" t="-419" r="-1066" b="-629"/>
+                  <a:fillRect l="-533" t="-417" r="-1066" b="-625"/>
                 </a:stretch>
               </a:blipFill>
             </p:spPr>
@@ -19573,7 +20056,7 @@
             <p:nvPr/>
           </p:nvPicPr>
           <p:blipFill>
-            <a:blip r:embed="rId6"/>
+            <a:blip r:embed="rId7"/>
             <a:stretch>
               <a:fillRect/>
             </a:stretch>
@@ -19906,7 +20389,7 @@
                   <a:avLst/>
                 </a:prstGeom>
                 <a:blipFill>
-                  <a:blip r:embed="rId7"/>
+                  <a:blip r:embed="rId8"/>
                   <a:stretch>
                     <a:fillRect l="-140" t="-704" b="-4225"/>
                   </a:stretch>
@@ -20299,7 +20782,7 @@
           <a:effectLst/>
           <a:extLst>
             <a:ext uri="{AF507438-7753-43e0-B8FC-AC1667EBCBE1}">
-              <a14:hiddenEffects xmlns:a14="http://schemas.microsoft.com/office/drawing/2010/main" xmlns="">
+              <a14:hiddenEffects xmlns="" xmlns:a14="http://schemas.microsoft.com/office/drawing/2010/main">
                 <a:effectLst>
                   <a:outerShdw dist="35921" dir="2700000" algn="ctr" rotWithShape="0">
                     <a:schemeClr val="bg2"/>
@@ -20455,7 +20938,7 @@
           <a:effectLst/>
           <a:extLst>
             <a:ext uri="{AF507438-7753-43e0-B8FC-AC1667EBCBE1}">
-              <a14:hiddenEffects xmlns:a14="http://schemas.microsoft.com/office/drawing/2010/main" xmlns="">
+              <a14:hiddenEffects xmlns="" xmlns:a14="http://schemas.microsoft.com/office/drawing/2010/main">
                 <a:effectLst>
                   <a:outerShdw dist="35921" dir="2700000" algn="ctr" rotWithShape="0">
                     <a:schemeClr val="bg2"/>
@@ -20890,7 +21373,7 @@
             <a:effectLst/>
             <a:extLst>
               <a:ext uri="{AF507438-7753-43e0-B8FC-AC1667EBCBE1}">
-                <a14:hiddenEffects xmlns:a14="http://schemas.microsoft.com/office/drawing/2010/main" xmlns="">
+                <a14:hiddenEffects xmlns="" xmlns:a14="http://schemas.microsoft.com/office/drawing/2010/main">
                   <a:effectLst>
                     <a:outerShdw dist="35921" dir="2700000" algn="ctr" rotWithShape="0">
                       <a:schemeClr val="bg2"/>
@@ -20976,7 +21459,7 @@
             <a:effectLst/>
             <a:extLst>
               <a:ext uri="{AF507438-7753-43e0-B8FC-AC1667EBCBE1}">
-                <a14:hiddenEffects xmlns:a14="http://schemas.microsoft.com/office/drawing/2010/main" xmlns="">
+                <a14:hiddenEffects xmlns="" xmlns:a14="http://schemas.microsoft.com/office/drawing/2010/main">
                   <a:effectLst>
                     <a:outerShdw dist="35921" dir="2700000" algn="ctr" rotWithShape="0">
                       <a:schemeClr val="bg2"/>
@@ -21062,7 +21545,7 @@
             <a:effectLst/>
             <a:extLst>
               <a:ext uri="{AF507438-7753-43e0-B8FC-AC1667EBCBE1}">
-                <a14:hiddenEffects xmlns:a14="http://schemas.microsoft.com/office/drawing/2010/main" xmlns="">
+                <a14:hiddenEffects xmlns="" xmlns:a14="http://schemas.microsoft.com/office/drawing/2010/main">
                   <a:effectLst>
                     <a:outerShdw dist="35921" dir="2700000" algn="ctr" rotWithShape="0">
                       <a:schemeClr val="bg2"/>
@@ -21148,7 +21631,7 @@
             <a:effectLst/>
             <a:extLst>
               <a:ext uri="{AF507438-7753-43e0-B8FC-AC1667EBCBE1}">
-                <a14:hiddenEffects xmlns:a14="http://schemas.microsoft.com/office/drawing/2010/main" xmlns="">
+                <a14:hiddenEffects xmlns="" xmlns:a14="http://schemas.microsoft.com/office/drawing/2010/main">
                   <a:effectLst>
                     <a:outerShdw dist="35921" dir="2700000" algn="ctr" rotWithShape="0">
                       <a:schemeClr val="bg2"/>
@@ -21232,7 +21715,7 @@
             <a:effectLst/>
             <a:extLst>
               <a:ext uri="{AF507438-7753-43e0-B8FC-AC1667EBCBE1}">
-                <a14:hiddenEffects xmlns:a14="http://schemas.microsoft.com/office/drawing/2010/main" xmlns="">
+                <a14:hiddenEffects xmlns="" xmlns:a14="http://schemas.microsoft.com/office/drawing/2010/main">
                   <a:effectLst>
                     <a:outerShdw dist="35921" dir="2700000" algn="ctr" rotWithShape="0">
                       <a:schemeClr val="bg2"/>
@@ -21350,7 +21833,7 @@
           <a:effectLst/>
           <a:extLst>
             <a:ext uri="{AF507438-7753-43e0-B8FC-AC1667EBCBE1}">
-              <a14:hiddenEffects xmlns:a14="http://schemas.microsoft.com/office/drawing/2010/main" xmlns="">
+              <a14:hiddenEffects xmlns="" xmlns:a14="http://schemas.microsoft.com/office/drawing/2010/main">
                 <a:effectLst>
                   <a:outerShdw dist="35921" dir="2700000" algn="ctr" rotWithShape="0">
                     <a:schemeClr val="bg2"/>
@@ -21466,7 +21949,7 @@
           <a:effectLst/>
           <a:extLst>
             <a:ext uri="{AF507438-7753-43e0-B8FC-AC1667EBCBE1}">
-              <a14:hiddenEffects xmlns:a14="http://schemas.microsoft.com/office/drawing/2010/main" xmlns="">
+              <a14:hiddenEffects xmlns="" xmlns:a14="http://schemas.microsoft.com/office/drawing/2010/main">
                 <a:effectLst>
                   <a:outerShdw dist="35921" dir="2700000" algn="ctr" rotWithShape="0">
                     <a:schemeClr val="bg2"/>
@@ -21768,7 +22251,7 @@
           <a:effectLst/>
           <a:extLst>
             <a:ext uri="{AF507438-7753-43e0-B8FC-AC1667EBCBE1}">
-              <a14:hiddenEffects xmlns:a14="http://schemas.microsoft.com/office/drawing/2010/main" xmlns="">
+              <a14:hiddenEffects xmlns="" xmlns:a14="http://schemas.microsoft.com/office/drawing/2010/main">
                 <a:effectLst>
                   <a:outerShdw dist="35921" dir="2700000" algn="ctr" rotWithShape="0">
                     <a:schemeClr val="bg2"/>
@@ -22231,7 +22714,7 @@
           <a:effectLst/>
           <a:extLst>
             <a:ext uri="{AF507438-7753-43e0-B8FC-AC1667EBCBE1}">
-              <a14:hiddenEffects xmlns:a14="http://schemas.microsoft.com/office/drawing/2010/main" xmlns="">
+              <a14:hiddenEffects xmlns="" xmlns:a14="http://schemas.microsoft.com/office/drawing/2010/main">
                 <a:effectLst>
                   <a:outerShdw dist="35921" dir="2700000" algn="ctr" rotWithShape="0">
                     <a:schemeClr val="bg2"/>
@@ -23719,7 +24202,7 @@
           <a:effectLst/>
           <a:extLst>
             <a:ext uri="{AF507438-7753-43e0-B8FC-AC1667EBCBE1}">
-              <a14:hiddenEffects xmlns:a14="http://schemas.microsoft.com/office/drawing/2010/main" xmlns="">
+              <a14:hiddenEffects xmlns="" xmlns:a14="http://schemas.microsoft.com/office/drawing/2010/main">
                 <a:effectLst>
                   <a:outerShdw dist="35921" dir="2700000" algn="ctr" rotWithShape="0">
                     <a:schemeClr val="bg2"/>
@@ -24279,7 +24762,7 @@
           <a:effectLst/>
           <a:extLst>
             <a:ext uri="{AF507438-7753-43e0-B8FC-AC1667EBCBE1}">
-              <a14:hiddenEffects xmlns:a14="http://schemas.microsoft.com/office/drawing/2010/main" xmlns="">
+              <a14:hiddenEffects xmlns="" xmlns:a14="http://schemas.microsoft.com/office/drawing/2010/main">
                 <a:effectLst>
                   <a:outerShdw dist="35921" dir="2700000" algn="ctr" rotWithShape="0">
                     <a:schemeClr val="bg2"/>
@@ -24559,7 +25042,7 @@
             <a:effectLst/>
             <a:extLst>
               <a:ext uri="{AF507438-7753-43e0-B8FC-AC1667EBCBE1}">
-                <a14:hiddenEffects xmlns:a14="http://schemas.microsoft.com/office/drawing/2010/main" xmlns="">
+                <a14:hiddenEffects xmlns="" xmlns:a14="http://schemas.microsoft.com/office/drawing/2010/main">
                   <a:effectLst>
                     <a:outerShdw dist="35921" dir="2700000" algn="ctr" rotWithShape="0">
                       <a:schemeClr val="bg2"/>
@@ -24689,7 +25172,7 @@
             <a:effectLst/>
             <a:extLst>
               <a:ext uri="{AF507438-7753-43e0-B8FC-AC1667EBCBE1}">
-                <a14:hiddenEffects xmlns:a14="http://schemas.microsoft.com/office/drawing/2010/main" xmlns="">
+                <a14:hiddenEffects xmlns="" xmlns:a14="http://schemas.microsoft.com/office/drawing/2010/main">
                   <a:effectLst>
                     <a:outerShdw dist="35921" dir="2700000" algn="ctr" rotWithShape="0">
                       <a:schemeClr val="bg2"/>
@@ -24919,7 +25402,7 @@
           <a:effectLst/>
           <a:extLst>
             <a:ext uri="{AF507438-7753-43e0-B8FC-AC1667EBCBE1}">
-              <a14:hiddenEffects xmlns:a14="http://schemas.microsoft.com/office/drawing/2010/main" xmlns="">
+              <a14:hiddenEffects xmlns="" xmlns:a14="http://schemas.microsoft.com/office/drawing/2010/main">
                 <a:effectLst>
                   <a:outerShdw dist="35921" dir="2700000" algn="ctr" rotWithShape="0">
                     <a:schemeClr val="bg2"/>
@@ -25621,7 +26104,7 @@
         <a:effectLst/>
         <a:extLst>
           <a:ext uri="{AF507438-7753-43e0-B8FC-AC1667EBCBE1}">
-            <a14:hiddenEffects xmlns:a14="http://schemas.microsoft.com/office/drawing/2010/main" xmlns="">
+            <a14:hiddenEffects xmlns="" xmlns:a14="http://schemas.microsoft.com/office/drawing/2010/main">
               <a:effectLst>
                 <a:outerShdw dist="35921" dir="2700000" algn="ctr" rotWithShape="0">
                   <a:schemeClr val="bg2"/>
@@ -25695,7 +26178,7 @@
         <a:effectLst/>
         <a:extLst>
           <a:ext uri="{AF507438-7753-43e0-B8FC-AC1667EBCBE1}">
-            <a14:hiddenEffects xmlns:a14="http://schemas.microsoft.com/office/drawing/2010/main" xmlns="">
+            <a14:hiddenEffects xmlns="" xmlns:a14="http://schemas.microsoft.com/office/drawing/2010/main">
               <a:effectLst>
                 <a:outerShdw dist="35921" dir="2700000" algn="ctr" rotWithShape="0">
                   <a:schemeClr val="bg2"/>

--- a/slides/FRS_exercise_R.pptx
+++ b/slides/FRS_exercise_R.pptx
@@ -5855,7 +5855,7 @@
           <a:effectLst/>
           <a:extLst>
             <a:ext uri="{AF507438-7753-43e0-B8FC-AC1667EBCBE1}">
-              <a14:hiddenEffects xmlns="" xmlns:a14="http://schemas.microsoft.com/office/drawing/2010/main">
+              <a14:hiddenEffects xmlns:a14="http://schemas.microsoft.com/office/drawing/2010/main" xmlns="">
                 <a:effectLst>
                   <a:outerShdw dist="35921" dir="2700000" algn="ctr" rotWithShape="0">
                     <a:schemeClr val="bg2"/>
@@ -6324,7 +6324,7 @@
           <a:effectLst/>
           <a:extLst>
             <a:ext uri="{AF507438-7753-43e0-B8FC-AC1667EBCBE1}">
-              <a14:hiddenEffects xmlns="" xmlns:a14="http://schemas.microsoft.com/office/drawing/2010/main">
+              <a14:hiddenEffects xmlns:a14="http://schemas.microsoft.com/office/drawing/2010/main" xmlns="">
                 <a:effectLst>
                   <a:outerShdw dist="35921" dir="2700000" algn="ctr" rotWithShape="0">
                     <a:schemeClr val="bg2"/>
@@ -7027,7 +7027,7 @@
             <a:effectLst/>
             <a:extLst>
               <a:ext uri="{AF507438-7753-43e0-B8FC-AC1667EBCBE1}">
-                <a14:hiddenEffects xmlns="" xmlns:a14="http://schemas.microsoft.com/office/drawing/2010/main">
+                <a14:hiddenEffects xmlns:a14="http://schemas.microsoft.com/office/drawing/2010/main" xmlns="">
                   <a:effectLst>
                     <a:outerShdw dist="35921" dir="2700000" algn="ctr" rotWithShape="0">
                       <a:schemeClr val="bg2"/>
@@ -7108,7 +7108,7 @@
             <a:effectLst/>
             <a:extLst>
               <a:ext uri="{AF507438-7753-43e0-B8FC-AC1667EBCBE1}">
-                <a14:hiddenEffects xmlns="" xmlns:a14="http://schemas.microsoft.com/office/drawing/2010/main">
+                <a14:hiddenEffects xmlns:a14="http://schemas.microsoft.com/office/drawing/2010/main" xmlns="">
                   <a:effectLst>
                     <a:outerShdw dist="35921" dir="2700000" algn="ctr" rotWithShape="0">
                       <a:schemeClr val="bg2"/>
@@ -7189,7 +7189,7 @@
             <a:effectLst/>
             <a:extLst>
               <a:ext uri="{AF507438-7753-43e0-B8FC-AC1667EBCBE1}">
-                <a14:hiddenEffects xmlns="" xmlns:a14="http://schemas.microsoft.com/office/drawing/2010/main">
+                <a14:hiddenEffects xmlns:a14="http://schemas.microsoft.com/office/drawing/2010/main" xmlns="">
                   <a:effectLst>
                     <a:outerShdw dist="35921" dir="2700000" algn="ctr" rotWithShape="0">
                       <a:schemeClr val="bg2"/>
@@ -7270,7 +7270,7 @@
             <a:effectLst/>
             <a:extLst>
               <a:ext uri="{AF507438-7753-43e0-B8FC-AC1667EBCBE1}">
-                <a14:hiddenEffects xmlns="" xmlns:a14="http://schemas.microsoft.com/office/drawing/2010/main">
+                <a14:hiddenEffects xmlns:a14="http://schemas.microsoft.com/office/drawing/2010/main" xmlns="">
                   <a:effectLst>
                     <a:outerShdw dist="35921" dir="2700000" algn="ctr" rotWithShape="0">
                       <a:schemeClr val="bg2"/>
@@ -7508,7 +7508,7 @@
             <a:effectLst/>
             <a:extLst>
               <a:ext uri="{AF507438-7753-43e0-B8FC-AC1667EBCBE1}">
-                <a14:hiddenEffects xmlns="" xmlns:a14="http://schemas.microsoft.com/office/drawing/2010/main">
+                <a14:hiddenEffects xmlns:a14="http://schemas.microsoft.com/office/drawing/2010/main" xmlns="">
                   <a:effectLst>
                     <a:outerShdw dist="35921" dir="2700000" algn="ctr" rotWithShape="0">
                       <a:schemeClr val="bg2"/>
@@ -7589,7 +7589,7 @@
             <a:effectLst/>
             <a:extLst>
               <a:ext uri="{AF507438-7753-43e0-B8FC-AC1667EBCBE1}">
-                <a14:hiddenEffects xmlns="" xmlns:a14="http://schemas.microsoft.com/office/drawing/2010/main">
+                <a14:hiddenEffects xmlns:a14="http://schemas.microsoft.com/office/drawing/2010/main" xmlns="">
                   <a:effectLst>
                     <a:outerShdw dist="35921" dir="2700000" algn="ctr" rotWithShape="0">
                       <a:schemeClr val="bg2"/>
@@ -7670,7 +7670,7 @@
             <a:effectLst/>
             <a:extLst>
               <a:ext uri="{AF507438-7753-43e0-B8FC-AC1667EBCBE1}">
-                <a14:hiddenEffects xmlns="" xmlns:a14="http://schemas.microsoft.com/office/drawing/2010/main">
+                <a14:hiddenEffects xmlns:a14="http://schemas.microsoft.com/office/drawing/2010/main" xmlns="">
                   <a:effectLst>
                     <a:outerShdw dist="35921" dir="2700000" algn="ctr" rotWithShape="0">
                       <a:schemeClr val="bg2"/>
@@ -7751,7 +7751,7 @@
             <a:effectLst/>
             <a:extLst>
               <a:ext uri="{AF507438-7753-43e0-B8FC-AC1667EBCBE1}">
-                <a14:hiddenEffects xmlns="" xmlns:a14="http://schemas.microsoft.com/office/drawing/2010/main">
+                <a14:hiddenEffects xmlns:a14="http://schemas.microsoft.com/office/drawing/2010/main" xmlns="">
                   <a:effectLst>
                     <a:outerShdw dist="35921" dir="2700000" algn="ctr" rotWithShape="0">
                       <a:schemeClr val="bg2"/>
@@ -7855,7 +7855,7 @@
             <a:effectLst/>
             <a:extLst>
               <a:ext uri="{AF507438-7753-43e0-B8FC-AC1667EBCBE1}">
-                <a14:hiddenEffects xmlns="" xmlns:a14="http://schemas.microsoft.com/office/drawing/2010/main">
+                <a14:hiddenEffects xmlns:a14="http://schemas.microsoft.com/office/drawing/2010/main" xmlns="">
                   <a:effectLst>
                     <a:outerShdw dist="35921" dir="2700000" algn="ctr" rotWithShape="0">
                       <a:schemeClr val="bg2"/>
@@ -7901,7 +7901,7 @@
             <a:effectLst/>
             <a:extLst>
               <a:ext uri="{AF507438-7753-43e0-B8FC-AC1667EBCBE1}">
-                <a14:hiddenEffects xmlns="" xmlns:a14="http://schemas.microsoft.com/office/drawing/2010/main">
+                <a14:hiddenEffects xmlns:a14="http://schemas.microsoft.com/office/drawing/2010/main" xmlns="">
                   <a:effectLst>
                     <a:outerShdw dist="35921" dir="2700000" algn="ctr" rotWithShape="0">
                       <a:schemeClr val="bg2"/>
@@ -7947,7 +7947,7 @@
             <a:effectLst/>
             <a:extLst>
               <a:ext uri="{AF507438-7753-43e0-B8FC-AC1667EBCBE1}">
-                <a14:hiddenEffects xmlns="" xmlns:a14="http://schemas.microsoft.com/office/drawing/2010/main">
+                <a14:hiddenEffects xmlns:a14="http://schemas.microsoft.com/office/drawing/2010/main" xmlns="">
                   <a:effectLst>
                     <a:outerShdw dist="35921" dir="2700000" algn="ctr" rotWithShape="0">
                       <a:schemeClr val="bg2"/>
@@ -7993,7 +7993,7 @@
             <a:effectLst/>
             <a:extLst>
               <a:ext uri="{AF507438-7753-43e0-B8FC-AC1667EBCBE1}">
-                <a14:hiddenEffects xmlns="" xmlns:a14="http://schemas.microsoft.com/office/drawing/2010/main">
+                <a14:hiddenEffects xmlns:a14="http://schemas.microsoft.com/office/drawing/2010/main" xmlns="">
                   <a:effectLst>
                     <a:outerShdw dist="35921" dir="2700000" algn="ctr" rotWithShape="0">
                       <a:schemeClr val="bg2"/>
@@ -8729,7 +8729,7 @@
           <a:effectLst/>
           <a:extLst>
             <a:ext uri="{AF507438-7753-43e0-B8FC-AC1667EBCBE1}">
-              <a14:hiddenEffects xmlns="" xmlns:a14="http://schemas.microsoft.com/office/drawing/2010/main">
+              <a14:hiddenEffects xmlns:a14="http://schemas.microsoft.com/office/drawing/2010/main" xmlns="">
                 <a:effectLst>
                   <a:outerShdw dist="35921" dir="2700000" algn="ctr" rotWithShape="0">
                     <a:schemeClr val="bg2"/>
@@ -9050,7 +9050,7 @@
           <a:effectLst/>
           <a:extLst>
             <a:ext uri="{AF507438-7753-43e0-B8FC-AC1667EBCBE1}">
-              <a14:hiddenEffects xmlns="" xmlns:a14="http://schemas.microsoft.com/office/drawing/2010/main">
+              <a14:hiddenEffects xmlns:a14="http://schemas.microsoft.com/office/drawing/2010/main" xmlns="">
                 <a:effectLst>
                   <a:outerShdw dist="35921" dir="2700000" algn="ctr" rotWithShape="0">
                     <a:schemeClr val="bg2"/>
@@ -9394,7 +9394,7 @@
           <a:effectLst/>
           <a:extLst>
             <a:ext uri="{AF507438-7753-43e0-B8FC-AC1667EBCBE1}">
-              <a14:hiddenEffects xmlns="" xmlns:a14="http://schemas.microsoft.com/office/drawing/2010/main">
+              <a14:hiddenEffects xmlns:a14="http://schemas.microsoft.com/office/drawing/2010/main" xmlns="">
                 <a:effectLst>
                   <a:outerShdw dist="35921" dir="2700000" algn="ctr" rotWithShape="0">
                     <a:schemeClr val="bg2"/>
@@ -9575,7 +9575,7 @@
           <a:effectLst/>
           <a:extLst>
             <a:ext uri="{AF507438-7753-43e0-B8FC-AC1667EBCBE1}">
-              <a14:hiddenEffects xmlns="" xmlns:a14="http://schemas.microsoft.com/office/drawing/2010/main">
+              <a14:hiddenEffects xmlns:a14="http://schemas.microsoft.com/office/drawing/2010/main" xmlns="">
                 <a:effectLst>
                   <a:outerShdw dist="35921" dir="2700000" algn="ctr" rotWithShape="0">
                     <a:schemeClr val="bg2"/>
@@ -9724,7 +9724,7 @@
             <a:effectLst/>
             <a:extLst>
               <a:ext uri="{AF507438-7753-43e0-B8FC-AC1667EBCBE1}">
-                <a14:hiddenEffects xmlns="" xmlns:a14="http://schemas.microsoft.com/office/drawing/2010/main">
+                <a14:hiddenEffects xmlns:a14="http://schemas.microsoft.com/office/drawing/2010/main" xmlns="">
                   <a:effectLst>
                     <a:outerShdw dist="35921" dir="2700000" algn="ctr" rotWithShape="0">
                       <a:schemeClr val="bg2"/>
@@ -9812,7 +9812,7 @@
             <a:effectLst/>
             <a:extLst>
               <a:ext uri="{AF507438-7753-43e0-B8FC-AC1667EBCBE1}">
-                <a14:hiddenEffects xmlns="" xmlns:a14="http://schemas.microsoft.com/office/drawing/2010/main">
+                <a14:hiddenEffects xmlns:a14="http://schemas.microsoft.com/office/drawing/2010/main" xmlns="">
                   <a:effectLst>
                     <a:outerShdw dist="35921" dir="2700000" algn="ctr" rotWithShape="0">
                       <a:schemeClr val="bg2"/>
@@ -9907,7 +9907,7 @@
             <a:effectLst/>
             <a:extLst>
               <a:ext uri="{AF507438-7753-43e0-B8FC-AC1667EBCBE1}">
-                <a14:hiddenEffects xmlns="" xmlns:a14="http://schemas.microsoft.com/office/drawing/2010/main">
+                <a14:hiddenEffects xmlns:a14="http://schemas.microsoft.com/office/drawing/2010/main" xmlns="">
                   <a:effectLst>
                     <a:outerShdw dist="35921" dir="2700000" algn="ctr" rotWithShape="0">
                       <a:schemeClr val="bg2"/>
@@ -9995,7 +9995,7 @@
             <a:effectLst/>
             <a:extLst>
               <a:ext uri="{AF507438-7753-43e0-B8FC-AC1667EBCBE1}">
-                <a14:hiddenEffects xmlns="" xmlns:a14="http://schemas.microsoft.com/office/drawing/2010/main">
+                <a14:hiddenEffects xmlns:a14="http://schemas.microsoft.com/office/drawing/2010/main" xmlns="">
                   <a:effectLst>
                     <a:outerShdw dist="35921" dir="2700000" algn="ctr" rotWithShape="0">
                       <a:schemeClr val="bg2"/>
@@ -10083,7 +10083,7 @@
             <a:effectLst/>
             <a:extLst>
               <a:ext uri="{AF507438-7753-43e0-B8FC-AC1667EBCBE1}">
-                <a14:hiddenEffects xmlns="" xmlns:a14="http://schemas.microsoft.com/office/drawing/2010/main">
+                <a14:hiddenEffects xmlns:a14="http://schemas.microsoft.com/office/drawing/2010/main" xmlns="">
                   <a:effectLst>
                     <a:outerShdw dist="35921" dir="2700000" algn="ctr" rotWithShape="0">
                       <a:schemeClr val="bg2"/>
@@ -10171,7 +10171,7 @@
             <a:effectLst/>
             <a:extLst>
               <a:ext uri="{AF507438-7753-43e0-B8FC-AC1667EBCBE1}">
-                <a14:hiddenEffects xmlns="" xmlns:a14="http://schemas.microsoft.com/office/drawing/2010/main">
+                <a14:hiddenEffects xmlns:a14="http://schemas.microsoft.com/office/drawing/2010/main" xmlns="">
                   <a:effectLst>
                     <a:outerShdw dist="35921" dir="2700000" algn="ctr" rotWithShape="0">
                       <a:schemeClr val="bg2"/>
@@ -10259,7 +10259,7 @@
             <a:effectLst/>
             <a:extLst>
               <a:ext uri="{AF507438-7753-43e0-B8FC-AC1667EBCBE1}">
-                <a14:hiddenEffects xmlns="" xmlns:a14="http://schemas.microsoft.com/office/drawing/2010/main">
+                <a14:hiddenEffects xmlns:a14="http://schemas.microsoft.com/office/drawing/2010/main" xmlns="">
                   <a:effectLst>
                     <a:outerShdw dist="35921" dir="2700000" algn="ctr" rotWithShape="0">
                       <a:schemeClr val="bg2"/>
@@ -10347,7 +10347,7 @@
             <a:effectLst/>
             <a:extLst>
               <a:ext uri="{AF507438-7753-43e0-B8FC-AC1667EBCBE1}">
-                <a14:hiddenEffects xmlns="" xmlns:a14="http://schemas.microsoft.com/office/drawing/2010/main">
+                <a14:hiddenEffects xmlns:a14="http://schemas.microsoft.com/office/drawing/2010/main" xmlns="">
                   <a:effectLst>
                     <a:outerShdw dist="35921" dir="2700000" algn="ctr" rotWithShape="0">
                       <a:schemeClr val="bg2"/>
@@ -10435,7 +10435,7 @@
             <a:effectLst/>
             <a:extLst>
               <a:ext uri="{AF507438-7753-43e0-B8FC-AC1667EBCBE1}">
-                <a14:hiddenEffects xmlns="" xmlns:a14="http://schemas.microsoft.com/office/drawing/2010/main">
+                <a14:hiddenEffects xmlns:a14="http://schemas.microsoft.com/office/drawing/2010/main" xmlns="">
                   <a:effectLst>
                     <a:outerShdw dist="35921" dir="2700000" algn="ctr" rotWithShape="0">
                       <a:schemeClr val="bg2"/>
@@ -10532,7 +10532,7 @@
             <a:effectLst/>
             <a:extLst>
               <a:ext uri="{AF507438-7753-43e0-B8FC-AC1667EBCBE1}">
-                <a14:hiddenEffects xmlns="" xmlns:a14="http://schemas.microsoft.com/office/drawing/2010/main">
+                <a14:hiddenEffects xmlns:a14="http://schemas.microsoft.com/office/drawing/2010/main" xmlns="">
                   <a:effectLst>
                     <a:outerShdw dist="35921" dir="2700000" algn="ctr" rotWithShape="0">
                       <a:schemeClr val="bg2"/>
@@ -10583,7 +10583,7 @@
             <a:effectLst/>
             <a:extLst>
               <a:ext uri="{AF507438-7753-43e0-B8FC-AC1667EBCBE1}">
-                <a14:hiddenEffects xmlns="" xmlns:a14="http://schemas.microsoft.com/office/drawing/2010/main">
+                <a14:hiddenEffects xmlns:a14="http://schemas.microsoft.com/office/drawing/2010/main" xmlns="">
                   <a:effectLst>
                     <a:outerShdw dist="35921" dir="2700000" algn="ctr" rotWithShape="0">
                       <a:schemeClr val="bg2"/>
@@ -10633,7 +10633,7 @@
             <a:effectLst/>
             <a:extLst>
               <a:ext uri="{AF507438-7753-43e0-B8FC-AC1667EBCBE1}">
-                <a14:hiddenEffects xmlns="" xmlns:a14="http://schemas.microsoft.com/office/drawing/2010/main">
+                <a14:hiddenEffects xmlns:a14="http://schemas.microsoft.com/office/drawing/2010/main" xmlns="">
                   <a:effectLst>
                     <a:outerShdw dist="35921" dir="2700000" algn="ctr" rotWithShape="0">
                       <a:schemeClr val="bg2"/>
@@ -10681,7 +10681,7 @@
             <a:effectLst/>
             <a:extLst>
               <a:ext uri="{AF507438-7753-43e0-B8FC-AC1667EBCBE1}">
-                <a14:hiddenEffects xmlns="" xmlns:a14="http://schemas.microsoft.com/office/drawing/2010/main">
+                <a14:hiddenEffects xmlns:a14="http://schemas.microsoft.com/office/drawing/2010/main" xmlns="">
                   <a:effectLst>
                     <a:outerShdw dist="35921" dir="2700000" algn="ctr" rotWithShape="0">
                       <a:schemeClr val="bg2"/>
@@ -10766,7 +10766,7 @@
             <a:effectLst/>
             <a:extLst>
               <a:ext uri="{AF507438-7753-43e0-B8FC-AC1667EBCBE1}">
-                <a14:hiddenEffects xmlns="" xmlns:a14="http://schemas.microsoft.com/office/drawing/2010/main">
+                <a14:hiddenEffects xmlns:a14="http://schemas.microsoft.com/office/drawing/2010/main" xmlns="">
                   <a:effectLst>
                     <a:outerShdw dist="35921" dir="2700000" algn="ctr" rotWithShape="0">
                       <a:schemeClr val="bg2"/>
@@ -10812,7 +10812,7 @@
             <a:effectLst/>
             <a:extLst>
               <a:ext uri="{AF507438-7753-43e0-B8FC-AC1667EBCBE1}">
-                <a14:hiddenEffects xmlns="" xmlns:a14="http://schemas.microsoft.com/office/drawing/2010/main">
+                <a14:hiddenEffects xmlns:a14="http://schemas.microsoft.com/office/drawing/2010/main" xmlns="">
                   <a:effectLst>
                     <a:outerShdw dist="35921" dir="2700000" algn="ctr" rotWithShape="0">
                       <a:schemeClr val="bg2"/>
@@ -10863,7 +10863,7 @@
             <a:effectLst/>
             <a:extLst>
               <a:ext uri="{AF507438-7753-43e0-B8FC-AC1667EBCBE1}">
-                <a14:hiddenEffects xmlns="" xmlns:a14="http://schemas.microsoft.com/office/drawing/2010/main">
+                <a14:hiddenEffects xmlns:a14="http://schemas.microsoft.com/office/drawing/2010/main" xmlns="">
                   <a:effectLst>
                     <a:outerShdw dist="35921" dir="2700000" algn="ctr" rotWithShape="0">
                       <a:schemeClr val="bg2"/>
@@ -10911,7 +10911,7 @@
             <a:effectLst/>
             <a:extLst>
               <a:ext uri="{AF507438-7753-43e0-B8FC-AC1667EBCBE1}">
-                <a14:hiddenEffects xmlns="" xmlns:a14="http://schemas.microsoft.com/office/drawing/2010/main">
+                <a14:hiddenEffects xmlns:a14="http://schemas.microsoft.com/office/drawing/2010/main" xmlns="">
                   <a:effectLst>
                     <a:outerShdw dist="35921" dir="2700000" algn="ctr" rotWithShape="0">
                       <a:schemeClr val="bg2"/>
@@ -10961,7 +10961,7 @@
             <a:effectLst/>
             <a:extLst>
               <a:ext uri="{AF507438-7753-43e0-B8FC-AC1667EBCBE1}">
-                <a14:hiddenEffects xmlns="" xmlns:a14="http://schemas.microsoft.com/office/drawing/2010/main">
+                <a14:hiddenEffects xmlns:a14="http://schemas.microsoft.com/office/drawing/2010/main" xmlns="">
                   <a:effectLst>
                     <a:outerShdw dist="35921" dir="2700000" algn="ctr" rotWithShape="0">
                       <a:schemeClr val="bg2"/>
@@ -11011,7 +11011,7 @@
             <a:effectLst/>
             <a:extLst>
               <a:ext uri="{AF507438-7753-43e0-B8FC-AC1667EBCBE1}">
-                <a14:hiddenEffects xmlns="" xmlns:a14="http://schemas.microsoft.com/office/drawing/2010/main">
+                <a14:hiddenEffects xmlns:a14="http://schemas.microsoft.com/office/drawing/2010/main" xmlns="">
                   <a:effectLst>
                     <a:outerShdw dist="35921" dir="2700000" algn="ctr" rotWithShape="0">
                       <a:schemeClr val="bg2"/>
@@ -11059,7 +11059,7 @@
             <a:effectLst/>
             <a:extLst>
               <a:ext uri="{AF507438-7753-43e0-B8FC-AC1667EBCBE1}">
-                <a14:hiddenEffects xmlns="" xmlns:a14="http://schemas.microsoft.com/office/drawing/2010/main">
+                <a14:hiddenEffects xmlns:a14="http://schemas.microsoft.com/office/drawing/2010/main" xmlns="">
                   <a:effectLst>
                     <a:outerShdw dist="35921" dir="2700000" algn="ctr" rotWithShape="0">
                       <a:schemeClr val="bg2"/>
@@ -11156,7 +11156,7 @@
             <a:effectLst/>
             <a:extLst>
               <a:ext uri="{AF507438-7753-43e0-B8FC-AC1667EBCBE1}">
-                <a14:hiddenEffects xmlns="" xmlns:a14="http://schemas.microsoft.com/office/drawing/2010/main">
+                <a14:hiddenEffects xmlns:a14="http://schemas.microsoft.com/office/drawing/2010/main" xmlns="">
                   <a:effectLst>
                     <a:outerShdw dist="35921" dir="2700000" algn="ctr" rotWithShape="0">
                       <a:schemeClr val="bg2"/>
@@ -11207,7 +11207,7 @@
             <a:effectLst/>
             <a:extLst>
               <a:ext uri="{AF507438-7753-43e0-B8FC-AC1667EBCBE1}">
-                <a14:hiddenEffects xmlns="" xmlns:a14="http://schemas.microsoft.com/office/drawing/2010/main">
+                <a14:hiddenEffects xmlns:a14="http://schemas.microsoft.com/office/drawing/2010/main" xmlns="">
                   <a:effectLst>
                     <a:outerShdw dist="35921" dir="2700000" algn="ctr" rotWithShape="0">
                       <a:schemeClr val="bg2"/>
@@ -11257,7 +11257,7 @@
             <a:effectLst/>
             <a:extLst>
               <a:ext uri="{AF507438-7753-43e0-B8FC-AC1667EBCBE1}">
-                <a14:hiddenEffects xmlns="" xmlns:a14="http://schemas.microsoft.com/office/drawing/2010/main">
+                <a14:hiddenEffects xmlns:a14="http://schemas.microsoft.com/office/drawing/2010/main" xmlns="">
                   <a:effectLst>
                     <a:outerShdw dist="35921" dir="2700000" algn="ctr" rotWithShape="0">
                       <a:schemeClr val="bg2"/>
@@ -11334,7 +11334,7 @@
           <a:effectLst/>
           <a:extLst>
             <a:ext uri="{AF507438-7753-43e0-B8FC-AC1667EBCBE1}">
-              <a14:hiddenEffects xmlns="" xmlns:a14="http://schemas.microsoft.com/office/drawing/2010/main">
+              <a14:hiddenEffects xmlns:a14="http://schemas.microsoft.com/office/drawing/2010/main" xmlns="">
                 <a:effectLst>
                   <a:outerShdw dist="35921" dir="2700000" algn="ctr" rotWithShape="0">
                     <a:schemeClr val="bg2"/>
@@ -11651,7 +11651,7 @@
           <a:effectLst/>
           <a:extLst>
             <a:ext uri="{AF507438-7753-43e0-B8FC-AC1667EBCBE1}">
-              <a14:hiddenEffects xmlns="" xmlns:a14="http://schemas.microsoft.com/office/drawing/2010/main">
+              <a14:hiddenEffects xmlns:a14="http://schemas.microsoft.com/office/drawing/2010/main" xmlns="">
                 <a:effectLst>
                   <a:outerShdw dist="35921" dir="2700000" algn="ctr" rotWithShape="0">
                     <a:schemeClr val="bg2"/>
@@ -12744,7 +12744,7 @@
           <a:effectLst/>
           <a:extLst>
             <a:ext uri="{AF507438-7753-43e0-B8FC-AC1667EBCBE1}">
-              <a14:hiddenEffects xmlns="" xmlns:a14="http://schemas.microsoft.com/office/drawing/2010/main">
+              <a14:hiddenEffects xmlns:a14="http://schemas.microsoft.com/office/drawing/2010/main" xmlns="">
                 <a:effectLst>
                   <a:outerShdw dist="35921" dir="2700000" algn="ctr" rotWithShape="0">
                     <a:schemeClr val="bg2"/>
@@ -15031,7 +15031,7 @@
           <a:effectLst/>
           <a:extLst>
             <a:ext uri="{AF507438-7753-43e0-B8FC-AC1667EBCBE1}">
-              <a14:hiddenEffects xmlns="" xmlns:a14="http://schemas.microsoft.com/office/drawing/2010/main">
+              <a14:hiddenEffects xmlns:a14="http://schemas.microsoft.com/office/drawing/2010/main" xmlns="">
                 <a:effectLst>
                   <a:outerShdw dist="35921" dir="2700000" algn="ctr" rotWithShape="0">
                     <a:schemeClr val="bg2"/>
@@ -15734,7 +15734,7 @@
             <a:effectLst/>
             <a:extLst>
               <a:ext uri="{AF507438-7753-43e0-B8FC-AC1667EBCBE1}">
-                <a14:hiddenEffects xmlns="" xmlns:a14="http://schemas.microsoft.com/office/drawing/2010/main">
+                <a14:hiddenEffects xmlns:a14="http://schemas.microsoft.com/office/drawing/2010/main" xmlns="">
                   <a:effectLst>
                     <a:outerShdw dist="35921" dir="2700000" algn="ctr" rotWithShape="0">
                       <a:schemeClr val="bg2"/>
@@ -15815,7 +15815,7 @@
             <a:effectLst/>
             <a:extLst>
               <a:ext uri="{AF507438-7753-43e0-B8FC-AC1667EBCBE1}">
-                <a14:hiddenEffects xmlns="" xmlns:a14="http://schemas.microsoft.com/office/drawing/2010/main">
+                <a14:hiddenEffects xmlns:a14="http://schemas.microsoft.com/office/drawing/2010/main" xmlns="">
                   <a:effectLst>
                     <a:outerShdw dist="35921" dir="2700000" algn="ctr" rotWithShape="0">
                       <a:schemeClr val="bg2"/>
@@ -15896,7 +15896,7 @@
             <a:effectLst/>
             <a:extLst>
               <a:ext uri="{AF507438-7753-43e0-B8FC-AC1667EBCBE1}">
-                <a14:hiddenEffects xmlns="" xmlns:a14="http://schemas.microsoft.com/office/drawing/2010/main">
+                <a14:hiddenEffects xmlns:a14="http://schemas.microsoft.com/office/drawing/2010/main" xmlns="">
                   <a:effectLst>
                     <a:outerShdw dist="35921" dir="2700000" algn="ctr" rotWithShape="0">
                       <a:schemeClr val="bg2"/>
@@ -15977,7 +15977,7 @@
             <a:effectLst/>
             <a:extLst>
               <a:ext uri="{AF507438-7753-43e0-B8FC-AC1667EBCBE1}">
-                <a14:hiddenEffects xmlns="" xmlns:a14="http://schemas.microsoft.com/office/drawing/2010/main">
+                <a14:hiddenEffects xmlns:a14="http://schemas.microsoft.com/office/drawing/2010/main" xmlns="">
                   <a:effectLst>
                     <a:outerShdw dist="35921" dir="2700000" algn="ctr" rotWithShape="0">
                       <a:schemeClr val="bg2"/>
@@ -16215,7 +16215,7 @@
             <a:effectLst/>
             <a:extLst>
               <a:ext uri="{AF507438-7753-43e0-B8FC-AC1667EBCBE1}">
-                <a14:hiddenEffects xmlns="" xmlns:a14="http://schemas.microsoft.com/office/drawing/2010/main">
+                <a14:hiddenEffects xmlns:a14="http://schemas.microsoft.com/office/drawing/2010/main" xmlns="">
                   <a:effectLst>
                     <a:outerShdw dist="35921" dir="2700000" algn="ctr" rotWithShape="0">
                       <a:schemeClr val="bg2"/>
@@ -16296,7 +16296,7 @@
             <a:effectLst/>
             <a:extLst>
               <a:ext uri="{AF507438-7753-43e0-B8FC-AC1667EBCBE1}">
-                <a14:hiddenEffects xmlns="" xmlns:a14="http://schemas.microsoft.com/office/drawing/2010/main">
+                <a14:hiddenEffects xmlns:a14="http://schemas.microsoft.com/office/drawing/2010/main" xmlns="">
                   <a:effectLst>
                     <a:outerShdw dist="35921" dir="2700000" algn="ctr" rotWithShape="0">
                       <a:schemeClr val="bg2"/>
@@ -16377,7 +16377,7 @@
             <a:effectLst/>
             <a:extLst>
               <a:ext uri="{AF507438-7753-43e0-B8FC-AC1667EBCBE1}">
-                <a14:hiddenEffects xmlns="" xmlns:a14="http://schemas.microsoft.com/office/drawing/2010/main">
+                <a14:hiddenEffects xmlns:a14="http://schemas.microsoft.com/office/drawing/2010/main" xmlns="">
                   <a:effectLst>
                     <a:outerShdw dist="35921" dir="2700000" algn="ctr" rotWithShape="0">
                       <a:schemeClr val="bg2"/>
@@ -16458,7 +16458,7 @@
             <a:effectLst/>
             <a:extLst>
               <a:ext uri="{AF507438-7753-43e0-B8FC-AC1667EBCBE1}">
-                <a14:hiddenEffects xmlns="" xmlns:a14="http://schemas.microsoft.com/office/drawing/2010/main">
+                <a14:hiddenEffects xmlns:a14="http://schemas.microsoft.com/office/drawing/2010/main" xmlns="">
                   <a:effectLst>
                     <a:outerShdw dist="35921" dir="2700000" algn="ctr" rotWithShape="0">
                       <a:schemeClr val="bg2"/>
@@ -16562,7 +16562,7 @@
             <a:effectLst/>
             <a:extLst>
               <a:ext uri="{AF507438-7753-43e0-B8FC-AC1667EBCBE1}">
-                <a14:hiddenEffects xmlns="" xmlns:a14="http://schemas.microsoft.com/office/drawing/2010/main">
+                <a14:hiddenEffects xmlns:a14="http://schemas.microsoft.com/office/drawing/2010/main" xmlns="">
                   <a:effectLst>
                     <a:outerShdw dist="35921" dir="2700000" algn="ctr" rotWithShape="0">
                       <a:schemeClr val="bg2"/>
@@ -16608,7 +16608,7 @@
             <a:effectLst/>
             <a:extLst>
               <a:ext uri="{AF507438-7753-43e0-B8FC-AC1667EBCBE1}">
-                <a14:hiddenEffects xmlns="" xmlns:a14="http://schemas.microsoft.com/office/drawing/2010/main">
+                <a14:hiddenEffects xmlns:a14="http://schemas.microsoft.com/office/drawing/2010/main" xmlns="">
                   <a:effectLst>
                     <a:outerShdw dist="35921" dir="2700000" algn="ctr" rotWithShape="0">
                       <a:schemeClr val="bg2"/>
@@ -16654,7 +16654,7 @@
             <a:effectLst/>
             <a:extLst>
               <a:ext uri="{AF507438-7753-43e0-B8FC-AC1667EBCBE1}">
-                <a14:hiddenEffects xmlns="" xmlns:a14="http://schemas.microsoft.com/office/drawing/2010/main">
+                <a14:hiddenEffects xmlns:a14="http://schemas.microsoft.com/office/drawing/2010/main" xmlns="">
                   <a:effectLst>
                     <a:outerShdw dist="35921" dir="2700000" algn="ctr" rotWithShape="0">
                       <a:schemeClr val="bg2"/>
@@ -16700,7 +16700,7 @@
             <a:effectLst/>
             <a:extLst>
               <a:ext uri="{AF507438-7753-43e0-B8FC-AC1667EBCBE1}">
-                <a14:hiddenEffects xmlns="" xmlns:a14="http://schemas.microsoft.com/office/drawing/2010/main">
+                <a14:hiddenEffects xmlns:a14="http://schemas.microsoft.com/office/drawing/2010/main" xmlns="">
                   <a:effectLst>
                     <a:outerShdw dist="35921" dir="2700000" algn="ctr" rotWithShape="0">
                       <a:schemeClr val="bg2"/>
@@ -17436,7 +17436,7 @@
           <a:effectLst/>
           <a:extLst>
             <a:ext uri="{AF507438-7753-43e0-B8FC-AC1667EBCBE1}">
-              <a14:hiddenEffects xmlns="" xmlns:a14="http://schemas.microsoft.com/office/drawing/2010/main">
+              <a14:hiddenEffects xmlns:a14="http://schemas.microsoft.com/office/drawing/2010/main" xmlns="">
                 <a:effectLst>
                   <a:outerShdw dist="35921" dir="2700000" algn="ctr" rotWithShape="0">
                     <a:schemeClr val="bg2"/>
@@ -18014,7 +18014,7 @@
           <a:effectLst/>
           <a:extLst>
             <a:ext uri="{AF507438-7753-43e0-B8FC-AC1667EBCBE1}">
-              <a14:hiddenEffects xmlns="" xmlns:a14="http://schemas.microsoft.com/office/drawing/2010/main">
+              <a14:hiddenEffects xmlns:a14="http://schemas.microsoft.com/office/drawing/2010/main" xmlns="">
                 <a:effectLst>
                   <a:outerShdw dist="35921" dir="2700000" algn="ctr" rotWithShape="0">
                     <a:schemeClr val="bg2"/>
@@ -18510,7 +18510,7 @@
                 <a:graphicData uri="http://schemas.openxmlformats.org/presentationml/2006/ole">
                   <mc:AlternateContent xmlns:mc="http://schemas.openxmlformats.org/markup-compatibility/2006">
                     <mc:Choice xmlns:v="urn:schemas-microsoft-com:vml" Requires="v">
-                      <p:oleObj spid="_x0000_s1124" name="Formel" r:id="rId4" imgW="2590800" imgH="990600" progId="Equation.3">
+                      <p:oleObj spid="_x0000_s1127" name="Formel" r:id="rId4" imgW="2590800" imgH="990600" progId="Equation.3">
                         <p:embed/>
                       </p:oleObj>
                     </mc:Choice>
@@ -19071,7 +19071,7 @@
           <a:effectLst/>
           <a:extLst>
             <a:ext uri="{AF507438-7753-43e0-B8FC-AC1667EBCBE1}">
-              <a14:hiddenEffects xmlns="" xmlns:a14="http://schemas.microsoft.com/office/drawing/2010/main">
+              <a14:hiddenEffects xmlns:a14="http://schemas.microsoft.com/office/drawing/2010/main" xmlns="">
                 <a:effectLst>
                   <a:outerShdw dist="35921" dir="2700000" algn="ctr" rotWithShape="0">
                     <a:schemeClr val="bg2"/>
@@ -19338,7 +19338,7 @@
           <a:effectLst/>
           <a:extLst>
             <a:ext uri="{AF507438-7753-43e0-B8FC-AC1667EBCBE1}">
-              <a14:hiddenEffects xmlns="" xmlns:a14="http://schemas.microsoft.com/office/drawing/2010/main">
+              <a14:hiddenEffects xmlns:a14="http://schemas.microsoft.com/office/drawing/2010/main" xmlns="">
                 <a:effectLst>
                   <a:outerShdw dist="35921" dir="2700000" algn="ctr" rotWithShape="0">
                     <a:schemeClr val="bg2"/>
@@ -19754,8 +19754,8 @@
           </p:sp>
         </p:grpSp>
       </p:grpSp>
-      <mc:AlternateContent xmlns:mc="http://schemas.openxmlformats.org/markup-compatibility/2006">
-        <mc:Choice xmlns:a14="http://schemas.microsoft.com/office/drawing/2010/main" Requires="a14">
+      <mc:AlternateContent xmlns:mc="http://schemas.openxmlformats.org/markup-compatibility/2006" xmlns:a14="http://schemas.microsoft.com/office/drawing/2010/main">
+        <mc:Choice Requires="a14">
           <p:sp>
             <p:nvSpPr>
               <p:cNvPr id="11" name="TextBox 10">
@@ -19976,7 +19976,7 @@
             </p:txBody>
           </p:sp>
         </mc:Choice>
-        <mc:Fallback>
+        <mc:Fallback xmlns="">
           <p:sp>
             <p:nvSpPr>
               <p:cNvPr id="11" name="TextBox 10">
@@ -20782,7 +20782,7 @@
           <a:effectLst/>
           <a:extLst>
             <a:ext uri="{AF507438-7753-43e0-B8FC-AC1667EBCBE1}">
-              <a14:hiddenEffects xmlns="" xmlns:a14="http://schemas.microsoft.com/office/drawing/2010/main">
+              <a14:hiddenEffects xmlns:a14="http://schemas.microsoft.com/office/drawing/2010/main" xmlns="">
                 <a:effectLst>
                   <a:outerShdw dist="35921" dir="2700000" algn="ctr" rotWithShape="0">
                     <a:schemeClr val="bg2"/>
@@ -20938,7 +20938,7 @@
           <a:effectLst/>
           <a:extLst>
             <a:ext uri="{AF507438-7753-43e0-B8FC-AC1667EBCBE1}">
-              <a14:hiddenEffects xmlns="" xmlns:a14="http://schemas.microsoft.com/office/drawing/2010/main">
+              <a14:hiddenEffects xmlns:a14="http://schemas.microsoft.com/office/drawing/2010/main" xmlns="">
                 <a:effectLst>
                   <a:outerShdw dist="35921" dir="2700000" algn="ctr" rotWithShape="0">
                     <a:schemeClr val="bg2"/>
@@ -21373,7 +21373,7 @@
             <a:effectLst/>
             <a:extLst>
               <a:ext uri="{AF507438-7753-43e0-B8FC-AC1667EBCBE1}">
-                <a14:hiddenEffects xmlns="" xmlns:a14="http://schemas.microsoft.com/office/drawing/2010/main">
+                <a14:hiddenEffects xmlns:a14="http://schemas.microsoft.com/office/drawing/2010/main" xmlns="">
                   <a:effectLst>
                     <a:outerShdw dist="35921" dir="2700000" algn="ctr" rotWithShape="0">
                       <a:schemeClr val="bg2"/>
@@ -21459,7 +21459,7 @@
             <a:effectLst/>
             <a:extLst>
               <a:ext uri="{AF507438-7753-43e0-B8FC-AC1667EBCBE1}">
-                <a14:hiddenEffects xmlns="" xmlns:a14="http://schemas.microsoft.com/office/drawing/2010/main">
+                <a14:hiddenEffects xmlns:a14="http://schemas.microsoft.com/office/drawing/2010/main" xmlns="">
                   <a:effectLst>
                     <a:outerShdw dist="35921" dir="2700000" algn="ctr" rotWithShape="0">
                       <a:schemeClr val="bg2"/>
@@ -21545,7 +21545,7 @@
             <a:effectLst/>
             <a:extLst>
               <a:ext uri="{AF507438-7753-43e0-B8FC-AC1667EBCBE1}">
-                <a14:hiddenEffects xmlns="" xmlns:a14="http://schemas.microsoft.com/office/drawing/2010/main">
+                <a14:hiddenEffects xmlns:a14="http://schemas.microsoft.com/office/drawing/2010/main" xmlns="">
                   <a:effectLst>
                     <a:outerShdw dist="35921" dir="2700000" algn="ctr" rotWithShape="0">
                       <a:schemeClr val="bg2"/>
@@ -21631,7 +21631,7 @@
             <a:effectLst/>
             <a:extLst>
               <a:ext uri="{AF507438-7753-43e0-B8FC-AC1667EBCBE1}">
-                <a14:hiddenEffects xmlns="" xmlns:a14="http://schemas.microsoft.com/office/drawing/2010/main">
+                <a14:hiddenEffects xmlns:a14="http://schemas.microsoft.com/office/drawing/2010/main" xmlns="">
                   <a:effectLst>
                     <a:outerShdw dist="35921" dir="2700000" algn="ctr" rotWithShape="0">
                       <a:schemeClr val="bg2"/>
@@ -21715,7 +21715,7 @@
             <a:effectLst/>
             <a:extLst>
               <a:ext uri="{AF507438-7753-43e0-B8FC-AC1667EBCBE1}">
-                <a14:hiddenEffects xmlns="" xmlns:a14="http://schemas.microsoft.com/office/drawing/2010/main">
+                <a14:hiddenEffects xmlns:a14="http://schemas.microsoft.com/office/drawing/2010/main" xmlns="">
                   <a:effectLst>
                     <a:outerShdw dist="35921" dir="2700000" algn="ctr" rotWithShape="0">
                       <a:schemeClr val="bg2"/>
@@ -21833,7 +21833,7 @@
           <a:effectLst/>
           <a:extLst>
             <a:ext uri="{AF507438-7753-43e0-B8FC-AC1667EBCBE1}">
-              <a14:hiddenEffects xmlns="" xmlns:a14="http://schemas.microsoft.com/office/drawing/2010/main">
+              <a14:hiddenEffects xmlns:a14="http://schemas.microsoft.com/office/drawing/2010/main" xmlns="">
                 <a:effectLst>
                   <a:outerShdw dist="35921" dir="2700000" algn="ctr" rotWithShape="0">
                     <a:schemeClr val="bg2"/>
@@ -21949,7 +21949,7 @@
           <a:effectLst/>
           <a:extLst>
             <a:ext uri="{AF507438-7753-43e0-B8FC-AC1667EBCBE1}">
-              <a14:hiddenEffects xmlns="" xmlns:a14="http://schemas.microsoft.com/office/drawing/2010/main">
+              <a14:hiddenEffects xmlns:a14="http://schemas.microsoft.com/office/drawing/2010/main" xmlns="">
                 <a:effectLst>
                   <a:outerShdw dist="35921" dir="2700000" algn="ctr" rotWithShape="0">
                     <a:schemeClr val="bg2"/>
@@ -22251,7 +22251,7 @@
           <a:effectLst/>
           <a:extLst>
             <a:ext uri="{AF507438-7753-43e0-B8FC-AC1667EBCBE1}">
-              <a14:hiddenEffects xmlns="" xmlns:a14="http://schemas.microsoft.com/office/drawing/2010/main">
+              <a14:hiddenEffects xmlns:a14="http://schemas.microsoft.com/office/drawing/2010/main" xmlns="">
                 <a:effectLst>
                   <a:outerShdw dist="35921" dir="2700000" algn="ctr" rotWithShape="0">
                     <a:schemeClr val="bg2"/>
@@ -22714,7 +22714,7 @@
           <a:effectLst/>
           <a:extLst>
             <a:ext uri="{AF507438-7753-43e0-B8FC-AC1667EBCBE1}">
-              <a14:hiddenEffects xmlns="" xmlns:a14="http://schemas.microsoft.com/office/drawing/2010/main">
+              <a14:hiddenEffects xmlns:a14="http://schemas.microsoft.com/office/drawing/2010/main" xmlns="">
                 <a:effectLst>
                   <a:outerShdw dist="35921" dir="2700000" algn="ctr" rotWithShape="0">
                     <a:schemeClr val="bg2"/>
@@ -24202,7 +24202,7 @@
           <a:effectLst/>
           <a:extLst>
             <a:ext uri="{AF507438-7753-43e0-B8FC-AC1667EBCBE1}">
-              <a14:hiddenEffects xmlns="" xmlns:a14="http://schemas.microsoft.com/office/drawing/2010/main">
+              <a14:hiddenEffects xmlns:a14="http://schemas.microsoft.com/office/drawing/2010/main" xmlns="">
                 <a:effectLst>
                   <a:outerShdw dist="35921" dir="2700000" algn="ctr" rotWithShape="0">
                     <a:schemeClr val="bg2"/>
@@ -24762,7 +24762,7 @@
           <a:effectLst/>
           <a:extLst>
             <a:ext uri="{AF507438-7753-43e0-B8FC-AC1667EBCBE1}">
-              <a14:hiddenEffects xmlns="" xmlns:a14="http://schemas.microsoft.com/office/drawing/2010/main">
+              <a14:hiddenEffects xmlns:a14="http://schemas.microsoft.com/office/drawing/2010/main" xmlns="">
                 <a:effectLst>
                   <a:outerShdw dist="35921" dir="2700000" algn="ctr" rotWithShape="0">
                     <a:schemeClr val="bg2"/>
@@ -25042,7 +25042,7 @@
             <a:effectLst/>
             <a:extLst>
               <a:ext uri="{AF507438-7753-43e0-B8FC-AC1667EBCBE1}">
-                <a14:hiddenEffects xmlns="" xmlns:a14="http://schemas.microsoft.com/office/drawing/2010/main">
+                <a14:hiddenEffects xmlns:a14="http://schemas.microsoft.com/office/drawing/2010/main" xmlns="">
                   <a:effectLst>
                     <a:outerShdw dist="35921" dir="2700000" algn="ctr" rotWithShape="0">
                       <a:schemeClr val="bg2"/>
@@ -25172,7 +25172,7 @@
             <a:effectLst/>
             <a:extLst>
               <a:ext uri="{AF507438-7753-43e0-B8FC-AC1667EBCBE1}">
-                <a14:hiddenEffects xmlns="" xmlns:a14="http://schemas.microsoft.com/office/drawing/2010/main">
+                <a14:hiddenEffects xmlns:a14="http://schemas.microsoft.com/office/drawing/2010/main" xmlns="">
                   <a:effectLst>
                     <a:outerShdw dist="35921" dir="2700000" algn="ctr" rotWithShape="0">
                       <a:schemeClr val="bg2"/>
@@ -25402,7 +25402,7 @@
           <a:effectLst/>
           <a:extLst>
             <a:ext uri="{AF507438-7753-43e0-B8FC-AC1667EBCBE1}">
-              <a14:hiddenEffects xmlns="" xmlns:a14="http://schemas.microsoft.com/office/drawing/2010/main">
+              <a14:hiddenEffects xmlns:a14="http://schemas.microsoft.com/office/drawing/2010/main" xmlns="">
                 <a:effectLst>
                   <a:outerShdw dist="35921" dir="2700000" algn="ctr" rotWithShape="0">
                     <a:schemeClr val="bg2"/>
@@ -26104,7 +26104,7 @@
         <a:effectLst/>
         <a:extLst>
           <a:ext uri="{AF507438-7753-43e0-B8FC-AC1667EBCBE1}">
-            <a14:hiddenEffects xmlns="" xmlns:a14="http://schemas.microsoft.com/office/drawing/2010/main">
+            <a14:hiddenEffects xmlns:a14="http://schemas.microsoft.com/office/drawing/2010/main" xmlns="">
               <a:effectLst>
                 <a:outerShdw dist="35921" dir="2700000" algn="ctr" rotWithShape="0">
                   <a:schemeClr val="bg2"/>
@@ -26178,7 +26178,7 @@
         <a:effectLst/>
         <a:extLst>
           <a:ext uri="{AF507438-7753-43e0-B8FC-AC1667EBCBE1}">
-            <a14:hiddenEffects xmlns="" xmlns:a14="http://schemas.microsoft.com/office/drawing/2010/main">
+            <a14:hiddenEffects xmlns:a14="http://schemas.microsoft.com/office/drawing/2010/main" xmlns="">
               <a:effectLst>
                 <a:outerShdw dist="35921" dir="2700000" algn="ctr" rotWithShape="0">
                   <a:schemeClr val="bg2"/>

--- a/slides/FRS_exercise_R.pptx
+++ b/slides/FRS_exercise_R.pptx
@@ -5,10 +5,10 @@
     <p:sldMasterId id="2147483648" r:id="rId1"/>
   </p:sldMasterIdLst>
   <p:notesMasterIdLst>
-    <p:notesMasterId r:id="rId26"/>
+    <p:notesMasterId r:id="rId25"/>
   </p:notesMasterIdLst>
   <p:handoutMasterIdLst>
-    <p:handoutMasterId r:id="rId27"/>
+    <p:handoutMasterId r:id="rId26"/>
   </p:handoutMasterIdLst>
   <p:sldIdLst>
     <p:sldId id="258" r:id="rId2"/>
@@ -29,12 +29,11 @@
     <p:sldId id="282" r:id="rId17"/>
     <p:sldId id="283" r:id="rId18"/>
     <p:sldId id="281" r:id="rId19"/>
-    <p:sldId id="274" r:id="rId20"/>
-    <p:sldId id="277" r:id="rId21"/>
+    <p:sldId id="277" r:id="rId20"/>
+    <p:sldId id="274" r:id="rId21"/>
     <p:sldId id="284" r:id="rId22"/>
     <p:sldId id="275" r:id="rId23"/>
     <p:sldId id="278" r:id="rId24"/>
-    <p:sldId id="279" r:id="rId25"/>
   </p:sldIdLst>
   <p:sldSz cx="9144000" cy="5143500" type="screen16x9"/>
   <p:notesSz cx="6858000" cy="9144000"/>
@@ -1910,7 +1909,7 @@
             <a:fld id="{0A463E84-36D0-47AB-AE84-D840C4315E64}" type="slidenum">
               <a:rPr lang="de-DE" altLang="de-DE" smtClean="0"/>
               <a:pPr/>
-              <a:t>20</a:t>
+              <a:t>19</a:t>
             </a:fld>
             <a:endParaRPr lang="de-DE" altLang="de-DE"/>
           </a:p>
@@ -17527,584 +17526,6 @@
           </a:p>
         </p:txBody>
       </p:sp>
-      <p:sp>
-        <p:nvSpPr>
-          <p:cNvPr id="5" name="Rectangle 4">
-            <a:extLst>
-              <a:ext uri="{FF2B5EF4-FFF2-40B4-BE49-F238E27FC236}">
-                <a16:creationId xmlns:a16="http://schemas.microsoft.com/office/drawing/2014/main" id="{FFD55E64-A004-4FD3-9310-E6F296A645FD}"/>
-              </a:ext>
-            </a:extLst>
-          </p:cNvPr>
-          <p:cNvSpPr/>
-          <p:nvPr/>
-        </p:nvSpPr>
-        <p:spPr>
-          <a:xfrm>
-            <a:off x="1331640" y="1563638"/>
-            <a:ext cx="6961778" cy="1446550"/>
-          </a:xfrm>
-          <a:prstGeom prst="rect">
-            <a:avLst/>
-          </a:prstGeom>
-        </p:spPr>
-        <p:txBody>
-          <a:bodyPr wrap="square">
-            <a:spAutoFit/>
-          </a:bodyPr>
-          <a:lstStyle/>
-          <a:p>
-            <a:r>
-              <a:rPr lang="en-US" sz="2000" dirty="0">
-                <a:latin typeface="+mn-lt"/>
-              </a:rPr>
-              <a:t>Exercises: </a:t>
-            </a:r>
-          </a:p>
-          <a:p>
-            <a:pPr marL="342900" indent="-342900">
-              <a:spcAft>
-                <a:spcPts val="800"/>
-              </a:spcAft>
-              <a:buFont typeface="+mj-lt"/>
-              <a:buAutoNum type="arabicParenR"/>
-            </a:pPr>
-            <a:r>
-              <a:rPr lang="en-US" sz="1200" dirty="0">
-                <a:latin typeface="+mn-lt"/>
-              </a:rPr>
-              <a:t>get data into R: ./data/</a:t>
-            </a:r>
-            <a:r>
-              <a:rPr lang="en-US" sz="1200" b="1" dirty="0">
-                <a:solidFill>
-                  <a:srgbClr val="004D95"/>
-                </a:solidFill>
-                <a:latin typeface="+mn-lt"/>
-              </a:rPr>
-              <a:t>Example_data.csv</a:t>
-            </a:r>
-            <a:r>
-              <a:rPr lang="en-US" sz="1200" dirty="0">
-                <a:latin typeface="+mn-lt"/>
-              </a:rPr>
-              <a:t>, use </a:t>
-            </a:r>
-            <a:r>
-              <a:rPr lang="en-US" sz="1200" dirty="0" err="1">
-                <a:latin typeface="+mn-lt"/>
-              </a:rPr>
-              <a:t>read.table</a:t>
-            </a:r>
-            <a:r>
-              <a:rPr lang="en-US" sz="1200" dirty="0">
-                <a:latin typeface="+mn-lt"/>
-              </a:rPr>
-              <a:t>() function</a:t>
-            </a:r>
-          </a:p>
-          <a:p>
-            <a:pPr marL="342900" indent="-342900">
-              <a:spcAft>
-                <a:spcPts val="800"/>
-              </a:spcAft>
-              <a:buFont typeface="+mj-lt"/>
-              <a:buAutoNum type="arabicParenR"/>
-            </a:pPr>
-            <a:r>
-              <a:rPr lang="en-US" sz="1200" dirty="0">
-                <a:latin typeface="+mn-lt"/>
-              </a:rPr>
-              <a:t>Derive the annual maximum discharge series </a:t>
-            </a:r>
-          </a:p>
-          <a:p>
-            <a:pPr marL="342900" indent="-342900">
-              <a:spcAft>
-                <a:spcPts val="800"/>
-              </a:spcAft>
-              <a:buFont typeface="+mj-lt"/>
-              <a:buAutoNum type="arabicParenR"/>
-            </a:pPr>
-            <a:r>
-              <a:rPr lang="en-US" sz="1200" dirty="0">
-                <a:latin typeface="+mn-lt"/>
-              </a:rPr>
-              <a:t>Estimate the GEV parameters for annual maximum discharge</a:t>
-            </a:r>
-          </a:p>
-          <a:p>
-            <a:pPr marL="342900" indent="-342900">
-              <a:spcAft>
-                <a:spcPts val="800"/>
-              </a:spcAft>
-              <a:buFont typeface="+mj-lt"/>
-              <a:buAutoNum type="arabicParenR"/>
-            </a:pPr>
-            <a:r>
-              <a:rPr lang="en-US" sz="1200" dirty="0">
-                <a:latin typeface="+mn-lt"/>
-              </a:rPr>
-              <a:t>Generate 100 random numbers based on the estimated GEV parameters</a:t>
-            </a:r>
-          </a:p>
-        </p:txBody>
-      </p:sp>
-    </p:spTree>
-    <p:extLst>
-      <p:ext uri="{BB962C8B-B14F-4D97-AF65-F5344CB8AC3E}">
-        <p14:creationId xmlns:p14="http://schemas.microsoft.com/office/powerpoint/2010/main" val="3491938248"/>
-      </p:ext>
-    </p:extLst>
-  </p:cSld>
-  <p:clrMapOvr>
-    <a:masterClrMapping/>
-  </p:clrMapOvr>
-</p:sld>
-</file>
-
-<file path=ppt/slides/slide2.xml><?xml version="1.0" encoding="utf-8"?>
-<p:sld xmlns:a="http://schemas.openxmlformats.org/drawingml/2006/main" xmlns:r="http://schemas.openxmlformats.org/officeDocument/2006/relationships" xmlns:p="http://schemas.openxmlformats.org/presentationml/2006/main">
-  <p:cSld>
-    <p:spTree>
-      <p:nvGrpSpPr>
-        <p:cNvPr id="1" name=""/>
-        <p:cNvGrpSpPr/>
-        <p:nvPr/>
-      </p:nvGrpSpPr>
-      <p:grpSpPr>
-        <a:xfrm>
-          <a:off x="0" y="0"/>
-          <a:ext cx="0" cy="0"/>
-          <a:chOff x="0" y="0"/>
-          <a:chExt cx="0" cy="0"/>
-        </a:xfrm>
-      </p:grpSpPr>
-      <p:sp>
-        <p:nvSpPr>
-          <p:cNvPr id="13313" name="Rectangle 2"/>
-          <p:cNvSpPr>
-            <a:spLocks noGrp="1" noChangeArrowheads="1"/>
-          </p:cNvSpPr>
-          <p:nvPr>
-            <p:ph type="title"/>
-          </p:nvPr>
-        </p:nvSpPr>
-        <p:spPr/>
-        <p:txBody>
-          <a:bodyPr/>
-          <a:lstStyle/>
-          <a:p>
-            <a:pPr eaLnBrk="1" hangingPunct="1"/>
-            <a:r>
-              <a:rPr lang="de-DE" altLang="de-DE" dirty="0" err="1"/>
-              <a:t>Overview</a:t>
-            </a:r>
-            <a:endParaRPr lang="de-DE" altLang="de-DE" dirty="0"/>
-          </a:p>
-        </p:txBody>
-      </p:sp>
-      <p:sp>
-        <p:nvSpPr>
-          <p:cNvPr id="13314" name="Rectangle 3"/>
-          <p:cNvSpPr>
-            <a:spLocks noGrp="1" noChangeArrowheads="1"/>
-          </p:cNvSpPr>
-          <p:nvPr>
-            <p:ph type="body" idx="1"/>
-          </p:nvPr>
-        </p:nvSpPr>
-        <p:spPr>
-          <a:xfrm>
-            <a:off x="1043608" y="1491630"/>
-            <a:ext cx="7056784" cy="1944216"/>
-          </a:xfrm>
-        </p:spPr>
-        <p:txBody>
-          <a:bodyPr/>
-          <a:lstStyle/>
-          <a:p>
-            <a:pPr marL="457200" indent="-457200" eaLnBrk="1" hangingPunct="1">
-              <a:spcAft>
-                <a:spcPts val="1000"/>
-              </a:spcAft>
-              <a:buFont typeface="+mj-lt"/>
-              <a:buAutoNum type="arabicParenR"/>
-            </a:pPr>
-            <a:r>
-              <a:rPr lang="de-DE" altLang="de-DE" dirty="0" err="1"/>
-              <a:t>Introduction</a:t>
-            </a:r>
-            <a:r>
-              <a:rPr lang="de-DE" altLang="de-DE" dirty="0"/>
-              <a:t> </a:t>
-            </a:r>
-            <a:r>
-              <a:rPr lang="de-DE" altLang="de-DE" dirty="0" err="1"/>
-              <a:t>to</a:t>
-            </a:r>
-            <a:r>
-              <a:rPr lang="de-DE" altLang="de-DE" dirty="0"/>
-              <a:t> R</a:t>
-            </a:r>
-          </a:p>
-          <a:p>
-            <a:pPr marL="457200" indent="-457200" eaLnBrk="1" hangingPunct="1">
-              <a:spcAft>
-                <a:spcPts val="1000"/>
-              </a:spcAft>
-              <a:buFont typeface="+mj-lt"/>
-              <a:buAutoNum type="arabicParenR"/>
-            </a:pPr>
-            <a:r>
-              <a:rPr lang="de-DE" altLang="de-DE" dirty="0" err="1"/>
-              <a:t>Exercise</a:t>
-            </a:r>
-            <a:r>
-              <a:rPr lang="de-DE" altLang="de-DE" dirty="0"/>
-              <a:t> </a:t>
-            </a:r>
-            <a:r>
-              <a:rPr lang="de-DE" altLang="de-DE" dirty="0" err="1"/>
-              <a:t>with</a:t>
-            </a:r>
-            <a:r>
-              <a:rPr lang="de-DE" altLang="de-DE" dirty="0"/>
-              <a:t> R - R </a:t>
-            </a:r>
-            <a:r>
-              <a:rPr lang="de-DE" altLang="de-DE" dirty="0" err="1"/>
-              <a:t>basics</a:t>
-            </a:r>
-            <a:endParaRPr lang="de-DE" altLang="de-DE" dirty="0"/>
-          </a:p>
-          <a:p>
-            <a:pPr marL="457200" indent="-457200">
-              <a:spcAft>
-                <a:spcPts val="1000"/>
-              </a:spcAft>
-              <a:buFont typeface="+mj-lt"/>
-              <a:buAutoNum type="arabicParenR"/>
-            </a:pPr>
-            <a:r>
-              <a:rPr lang="de-DE" altLang="de-DE" dirty="0" err="1"/>
-              <a:t>Exercise</a:t>
-            </a:r>
-            <a:r>
-              <a:rPr lang="de-DE" altLang="de-DE" dirty="0"/>
-              <a:t> </a:t>
-            </a:r>
-            <a:r>
-              <a:rPr lang="de-DE" altLang="de-DE" dirty="0" err="1"/>
-              <a:t>with</a:t>
-            </a:r>
-            <a:r>
-              <a:rPr lang="de-DE" altLang="de-DE" dirty="0"/>
-              <a:t> R - Flood </a:t>
-            </a:r>
-            <a:r>
-              <a:rPr lang="de-DE" altLang="de-DE" dirty="0" err="1"/>
-              <a:t>frequency</a:t>
-            </a:r>
-            <a:r>
-              <a:rPr lang="de-DE" altLang="de-DE" dirty="0"/>
-              <a:t> </a:t>
-            </a:r>
-            <a:r>
-              <a:rPr lang="de-DE" altLang="de-DE" dirty="0" err="1"/>
-              <a:t>analysis</a:t>
-            </a:r>
-            <a:endParaRPr lang="de-DE" altLang="de-DE" dirty="0"/>
-          </a:p>
-          <a:p>
-            <a:pPr marL="457200" indent="-457200">
-              <a:spcAft>
-                <a:spcPts val="1000"/>
-              </a:spcAft>
-              <a:buFont typeface="+mj-lt"/>
-              <a:buAutoNum type="arabicParenR"/>
-            </a:pPr>
-            <a:r>
-              <a:rPr lang="de-DE" altLang="de-DE" dirty="0" err="1"/>
-              <a:t>Exercise</a:t>
-            </a:r>
-            <a:r>
-              <a:rPr lang="de-DE" altLang="de-DE" dirty="0"/>
-              <a:t> </a:t>
-            </a:r>
-            <a:r>
-              <a:rPr lang="de-DE" altLang="de-DE" dirty="0" err="1"/>
-              <a:t>with</a:t>
-            </a:r>
-            <a:r>
-              <a:rPr lang="de-DE" altLang="de-DE" dirty="0"/>
-              <a:t> R - Time-</a:t>
-            </a:r>
-            <a:r>
-              <a:rPr lang="de-DE" altLang="de-DE" dirty="0" err="1"/>
-              <a:t>varying</a:t>
-            </a:r>
-            <a:r>
-              <a:rPr lang="de-DE" altLang="de-DE" dirty="0"/>
-              <a:t> </a:t>
-            </a:r>
-            <a:r>
-              <a:rPr lang="de-DE" altLang="de-DE" dirty="0" err="1"/>
-              <a:t>flood</a:t>
-            </a:r>
-            <a:r>
-              <a:rPr lang="de-DE" altLang="de-DE" dirty="0"/>
-              <a:t> </a:t>
-            </a:r>
-            <a:r>
-              <a:rPr lang="de-DE" altLang="de-DE" dirty="0" err="1"/>
-              <a:t>risk</a:t>
-            </a:r>
-            <a:r>
-              <a:rPr lang="de-DE" altLang="de-DE" dirty="0"/>
-              <a:t> </a:t>
-            </a:r>
-            <a:r>
-              <a:rPr lang="de-DE" altLang="de-DE" dirty="0" err="1"/>
-              <a:t>analysis</a:t>
-            </a:r>
-            <a:endParaRPr lang="de-DE" altLang="de-DE" dirty="0"/>
-          </a:p>
-        </p:txBody>
-      </p:sp>
-      <p:sp>
-        <p:nvSpPr>
-          <p:cNvPr id="2" name="Rectangle 1">
-            <a:extLst>
-              <a:ext uri="{FF2B5EF4-FFF2-40B4-BE49-F238E27FC236}">
-                <a16:creationId xmlns:a16="http://schemas.microsoft.com/office/drawing/2014/main" id="{758E25E9-32ED-4510-B433-984B559B4054}"/>
-              </a:ext>
-            </a:extLst>
-          </p:cNvPr>
-          <p:cNvSpPr/>
-          <p:nvPr/>
-        </p:nvSpPr>
-        <p:spPr>
-          <a:xfrm>
-            <a:off x="1547664" y="3782972"/>
-            <a:ext cx="7056784" cy="584775"/>
-          </a:xfrm>
-          <a:prstGeom prst="rect">
-            <a:avLst/>
-          </a:prstGeom>
-        </p:spPr>
-        <p:txBody>
-          <a:bodyPr wrap="square">
-            <a:spAutoFit/>
-          </a:bodyPr>
-          <a:lstStyle/>
-          <a:p>
-            <a:r>
-              <a:rPr lang="en-US" sz="1600" dirty="0">
-                <a:solidFill>
-                  <a:srgbClr val="00589C"/>
-                </a:solidFill>
-              </a:rPr>
-              <a:t>Materials here: </a:t>
-            </a:r>
-          </a:p>
-          <a:p>
-            <a:r>
-              <a:rPr lang="en-US" sz="1600" dirty="0">
-                <a:solidFill>
-                  <a:srgbClr val="00589C"/>
-                </a:solidFill>
-              </a:rPr>
-              <a:t>https://github.com/XiaoxiangGuanGFZ/FloodRiskSeminar</a:t>
-            </a:r>
-          </a:p>
-        </p:txBody>
-      </p:sp>
-      <p:sp>
-        <p:nvSpPr>
-          <p:cNvPr id="3" name="Slide Number Placeholder 2">
-            <a:extLst>
-              <a:ext uri="{FF2B5EF4-FFF2-40B4-BE49-F238E27FC236}">
-                <a16:creationId xmlns:a16="http://schemas.microsoft.com/office/drawing/2014/main" id="{0D84647E-7901-4454-8634-949208E5F309}"/>
-              </a:ext>
-            </a:extLst>
-          </p:cNvPr>
-          <p:cNvSpPr>
-            <a:spLocks noGrp="1"/>
-          </p:cNvSpPr>
-          <p:nvPr>
-            <p:ph type="sldNum" sz="quarter" idx="11"/>
-          </p:nvPr>
-        </p:nvSpPr>
-        <p:spPr/>
-        <p:txBody>
-          <a:bodyPr/>
-          <a:lstStyle/>
-          <a:p>
-            <a:fld id="{48105EDC-34E1-4D80-B051-D0CBD59863B8}" type="slidenum">
-              <a:rPr lang="de-DE" altLang="de-DE" smtClean="0"/>
-              <a:pPr/>
-              <a:t>2</a:t>
-            </a:fld>
-            <a:endParaRPr lang="de-DE" altLang="de-DE">
-              <a:solidFill>
-                <a:schemeClr val="tx1"/>
-              </a:solidFill>
-            </a:endParaRPr>
-          </a:p>
-        </p:txBody>
-      </p:sp>
-    </p:spTree>
-  </p:cSld>
-  <p:clrMapOvr>
-    <a:masterClrMapping/>
-  </p:clrMapOvr>
-</p:sld>
-</file>
-
-<file path=ppt/slides/slide20.xml><?xml version="1.0" encoding="utf-8"?>
-<p:sld xmlns:a="http://schemas.openxmlformats.org/drawingml/2006/main" xmlns:r="http://schemas.openxmlformats.org/officeDocument/2006/relationships" xmlns:p="http://schemas.openxmlformats.org/presentationml/2006/main">
-  <p:cSld>
-    <p:spTree>
-      <p:nvGrpSpPr>
-        <p:cNvPr id="1" name=""/>
-        <p:cNvGrpSpPr/>
-        <p:nvPr/>
-      </p:nvGrpSpPr>
-      <p:grpSpPr>
-        <a:xfrm>
-          <a:off x="0" y="0"/>
-          <a:ext cx="0" cy="0"/>
-          <a:chOff x="0" y="0"/>
-          <a:chExt cx="0" cy="0"/>
-        </a:xfrm>
-      </p:grpSpPr>
-      <p:sp>
-        <p:nvSpPr>
-          <p:cNvPr id="4" name="Rectangle 3">
-            <a:extLst>
-              <a:ext uri="{FF2B5EF4-FFF2-40B4-BE49-F238E27FC236}">
-                <a16:creationId xmlns:a16="http://schemas.microsoft.com/office/drawing/2014/main" id="{741E6F0F-8952-48F7-B8A6-5C00D4C8363A}"/>
-              </a:ext>
-            </a:extLst>
-          </p:cNvPr>
-          <p:cNvSpPr/>
-          <p:nvPr/>
-        </p:nvSpPr>
-        <p:spPr bwMode="auto">
-          <a:xfrm>
-            <a:off x="0" y="0"/>
-            <a:ext cx="9144000" cy="627534"/>
-          </a:xfrm>
-          <a:prstGeom prst="rect">
-            <a:avLst/>
-          </a:prstGeom>
-          <a:solidFill>
-            <a:srgbClr val="00589C"/>
-          </a:solidFill>
-          <a:ln w="9525" cap="flat" cmpd="sng" algn="ctr">
-            <a:solidFill>
-              <a:srgbClr val="00589C"/>
-            </a:solidFill>
-            <a:prstDash val="solid"/>
-            <a:round/>
-            <a:headEnd type="none" w="med" len="med"/>
-            <a:tailEnd type="none" w="med" len="med"/>
-          </a:ln>
-          <a:effectLst/>
-          <a:extLst>
-            <a:ext uri="{AF507438-7753-43e0-B8FC-AC1667EBCBE1}">
-              <a14:hiddenEffects xmlns:a14="http://schemas.microsoft.com/office/drawing/2010/main" xmlns="">
-                <a:effectLst>
-                  <a:outerShdw dist="35921" dir="2700000" algn="ctr" rotWithShape="0">
-                    <a:schemeClr val="bg2"/>
-                  </a:outerShdw>
-                </a:effectLst>
-              </a14:hiddenEffects>
-            </a:ext>
-          </a:extLst>
-        </p:spPr>
-        <p:txBody>
-          <a:bodyPr vert="horz" wrap="square" lIns="91440" tIns="45720" rIns="91440" bIns="45720" numCol="1" rtlCol="0" anchor="ctr" anchorCtr="0" compatLnSpc="1">
-            <a:prstTxWarp prst="textNoShape">
-              <a:avLst/>
-            </a:prstTxWarp>
-          </a:bodyPr>
-          <a:lstStyle/>
-          <a:p>
-            <a:pPr eaLnBrk="0" hangingPunct="0"/>
-            <a:r>
-              <a:rPr kumimoji="0" lang="en-US" sz="2000" b="1" i="0" u="none" strike="noStrike" cap="none" normalizeH="0" baseline="0" dirty="0">
-                <a:ln>
-                  <a:noFill/>
-                </a:ln>
-                <a:solidFill>
-                  <a:schemeClr val="bg1"/>
-                </a:solidFill>
-                <a:effectLst/>
-                <a:latin typeface="+mj-lt"/>
-                <a:ea typeface="ＭＳ Ｐゴシック" pitchFamily="96" charset="-128"/>
-              </a:rPr>
-              <a:t>Topic 3</a:t>
-            </a:r>
-            <a:r>
-              <a:rPr lang="en-US" sz="2000" b="1" dirty="0">
-                <a:solidFill>
-                  <a:schemeClr val="bg1"/>
-                </a:solidFill>
-                <a:latin typeface="+mj-lt"/>
-                <a:ea typeface="ＭＳ Ｐゴシック" pitchFamily="96" charset="-128"/>
-              </a:rPr>
-              <a:t>. Exercise with R - Flood frequency analysis</a:t>
-            </a:r>
-            <a:endParaRPr kumimoji="0" lang="en-US" sz="2000" b="1" i="0" u="none" strike="noStrike" cap="none" normalizeH="0" baseline="0" dirty="0">
-              <a:ln>
-                <a:noFill/>
-              </a:ln>
-              <a:solidFill>
-                <a:schemeClr val="bg1"/>
-              </a:solidFill>
-              <a:effectLst/>
-              <a:latin typeface="+mj-lt"/>
-              <a:ea typeface="ＭＳ Ｐゴシック" pitchFamily="96" charset="-128"/>
-            </a:endParaRPr>
-          </a:p>
-        </p:txBody>
-      </p:sp>
-      <p:sp>
-        <p:nvSpPr>
-          <p:cNvPr id="2" name="Slide Number Placeholder 1">
-            <a:extLst>
-              <a:ext uri="{FF2B5EF4-FFF2-40B4-BE49-F238E27FC236}">
-                <a16:creationId xmlns:a16="http://schemas.microsoft.com/office/drawing/2014/main" id="{2070EC6C-AAF5-4D83-AEC1-C7F2433683BB}"/>
-              </a:ext>
-            </a:extLst>
-          </p:cNvPr>
-          <p:cNvSpPr>
-            <a:spLocks noGrp="1"/>
-          </p:cNvSpPr>
-          <p:nvPr>
-            <p:ph type="sldNum" sz="quarter" idx="11"/>
-          </p:nvPr>
-        </p:nvSpPr>
-        <p:spPr/>
-        <p:txBody>
-          <a:bodyPr/>
-          <a:lstStyle/>
-          <a:p>
-            <a:fld id="{48105EDC-34E1-4D80-B051-D0CBD59863B8}" type="slidenum">
-              <a:rPr lang="de-DE" altLang="de-DE" smtClean="0"/>
-              <a:pPr/>
-              <a:t>20</a:t>
-            </a:fld>
-            <a:endParaRPr lang="de-DE" altLang="de-DE">
-              <a:solidFill>
-                <a:schemeClr val="tx1"/>
-              </a:solidFill>
-            </a:endParaRPr>
-          </a:p>
-        </p:txBody>
-      </p:sp>
       <p:grpSp>
         <p:nvGrpSpPr>
           <p:cNvPr id="17" name="Group 16">
@@ -18510,7 +17931,7 @@
                 <a:graphicData uri="http://schemas.openxmlformats.org/presentationml/2006/ole">
                   <mc:AlternateContent xmlns:mc="http://schemas.openxmlformats.org/markup-compatibility/2006">
                     <mc:Choice xmlns:v="urn:schemas-microsoft-com:vml" Requires="v">
-                      <p:oleObj spid="_x0000_s1127" name="Formel" r:id="rId4" imgW="2590800" imgH="990600" progId="Equation.3">
+                      <p:oleObj spid="_x0000_s1133" name="Formel" r:id="rId4" imgW="2590800" imgH="990600" progId="Equation.3">
                         <p:embed/>
                       </p:oleObj>
                     </mc:Choice>
@@ -19010,6 +18431,584 @@
     <p:extLst>
       <p:ext uri="{BB962C8B-B14F-4D97-AF65-F5344CB8AC3E}">
         <p14:creationId xmlns:p14="http://schemas.microsoft.com/office/powerpoint/2010/main" val="3157590198"/>
+      </p:ext>
+    </p:extLst>
+  </p:cSld>
+  <p:clrMapOvr>
+    <a:masterClrMapping/>
+  </p:clrMapOvr>
+</p:sld>
+</file>
+
+<file path=ppt/slides/slide2.xml><?xml version="1.0" encoding="utf-8"?>
+<p:sld xmlns:a="http://schemas.openxmlformats.org/drawingml/2006/main" xmlns:r="http://schemas.openxmlformats.org/officeDocument/2006/relationships" xmlns:p="http://schemas.openxmlformats.org/presentationml/2006/main">
+  <p:cSld>
+    <p:spTree>
+      <p:nvGrpSpPr>
+        <p:cNvPr id="1" name=""/>
+        <p:cNvGrpSpPr/>
+        <p:nvPr/>
+      </p:nvGrpSpPr>
+      <p:grpSpPr>
+        <a:xfrm>
+          <a:off x="0" y="0"/>
+          <a:ext cx="0" cy="0"/>
+          <a:chOff x="0" y="0"/>
+          <a:chExt cx="0" cy="0"/>
+        </a:xfrm>
+      </p:grpSpPr>
+      <p:sp>
+        <p:nvSpPr>
+          <p:cNvPr id="13313" name="Rectangle 2"/>
+          <p:cNvSpPr>
+            <a:spLocks noGrp="1" noChangeArrowheads="1"/>
+          </p:cNvSpPr>
+          <p:nvPr>
+            <p:ph type="title"/>
+          </p:nvPr>
+        </p:nvSpPr>
+        <p:spPr/>
+        <p:txBody>
+          <a:bodyPr/>
+          <a:lstStyle/>
+          <a:p>
+            <a:pPr eaLnBrk="1" hangingPunct="1"/>
+            <a:r>
+              <a:rPr lang="de-DE" altLang="de-DE" dirty="0" err="1"/>
+              <a:t>Overview</a:t>
+            </a:r>
+            <a:endParaRPr lang="de-DE" altLang="de-DE" dirty="0"/>
+          </a:p>
+        </p:txBody>
+      </p:sp>
+      <p:sp>
+        <p:nvSpPr>
+          <p:cNvPr id="13314" name="Rectangle 3"/>
+          <p:cNvSpPr>
+            <a:spLocks noGrp="1" noChangeArrowheads="1"/>
+          </p:cNvSpPr>
+          <p:nvPr>
+            <p:ph type="body" idx="1"/>
+          </p:nvPr>
+        </p:nvSpPr>
+        <p:spPr>
+          <a:xfrm>
+            <a:off x="1043608" y="1491630"/>
+            <a:ext cx="7056784" cy="1944216"/>
+          </a:xfrm>
+        </p:spPr>
+        <p:txBody>
+          <a:bodyPr/>
+          <a:lstStyle/>
+          <a:p>
+            <a:pPr marL="457200" indent="-457200" eaLnBrk="1" hangingPunct="1">
+              <a:spcAft>
+                <a:spcPts val="1000"/>
+              </a:spcAft>
+              <a:buFont typeface="+mj-lt"/>
+              <a:buAutoNum type="arabicParenR"/>
+            </a:pPr>
+            <a:r>
+              <a:rPr lang="de-DE" altLang="de-DE" dirty="0" err="1"/>
+              <a:t>Introduction</a:t>
+            </a:r>
+            <a:r>
+              <a:rPr lang="de-DE" altLang="de-DE" dirty="0"/>
+              <a:t> </a:t>
+            </a:r>
+            <a:r>
+              <a:rPr lang="de-DE" altLang="de-DE" dirty="0" err="1"/>
+              <a:t>to</a:t>
+            </a:r>
+            <a:r>
+              <a:rPr lang="de-DE" altLang="de-DE" dirty="0"/>
+              <a:t> R</a:t>
+            </a:r>
+          </a:p>
+          <a:p>
+            <a:pPr marL="457200" indent="-457200" eaLnBrk="1" hangingPunct="1">
+              <a:spcAft>
+                <a:spcPts val="1000"/>
+              </a:spcAft>
+              <a:buFont typeface="+mj-lt"/>
+              <a:buAutoNum type="arabicParenR"/>
+            </a:pPr>
+            <a:r>
+              <a:rPr lang="de-DE" altLang="de-DE" dirty="0" err="1"/>
+              <a:t>Exercise</a:t>
+            </a:r>
+            <a:r>
+              <a:rPr lang="de-DE" altLang="de-DE" dirty="0"/>
+              <a:t> </a:t>
+            </a:r>
+            <a:r>
+              <a:rPr lang="de-DE" altLang="de-DE" dirty="0" err="1"/>
+              <a:t>with</a:t>
+            </a:r>
+            <a:r>
+              <a:rPr lang="de-DE" altLang="de-DE" dirty="0"/>
+              <a:t> R - R </a:t>
+            </a:r>
+            <a:r>
+              <a:rPr lang="de-DE" altLang="de-DE" dirty="0" err="1"/>
+              <a:t>basics</a:t>
+            </a:r>
+            <a:endParaRPr lang="de-DE" altLang="de-DE" dirty="0"/>
+          </a:p>
+          <a:p>
+            <a:pPr marL="457200" indent="-457200">
+              <a:spcAft>
+                <a:spcPts val="1000"/>
+              </a:spcAft>
+              <a:buFont typeface="+mj-lt"/>
+              <a:buAutoNum type="arabicParenR"/>
+            </a:pPr>
+            <a:r>
+              <a:rPr lang="de-DE" altLang="de-DE" dirty="0" err="1"/>
+              <a:t>Exercise</a:t>
+            </a:r>
+            <a:r>
+              <a:rPr lang="de-DE" altLang="de-DE" dirty="0"/>
+              <a:t> </a:t>
+            </a:r>
+            <a:r>
+              <a:rPr lang="de-DE" altLang="de-DE" dirty="0" err="1"/>
+              <a:t>with</a:t>
+            </a:r>
+            <a:r>
+              <a:rPr lang="de-DE" altLang="de-DE" dirty="0"/>
+              <a:t> R - Flood </a:t>
+            </a:r>
+            <a:r>
+              <a:rPr lang="de-DE" altLang="de-DE" dirty="0" err="1"/>
+              <a:t>frequency</a:t>
+            </a:r>
+            <a:r>
+              <a:rPr lang="de-DE" altLang="de-DE" dirty="0"/>
+              <a:t> </a:t>
+            </a:r>
+            <a:r>
+              <a:rPr lang="de-DE" altLang="de-DE" dirty="0" err="1"/>
+              <a:t>analysis</a:t>
+            </a:r>
+            <a:endParaRPr lang="de-DE" altLang="de-DE" dirty="0"/>
+          </a:p>
+          <a:p>
+            <a:pPr marL="457200" indent="-457200">
+              <a:spcAft>
+                <a:spcPts val="1000"/>
+              </a:spcAft>
+              <a:buFont typeface="+mj-lt"/>
+              <a:buAutoNum type="arabicParenR"/>
+            </a:pPr>
+            <a:r>
+              <a:rPr lang="de-DE" altLang="de-DE" dirty="0" err="1"/>
+              <a:t>Exercise</a:t>
+            </a:r>
+            <a:r>
+              <a:rPr lang="de-DE" altLang="de-DE" dirty="0"/>
+              <a:t> </a:t>
+            </a:r>
+            <a:r>
+              <a:rPr lang="de-DE" altLang="de-DE" dirty="0" err="1"/>
+              <a:t>with</a:t>
+            </a:r>
+            <a:r>
+              <a:rPr lang="de-DE" altLang="de-DE" dirty="0"/>
+              <a:t> R - Time-</a:t>
+            </a:r>
+            <a:r>
+              <a:rPr lang="de-DE" altLang="de-DE" dirty="0" err="1"/>
+              <a:t>varying</a:t>
+            </a:r>
+            <a:r>
+              <a:rPr lang="de-DE" altLang="de-DE" dirty="0"/>
+              <a:t> </a:t>
+            </a:r>
+            <a:r>
+              <a:rPr lang="de-DE" altLang="de-DE" dirty="0" err="1"/>
+              <a:t>flood</a:t>
+            </a:r>
+            <a:r>
+              <a:rPr lang="de-DE" altLang="de-DE" dirty="0"/>
+              <a:t> </a:t>
+            </a:r>
+            <a:r>
+              <a:rPr lang="de-DE" altLang="de-DE" dirty="0" err="1"/>
+              <a:t>risk</a:t>
+            </a:r>
+            <a:r>
+              <a:rPr lang="de-DE" altLang="de-DE" dirty="0"/>
+              <a:t> </a:t>
+            </a:r>
+            <a:r>
+              <a:rPr lang="de-DE" altLang="de-DE" dirty="0" err="1"/>
+              <a:t>analysis</a:t>
+            </a:r>
+            <a:endParaRPr lang="de-DE" altLang="de-DE" dirty="0"/>
+          </a:p>
+        </p:txBody>
+      </p:sp>
+      <p:sp>
+        <p:nvSpPr>
+          <p:cNvPr id="2" name="Rectangle 1">
+            <a:extLst>
+              <a:ext uri="{FF2B5EF4-FFF2-40B4-BE49-F238E27FC236}">
+                <a16:creationId xmlns:a16="http://schemas.microsoft.com/office/drawing/2014/main" id="{758E25E9-32ED-4510-B433-984B559B4054}"/>
+              </a:ext>
+            </a:extLst>
+          </p:cNvPr>
+          <p:cNvSpPr/>
+          <p:nvPr/>
+        </p:nvSpPr>
+        <p:spPr>
+          <a:xfrm>
+            <a:off x="1547664" y="3782972"/>
+            <a:ext cx="7056784" cy="584775"/>
+          </a:xfrm>
+          <a:prstGeom prst="rect">
+            <a:avLst/>
+          </a:prstGeom>
+        </p:spPr>
+        <p:txBody>
+          <a:bodyPr wrap="square">
+            <a:spAutoFit/>
+          </a:bodyPr>
+          <a:lstStyle/>
+          <a:p>
+            <a:r>
+              <a:rPr lang="en-US" sz="1600" dirty="0">
+                <a:solidFill>
+                  <a:srgbClr val="00589C"/>
+                </a:solidFill>
+              </a:rPr>
+              <a:t>Materials here: </a:t>
+            </a:r>
+          </a:p>
+          <a:p>
+            <a:r>
+              <a:rPr lang="en-US" sz="1600" dirty="0">
+                <a:solidFill>
+                  <a:srgbClr val="00589C"/>
+                </a:solidFill>
+              </a:rPr>
+              <a:t>https://github.com/XiaoxiangGuanGFZ/FloodRiskSeminar</a:t>
+            </a:r>
+          </a:p>
+        </p:txBody>
+      </p:sp>
+      <p:sp>
+        <p:nvSpPr>
+          <p:cNvPr id="3" name="Slide Number Placeholder 2">
+            <a:extLst>
+              <a:ext uri="{FF2B5EF4-FFF2-40B4-BE49-F238E27FC236}">
+                <a16:creationId xmlns:a16="http://schemas.microsoft.com/office/drawing/2014/main" id="{0D84647E-7901-4454-8634-949208E5F309}"/>
+              </a:ext>
+            </a:extLst>
+          </p:cNvPr>
+          <p:cNvSpPr>
+            <a:spLocks noGrp="1"/>
+          </p:cNvSpPr>
+          <p:nvPr>
+            <p:ph type="sldNum" sz="quarter" idx="11"/>
+          </p:nvPr>
+        </p:nvSpPr>
+        <p:spPr/>
+        <p:txBody>
+          <a:bodyPr/>
+          <a:lstStyle/>
+          <a:p>
+            <a:fld id="{48105EDC-34E1-4D80-B051-D0CBD59863B8}" type="slidenum">
+              <a:rPr lang="de-DE" altLang="de-DE" smtClean="0"/>
+              <a:pPr/>
+              <a:t>2</a:t>
+            </a:fld>
+            <a:endParaRPr lang="de-DE" altLang="de-DE">
+              <a:solidFill>
+                <a:schemeClr val="tx1"/>
+              </a:solidFill>
+            </a:endParaRPr>
+          </a:p>
+        </p:txBody>
+      </p:sp>
+    </p:spTree>
+  </p:cSld>
+  <p:clrMapOvr>
+    <a:masterClrMapping/>
+  </p:clrMapOvr>
+</p:sld>
+</file>
+
+<file path=ppt/slides/slide20.xml><?xml version="1.0" encoding="utf-8"?>
+<p:sld xmlns:a="http://schemas.openxmlformats.org/drawingml/2006/main" xmlns:r="http://schemas.openxmlformats.org/officeDocument/2006/relationships" xmlns:p="http://schemas.openxmlformats.org/presentationml/2006/main">
+  <p:cSld>
+    <p:spTree>
+      <p:nvGrpSpPr>
+        <p:cNvPr id="1" name=""/>
+        <p:cNvGrpSpPr/>
+        <p:nvPr/>
+      </p:nvGrpSpPr>
+      <p:grpSpPr>
+        <a:xfrm>
+          <a:off x="0" y="0"/>
+          <a:ext cx="0" cy="0"/>
+          <a:chOff x="0" y="0"/>
+          <a:chExt cx="0" cy="0"/>
+        </a:xfrm>
+      </p:grpSpPr>
+      <p:sp>
+        <p:nvSpPr>
+          <p:cNvPr id="4" name="Rectangle 3">
+            <a:extLst>
+              <a:ext uri="{FF2B5EF4-FFF2-40B4-BE49-F238E27FC236}">
+                <a16:creationId xmlns:a16="http://schemas.microsoft.com/office/drawing/2014/main" id="{741E6F0F-8952-48F7-B8A6-5C00D4C8363A}"/>
+              </a:ext>
+            </a:extLst>
+          </p:cNvPr>
+          <p:cNvSpPr/>
+          <p:nvPr/>
+        </p:nvSpPr>
+        <p:spPr bwMode="auto">
+          <a:xfrm>
+            <a:off x="0" y="0"/>
+            <a:ext cx="9144000" cy="627534"/>
+          </a:xfrm>
+          <a:prstGeom prst="rect">
+            <a:avLst/>
+          </a:prstGeom>
+          <a:solidFill>
+            <a:srgbClr val="00589C"/>
+          </a:solidFill>
+          <a:ln w="9525" cap="flat" cmpd="sng" algn="ctr">
+            <a:solidFill>
+              <a:srgbClr val="00589C"/>
+            </a:solidFill>
+            <a:prstDash val="solid"/>
+            <a:round/>
+            <a:headEnd type="none" w="med" len="med"/>
+            <a:tailEnd type="none" w="med" len="med"/>
+          </a:ln>
+          <a:effectLst/>
+          <a:extLst>
+            <a:ext uri="{AF507438-7753-43e0-B8FC-AC1667EBCBE1}">
+              <a14:hiddenEffects xmlns:a14="http://schemas.microsoft.com/office/drawing/2010/main" xmlns="">
+                <a:effectLst>
+                  <a:outerShdw dist="35921" dir="2700000" algn="ctr" rotWithShape="0">
+                    <a:schemeClr val="bg2"/>
+                  </a:outerShdw>
+                </a:effectLst>
+              </a14:hiddenEffects>
+            </a:ext>
+          </a:extLst>
+        </p:spPr>
+        <p:txBody>
+          <a:bodyPr vert="horz" wrap="square" lIns="91440" tIns="45720" rIns="91440" bIns="45720" numCol="1" rtlCol="0" anchor="ctr" anchorCtr="0" compatLnSpc="1">
+            <a:prstTxWarp prst="textNoShape">
+              <a:avLst/>
+            </a:prstTxWarp>
+          </a:bodyPr>
+          <a:lstStyle/>
+          <a:p>
+            <a:pPr eaLnBrk="0" hangingPunct="0"/>
+            <a:r>
+              <a:rPr kumimoji="0" lang="en-US" sz="2000" b="1" i="0" u="none" strike="noStrike" cap="none" normalizeH="0" baseline="0" dirty="0">
+                <a:ln>
+                  <a:noFill/>
+                </a:ln>
+                <a:solidFill>
+                  <a:schemeClr val="bg1"/>
+                </a:solidFill>
+                <a:effectLst/>
+                <a:latin typeface="+mj-lt"/>
+                <a:ea typeface="ＭＳ Ｐゴシック" pitchFamily="96" charset="-128"/>
+              </a:rPr>
+              <a:t>Topic 3</a:t>
+            </a:r>
+            <a:r>
+              <a:rPr lang="en-US" sz="2000" b="1" dirty="0">
+                <a:solidFill>
+                  <a:schemeClr val="bg1"/>
+                </a:solidFill>
+                <a:latin typeface="+mj-lt"/>
+                <a:ea typeface="ＭＳ Ｐゴシック" pitchFamily="96" charset="-128"/>
+              </a:rPr>
+              <a:t>. Exercise with R - Flood frequency analysis</a:t>
+            </a:r>
+            <a:endParaRPr kumimoji="0" lang="en-US" sz="2000" b="1" i="0" u="none" strike="noStrike" cap="none" normalizeH="0" baseline="0" dirty="0">
+              <a:ln>
+                <a:noFill/>
+              </a:ln>
+              <a:solidFill>
+                <a:schemeClr val="bg1"/>
+              </a:solidFill>
+              <a:effectLst/>
+              <a:latin typeface="+mj-lt"/>
+              <a:ea typeface="ＭＳ Ｐゴシック" pitchFamily="96" charset="-128"/>
+            </a:endParaRPr>
+          </a:p>
+        </p:txBody>
+      </p:sp>
+      <p:sp>
+        <p:nvSpPr>
+          <p:cNvPr id="2" name="Slide Number Placeholder 1">
+            <a:extLst>
+              <a:ext uri="{FF2B5EF4-FFF2-40B4-BE49-F238E27FC236}">
+                <a16:creationId xmlns:a16="http://schemas.microsoft.com/office/drawing/2014/main" id="{2070EC6C-AAF5-4D83-AEC1-C7F2433683BB}"/>
+              </a:ext>
+            </a:extLst>
+          </p:cNvPr>
+          <p:cNvSpPr>
+            <a:spLocks noGrp="1"/>
+          </p:cNvSpPr>
+          <p:nvPr>
+            <p:ph type="sldNum" sz="quarter" idx="11"/>
+          </p:nvPr>
+        </p:nvSpPr>
+        <p:spPr/>
+        <p:txBody>
+          <a:bodyPr/>
+          <a:lstStyle/>
+          <a:p>
+            <a:fld id="{48105EDC-34E1-4D80-B051-D0CBD59863B8}" type="slidenum">
+              <a:rPr lang="de-DE" altLang="de-DE" smtClean="0"/>
+              <a:pPr/>
+              <a:t>20</a:t>
+            </a:fld>
+            <a:endParaRPr lang="de-DE" altLang="de-DE">
+              <a:solidFill>
+                <a:schemeClr val="tx1"/>
+              </a:solidFill>
+            </a:endParaRPr>
+          </a:p>
+        </p:txBody>
+      </p:sp>
+      <p:sp>
+        <p:nvSpPr>
+          <p:cNvPr id="5" name="Rectangle 4">
+            <a:extLst>
+              <a:ext uri="{FF2B5EF4-FFF2-40B4-BE49-F238E27FC236}">
+                <a16:creationId xmlns:a16="http://schemas.microsoft.com/office/drawing/2014/main" id="{FFD55E64-A004-4FD3-9310-E6F296A645FD}"/>
+              </a:ext>
+            </a:extLst>
+          </p:cNvPr>
+          <p:cNvSpPr/>
+          <p:nvPr/>
+        </p:nvSpPr>
+        <p:spPr>
+          <a:xfrm>
+            <a:off x="1331640" y="1563638"/>
+            <a:ext cx="6961778" cy="1446550"/>
+          </a:xfrm>
+          <a:prstGeom prst="rect">
+            <a:avLst/>
+          </a:prstGeom>
+        </p:spPr>
+        <p:txBody>
+          <a:bodyPr wrap="square">
+            <a:spAutoFit/>
+          </a:bodyPr>
+          <a:lstStyle/>
+          <a:p>
+            <a:r>
+              <a:rPr lang="en-US" sz="2000" dirty="0">
+                <a:latin typeface="+mn-lt"/>
+              </a:rPr>
+              <a:t>Exercises: </a:t>
+            </a:r>
+          </a:p>
+          <a:p>
+            <a:pPr marL="342900" indent="-342900">
+              <a:spcAft>
+                <a:spcPts val="800"/>
+              </a:spcAft>
+              <a:buFont typeface="+mj-lt"/>
+              <a:buAutoNum type="arabicParenR"/>
+            </a:pPr>
+            <a:r>
+              <a:rPr lang="en-US" sz="1200" dirty="0">
+                <a:latin typeface="+mn-lt"/>
+              </a:rPr>
+              <a:t>get data into R: ./data/</a:t>
+            </a:r>
+            <a:r>
+              <a:rPr lang="en-US" sz="1200" b="1" dirty="0">
+                <a:solidFill>
+                  <a:srgbClr val="004D95"/>
+                </a:solidFill>
+                <a:latin typeface="+mn-lt"/>
+              </a:rPr>
+              <a:t>Example_data.csv</a:t>
+            </a:r>
+            <a:r>
+              <a:rPr lang="en-US" sz="1200" dirty="0">
+                <a:latin typeface="+mn-lt"/>
+              </a:rPr>
+              <a:t>, use </a:t>
+            </a:r>
+            <a:r>
+              <a:rPr lang="en-US" sz="1200" dirty="0" err="1">
+                <a:latin typeface="+mn-lt"/>
+              </a:rPr>
+              <a:t>read.table</a:t>
+            </a:r>
+            <a:r>
+              <a:rPr lang="en-US" sz="1200" dirty="0">
+                <a:latin typeface="+mn-lt"/>
+              </a:rPr>
+              <a:t>() function</a:t>
+            </a:r>
+          </a:p>
+          <a:p>
+            <a:pPr marL="342900" indent="-342900">
+              <a:spcAft>
+                <a:spcPts val="800"/>
+              </a:spcAft>
+              <a:buFont typeface="+mj-lt"/>
+              <a:buAutoNum type="arabicParenR"/>
+            </a:pPr>
+            <a:r>
+              <a:rPr lang="en-US" sz="1200" dirty="0">
+                <a:latin typeface="+mn-lt"/>
+              </a:rPr>
+              <a:t>Derive the annual maximum discharge series </a:t>
+            </a:r>
+          </a:p>
+          <a:p>
+            <a:pPr marL="342900" indent="-342900">
+              <a:spcAft>
+                <a:spcPts val="800"/>
+              </a:spcAft>
+              <a:buFont typeface="+mj-lt"/>
+              <a:buAutoNum type="arabicParenR"/>
+            </a:pPr>
+            <a:r>
+              <a:rPr lang="en-US" sz="1200" dirty="0">
+                <a:latin typeface="+mn-lt"/>
+              </a:rPr>
+              <a:t>Estimate the GEV parameters for annual maximum discharge</a:t>
+            </a:r>
+          </a:p>
+          <a:p>
+            <a:pPr marL="342900" indent="-342900">
+              <a:spcAft>
+                <a:spcPts val="800"/>
+              </a:spcAft>
+              <a:buFont typeface="+mj-lt"/>
+              <a:buAutoNum type="arabicParenR"/>
+            </a:pPr>
+            <a:r>
+              <a:rPr lang="en-US" sz="1200" dirty="0">
+                <a:latin typeface="+mn-lt"/>
+              </a:rPr>
+              <a:t>Generate 100 random numbers based on the estimated GEV parameters</a:t>
+            </a:r>
+          </a:p>
+        </p:txBody>
+      </p:sp>
+    </p:spTree>
+    <p:extLst>
+      <p:ext uri="{BB962C8B-B14F-4D97-AF65-F5344CB8AC3E}">
+        <p14:creationId xmlns:p14="http://schemas.microsoft.com/office/powerpoint/2010/main" val="3491938248"/>
       </p:ext>
     </p:extLst>
   </p:cSld>
@@ -20877,162 +20876,6 @@
     <p:extLst>
       <p:ext uri="{BB962C8B-B14F-4D97-AF65-F5344CB8AC3E}">
         <p14:creationId xmlns:p14="http://schemas.microsoft.com/office/powerpoint/2010/main" val="3924842481"/>
-      </p:ext>
-    </p:extLst>
-  </p:cSld>
-  <p:clrMapOvr>
-    <a:masterClrMapping/>
-  </p:clrMapOvr>
-</p:sld>
-</file>
-
-<file path=ppt/slides/slide24.xml><?xml version="1.0" encoding="utf-8"?>
-<p:sld xmlns:a="http://schemas.openxmlformats.org/drawingml/2006/main" xmlns:r="http://schemas.openxmlformats.org/officeDocument/2006/relationships" xmlns:p="http://schemas.openxmlformats.org/presentationml/2006/main">
-  <p:cSld>
-    <p:spTree>
-      <p:nvGrpSpPr>
-        <p:cNvPr id="1" name=""/>
-        <p:cNvGrpSpPr/>
-        <p:nvPr/>
-      </p:nvGrpSpPr>
-      <p:grpSpPr>
-        <a:xfrm>
-          <a:off x="0" y="0"/>
-          <a:ext cx="0" cy="0"/>
-          <a:chOff x="0" y="0"/>
-          <a:chExt cx="0" cy="0"/>
-        </a:xfrm>
-      </p:grpSpPr>
-      <p:sp>
-        <p:nvSpPr>
-          <p:cNvPr id="4" name="Rectangle 3">
-            <a:extLst>
-              <a:ext uri="{FF2B5EF4-FFF2-40B4-BE49-F238E27FC236}">
-                <a16:creationId xmlns:a16="http://schemas.microsoft.com/office/drawing/2014/main" id="{741E6F0F-8952-48F7-B8A6-5C00D4C8363A}"/>
-              </a:ext>
-            </a:extLst>
-          </p:cNvPr>
-          <p:cNvSpPr/>
-          <p:nvPr/>
-        </p:nvSpPr>
-        <p:spPr bwMode="auto">
-          <a:xfrm>
-            <a:off x="0" y="0"/>
-            <a:ext cx="9144000" cy="627534"/>
-          </a:xfrm>
-          <a:prstGeom prst="rect">
-            <a:avLst/>
-          </a:prstGeom>
-          <a:solidFill>
-            <a:srgbClr val="00589C"/>
-          </a:solidFill>
-          <a:ln w="9525" cap="flat" cmpd="sng" algn="ctr">
-            <a:solidFill>
-              <a:srgbClr val="00589C"/>
-            </a:solidFill>
-            <a:prstDash val="solid"/>
-            <a:round/>
-            <a:headEnd type="none" w="med" len="med"/>
-            <a:tailEnd type="none" w="med" len="med"/>
-          </a:ln>
-          <a:effectLst/>
-          <a:extLst>
-            <a:ext uri="{AF507438-7753-43e0-B8FC-AC1667EBCBE1}">
-              <a14:hiddenEffects xmlns:a14="http://schemas.microsoft.com/office/drawing/2010/main" xmlns="">
-                <a:effectLst>
-                  <a:outerShdw dist="35921" dir="2700000" algn="ctr" rotWithShape="0">
-                    <a:schemeClr val="bg2"/>
-                  </a:outerShdw>
-                </a:effectLst>
-              </a14:hiddenEffects>
-            </a:ext>
-          </a:extLst>
-        </p:spPr>
-        <p:txBody>
-          <a:bodyPr vert="horz" wrap="square" lIns="91440" tIns="45720" rIns="91440" bIns="45720" numCol="1" rtlCol="0" anchor="ctr" anchorCtr="0" compatLnSpc="1">
-            <a:prstTxWarp prst="textNoShape">
-              <a:avLst/>
-            </a:prstTxWarp>
-          </a:bodyPr>
-          <a:lstStyle/>
-          <a:p>
-            <a:pPr eaLnBrk="0" hangingPunct="0"/>
-            <a:r>
-              <a:rPr kumimoji="0" lang="en-US" sz="2000" b="1" i="0" u="none" strike="noStrike" cap="none" normalizeH="0" baseline="0" dirty="0">
-                <a:ln>
-                  <a:noFill/>
-                </a:ln>
-                <a:solidFill>
-                  <a:schemeClr val="bg1"/>
-                </a:solidFill>
-                <a:effectLst/>
-                <a:latin typeface="+mj-lt"/>
-                <a:ea typeface="ＭＳ Ｐゴシック" pitchFamily="96" charset="-128"/>
-              </a:rPr>
-              <a:t>Topic </a:t>
-            </a:r>
-            <a:r>
-              <a:rPr lang="en-US" sz="2000" b="1" dirty="0">
-                <a:solidFill>
-                  <a:schemeClr val="bg1"/>
-                </a:solidFill>
-                <a:latin typeface="+mj-lt"/>
-                <a:ea typeface="ＭＳ Ｐゴシック" pitchFamily="96" charset="-128"/>
-              </a:rPr>
-              <a:t>4. Exercise with R - Time-varying flood risk analysis</a:t>
-            </a:r>
-            <a:endParaRPr kumimoji="0" lang="en-US" sz="2000" b="1" i="0" u="none" strike="noStrike" cap="none" normalizeH="0" baseline="0" dirty="0">
-              <a:ln>
-                <a:noFill/>
-              </a:ln>
-              <a:solidFill>
-                <a:schemeClr val="bg1"/>
-              </a:solidFill>
-              <a:effectLst/>
-              <a:latin typeface="+mj-lt"/>
-              <a:ea typeface="ＭＳ Ｐゴシック" pitchFamily="96" charset="-128"/>
-            </a:endParaRPr>
-          </a:p>
-        </p:txBody>
-      </p:sp>
-      <p:sp>
-        <p:nvSpPr>
-          <p:cNvPr id="2" name="Slide Number Placeholder 1">
-            <a:extLst>
-              <a:ext uri="{FF2B5EF4-FFF2-40B4-BE49-F238E27FC236}">
-                <a16:creationId xmlns:a16="http://schemas.microsoft.com/office/drawing/2014/main" id="{2070EC6C-AAF5-4D83-AEC1-C7F2433683BB}"/>
-              </a:ext>
-            </a:extLst>
-          </p:cNvPr>
-          <p:cNvSpPr>
-            <a:spLocks noGrp="1"/>
-          </p:cNvSpPr>
-          <p:nvPr>
-            <p:ph type="sldNum" sz="quarter" idx="11"/>
-          </p:nvPr>
-        </p:nvSpPr>
-        <p:spPr/>
-        <p:txBody>
-          <a:bodyPr/>
-          <a:lstStyle/>
-          <a:p>
-            <a:fld id="{48105EDC-34E1-4D80-B051-D0CBD59863B8}" type="slidenum">
-              <a:rPr lang="de-DE" altLang="de-DE" smtClean="0"/>
-              <a:pPr/>
-              <a:t>24</a:t>
-            </a:fld>
-            <a:endParaRPr lang="de-DE" altLang="de-DE">
-              <a:solidFill>
-                <a:schemeClr val="tx1"/>
-              </a:solidFill>
-            </a:endParaRPr>
-          </a:p>
-        </p:txBody>
-      </p:sp>
-    </p:spTree>
-    <p:extLst>
-      <p:ext uri="{BB962C8B-B14F-4D97-AF65-F5344CB8AC3E}">
-        <p14:creationId xmlns:p14="http://schemas.microsoft.com/office/powerpoint/2010/main" val="468605507"/>
       </p:ext>
     </p:extLst>
   </p:cSld>

--- a/slides/FRS_exercise_R.pptx
+++ b/slides/FRS_exercise_R.pptx
@@ -231,7 +231,6 @@
           <a:ln>
             <a:noFill/>
           </a:ln>
-          <a:extLst/>
         </p:spPr>
         <p:txBody>
           <a:bodyPr vert="horz" wrap="square" lIns="91440" tIns="45720" rIns="91440" bIns="45720" numCol="1" anchor="t" anchorCtr="0" compatLnSpc="1">
@@ -278,7 +277,6 @@
           <a:ln>
             <a:noFill/>
           </a:ln>
-          <a:extLst/>
         </p:spPr>
         <p:txBody>
           <a:bodyPr vert="horz" wrap="square" lIns="91440" tIns="45720" rIns="91440" bIns="45720" numCol="1" anchor="t" anchorCtr="0" compatLnSpc="1">
@@ -325,7 +323,6 @@
           <a:ln>
             <a:noFill/>
           </a:ln>
-          <a:extLst/>
         </p:spPr>
         <p:txBody>
           <a:bodyPr vert="horz" wrap="square" lIns="91440" tIns="45720" rIns="91440" bIns="45720" numCol="1" anchor="b" anchorCtr="0" compatLnSpc="1">
@@ -372,7 +369,6 @@
           <a:ln>
             <a:noFill/>
           </a:ln>
-          <a:extLst/>
         </p:spPr>
         <p:txBody>
           <a:bodyPr vert="horz" wrap="square" lIns="91440" tIns="45720" rIns="91440" bIns="45720" numCol="1" anchor="b" anchorCtr="0" compatLnSpc="1">
@@ -453,7 +449,6 @@
           <a:ln>
             <a:noFill/>
           </a:ln>
-          <a:extLst/>
         </p:spPr>
         <p:txBody>
           <a:bodyPr vert="horz" wrap="square" lIns="91440" tIns="45720" rIns="91440" bIns="45720" numCol="1" anchor="t" anchorCtr="0" compatLnSpc="1">
@@ -500,7 +495,6 @@
           <a:ln>
             <a:noFill/>
           </a:ln>
-          <a:extLst/>
         </p:spPr>
         <p:txBody>
           <a:bodyPr vert="horz" wrap="square" lIns="91440" tIns="45720" rIns="91440" bIns="45720" numCol="1" anchor="t" anchorCtr="0" compatLnSpc="1">
@@ -585,7 +579,6 @@
           <a:ln>
             <a:noFill/>
           </a:ln>
-          <a:extLst/>
         </p:spPr>
         <p:txBody>
           <a:bodyPr vert="horz" wrap="square" lIns="91440" tIns="45720" rIns="91440" bIns="45720" numCol="1" anchor="t" anchorCtr="0" compatLnSpc="1">
@@ -653,7 +646,6 @@
           <a:ln>
             <a:noFill/>
           </a:ln>
-          <a:extLst/>
         </p:spPr>
         <p:txBody>
           <a:bodyPr vert="horz" wrap="square" lIns="91440" tIns="45720" rIns="91440" bIns="45720" numCol="1" anchor="b" anchorCtr="0" compatLnSpc="1">
@@ -703,7 +695,6 @@
           <a:ln>
             <a:noFill/>
           </a:ln>
-          <a:extLst/>
         </p:spPr>
         <p:txBody>
           <a:bodyPr vert="horz" wrap="square" lIns="91440" tIns="45720" rIns="91440" bIns="45720" numCol="1" anchor="b" anchorCtr="0" compatLnSpc="1">
@@ -4783,7 +4774,6 @@
           <a:ln>
             <a:noFill/>
           </a:ln>
-          <a:extLst/>
         </p:spPr>
         <p:txBody>
           <a:bodyPr vert="horz" wrap="square" lIns="91440" tIns="45720" rIns="91440" bIns="45720" numCol="1" anchor="t" anchorCtr="0" compatLnSpc="1">
@@ -4830,7 +4820,6 @@
           <a:ln>
             <a:noFill/>
           </a:ln>
-          <a:extLst/>
         </p:spPr>
         <p:txBody>
           <a:bodyPr vert="horz" wrap="square" lIns="91440" tIns="45720" rIns="91440" bIns="45720" numCol="1" anchor="t" anchorCtr="0" compatLnSpc="1">
@@ -5854,7 +5843,7 @@
           <a:effectLst/>
           <a:extLst>
             <a:ext uri="{AF507438-7753-43e0-B8FC-AC1667EBCBE1}">
-              <a14:hiddenEffects xmlns:a14="http://schemas.microsoft.com/office/drawing/2010/main" xmlns="">
+              <a14:hiddenEffects xmlns="" xmlns:a14="http://schemas.microsoft.com/office/drawing/2010/main">
                 <a:effectLst>
                   <a:outerShdw dist="35921" dir="2700000" algn="ctr" rotWithShape="0">
                     <a:schemeClr val="bg2"/>
@@ -6323,7 +6312,7 @@
           <a:effectLst/>
           <a:extLst>
             <a:ext uri="{AF507438-7753-43e0-B8FC-AC1667EBCBE1}">
-              <a14:hiddenEffects xmlns:a14="http://schemas.microsoft.com/office/drawing/2010/main" xmlns="">
+              <a14:hiddenEffects xmlns="" xmlns:a14="http://schemas.microsoft.com/office/drawing/2010/main">
                 <a:effectLst>
                   <a:outerShdw dist="35921" dir="2700000" algn="ctr" rotWithShape="0">
                     <a:schemeClr val="bg2"/>
@@ -7026,7 +7015,7 @@
             <a:effectLst/>
             <a:extLst>
               <a:ext uri="{AF507438-7753-43e0-B8FC-AC1667EBCBE1}">
-                <a14:hiddenEffects xmlns:a14="http://schemas.microsoft.com/office/drawing/2010/main" xmlns="">
+                <a14:hiddenEffects xmlns="" xmlns:a14="http://schemas.microsoft.com/office/drawing/2010/main">
                   <a:effectLst>
                     <a:outerShdw dist="35921" dir="2700000" algn="ctr" rotWithShape="0">
                       <a:schemeClr val="bg2"/>
@@ -7107,7 +7096,7 @@
             <a:effectLst/>
             <a:extLst>
               <a:ext uri="{AF507438-7753-43e0-B8FC-AC1667EBCBE1}">
-                <a14:hiddenEffects xmlns:a14="http://schemas.microsoft.com/office/drawing/2010/main" xmlns="">
+                <a14:hiddenEffects xmlns="" xmlns:a14="http://schemas.microsoft.com/office/drawing/2010/main">
                   <a:effectLst>
                     <a:outerShdw dist="35921" dir="2700000" algn="ctr" rotWithShape="0">
                       <a:schemeClr val="bg2"/>
@@ -7188,7 +7177,7 @@
             <a:effectLst/>
             <a:extLst>
               <a:ext uri="{AF507438-7753-43e0-B8FC-AC1667EBCBE1}">
-                <a14:hiddenEffects xmlns:a14="http://schemas.microsoft.com/office/drawing/2010/main" xmlns="">
+                <a14:hiddenEffects xmlns="" xmlns:a14="http://schemas.microsoft.com/office/drawing/2010/main">
                   <a:effectLst>
                     <a:outerShdw dist="35921" dir="2700000" algn="ctr" rotWithShape="0">
                       <a:schemeClr val="bg2"/>
@@ -7269,7 +7258,7 @@
             <a:effectLst/>
             <a:extLst>
               <a:ext uri="{AF507438-7753-43e0-B8FC-AC1667EBCBE1}">
-                <a14:hiddenEffects xmlns:a14="http://schemas.microsoft.com/office/drawing/2010/main" xmlns="">
+                <a14:hiddenEffects xmlns="" xmlns:a14="http://schemas.microsoft.com/office/drawing/2010/main">
                   <a:effectLst>
                     <a:outerShdw dist="35921" dir="2700000" algn="ctr" rotWithShape="0">
                       <a:schemeClr val="bg2"/>
@@ -7507,7 +7496,7 @@
             <a:effectLst/>
             <a:extLst>
               <a:ext uri="{AF507438-7753-43e0-B8FC-AC1667EBCBE1}">
-                <a14:hiddenEffects xmlns:a14="http://schemas.microsoft.com/office/drawing/2010/main" xmlns="">
+                <a14:hiddenEffects xmlns="" xmlns:a14="http://schemas.microsoft.com/office/drawing/2010/main">
                   <a:effectLst>
                     <a:outerShdw dist="35921" dir="2700000" algn="ctr" rotWithShape="0">
                       <a:schemeClr val="bg2"/>
@@ -7588,7 +7577,7 @@
             <a:effectLst/>
             <a:extLst>
               <a:ext uri="{AF507438-7753-43e0-B8FC-AC1667EBCBE1}">
-                <a14:hiddenEffects xmlns:a14="http://schemas.microsoft.com/office/drawing/2010/main" xmlns="">
+                <a14:hiddenEffects xmlns="" xmlns:a14="http://schemas.microsoft.com/office/drawing/2010/main">
                   <a:effectLst>
                     <a:outerShdw dist="35921" dir="2700000" algn="ctr" rotWithShape="0">
                       <a:schemeClr val="bg2"/>
@@ -7669,7 +7658,7 @@
             <a:effectLst/>
             <a:extLst>
               <a:ext uri="{AF507438-7753-43e0-B8FC-AC1667EBCBE1}">
-                <a14:hiddenEffects xmlns:a14="http://schemas.microsoft.com/office/drawing/2010/main" xmlns="">
+                <a14:hiddenEffects xmlns="" xmlns:a14="http://schemas.microsoft.com/office/drawing/2010/main">
                   <a:effectLst>
                     <a:outerShdw dist="35921" dir="2700000" algn="ctr" rotWithShape="0">
                       <a:schemeClr val="bg2"/>
@@ -7750,7 +7739,7 @@
             <a:effectLst/>
             <a:extLst>
               <a:ext uri="{AF507438-7753-43e0-B8FC-AC1667EBCBE1}">
-                <a14:hiddenEffects xmlns:a14="http://schemas.microsoft.com/office/drawing/2010/main" xmlns="">
+                <a14:hiddenEffects xmlns="" xmlns:a14="http://schemas.microsoft.com/office/drawing/2010/main">
                   <a:effectLst>
                     <a:outerShdw dist="35921" dir="2700000" algn="ctr" rotWithShape="0">
                       <a:schemeClr val="bg2"/>
@@ -7854,7 +7843,7 @@
             <a:effectLst/>
             <a:extLst>
               <a:ext uri="{AF507438-7753-43e0-B8FC-AC1667EBCBE1}">
-                <a14:hiddenEffects xmlns:a14="http://schemas.microsoft.com/office/drawing/2010/main" xmlns="">
+                <a14:hiddenEffects xmlns="" xmlns:a14="http://schemas.microsoft.com/office/drawing/2010/main">
                   <a:effectLst>
                     <a:outerShdw dist="35921" dir="2700000" algn="ctr" rotWithShape="0">
                       <a:schemeClr val="bg2"/>
@@ -7900,7 +7889,7 @@
             <a:effectLst/>
             <a:extLst>
               <a:ext uri="{AF507438-7753-43e0-B8FC-AC1667EBCBE1}">
-                <a14:hiddenEffects xmlns:a14="http://schemas.microsoft.com/office/drawing/2010/main" xmlns="">
+                <a14:hiddenEffects xmlns="" xmlns:a14="http://schemas.microsoft.com/office/drawing/2010/main">
                   <a:effectLst>
                     <a:outerShdw dist="35921" dir="2700000" algn="ctr" rotWithShape="0">
                       <a:schemeClr val="bg2"/>
@@ -7946,7 +7935,7 @@
             <a:effectLst/>
             <a:extLst>
               <a:ext uri="{AF507438-7753-43e0-B8FC-AC1667EBCBE1}">
-                <a14:hiddenEffects xmlns:a14="http://schemas.microsoft.com/office/drawing/2010/main" xmlns="">
+                <a14:hiddenEffects xmlns="" xmlns:a14="http://schemas.microsoft.com/office/drawing/2010/main">
                   <a:effectLst>
                     <a:outerShdw dist="35921" dir="2700000" algn="ctr" rotWithShape="0">
                       <a:schemeClr val="bg2"/>
@@ -7992,7 +7981,7 @@
             <a:effectLst/>
             <a:extLst>
               <a:ext uri="{AF507438-7753-43e0-B8FC-AC1667EBCBE1}">
-                <a14:hiddenEffects xmlns:a14="http://schemas.microsoft.com/office/drawing/2010/main" xmlns="">
+                <a14:hiddenEffects xmlns="" xmlns:a14="http://schemas.microsoft.com/office/drawing/2010/main">
                   <a:effectLst>
                     <a:outerShdw dist="35921" dir="2700000" algn="ctr" rotWithShape="0">
                       <a:schemeClr val="bg2"/>
@@ -8728,7 +8717,7 @@
           <a:effectLst/>
           <a:extLst>
             <a:ext uri="{AF507438-7753-43e0-B8FC-AC1667EBCBE1}">
-              <a14:hiddenEffects xmlns:a14="http://schemas.microsoft.com/office/drawing/2010/main" xmlns="">
+              <a14:hiddenEffects xmlns="" xmlns:a14="http://schemas.microsoft.com/office/drawing/2010/main">
                 <a:effectLst>
                   <a:outerShdw dist="35921" dir="2700000" algn="ctr" rotWithShape="0">
                     <a:schemeClr val="bg2"/>
@@ -9049,7 +9038,7 @@
           <a:effectLst/>
           <a:extLst>
             <a:ext uri="{AF507438-7753-43e0-B8FC-AC1667EBCBE1}">
-              <a14:hiddenEffects xmlns:a14="http://schemas.microsoft.com/office/drawing/2010/main" xmlns="">
+              <a14:hiddenEffects xmlns="" xmlns:a14="http://schemas.microsoft.com/office/drawing/2010/main">
                 <a:effectLst>
                   <a:outerShdw dist="35921" dir="2700000" algn="ctr" rotWithShape="0">
                     <a:schemeClr val="bg2"/>
@@ -9393,7 +9382,7 @@
           <a:effectLst/>
           <a:extLst>
             <a:ext uri="{AF507438-7753-43e0-B8FC-AC1667EBCBE1}">
-              <a14:hiddenEffects xmlns:a14="http://schemas.microsoft.com/office/drawing/2010/main" xmlns="">
+              <a14:hiddenEffects xmlns="" xmlns:a14="http://schemas.microsoft.com/office/drawing/2010/main">
                 <a:effectLst>
                   <a:outerShdw dist="35921" dir="2700000" algn="ctr" rotWithShape="0">
                     <a:schemeClr val="bg2"/>
@@ -9574,7 +9563,7 @@
           <a:effectLst/>
           <a:extLst>
             <a:ext uri="{AF507438-7753-43e0-B8FC-AC1667EBCBE1}">
-              <a14:hiddenEffects xmlns:a14="http://schemas.microsoft.com/office/drawing/2010/main" xmlns="">
+              <a14:hiddenEffects xmlns="" xmlns:a14="http://schemas.microsoft.com/office/drawing/2010/main">
                 <a:effectLst>
                   <a:outerShdw dist="35921" dir="2700000" algn="ctr" rotWithShape="0">
                     <a:schemeClr val="bg2"/>
@@ -9723,7 +9712,7 @@
             <a:effectLst/>
             <a:extLst>
               <a:ext uri="{AF507438-7753-43e0-B8FC-AC1667EBCBE1}">
-                <a14:hiddenEffects xmlns:a14="http://schemas.microsoft.com/office/drawing/2010/main" xmlns="">
+                <a14:hiddenEffects xmlns="" xmlns:a14="http://schemas.microsoft.com/office/drawing/2010/main">
                   <a:effectLst>
                     <a:outerShdw dist="35921" dir="2700000" algn="ctr" rotWithShape="0">
                       <a:schemeClr val="bg2"/>
@@ -9811,7 +9800,7 @@
             <a:effectLst/>
             <a:extLst>
               <a:ext uri="{AF507438-7753-43e0-B8FC-AC1667EBCBE1}">
-                <a14:hiddenEffects xmlns:a14="http://schemas.microsoft.com/office/drawing/2010/main" xmlns="">
+                <a14:hiddenEffects xmlns="" xmlns:a14="http://schemas.microsoft.com/office/drawing/2010/main">
                   <a:effectLst>
                     <a:outerShdw dist="35921" dir="2700000" algn="ctr" rotWithShape="0">
                       <a:schemeClr val="bg2"/>
@@ -9906,7 +9895,7 @@
             <a:effectLst/>
             <a:extLst>
               <a:ext uri="{AF507438-7753-43e0-B8FC-AC1667EBCBE1}">
-                <a14:hiddenEffects xmlns:a14="http://schemas.microsoft.com/office/drawing/2010/main" xmlns="">
+                <a14:hiddenEffects xmlns="" xmlns:a14="http://schemas.microsoft.com/office/drawing/2010/main">
                   <a:effectLst>
                     <a:outerShdw dist="35921" dir="2700000" algn="ctr" rotWithShape="0">
                       <a:schemeClr val="bg2"/>
@@ -9994,7 +9983,7 @@
             <a:effectLst/>
             <a:extLst>
               <a:ext uri="{AF507438-7753-43e0-B8FC-AC1667EBCBE1}">
-                <a14:hiddenEffects xmlns:a14="http://schemas.microsoft.com/office/drawing/2010/main" xmlns="">
+                <a14:hiddenEffects xmlns="" xmlns:a14="http://schemas.microsoft.com/office/drawing/2010/main">
                   <a:effectLst>
                     <a:outerShdw dist="35921" dir="2700000" algn="ctr" rotWithShape="0">
                       <a:schemeClr val="bg2"/>
@@ -10082,7 +10071,7 @@
             <a:effectLst/>
             <a:extLst>
               <a:ext uri="{AF507438-7753-43e0-B8FC-AC1667EBCBE1}">
-                <a14:hiddenEffects xmlns:a14="http://schemas.microsoft.com/office/drawing/2010/main" xmlns="">
+                <a14:hiddenEffects xmlns="" xmlns:a14="http://schemas.microsoft.com/office/drawing/2010/main">
                   <a:effectLst>
                     <a:outerShdw dist="35921" dir="2700000" algn="ctr" rotWithShape="0">
                       <a:schemeClr val="bg2"/>
@@ -10170,7 +10159,7 @@
             <a:effectLst/>
             <a:extLst>
               <a:ext uri="{AF507438-7753-43e0-B8FC-AC1667EBCBE1}">
-                <a14:hiddenEffects xmlns:a14="http://schemas.microsoft.com/office/drawing/2010/main" xmlns="">
+                <a14:hiddenEffects xmlns="" xmlns:a14="http://schemas.microsoft.com/office/drawing/2010/main">
                   <a:effectLst>
                     <a:outerShdw dist="35921" dir="2700000" algn="ctr" rotWithShape="0">
                       <a:schemeClr val="bg2"/>
@@ -10258,7 +10247,7 @@
             <a:effectLst/>
             <a:extLst>
               <a:ext uri="{AF507438-7753-43e0-B8FC-AC1667EBCBE1}">
-                <a14:hiddenEffects xmlns:a14="http://schemas.microsoft.com/office/drawing/2010/main" xmlns="">
+                <a14:hiddenEffects xmlns="" xmlns:a14="http://schemas.microsoft.com/office/drawing/2010/main">
                   <a:effectLst>
                     <a:outerShdw dist="35921" dir="2700000" algn="ctr" rotWithShape="0">
                       <a:schemeClr val="bg2"/>
@@ -10346,7 +10335,7 @@
             <a:effectLst/>
             <a:extLst>
               <a:ext uri="{AF507438-7753-43e0-B8FC-AC1667EBCBE1}">
-                <a14:hiddenEffects xmlns:a14="http://schemas.microsoft.com/office/drawing/2010/main" xmlns="">
+                <a14:hiddenEffects xmlns="" xmlns:a14="http://schemas.microsoft.com/office/drawing/2010/main">
                   <a:effectLst>
                     <a:outerShdw dist="35921" dir="2700000" algn="ctr" rotWithShape="0">
                       <a:schemeClr val="bg2"/>
@@ -10434,7 +10423,7 @@
             <a:effectLst/>
             <a:extLst>
               <a:ext uri="{AF507438-7753-43e0-B8FC-AC1667EBCBE1}">
-                <a14:hiddenEffects xmlns:a14="http://schemas.microsoft.com/office/drawing/2010/main" xmlns="">
+                <a14:hiddenEffects xmlns="" xmlns:a14="http://schemas.microsoft.com/office/drawing/2010/main">
                   <a:effectLst>
                     <a:outerShdw dist="35921" dir="2700000" algn="ctr" rotWithShape="0">
                       <a:schemeClr val="bg2"/>
@@ -10531,7 +10520,7 @@
             <a:effectLst/>
             <a:extLst>
               <a:ext uri="{AF507438-7753-43e0-B8FC-AC1667EBCBE1}">
-                <a14:hiddenEffects xmlns:a14="http://schemas.microsoft.com/office/drawing/2010/main" xmlns="">
+                <a14:hiddenEffects xmlns="" xmlns:a14="http://schemas.microsoft.com/office/drawing/2010/main">
                   <a:effectLst>
                     <a:outerShdw dist="35921" dir="2700000" algn="ctr" rotWithShape="0">
                       <a:schemeClr val="bg2"/>
@@ -10582,7 +10571,7 @@
             <a:effectLst/>
             <a:extLst>
               <a:ext uri="{AF507438-7753-43e0-B8FC-AC1667EBCBE1}">
-                <a14:hiddenEffects xmlns:a14="http://schemas.microsoft.com/office/drawing/2010/main" xmlns="">
+                <a14:hiddenEffects xmlns="" xmlns:a14="http://schemas.microsoft.com/office/drawing/2010/main">
                   <a:effectLst>
                     <a:outerShdw dist="35921" dir="2700000" algn="ctr" rotWithShape="0">
                       <a:schemeClr val="bg2"/>
@@ -10632,7 +10621,7 @@
             <a:effectLst/>
             <a:extLst>
               <a:ext uri="{AF507438-7753-43e0-B8FC-AC1667EBCBE1}">
-                <a14:hiddenEffects xmlns:a14="http://schemas.microsoft.com/office/drawing/2010/main" xmlns="">
+                <a14:hiddenEffects xmlns="" xmlns:a14="http://schemas.microsoft.com/office/drawing/2010/main">
                   <a:effectLst>
                     <a:outerShdw dist="35921" dir="2700000" algn="ctr" rotWithShape="0">
                       <a:schemeClr val="bg2"/>
@@ -10680,7 +10669,7 @@
             <a:effectLst/>
             <a:extLst>
               <a:ext uri="{AF507438-7753-43e0-B8FC-AC1667EBCBE1}">
-                <a14:hiddenEffects xmlns:a14="http://schemas.microsoft.com/office/drawing/2010/main" xmlns="">
+                <a14:hiddenEffects xmlns="" xmlns:a14="http://schemas.microsoft.com/office/drawing/2010/main">
                   <a:effectLst>
                     <a:outerShdw dist="35921" dir="2700000" algn="ctr" rotWithShape="0">
                       <a:schemeClr val="bg2"/>
@@ -10765,7 +10754,7 @@
             <a:effectLst/>
             <a:extLst>
               <a:ext uri="{AF507438-7753-43e0-B8FC-AC1667EBCBE1}">
-                <a14:hiddenEffects xmlns:a14="http://schemas.microsoft.com/office/drawing/2010/main" xmlns="">
+                <a14:hiddenEffects xmlns="" xmlns:a14="http://schemas.microsoft.com/office/drawing/2010/main">
                   <a:effectLst>
                     <a:outerShdw dist="35921" dir="2700000" algn="ctr" rotWithShape="0">
                       <a:schemeClr val="bg2"/>
@@ -10811,7 +10800,7 @@
             <a:effectLst/>
             <a:extLst>
               <a:ext uri="{AF507438-7753-43e0-B8FC-AC1667EBCBE1}">
-                <a14:hiddenEffects xmlns:a14="http://schemas.microsoft.com/office/drawing/2010/main" xmlns="">
+                <a14:hiddenEffects xmlns="" xmlns:a14="http://schemas.microsoft.com/office/drawing/2010/main">
                   <a:effectLst>
                     <a:outerShdw dist="35921" dir="2700000" algn="ctr" rotWithShape="0">
                       <a:schemeClr val="bg2"/>
@@ -10862,7 +10851,7 @@
             <a:effectLst/>
             <a:extLst>
               <a:ext uri="{AF507438-7753-43e0-B8FC-AC1667EBCBE1}">
-                <a14:hiddenEffects xmlns:a14="http://schemas.microsoft.com/office/drawing/2010/main" xmlns="">
+                <a14:hiddenEffects xmlns="" xmlns:a14="http://schemas.microsoft.com/office/drawing/2010/main">
                   <a:effectLst>
                     <a:outerShdw dist="35921" dir="2700000" algn="ctr" rotWithShape="0">
                       <a:schemeClr val="bg2"/>
@@ -10910,7 +10899,7 @@
             <a:effectLst/>
             <a:extLst>
               <a:ext uri="{AF507438-7753-43e0-B8FC-AC1667EBCBE1}">
-                <a14:hiddenEffects xmlns:a14="http://schemas.microsoft.com/office/drawing/2010/main" xmlns="">
+                <a14:hiddenEffects xmlns="" xmlns:a14="http://schemas.microsoft.com/office/drawing/2010/main">
                   <a:effectLst>
                     <a:outerShdw dist="35921" dir="2700000" algn="ctr" rotWithShape="0">
                       <a:schemeClr val="bg2"/>
@@ -10960,7 +10949,7 @@
             <a:effectLst/>
             <a:extLst>
               <a:ext uri="{AF507438-7753-43e0-B8FC-AC1667EBCBE1}">
-                <a14:hiddenEffects xmlns:a14="http://schemas.microsoft.com/office/drawing/2010/main" xmlns="">
+                <a14:hiddenEffects xmlns="" xmlns:a14="http://schemas.microsoft.com/office/drawing/2010/main">
                   <a:effectLst>
                     <a:outerShdw dist="35921" dir="2700000" algn="ctr" rotWithShape="0">
                       <a:schemeClr val="bg2"/>
@@ -11010,7 +10999,7 @@
             <a:effectLst/>
             <a:extLst>
               <a:ext uri="{AF507438-7753-43e0-B8FC-AC1667EBCBE1}">
-                <a14:hiddenEffects xmlns:a14="http://schemas.microsoft.com/office/drawing/2010/main" xmlns="">
+                <a14:hiddenEffects xmlns="" xmlns:a14="http://schemas.microsoft.com/office/drawing/2010/main">
                   <a:effectLst>
                     <a:outerShdw dist="35921" dir="2700000" algn="ctr" rotWithShape="0">
                       <a:schemeClr val="bg2"/>
@@ -11058,7 +11047,7 @@
             <a:effectLst/>
             <a:extLst>
               <a:ext uri="{AF507438-7753-43e0-B8FC-AC1667EBCBE1}">
-                <a14:hiddenEffects xmlns:a14="http://schemas.microsoft.com/office/drawing/2010/main" xmlns="">
+                <a14:hiddenEffects xmlns="" xmlns:a14="http://schemas.microsoft.com/office/drawing/2010/main">
                   <a:effectLst>
                     <a:outerShdw dist="35921" dir="2700000" algn="ctr" rotWithShape="0">
                       <a:schemeClr val="bg2"/>
@@ -11155,7 +11144,7 @@
             <a:effectLst/>
             <a:extLst>
               <a:ext uri="{AF507438-7753-43e0-B8FC-AC1667EBCBE1}">
-                <a14:hiddenEffects xmlns:a14="http://schemas.microsoft.com/office/drawing/2010/main" xmlns="">
+                <a14:hiddenEffects xmlns="" xmlns:a14="http://schemas.microsoft.com/office/drawing/2010/main">
                   <a:effectLst>
                     <a:outerShdw dist="35921" dir="2700000" algn="ctr" rotWithShape="0">
                       <a:schemeClr val="bg2"/>
@@ -11206,7 +11195,7 @@
             <a:effectLst/>
             <a:extLst>
               <a:ext uri="{AF507438-7753-43e0-B8FC-AC1667EBCBE1}">
-                <a14:hiddenEffects xmlns:a14="http://schemas.microsoft.com/office/drawing/2010/main" xmlns="">
+                <a14:hiddenEffects xmlns="" xmlns:a14="http://schemas.microsoft.com/office/drawing/2010/main">
                   <a:effectLst>
                     <a:outerShdw dist="35921" dir="2700000" algn="ctr" rotWithShape="0">
                       <a:schemeClr val="bg2"/>
@@ -11256,7 +11245,7 @@
             <a:effectLst/>
             <a:extLst>
               <a:ext uri="{AF507438-7753-43e0-B8FC-AC1667EBCBE1}">
-                <a14:hiddenEffects xmlns:a14="http://schemas.microsoft.com/office/drawing/2010/main" xmlns="">
+                <a14:hiddenEffects xmlns="" xmlns:a14="http://schemas.microsoft.com/office/drawing/2010/main">
                   <a:effectLst>
                     <a:outerShdw dist="35921" dir="2700000" algn="ctr" rotWithShape="0">
                       <a:schemeClr val="bg2"/>
@@ -11333,7 +11322,7 @@
           <a:effectLst/>
           <a:extLst>
             <a:ext uri="{AF507438-7753-43e0-B8FC-AC1667EBCBE1}">
-              <a14:hiddenEffects xmlns:a14="http://schemas.microsoft.com/office/drawing/2010/main" xmlns="">
+              <a14:hiddenEffects xmlns="" xmlns:a14="http://schemas.microsoft.com/office/drawing/2010/main">
                 <a:effectLst>
                   <a:outerShdw dist="35921" dir="2700000" algn="ctr" rotWithShape="0">
                     <a:schemeClr val="bg2"/>
@@ -11650,7 +11639,7 @@
           <a:effectLst/>
           <a:extLst>
             <a:ext uri="{AF507438-7753-43e0-B8FC-AC1667EBCBE1}">
-              <a14:hiddenEffects xmlns:a14="http://schemas.microsoft.com/office/drawing/2010/main" xmlns="">
+              <a14:hiddenEffects xmlns="" xmlns:a14="http://schemas.microsoft.com/office/drawing/2010/main">
                 <a:effectLst>
                   <a:outerShdw dist="35921" dir="2700000" algn="ctr" rotWithShape="0">
                     <a:schemeClr val="bg2"/>
@@ -12743,7 +12732,7 @@
           <a:effectLst/>
           <a:extLst>
             <a:ext uri="{AF507438-7753-43e0-B8FC-AC1667EBCBE1}">
-              <a14:hiddenEffects xmlns:a14="http://schemas.microsoft.com/office/drawing/2010/main" xmlns="">
+              <a14:hiddenEffects xmlns="" xmlns:a14="http://schemas.microsoft.com/office/drawing/2010/main">
                 <a:effectLst>
                   <a:outerShdw dist="35921" dir="2700000" algn="ctr" rotWithShape="0">
                     <a:schemeClr val="bg2"/>
@@ -15030,7 +15019,7 @@
           <a:effectLst/>
           <a:extLst>
             <a:ext uri="{AF507438-7753-43e0-B8FC-AC1667EBCBE1}">
-              <a14:hiddenEffects xmlns:a14="http://schemas.microsoft.com/office/drawing/2010/main" xmlns="">
+              <a14:hiddenEffects xmlns="" xmlns:a14="http://schemas.microsoft.com/office/drawing/2010/main">
                 <a:effectLst>
                   <a:outerShdw dist="35921" dir="2700000" algn="ctr" rotWithShape="0">
                     <a:schemeClr val="bg2"/>
@@ -15733,7 +15722,7 @@
             <a:effectLst/>
             <a:extLst>
               <a:ext uri="{AF507438-7753-43e0-B8FC-AC1667EBCBE1}">
-                <a14:hiddenEffects xmlns:a14="http://schemas.microsoft.com/office/drawing/2010/main" xmlns="">
+                <a14:hiddenEffects xmlns="" xmlns:a14="http://schemas.microsoft.com/office/drawing/2010/main">
                   <a:effectLst>
                     <a:outerShdw dist="35921" dir="2700000" algn="ctr" rotWithShape="0">
                       <a:schemeClr val="bg2"/>
@@ -15814,7 +15803,7 @@
             <a:effectLst/>
             <a:extLst>
               <a:ext uri="{AF507438-7753-43e0-B8FC-AC1667EBCBE1}">
-                <a14:hiddenEffects xmlns:a14="http://schemas.microsoft.com/office/drawing/2010/main" xmlns="">
+                <a14:hiddenEffects xmlns="" xmlns:a14="http://schemas.microsoft.com/office/drawing/2010/main">
                   <a:effectLst>
                     <a:outerShdw dist="35921" dir="2700000" algn="ctr" rotWithShape="0">
                       <a:schemeClr val="bg2"/>
@@ -15895,7 +15884,7 @@
             <a:effectLst/>
             <a:extLst>
               <a:ext uri="{AF507438-7753-43e0-B8FC-AC1667EBCBE1}">
-                <a14:hiddenEffects xmlns:a14="http://schemas.microsoft.com/office/drawing/2010/main" xmlns="">
+                <a14:hiddenEffects xmlns="" xmlns:a14="http://schemas.microsoft.com/office/drawing/2010/main">
                   <a:effectLst>
                     <a:outerShdw dist="35921" dir="2700000" algn="ctr" rotWithShape="0">
                       <a:schemeClr val="bg2"/>
@@ -15976,7 +15965,7 @@
             <a:effectLst/>
             <a:extLst>
               <a:ext uri="{AF507438-7753-43e0-B8FC-AC1667EBCBE1}">
-                <a14:hiddenEffects xmlns:a14="http://schemas.microsoft.com/office/drawing/2010/main" xmlns="">
+                <a14:hiddenEffects xmlns="" xmlns:a14="http://schemas.microsoft.com/office/drawing/2010/main">
                   <a:effectLst>
                     <a:outerShdw dist="35921" dir="2700000" algn="ctr" rotWithShape="0">
                       <a:schemeClr val="bg2"/>
@@ -16214,7 +16203,7 @@
             <a:effectLst/>
             <a:extLst>
               <a:ext uri="{AF507438-7753-43e0-B8FC-AC1667EBCBE1}">
-                <a14:hiddenEffects xmlns:a14="http://schemas.microsoft.com/office/drawing/2010/main" xmlns="">
+                <a14:hiddenEffects xmlns="" xmlns:a14="http://schemas.microsoft.com/office/drawing/2010/main">
                   <a:effectLst>
                     <a:outerShdw dist="35921" dir="2700000" algn="ctr" rotWithShape="0">
                       <a:schemeClr val="bg2"/>
@@ -16295,7 +16284,7 @@
             <a:effectLst/>
             <a:extLst>
               <a:ext uri="{AF507438-7753-43e0-B8FC-AC1667EBCBE1}">
-                <a14:hiddenEffects xmlns:a14="http://schemas.microsoft.com/office/drawing/2010/main" xmlns="">
+                <a14:hiddenEffects xmlns="" xmlns:a14="http://schemas.microsoft.com/office/drawing/2010/main">
                   <a:effectLst>
                     <a:outerShdw dist="35921" dir="2700000" algn="ctr" rotWithShape="0">
                       <a:schemeClr val="bg2"/>
@@ -16376,7 +16365,7 @@
             <a:effectLst/>
             <a:extLst>
               <a:ext uri="{AF507438-7753-43e0-B8FC-AC1667EBCBE1}">
-                <a14:hiddenEffects xmlns:a14="http://schemas.microsoft.com/office/drawing/2010/main" xmlns="">
+                <a14:hiddenEffects xmlns="" xmlns:a14="http://schemas.microsoft.com/office/drawing/2010/main">
                   <a:effectLst>
                     <a:outerShdw dist="35921" dir="2700000" algn="ctr" rotWithShape="0">
                       <a:schemeClr val="bg2"/>
@@ -16457,7 +16446,7 @@
             <a:effectLst/>
             <a:extLst>
               <a:ext uri="{AF507438-7753-43e0-B8FC-AC1667EBCBE1}">
-                <a14:hiddenEffects xmlns:a14="http://schemas.microsoft.com/office/drawing/2010/main" xmlns="">
+                <a14:hiddenEffects xmlns="" xmlns:a14="http://schemas.microsoft.com/office/drawing/2010/main">
                   <a:effectLst>
                     <a:outerShdw dist="35921" dir="2700000" algn="ctr" rotWithShape="0">
                       <a:schemeClr val="bg2"/>
@@ -16561,7 +16550,7 @@
             <a:effectLst/>
             <a:extLst>
               <a:ext uri="{AF507438-7753-43e0-B8FC-AC1667EBCBE1}">
-                <a14:hiddenEffects xmlns:a14="http://schemas.microsoft.com/office/drawing/2010/main" xmlns="">
+                <a14:hiddenEffects xmlns="" xmlns:a14="http://schemas.microsoft.com/office/drawing/2010/main">
                   <a:effectLst>
                     <a:outerShdw dist="35921" dir="2700000" algn="ctr" rotWithShape="0">
                       <a:schemeClr val="bg2"/>
@@ -16607,7 +16596,7 @@
             <a:effectLst/>
             <a:extLst>
               <a:ext uri="{AF507438-7753-43e0-B8FC-AC1667EBCBE1}">
-                <a14:hiddenEffects xmlns:a14="http://schemas.microsoft.com/office/drawing/2010/main" xmlns="">
+                <a14:hiddenEffects xmlns="" xmlns:a14="http://schemas.microsoft.com/office/drawing/2010/main">
                   <a:effectLst>
                     <a:outerShdw dist="35921" dir="2700000" algn="ctr" rotWithShape="0">
                       <a:schemeClr val="bg2"/>
@@ -16653,7 +16642,7 @@
             <a:effectLst/>
             <a:extLst>
               <a:ext uri="{AF507438-7753-43e0-B8FC-AC1667EBCBE1}">
-                <a14:hiddenEffects xmlns:a14="http://schemas.microsoft.com/office/drawing/2010/main" xmlns="">
+                <a14:hiddenEffects xmlns="" xmlns:a14="http://schemas.microsoft.com/office/drawing/2010/main">
                   <a:effectLst>
                     <a:outerShdw dist="35921" dir="2700000" algn="ctr" rotWithShape="0">
                       <a:schemeClr val="bg2"/>
@@ -16699,7 +16688,7 @@
             <a:effectLst/>
             <a:extLst>
               <a:ext uri="{AF507438-7753-43e0-B8FC-AC1667EBCBE1}">
-                <a14:hiddenEffects xmlns:a14="http://schemas.microsoft.com/office/drawing/2010/main" xmlns="">
+                <a14:hiddenEffects xmlns="" xmlns:a14="http://schemas.microsoft.com/office/drawing/2010/main">
                   <a:effectLst>
                     <a:outerShdw dist="35921" dir="2700000" algn="ctr" rotWithShape="0">
                       <a:schemeClr val="bg2"/>
@@ -17435,7 +17424,7 @@
           <a:effectLst/>
           <a:extLst>
             <a:ext uri="{AF507438-7753-43e0-B8FC-AC1667EBCBE1}">
-              <a14:hiddenEffects xmlns:a14="http://schemas.microsoft.com/office/drawing/2010/main" xmlns="">
+              <a14:hiddenEffects xmlns="" xmlns:a14="http://schemas.microsoft.com/office/drawing/2010/main">
                 <a:effectLst>
                   <a:outerShdw dist="35921" dir="2700000" algn="ctr" rotWithShape="0">
                     <a:schemeClr val="bg2"/>
@@ -17466,7 +17455,7 @@
                 <a:latin typeface="+mj-lt"/>
                 <a:ea typeface="ＭＳ Ｐゴシック" pitchFamily="96" charset="-128"/>
               </a:rPr>
-              <a:t>Topic 3</a:t>
+              <a:t>Topic 2</a:t>
             </a:r>
             <a:r>
               <a:rPr lang="en-US" sz="2000" b="1" dirty="0">
@@ -17931,7 +17920,7 @@
                 <a:graphicData uri="http://schemas.openxmlformats.org/presentationml/2006/ole">
                   <mc:AlternateContent xmlns:mc="http://schemas.openxmlformats.org/markup-compatibility/2006">
                     <mc:Choice xmlns:v="urn:schemas-microsoft-com:vml" Requires="v">
-                      <p:oleObj spid="_x0000_s1133" name="Formel" r:id="rId4" imgW="2590800" imgH="990600" progId="Equation.3">
+                      <p:oleObj spid="_x0000_s1163" name="Formel" r:id="rId4" imgW="2590800" imgH="990600" progId="Equation.3">
                         <p:embed/>
                       </p:oleObj>
                     </mc:Choice>
@@ -17977,7 +17966,6 @@
                             <a:ln>
                               <a:noFill/>
                             </a:ln>
-                            <a:extLst/>
                           </p:spPr>
                         </p:pic>
                       </p:oleObj>
@@ -18547,36 +18535,6 @@
             </a:r>
             <a:r>
               <a:rPr lang="de-DE" altLang="de-DE" dirty="0"/>
-              <a:t> R - R </a:t>
-            </a:r>
-            <a:r>
-              <a:rPr lang="de-DE" altLang="de-DE" dirty="0" err="1"/>
-              <a:t>basics</a:t>
-            </a:r>
-            <a:endParaRPr lang="de-DE" altLang="de-DE" dirty="0"/>
-          </a:p>
-          <a:p>
-            <a:pPr marL="457200" indent="-457200">
-              <a:spcAft>
-                <a:spcPts val="1000"/>
-              </a:spcAft>
-              <a:buFont typeface="+mj-lt"/>
-              <a:buAutoNum type="arabicParenR"/>
-            </a:pPr>
-            <a:r>
-              <a:rPr lang="de-DE" altLang="de-DE" dirty="0" err="1"/>
-              <a:t>Exercise</a:t>
-            </a:r>
-            <a:r>
-              <a:rPr lang="de-DE" altLang="de-DE" dirty="0"/>
-              <a:t> </a:t>
-            </a:r>
-            <a:r>
-              <a:rPr lang="de-DE" altLang="de-DE" dirty="0" err="1"/>
-              <a:t>with</a:t>
-            </a:r>
-            <a:r>
-              <a:rPr lang="de-DE" altLang="de-DE" dirty="0"/>
               <a:t> R - Flood </a:t>
             </a:r>
             <a:r>
@@ -18791,7 +18749,7 @@
           <a:effectLst/>
           <a:extLst>
             <a:ext uri="{AF507438-7753-43e0-B8FC-AC1667EBCBE1}">
-              <a14:hiddenEffects xmlns:a14="http://schemas.microsoft.com/office/drawing/2010/main" xmlns="">
+              <a14:hiddenEffects xmlns="" xmlns:a14="http://schemas.microsoft.com/office/drawing/2010/main">
                 <a:effectLst>
                   <a:outerShdw dist="35921" dir="2700000" algn="ctr" rotWithShape="0">
                     <a:schemeClr val="bg2"/>
@@ -18822,7 +18780,7 @@
                 <a:latin typeface="+mj-lt"/>
                 <a:ea typeface="ＭＳ Ｐゴシック" pitchFamily="96" charset="-128"/>
               </a:rPr>
-              <a:t>Topic 3</a:t>
+              <a:t>Topic 2</a:t>
             </a:r>
             <a:r>
               <a:rPr lang="en-US" sz="2000" b="1" dirty="0">
@@ -19070,7 +19028,7 @@
           <a:effectLst/>
           <a:extLst>
             <a:ext uri="{AF507438-7753-43e0-B8FC-AC1667EBCBE1}">
-              <a14:hiddenEffects xmlns:a14="http://schemas.microsoft.com/office/drawing/2010/main" xmlns="">
+              <a14:hiddenEffects xmlns="" xmlns:a14="http://schemas.microsoft.com/office/drawing/2010/main">
                 <a:effectLst>
                   <a:outerShdw dist="35921" dir="2700000" algn="ctr" rotWithShape="0">
                     <a:schemeClr val="bg2"/>
@@ -19101,7 +19059,7 @@
                 <a:latin typeface="+mj-lt"/>
                 <a:ea typeface="ＭＳ Ｐゴシック" pitchFamily="96" charset="-128"/>
               </a:rPr>
-              <a:t>Topic 3</a:t>
+              <a:t>Topic 2</a:t>
             </a:r>
             <a:r>
               <a:rPr lang="en-US" sz="2000" b="1" dirty="0">
@@ -19337,7 +19295,7 @@
           <a:effectLst/>
           <a:extLst>
             <a:ext uri="{AF507438-7753-43e0-B8FC-AC1667EBCBE1}">
-              <a14:hiddenEffects xmlns:a14="http://schemas.microsoft.com/office/drawing/2010/main" xmlns="">
+              <a14:hiddenEffects xmlns="" xmlns:a14="http://schemas.microsoft.com/office/drawing/2010/main">
                 <a:effectLst>
                   <a:outerShdw dist="35921" dir="2700000" algn="ctr" rotWithShape="0">
                     <a:schemeClr val="bg2"/>
@@ -19368,7 +19326,7 @@
                 <a:latin typeface="+mj-lt"/>
                 <a:ea typeface="ＭＳ Ｐゴシック" pitchFamily="96" charset="-128"/>
               </a:rPr>
-              <a:t>Topic 3</a:t>
+              <a:t>Topic 2</a:t>
             </a:r>
             <a:r>
               <a:rPr lang="en-US" sz="2000" b="1" dirty="0">
@@ -20781,7 +20739,7 @@
           <a:effectLst/>
           <a:extLst>
             <a:ext uri="{AF507438-7753-43e0-B8FC-AC1667EBCBE1}">
-              <a14:hiddenEffects xmlns:a14="http://schemas.microsoft.com/office/drawing/2010/main" xmlns="">
+              <a14:hiddenEffects xmlns="" xmlns:a14="http://schemas.microsoft.com/office/drawing/2010/main">
                 <a:effectLst>
                   <a:outerShdw dist="35921" dir="2700000" algn="ctr" rotWithShape="0">
                     <a:schemeClr val="bg2"/>
@@ -21216,7 +21174,7 @@
             <a:effectLst/>
             <a:extLst>
               <a:ext uri="{AF507438-7753-43e0-B8FC-AC1667EBCBE1}">
-                <a14:hiddenEffects xmlns:a14="http://schemas.microsoft.com/office/drawing/2010/main" xmlns="">
+                <a14:hiddenEffects xmlns="" xmlns:a14="http://schemas.microsoft.com/office/drawing/2010/main">
                   <a:effectLst>
                     <a:outerShdw dist="35921" dir="2700000" algn="ctr" rotWithShape="0">
                       <a:schemeClr val="bg2"/>
@@ -21302,7 +21260,7 @@
             <a:effectLst/>
             <a:extLst>
               <a:ext uri="{AF507438-7753-43e0-B8FC-AC1667EBCBE1}">
-                <a14:hiddenEffects xmlns:a14="http://schemas.microsoft.com/office/drawing/2010/main" xmlns="">
+                <a14:hiddenEffects xmlns="" xmlns:a14="http://schemas.microsoft.com/office/drawing/2010/main">
                   <a:effectLst>
                     <a:outerShdw dist="35921" dir="2700000" algn="ctr" rotWithShape="0">
                       <a:schemeClr val="bg2"/>
@@ -21388,7 +21346,7 @@
             <a:effectLst/>
             <a:extLst>
               <a:ext uri="{AF507438-7753-43e0-B8FC-AC1667EBCBE1}">
-                <a14:hiddenEffects xmlns:a14="http://schemas.microsoft.com/office/drawing/2010/main" xmlns="">
+                <a14:hiddenEffects xmlns="" xmlns:a14="http://schemas.microsoft.com/office/drawing/2010/main">
                   <a:effectLst>
                     <a:outerShdw dist="35921" dir="2700000" algn="ctr" rotWithShape="0">
                       <a:schemeClr val="bg2"/>
@@ -21474,7 +21432,7 @@
             <a:effectLst/>
             <a:extLst>
               <a:ext uri="{AF507438-7753-43e0-B8FC-AC1667EBCBE1}">
-                <a14:hiddenEffects xmlns:a14="http://schemas.microsoft.com/office/drawing/2010/main" xmlns="">
+                <a14:hiddenEffects xmlns="" xmlns:a14="http://schemas.microsoft.com/office/drawing/2010/main">
                   <a:effectLst>
                     <a:outerShdw dist="35921" dir="2700000" algn="ctr" rotWithShape="0">
                       <a:schemeClr val="bg2"/>
@@ -21558,7 +21516,7 @@
             <a:effectLst/>
             <a:extLst>
               <a:ext uri="{AF507438-7753-43e0-B8FC-AC1667EBCBE1}">
-                <a14:hiddenEffects xmlns:a14="http://schemas.microsoft.com/office/drawing/2010/main" xmlns="">
+                <a14:hiddenEffects xmlns="" xmlns:a14="http://schemas.microsoft.com/office/drawing/2010/main">
                   <a:effectLst>
                     <a:outerShdw dist="35921" dir="2700000" algn="ctr" rotWithShape="0">
                       <a:schemeClr val="bg2"/>
@@ -21676,7 +21634,7 @@
           <a:effectLst/>
           <a:extLst>
             <a:ext uri="{AF507438-7753-43e0-B8FC-AC1667EBCBE1}">
-              <a14:hiddenEffects xmlns:a14="http://schemas.microsoft.com/office/drawing/2010/main" xmlns="">
+              <a14:hiddenEffects xmlns="" xmlns:a14="http://schemas.microsoft.com/office/drawing/2010/main">
                 <a:effectLst>
                   <a:outerShdw dist="35921" dir="2700000" algn="ctr" rotWithShape="0">
                     <a:schemeClr val="bg2"/>
@@ -21792,7 +21750,7 @@
           <a:effectLst/>
           <a:extLst>
             <a:ext uri="{AF507438-7753-43e0-B8FC-AC1667EBCBE1}">
-              <a14:hiddenEffects xmlns:a14="http://schemas.microsoft.com/office/drawing/2010/main" xmlns="">
+              <a14:hiddenEffects xmlns="" xmlns:a14="http://schemas.microsoft.com/office/drawing/2010/main">
                 <a:effectLst>
                   <a:outerShdw dist="35921" dir="2700000" algn="ctr" rotWithShape="0">
                     <a:schemeClr val="bg2"/>
@@ -22094,7 +22052,7 @@
           <a:effectLst/>
           <a:extLst>
             <a:ext uri="{AF507438-7753-43e0-B8FC-AC1667EBCBE1}">
-              <a14:hiddenEffects xmlns:a14="http://schemas.microsoft.com/office/drawing/2010/main" xmlns="">
+              <a14:hiddenEffects xmlns="" xmlns:a14="http://schemas.microsoft.com/office/drawing/2010/main">
                 <a:effectLst>
                   <a:outerShdw dist="35921" dir="2700000" algn="ctr" rotWithShape="0">
                     <a:schemeClr val="bg2"/>
@@ -22557,7 +22515,7 @@
           <a:effectLst/>
           <a:extLst>
             <a:ext uri="{AF507438-7753-43e0-B8FC-AC1667EBCBE1}">
-              <a14:hiddenEffects xmlns:a14="http://schemas.microsoft.com/office/drawing/2010/main" xmlns="">
+              <a14:hiddenEffects xmlns="" xmlns:a14="http://schemas.microsoft.com/office/drawing/2010/main">
                 <a:effectLst>
                   <a:outerShdw dist="35921" dir="2700000" algn="ctr" rotWithShape="0">
                     <a:schemeClr val="bg2"/>
@@ -22623,7 +22581,7 @@
         <p:spPr>
           <a:xfrm>
             <a:off x="611560" y="767484"/>
-            <a:ext cx="2903359" cy="400110"/>
+            <a:ext cx="3616696" cy="400110"/>
           </a:xfrm>
           <a:prstGeom prst="rect">
             <a:avLst/>
@@ -22662,7 +22620,7 @@
                   <a:srgbClr val="00589C"/>
                 </a:solidFill>
               </a:rPr>
-              <a:t>2. Data structures in R</a:t>
+              <a:t>2. Data types and structures</a:t>
             </a:r>
           </a:p>
         </p:txBody>
@@ -22763,14 +22721,14 @@
           <p:nvPr>
             <p:extLst>
               <p:ext uri="{D42A27DB-BD31-4B8C-83A1-F6EECF244321}">
-                <p14:modId xmlns:p14="http://schemas.microsoft.com/office/powerpoint/2010/main" val="3643989007"/>
+                <p14:modId xmlns:p14="http://schemas.microsoft.com/office/powerpoint/2010/main" val="4244367982"/>
               </p:ext>
             </p:extLst>
           </p:nvPr>
         </p:nvGraphicFramePr>
         <p:xfrm>
-          <a:off x="719572" y="1491630"/>
-          <a:ext cx="5148572" cy="2664296"/>
+          <a:off x="933934" y="1563638"/>
+          <a:ext cx="5148572" cy="2160239"/>
         </p:xfrm>
         <a:graphic>
           <a:graphicData uri="http://schemas.openxmlformats.org/drawingml/2006/table">
@@ -22799,7 +22757,7 @@
                   </a:extLst>
                 </a:gridCol>
               </a:tblGrid>
-              <a:tr h="232791">
+              <a:tr h="253999">
                 <a:tc>
                   <a:txBody>
                     <a:bodyPr/>
@@ -22807,9 +22765,9 @@
                     <a:p>
                       <a:pPr algn="l" fontAlgn="t"/>
                       <a:r>
-                        <a:rPr lang="en-US" sz="800" dirty="0">
+                        <a:rPr lang="en-US" sz="800" b="1" dirty="0">
                           <a:solidFill>
-                            <a:schemeClr val="tx1"/>
+                            <a:srgbClr val="FF0000"/>
                           </a:solidFill>
                           <a:effectLst/>
                           <a:latin typeface="+mn-lt"/>
@@ -22986,7 +22944,7 @@
                   </a:ext>
                 </a:extLst>
               </a:tr>
-              <a:tr h="508776">
+              <a:tr h="555128">
                 <a:tc>
                   <a:txBody>
                     <a:bodyPr/>
@@ -23001,201 +22959,7 @@
                           <a:effectLst/>
                           <a:latin typeface="+mn-lt"/>
                         </a:rPr>
-                        <a:t>Logical</a:t>
-                      </a:r>
-                      <a:endParaRPr lang="en-US" sz="800" dirty="0">
-                        <a:solidFill>
-                          <a:srgbClr val="333333"/>
-                        </a:solidFill>
-                        <a:effectLst/>
-                        <a:latin typeface="+mn-lt"/>
-                      </a:endParaRPr>
-                    </a:p>
-                  </a:txBody>
-                  <a:tcPr marL="32154" marR="32154" marT="32154" marB="32154">
-                    <a:lnL w="9525" cap="flat" cmpd="sng" algn="ctr">
-                      <a:solidFill>
-                        <a:srgbClr val="C7CCBE"/>
-                      </a:solidFill>
-                      <a:prstDash val="solid"/>
-                      <a:round/>
-                      <a:headEnd type="none" w="med" len="med"/>
-                      <a:tailEnd type="none" w="med" len="med"/>
-                    </a:lnL>
-                    <a:lnR w="9525" cap="flat" cmpd="sng" algn="ctr">
-                      <a:solidFill>
-                        <a:srgbClr val="C7CCBE"/>
-                      </a:solidFill>
-                      <a:prstDash val="solid"/>
-                      <a:round/>
-                      <a:headEnd type="none" w="med" len="med"/>
-                      <a:tailEnd type="none" w="med" len="med"/>
-                    </a:lnR>
-                    <a:lnT w="9525" cap="flat" cmpd="sng" algn="ctr">
-                      <a:solidFill>
-                        <a:srgbClr val="C7CCBE"/>
-                      </a:solidFill>
-                      <a:prstDash val="solid"/>
-                      <a:round/>
-                      <a:headEnd type="none" w="med" len="med"/>
-                      <a:tailEnd type="none" w="med" len="med"/>
-                    </a:lnT>
-                    <a:lnB w="9525" cap="flat" cmpd="sng" algn="ctr">
-                      <a:solidFill>
-                        <a:srgbClr val="C7CCBE"/>
-                      </a:solidFill>
-                      <a:prstDash val="solid"/>
-                      <a:round/>
-                      <a:headEnd type="none" w="med" len="med"/>
-                      <a:tailEnd type="none" w="med" len="med"/>
-                    </a:lnB>
-                    <a:solidFill>
-                      <a:srgbClr val="FFFFFF"/>
-                    </a:solidFill>
-                  </a:tcPr>
-                </a:tc>
-                <a:tc>
-                  <a:txBody>
-                    <a:bodyPr/>
-                    <a:lstStyle/>
-                    <a:p>
-                      <a:pPr algn="just" fontAlgn="t"/>
-                      <a:r>
-                        <a:rPr lang="en-US" sz="800">
-                          <a:solidFill>
-                            <a:srgbClr val="333333"/>
-                          </a:solidFill>
-                          <a:effectLst/>
-                          <a:latin typeface="+mn-lt"/>
-                        </a:rPr>
-                        <a:t>True, False</a:t>
-                      </a:r>
-                    </a:p>
-                  </a:txBody>
-                  <a:tcPr marL="32154" marR="32154" marT="32154" marB="32154">
-                    <a:lnL w="9525" cap="flat" cmpd="sng" algn="ctr">
-                      <a:solidFill>
-                        <a:srgbClr val="C7CCBE"/>
-                      </a:solidFill>
-                      <a:prstDash val="solid"/>
-                      <a:round/>
-                      <a:headEnd type="none" w="med" len="med"/>
-                      <a:tailEnd type="none" w="med" len="med"/>
-                    </a:lnL>
-                    <a:lnR w="9525" cap="flat" cmpd="sng" algn="ctr">
-                      <a:solidFill>
-                        <a:srgbClr val="C7CCBE"/>
-                      </a:solidFill>
-                      <a:prstDash val="solid"/>
-                      <a:round/>
-                      <a:headEnd type="none" w="med" len="med"/>
-                      <a:tailEnd type="none" w="med" len="med"/>
-                    </a:lnR>
-                    <a:lnT w="9525" cap="flat" cmpd="sng" algn="ctr">
-                      <a:solidFill>
-                        <a:srgbClr val="C7CCBE"/>
-                      </a:solidFill>
-                      <a:prstDash val="solid"/>
-                      <a:round/>
-                      <a:headEnd type="none" w="med" len="med"/>
-                      <a:tailEnd type="none" w="med" len="med"/>
-                    </a:lnT>
-                    <a:lnB w="9525" cap="flat" cmpd="sng" algn="ctr">
-                      <a:solidFill>
-                        <a:srgbClr val="C7CCBE"/>
-                      </a:solidFill>
-                      <a:prstDash val="solid"/>
-                      <a:round/>
-                      <a:headEnd type="none" w="med" len="med"/>
-                      <a:tailEnd type="none" w="med" len="med"/>
-                    </a:lnB>
-                    <a:solidFill>
-                      <a:srgbClr val="FFFFFF"/>
-                    </a:solidFill>
-                  </a:tcPr>
-                </a:tc>
-                <a:tc>
-                  <a:txBody>
-                    <a:bodyPr/>
-                    <a:lstStyle/>
-                    <a:p>
-                      <a:pPr algn="just" fontAlgn="t"/>
-                      <a:r>
-                        <a:rPr lang="en-US" sz="800">
-                          <a:solidFill>
-                            <a:srgbClr val="333333"/>
-                          </a:solidFill>
-                          <a:effectLst/>
-                          <a:latin typeface="+mn-lt"/>
-                        </a:rPr>
-                        <a:t>It is a special data type for data with only two possible values which can be construed as true/false.</a:t>
-                      </a:r>
-                    </a:p>
-                  </a:txBody>
-                  <a:tcPr marL="32154" marR="32154" marT="32154" marB="32154">
-                    <a:lnL w="9525" cap="flat" cmpd="sng" algn="ctr">
-                      <a:solidFill>
-                        <a:srgbClr val="C7CCBE"/>
-                      </a:solidFill>
-                      <a:prstDash val="solid"/>
-                      <a:round/>
-                      <a:headEnd type="none" w="med" len="med"/>
-                      <a:tailEnd type="none" w="med" len="med"/>
-                    </a:lnL>
-                    <a:lnR w="9525" cap="flat" cmpd="sng" algn="ctr">
-                      <a:solidFill>
-                        <a:srgbClr val="C7CCBE"/>
-                      </a:solidFill>
-                      <a:prstDash val="solid"/>
-                      <a:round/>
-                      <a:headEnd type="none" w="med" len="med"/>
-                      <a:tailEnd type="none" w="med" len="med"/>
-                    </a:lnR>
-                    <a:lnT w="9525" cap="flat" cmpd="sng" algn="ctr">
-                      <a:solidFill>
-                        <a:srgbClr val="C7CCBE"/>
-                      </a:solidFill>
-                      <a:prstDash val="solid"/>
-                      <a:round/>
-                      <a:headEnd type="none" w="med" len="med"/>
-                      <a:tailEnd type="none" w="med" len="med"/>
-                    </a:lnT>
-                    <a:lnB w="9525" cap="flat" cmpd="sng" algn="ctr">
-                      <a:solidFill>
-                        <a:srgbClr val="C7CCBE"/>
-                      </a:solidFill>
-                      <a:prstDash val="solid"/>
-                      <a:round/>
-                      <a:headEnd type="none" w="med" len="med"/>
-                      <a:tailEnd type="none" w="med" len="med"/>
-                    </a:lnB>
-                    <a:solidFill>
-                      <a:srgbClr val="FFFFFF"/>
-                    </a:solidFill>
-                  </a:tcPr>
-                </a:tc>
-                <a:extLst>
-                  <a:ext uri="{0D108BD9-81ED-4DB2-BD59-A6C34878D82A}">
-                    <a16:rowId xmlns:a16="http://schemas.microsoft.com/office/drawing/2014/main" val="2046927935"/>
-                  </a:ext>
-                </a:extLst>
-              </a:tr>
-              <a:tr h="508776">
-                <a:tc>
-                  <a:txBody>
-                    <a:bodyPr/>
-                    <a:lstStyle/>
-                    <a:p>
-                      <a:pPr algn="just" fontAlgn="t"/>
-                      <a:r>
-                        <a:rPr lang="en-US" sz="800" b="1" dirty="0">
-                          <a:solidFill>
-                            <a:srgbClr val="333333"/>
-                          </a:solidFill>
-                          <a:effectLst/>
-                          <a:latin typeface="+mn-lt"/>
-                        </a:rPr>
-                        <a:t>Numeric</a:t>
+                        <a:t>Real numbers</a:t>
                       </a:r>
                       <a:endParaRPr lang="en-US" sz="800" dirty="0">
                         <a:solidFill>
@@ -23255,14 +23019,14 @@
                     <a:p>
                       <a:pPr algn="just" fontAlgn="t"/>
                       <a:r>
-                        <a:rPr lang="en-US" sz="800">
+                        <a:rPr lang="en-US" sz="800" dirty="0">
                           <a:solidFill>
                             <a:srgbClr val="333333"/>
                           </a:solidFill>
                           <a:effectLst/>
                           <a:latin typeface="+mn-lt"/>
                         </a:rPr>
-                        <a:t>12,32,112,5432</a:t>
+                        <a:t>0, 12.3, -32, 112, 5432.0</a:t>
                       </a:r>
                     </a:p>
                   </a:txBody>
@@ -23315,7 +23079,7 @@
                     <a:p>
                       <a:pPr algn="just" fontAlgn="t"/>
                       <a:r>
-                        <a:rPr lang="en-US" sz="800">
+                        <a:rPr lang="en-US" sz="800" dirty="0">
                           <a:solidFill>
                             <a:srgbClr val="333333"/>
                           </a:solidFill>
@@ -23374,7 +23138,7 @@
                   </a:ext>
                 </a:extLst>
               </a:tr>
-              <a:tr h="284025">
+              <a:tr h="336222">
                 <a:tc>
                   <a:txBody>
                     <a:bodyPr/>
@@ -23449,14 +23213,14 @@
                     <a:p>
                       <a:pPr algn="just" fontAlgn="t"/>
                       <a:r>
-                        <a:rPr lang="en-US" sz="800">
+                        <a:rPr lang="en-US" sz="800" dirty="0">
                           <a:solidFill>
                             <a:srgbClr val="333333"/>
                           </a:solidFill>
                           <a:effectLst/>
                           <a:latin typeface="+mn-lt"/>
                         </a:rPr>
-                        <a:t>3L, 66L, 2346L</a:t>
+                        <a:t>3, 66, 2346L</a:t>
                       </a:r>
                     </a:p>
                   </a:txBody>
@@ -23509,14 +23273,14 @@
                     <a:p>
                       <a:pPr algn="just" fontAlgn="t"/>
                       <a:r>
-                        <a:rPr lang="en-US" sz="800">
+                        <a:rPr lang="en-US" sz="800" dirty="0">
                           <a:solidFill>
                             <a:srgbClr val="333333"/>
                           </a:solidFill>
                           <a:effectLst/>
                           <a:latin typeface="+mn-lt"/>
                         </a:rPr>
-                        <a:t>Here, L tells R to store the value as an integer,</a:t>
+                        <a:t>Here, L can help tell R to store the value as an integer.</a:t>
                       </a:r>
                     </a:p>
                   </a:txBody>
@@ -23568,7 +23332,7 @@
                   </a:ext>
                 </a:extLst>
               </a:tr>
-              <a:tr h="396400">
+              <a:tr h="432514">
                 <a:tc>
                   <a:txBody>
                     <a:bodyPr/>
@@ -23583,7 +23347,7 @@
                           <a:effectLst/>
                           <a:latin typeface="+mn-lt"/>
                         </a:rPr>
-                        <a:t>Complex</a:t>
+                        <a:t>Logical</a:t>
                       </a:r>
                       <a:endParaRPr lang="en-US" sz="800" dirty="0">
                         <a:solidFill>
@@ -23650,7 +23414,7 @@
                           <a:effectLst/>
                           <a:latin typeface="+mn-lt"/>
                         </a:rPr>
-                        <a:t>Z=1+2i, t=7+3i</a:t>
+                        <a:t>True, False</a:t>
                       </a:r>
                     </a:p>
                   </a:txBody>
@@ -23703,14 +23467,14 @@
                     <a:p>
                       <a:pPr algn="just" fontAlgn="t"/>
                       <a:r>
-                        <a:rPr lang="en-US" sz="800">
+                        <a:rPr lang="en-US" sz="800" dirty="0">
                           <a:solidFill>
                             <a:srgbClr val="333333"/>
                           </a:solidFill>
                           <a:effectLst/>
                           <a:latin typeface="+mn-lt"/>
                         </a:rPr>
-                        <a:t>A complex value in R is defined as the pure imaginary value i.</a:t>
+                        <a:t>It is a special data type for data with only two possible values which can be construed as true/false.</a:t>
                       </a:r>
                     </a:p>
                   </a:txBody>
@@ -23758,11 +23522,11 @@
                 </a:tc>
                 <a:extLst>
                   <a:ext uri="{0D108BD9-81ED-4DB2-BD59-A6C34878D82A}">
-                    <a16:rowId xmlns:a16="http://schemas.microsoft.com/office/drawing/2014/main" val="1947023653"/>
+                    <a16:rowId xmlns:a16="http://schemas.microsoft.com/office/drawing/2014/main" val="4125308455"/>
                   </a:ext>
                 </a:extLst>
               </a:tr>
-              <a:tr h="733528">
+              <a:tr h="582376">
                 <a:tc>
                   <a:txBody>
                     <a:bodyPr/>
@@ -23837,14 +23601,14 @@
                     <a:p>
                       <a:pPr algn="just" fontAlgn="t"/>
                       <a:r>
-                        <a:rPr lang="en-US" sz="800">
+                        <a:rPr lang="en-US" sz="800" dirty="0">
                           <a:solidFill>
                             <a:srgbClr val="333333"/>
                           </a:solidFill>
                           <a:effectLst/>
                           <a:latin typeface="+mn-lt"/>
                         </a:rPr>
-                        <a:t>'a', '"good'", "TRUE", '35.4'</a:t>
+                        <a:t>'a', 'good', "TRUE", '35.4'</a:t>
                       </a:r>
                     </a:p>
                   </a:txBody>
@@ -23980,6 +23744,254 @@
           </a:graphicData>
         </a:graphic>
       </p:graphicFrame>
+      <p:sp>
+        <p:nvSpPr>
+          <p:cNvPr id="5" name="TextBox 4">
+            <a:extLst>
+              <a:ext uri="{FF2B5EF4-FFF2-40B4-BE49-F238E27FC236}">
+                <a16:creationId xmlns:a16="http://schemas.microsoft.com/office/drawing/2014/main" id="{2EEAEEE9-C454-4071-8F94-AFB430CAC85E}"/>
+              </a:ext>
+            </a:extLst>
+          </p:cNvPr>
+          <p:cNvSpPr txBox="1"/>
+          <p:nvPr/>
+        </p:nvSpPr>
+        <p:spPr>
+          <a:xfrm rot="16200000">
+            <a:off x="182678" y="2084389"/>
+            <a:ext cx="881973" cy="307777"/>
+          </a:xfrm>
+          <a:prstGeom prst="rect">
+            <a:avLst/>
+          </a:prstGeom>
+          <a:noFill/>
+        </p:spPr>
+        <p:txBody>
+          <a:bodyPr wrap="none" rtlCol="0">
+            <a:spAutoFit/>
+          </a:bodyPr>
+          <a:lstStyle/>
+          <a:p>
+            <a:r>
+              <a:rPr lang="en-US" sz="1400" b="1" dirty="0">
+                <a:solidFill>
+                  <a:schemeClr val="accent5">
+                    <a:lumMod val="50000"/>
+                  </a:schemeClr>
+                </a:solidFill>
+              </a:rPr>
+              <a:t>numeric</a:t>
+            </a:r>
+          </a:p>
+        </p:txBody>
+      </p:sp>
+      <p:sp>
+        <p:nvSpPr>
+          <p:cNvPr id="8" name="TextBox 7">
+            <a:extLst>
+              <a:ext uri="{FF2B5EF4-FFF2-40B4-BE49-F238E27FC236}">
+                <a16:creationId xmlns:a16="http://schemas.microsoft.com/office/drawing/2014/main" id="{2989B844-B70A-4A1E-9F68-D2A20D80B2D0}"/>
+              </a:ext>
+            </a:extLst>
+          </p:cNvPr>
+          <p:cNvSpPr txBox="1"/>
+          <p:nvPr/>
+        </p:nvSpPr>
+        <p:spPr>
+          <a:xfrm rot="16200000">
+            <a:off x="60909" y="3075246"/>
+            <a:ext cx="1128835" cy="307777"/>
+          </a:xfrm>
+          <a:prstGeom prst="rect">
+            <a:avLst/>
+          </a:prstGeom>
+          <a:noFill/>
+        </p:spPr>
+        <p:txBody>
+          <a:bodyPr wrap="none" rtlCol="0">
+            <a:spAutoFit/>
+          </a:bodyPr>
+          <a:lstStyle/>
+          <a:p>
+            <a:r>
+              <a:rPr lang="en-US" sz="1400" b="1" dirty="0">
+                <a:solidFill>
+                  <a:schemeClr val="accent5">
+                    <a:lumMod val="50000"/>
+                  </a:schemeClr>
+                </a:solidFill>
+              </a:rPr>
+              <a:t>categorical</a:t>
+            </a:r>
+          </a:p>
+        </p:txBody>
+      </p:sp>
+      <p:sp>
+        <p:nvSpPr>
+          <p:cNvPr id="7" name="Left Brace 6">
+            <a:extLst>
+              <a:ext uri="{FF2B5EF4-FFF2-40B4-BE49-F238E27FC236}">
+                <a16:creationId xmlns:a16="http://schemas.microsoft.com/office/drawing/2014/main" id="{5E9BE4E0-F4C8-4ACE-BE8E-6F04B4BD48B9}"/>
+              </a:ext>
+            </a:extLst>
+          </p:cNvPr>
+          <p:cNvSpPr/>
+          <p:nvPr/>
+        </p:nvSpPr>
+        <p:spPr bwMode="auto">
+          <a:xfrm>
+            <a:off x="822285" y="1923678"/>
+            <a:ext cx="45719" cy="648072"/>
+          </a:xfrm>
+          <a:prstGeom prst="leftBrace">
+            <a:avLst/>
+          </a:prstGeom>
+          <a:solidFill>
+            <a:schemeClr val="accent1"/>
+          </a:solidFill>
+          <a:ln w="9525" cap="flat" cmpd="sng" algn="ctr">
+            <a:solidFill>
+              <a:schemeClr val="tx1"/>
+            </a:solidFill>
+            <a:prstDash val="solid"/>
+            <a:round/>
+            <a:headEnd type="none" w="med" len="med"/>
+            <a:tailEnd type="none" w="med" len="med"/>
+          </a:ln>
+          <a:effectLst/>
+          <a:extLst>
+            <a:ext uri="{AF507438-7753-43e0-B8FC-AC1667EBCBE1}">
+              <a14:hiddenEffects xmlns:a14="http://schemas.microsoft.com/office/drawing/2010/main" xmlns="">
+                <a:effectLst>
+                  <a:outerShdw dist="35921" dir="2700000" algn="ctr" rotWithShape="0">
+                    <a:schemeClr val="bg2"/>
+                  </a:outerShdw>
+                </a:effectLst>
+              </a14:hiddenEffects>
+            </a:ext>
+          </a:extLst>
+        </p:spPr>
+        <p:txBody>
+          <a:bodyPr vert="horz" wrap="square" lIns="91440" tIns="45720" rIns="91440" bIns="45720" numCol="1" rtlCol="0" anchor="t" anchorCtr="0" compatLnSpc="1">
+            <a:prstTxWarp prst="textNoShape">
+              <a:avLst/>
+            </a:prstTxWarp>
+          </a:bodyPr>
+          <a:lstStyle/>
+          <a:p>
+            <a:pPr marL="0" marR="0" indent="0" algn="l" defTabSz="914400" rtl="0" eaLnBrk="0" fontAlgn="base" latinLnBrk="0" hangingPunct="0">
+              <a:lnSpc>
+                <a:spcPct val="100000"/>
+              </a:lnSpc>
+              <a:spcBef>
+                <a:spcPct val="0"/>
+              </a:spcBef>
+              <a:spcAft>
+                <a:spcPct val="0"/>
+              </a:spcAft>
+              <a:buClrTx/>
+              <a:buSzTx/>
+              <a:buFontTx/>
+              <a:buNone/>
+              <a:tabLst/>
+            </a:pPr>
+            <a:endParaRPr kumimoji="0" lang="en-US" sz="2400" b="0" i="0" u="none" strike="noStrike" cap="none" normalizeH="0" baseline="0">
+              <a:ln>
+                <a:noFill/>
+              </a:ln>
+              <a:solidFill>
+                <a:schemeClr val="tx1"/>
+              </a:solidFill>
+              <a:effectLst/>
+              <a:latin typeface="Arial" charset="0"/>
+              <a:ea typeface="ＭＳ Ｐゴシック" pitchFamily="96" charset="-128"/>
+            </a:endParaRPr>
+          </a:p>
+        </p:txBody>
+      </p:sp>
+      <p:sp>
+        <p:nvSpPr>
+          <p:cNvPr id="10" name="Left Brace 9">
+            <a:extLst>
+              <a:ext uri="{FF2B5EF4-FFF2-40B4-BE49-F238E27FC236}">
+                <a16:creationId xmlns:a16="http://schemas.microsoft.com/office/drawing/2014/main" id="{03332633-3443-4655-A83F-D51FBFB47324}"/>
+              </a:ext>
+            </a:extLst>
+          </p:cNvPr>
+          <p:cNvSpPr/>
+          <p:nvPr/>
+        </p:nvSpPr>
+        <p:spPr bwMode="auto">
+          <a:xfrm>
+            <a:off x="822285" y="2905098"/>
+            <a:ext cx="45719" cy="648072"/>
+          </a:xfrm>
+          <a:prstGeom prst="leftBrace">
+            <a:avLst/>
+          </a:prstGeom>
+          <a:solidFill>
+            <a:schemeClr val="accent1"/>
+          </a:solidFill>
+          <a:ln w="9525" cap="flat" cmpd="sng" algn="ctr">
+            <a:solidFill>
+              <a:schemeClr val="tx1"/>
+            </a:solidFill>
+            <a:prstDash val="solid"/>
+            <a:round/>
+            <a:headEnd type="none" w="med" len="med"/>
+            <a:tailEnd type="none" w="med" len="med"/>
+          </a:ln>
+          <a:effectLst/>
+          <a:extLst>
+            <a:ext uri="{AF507438-7753-43e0-B8FC-AC1667EBCBE1}">
+              <a14:hiddenEffects xmlns:a14="http://schemas.microsoft.com/office/drawing/2010/main" xmlns="">
+                <a:effectLst>
+                  <a:outerShdw dist="35921" dir="2700000" algn="ctr" rotWithShape="0">
+                    <a:schemeClr val="bg2"/>
+                  </a:outerShdw>
+                </a:effectLst>
+              </a14:hiddenEffects>
+            </a:ext>
+          </a:extLst>
+        </p:spPr>
+        <p:txBody>
+          <a:bodyPr vert="horz" wrap="square" lIns="91440" tIns="45720" rIns="91440" bIns="45720" numCol="1" rtlCol="0" anchor="t" anchorCtr="0" compatLnSpc="1">
+            <a:prstTxWarp prst="textNoShape">
+              <a:avLst/>
+            </a:prstTxWarp>
+          </a:bodyPr>
+          <a:lstStyle/>
+          <a:p>
+            <a:pPr marL="0" marR="0" indent="0" algn="l" defTabSz="914400" rtl="0" eaLnBrk="0" fontAlgn="base" latinLnBrk="0" hangingPunct="0">
+              <a:lnSpc>
+                <a:spcPct val="100000"/>
+              </a:lnSpc>
+              <a:spcBef>
+                <a:spcPct val="0"/>
+              </a:spcBef>
+              <a:spcAft>
+                <a:spcPct val="0"/>
+              </a:spcAft>
+              <a:buClrTx/>
+              <a:buSzTx/>
+              <a:buFontTx/>
+              <a:buNone/>
+              <a:tabLst/>
+            </a:pPr>
+            <a:endParaRPr kumimoji="0" lang="en-US" sz="2400" b="0" i="0" u="none" strike="noStrike" cap="none" normalizeH="0" baseline="0">
+              <a:ln>
+                <a:noFill/>
+              </a:ln>
+              <a:solidFill>
+                <a:schemeClr val="tx1"/>
+              </a:solidFill>
+              <a:effectLst/>
+              <a:latin typeface="Arial" charset="0"/>
+              <a:ea typeface="ＭＳ Ｐゴシック" pitchFamily="96" charset="-128"/>
+            </a:endParaRPr>
+          </a:p>
+        </p:txBody>
+      </p:sp>
     </p:spTree>
     <p:extLst>
       <p:ext uri="{BB962C8B-B14F-4D97-AF65-F5344CB8AC3E}">
@@ -24045,7 +24057,7 @@
           <a:effectLst/>
           <a:extLst>
             <a:ext uri="{AF507438-7753-43e0-B8FC-AC1667EBCBE1}">
-              <a14:hiddenEffects xmlns:a14="http://schemas.microsoft.com/office/drawing/2010/main" xmlns="">
+              <a14:hiddenEffects xmlns="" xmlns:a14="http://schemas.microsoft.com/office/drawing/2010/main">
                 <a:effectLst>
                   <a:outerShdw dist="35921" dir="2700000" algn="ctr" rotWithShape="0">
                     <a:schemeClr val="bg2"/>
@@ -24111,7 +24123,7 @@
         <p:spPr>
           <a:xfrm>
             <a:off x="611560" y="767484"/>
-            <a:ext cx="2903359" cy="400110"/>
+            <a:ext cx="3616696" cy="400110"/>
           </a:xfrm>
           <a:prstGeom prst="rect">
             <a:avLst/>
@@ -24150,7 +24162,7 @@
                   <a:srgbClr val="00589C"/>
                 </a:solidFill>
               </a:rPr>
-              <a:t>2. Data structures in R</a:t>
+              <a:t>2. Data types and structures</a:t>
             </a:r>
           </a:p>
         </p:txBody>
@@ -24189,53 +24201,238 @@
           </a:p>
         </p:txBody>
       </p:sp>
-      <p:pic>
-        <p:nvPicPr>
-          <p:cNvPr id="1026" name="Picture 2" descr="http://venus.ifca.unican.es/Rintro/_images/dataStructuresNew.png">
+      <p:grpSp>
+        <p:nvGrpSpPr>
+          <p:cNvPr id="8" name="Group 7">
             <a:extLst>
               <a:ext uri="{FF2B5EF4-FFF2-40B4-BE49-F238E27FC236}">
-                <a16:creationId xmlns:a16="http://schemas.microsoft.com/office/drawing/2014/main" id="{00CFF6E6-291C-4994-94AF-C2D26C4F517E}"/>
+                <a16:creationId xmlns:a16="http://schemas.microsoft.com/office/drawing/2014/main" id="{385AF51A-5225-44E5-A92A-0D68AD2077A1}"/>
               </a:ext>
             </a:extLst>
           </p:cNvPr>
-          <p:cNvPicPr>
-            <a:picLocks noChangeAspect="1" noChangeArrowheads="1"/>
-          </p:cNvPicPr>
+          <p:cNvGrpSpPr/>
           <p:nvPr/>
-        </p:nvPicPr>
-        <p:blipFill>
-          <a:blip r:embed="rId3" cstate="print">
+        </p:nvGrpSpPr>
+        <p:grpSpPr>
+          <a:xfrm>
+            <a:off x="5650067" y="1479029"/>
+            <a:ext cx="3458437" cy="2820913"/>
+            <a:chOff x="5650067" y="1623045"/>
+            <a:chExt cx="3458437" cy="2820913"/>
+          </a:xfrm>
+        </p:grpSpPr>
+        <p:sp>
+          <p:nvSpPr>
+            <p:cNvPr id="7" name="Rectangle 6">
+              <a:extLst>
+                <a:ext uri="{FF2B5EF4-FFF2-40B4-BE49-F238E27FC236}">
+                  <a16:creationId xmlns:a16="http://schemas.microsoft.com/office/drawing/2014/main" id="{4D305DAC-D507-48D7-ABE3-08D8970BEA21}"/>
+                </a:ext>
+              </a:extLst>
+            </p:cNvPr>
+            <p:cNvSpPr/>
+            <p:nvPr/>
+          </p:nvSpPr>
+          <p:spPr bwMode="auto">
+            <a:xfrm>
+              <a:off x="5650067" y="1623045"/>
+              <a:ext cx="3403844" cy="2820913"/>
+            </a:xfrm>
+            <a:prstGeom prst="rect">
+              <a:avLst/>
+            </a:prstGeom>
+            <a:noFill/>
+            <a:ln w="12700" cap="flat" cmpd="sng" algn="ctr">
+              <a:solidFill>
+                <a:schemeClr val="accent1"/>
+              </a:solidFill>
+              <a:prstDash val="solid"/>
+              <a:round/>
+              <a:headEnd type="none" w="med" len="med"/>
+              <a:tailEnd type="none" w="med" len="med"/>
+            </a:ln>
+            <a:effectLst/>
             <a:extLst>
-              <a:ext uri="{28A0092B-C50C-407E-A947-70E740481C1C}">
-                <a14:useLocalDpi xmlns:a14="http://schemas.microsoft.com/office/drawing/2010/main" val="0"/>
+              <a:ext uri="{AF507438-7753-43e0-B8FC-AC1667EBCBE1}">
+                <a14:hiddenEffects xmlns:a14="http://schemas.microsoft.com/office/drawing/2010/main" xmlns="">
+                  <a:effectLst>
+                    <a:outerShdw dist="35921" dir="2700000" algn="ctr" rotWithShape="0">
+                      <a:schemeClr val="bg2"/>
+                    </a:outerShdw>
+                  </a:effectLst>
+                </a14:hiddenEffects>
               </a:ext>
             </a:extLst>
-          </a:blip>
-          <a:srcRect/>
-          <a:stretch>
-            <a:fillRect/>
-          </a:stretch>
-        </p:blipFill>
-        <p:spPr bwMode="auto">
-          <a:xfrm>
-            <a:off x="5740156" y="1628306"/>
-            <a:ext cx="3403844" cy="1632781"/>
-          </a:xfrm>
-          <a:prstGeom prst="rect">
-            <a:avLst/>
-          </a:prstGeom>
-          <a:noFill/>
-          <a:extLst>
-            <a:ext uri="{909E8E84-426E-40DD-AFC4-6F175D3DCCD1}">
-              <a14:hiddenFill xmlns:a14="http://schemas.microsoft.com/office/drawing/2010/main">
-                <a:solidFill>
-                  <a:srgbClr val="FFFFFF"/>
-                </a:solidFill>
-              </a14:hiddenFill>
-            </a:ext>
-          </a:extLst>
-        </p:spPr>
-      </p:pic>
+          </p:spPr>
+          <p:txBody>
+            <a:bodyPr vert="horz" wrap="square" lIns="91440" tIns="45720" rIns="91440" bIns="45720" numCol="1" rtlCol="0" anchor="t" anchorCtr="0" compatLnSpc="1">
+              <a:prstTxWarp prst="textNoShape">
+                <a:avLst/>
+              </a:prstTxWarp>
+            </a:bodyPr>
+            <a:lstStyle/>
+            <a:p>
+              <a:pPr marL="0" marR="0" indent="0" algn="l" defTabSz="914400" rtl="0" eaLnBrk="0" fontAlgn="base" latinLnBrk="0" hangingPunct="0">
+                <a:lnSpc>
+                  <a:spcPct val="100000"/>
+                </a:lnSpc>
+                <a:spcBef>
+                  <a:spcPct val="0"/>
+                </a:spcBef>
+                <a:spcAft>
+                  <a:spcPct val="0"/>
+                </a:spcAft>
+                <a:buClrTx/>
+                <a:buSzTx/>
+                <a:buFontTx/>
+                <a:buNone/>
+                <a:tabLst/>
+              </a:pPr>
+              <a:endParaRPr kumimoji="0" lang="en-US" sz="2400" b="0" i="0" u="none" strike="noStrike" cap="none" normalizeH="0" baseline="0">
+                <a:ln>
+                  <a:noFill/>
+                </a:ln>
+                <a:solidFill>
+                  <a:schemeClr val="tx1"/>
+                </a:solidFill>
+                <a:effectLst/>
+                <a:latin typeface="Arial" charset="0"/>
+                <a:ea typeface="ＭＳ Ｐゴシック" pitchFamily="96" charset="-128"/>
+              </a:endParaRPr>
+            </a:p>
+          </p:txBody>
+        </p:sp>
+        <p:pic>
+          <p:nvPicPr>
+            <p:cNvPr id="1026" name="Picture 2" descr="http://venus.ifca.unican.es/Rintro/_images/dataStructuresNew.png">
+              <a:extLst>
+                <a:ext uri="{FF2B5EF4-FFF2-40B4-BE49-F238E27FC236}">
+                  <a16:creationId xmlns:a16="http://schemas.microsoft.com/office/drawing/2014/main" id="{00CFF6E6-291C-4994-94AF-C2D26C4F517E}"/>
+                </a:ext>
+              </a:extLst>
+            </p:cNvPr>
+            <p:cNvPicPr>
+              <a:picLocks noChangeAspect="1" noChangeArrowheads="1"/>
+            </p:cNvPicPr>
+            <p:nvPr/>
+          </p:nvPicPr>
+          <p:blipFill>
+            <a:blip r:embed="rId3" cstate="print">
+              <a:extLst>
+                <a:ext uri="{28A0092B-C50C-407E-A947-70E740481C1C}">
+                  <a14:useLocalDpi xmlns:a14="http://schemas.microsoft.com/office/drawing/2010/main" val="0"/>
+                </a:ext>
+              </a:extLst>
+            </a:blip>
+            <a:srcRect/>
+            <a:stretch>
+              <a:fillRect/>
+            </a:stretch>
+          </p:blipFill>
+          <p:spPr bwMode="auto">
+            <a:xfrm>
+              <a:off x="5650067" y="1851670"/>
+              <a:ext cx="3403844" cy="1632781"/>
+            </a:xfrm>
+            <a:prstGeom prst="rect">
+              <a:avLst/>
+            </a:prstGeom>
+            <a:noFill/>
+            <a:extLst>
+              <a:ext uri="{909E8E84-426E-40DD-AFC4-6F175D3DCCD1}">
+                <a14:hiddenFill xmlns:a14="http://schemas.microsoft.com/office/drawing/2010/main">
+                  <a:solidFill>
+                    <a:srgbClr val="FFFFFF"/>
+                  </a:solidFill>
+                </a14:hiddenFill>
+              </a:ext>
+            </a:extLst>
+          </p:spPr>
+        </p:pic>
+        <p:sp>
+          <p:nvSpPr>
+            <p:cNvPr id="2" name="TextBox 1">
+              <a:extLst>
+                <a:ext uri="{FF2B5EF4-FFF2-40B4-BE49-F238E27FC236}">
+                  <a16:creationId xmlns:a16="http://schemas.microsoft.com/office/drawing/2014/main" id="{CCB3D3DD-6752-48BD-B1C0-670FC8DD86DC}"/>
+                </a:ext>
+              </a:extLst>
+            </p:cNvPr>
+            <p:cNvSpPr txBox="1"/>
+            <p:nvPr/>
+          </p:nvSpPr>
+          <p:spPr>
+            <a:xfrm>
+              <a:off x="6775178" y="3791820"/>
+              <a:ext cx="1814264" cy="400110"/>
+            </a:xfrm>
+            <a:prstGeom prst="rect">
+              <a:avLst/>
+            </a:prstGeom>
+            <a:noFill/>
+          </p:spPr>
+          <p:txBody>
+            <a:bodyPr wrap="square" rtlCol="0">
+              <a:spAutoFit/>
+            </a:bodyPr>
+            <a:lstStyle/>
+            <a:p>
+              <a:r>
+                <a:rPr lang="en-US" sz="2000" dirty="0">
+                  <a:solidFill>
+                    <a:schemeClr val="accent5">
+                      <a:lumMod val="50000"/>
+                    </a:schemeClr>
+                  </a:solidFill>
+                </a:rPr>
+                <a:t>Data structure</a:t>
+              </a:r>
+              <a:endParaRPr lang="en-US" sz="1000" dirty="0">
+                <a:solidFill>
+                  <a:schemeClr val="accent5">
+                    <a:lumMod val="50000"/>
+                  </a:schemeClr>
+                </a:solidFill>
+              </a:endParaRPr>
+            </a:p>
+          </p:txBody>
+        </p:sp>
+        <p:sp>
+          <p:nvSpPr>
+            <p:cNvPr id="10" name="TextBox 9">
+              <a:extLst>
+                <a:ext uri="{FF2B5EF4-FFF2-40B4-BE49-F238E27FC236}">
+                  <a16:creationId xmlns:a16="http://schemas.microsoft.com/office/drawing/2014/main" id="{9190EEAA-F5C7-49C9-ABDC-281D7F3E8207}"/>
+                </a:ext>
+              </a:extLst>
+            </p:cNvPr>
+            <p:cNvSpPr txBox="1"/>
+            <p:nvPr/>
+          </p:nvSpPr>
+          <p:spPr>
+            <a:xfrm>
+              <a:off x="6256117" y="4152348"/>
+              <a:ext cx="2852387" cy="276999"/>
+            </a:xfrm>
+            <a:prstGeom prst="rect">
+              <a:avLst/>
+            </a:prstGeom>
+            <a:noFill/>
+          </p:spPr>
+          <p:txBody>
+            <a:bodyPr wrap="square">
+              <a:spAutoFit/>
+            </a:bodyPr>
+            <a:lstStyle/>
+            <a:p>
+              <a:r>
+                <a:rPr lang="en-US" sz="1200" dirty="0"/>
+                <a:t>a way of organizing and storing data </a:t>
+              </a:r>
+            </a:p>
+          </p:txBody>
+        </p:sp>
+      </p:grpSp>
       <p:sp>
         <p:nvSpPr>
           <p:cNvPr id="9" name="Rectangle 8">
@@ -24250,8 +24447,8 @@
         </p:nvSpPr>
         <p:spPr>
           <a:xfrm>
-            <a:off x="309464" y="1628306"/>
-            <a:ext cx="6624736" cy="2144177"/>
+            <a:off x="539552" y="1407028"/>
+            <a:ext cx="5055922" cy="2964914"/>
           </a:xfrm>
           <a:prstGeom prst="rect">
             <a:avLst/>
@@ -24263,19 +24460,37 @@
           </a:bodyPr>
           <a:lstStyle/>
           <a:p>
-            <a:pPr>
-              <a:buFont typeface="Arial" panose="020B0604020202020204" pitchFamily="34" charset="0"/>
-              <a:buChar char="•"/>
-            </a:pPr>
             <a:r>
               <a:rPr lang="en-US" sz="1000" b="1" dirty="0">
                 <a:solidFill>
+                  <a:schemeClr val="bg2"/>
+                </a:solidFill>
+                <a:latin typeface="+mn-lt"/>
+              </a:rPr>
+              <a:t>1) </a:t>
+            </a:r>
+            <a:r>
+              <a:rPr lang="en-US" sz="1000" b="1" dirty="0">
+                <a:solidFill>
+                  <a:schemeClr val="accent1">
+                    <a:lumMod val="50000"/>
+                  </a:schemeClr>
+                </a:solidFill>
+                <a:latin typeface="+mn-lt"/>
+              </a:rPr>
+              <a:t>Vector</a:t>
+            </a:r>
+            <a:r>
+              <a:rPr lang="en-US" sz="1000" b="1" dirty="0">
+                <a:solidFill>
                   <a:srgbClr val="0000FF"/>
                 </a:solidFill>
                 <a:latin typeface="+mn-lt"/>
               </a:rPr>
-              <a:t>Vectors</a:t>
-            </a:r>
+              <a:t> </a:t>
+            </a:r>
+          </a:p>
+          <a:p>
             <a:r>
               <a:rPr lang="en-US" sz="1000" dirty="0">
                 <a:solidFill>
@@ -24283,7 +24498,7 @@
                 </a:solidFill>
                 <a:latin typeface="+mn-lt"/>
               </a:rPr>
-              <a:t>: one-dimensional arrays used to store collection data of the same mode</a:t>
+              <a:t>one-dimensional arrays used to store collection data of the same data type</a:t>
             </a:r>
           </a:p>
           <a:p>
@@ -24298,7 +24513,7 @@
                 </a:solidFill>
                 <a:latin typeface="+mn-lt"/>
               </a:rPr>
-              <a:t>Numeric Vectors (mode: </a:t>
+              <a:t>Numeric Vectors (data type: </a:t>
             </a:r>
             <a:r>
               <a:rPr lang="en-US" sz="1000" i="1" dirty="0">
@@ -24316,7 +24531,7 @@
                 </a:solidFill>
                 <a:latin typeface="+mn-lt"/>
               </a:rPr>
-              <a:t>)</a:t>
+              <a:t>) </a:t>
             </a:r>
           </a:p>
           <a:p>
@@ -24331,40 +24546,7 @@
                 </a:solidFill>
                 <a:latin typeface="+mn-lt"/>
               </a:rPr>
-              <a:t>Complex Vectors (mode: </a:t>
-            </a:r>
-            <a:r>
-              <a:rPr lang="en-US" sz="1000" i="1" dirty="0">
-                <a:solidFill>
-                  <a:srgbClr val="000000"/>
-                </a:solidFill>
-                <a:latin typeface="+mn-lt"/>
-              </a:rPr>
-              <a:t>complex</a:t>
-            </a:r>
-            <a:r>
-              <a:rPr lang="en-US" sz="1000" dirty="0">
-                <a:solidFill>
-                  <a:srgbClr val="000000"/>
-                </a:solidFill>
-                <a:latin typeface="+mn-lt"/>
-              </a:rPr>
-              <a:t>)</a:t>
-            </a:r>
-          </a:p>
-          <a:p>
-            <a:pPr marL="742950" lvl="1" indent="-285750">
-              <a:buFont typeface="Arial" panose="020B0604020202020204" pitchFamily="34" charset="0"/>
-              <a:buChar char="•"/>
-            </a:pPr>
-            <a:r>
-              <a:rPr lang="en-US" sz="1000" dirty="0">
-                <a:solidFill>
-                  <a:srgbClr val="000000"/>
-                </a:solidFill>
-                <a:latin typeface="+mn-lt"/>
-              </a:rPr>
-              <a:t>Logical Vectors (model: </a:t>
+              <a:t>Logical Vectors (data type: </a:t>
             </a:r>
             <a:r>
               <a:rPr lang="en-US" sz="1000" i="1" dirty="0">
@@ -24400,26 +24582,39 @@
                 </a:solidFill>
                 <a:latin typeface="+mn-lt"/>
               </a:rPr>
-              <a:t>Character Vector or text strings (mode: character)</a:t>
-            </a:r>
-          </a:p>
-          <a:p>
-            <a:pPr>
-              <a:spcAft>
-                <a:spcPts val="800"/>
-              </a:spcAft>
-              <a:buFont typeface="Arial" panose="020B0604020202020204" pitchFamily="34" charset="0"/>
-              <a:buChar char="•"/>
-            </a:pPr>
+              <a:t>Character Vector or text strings (data type: character)</a:t>
+            </a:r>
+          </a:p>
+          <a:p>
             <a:r>
               <a:rPr lang="en-US" sz="1000" b="1" dirty="0">
                 <a:solidFill>
+                  <a:schemeClr val="bg2"/>
+                </a:solidFill>
+                <a:latin typeface="+mn-lt"/>
+              </a:rPr>
+              <a:t>2) </a:t>
+            </a:r>
+            <a:r>
+              <a:rPr lang="en-US" sz="1000" b="1" dirty="0">
+                <a:solidFill>
+                  <a:srgbClr val="C00000"/>
+                </a:solidFill>
+                <a:latin typeface="+mn-lt"/>
+              </a:rPr>
+              <a:t>Matrix</a:t>
+            </a:r>
+            <a:r>
+              <a:rPr lang="en-US" sz="1000" b="1" dirty="0">
+                <a:solidFill>
                   <a:srgbClr val="0000FF"/>
                 </a:solidFill>
                 <a:latin typeface="+mn-lt"/>
               </a:rPr>
-              <a:t>Matrices</a:t>
-            </a:r>
+              <a:t> </a:t>
+            </a:r>
+          </a:p>
+          <a:p>
             <a:r>
               <a:rPr lang="en-US" sz="1000" dirty="0">
                 <a:solidFill>
@@ -24427,26 +24622,47 @@
                 </a:solidFill>
                 <a:latin typeface="+mn-lt"/>
               </a:rPr>
-              <a:t>: two-dimensional arrays to store collections of data of the same mode.</a:t>
-            </a:r>
-          </a:p>
-          <a:p>
-            <a:pPr>
-              <a:spcAft>
-                <a:spcPts val="800"/>
-              </a:spcAft>
-              <a:buFont typeface="Arial" panose="020B0604020202020204" pitchFamily="34" charset="0"/>
-              <a:buChar char="•"/>
-            </a:pPr>
+              <a:t>two-dimensional arrays to store collections of data of the same mode.</a:t>
+            </a:r>
+          </a:p>
+          <a:p>
+            <a:endParaRPr lang="en-US" sz="1000" b="1" dirty="0">
+              <a:solidFill>
+                <a:srgbClr val="0000FF"/>
+              </a:solidFill>
+              <a:latin typeface="+mn-lt"/>
+            </a:endParaRPr>
+          </a:p>
+          <a:p>
             <a:r>
               <a:rPr lang="en-US" sz="1000" b="1" dirty="0">
                 <a:solidFill>
+                  <a:schemeClr val="bg2"/>
+                </a:solidFill>
+                <a:latin typeface="+mn-lt"/>
+              </a:rPr>
+              <a:t>3) </a:t>
+            </a:r>
+            <a:r>
+              <a:rPr lang="en-US" sz="1000" b="1" dirty="0">
+                <a:solidFill>
                   <a:srgbClr val="0000FF"/>
                 </a:solidFill>
                 <a:latin typeface="+mn-lt"/>
               </a:rPr>
-              <a:t>Arrays</a:t>
-            </a:r>
+              <a:t>Array</a:t>
+            </a:r>
+            <a:r>
+              <a:rPr lang="en-US" sz="1000" b="1" dirty="0">
+                <a:solidFill>
+                  <a:srgbClr val="FF00FF"/>
+                </a:solidFill>
+                <a:latin typeface="+mn-lt"/>
+              </a:rPr>
+              <a:t> </a:t>
+            </a:r>
+          </a:p>
+          <a:p>
             <a:r>
               <a:rPr lang="en-US" sz="1000" dirty="0">
                 <a:solidFill>
@@ -24454,26 +24670,77 @@
                 </a:solidFill>
                 <a:latin typeface="+mn-lt"/>
               </a:rPr>
-              <a:t>: similar to matrices but they can be multi-dimensional (more than 2D) </a:t>
-            </a:r>
-          </a:p>
-          <a:p>
-            <a:pPr>
-              <a:spcAft>
-                <a:spcPts val="800"/>
-              </a:spcAft>
-              <a:buFont typeface="Arial" panose="020B0604020202020204" pitchFamily="34" charset="0"/>
-              <a:buChar char="•"/>
-            </a:pPr>
+              <a:t>similar to matrices but they can be multi-dimensional (more than 2D) </a:t>
+            </a:r>
+          </a:p>
+          <a:p>
+            <a:endParaRPr lang="en-US" sz="1000" b="1" dirty="0">
+              <a:solidFill>
+                <a:srgbClr val="FF00FF"/>
+              </a:solidFill>
+              <a:latin typeface="+mn-lt"/>
+            </a:endParaRPr>
+          </a:p>
+          <a:p>
             <a:r>
               <a:rPr lang="en-US" sz="1000" b="1" dirty="0">
                 <a:solidFill>
+                  <a:schemeClr val="bg2"/>
+                </a:solidFill>
+                <a:latin typeface="+mn-lt"/>
+              </a:rPr>
+              <a:t>4) </a:t>
+            </a:r>
+            <a:r>
+              <a:rPr lang="en-US" sz="1000" b="1" dirty="0">
+                <a:solidFill>
+                  <a:srgbClr val="FF00FF"/>
+                </a:solidFill>
+                <a:latin typeface="+mn-lt"/>
+              </a:rPr>
+              <a:t>Data Frame</a:t>
+            </a:r>
+          </a:p>
+          <a:p>
+            <a:r>
+              <a:rPr lang="en-US" sz="1000" dirty="0">
+                <a:solidFill>
                   <a:srgbClr val="000000"/>
                 </a:solidFill>
                 <a:latin typeface="+mn-lt"/>
               </a:rPr>
-              <a:t>Lists</a:t>
-            </a:r>
+              <a:t>generalization of matrices where different columns can store different mode data.</a:t>
+            </a:r>
+          </a:p>
+          <a:p>
+            <a:endParaRPr lang="en-US" sz="1000" b="1" dirty="0">
+              <a:solidFill>
+                <a:srgbClr val="FF00FF"/>
+              </a:solidFill>
+              <a:latin typeface="+mn-lt"/>
+            </a:endParaRPr>
+          </a:p>
+          <a:p>
+            <a:r>
+              <a:rPr lang="en-US" sz="1000" b="1" dirty="0">
+                <a:solidFill>
+                  <a:schemeClr val="bg2"/>
+                </a:solidFill>
+                <a:latin typeface="+mn-lt"/>
+              </a:rPr>
+              <a:t>5) </a:t>
+            </a:r>
+            <a:r>
+              <a:rPr lang="en-US" sz="1000" b="1" dirty="0">
+                <a:solidFill>
+                  <a:srgbClr val="000000"/>
+                </a:solidFill>
+                <a:latin typeface="+mn-lt"/>
+              </a:rPr>
+              <a:t>List</a:t>
+            </a:r>
+          </a:p>
+          <a:p>
             <a:r>
               <a:rPr lang="en-US" sz="1000" dirty="0">
                 <a:solidFill>
@@ -24481,62 +24748,16 @@
                 </a:solidFill>
                 <a:latin typeface="+mn-lt"/>
               </a:rPr>
-              <a:t>: ordered collection of objects, where the elements can be of different types</a:t>
-            </a:r>
-          </a:p>
-          <a:p>
-            <a:pPr>
-              <a:spcAft>
-                <a:spcPts val="800"/>
-              </a:spcAft>
-              <a:buFont typeface="Arial" panose="020B0604020202020204" pitchFamily="34" charset="0"/>
-              <a:buChar char="•"/>
-            </a:pPr>
-            <a:r>
-              <a:rPr lang="en-US" sz="1000" b="1" dirty="0">
-                <a:solidFill>
-                  <a:srgbClr val="FF00FF"/>
-                </a:solidFill>
-                <a:latin typeface="+mn-lt"/>
-              </a:rPr>
-              <a:t>Data Frames</a:t>
-            </a:r>
-            <a:r>
-              <a:rPr lang="en-US" sz="1000" dirty="0">
-                <a:solidFill>
-                  <a:srgbClr val="000000"/>
-                </a:solidFill>
-                <a:latin typeface="+mn-lt"/>
-              </a:rPr>
-              <a:t>: generalization of matrices where different columns can store different mode data.</a:t>
-            </a:r>
-          </a:p>
-          <a:p>
-            <a:pPr>
-              <a:spcAft>
-                <a:spcPts val="800"/>
-              </a:spcAft>
-              <a:buFont typeface="Arial" panose="020B0604020202020204" pitchFamily="34" charset="0"/>
-              <a:buChar char="•"/>
-            </a:pPr>
-            <a:r>
-              <a:rPr lang="en-US" sz="1000" b="1" dirty="0">
-                <a:solidFill>
-                  <a:srgbClr val="008000"/>
-                </a:solidFill>
-                <a:latin typeface="+mn-lt"/>
-              </a:rPr>
-              <a:t>Functions</a:t>
-            </a:r>
-            <a:r>
-              <a:rPr lang="en-US" sz="1000" dirty="0">
-                <a:solidFill>
-                  <a:srgbClr val="000000"/>
-                </a:solidFill>
-                <a:latin typeface="+mn-lt"/>
-              </a:rPr>
-              <a:t>: objects created by the user and reused to make specific operations.</a:t>
-            </a:r>
+              <a:t>ordered collection of objects, where the elements can be of different types</a:t>
+            </a:r>
+          </a:p>
+          <a:p>
+            <a:endParaRPr lang="en-US" sz="1000" dirty="0">
+              <a:solidFill>
+                <a:srgbClr val="000000"/>
+              </a:solidFill>
+              <a:latin typeface="+mn-lt"/>
+            </a:endParaRPr>
           </a:p>
         </p:txBody>
       </p:sp>
@@ -24605,7 +24826,7 @@
           <a:effectLst/>
           <a:extLst>
             <a:ext uri="{AF507438-7753-43e0-B8FC-AC1667EBCBE1}">
-              <a14:hiddenEffects xmlns:a14="http://schemas.microsoft.com/office/drawing/2010/main" xmlns="">
+              <a14:hiddenEffects xmlns="" xmlns:a14="http://schemas.microsoft.com/office/drawing/2010/main">
                 <a:effectLst>
                   <a:outerShdw dist="35921" dir="2700000" algn="ctr" rotWithShape="0">
                     <a:schemeClr val="bg2"/>
@@ -24885,7 +25106,7 @@
             <a:effectLst/>
             <a:extLst>
               <a:ext uri="{AF507438-7753-43e0-B8FC-AC1667EBCBE1}">
-                <a14:hiddenEffects xmlns:a14="http://schemas.microsoft.com/office/drawing/2010/main" xmlns="">
+                <a14:hiddenEffects xmlns="" xmlns:a14="http://schemas.microsoft.com/office/drawing/2010/main">
                   <a:effectLst>
                     <a:outerShdw dist="35921" dir="2700000" algn="ctr" rotWithShape="0">
                       <a:schemeClr val="bg2"/>
@@ -25015,7 +25236,7 @@
             <a:effectLst/>
             <a:extLst>
               <a:ext uri="{AF507438-7753-43e0-B8FC-AC1667EBCBE1}">
-                <a14:hiddenEffects xmlns:a14="http://schemas.microsoft.com/office/drawing/2010/main" xmlns="">
+                <a14:hiddenEffects xmlns="" xmlns:a14="http://schemas.microsoft.com/office/drawing/2010/main">
                   <a:effectLst>
                     <a:outerShdw dist="35921" dir="2700000" algn="ctr" rotWithShape="0">
                       <a:schemeClr val="bg2"/>
@@ -25245,7 +25466,7 @@
           <a:effectLst/>
           <a:extLst>
             <a:ext uri="{AF507438-7753-43e0-B8FC-AC1667EBCBE1}">
-              <a14:hiddenEffects xmlns:a14="http://schemas.microsoft.com/office/drawing/2010/main" xmlns="">
+              <a14:hiddenEffects xmlns="" xmlns:a14="http://schemas.microsoft.com/office/drawing/2010/main">
                 <a:effectLst>
                   <a:outerShdw dist="35921" dir="2700000" algn="ctr" rotWithShape="0">
                     <a:schemeClr val="bg2"/>
@@ -25947,7 +26168,7 @@
         <a:effectLst/>
         <a:extLst>
           <a:ext uri="{AF507438-7753-43e0-B8FC-AC1667EBCBE1}">
-            <a14:hiddenEffects xmlns:a14="http://schemas.microsoft.com/office/drawing/2010/main" xmlns="">
+            <a14:hiddenEffects xmlns="" xmlns:a14="http://schemas.microsoft.com/office/drawing/2010/main">
               <a:effectLst>
                 <a:outerShdw dist="35921" dir="2700000" algn="ctr" rotWithShape="0">
                   <a:schemeClr val="bg2"/>
@@ -26021,7 +26242,7 @@
         <a:effectLst/>
         <a:extLst>
           <a:ext uri="{AF507438-7753-43e0-B8FC-AC1667EBCBE1}">
-            <a14:hiddenEffects xmlns:a14="http://schemas.microsoft.com/office/drawing/2010/main" xmlns="">
+            <a14:hiddenEffects xmlns="" xmlns:a14="http://schemas.microsoft.com/office/drawing/2010/main">
               <a:effectLst>
                 <a:outerShdw dist="35921" dir="2700000" algn="ctr" rotWithShape="0">
                   <a:schemeClr val="bg2"/>

--- a/slides/FRS_exercise_R.pptx
+++ b/slides/FRS_exercise_R.pptx
@@ -5,35 +5,36 @@
     <p:sldMasterId id="2147483648" r:id="rId1"/>
   </p:sldMasterIdLst>
   <p:notesMasterIdLst>
-    <p:notesMasterId r:id="rId25"/>
+    <p:notesMasterId r:id="rId26"/>
   </p:notesMasterIdLst>
   <p:handoutMasterIdLst>
-    <p:handoutMasterId r:id="rId26"/>
+    <p:handoutMasterId r:id="rId27"/>
   </p:handoutMasterIdLst>
   <p:sldIdLst>
     <p:sldId id="258" r:id="rId2"/>
     <p:sldId id="257" r:id="rId3"/>
-    <p:sldId id="267" r:id="rId4"/>
-    <p:sldId id="262" r:id="rId5"/>
+    <p:sldId id="262" r:id="rId4"/>
+    <p:sldId id="285" r:id="rId5"/>
     <p:sldId id="263" r:id="rId6"/>
-    <p:sldId id="285" r:id="rId7"/>
-    <p:sldId id="268" r:id="rId8"/>
-    <p:sldId id="264" r:id="rId9"/>
-    <p:sldId id="265" r:id="rId10"/>
-    <p:sldId id="269" r:id="rId11"/>
-    <p:sldId id="260" r:id="rId12"/>
-    <p:sldId id="271" r:id="rId13"/>
-    <p:sldId id="280" r:id="rId14"/>
-    <p:sldId id="282" r:id="rId15"/>
-    <p:sldId id="283" r:id="rId16"/>
-    <p:sldId id="266" r:id="rId17"/>
-    <p:sldId id="270" r:id="rId18"/>
-    <p:sldId id="273" r:id="rId19"/>
-    <p:sldId id="277" r:id="rId20"/>
-    <p:sldId id="274" r:id="rId21"/>
-    <p:sldId id="284" r:id="rId22"/>
-    <p:sldId id="275" r:id="rId23"/>
-    <p:sldId id="278" r:id="rId24"/>
+    <p:sldId id="267" r:id="rId7"/>
+    <p:sldId id="286" r:id="rId8"/>
+    <p:sldId id="268" r:id="rId9"/>
+    <p:sldId id="264" r:id="rId10"/>
+    <p:sldId id="265" r:id="rId11"/>
+    <p:sldId id="269" r:id="rId12"/>
+    <p:sldId id="260" r:id="rId13"/>
+    <p:sldId id="271" r:id="rId14"/>
+    <p:sldId id="280" r:id="rId15"/>
+    <p:sldId id="282" r:id="rId16"/>
+    <p:sldId id="283" r:id="rId17"/>
+    <p:sldId id="266" r:id="rId18"/>
+    <p:sldId id="270" r:id="rId19"/>
+    <p:sldId id="273" r:id="rId20"/>
+    <p:sldId id="277" r:id="rId21"/>
+    <p:sldId id="274" r:id="rId22"/>
+    <p:sldId id="284" r:id="rId23"/>
+    <p:sldId id="275" r:id="rId24"/>
+    <p:sldId id="278" r:id="rId25"/>
   </p:sldIdLst>
   <p:sldSz cx="9144000" cy="5143500" type="screen16x9"/>
   <p:notesSz cx="6858000" cy="9144000"/>
@@ -1237,7 +1238,7 @@
     </p:spTree>
     <p:extLst>
       <p:ext uri="{BB962C8B-B14F-4D97-AF65-F5344CB8AC3E}">
-        <p14:creationId xmlns:p14="http://schemas.microsoft.com/office/powerpoint/2010/main" val="1029802144"/>
+        <p14:creationId xmlns:p14="http://schemas.microsoft.com/office/powerpoint/2010/main" val="1260424582"/>
       </p:ext>
     </p:extLst>
   </p:cSld>
@@ -1301,12 +1302,10 @@
                 <a:ea typeface="MS PGothic" panose="020B0600070205080204" pitchFamily="34" charset="-128"/>
                 <a:cs typeface="ＭＳ Ｐゴシック"/>
               </a:rPr>
-              <a:t>While loop:</a:t>
-            </a:r>
-          </a:p>
-          <a:p>
-            <a:r>
-              <a:rPr lang="en-US" sz="1200" b="0" i="0" kern="1200" dirty="0">
+              <a:t>The </a:t>
+            </a:r>
+            <a:r>
+              <a:rPr lang="en-US" sz="1200" b="1" i="0" kern="1200" dirty="0">
                 <a:solidFill>
                   <a:schemeClr val="tx1"/>
                 </a:solidFill>
@@ -1315,10 +1314,8 @@
                 <a:ea typeface="MS PGothic" panose="020B0600070205080204" pitchFamily="34" charset="-128"/>
                 <a:cs typeface="ＭＳ Ｐゴシック"/>
               </a:rPr>
-              <a:t>Keep execute some codes as long as the test expression is true. </a:t>
-            </a:r>
-          </a:p>
-          <a:p>
+              <a:t>if</a:t>
+            </a:r>
             <a:r>
               <a:rPr lang="en-US" sz="1200" b="0" i="0" kern="1200" dirty="0">
                 <a:solidFill>
@@ -1329,7 +1326,7 @@
                 <a:ea typeface="MS PGothic" panose="020B0600070205080204" pitchFamily="34" charset="-128"/>
                 <a:cs typeface="ＭＳ Ｐゴシック"/>
               </a:rPr>
-              <a:t>Here the loop will only continue to pass values to the </a:t>
+              <a:t>...</a:t>
             </a:r>
             <a:r>
               <a:rPr lang="en-US" sz="1200" b="1" i="0" kern="1200" dirty="0">
@@ -1341,14 +1338,10 @@
                 <a:ea typeface="MS PGothic" panose="020B0600070205080204" pitchFamily="34" charset="-128"/>
                 <a:cs typeface="ＭＳ Ｐゴシック"/>
               </a:rPr>
-              <a:t>main body of the loop (the </a:t>
-            </a:r>
-            <a:r>
-              <a:rPr lang="en-US" b="1" dirty="0"/>
-              <a:t>expression</a:t>
-            </a:r>
-            <a:r>
-              <a:rPr lang="en-US" sz="1200" b="1" i="0" kern="1200" dirty="0">
+              <a:t>else statement</a:t>
+            </a:r>
+            <a:r>
+              <a:rPr lang="en-US" sz="1200" b="0" i="0" kern="1200" dirty="0">
                 <a:solidFill>
                   <a:schemeClr val="tx1"/>
                 </a:solidFill>
@@ -1357,67 +1350,7 @@
                 <a:ea typeface="MS PGothic" panose="020B0600070205080204" pitchFamily="34" charset="-128"/>
                 <a:cs typeface="ＭＳ Ｐゴシック"/>
               </a:rPr>
-              <a:t> body) </a:t>
-            </a:r>
-            <a:r>
-              <a:rPr lang="en-US" sz="1200" b="0" i="0" kern="1200" dirty="0">
-                <a:solidFill>
-                  <a:schemeClr val="tx1"/>
-                </a:solidFill>
-                <a:effectLst/>
-                <a:latin typeface="Verdana" pitchFamily="96" charset="0"/>
-                <a:ea typeface="MS PGothic" panose="020B0600070205080204" pitchFamily="34" charset="-128"/>
-                <a:cs typeface="ＭＳ Ｐゴシック"/>
-              </a:rPr>
-              <a:t>when </a:t>
-            </a:r>
-            <a:r>
-              <a:rPr lang="en-US" dirty="0" err="1"/>
-              <a:t>i</a:t>
-            </a:r>
-            <a:r>
-              <a:rPr lang="en-US" sz="1200" b="0" i="0" kern="1200" dirty="0">
-                <a:solidFill>
-                  <a:schemeClr val="tx1"/>
-                </a:solidFill>
-                <a:effectLst/>
-                <a:latin typeface="Verdana" pitchFamily="96" charset="0"/>
-                <a:ea typeface="MS PGothic" panose="020B0600070205080204" pitchFamily="34" charset="-128"/>
-                <a:cs typeface="ＭＳ Ｐゴシック"/>
-              </a:rPr>
-              <a:t> is less than or equal to 4 (specified using the </a:t>
-            </a:r>
-            <a:r>
-              <a:rPr lang="en-US" dirty="0"/>
-              <a:t>&lt;-</a:t>
-            </a:r>
-            <a:r>
-              <a:rPr lang="en-US" sz="1200" b="0" i="0" kern="1200" dirty="0">
-                <a:solidFill>
-                  <a:schemeClr val="tx1"/>
-                </a:solidFill>
-                <a:effectLst/>
-                <a:latin typeface="Verdana" pitchFamily="96" charset="0"/>
-                <a:ea typeface="MS PGothic" panose="020B0600070205080204" pitchFamily="34" charset="-128"/>
-                <a:cs typeface="ＭＳ Ｐゴシック"/>
-              </a:rPr>
-              <a:t> operator in this example). Once </a:t>
-            </a:r>
-            <a:r>
-              <a:rPr lang="en-US" dirty="0" err="1"/>
-              <a:t>i</a:t>
-            </a:r>
-            <a:r>
-              <a:rPr lang="en-US" sz="1200" b="0" i="0" kern="1200" dirty="0">
-                <a:solidFill>
-                  <a:schemeClr val="tx1"/>
-                </a:solidFill>
-                <a:effectLst/>
-                <a:latin typeface="Verdana" pitchFamily="96" charset="0"/>
-                <a:ea typeface="MS PGothic" panose="020B0600070205080204" pitchFamily="34" charset="-128"/>
-                <a:cs typeface="ＭＳ Ｐゴシック"/>
-              </a:rPr>
-              <a:t> is greater than 4 the loop will stop.</a:t>
+              <a:t> executes two different codes depending upon whether the test expression is true or false.</a:t>
             </a:r>
             <a:endParaRPr lang="en-US" dirty="0"/>
           </a:p>
@@ -1450,7 +1383,7 @@
     </p:spTree>
     <p:extLst>
       <p:ext uri="{BB962C8B-B14F-4D97-AF65-F5344CB8AC3E}">
-        <p14:creationId xmlns:p14="http://schemas.microsoft.com/office/powerpoint/2010/main" val="3679995831"/>
+        <p14:creationId xmlns:p14="http://schemas.microsoft.com/office/powerpoint/2010/main" val="1029802144"/>
       </p:ext>
     </p:extLst>
   </p:cSld>
@@ -1504,6 +1437,134 @@
           <a:bodyPr/>
           <a:lstStyle/>
           <a:p>
+            <a:r>
+              <a:rPr lang="en-US" sz="1200" b="0" i="0" kern="1200" dirty="0">
+                <a:solidFill>
+                  <a:schemeClr val="tx1"/>
+                </a:solidFill>
+                <a:effectLst/>
+                <a:latin typeface="Verdana" pitchFamily="96" charset="0"/>
+                <a:ea typeface="MS PGothic" panose="020B0600070205080204" pitchFamily="34" charset="-128"/>
+                <a:cs typeface="ＭＳ Ｐゴシック"/>
+              </a:rPr>
+              <a:t>While loop:</a:t>
+            </a:r>
+          </a:p>
+          <a:p>
+            <a:r>
+              <a:rPr lang="en-US" sz="1200" b="0" i="0" kern="1200" dirty="0">
+                <a:solidFill>
+                  <a:schemeClr val="tx1"/>
+                </a:solidFill>
+                <a:effectLst/>
+                <a:latin typeface="Verdana" pitchFamily="96" charset="0"/>
+                <a:ea typeface="MS PGothic" panose="020B0600070205080204" pitchFamily="34" charset="-128"/>
+                <a:cs typeface="ＭＳ Ｐゴシック"/>
+              </a:rPr>
+              <a:t>Keep execute some codes as long as the test expression is true. </a:t>
+            </a:r>
+          </a:p>
+          <a:p>
+            <a:r>
+              <a:rPr lang="en-US" sz="1200" b="0" i="0" kern="1200" dirty="0">
+                <a:solidFill>
+                  <a:schemeClr val="tx1"/>
+                </a:solidFill>
+                <a:effectLst/>
+                <a:latin typeface="Verdana" pitchFamily="96" charset="0"/>
+                <a:ea typeface="MS PGothic" panose="020B0600070205080204" pitchFamily="34" charset="-128"/>
+                <a:cs typeface="ＭＳ Ｐゴシック"/>
+              </a:rPr>
+              <a:t>Here the loop will only continue to pass values to the </a:t>
+            </a:r>
+            <a:r>
+              <a:rPr lang="en-US" sz="1200" b="1" i="0" kern="1200" dirty="0">
+                <a:solidFill>
+                  <a:schemeClr val="tx1"/>
+                </a:solidFill>
+                <a:effectLst/>
+                <a:latin typeface="Verdana" pitchFamily="96" charset="0"/>
+                <a:ea typeface="MS PGothic" panose="020B0600070205080204" pitchFamily="34" charset="-128"/>
+                <a:cs typeface="ＭＳ Ｐゴシック"/>
+              </a:rPr>
+              <a:t>main body of the loop (the </a:t>
+            </a:r>
+            <a:r>
+              <a:rPr lang="en-US" b="1" dirty="0"/>
+              <a:t>expression</a:t>
+            </a:r>
+            <a:r>
+              <a:rPr lang="en-US" sz="1200" b="1" i="0" kern="1200" dirty="0">
+                <a:solidFill>
+                  <a:schemeClr val="tx1"/>
+                </a:solidFill>
+                <a:effectLst/>
+                <a:latin typeface="Verdana" pitchFamily="96" charset="0"/>
+                <a:ea typeface="MS PGothic" panose="020B0600070205080204" pitchFamily="34" charset="-128"/>
+                <a:cs typeface="ＭＳ Ｐゴシック"/>
+              </a:rPr>
+              <a:t> body) </a:t>
+            </a:r>
+            <a:r>
+              <a:rPr lang="en-US" sz="1200" b="0" i="0" kern="1200" dirty="0">
+                <a:solidFill>
+                  <a:schemeClr val="tx1"/>
+                </a:solidFill>
+                <a:effectLst/>
+                <a:latin typeface="Verdana" pitchFamily="96" charset="0"/>
+                <a:ea typeface="MS PGothic" panose="020B0600070205080204" pitchFamily="34" charset="-128"/>
+                <a:cs typeface="ＭＳ Ｐゴシック"/>
+              </a:rPr>
+              <a:t>when </a:t>
+            </a:r>
+            <a:r>
+              <a:rPr lang="en-US" dirty="0" err="1"/>
+              <a:t>i</a:t>
+            </a:r>
+            <a:r>
+              <a:rPr lang="en-US" sz="1200" b="0" i="0" kern="1200" dirty="0">
+                <a:solidFill>
+                  <a:schemeClr val="tx1"/>
+                </a:solidFill>
+                <a:effectLst/>
+                <a:latin typeface="Verdana" pitchFamily="96" charset="0"/>
+                <a:ea typeface="MS PGothic" panose="020B0600070205080204" pitchFamily="34" charset="-128"/>
+                <a:cs typeface="ＭＳ Ｐゴシック"/>
+              </a:rPr>
+              <a:t> is less than or equal to 4 (specified using the </a:t>
+            </a:r>
+            <a:r>
+              <a:rPr lang="en-US" dirty="0"/>
+              <a:t>&lt;-</a:t>
+            </a:r>
+            <a:r>
+              <a:rPr lang="en-US" sz="1200" b="0" i="0" kern="1200" dirty="0">
+                <a:solidFill>
+                  <a:schemeClr val="tx1"/>
+                </a:solidFill>
+                <a:effectLst/>
+                <a:latin typeface="Verdana" pitchFamily="96" charset="0"/>
+                <a:ea typeface="MS PGothic" panose="020B0600070205080204" pitchFamily="34" charset="-128"/>
+                <a:cs typeface="ＭＳ Ｐゴシック"/>
+              </a:rPr>
+              <a:t> operator in this example). Once </a:t>
+            </a:r>
+            <a:r>
+              <a:rPr lang="en-US" dirty="0" err="1"/>
+              <a:t>i</a:t>
+            </a:r>
+            <a:r>
+              <a:rPr lang="en-US" sz="1200" b="0" i="0" kern="1200" dirty="0">
+                <a:solidFill>
+                  <a:schemeClr val="tx1"/>
+                </a:solidFill>
+                <a:effectLst/>
+                <a:latin typeface="Verdana" pitchFamily="96" charset="0"/>
+                <a:ea typeface="MS PGothic" panose="020B0600070205080204" pitchFamily="34" charset="-128"/>
+                <a:cs typeface="ＭＳ Ｐゴシック"/>
+              </a:rPr>
+              <a:t> is greater than 4 the loop will stop.</a:t>
+            </a:r>
             <a:endParaRPr lang="en-US" dirty="0"/>
           </a:p>
         </p:txBody>
@@ -1535,7 +1596,7 @@
     </p:spTree>
     <p:extLst>
       <p:ext uri="{BB962C8B-B14F-4D97-AF65-F5344CB8AC3E}">
-        <p14:creationId xmlns:p14="http://schemas.microsoft.com/office/powerpoint/2010/main" val="1531213110"/>
+        <p14:creationId xmlns:p14="http://schemas.microsoft.com/office/powerpoint/2010/main" val="3679995831"/>
       </p:ext>
     </p:extLst>
   </p:cSld>
@@ -1620,7 +1681,7 @@
     </p:spTree>
     <p:extLst>
       <p:ext uri="{BB962C8B-B14F-4D97-AF65-F5344CB8AC3E}">
-        <p14:creationId xmlns:p14="http://schemas.microsoft.com/office/powerpoint/2010/main" val="1935480146"/>
+        <p14:creationId xmlns:p14="http://schemas.microsoft.com/office/powerpoint/2010/main" val="1531213110"/>
       </p:ext>
     </p:extLst>
   </p:cSld>
@@ -1705,7 +1766,7 @@
     </p:spTree>
     <p:extLst>
       <p:ext uri="{BB962C8B-B14F-4D97-AF65-F5344CB8AC3E}">
-        <p14:creationId xmlns:p14="http://schemas.microsoft.com/office/powerpoint/2010/main" val="1164181401"/>
+        <p14:creationId xmlns:p14="http://schemas.microsoft.com/office/powerpoint/2010/main" val="1935480146"/>
       </p:ext>
     </p:extLst>
   </p:cSld>
@@ -1790,7 +1851,7 @@
     </p:spTree>
     <p:extLst>
       <p:ext uri="{BB962C8B-B14F-4D97-AF65-F5344CB8AC3E}">
-        <p14:creationId xmlns:p14="http://schemas.microsoft.com/office/powerpoint/2010/main" val="2674444161"/>
+        <p14:creationId xmlns:p14="http://schemas.microsoft.com/office/powerpoint/2010/main" val="1164181401"/>
       </p:ext>
     </p:extLst>
   </p:cSld>
@@ -1875,7 +1936,7 @@
     </p:spTree>
     <p:extLst>
       <p:ext uri="{BB962C8B-B14F-4D97-AF65-F5344CB8AC3E}">
-        <p14:creationId xmlns:p14="http://schemas.microsoft.com/office/powerpoint/2010/main" val="2554823266"/>
+        <p14:creationId xmlns:p14="http://schemas.microsoft.com/office/powerpoint/2010/main" val="2674444161"/>
       </p:ext>
     </p:extLst>
   </p:cSld>
@@ -1951,7 +2012,7 @@
             <a:fld id="{0A463E84-36D0-47AB-AE84-D840C4315E64}" type="slidenum">
               <a:rPr lang="de-DE" altLang="de-DE" smtClean="0"/>
               <a:pPr/>
-              <a:t>21</a:t>
+              <a:t>20</a:t>
             </a:fld>
             <a:endParaRPr lang="de-DE" altLang="de-DE"/>
           </a:p>
@@ -1960,7 +2021,7 @@
     </p:spTree>
     <p:extLst>
       <p:ext uri="{BB962C8B-B14F-4D97-AF65-F5344CB8AC3E}">
-        <p14:creationId xmlns:p14="http://schemas.microsoft.com/office/powerpoint/2010/main" val="1576053959"/>
+        <p14:creationId xmlns:p14="http://schemas.microsoft.com/office/powerpoint/2010/main" val="2554823266"/>
       </p:ext>
     </p:extLst>
   </p:cSld>
@@ -2014,6 +2075,91 @@
           <a:bodyPr/>
           <a:lstStyle/>
           <a:p>
+            <a:endParaRPr lang="en-US" dirty="0"/>
+          </a:p>
+        </p:txBody>
+      </p:sp>
+      <p:sp>
+        <p:nvSpPr>
+          <p:cNvPr id="4" name="Slide Number Placeholder 3"/>
+          <p:cNvSpPr>
+            <a:spLocks noGrp="1"/>
+          </p:cNvSpPr>
+          <p:nvPr>
+            <p:ph type="sldNum" sz="quarter" idx="5"/>
+          </p:nvPr>
+        </p:nvSpPr>
+        <p:spPr/>
+        <p:txBody>
+          <a:bodyPr/>
+          <a:lstStyle/>
+          <a:p>
+            <a:fld id="{0A463E84-36D0-47AB-AE84-D840C4315E64}" type="slidenum">
+              <a:rPr lang="de-DE" altLang="de-DE" smtClean="0"/>
+              <a:pPr/>
+              <a:t>22</a:t>
+            </a:fld>
+            <a:endParaRPr lang="de-DE" altLang="de-DE"/>
+          </a:p>
+        </p:txBody>
+      </p:sp>
+    </p:spTree>
+    <p:extLst>
+      <p:ext uri="{BB962C8B-B14F-4D97-AF65-F5344CB8AC3E}">
+        <p14:creationId xmlns:p14="http://schemas.microsoft.com/office/powerpoint/2010/main" val="1576053959"/>
+      </p:ext>
+    </p:extLst>
+  </p:cSld>
+  <p:clrMapOvr>
+    <a:masterClrMapping/>
+  </p:clrMapOvr>
+</p:notes>
+</file>
+
+<file path=ppt/notesSlides/notesSlide19.xml><?xml version="1.0" encoding="utf-8"?>
+<p:notes xmlns:a="http://schemas.openxmlformats.org/drawingml/2006/main" xmlns:r="http://schemas.openxmlformats.org/officeDocument/2006/relationships" xmlns:p="http://schemas.openxmlformats.org/presentationml/2006/main">
+  <p:cSld>
+    <p:spTree>
+      <p:nvGrpSpPr>
+        <p:cNvPr id="1" name=""/>
+        <p:cNvGrpSpPr/>
+        <p:nvPr/>
+      </p:nvGrpSpPr>
+      <p:grpSpPr>
+        <a:xfrm>
+          <a:off x="0" y="0"/>
+          <a:ext cx="0" cy="0"/>
+          <a:chOff x="0" y="0"/>
+          <a:chExt cx="0" cy="0"/>
+        </a:xfrm>
+      </p:grpSpPr>
+      <p:sp>
+        <p:nvSpPr>
+          <p:cNvPr id="2" name="Slide Image Placeholder 1"/>
+          <p:cNvSpPr>
+            <a:spLocks noGrp="1" noRot="1" noChangeAspect="1"/>
+          </p:cNvSpPr>
+          <p:nvPr>
+            <p:ph type="sldImg"/>
+          </p:nvPr>
+        </p:nvSpPr>
+        <p:spPr/>
+      </p:sp>
+      <p:sp>
+        <p:nvSpPr>
+          <p:cNvPr id="3" name="Notes Placeholder 2"/>
+          <p:cNvSpPr>
+            <a:spLocks noGrp="1"/>
+          </p:cNvSpPr>
+          <p:nvPr>
+            <p:ph type="body" idx="1"/>
+          </p:nvPr>
+        </p:nvSpPr>
+        <p:spPr/>
+        <p:txBody>
+          <a:bodyPr/>
+          <a:lstStyle/>
+          <a:p>
             <a:pPr marL="0" marR="0" lvl="0" indent="0" algn="l" defTabSz="914400" rtl="0" eaLnBrk="0" fontAlgn="base" latinLnBrk="0" hangingPunct="0">
               <a:lnSpc>
                 <a:spcPct val="100000"/>
@@ -2128,7 +2274,7 @@
             <a:fld id="{0A463E84-36D0-47AB-AE84-D840C4315E64}" type="slidenum">
               <a:rPr lang="de-DE" altLang="de-DE" smtClean="0"/>
               <a:pPr/>
-              <a:t>22</a:t>
+              <a:t>23</a:t>
             </a:fld>
             <a:endParaRPr lang="de-DE" altLang="de-DE"/>
           </a:p>
@@ -2213,7 +2359,7 @@
             <a:fld id="{0A463E84-36D0-47AB-AE84-D840C4315E64}" type="slidenum">
               <a:rPr lang="de-DE" altLang="de-DE" smtClean="0"/>
               <a:pPr/>
-              <a:t>4</a:t>
+              <a:t>3</a:t>
             </a:fld>
             <a:endParaRPr lang="de-DE" altLang="de-DE"/>
           </a:p>
@@ -2298,7 +2444,7 @@
             <a:fld id="{0A463E84-36D0-47AB-AE84-D840C4315E64}" type="slidenum">
               <a:rPr lang="de-DE" altLang="de-DE" smtClean="0"/>
               <a:pPr/>
-              <a:t>5</a:t>
+              <a:t>4</a:t>
             </a:fld>
             <a:endParaRPr lang="de-DE" altLang="de-DE"/>
           </a:p>
@@ -2307,7 +2453,7 @@
     </p:spTree>
     <p:extLst>
       <p:ext uri="{BB962C8B-B14F-4D97-AF65-F5344CB8AC3E}">
-        <p14:creationId xmlns:p14="http://schemas.microsoft.com/office/powerpoint/2010/main" val="3054288683"/>
+        <p14:creationId xmlns:p14="http://schemas.microsoft.com/office/powerpoint/2010/main" val="2538691359"/>
       </p:ext>
     </p:extLst>
   </p:cSld>
@@ -2383,7 +2529,7 @@
             <a:fld id="{0A463E84-36D0-47AB-AE84-D840C4315E64}" type="slidenum">
               <a:rPr lang="de-DE" altLang="de-DE" smtClean="0"/>
               <a:pPr/>
-              <a:t>6</a:t>
+              <a:t>5</a:t>
             </a:fld>
             <a:endParaRPr lang="de-DE" altLang="de-DE"/>
           </a:p>
@@ -2392,7 +2538,7 @@
     </p:spTree>
     <p:extLst>
       <p:ext uri="{BB962C8B-B14F-4D97-AF65-F5344CB8AC3E}">
-        <p14:creationId xmlns:p14="http://schemas.microsoft.com/office/powerpoint/2010/main" val="2538691359"/>
+        <p14:creationId xmlns:p14="http://schemas.microsoft.com/office/powerpoint/2010/main" val="3054288683"/>
       </p:ext>
     </p:extLst>
   </p:cSld>
@@ -2477,7 +2623,7 @@
     </p:spTree>
     <p:extLst>
       <p:ext uri="{BB962C8B-B14F-4D97-AF65-F5344CB8AC3E}">
-        <p14:creationId xmlns:p14="http://schemas.microsoft.com/office/powerpoint/2010/main" val="3734008352"/>
+        <p14:creationId xmlns:p14="http://schemas.microsoft.com/office/powerpoint/2010/main" val="175441197"/>
       </p:ext>
     </p:extLst>
   </p:cSld>
@@ -2562,7 +2708,7 @@
     </p:spTree>
     <p:extLst>
       <p:ext uri="{BB962C8B-B14F-4D97-AF65-F5344CB8AC3E}">
-        <p14:creationId xmlns:p14="http://schemas.microsoft.com/office/powerpoint/2010/main" val="1943714837"/>
+        <p14:creationId xmlns:p14="http://schemas.microsoft.com/office/powerpoint/2010/main" val="3734008352"/>
       </p:ext>
     </p:extLst>
   </p:cSld>
@@ -2647,7 +2793,7 @@
     </p:spTree>
     <p:extLst>
       <p:ext uri="{BB962C8B-B14F-4D97-AF65-F5344CB8AC3E}">
-        <p14:creationId xmlns:p14="http://schemas.microsoft.com/office/powerpoint/2010/main" val="1439721134"/>
+        <p14:creationId xmlns:p14="http://schemas.microsoft.com/office/powerpoint/2010/main" val="1943714837"/>
       </p:ext>
     </p:extLst>
   </p:cSld>
@@ -2701,20 +2847,6 @@
           <a:bodyPr/>
           <a:lstStyle/>
           <a:p>
-            <a:r>
-              <a:rPr lang="en-US" sz="1200" b="0" i="0" kern="1200" dirty="0">
-                <a:solidFill>
-                  <a:schemeClr val="tx1"/>
-                </a:solidFill>
-                <a:effectLst/>
-                <a:latin typeface="Verdana" pitchFamily="96" charset="0"/>
-                <a:ea typeface="MS PGothic" panose="020B0600070205080204" pitchFamily="34" charset="-128"/>
-                <a:cs typeface="ＭＳ Ｐゴシック"/>
-              </a:rPr>
-              <a:t>A function is a set of statements organized together to perform a specific task. R has a large number of in-built functions and the user can create their own functions. In R, a function is an object so the R interpreter is able to pass control to the function, along with arguments that may be necessary for the function to accomplish the actions.</a:t>
-            </a:r>
-          </a:p>
-          <a:p>
             <a:endParaRPr lang="en-US" dirty="0"/>
           </a:p>
         </p:txBody>
@@ -2746,7 +2878,7 @@
     </p:spTree>
     <p:extLst>
       <p:ext uri="{BB962C8B-B14F-4D97-AF65-F5344CB8AC3E}">
-        <p14:creationId xmlns:p14="http://schemas.microsoft.com/office/powerpoint/2010/main" val="776098188"/>
+        <p14:creationId xmlns:p14="http://schemas.microsoft.com/office/powerpoint/2010/main" val="1439721134"/>
       </p:ext>
     </p:extLst>
   </p:cSld>
@@ -2810,56 +2942,10 @@
                 <a:ea typeface="MS PGothic" panose="020B0600070205080204" pitchFamily="34" charset="-128"/>
                 <a:cs typeface="ＭＳ Ｐゴシック"/>
               </a:rPr>
-              <a:t>The </a:t>
-            </a:r>
-            <a:r>
-              <a:rPr lang="en-US" sz="1200" b="1" i="0" kern="1200" dirty="0">
-                <a:solidFill>
-                  <a:schemeClr val="tx1"/>
-                </a:solidFill>
-                <a:effectLst/>
-                <a:latin typeface="Verdana" pitchFamily="96" charset="0"/>
-                <a:ea typeface="MS PGothic" panose="020B0600070205080204" pitchFamily="34" charset="-128"/>
-                <a:cs typeface="ＭＳ Ｐゴシック"/>
-              </a:rPr>
-              <a:t>if</a:t>
-            </a:r>
-            <a:r>
-              <a:rPr lang="en-US" sz="1200" b="0" i="0" kern="1200" dirty="0">
-                <a:solidFill>
-                  <a:schemeClr val="tx1"/>
-                </a:solidFill>
-                <a:effectLst/>
-                <a:latin typeface="Verdana" pitchFamily="96" charset="0"/>
-                <a:ea typeface="MS PGothic" panose="020B0600070205080204" pitchFamily="34" charset="-128"/>
-                <a:cs typeface="ＭＳ Ｐゴシック"/>
-              </a:rPr>
-              <a:t>...</a:t>
-            </a:r>
-            <a:r>
-              <a:rPr lang="en-US" sz="1200" b="1" i="0" kern="1200" dirty="0">
-                <a:solidFill>
-                  <a:schemeClr val="tx1"/>
-                </a:solidFill>
-                <a:effectLst/>
-                <a:latin typeface="Verdana" pitchFamily="96" charset="0"/>
-                <a:ea typeface="MS PGothic" panose="020B0600070205080204" pitchFamily="34" charset="-128"/>
-                <a:cs typeface="ＭＳ Ｐゴシック"/>
-              </a:rPr>
-              <a:t>else statement</a:t>
-            </a:r>
-            <a:r>
-              <a:rPr lang="en-US" sz="1200" b="0" i="0" kern="1200" dirty="0">
-                <a:solidFill>
-                  <a:schemeClr val="tx1"/>
-                </a:solidFill>
-                <a:effectLst/>
-                <a:latin typeface="Verdana" pitchFamily="96" charset="0"/>
-                <a:ea typeface="MS PGothic" panose="020B0600070205080204" pitchFamily="34" charset="-128"/>
-                <a:cs typeface="ＭＳ Ｐゴシック"/>
-              </a:rPr>
-              <a:t> executes two different codes depending upon whether the test expression is true or false.</a:t>
-            </a:r>
+              <a:t>A function is a set of statements organized together to perform a specific task. R has a large number of in-built functions and the user can create their own functions. In R, a function is an object so the R interpreter is able to pass control to the function, along with arguments that may be necessary for the function to accomplish the actions.</a:t>
+            </a:r>
+          </a:p>
+          <a:p>
             <a:endParaRPr lang="en-US" dirty="0"/>
           </a:p>
         </p:txBody>
@@ -2882,7 +2968,7 @@
             <a:fld id="{0A463E84-36D0-47AB-AE84-D840C4315E64}" type="slidenum">
               <a:rPr lang="de-DE" altLang="de-DE" smtClean="0"/>
               <a:pPr/>
-              <a:t>12</a:t>
+              <a:t>11</a:t>
             </a:fld>
             <a:endParaRPr lang="de-DE" altLang="de-DE"/>
           </a:p>
@@ -2891,7 +2977,7 @@
     </p:spTree>
     <p:extLst>
       <p:ext uri="{BB962C8B-B14F-4D97-AF65-F5344CB8AC3E}">
-        <p14:creationId xmlns:p14="http://schemas.microsoft.com/office/powerpoint/2010/main" val="1260424582"/>
+        <p14:creationId xmlns:p14="http://schemas.microsoft.com/office/powerpoint/2010/main" val="776098188"/>
       </p:ext>
     </p:extLst>
   </p:cSld>
@@ -5809,7 +5895,7 @@
           <a:effectLst/>
           <a:extLst>
             <a:ext uri="{AF507438-7753-43e0-B8FC-AC1667EBCBE1}">
-              <a14:hiddenEffects xmlns:a14="http://schemas.microsoft.com/office/drawing/2010/main" xmlns="">
+              <a14:hiddenEffects xmlns="" xmlns:a14="http://schemas.microsoft.com/office/drawing/2010/main">
                 <a:effectLst>
                   <a:outerShdw dist="35921" dir="2700000" algn="ctr" rotWithShape="0">
                     <a:schemeClr val="bg2"/>
@@ -5875,7 +5961,7 @@
         <p:spPr>
           <a:xfrm>
             <a:off x="611560" y="767484"/>
-            <a:ext cx="4528804" cy="400110"/>
+            <a:ext cx="2759089" cy="400110"/>
           </a:xfrm>
           <a:prstGeom prst="rect">
             <a:avLst/>
@@ -5914,7 +6000,7 @@
                   <a:srgbClr val="00589C"/>
                 </a:solidFill>
               </a:rPr>
-              <a:t>4. Functions and Control structures</a:t>
+              <a:t>3. Getting data into R</a:t>
             </a:r>
           </a:p>
         </p:txBody>
@@ -5924,7 +6010,7 @@
           <p:cNvPr id="2" name="Slide Number Placeholder 1">
             <a:extLst>
               <a:ext uri="{FF2B5EF4-FFF2-40B4-BE49-F238E27FC236}">
-                <a16:creationId xmlns:a16="http://schemas.microsoft.com/office/drawing/2014/main" id="{4BA77301-7EC3-46B2-876D-812AAB1A3F7F}"/>
+                <a16:creationId xmlns:a16="http://schemas.microsoft.com/office/drawing/2014/main" id="{4176AD70-AE94-4707-8855-97299D22C18B}"/>
               </a:ext>
             </a:extLst>
           </p:cNvPr>
@@ -5953,305 +6039,441 @@
           </a:p>
         </p:txBody>
       </p:sp>
-      <p:sp>
-        <p:nvSpPr>
-          <p:cNvPr id="5" name="TextBox 4">
+      <p:pic>
+        <p:nvPicPr>
+          <p:cNvPr id="6" name="Picture 5">
             <a:extLst>
               <a:ext uri="{FF2B5EF4-FFF2-40B4-BE49-F238E27FC236}">
-                <a16:creationId xmlns:a16="http://schemas.microsoft.com/office/drawing/2014/main" id="{4ACE272B-F0D8-4BDF-AE77-04396EBD4219}"/>
+                <a16:creationId xmlns:a16="http://schemas.microsoft.com/office/drawing/2014/main" id="{DB20B547-657D-4011-8607-8B0584A3B893}"/>
               </a:ext>
             </a:extLst>
           </p:cNvPr>
-          <p:cNvSpPr txBox="1"/>
+          <p:cNvPicPr>
+            <a:picLocks noChangeAspect="1"/>
+          </p:cNvPicPr>
           <p:nvPr/>
-        </p:nvSpPr>
+        </p:nvPicPr>
+        <p:blipFill>
+          <a:blip r:embed="rId3">
+            <a:extLst>
+              <a:ext uri="{28A0092B-C50C-407E-A947-70E740481C1C}">
+                <a14:useLocalDpi xmlns:a14="http://schemas.microsoft.com/office/drawing/2010/main" val="0"/>
+              </a:ext>
+            </a:extLst>
+          </a:blip>
+          <a:stretch>
+            <a:fillRect/>
+          </a:stretch>
+        </p:blipFill>
         <p:spPr>
           <a:xfrm>
-            <a:off x="971600" y="2744896"/>
-            <a:ext cx="2735044" cy="1267014"/>
-          </a:xfrm>
-          <a:prstGeom prst="rect">
-            <a:avLst/>
-          </a:prstGeom>
-          <a:noFill/>
-        </p:spPr>
-        <p:txBody>
-          <a:bodyPr wrap="none" rtlCol="0">
-            <a:spAutoFit/>
-          </a:bodyPr>
-          <a:lstStyle/>
-          <a:p>
-            <a:r>
-              <a:rPr lang="en-US" sz="2000" b="1" dirty="0">
-                <a:solidFill>
-                  <a:srgbClr val="00589C"/>
-                </a:solidFill>
-                <a:latin typeface="+mn-lt"/>
-              </a:rPr>
-              <a:t>Function sources:</a:t>
-            </a:r>
-          </a:p>
-          <a:p>
-            <a:pPr marL="285750" indent="-285750">
-              <a:spcAft>
-                <a:spcPts val="500"/>
-              </a:spcAft>
-              <a:buFont typeface="Wingdings" panose="05000000000000000000" pitchFamily="2" charset="2"/>
-              <a:buChar char="Ø"/>
-            </a:pPr>
-            <a:r>
-              <a:rPr lang="en-US" sz="1600" dirty="0">
-                <a:latin typeface="+mn-lt"/>
-              </a:rPr>
-              <a:t>Built-in</a:t>
-            </a:r>
-          </a:p>
-          <a:p>
-            <a:pPr marL="285750" indent="-285750">
-              <a:spcAft>
-                <a:spcPts val="500"/>
-              </a:spcAft>
-              <a:buFont typeface="Wingdings" panose="05000000000000000000" pitchFamily="2" charset="2"/>
-              <a:buChar char="Ø"/>
-            </a:pPr>
-            <a:r>
-              <a:rPr lang="en-US" sz="1600" dirty="0">
-                <a:latin typeface="+mn-lt"/>
-              </a:rPr>
-              <a:t>Third-party packages</a:t>
-            </a:r>
-          </a:p>
-          <a:p>
-            <a:pPr marL="285750" indent="-285750">
-              <a:spcAft>
-                <a:spcPts val="500"/>
-              </a:spcAft>
-              <a:buFont typeface="Wingdings" panose="05000000000000000000" pitchFamily="2" charset="2"/>
-              <a:buChar char="Ø"/>
-            </a:pPr>
-            <a:r>
-              <a:rPr lang="en-US" sz="1600" dirty="0">
-                <a:latin typeface="+mn-lt"/>
-              </a:rPr>
-              <a:t>Self-defined</a:t>
-            </a:r>
-          </a:p>
-        </p:txBody>
-      </p:sp>
-      <p:sp>
-        <p:nvSpPr>
-          <p:cNvPr id="6" name="Rectangle 5">
-            <a:extLst>
-              <a:ext uri="{FF2B5EF4-FFF2-40B4-BE49-F238E27FC236}">
-                <a16:creationId xmlns:a16="http://schemas.microsoft.com/office/drawing/2014/main" id="{DE00B967-FEF6-4BFF-A290-1ECDB410B9E0}"/>
-              </a:ext>
-            </a:extLst>
-          </p:cNvPr>
-          <p:cNvSpPr/>
-          <p:nvPr/>
-        </p:nvSpPr>
-        <p:spPr>
-          <a:xfrm>
-            <a:off x="971600" y="1622402"/>
-            <a:ext cx="4572000" cy="830997"/>
+            <a:off x="875280" y="1445221"/>
+            <a:ext cx="3957797" cy="2683634"/>
           </a:xfrm>
           <a:prstGeom prst="rect">
             <a:avLst/>
           </a:prstGeom>
         </p:spPr>
-        <p:txBody>
-          <a:bodyPr>
-            <a:spAutoFit/>
-          </a:bodyPr>
-          <a:lstStyle/>
-          <a:p>
-            <a:r>
-              <a:rPr lang="en-US" sz="2000" b="1" dirty="0">
-                <a:solidFill>
-                  <a:srgbClr val="00589C"/>
-                </a:solidFill>
-                <a:latin typeface="+mn-lt"/>
-                <a:cs typeface="ＭＳ Ｐゴシック"/>
-              </a:rPr>
-              <a:t>What’s function:</a:t>
-            </a:r>
-          </a:p>
-          <a:p>
-            <a:r>
-              <a:rPr lang="en-US" sz="1400" dirty="0">
-                <a:latin typeface="+mn-lt"/>
-                <a:cs typeface="ＭＳ Ｐゴシック"/>
-              </a:rPr>
-              <a:t>A function is a set of statements organized together to perform a specific task.</a:t>
-            </a:r>
-            <a:endParaRPr lang="en-US" sz="1400" dirty="0">
-              <a:latin typeface="+mn-lt"/>
-            </a:endParaRPr>
-          </a:p>
-        </p:txBody>
-      </p:sp>
-      <p:sp>
-        <p:nvSpPr>
-          <p:cNvPr id="10" name="Rectangle 9">
+      </p:pic>
+      <p:grpSp>
+        <p:nvGrpSpPr>
+          <p:cNvPr id="13" name="Group 12">
             <a:extLst>
               <a:ext uri="{FF2B5EF4-FFF2-40B4-BE49-F238E27FC236}">
-                <a16:creationId xmlns:a16="http://schemas.microsoft.com/office/drawing/2014/main" id="{56CFAAF7-72D3-4B41-9449-B8921E05739F}"/>
+                <a16:creationId xmlns:a16="http://schemas.microsoft.com/office/drawing/2014/main" id="{28A71413-1930-40B5-B1DD-C249DA4FB5E9}"/>
               </a:ext>
             </a:extLst>
           </p:cNvPr>
-          <p:cNvSpPr/>
+          <p:cNvGrpSpPr/>
           <p:nvPr/>
-        </p:nvSpPr>
-        <p:spPr>
+        </p:nvGrpSpPr>
+        <p:grpSpPr>
           <a:xfrm>
-            <a:off x="4572000" y="2571750"/>
-            <a:ext cx="4275656" cy="1815882"/>
+            <a:off x="5508104" y="1074301"/>
+            <a:ext cx="3263416" cy="3366845"/>
+            <a:chOff x="5508104" y="875356"/>
+            <a:chExt cx="3263416" cy="3366845"/>
           </a:xfrm>
-          <a:prstGeom prst="rect">
-            <a:avLst/>
-          </a:prstGeom>
-          <a:solidFill>
-            <a:schemeClr val="accent3">
-              <a:lumMod val="95000"/>
-            </a:schemeClr>
-          </a:solidFill>
-        </p:spPr>
-        <p:txBody>
-          <a:bodyPr wrap="square">
-            <a:spAutoFit/>
-          </a:bodyPr>
-          <a:lstStyle/>
-          <a:p>
-            <a:r>
-              <a:rPr lang="en-US" sz="1600" dirty="0" err="1">
-                <a:solidFill>
-                  <a:srgbClr val="000000"/>
-                </a:solidFill>
-                <a:cs typeface="Arial" panose="020B0604020202020204" pitchFamily="34" charset="0"/>
-              </a:rPr>
-              <a:t>Funtion_name</a:t>
-            </a:r>
-            <a:r>
-              <a:rPr lang="en-US" sz="1600" dirty="0">
-                <a:solidFill>
-                  <a:srgbClr val="000000"/>
-                </a:solidFill>
-                <a:cs typeface="Arial" panose="020B0604020202020204" pitchFamily="34" charset="0"/>
-              </a:rPr>
-              <a:t> &lt;- </a:t>
-            </a:r>
-            <a:r>
-              <a:rPr lang="en-US" sz="1600" b="1" dirty="0">
-                <a:solidFill>
-                  <a:srgbClr val="00589C"/>
-                </a:solidFill>
-                <a:cs typeface="Arial" panose="020B0604020202020204" pitchFamily="34" charset="0"/>
-              </a:rPr>
-              <a:t>function</a:t>
-            </a:r>
-            <a:r>
-              <a:rPr lang="en-US" sz="1600" dirty="0">
-                <a:solidFill>
-                  <a:srgbClr val="000000"/>
-                </a:solidFill>
-                <a:cs typeface="Arial" panose="020B0604020202020204" pitchFamily="34" charset="0"/>
-              </a:rPr>
-              <a:t>(parameters)</a:t>
-            </a:r>
-            <a:br>
-              <a:rPr lang="en-US" sz="1600" dirty="0">
-                <a:cs typeface="Arial" panose="020B0604020202020204" pitchFamily="34" charset="0"/>
-              </a:rPr>
-            </a:br>
-            <a:r>
-              <a:rPr lang="en-US" sz="1600" dirty="0">
-                <a:solidFill>
-                  <a:srgbClr val="000000"/>
-                </a:solidFill>
-                <a:cs typeface="Arial" panose="020B0604020202020204" pitchFamily="34" charset="0"/>
-              </a:rPr>
-              <a:t>{</a:t>
-            </a:r>
-          </a:p>
-          <a:p>
-            <a:pPr lvl="1"/>
-            <a:r>
-              <a:rPr lang="en-US" sz="1600" dirty="0">
-                <a:solidFill>
-                  <a:srgbClr val="000000"/>
-                </a:solidFill>
-                <a:cs typeface="Arial" panose="020B0604020202020204" pitchFamily="34" charset="0"/>
-              </a:rPr>
-              <a:t>…</a:t>
-            </a:r>
-            <a:br>
-              <a:rPr lang="en-US" sz="1600" dirty="0">
-                <a:cs typeface="Arial" panose="020B0604020202020204" pitchFamily="34" charset="0"/>
-              </a:rPr>
-            </a:br>
-            <a:r>
-              <a:rPr lang="en-US" sz="1600" dirty="0">
-                <a:cs typeface="Arial" panose="020B0604020202020204" pitchFamily="34" charset="0"/>
-              </a:rPr>
-              <a:t>function b</a:t>
-            </a:r>
-            <a:r>
-              <a:rPr lang="en-US" sz="1600" dirty="0">
-                <a:solidFill>
-                  <a:srgbClr val="000000"/>
-                </a:solidFill>
-                <a:cs typeface="Arial" panose="020B0604020202020204" pitchFamily="34" charset="0"/>
-              </a:rPr>
-              <a:t>ody (commands chunk)</a:t>
-            </a:r>
-          </a:p>
-          <a:p>
-            <a:pPr lvl="1"/>
-            <a:r>
-              <a:rPr lang="en-US" sz="1600" dirty="0">
-                <a:solidFill>
-                  <a:srgbClr val="000000"/>
-                </a:solidFill>
-                <a:cs typeface="Arial" panose="020B0604020202020204" pitchFamily="34" charset="0"/>
-              </a:rPr>
-              <a:t>…</a:t>
-            </a:r>
-            <a:br>
-              <a:rPr lang="en-US" sz="1600" dirty="0">
-                <a:cs typeface="Arial" panose="020B0604020202020204" pitchFamily="34" charset="0"/>
-              </a:rPr>
-            </a:br>
-            <a:r>
-              <a:rPr lang="en-US" sz="1600" dirty="0">
-                <a:solidFill>
-                  <a:srgbClr val="000000"/>
-                </a:solidFill>
-                <a:cs typeface="Arial" panose="020B0604020202020204" pitchFamily="34" charset="0"/>
-              </a:rPr>
-              <a:t>return ()</a:t>
-            </a:r>
-          </a:p>
-          <a:p>
-            <a:pPr marL="55563" lvl="1"/>
-            <a:r>
-              <a:rPr lang="en-US" sz="1600" dirty="0">
-                <a:solidFill>
-                  <a:srgbClr val="000000"/>
-                </a:solidFill>
-                <a:cs typeface="Arial" panose="020B0604020202020204" pitchFamily="34" charset="0"/>
-              </a:rPr>
-              <a:t>}</a:t>
-            </a:r>
-            <a:endParaRPr lang="en-US" sz="1600" dirty="0">
-              <a:cs typeface="Arial" panose="020B0604020202020204" pitchFamily="34" charset="0"/>
-            </a:endParaRPr>
-          </a:p>
-        </p:txBody>
-      </p:sp>
+        </p:grpSpPr>
+        <p:pic>
+          <p:nvPicPr>
+            <p:cNvPr id="3074" name="Picture 2" descr="Reading Data From txt|csv Files: readr package">
+              <a:extLst>
+                <a:ext uri="{FF2B5EF4-FFF2-40B4-BE49-F238E27FC236}">
+                  <a16:creationId xmlns:a16="http://schemas.microsoft.com/office/drawing/2014/main" id="{2CC528B8-53C4-4A45-8D07-108464521F31}"/>
+                </a:ext>
+              </a:extLst>
+            </p:cNvPr>
+            <p:cNvPicPr>
+              <a:picLocks noChangeAspect="1" noChangeArrowheads="1"/>
+            </p:cNvPicPr>
+            <p:nvPr/>
+          </p:nvPicPr>
+          <p:blipFill rotWithShape="1">
+            <a:blip r:embed="rId4">
+              <a:extLst>
+                <a:ext uri="{28A0092B-C50C-407E-A947-70E740481C1C}">
+                  <a14:useLocalDpi xmlns:a14="http://schemas.microsoft.com/office/drawing/2010/main" val="0"/>
+                </a:ext>
+              </a:extLst>
+            </a:blip>
+            <a:srcRect l="59122" t="41221" b="22001"/>
+            <a:stretch/>
+          </p:blipFill>
+          <p:spPr bwMode="auto">
+            <a:xfrm>
+              <a:off x="7377472" y="2207912"/>
+              <a:ext cx="1394048" cy="677311"/>
+            </a:xfrm>
+            <a:prstGeom prst="rect">
+              <a:avLst/>
+            </a:prstGeom>
+            <a:noFill/>
+            <a:extLst>
+              <a:ext uri="{909E8E84-426E-40DD-AFC4-6F175D3DCCD1}">
+                <a14:hiddenFill xmlns:a14="http://schemas.microsoft.com/office/drawing/2010/main">
+                  <a:solidFill>
+                    <a:srgbClr val="FFFFFF"/>
+                  </a:solidFill>
+                </a14:hiddenFill>
+              </a:ext>
+            </a:extLst>
+          </p:spPr>
+        </p:pic>
+        <p:sp>
+          <p:nvSpPr>
+            <p:cNvPr id="8" name="Arrow: Curved Down 7">
+              <a:extLst>
+                <a:ext uri="{FF2B5EF4-FFF2-40B4-BE49-F238E27FC236}">
+                  <a16:creationId xmlns:a16="http://schemas.microsoft.com/office/drawing/2014/main" id="{40684131-A8A2-4AAC-8CF4-8EA6BD71688D}"/>
+                </a:ext>
+              </a:extLst>
+            </p:cNvPr>
+            <p:cNvSpPr/>
+            <p:nvPr/>
+          </p:nvSpPr>
+          <p:spPr bwMode="auto">
+            <a:xfrm>
+              <a:off x="6027646" y="1246367"/>
+              <a:ext cx="2247606" cy="777037"/>
+            </a:xfrm>
+            <a:prstGeom prst="curvedDownArrow">
+              <a:avLst/>
+            </a:prstGeom>
+            <a:solidFill>
+              <a:schemeClr val="accent5"/>
+            </a:solidFill>
+            <a:ln w="9525" cap="flat" cmpd="sng" algn="ctr">
+              <a:solidFill>
+                <a:schemeClr val="tx1"/>
+              </a:solidFill>
+              <a:prstDash val="solid"/>
+              <a:round/>
+              <a:headEnd type="none" w="med" len="med"/>
+              <a:tailEnd type="none" w="med" len="med"/>
+            </a:ln>
+            <a:effectLst/>
+            <a:extLst>
+              <a:ext uri="{AF507438-7753-43e0-B8FC-AC1667EBCBE1}">
+                <a14:hiddenEffects xmlns="" xmlns:a14="http://schemas.microsoft.com/office/drawing/2010/main">
+                  <a:effectLst>
+                    <a:outerShdw dist="35921" dir="2700000" algn="ctr" rotWithShape="0">
+                      <a:schemeClr val="bg2"/>
+                    </a:outerShdw>
+                  </a:effectLst>
+                </a14:hiddenEffects>
+              </a:ext>
+            </a:extLst>
+          </p:spPr>
+          <p:txBody>
+            <a:bodyPr vert="horz" wrap="square" lIns="91440" tIns="45720" rIns="91440" bIns="45720" numCol="1" rtlCol="0" anchor="t" anchorCtr="0" compatLnSpc="1">
+              <a:prstTxWarp prst="textNoShape">
+                <a:avLst/>
+              </a:prstTxWarp>
+            </a:bodyPr>
+            <a:lstStyle/>
+            <a:p>
+              <a:pPr marL="0" marR="0" indent="0" algn="l" defTabSz="914400" rtl="0" eaLnBrk="0" fontAlgn="base" latinLnBrk="0" hangingPunct="0">
+                <a:lnSpc>
+                  <a:spcPct val="100000"/>
+                </a:lnSpc>
+                <a:spcBef>
+                  <a:spcPct val="0"/>
+                </a:spcBef>
+                <a:spcAft>
+                  <a:spcPct val="0"/>
+                </a:spcAft>
+                <a:buClrTx/>
+                <a:buSzTx/>
+                <a:buFontTx/>
+                <a:buNone/>
+                <a:tabLst/>
+              </a:pPr>
+              <a:endParaRPr kumimoji="0" lang="en-US" sz="2400" b="0" i="0" u="none" strike="noStrike" cap="none" normalizeH="0" baseline="0">
+                <a:ln>
+                  <a:noFill/>
+                </a:ln>
+                <a:solidFill>
+                  <a:schemeClr val="tx1"/>
+                </a:solidFill>
+                <a:effectLst/>
+                <a:latin typeface="Arial" charset="0"/>
+                <a:ea typeface="ＭＳ Ｐゴシック" pitchFamily="96" charset="-128"/>
+              </a:endParaRPr>
+            </a:p>
+          </p:txBody>
+        </p:sp>
+        <p:pic>
+          <p:nvPicPr>
+            <p:cNvPr id="3076" name="Picture 4" descr="R">
+              <a:extLst>
+                <a:ext uri="{FF2B5EF4-FFF2-40B4-BE49-F238E27FC236}">
+                  <a16:creationId xmlns:a16="http://schemas.microsoft.com/office/drawing/2014/main" id="{176558D6-FF7E-4E93-A0E8-FC49ED175D05}"/>
+                </a:ext>
+              </a:extLst>
+            </p:cNvPr>
+            <p:cNvPicPr>
+              <a:picLocks noChangeAspect="1" noChangeArrowheads="1"/>
+            </p:cNvPicPr>
+            <p:nvPr/>
+          </p:nvPicPr>
+          <p:blipFill>
+            <a:blip r:embed="rId5">
+              <a:extLst>
+                <a:ext uri="{28A0092B-C50C-407E-A947-70E740481C1C}">
+                  <a14:useLocalDpi xmlns:a14="http://schemas.microsoft.com/office/drawing/2010/main" val="0"/>
+                </a:ext>
+              </a:extLst>
+            </a:blip>
+            <a:srcRect/>
+            <a:stretch>
+              <a:fillRect/>
+            </a:stretch>
+          </p:blipFill>
+          <p:spPr bwMode="auto">
+            <a:xfrm>
+              <a:off x="5508104" y="2158048"/>
+              <a:ext cx="1002629" cy="777038"/>
+            </a:xfrm>
+            <a:prstGeom prst="rect">
+              <a:avLst/>
+            </a:prstGeom>
+            <a:noFill/>
+            <a:extLst>
+              <a:ext uri="{909E8E84-426E-40DD-AFC4-6F175D3DCCD1}">
+                <a14:hiddenFill xmlns:a14="http://schemas.microsoft.com/office/drawing/2010/main">
+                  <a:solidFill>
+                    <a:srgbClr val="FFFFFF"/>
+                  </a:solidFill>
+                </a14:hiddenFill>
+              </a:ext>
+            </a:extLst>
+          </p:spPr>
+        </p:pic>
+        <p:sp>
+          <p:nvSpPr>
+            <p:cNvPr id="12" name="Arrow: Curved Down 11">
+              <a:extLst>
+                <a:ext uri="{FF2B5EF4-FFF2-40B4-BE49-F238E27FC236}">
+                  <a16:creationId xmlns:a16="http://schemas.microsoft.com/office/drawing/2014/main" id="{EE1A2542-3FFC-4BD2-BE9E-3DD443AB7FF2}"/>
+                </a:ext>
+              </a:extLst>
+            </p:cNvPr>
+            <p:cNvSpPr/>
+            <p:nvPr/>
+          </p:nvSpPr>
+          <p:spPr bwMode="auto">
+            <a:xfrm rot="10800000">
+              <a:off x="6027646" y="3018849"/>
+              <a:ext cx="2247606" cy="777037"/>
+            </a:xfrm>
+            <a:prstGeom prst="curvedDownArrow">
+              <a:avLst/>
+            </a:prstGeom>
+            <a:solidFill>
+              <a:schemeClr val="accent5"/>
+            </a:solidFill>
+            <a:ln w="9525" cap="flat" cmpd="sng" algn="ctr">
+              <a:solidFill>
+                <a:schemeClr val="tx1"/>
+              </a:solidFill>
+              <a:prstDash val="solid"/>
+              <a:round/>
+              <a:headEnd type="none" w="med" len="med"/>
+              <a:tailEnd type="none" w="med" len="med"/>
+            </a:ln>
+            <a:effectLst/>
+            <a:extLst>
+              <a:ext uri="{AF507438-7753-43e0-B8FC-AC1667EBCBE1}">
+                <a14:hiddenEffects xmlns="" xmlns:a14="http://schemas.microsoft.com/office/drawing/2010/main">
+                  <a:effectLst>
+                    <a:outerShdw dist="35921" dir="2700000" algn="ctr" rotWithShape="0">
+                      <a:schemeClr val="bg2"/>
+                    </a:outerShdw>
+                  </a:effectLst>
+                </a14:hiddenEffects>
+              </a:ext>
+            </a:extLst>
+          </p:spPr>
+          <p:txBody>
+            <a:bodyPr vert="horz" wrap="square" lIns="91440" tIns="45720" rIns="91440" bIns="45720" numCol="1" rtlCol="0" anchor="t" anchorCtr="0" compatLnSpc="1">
+              <a:prstTxWarp prst="textNoShape">
+                <a:avLst/>
+              </a:prstTxWarp>
+            </a:bodyPr>
+            <a:lstStyle/>
+            <a:p>
+              <a:pPr marL="0" marR="0" indent="0" algn="l" defTabSz="914400" rtl="0" eaLnBrk="0" fontAlgn="base" latinLnBrk="0" hangingPunct="0">
+                <a:lnSpc>
+                  <a:spcPct val="100000"/>
+                </a:lnSpc>
+                <a:spcBef>
+                  <a:spcPct val="0"/>
+                </a:spcBef>
+                <a:spcAft>
+                  <a:spcPct val="0"/>
+                </a:spcAft>
+                <a:buClrTx/>
+                <a:buSzTx/>
+                <a:buFontTx/>
+                <a:buNone/>
+                <a:tabLst/>
+              </a:pPr>
+              <a:endParaRPr kumimoji="0" lang="en-US" sz="2400" b="0" i="0" u="none" strike="noStrike" cap="none" normalizeH="0" baseline="0">
+                <a:ln>
+                  <a:noFill/>
+                </a:ln>
+                <a:solidFill>
+                  <a:schemeClr val="tx1"/>
+                </a:solidFill>
+                <a:effectLst/>
+                <a:latin typeface="Arial" charset="0"/>
+                <a:ea typeface="ＭＳ Ｐゴシック" pitchFamily="96" charset="-128"/>
+              </a:endParaRPr>
+            </a:p>
+          </p:txBody>
+        </p:sp>
+        <p:sp>
+          <p:nvSpPr>
+            <p:cNvPr id="9" name="TextBox 8">
+              <a:extLst>
+                <a:ext uri="{FF2B5EF4-FFF2-40B4-BE49-F238E27FC236}">
+                  <a16:creationId xmlns:a16="http://schemas.microsoft.com/office/drawing/2014/main" id="{20DA0656-6CAA-4661-9FB7-C136618AA1FE}"/>
+                </a:ext>
+              </a:extLst>
+            </p:cNvPr>
+            <p:cNvSpPr txBox="1"/>
+            <p:nvPr/>
+          </p:nvSpPr>
+          <p:spPr>
+            <a:xfrm>
+              <a:off x="5997127" y="875356"/>
+              <a:ext cx="2308645" cy="338554"/>
+            </a:xfrm>
+            <a:prstGeom prst="rect">
+              <a:avLst/>
+            </a:prstGeom>
+            <a:noFill/>
+          </p:spPr>
+          <p:txBody>
+            <a:bodyPr wrap="none" rtlCol="0">
+              <a:spAutoFit/>
+            </a:bodyPr>
+            <a:lstStyle/>
+            <a:p>
+              <a:r>
+                <a:rPr lang="en-US" sz="1600" dirty="0">
+                  <a:solidFill>
+                    <a:srgbClr val="00589C"/>
+                  </a:solidFill>
+                  <a:latin typeface="+mn-lt"/>
+                </a:rPr>
+                <a:t>Export: </a:t>
+              </a:r>
+              <a:r>
+                <a:rPr lang="en-US" sz="1600" dirty="0" err="1">
+                  <a:solidFill>
+                    <a:srgbClr val="00589C"/>
+                  </a:solidFill>
+                  <a:latin typeface="+mn-lt"/>
+                </a:rPr>
+                <a:t>write.table</a:t>
+              </a:r>
+              <a:r>
+                <a:rPr lang="en-US" sz="1600" dirty="0">
+                  <a:solidFill>
+                    <a:srgbClr val="00589C"/>
+                  </a:solidFill>
+                  <a:latin typeface="+mn-lt"/>
+                </a:rPr>
+                <a:t>()</a:t>
+              </a:r>
+            </a:p>
+          </p:txBody>
+        </p:sp>
+        <p:sp>
+          <p:nvSpPr>
+            <p:cNvPr id="14" name="TextBox 13">
+              <a:extLst>
+                <a:ext uri="{FF2B5EF4-FFF2-40B4-BE49-F238E27FC236}">
+                  <a16:creationId xmlns:a16="http://schemas.microsoft.com/office/drawing/2014/main" id="{A17C5DC2-E270-4A7F-A519-6F197E094CF3}"/>
+                </a:ext>
+              </a:extLst>
+            </p:cNvPr>
+            <p:cNvSpPr txBox="1"/>
+            <p:nvPr/>
+          </p:nvSpPr>
+          <p:spPr>
+            <a:xfrm>
+              <a:off x="6005943" y="3903647"/>
+              <a:ext cx="2291012" cy="338554"/>
+            </a:xfrm>
+            <a:prstGeom prst="rect">
+              <a:avLst/>
+            </a:prstGeom>
+            <a:noFill/>
+          </p:spPr>
+          <p:txBody>
+            <a:bodyPr wrap="none" rtlCol="0">
+              <a:spAutoFit/>
+            </a:bodyPr>
+            <a:lstStyle/>
+            <a:p>
+              <a:r>
+                <a:rPr lang="en-US" sz="1600" dirty="0">
+                  <a:solidFill>
+                    <a:srgbClr val="00589C"/>
+                  </a:solidFill>
+                  <a:latin typeface="+mn-lt"/>
+                </a:rPr>
+                <a:t>Import: </a:t>
+              </a:r>
+              <a:r>
+                <a:rPr lang="en-US" sz="1600" dirty="0" err="1">
+                  <a:solidFill>
+                    <a:srgbClr val="00589C"/>
+                  </a:solidFill>
+                  <a:latin typeface="+mn-lt"/>
+                </a:rPr>
+                <a:t>read.table</a:t>
+              </a:r>
+              <a:r>
+                <a:rPr lang="en-US" sz="1600" dirty="0">
+                  <a:solidFill>
+                    <a:srgbClr val="00589C"/>
+                  </a:solidFill>
+                  <a:latin typeface="+mn-lt"/>
+                </a:rPr>
+                <a:t>()</a:t>
+              </a:r>
+            </a:p>
+          </p:txBody>
+        </p:sp>
+      </p:grpSp>
     </p:spTree>
     <p:extLst>
       <p:ext uri="{BB962C8B-B14F-4D97-AF65-F5344CB8AC3E}">
-        <p14:creationId xmlns:p14="http://schemas.microsoft.com/office/powerpoint/2010/main" val="1488573944"/>
+        <p14:creationId xmlns:p14="http://schemas.microsoft.com/office/powerpoint/2010/main" val="1329987736"/>
       </p:ext>
     </p:extLst>
   </p:cSld>
@@ -6313,7 +6535,7 @@
           <a:effectLst/>
           <a:extLst>
             <a:ext uri="{AF507438-7753-43e0-B8FC-AC1667EBCBE1}">
-              <a14:hiddenEffects xmlns:a14="http://schemas.microsoft.com/office/drawing/2010/main" xmlns="">
+              <a14:hiddenEffects xmlns="" xmlns:a14="http://schemas.microsoft.com/office/drawing/2010/main">
                 <a:effectLst>
                   <a:outerShdw dist="35921" dir="2700000" algn="ctr" rotWithShape="0">
                     <a:schemeClr val="bg2"/>
@@ -6366,10 +6588,69 @@
       </p:sp>
       <p:sp>
         <p:nvSpPr>
+          <p:cNvPr id="3" name="Rectangle 2">
+            <a:extLst>
+              <a:ext uri="{FF2B5EF4-FFF2-40B4-BE49-F238E27FC236}">
+                <a16:creationId xmlns:a16="http://schemas.microsoft.com/office/drawing/2014/main" id="{E695171C-A629-451F-B41F-BBA81B01A78E}"/>
+              </a:ext>
+            </a:extLst>
+          </p:cNvPr>
+          <p:cNvSpPr/>
+          <p:nvPr/>
+        </p:nvSpPr>
+        <p:spPr>
+          <a:xfrm>
+            <a:off x="611560" y="767484"/>
+            <a:ext cx="4528804" cy="400110"/>
+          </a:xfrm>
+          <a:prstGeom prst="rect">
+            <a:avLst/>
+          </a:prstGeom>
+          <a:ln>
+            <a:noFill/>
+          </a:ln>
+          <a:effectLst>
+            <a:outerShdw blurRad="44450" dist="27940" dir="5400000" algn="ctr">
+              <a:srgbClr val="000000">
+                <a:alpha val="32000"/>
+              </a:srgbClr>
+            </a:outerShdw>
+          </a:effectLst>
+          <a:scene3d>
+            <a:camera prst="orthographicFront">
+              <a:rot lat="0" lon="0" rev="0"/>
+            </a:camera>
+            <a:lightRig rig="balanced" dir="t">
+              <a:rot lat="0" lon="0" rev="8700000"/>
+            </a:lightRig>
+          </a:scene3d>
+          <a:sp3d>
+            <a:bevelT w="190500" h="38100"/>
+          </a:sp3d>
+        </p:spPr>
+        <p:txBody>
+          <a:bodyPr wrap="none">
+            <a:spAutoFit/>
+          </a:bodyPr>
+          <a:lstStyle/>
+          <a:p>
+            <a:r>
+              <a:rPr lang="en-US" sz="2000" b="1" dirty="0">
+                <a:solidFill>
+                  <a:srgbClr val="00589C"/>
+                </a:solidFill>
+              </a:rPr>
+              <a:t>4. Functions and Control structures</a:t>
+            </a:r>
+          </a:p>
+        </p:txBody>
+      </p:sp>
+      <p:sp>
+        <p:nvSpPr>
           <p:cNvPr id="2" name="Slide Number Placeholder 1">
             <a:extLst>
               <a:ext uri="{FF2B5EF4-FFF2-40B4-BE49-F238E27FC236}">
-                <a16:creationId xmlns:a16="http://schemas.microsoft.com/office/drawing/2014/main" id="{2070EC6C-AAF5-4D83-AEC1-C7F2433683BB}"/>
+                <a16:creationId xmlns:a16="http://schemas.microsoft.com/office/drawing/2014/main" id="{4BA77301-7EC3-46B2-876D-812AAB1A3F7F}"/>
               </a:ext>
             </a:extLst>
           </p:cNvPr>
@@ -6400,10 +6681,95 @@
       </p:sp>
       <p:sp>
         <p:nvSpPr>
-          <p:cNvPr id="3" name="Rectangle 2">
+          <p:cNvPr id="5" name="TextBox 4">
             <a:extLst>
               <a:ext uri="{FF2B5EF4-FFF2-40B4-BE49-F238E27FC236}">
-                <a16:creationId xmlns:a16="http://schemas.microsoft.com/office/drawing/2014/main" id="{6CE5CC89-E705-44C5-A0B0-5545A3228610}"/>
+                <a16:creationId xmlns:a16="http://schemas.microsoft.com/office/drawing/2014/main" id="{4ACE272B-F0D8-4BDF-AE77-04396EBD4219}"/>
+              </a:ext>
+            </a:extLst>
+          </p:cNvPr>
+          <p:cNvSpPr txBox="1"/>
+          <p:nvPr/>
+        </p:nvSpPr>
+        <p:spPr>
+          <a:xfrm>
+            <a:off x="971600" y="2744896"/>
+            <a:ext cx="2735044" cy="1267014"/>
+          </a:xfrm>
+          <a:prstGeom prst="rect">
+            <a:avLst/>
+          </a:prstGeom>
+          <a:noFill/>
+        </p:spPr>
+        <p:txBody>
+          <a:bodyPr wrap="none" rtlCol="0">
+            <a:spAutoFit/>
+          </a:bodyPr>
+          <a:lstStyle/>
+          <a:p>
+            <a:r>
+              <a:rPr lang="en-US" sz="2000" b="1" dirty="0">
+                <a:solidFill>
+                  <a:srgbClr val="00589C"/>
+                </a:solidFill>
+                <a:latin typeface="+mn-lt"/>
+              </a:rPr>
+              <a:t>Function sources:</a:t>
+            </a:r>
+          </a:p>
+          <a:p>
+            <a:pPr marL="285750" indent="-285750">
+              <a:spcAft>
+                <a:spcPts val="500"/>
+              </a:spcAft>
+              <a:buFont typeface="Wingdings" panose="05000000000000000000" pitchFamily="2" charset="2"/>
+              <a:buChar char="Ø"/>
+            </a:pPr>
+            <a:r>
+              <a:rPr lang="en-US" sz="1600" dirty="0">
+                <a:latin typeface="+mn-lt"/>
+              </a:rPr>
+              <a:t>Built-in</a:t>
+            </a:r>
+          </a:p>
+          <a:p>
+            <a:pPr marL="285750" indent="-285750">
+              <a:spcAft>
+                <a:spcPts val="500"/>
+              </a:spcAft>
+              <a:buFont typeface="Wingdings" panose="05000000000000000000" pitchFamily="2" charset="2"/>
+              <a:buChar char="Ø"/>
+            </a:pPr>
+            <a:r>
+              <a:rPr lang="en-US" sz="1600" dirty="0">
+                <a:latin typeface="+mn-lt"/>
+              </a:rPr>
+              <a:t>Third-party packages</a:t>
+            </a:r>
+          </a:p>
+          <a:p>
+            <a:pPr marL="285750" indent="-285750">
+              <a:spcAft>
+                <a:spcPts val="500"/>
+              </a:spcAft>
+              <a:buFont typeface="Wingdings" panose="05000000000000000000" pitchFamily="2" charset="2"/>
+              <a:buChar char="Ø"/>
+            </a:pPr>
+            <a:r>
+              <a:rPr lang="en-US" sz="1600" dirty="0">
+                <a:latin typeface="+mn-lt"/>
+              </a:rPr>
+              <a:t>Self-defined</a:t>
+            </a:r>
+          </a:p>
+        </p:txBody>
+      </p:sp>
+      <p:sp>
+        <p:nvSpPr>
+          <p:cNvPr id="6" name="Rectangle 5">
+            <a:extLst>
+              <a:ext uri="{FF2B5EF4-FFF2-40B4-BE49-F238E27FC236}">
+                <a16:creationId xmlns:a16="http://schemas.microsoft.com/office/drawing/2014/main" id="{DE00B967-FEF6-4BFF-A290-1ECDB410B9E0}"/>
               </a:ext>
             </a:extLst>
           </p:cNvPr>
@@ -6412,161 +6778,206 @@
         </p:nvSpPr>
         <p:spPr>
           <a:xfrm>
-            <a:off x="1091111" y="1140589"/>
-            <a:ext cx="6961778" cy="2862322"/>
+            <a:off x="971600" y="1622402"/>
+            <a:ext cx="4572000" cy="830997"/>
           </a:xfrm>
           <a:prstGeom prst="rect">
             <a:avLst/>
           </a:prstGeom>
         </p:spPr>
         <p:txBody>
+          <a:bodyPr>
+            <a:spAutoFit/>
+          </a:bodyPr>
+          <a:lstStyle/>
+          <a:p>
+            <a:r>
+              <a:rPr lang="en-US" sz="2000" b="1" dirty="0">
+                <a:solidFill>
+                  <a:srgbClr val="00589C"/>
+                </a:solidFill>
+                <a:latin typeface="+mn-lt"/>
+                <a:cs typeface="ＭＳ Ｐゴシック"/>
+              </a:rPr>
+              <a:t>What’s function:</a:t>
+            </a:r>
+          </a:p>
+          <a:p>
+            <a:r>
+              <a:rPr lang="en-US" sz="1400" dirty="0">
+                <a:latin typeface="+mn-lt"/>
+                <a:cs typeface="ＭＳ Ｐゴシック"/>
+              </a:rPr>
+              <a:t>A function is a set of statements organized together to perform a specific task.</a:t>
+            </a:r>
+            <a:endParaRPr lang="en-US" sz="1400" dirty="0">
+              <a:latin typeface="+mn-lt"/>
+            </a:endParaRPr>
+          </a:p>
+        </p:txBody>
+      </p:sp>
+      <p:sp>
+        <p:nvSpPr>
+          <p:cNvPr id="10" name="Rectangle 9">
+            <a:extLst>
+              <a:ext uri="{FF2B5EF4-FFF2-40B4-BE49-F238E27FC236}">
+                <a16:creationId xmlns:a16="http://schemas.microsoft.com/office/drawing/2014/main" id="{56CFAAF7-72D3-4B41-9449-B8921E05739F}"/>
+              </a:ext>
+            </a:extLst>
+          </p:cNvPr>
+          <p:cNvSpPr/>
+          <p:nvPr/>
+        </p:nvSpPr>
+        <p:spPr>
+          <a:xfrm>
+            <a:off x="4572000" y="2571750"/>
+            <a:ext cx="4275656" cy="1815882"/>
+          </a:xfrm>
+          <a:prstGeom prst="rect">
+            <a:avLst/>
+          </a:prstGeom>
+          <a:solidFill>
+            <a:schemeClr val="accent3">
+              <a:lumMod val="95000"/>
+            </a:schemeClr>
+          </a:solidFill>
+        </p:spPr>
+        <p:txBody>
           <a:bodyPr wrap="square">
             <a:spAutoFit/>
           </a:bodyPr>
           <a:lstStyle/>
           <a:p>
             <a:r>
-              <a:rPr lang="en-US" sz="2000" dirty="0">
-                <a:latin typeface="+mn-lt"/>
-              </a:rPr>
-              <a:t>Exercises: </a:t>
-            </a:r>
-          </a:p>
-          <a:p>
-            <a:pPr marL="342900" indent="-342900">
-              <a:spcAft>
-                <a:spcPts val="800"/>
-              </a:spcAft>
-              <a:buFont typeface="+mj-lt"/>
-              <a:buAutoNum type="arabicParenR"/>
-            </a:pPr>
-            <a:r>
-              <a:rPr lang="en-US" sz="1200" dirty="0">
-                <a:latin typeface="+mn-lt"/>
-              </a:rPr>
-              <a:t>getting data into R and find data file here: data/Example_data.csv, use </a:t>
-            </a:r>
-            <a:r>
-              <a:rPr lang="en-US" sz="1200" dirty="0" err="1">
-                <a:latin typeface="+mn-lt"/>
-              </a:rPr>
-              <a:t>read.table</a:t>
-            </a:r>
-            <a:r>
-              <a:rPr lang="en-US" sz="1200" dirty="0">
-                <a:latin typeface="+mn-lt"/>
-              </a:rPr>
-              <a:t>() function</a:t>
-            </a:r>
-          </a:p>
-          <a:p>
-            <a:pPr marL="342900" indent="-342900">
-              <a:spcAft>
-                <a:spcPts val="800"/>
-              </a:spcAft>
-              <a:buFont typeface="+mj-lt"/>
-              <a:buAutoNum type="arabicParenR"/>
-            </a:pPr>
-            <a:r>
-              <a:rPr lang="en-US" sz="1200" dirty="0">
-                <a:latin typeface="+mn-lt"/>
-              </a:rPr>
-              <a:t>Check the dimensions of the imported data</a:t>
-            </a:r>
-          </a:p>
-          <a:p>
-            <a:pPr marL="342900" indent="-342900">
-              <a:spcAft>
-                <a:spcPts val="800"/>
-              </a:spcAft>
-              <a:buFont typeface="+mj-lt"/>
-              <a:buAutoNum type="arabicParenR"/>
-            </a:pPr>
-            <a:r>
-              <a:rPr lang="en-US" sz="1200" dirty="0">
-                <a:latin typeface="+mn-lt"/>
-              </a:rPr>
-              <a:t>How many years this data set covers? Starting year? End year?</a:t>
-            </a:r>
-          </a:p>
-          <a:p>
-            <a:pPr marL="342900" indent="-342900">
-              <a:spcAft>
-                <a:spcPts val="800"/>
-              </a:spcAft>
-              <a:buFont typeface="+mj-lt"/>
-              <a:buAutoNum type="arabicParenR"/>
-            </a:pPr>
-            <a:r>
-              <a:rPr lang="en-US" sz="1200" dirty="0">
-                <a:latin typeface="+mn-lt"/>
-              </a:rPr>
-              <a:t>Is there any missing data? (-99.9 indicates the missing value). If there is, how many missing values?</a:t>
-            </a:r>
-          </a:p>
-          <a:p>
-            <a:pPr marL="342900" indent="-342900">
-              <a:spcAft>
-                <a:spcPts val="800"/>
-              </a:spcAft>
-              <a:buFont typeface="+mj-lt"/>
-              <a:buAutoNum type="arabicParenR"/>
-            </a:pPr>
-            <a:r>
-              <a:rPr lang="en-US" sz="1200" dirty="0">
-                <a:latin typeface="+mn-lt"/>
-              </a:rPr>
-              <a:t>Derive the annual maximum discharge series </a:t>
-            </a:r>
-          </a:p>
-          <a:p>
-            <a:pPr marL="342900" indent="-342900">
-              <a:spcAft>
-                <a:spcPts val="800"/>
-              </a:spcAft>
-              <a:buFont typeface="+mj-lt"/>
-              <a:buAutoNum type="arabicParenR"/>
-            </a:pPr>
-            <a:r>
-              <a:rPr lang="en-US" sz="1200" dirty="0">
-                <a:latin typeface="+mn-lt"/>
-              </a:rPr>
-              <a:t>Estimate the mean value, standard deviation of annual maximum discharge series</a:t>
-            </a:r>
-          </a:p>
-          <a:p>
-            <a:pPr marL="342900" indent="-342900">
-              <a:spcAft>
-                <a:spcPts val="800"/>
-              </a:spcAft>
-              <a:buFont typeface="+mj-lt"/>
-              <a:buAutoNum type="arabicParenR"/>
-            </a:pPr>
-            <a:r>
-              <a:rPr lang="en-US" sz="1200" dirty="0">
-                <a:latin typeface="+mn-lt"/>
-              </a:rPr>
-              <a:t>Export the annual maximum discharge series into text file (.csv or .txt format) with </a:t>
-            </a:r>
-            <a:r>
-              <a:rPr lang="en-US" sz="1200" dirty="0" err="1">
-                <a:latin typeface="+mn-lt"/>
-              </a:rPr>
-              <a:t>write.table</a:t>
-            </a:r>
-            <a:r>
-              <a:rPr lang="en-US" sz="1200" dirty="0">
-                <a:latin typeface="+mn-lt"/>
-              </a:rPr>
-              <a:t>() function</a:t>
-            </a:r>
+              <a:rPr lang="en-US" sz="1600" dirty="0" err="1">
+                <a:solidFill>
+                  <a:srgbClr val="000000"/>
+                </a:solidFill>
+                <a:cs typeface="Arial" panose="020B0604020202020204" pitchFamily="34" charset="0"/>
+              </a:rPr>
+              <a:t>Funtion_name</a:t>
+            </a:r>
+            <a:r>
+              <a:rPr lang="en-US" sz="1600" dirty="0">
+                <a:solidFill>
+                  <a:srgbClr val="000000"/>
+                </a:solidFill>
+                <a:cs typeface="Arial" panose="020B0604020202020204" pitchFamily="34" charset="0"/>
+              </a:rPr>
+              <a:t> &lt;- </a:t>
+            </a:r>
+            <a:r>
+              <a:rPr lang="en-US" sz="1600" b="1" dirty="0">
+                <a:solidFill>
+                  <a:srgbClr val="00589C"/>
+                </a:solidFill>
+                <a:cs typeface="Arial" panose="020B0604020202020204" pitchFamily="34" charset="0"/>
+              </a:rPr>
+              <a:t>function</a:t>
+            </a:r>
+            <a:r>
+              <a:rPr lang="en-US" sz="1600" dirty="0">
+                <a:solidFill>
+                  <a:srgbClr val="000000"/>
+                </a:solidFill>
+                <a:cs typeface="Arial" panose="020B0604020202020204" pitchFamily="34" charset="0"/>
+              </a:rPr>
+              <a:t>(parameters)</a:t>
+            </a:r>
+            <a:br>
+              <a:rPr lang="en-US" sz="1600" dirty="0">
+                <a:cs typeface="Arial" panose="020B0604020202020204" pitchFamily="34" charset="0"/>
+              </a:rPr>
+            </a:br>
+            <a:r>
+              <a:rPr lang="en-US" sz="1600" dirty="0">
+                <a:solidFill>
+                  <a:srgbClr val="000000"/>
+                </a:solidFill>
+                <a:cs typeface="Arial" panose="020B0604020202020204" pitchFamily="34" charset="0"/>
+              </a:rPr>
+              <a:t>{</a:t>
+            </a:r>
+          </a:p>
+          <a:p>
+            <a:pPr lvl="1"/>
+            <a:r>
+              <a:rPr lang="en-US" sz="1600" dirty="0">
+                <a:solidFill>
+                  <a:srgbClr val="000000"/>
+                </a:solidFill>
+                <a:cs typeface="Arial" panose="020B0604020202020204" pitchFamily="34" charset="0"/>
+              </a:rPr>
+              <a:t>…</a:t>
+            </a:r>
+            <a:br>
+              <a:rPr lang="en-US" sz="1600" dirty="0">
+                <a:cs typeface="Arial" panose="020B0604020202020204" pitchFamily="34" charset="0"/>
+              </a:rPr>
+            </a:br>
+            <a:r>
+              <a:rPr lang="en-US" sz="1600" dirty="0">
+                <a:cs typeface="Arial" panose="020B0604020202020204" pitchFamily="34" charset="0"/>
+              </a:rPr>
+              <a:t>function b</a:t>
+            </a:r>
+            <a:r>
+              <a:rPr lang="en-US" sz="1600" dirty="0">
+                <a:solidFill>
+                  <a:srgbClr val="000000"/>
+                </a:solidFill>
+                <a:cs typeface="Arial" panose="020B0604020202020204" pitchFamily="34" charset="0"/>
+              </a:rPr>
+              <a:t>ody (commands chunk)</a:t>
+            </a:r>
+          </a:p>
+          <a:p>
+            <a:pPr lvl="1"/>
+            <a:r>
+              <a:rPr lang="en-US" sz="1600" dirty="0">
+                <a:solidFill>
+                  <a:srgbClr val="000000"/>
+                </a:solidFill>
+                <a:cs typeface="Arial" panose="020B0604020202020204" pitchFamily="34" charset="0"/>
+              </a:rPr>
+              <a:t>…</a:t>
+            </a:r>
+            <a:br>
+              <a:rPr lang="en-US" sz="1600" dirty="0">
+                <a:cs typeface="Arial" panose="020B0604020202020204" pitchFamily="34" charset="0"/>
+              </a:rPr>
+            </a:br>
+            <a:r>
+              <a:rPr lang="en-US" sz="1600" dirty="0">
+                <a:solidFill>
+                  <a:srgbClr val="000000"/>
+                </a:solidFill>
+                <a:cs typeface="Arial" panose="020B0604020202020204" pitchFamily="34" charset="0"/>
+              </a:rPr>
+              <a:t>return ()</a:t>
+            </a:r>
+          </a:p>
+          <a:p>
+            <a:pPr marL="55563" lvl="1"/>
+            <a:r>
+              <a:rPr lang="en-US" sz="1600" dirty="0">
+                <a:solidFill>
+                  <a:srgbClr val="000000"/>
+                </a:solidFill>
+                <a:cs typeface="Arial" panose="020B0604020202020204" pitchFamily="34" charset="0"/>
+              </a:rPr>
+              <a:t>}</a:t>
+            </a:r>
+            <a:endParaRPr lang="en-US" sz="1600" dirty="0">
+              <a:cs typeface="Arial" panose="020B0604020202020204" pitchFamily="34" charset="0"/>
+            </a:endParaRPr>
           </a:p>
         </p:txBody>
       </p:sp>
     </p:spTree>
     <p:extLst>
       <p:ext uri="{BB962C8B-B14F-4D97-AF65-F5344CB8AC3E}">
-        <p14:creationId xmlns:p14="http://schemas.microsoft.com/office/powerpoint/2010/main" val="2290155501"/>
+        <p14:creationId xmlns:p14="http://schemas.microsoft.com/office/powerpoint/2010/main" val="1488573944"/>
       </p:ext>
     </p:extLst>
   </p:cSld>
@@ -6628,7 +7039,7 @@
           <a:effectLst/>
           <a:extLst>
             <a:ext uri="{AF507438-7753-43e0-B8FC-AC1667EBCBE1}">
-              <a14:hiddenEffects xmlns:a14="http://schemas.microsoft.com/office/drawing/2010/main" xmlns="">
+              <a14:hiddenEffects xmlns="" xmlns:a14="http://schemas.microsoft.com/office/drawing/2010/main">
                 <a:effectLst>
                   <a:outerShdw dist="35921" dir="2700000" algn="ctr" rotWithShape="0">
                     <a:schemeClr val="bg2"/>
@@ -6681,69 +7092,10 @@
       </p:sp>
       <p:sp>
         <p:nvSpPr>
-          <p:cNvPr id="3" name="Rectangle 2">
-            <a:extLst>
-              <a:ext uri="{FF2B5EF4-FFF2-40B4-BE49-F238E27FC236}">
-                <a16:creationId xmlns:a16="http://schemas.microsoft.com/office/drawing/2014/main" id="{E695171C-A629-451F-B41F-BBA81B01A78E}"/>
-              </a:ext>
-            </a:extLst>
-          </p:cNvPr>
-          <p:cNvSpPr/>
-          <p:nvPr/>
-        </p:nvSpPr>
-        <p:spPr>
-          <a:xfrm>
-            <a:off x="611560" y="767484"/>
-            <a:ext cx="4528804" cy="400110"/>
-          </a:xfrm>
-          <a:prstGeom prst="rect">
-            <a:avLst/>
-          </a:prstGeom>
-          <a:ln>
-            <a:noFill/>
-          </a:ln>
-          <a:effectLst>
-            <a:outerShdw blurRad="44450" dist="27940" dir="5400000" algn="ctr">
-              <a:srgbClr val="000000">
-                <a:alpha val="32000"/>
-              </a:srgbClr>
-            </a:outerShdw>
-          </a:effectLst>
-          <a:scene3d>
-            <a:camera prst="orthographicFront">
-              <a:rot lat="0" lon="0" rev="0"/>
-            </a:camera>
-            <a:lightRig rig="balanced" dir="t">
-              <a:rot lat="0" lon="0" rev="8700000"/>
-            </a:lightRig>
-          </a:scene3d>
-          <a:sp3d>
-            <a:bevelT w="190500" h="38100"/>
-          </a:sp3d>
-        </p:spPr>
-        <p:txBody>
-          <a:bodyPr wrap="none">
-            <a:spAutoFit/>
-          </a:bodyPr>
-          <a:lstStyle/>
-          <a:p>
-            <a:r>
-              <a:rPr lang="en-US" sz="2000" b="1" dirty="0">
-                <a:solidFill>
-                  <a:srgbClr val="00589C"/>
-                </a:solidFill>
-              </a:rPr>
-              <a:t>4. Functions and Control structures</a:t>
-            </a:r>
-          </a:p>
-        </p:txBody>
-      </p:sp>
-      <p:sp>
-        <p:nvSpPr>
           <p:cNvPr id="2" name="Slide Number Placeholder 1">
             <a:extLst>
               <a:ext uri="{FF2B5EF4-FFF2-40B4-BE49-F238E27FC236}">
-                <a16:creationId xmlns:a16="http://schemas.microsoft.com/office/drawing/2014/main" id="{4BA77301-7EC3-46B2-876D-812AAB1A3F7F}"/>
+                <a16:creationId xmlns:a16="http://schemas.microsoft.com/office/drawing/2014/main" id="{2070EC6C-AAF5-4D83-AEC1-C7F2433683BB}"/>
               </a:ext>
             </a:extLst>
           </p:cNvPr>
@@ -6774,10 +7126,10 @@
       </p:sp>
       <p:sp>
         <p:nvSpPr>
-          <p:cNvPr id="7" name="Rectangle 6">
+          <p:cNvPr id="3" name="Rectangle 2">
             <a:extLst>
               <a:ext uri="{FF2B5EF4-FFF2-40B4-BE49-F238E27FC236}">
-                <a16:creationId xmlns:a16="http://schemas.microsoft.com/office/drawing/2014/main" id="{B07000C0-914C-40E3-85B4-E1D412810D8B}"/>
+                <a16:creationId xmlns:a16="http://schemas.microsoft.com/office/drawing/2014/main" id="{6CE5CC89-E705-44C5-A0B0-5545A3228610}"/>
               </a:ext>
             </a:extLst>
           </p:cNvPr>
@@ -6786,68 +7138,146 @@
         </p:nvSpPr>
         <p:spPr>
           <a:xfrm>
-            <a:off x="899592" y="1257044"/>
-            <a:ext cx="2911374" cy="956672"/>
+            <a:off x="1091111" y="1140589"/>
+            <a:ext cx="6961778" cy="2575064"/>
           </a:xfrm>
           <a:prstGeom prst="rect">
             <a:avLst/>
           </a:prstGeom>
         </p:spPr>
         <p:txBody>
-          <a:bodyPr wrap="none">
+          <a:bodyPr wrap="square">
             <a:spAutoFit/>
           </a:bodyPr>
           <a:lstStyle/>
           <a:p>
             <a:r>
-              <a:rPr lang="en-US" sz="2000" b="1" dirty="0">
-                <a:solidFill>
-                  <a:srgbClr val="00589C"/>
-                </a:solidFill>
+              <a:rPr lang="en-US" sz="2000" dirty="0">
                 <a:latin typeface="+mn-lt"/>
               </a:rPr>
-              <a:t>Control structures:</a:t>
+              <a:t>Exercises: </a:t>
             </a:r>
           </a:p>
           <a:p>
             <a:pPr marL="342900" indent="-342900">
               <a:spcAft>
-                <a:spcPts val="500"/>
+                <a:spcPts val="800"/>
               </a:spcAft>
-              <a:buFont typeface="Wingdings" panose="05000000000000000000" pitchFamily="2" charset="2"/>
-              <a:buChar char="Ø"/>
+              <a:buFont typeface="+mj-lt"/>
+              <a:buAutoNum type="arabicParenR"/>
             </a:pPr>
             <a:r>
-              <a:rPr lang="en-US" sz="1600" dirty="0">
+              <a:rPr lang="en-US" sz="1200" dirty="0">
                 <a:latin typeface="+mn-lt"/>
               </a:rPr>
-              <a:t>If-Else statements </a:t>
+              <a:t>getting data into R and find data file here: data/Example_data.csv, use </a:t>
+            </a:r>
+            <a:r>
+              <a:rPr lang="en-US" sz="1200" dirty="0" err="1">
+                <a:latin typeface="+mn-lt"/>
+              </a:rPr>
+              <a:t>read.table</a:t>
+            </a:r>
+            <a:r>
+              <a:rPr lang="en-US" sz="1200" dirty="0">
+                <a:latin typeface="+mn-lt"/>
+              </a:rPr>
+              <a:t>() function</a:t>
             </a:r>
           </a:p>
           <a:p>
             <a:pPr marL="342900" indent="-342900">
               <a:spcAft>
-                <a:spcPts val="500"/>
+                <a:spcPts val="800"/>
               </a:spcAft>
-              <a:buFont typeface="Wingdings" panose="05000000000000000000" pitchFamily="2" charset="2"/>
-              <a:buChar char="Ø"/>
+              <a:buFont typeface="+mj-lt"/>
+              <a:buAutoNum type="arabicParenR"/>
             </a:pPr>
             <a:r>
-              <a:rPr lang="en-US" sz="1600" dirty="0">
+              <a:rPr lang="en-US" sz="1200" dirty="0">
                 <a:latin typeface="+mn-lt"/>
               </a:rPr>
-              <a:t>Loops</a:t>
-            </a:r>
-            <a:endParaRPr lang="en-US" dirty="0">
-              <a:latin typeface="+mn-lt"/>
-            </a:endParaRPr>
+              <a:t>Check the dimensions of the imported data</a:t>
+            </a:r>
+          </a:p>
+          <a:p>
+            <a:pPr marL="342900" indent="-342900">
+              <a:spcAft>
+                <a:spcPts val="800"/>
+              </a:spcAft>
+              <a:buFont typeface="+mj-lt"/>
+              <a:buAutoNum type="arabicParenR"/>
+            </a:pPr>
+            <a:r>
+              <a:rPr lang="en-US" sz="1200" dirty="0">
+                <a:latin typeface="+mn-lt"/>
+              </a:rPr>
+              <a:t>How many years this data set covers? Starting year? End year?</a:t>
+            </a:r>
+          </a:p>
+          <a:p>
+            <a:pPr marL="342900" indent="-342900">
+              <a:spcAft>
+                <a:spcPts val="800"/>
+              </a:spcAft>
+              <a:buFont typeface="+mj-lt"/>
+              <a:buAutoNum type="arabicParenR"/>
+            </a:pPr>
+            <a:r>
+              <a:rPr lang="en-US" sz="1200" dirty="0">
+                <a:latin typeface="+mn-lt"/>
+              </a:rPr>
+              <a:t>Derive the maximum, minimum, mean value, standard deviation of the discharge column</a:t>
+            </a:r>
+          </a:p>
+          <a:p>
+            <a:pPr marL="342900" indent="-342900">
+              <a:spcAft>
+                <a:spcPts val="800"/>
+              </a:spcAft>
+              <a:buFont typeface="+mj-lt"/>
+              <a:buAutoNum type="arabicParenR"/>
+            </a:pPr>
+            <a:r>
+              <a:rPr lang="en-US" sz="1200" dirty="0">
+                <a:latin typeface="+mn-lt"/>
+              </a:rPr>
+              <a:t>Derive the maximum, minimum, mean value, standard deviation of the first 365 elements in discharge column </a:t>
+            </a:r>
+          </a:p>
+          <a:p>
+            <a:pPr marL="342900" indent="-342900">
+              <a:spcAft>
+                <a:spcPts val="800"/>
+              </a:spcAft>
+              <a:buFont typeface="+mj-lt"/>
+              <a:buAutoNum type="arabicParenR"/>
+            </a:pPr>
+            <a:r>
+              <a:rPr lang="en-US" sz="1200" dirty="0">
+                <a:latin typeface="+mn-lt"/>
+              </a:rPr>
+              <a:t>Export the first 365 rows of df into text file with </a:t>
+            </a:r>
+            <a:r>
+              <a:rPr lang="en-US" sz="1200" dirty="0" err="1">
+                <a:latin typeface="+mn-lt"/>
+              </a:rPr>
+              <a:t>write.table</a:t>
+            </a:r>
+            <a:r>
+              <a:rPr lang="en-US" sz="1200" dirty="0">
+                <a:latin typeface="+mn-lt"/>
+              </a:rPr>
+              <a:t>() function</a:t>
+            </a:r>
           </a:p>
         </p:txBody>
       </p:sp>
     </p:spTree>
     <p:extLst>
       <p:ext uri="{BB962C8B-B14F-4D97-AF65-F5344CB8AC3E}">
-        <p14:creationId xmlns:p14="http://schemas.microsoft.com/office/powerpoint/2010/main" val="2090666982"/>
+        <p14:creationId xmlns:p14="http://schemas.microsoft.com/office/powerpoint/2010/main" val="2290155501"/>
       </p:ext>
     </p:extLst>
   </p:cSld>
@@ -6909,7 +7339,7 @@
           <a:effectLst/>
           <a:extLst>
             <a:ext uri="{AF507438-7753-43e0-B8FC-AC1667EBCBE1}">
-              <a14:hiddenEffects xmlns:a14="http://schemas.microsoft.com/office/drawing/2010/main" xmlns="">
+              <a14:hiddenEffects xmlns="" xmlns:a14="http://schemas.microsoft.com/office/drawing/2010/main">
                 <a:effectLst>
                   <a:outerShdw dist="35921" dir="2700000" algn="ctr" rotWithShape="0">
                     <a:schemeClr val="bg2"/>
@@ -7100,9 +7530,6 @@
             </a:pPr>
             <a:r>
               <a:rPr lang="en-US" sz="1600" dirty="0">
-                <a:highlight>
-                  <a:srgbClr val="FFFF00"/>
-                </a:highlight>
                 <a:latin typeface="+mn-lt"/>
               </a:rPr>
               <a:t>If-Else statements </a:t>
@@ -7128,46 +7555,10 @@
           </a:p>
         </p:txBody>
       </p:sp>
-      <p:pic>
-        <p:nvPicPr>
-          <p:cNvPr id="9" name="Picture 8">
-            <a:extLst>
-              <a:ext uri="{FF2B5EF4-FFF2-40B4-BE49-F238E27FC236}">
-                <a16:creationId xmlns:a16="http://schemas.microsoft.com/office/drawing/2014/main" id="{334F9BD2-480A-44BA-A22B-FE5F1B08F5A8}"/>
-              </a:ext>
-            </a:extLst>
-          </p:cNvPr>
-          <p:cNvPicPr>
-            <a:picLocks noChangeAspect="1"/>
-          </p:cNvPicPr>
-          <p:nvPr/>
-        </p:nvPicPr>
-        <p:blipFill>
-          <a:blip r:embed="rId3">
-            <a:extLst>
-              <a:ext uri="{28A0092B-C50C-407E-A947-70E740481C1C}">
-                <a14:useLocalDpi xmlns:a14="http://schemas.microsoft.com/office/drawing/2010/main" val="0"/>
-              </a:ext>
-            </a:extLst>
-          </a:blip>
-          <a:stretch>
-            <a:fillRect/>
-          </a:stretch>
-        </p:blipFill>
-        <p:spPr>
-          <a:xfrm>
-            <a:off x="4456330" y="1314638"/>
-            <a:ext cx="3330418" cy="3138394"/>
-          </a:xfrm>
-          <a:prstGeom prst="rect">
-            <a:avLst/>
-          </a:prstGeom>
-        </p:spPr>
-      </p:pic>
     </p:spTree>
     <p:extLst>
       <p:ext uri="{BB962C8B-B14F-4D97-AF65-F5344CB8AC3E}">
-        <p14:creationId xmlns:p14="http://schemas.microsoft.com/office/powerpoint/2010/main" val="2903959987"/>
+        <p14:creationId xmlns:p14="http://schemas.microsoft.com/office/powerpoint/2010/main" val="2090666982"/>
       </p:ext>
     </p:extLst>
   </p:cSld>
@@ -7229,7 +7620,7 @@
           <a:effectLst/>
           <a:extLst>
             <a:ext uri="{AF507438-7753-43e0-B8FC-AC1667EBCBE1}">
-              <a14:hiddenEffects xmlns:a14="http://schemas.microsoft.com/office/drawing/2010/main" xmlns="">
+              <a14:hiddenEffects xmlns="" xmlns:a14="http://schemas.microsoft.com/office/drawing/2010/main">
                 <a:effectLst>
                   <a:outerShdw dist="35921" dir="2700000" algn="ctr" rotWithShape="0">
                     <a:schemeClr val="bg2"/>
@@ -7373,6 +7764,326 @@
           </a:p>
         </p:txBody>
       </p:sp>
+      <p:sp>
+        <p:nvSpPr>
+          <p:cNvPr id="7" name="Rectangle 6">
+            <a:extLst>
+              <a:ext uri="{FF2B5EF4-FFF2-40B4-BE49-F238E27FC236}">
+                <a16:creationId xmlns:a16="http://schemas.microsoft.com/office/drawing/2014/main" id="{B07000C0-914C-40E3-85B4-E1D412810D8B}"/>
+              </a:ext>
+            </a:extLst>
+          </p:cNvPr>
+          <p:cNvSpPr/>
+          <p:nvPr/>
+        </p:nvSpPr>
+        <p:spPr>
+          <a:xfrm>
+            <a:off x="899592" y="1257044"/>
+            <a:ext cx="2911374" cy="956672"/>
+          </a:xfrm>
+          <a:prstGeom prst="rect">
+            <a:avLst/>
+          </a:prstGeom>
+        </p:spPr>
+        <p:txBody>
+          <a:bodyPr wrap="none">
+            <a:spAutoFit/>
+          </a:bodyPr>
+          <a:lstStyle/>
+          <a:p>
+            <a:r>
+              <a:rPr lang="en-US" sz="2000" b="1" dirty="0">
+                <a:solidFill>
+                  <a:srgbClr val="00589C"/>
+                </a:solidFill>
+                <a:latin typeface="+mn-lt"/>
+              </a:rPr>
+              <a:t>Control structures:</a:t>
+            </a:r>
+          </a:p>
+          <a:p>
+            <a:pPr marL="342900" indent="-342900">
+              <a:spcAft>
+                <a:spcPts val="500"/>
+              </a:spcAft>
+              <a:buFont typeface="Wingdings" panose="05000000000000000000" pitchFamily="2" charset="2"/>
+              <a:buChar char="Ø"/>
+            </a:pPr>
+            <a:r>
+              <a:rPr lang="en-US" sz="1600" dirty="0">
+                <a:highlight>
+                  <a:srgbClr val="FFFF00"/>
+                </a:highlight>
+                <a:latin typeface="+mn-lt"/>
+              </a:rPr>
+              <a:t>If-Else statements </a:t>
+            </a:r>
+          </a:p>
+          <a:p>
+            <a:pPr marL="342900" indent="-342900">
+              <a:spcAft>
+                <a:spcPts val="500"/>
+              </a:spcAft>
+              <a:buFont typeface="Wingdings" panose="05000000000000000000" pitchFamily="2" charset="2"/>
+              <a:buChar char="Ø"/>
+            </a:pPr>
+            <a:r>
+              <a:rPr lang="en-US" sz="1600" dirty="0">
+                <a:latin typeface="+mn-lt"/>
+              </a:rPr>
+              <a:t>Loops</a:t>
+            </a:r>
+            <a:endParaRPr lang="en-US" dirty="0">
+              <a:latin typeface="+mn-lt"/>
+            </a:endParaRPr>
+          </a:p>
+        </p:txBody>
+      </p:sp>
+      <p:pic>
+        <p:nvPicPr>
+          <p:cNvPr id="9" name="Picture 8">
+            <a:extLst>
+              <a:ext uri="{FF2B5EF4-FFF2-40B4-BE49-F238E27FC236}">
+                <a16:creationId xmlns:a16="http://schemas.microsoft.com/office/drawing/2014/main" id="{334F9BD2-480A-44BA-A22B-FE5F1B08F5A8}"/>
+              </a:ext>
+            </a:extLst>
+          </p:cNvPr>
+          <p:cNvPicPr>
+            <a:picLocks noChangeAspect="1"/>
+          </p:cNvPicPr>
+          <p:nvPr/>
+        </p:nvPicPr>
+        <p:blipFill>
+          <a:blip r:embed="rId3">
+            <a:extLst>
+              <a:ext uri="{28A0092B-C50C-407E-A947-70E740481C1C}">
+                <a14:useLocalDpi xmlns:a14="http://schemas.microsoft.com/office/drawing/2010/main" val="0"/>
+              </a:ext>
+            </a:extLst>
+          </a:blip>
+          <a:stretch>
+            <a:fillRect/>
+          </a:stretch>
+        </p:blipFill>
+        <p:spPr>
+          <a:xfrm>
+            <a:off x="4456330" y="1314638"/>
+            <a:ext cx="3330418" cy="3138394"/>
+          </a:xfrm>
+          <a:prstGeom prst="rect">
+            <a:avLst/>
+          </a:prstGeom>
+        </p:spPr>
+      </p:pic>
+    </p:spTree>
+    <p:extLst>
+      <p:ext uri="{BB962C8B-B14F-4D97-AF65-F5344CB8AC3E}">
+        <p14:creationId xmlns:p14="http://schemas.microsoft.com/office/powerpoint/2010/main" val="2903959987"/>
+      </p:ext>
+    </p:extLst>
+  </p:cSld>
+  <p:clrMapOvr>
+    <a:masterClrMapping/>
+  </p:clrMapOvr>
+</p:sld>
+</file>
+
+<file path=ppt/slides/slide15.xml><?xml version="1.0" encoding="utf-8"?>
+<p:sld xmlns:a="http://schemas.openxmlformats.org/drawingml/2006/main" xmlns:r="http://schemas.openxmlformats.org/officeDocument/2006/relationships" xmlns:p="http://schemas.openxmlformats.org/presentationml/2006/main">
+  <p:cSld>
+    <p:spTree>
+      <p:nvGrpSpPr>
+        <p:cNvPr id="1" name=""/>
+        <p:cNvGrpSpPr/>
+        <p:nvPr/>
+      </p:nvGrpSpPr>
+      <p:grpSpPr>
+        <a:xfrm>
+          <a:off x="0" y="0"/>
+          <a:ext cx="0" cy="0"/>
+          <a:chOff x="0" y="0"/>
+          <a:chExt cx="0" cy="0"/>
+        </a:xfrm>
+      </p:grpSpPr>
+      <p:sp>
+        <p:nvSpPr>
+          <p:cNvPr id="4" name="Rectangle 3">
+            <a:extLst>
+              <a:ext uri="{FF2B5EF4-FFF2-40B4-BE49-F238E27FC236}">
+                <a16:creationId xmlns:a16="http://schemas.microsoft.com/office/drawing/2014/main" id="{741E6F0F-8952-48F7-B8A6-5C00D4C8363A}"/>
+              </a:ext>
+            </a:extLst>
+          </p:cNvPr>
+          <p:cNvSpPr/>
+          <p:nvPr/>
+        </p:nvSpPr>
+        <p:spPr bwMode="auto">
+          <a:xfrm>
+            <a:off x="0" y="0"/>
+            <a:ext cx="9144000" cy="627534"/>
+          </a:xfrm>
+          <a:prstGeom prst="rect">
+            <a:avLst/>
+          </a:prstGeom>
+          <a:solidFill>
+            <a:srgbClr val="00589C"/>
+          </a:solidFill>
+          <a:ln w="9525" cap="flat" cmpd="sng" algn="ctr">
+            <a:solidFill>
+              <a:srgbClr val="00589C"/>
+            </a:solidFill>
+            <a:prstDash val="solid"/>
+            <a:round/>
+            <a:headEnd type="none" w="med" len="med"/>
+            <a:tailEnd type="none" w="med" len="med"/>
+          </a:ln>
+          <a:effectLst/>
+          <a:extLst>
+            <a:ext uri="{AF507438-7753-43e0-B8FC-AC1667EBCBE1}">
+              <a14:hiddenEffects xmlns="" xmlns:a14="http://schemas.microsoft.com/office/drawing/2010/main">
+                <a:effectLst>
+                  <a:outerShdw dist="35921" dir="2700000" algn="ctr" rotWithShape="0">
+                    <a:schemeClr val="bg2"/>
+                  </a:outerShdw>
+                </a:effectLst>
+              </a14:hiddenEffects>
+            </a:ext>
+          </a:extLst>
+        </p:spPr>
+        <p:txBody>
+          <a:bodyPr vert="horz" wrap="square" lIns="91440" tIns="45720" rIns="91440" bIns="45720" numCol="1" rtlCol="0" anchor="ctr" anchorCtr="0" compatLnSpc="1">
+            <a:prstTxWarp prst="textNoShape">
+              <a:avLst/>
+            </a:prstTxWarp>
+          </a:bodyPr>
+          <a:lstStyle/>
+          <a:p>
+            <a:pPr marL="0" marR="0" indent="0" algn="l" defTabSz="914400" rtl="0" eaLnBrk="0" fontAlgn="base" latinLnBrk="0" hangingPunct="0">
+              <a:lnSpc>
+                <a:spcPct val="100000"/>
+              </a:lnSpc>
+              <a:spcBef>
+                <a:spcPct val="0"/>
+              </a:spcBef>
+              <a:spcAft>
+                <a:spcPct val="0"/>
+              </a:spcAft>
+              <a:buClrTx/>
+              <a:buSzTx/>
+              <a:buFontTx/>
+              <a:buNone/>
+              <a:tabLst/>
+            </a:pPr>
+            <a:r>
+              <a:rPr kumimoji="0" lang="en-US" sz="2000" b="1" i="0" u="none" strike="noStrike" cap="none" normalizeH="0" baseline="0" dirty="0">
+                <a:ln>
+                  <a:noFill/>
+                </a:ln>
+                <a:solidFill>
+                  <a:schemeClr val="bg1"/>
+                </a:solidFill>
+                <a:effectLst/>
+                <a:latin typeface="+mj-lt"/>
+                <a:ea typeface="ＭＳ Ｐゴシック" pitchFamily="96" charset="-128"/>
+              </a:rPr>
+              <a:t>Topic 1. Introduction to R</a:t>
+            </a:r>
+          </a:p>
+        </p:txBody>
+      </p:sp>
+      <p:sp>
+        <p:nvSpPr>
+          <p:cNvPr id="3" name="Rectangle 2">
+            <a:extLst>
+              <a:ext uri="{FF2B5EF4-FFF2-40B4-BE49-F238E27FC236}">
+                <a16:creationId xmlns:a16="http://schemas.microsoft.com/office/drawing/2014/main" id="{E695171C-A629-451F-B41F-BBA81B01A78E}"/>
+              </a:ext>
+            </a:extLst>
+          </p:cNvPr>
+          <p:cNvSpPr/>
+          <p:nvPr/>
+        </p:nvSpPr>
+        <p:spPr>
+          <a:xfrm>
+            <a:off x="611560" y="767484"/>
+            <a:ext cx="4528804" cy="400110"/>
+          </a:xfrm>
+          <a:prstGeom prst="rect">
+            <a:avLst/>
+          </a:prstGeom>
+          <a:ln>
+            <a:noFill/>
+          </a:ln>
+          <a:effectLst>
+            <a:outerShdw blurRad="44450" dist="27940" dir="5400000" algn="ctr">
+              <a:srgbClr val="000000">
+                <a:alpha val="32000"/>
+              </a:srgbClr>
+            </a:outerShdw>
+          </a:effectLst>
+          <a:scene3d>
+            <a:camera prst="orthographicFront">
+              <a:rot lat="0" lon="0" rev="0"/>
+            </a:camera>
+            <a:lightRig rig="balanced" dir="t">
+              <a:rot lat="0" lon="0" rev="8700000"/>
+            </a:lightRig>
+          </a:scene3d>
+          <a:sp3d>
+            <a:bevelT w="190500" h="38100"/>
+          </a:sp3d>
+        </p:spPr>
+        <p:txBody>
+          <a:bodyPr wrap="none">
+            <a:spAutoFit/>
+          </a:bodyPr>
+          <a:lstStyle/>
+          <a:p>
+            <a:r>
+              <a:rPr lang="en-US" sz="2000" b="1" dirty="0">
+                <a:solidFill>
+                  <a:srgbClr val="00589C"/>
+                </a:solidFill>
+              </a:rPr>
+              <a:t>4. Functions and Control structures</a:t>
+            </a:r>
+          </a:p>
+        </p:txBody>
+      </p:sp>
+      <p:sp>
+        <p:nvSpPr>
+          <p:cNvPr id="2" name="Slide Number Placeholder 1">
+            <a:extLst>
+              <a:ext uri="{FF2B5EF4-FFF2-40B4-BE49-F238E27FC236}">
+                <a16:creationId xmlns:a16="http://schemas.microsoft.com/office/drawing/2014/main" id="{4BA77301-7EC3-46B2-876D-812AAB1A3F7F}"/>
+              </a:ext>
+            </a:extLst>
+          </p:cNvPr>
+          <p:cNvSpPr>
+            <a:spLocks noGrp="1"/>
+          </p:cNvSpPr>
+          <p:nvPr>
+            <p:ph type="sldNum" sz="quarter" idx="11"/>
+          </p:nvPr>
+        </p:nvSpPr>
+        <p:spPr/>
+        <p:txBody>
+          <a:bodyPr/>
+          <a:lstStyle/>
+          <a:p>
+            <a:fld id="{48105EDC-34E1-4D80-B051-D0CBD59863B8}" type="slidenum">
+              <a:rPr lang="de-DE" altLang="de-DE" smtClean="0"/>
+              <a:pPr/>
+              <a:t>15</a:t>
+            </a:fld>
+            <a:endParaRPr lang="de-DE" altLang="de-DE">
+              <a:solidFill>
+                <a:schemeClr val="tx1"/>
+              </a:solidFill>
+            </a:endParaRPr>
+          </a:p>
+        </p:txBody>
+      </p:sp>
       <p:grpSp>
         <p:nvGrpSpPr>
           <p:cNvPr id="5" name="Group 4">
@@ -7387,7 +8098,7 @@
         </p:nvGrpSpPr>
         <p:grpSpPr>
           <a:xfrm>
-            <a:off x="3696409" y="1320413"/>
+            <a:off x="4160505" y="1320413"/>
             <a:ext cx="2067679" cy="3177474"/>
             <a:chOff x="4762298" y="1320413"/>
             <a:chExt cx="2067679" cy="3177474"/>
@@ -8348,7 +9059,7 @@
 </p:sld>
 </file>
 
-<file path=ppt/slides/slide15.xml><?xml version="1.0" encoding="utf-8"?>
+<file path=ppt/slides/slide16.xml><?xml version="1.0" encoding="utf-8"?>
 <p:sld xmlns:a="http://schemas.openxmlformats.org/drawingml/2006/main" xmlns:r="http://schemas.openxmlformats.org/officeDocument/2006/relationships" xmlns:p="http://schemas.openxmlformats.org/presentationml/2006/main">
   <p:cSld>
     <p:spTree>
@@ -8400,7 +9111,7 @@
           <a:effectLst/>
           <a:extLst>
             <a:ext uri="{AF507438-7753-43e0-B8FC-AC1667EBCBE1}">
-              <a14:hiddenEffects xmlns:a14="http://schemas.microsoft.com/office/drawing/2010/main" xmlns="">
+              <a14:hiddenEffects xmlns="" xmlns:a14="http://schemas.microsoft.com/office/drawing/2010/main">
                 <a:effectLst>
                   <a:outerShdw dist="35921" dir="2700000" algn="ctr" rotWithShape="0">
                     <a:schemeClr val="bg2"/>
@@ -8534,7 +9245,7 @@
             <a:fld id="{48105EDC-34E1-4D80-B051-D0CBD59863B8}" type="slidenum">
               <a:rPr lang="de-DE" altLang="de-DE" smtClean="0"/>
               <a:pPr/>
-              <a:t>15</a:t>
+              <a:t>16</a:t>
             </a:fld>
             <a:endParaRPr lang="de-DE" altLang="de-DE">
               <a:solidFill>
@@ -8558,7 +9269,7 @@
         </p:nvGrpSpPr>
         <p:grpSpPr>
           <a:xfrm>
-            <a:off x="3408127" y="1257044"/>
+            <a:off x="3840175" y="1257044"/>
             <a:ext cx="2099977" cy="3216023"/>
             <a:chOff x="6876256" y="1320413"/>
             <a:chExt cx="2099977" cy="3216023"/>
@@ -10713,7 +11424,7 @@
 </p:sld>
 </file>
 
-<file path=ppt/slides/slide16.xml><?xml version="1.0" encoding="utf-8"?>
+<file path=ppt/slides/slide17.xml><?xml version="1.0" encoding="utf-8"?>
 <p:sld xmlns:a="http://schemas.openxmlformats.org/drawingml/2006/main" xmlns:r="http://schemas.openxmlformats.org/officeDocument/2006/relationships" xmlns:p="http://schemas.openxmlformats.org/presentationml/2006/main">
   <p:cSld>
     <p:spTree>
@@ -10765,7 +11476,7 @@
           <a:effectLst/>
           <a:extLst>
             <a:ext uri="{AF507438-7753-43e0-B8FC-AC1667EBCBE1}">
-              <a14:hiddenEffects xmlns:a14="http://schemas.microsoft.com/office/drawing/2010/main" xmlns="">
+              <a14:hiddenEffects xmlns="" xmlns:a14="http://schemas.microsoft.com/office/drawing/2010/main">
                 <a:effectLst>
                   <a:outerShdw dist="35921" dir="2700000" algn="ctr" rotWithShape="0">
                     <a:schemeClr val="bg2"/>
@@ -10840,7 +11551,7 @@
             <a:fld id="{48105EDC-34E1-4D80-B051-D0CBD59863B8}" type="slidenum">
               <a:rPr lang="de-DE" altLang="de-DE" smtClean="0"/>
               <a:pPr/>
-              <a:t>16</a:t>
+              <a:t>17</a:t>
             </a:fld>
             <a:endParaRPr lang="de-DE" altLang="de-DE">
               <a:solidFill>
@@ -11468,7 +12179,7 @@
             <a:effectLst/>
             <a:extLst>
               <a:ext uri="{AF507438-7753-43e0-B8FC-AC1667EBCBE1}">
-                <a14:hiddenEffects xmlns:a14="http://schemas.microsoft.com/office/drawing/2010/main" xmlns="">
+                <a14:hiddenEffects xmlns="" xmlns:a14="http://schemas.microsoft.com/office/drawing/2010/main">
                   <a:effectLst>
                     <a:outerShdw dist="35921" dir="2700000" algn="ctr" rotWithShape="0">
                       <a:schemeClr val="bg2"/>
@@ -11549,7 +12260,7 @@
             <a:effectLst/>
             <a:extLst>
               <a:ext uri="{AF507438-7753-43e0-B8FC-AC1667EBCBE1}">
-                <a14:hiddenEffects xmlns:a14="http://schemas.microsoft.com/office/drawing/2010/main" xmlns="">
+                <a14:hiddenEffects xmlns="" xmlns:a14="http://schemas.microsoft.com/office/drawing/2010/main">
                   <a:effectLst>
                     <a:outerShdw dist="35921" dir="2700000" algn="ctr" rotWithShape="0">
                       <a:schemeClr val="bg2"/>
@@ -11630,7 +12341,7 @@
             <a:effectLst/>
             <a:extLst>
               <a:ext uri="{AF507438-7753-43e0-B8FC-AC1667EBCBE1}">
-                <a14:hiddenEffects xmlns:a14="http://schemas.microsoft.com/office/drawing/2010/main" xmlns="">
+                <a14:hiddenEffects xmlns="" xmlns:a14="http://schemas.microsoft.com/office/drawing/2010/main">
                   <a:effectLst>
                     <a:outerShdw dist="35921" dir="2700000" algn="ctr" rotWithShape="0">
                       <a:schemeClr val="bg2"/>
@@ -11711,7 +12422,7 @@
             <a:effectLst/>
             <a:extLst>
               <a:ext uri="{AF507438-7753-43e0-B8FC-AC1667EBCBE1}">
-                <a14:hiddenEffects xmlns:a14="http://schemas.microsoft.com/office/drawing/2010/main" xmlns="">
+                <a14:hiddenEffects xmlns="" xmlns:a14="http://schemas.microsoft.com/office/drawing/2010/main">
                   <a:effectLst>
                     <a:outerShdw dist="35921" dir="2700000" algn="ctr" rotWithShape="0">
                       <a:schemeClr val="bg2"/>
@@ -11949,7 +12660,7 @@
             <a:effectLst/>
             <a:extLst>
               <a:ext uri="{AF507438-7753-43e0-B8FC-AC1667EBCBE1}">
-                <a14:hiddenEffects xmlns:a14="http://schemas.microsoft.com/office/drawing/2010/main" xmlns="">
+                <a14:hiddenEffects xmlns="" xmlns:a14="http://schemas.microsoft.com/office/drawing/2010/main">
                   <a:effectLst>
                     <a:outerShdw dist="35921" dir="2700000" algn="ctr" rotWithShape="0">
                       <a:schemeClr val="bg2"/>
@@ -12030,7 +12741,7 @@
             <a:effectLst/>
             <a:extLst>
               <a:ext uri="{AF507438-7753-43e0-B8FC-AC1667EBCBE1}">
-                <a14:hiddenEffects xmlns:a14="http://schemas.microsoft.com/office/drawing/2010/main" xmlns="">
+                <a14:hiddenEffects xmlns="" xmlns:a14="http://schemas.microsoft.com/office/drawing/2010/main">
                   <a:effectLst>
                     <a:outerShdw dist="35921" dir="2700000" algn="ctr" rotWithShape="0">
                       <a:schemeClr val="bg2"/>
@@ -12111,7 +12822,7 @@
             <a:effectLst/>
             <a:extLst>
               <a:ext uri="{AF507438-7753-43e0-B8FC-AC1667EBCBE1}">
-                <a14:hiddenEffects xmlns:a14="http://schemas.microsoft.com/office/drawing/2010/main" xmlns="">
+                <a14:hiddenEffects xmlns="" xmlns:a14="http://schemas.microsoft.com/office/drawing/2010/main">
                   <a:effectLst>
                     <a:outerShdw dist="35921" dir="2700000" algn="ctr" rotWithShape="0">
                       <a:schemeClr val="bg2"/>
@@ -12192,7 +12903,7 @@
             <a:effectLst/>
             <a:extLst>
               <a:ext uri="{AF507438-7753-43e0-B8FC-AC1667EBCBE1}">
-                <a14:hiddenEffects xmlns:a14="http://schemas.microsoft.com/office/drawing/2010/main" xmlns="">
+                <a14:hiddenEffects xmlns="" xmlns:a14="http://schemas.microsoft.com/office/drawing/2010/main">
                   <a:effectLst>
                     <a:outerShdw dist="35921" dir="2700000" algn="ctr" rotWithShape="0">
                       <a:schemeClr val="bg2"/>
@@ -12296,7 +13007,7 @@
             <a:effectLst/>
             <a:extLst>
               <a:ext uri="{AF507438-7753-43e0-B8FC-AC1667EBCBE1}">
-                <a14:hiddenEffects xmlns:a14="http://schemas.microsoft.com/office/drawing/2010/main" xmlns="">
+                <a14:hiddenEffects xmlns="" xmlns:a14="http://schemas.microsoft.com/office/drawing/2010/main">
                   <a:effectLst>
                     <a:outerShdw dist="35921" dir="2700000" algn="ctr" rotWithShape="0">
                       <a:schemeClr val="bg2"/>
@@ -12342,7 +13053,7 @@
             <a:effectLst/>
             <a:extLst>
               <a:ext uri="{AF507438-7753-43e0-B8FC-AC1667EBCBE1}">
-                <a14:hiddenEffects xmlns:a14="http://schemas.microsoft.com/office/drawing/2010/main" xmlns="">
+                <a14:hiddenEffects xmlns="" xmlns:a14="http://schemas.microsoft.com/office/drawing/2010/main">
                   <a:effectLst>
                     <a:outerShdw dist="35921" dir="2700000" algn="ctr" rotWithShape="0">
                       <a:schemeClr val="bg2"/>
@@ -12388,7 +13099,7 @@
             <a:effectLst/>
             <a:extLst>
               <a:ext uri="{AF507438-7753-43e0-B8FC-AC1667EBCBE1}">
-                <a14:hiddenEffects xmlns:a14="http://schemas.microsoft.com/office/drawing/2010/main" xmlns="">
+                <a14:hiddenEffects xmlns="" xmlns:a14="http://schemas.microsoft.com/office/drawing/2010/main">
                   <a:effectLst>
                     <a:outerShdw dist="35921" dir="2700000" algn="ctr" rotWithShape="0">
                       <a:schemeClr val="bg2"/>
@@ -12434,7 +13145,7 @@
             <a:effectLst/>
             <a:extLst>
               <a:ext uri="{AF507438-7753-43e0-B8FC-AC1667EBCBE1}">
-                <a14:hiddenEffects xmlns:a14="http://schemas.microsoft.com/office/drawing/2010/main" xmlns="">
+                <a14:hiddenEffects xmlns="" xmlns:a14="http://schemas.microsoft.com/office/drawing/2010/main">
                   <a:effectLst>
                     <a:outerShdw dist="35921" dir="2700000" algn="ctr" rotWithShape="0">
                       <a:schemeClr val="bg2"/>
@@ -13177,7 +13888,7 @@
 </p:sld>
 </file>
 
-<file path=ppt/slides/slide17.xml><?xml version="1.0" encoding="utf-8"?>
+<file path=ppt/slides/slide18.xml><?xml version="1.0" encoding="utf-8"?>
 <p:sld xmlns:a="http://schemas.openxmlformats.org/drawingml/2006/main" xmlns:r="http://schemas.openxmlformats.org/officeDocument/2006/relationships" xmlns:p="http://schemas.openxmlformats.org/presentationml/2006/main">
   <p:cSld>
     <p:spTree>
@@ -13229,7 +13940,7 @@
           <a:effectLst/>
           <a:extLst>
             <a:ext uri="{AF507438-7753-43e0-B8FC-AC1667EBCBE1}">
-              <a14:hiddenEffects xmlns:a14="http://schemas.microsoft.com/office/drawing/2010/main" xmlns="">
+              <a14:hiddenEffects xmlns="" xmlns:a14="http://schemas.microsoft.com/office/drawing/2010/main">
                 <a:effectLst>
                   <a:outerShdw dist="35921" dir="2700000" algn="ctr" rotWithShape="0">
                     <a:schemeClr val="bg2"/>
@@ -13363,7 +14074,7 @@
             <a:fld id="{48105EDC-34E1-4D80-B051-D0CBD59863B8}" type="slidenum">
               <a:rPr lang="de-DE" altLang="de-DE" smtClean="0"/>
               <a:pPr/>
-              <a:t>17</a:t>
+              <a:t>18</a:t>
             </a:fld>
             <a:endParaRPr lang="de-DE" altLang="de-DE">
               <a:solidFill>
@@ -13521,7 +14232,7 @@
 </p:sld>
 </file>
 
-<file path=ppt/slides/slide18.xml><?xml version="1.0" encoding="utf-8"?>
+<file path=ppt/slides/slide19.xml><?xml version="1.0" encoding="utf-8"?>
 <p:sld xmlns:a="http://schemas.openxmlformats.org/drawingml/2006/main" xmlns:r="http://schemas.openxmlformats.org/officeDocument/2006/relationships" xmlns:p="http://schemas.openxmlformats.org/presentationml/2006/main">
   <p:cSld>
     <p:spTree>
@@ -13573,7 +14284,7 @@
           <a:effectLst/>
           <a:extLst>
             <a:ext uri="{AF507438-7753-43e0-B8FC-AC1667EBCBE1}">
-              <a14:hiddenEffects xmlns:a14="http://schemas.microsoft.com/office/drawing/2010/main" xmlns="">
+              <a14:hiddenEffects xmlns="" xmlns:a14="http://schemas.microsoft.com/office/drawing/2010/main">
                 <a:effectLst>
                   <a:outerShdw dist="35921" dir="2700000" algn="ctr" rotWithShape="0">
                     <a:schemeClr val="bg2"/>
@@ -13707,7 +14418,7 @@
             <a:fld id="{48105EDC-34E1-4D80-B051-D0CBD59863B8}" type="slidenum">
               <a:rPr lang="de-DE" altLang="de-DE" smtClean="0"/>
               <a:pPr/>
-              <a:t>18</a:t>
+              <a:t>19</a:t>
             </a:fld>
             <a:endParaRPr lang="de-DE" altLang="de-DE">
               <a:solidFill>
@@ -13754,7 +14465,7 @@
           <a:effectLst/>
           <a:extLst>
             <a:ext uri="{AF507438-7753-43e0-B8FC-AC1667EBCBE1}">
-              <a14:hiddenEffects xmlns:a14="http://schemas.microsoft.com/office/drawing/2010/main" xmlns="">
+              <a14:hiddenEffects xmlns="" xmlns:a14="http://schemas.microsoft.com/office/drawing/2010/main">
                 <a:effectLst>
                   <a:outerShdw dist="35921" dir="2700000" algn="ctr" rotWithShape="0">
                     <a:schemeClr val="bg2"/>
@@ -13903,7 +14614,7 @@
             <a:effectLst/>
             <a:extLst>
               <a:ext uri="{AF507438-7753-43e0-B8FC-AC1667EBCBE1}">
-                <a14:hiddenEffects xmlns:a14="http://schemas.microsoft.com/office/drawing/2010/main" xmlns="">
+                <a14:hiddenEffects xmlns="" xmlns:a14="http://schemas.microsoft.com/office/drawing/2010/main">
                   <a:effectLst>
                     <a:outerShdw dist="35921" dir="2700000" algn="ctr" rotWithShape="0">
                       <a:schemeClr val="bg2"/>
@@ -13991,7 +14702,7 @@
             <a:effectLst/>
             <a:extLst>
               <a:ext uri="{AF507438-7753-43e0-B8FC-AC1667EBCBE1}">
-                <a14:hiddenEffects xmlns:a14="http://schemas.microsoft.com/office/drawing/2010/main" xmlns="">
+                <a14:hiddenEffects xmlns="" xmlns:a14="http://schemas.microsoft.com/office/drawing/2010/main">
                   <a:effectLst>
                     <a:outerShdw dist="35921" dir="2700000" algn="ctr" rotWithShape="0">
                       <a:schemeClr val="bg2"/>
@@ -14086,7 +14797,7 @@
             <a:effectLst/>
             <a:extLst>
               <a:ext uri="{AF507438-7753-43e0-B8FC-AC1667EBCBE1}">
-                <a14:hiddenEffects xmlns:a14="http://schemas.microsoft.com/office/drawing/2010/main" xmlns="">
+                <a14:hiddenEffects xmlns="" xmlns:a14="http://schemas.microsoft.com/office/drawing/2010/main">
                   <a:effectLst>
                     <a:outerShdw dist="35921" dir="2700000" algn="ctr" rotWithShape="0">
                       <a:schemeClr val="bg2"/>
@@ -14174,7 +14885,7 @@
             <a:effectLst/>
             <a:extLst>
               <a:ext uri="{AF507438-7753-43e0-B8FC-AC1667EBCBE1}">
-                <a14:hiddenEffects xmlns:a14="http://schemas.microsoft.com/office/drawing/2010/main" xmlns="">
+                <a14:hiddenEffects xmlns="" xmlns:a14="http://schemas.microsoft.com/office/drawing/2010/main">
                   <a:effectLst>
                     <a:outerShdw dist="35921" dir="2700000" algn="ctr" rotWithShape="0">
                       <a:schemeClr val="bg2"/>
@@ -14262,7 +14973,7 @@
             <a:effectLst/>
             <a:extLst>
               <a:ext uri="{AF507438-7753-43e0-B8FC-AC1667EBCBE1}">
-                <a14:hiddenEffects xmlns:a14="http://schemas.microsoft.com/office/drawing/2010/main" xmlns="">
+                <a14:hiddenEffects xmlns="" xmlns:a14="http://schemas.microsoft.com/office/drawing/2010/main">
                   <a:effectLst>
                     <a:outerShdw dist="35921" dir="2700000" algn="ctr" rotWithShape="0">
                       <a:schemeClr val="bg2"/>
@@ -14350,7 +15061,7 @@
             <a:effectLst/>
             <a:extLst>
               <a:ext uri="{AF507438-7753-43e0-B8FC-AC1667EBCBE1}">
-                <a14:hiddenEffects xmlns:a14="http://schemas.microsoft.com/office/drawing/2010/main" xmlns="">
+                <a14:hiddenEffects xmlns="" xmlns:a14="http://schemas.microsoft.com/office/drawing/2010/main">
                   <a:effectLst>
                     <a:outerShdw dist="35921" dir="2700000" algn="ctr" rotWithShape="0">
                       <a:schemeClr val="bg2"/>
@@ -14438,7 +15149,7 @@
             <a:effectLst/>
             <a:extLst>
               <a:ext uri="{AF507438-7753-43e0-B8FC-AC1667EBCBE1}">
-                <a14:hiddenEffects xmlns:a14="http://schemas.microsoft.com/office/drawing/2010/main" xmlns="">
+                <a14:hiddenEffects xmlns="" xmlns:a14="http://schemas.microsoft.com/office/drawing/2010/main">
                   <a:effectLst>
                     <a:outerShdw dist="35921" dir="2700000" algn="ctr" rotWithShape="0">
                       <a:schemeClr val="bg2"/>
@@ -14526,7 +15237,7 @@
             <a:effectLst/>
             <a:extLst>
               <a:ext uri="{AF507438-7753-43e0-B8FC-AC1667EBCBE1}">
-                <a14:hiddenEffects xmlns:a14="http://schemas.microsoft.com/office/drawing/2010/main" xmlns="">
+                <a14:hiddenEffects xmlns="" xmlns:a14="http://schemas.microsoft.com/office/drawing/2010/main">
                   <a:effectLst>
                     <a:outerShdw dist="35921" dir="2700000" algn="ctr" rotWithShape="0">
                       <a:schemeClr val="bg2"/>
@@ -14614,7 +15325,7 @@
             <a:effectLst/>
             <a:extLst>
               <a:ext uri="{AF507438-7753-43e0-B8FC-AC1667EBCBE1}">
-                <a14:hiddenEffects xmlns:a14="http://schemas.microsoft.com/office/drawing/2010/main" xmlns="">
+                <a14:hiddenEffects xmlns="" xmlns:a14="http://schemas.microsoft.com/office/drawing/2010/main">
                   <a:effectLst>
                     <a:outerShdw dist="35921" dir="2700000" algn="ctr" rotWithShape="0">
                       <a:schemeClr val="bg2"/>
@@ -14711,7 +15422,7 @@
             <a:effectLst/>
             <a:extLst>
               <a:ext uri="{AF507438-7753-43e0-B8FC-AC1667EBCBE1}">
-                <a14:hiddenEffects xmlns:a14="http://schemas.microsoft.com/office/drawing/2010/main" xmlns="">
+                <a14:hiddenEffects xmlns="" xmlns:a14="http://schemas.microsoft.com/office/drawing/2010/main">
                   <a:effectLst>
                     <a:outerShdw dist="35921" dir="2700000" algn="ctr" rotWithShape="0">
                       <a:schemeClr val="bg2"/>
@@ -14762,7 +15473,7 @@
             <a:effectLst/>
             <a:extLst>
               <a:ext uri="{AF507438-7753-43e0-B8FC-AC1667EBCBE1}">
-                <a14:hiddenEffects xmlns:a14="http://schemas.microsoft.com/office/drawing/2010/main" xmlns="">
+                <a14:hiddenEffects xmlns="" xmlns:a14="http://schemas.microsoft.com/office/drawing/2010/main">
                   <a:effectLst>
                     <a:outerShdw dist="35921" dir="2700000" algn="ctr" rotWithShape="0">
                       <a:schemeClr val="bg2"/>
@@ -14812,7 +15523,7 @@
             <a:effectLst/>
             <a:extLst>
               <a:ext uri="{AF507438-7753-43e0-B8FC-AC1667EBCBE1}">
-                <a14:hiddenEffects xmlns:a14="http://schemas.microsoft.com/office/drawing/2010/main" xmlns="">
+                <a14:hiddenEffects xmlns="" xmlns:a14="http://schemas.microsoft.com/office/drawing/2010/main">
                   <a:effectLst>
                     <a:outerShdw dist="35921" dir="2700000" algn="ctr" rotWithShape="0">
                       <a:schemeClr val="bg2"/>
@@ -14860,7 +15571,7 @@
             <a:effectLst/>
             <a:extLst>
               <a:ext uri="{AF507438-7753-43e0-B8FC-AC1667EBCBE1}">
-                <a14:hiddenEffects xmlns:a14="http://schemas.microsoft.com/office/drawing/2010/main" xmlns="">
+                <a14:hiddenEffects xmlns="" xmlns:a14="http://schemas.microsoft.com/office/drawing/2010/main">
                   <a:effectLst>
                     <a:outerShdw dist="35921" dir="2700000" algn="ctr" rotWithShape="0">
                       <a:schemeClr val="bg2"/>
@@ -14945,7 +15656,7 @@
             <a:effectLst/>
             <a:extLst>
               <a:ext uri="{AF507438-7753-43e0-B8FC-AC1667EBCBE1}">
-                <a14:hiddenEffects xmlns:a14="http://schemas.microsoft.com/office/drawing/2010/main" xmlns="">
+                <a14:hiddenEffects xmlns="" xmlns:a14="http://schemas.microsoft.com/office/drawing/2010/main">
                   <a:effectLst>
                     <a:outerShdw dist="35921" dir="2700000" algn="ctr" rotWithShape="0">
                       <a:schemeClr val="bg2"/>
@@ -14991,7 +15702,7 @@
             <a:effectLst/>
             <a:extLst>
               <a:ext uri="{AF507438-7753-43e0-B8FC-AC1667EBCBE1}">
-                <a14:hiddenEffects xmlns:a14="http://schemas.microsoft.com/office/drawing/2010/main" xmlns="">
+                <a14:hiddenEffects xmlns="" xmlns:a14="http://schemas.microsoft.com/office/drawing/2010/main">
                   <a:effectLst>
                     <a:outerShdw dist="35921" dir="2700000" algn="ctr" rotWithShape="0">
                       <a:schemeClr val="bg2"/>
@@ -15042,7 +15753,7 @@
             <a:effectLst/>
             <a:extLst>
               <a:ext uri="{AF507438-7753-43e0-B8FC-AC1667EBCBE1}">
-                <a14:hiddenEffects xmlns:a14="http://schemas.microsoft.com/office/drawing/2010/main" xmlns="">
+                <a14:hiddenEffects xmlns="" xmlns:a14="http://schemas.microsoft.com/office/drawing/2010/main">
                   <a:effectLst>
                     <a:outerShdw dist="35921" dir="2700000" algn="ctr" rotWithShape="0">
                       <a:schemeClr val="bg2"/>
@@ -15090,7 +15801,7 @@
             <a:effectLst/>
             <a:extLst>
               <a:ext uri="{AF507438-7753-43e0-B8FC-AC1667EBCBE1}">
-                <a14:hiddenEffects xmlns:a14="http://schemas.microsoft.com/office/drawing/2010/main" xmlns="">
+                <a14:hiddenEffects xmlns="" xmlns:a14="http://schemas.microsoft.com/office/drawing/2010/main">
                   <a:effectLst>
                     <a:outerShdw dist="35921" dir="2700000" algn="ctr" rotWithShape="0">
                       <a:schemeClr val="bg2"/>
@@ -15140,7 +15851,7 @@
             <a:effectLst/>
             <a:extLst>
               <a:ext uri="{AF507438-7753-43e0-B8FC-AC1667EBCBE1}">
-                <a14:hiddenEffects xmlns:a14="http://schemas.microsoft.com/office/drawing/2010/main" xmlns="">
+                <a14:hiddenEffects xmlns="" xmlns:a14="http://schemas.microsoft.com/office/drawing/2010/main">
                   <a:effectLst>
                     <a:outerShdw dist="35921" dir="2700000" algn="ctr" rotWithShape="0">
                       <a:schemeClr val="bg2"/>
@@ -15190,7 +15901,7 @@
             <a:effectLst/>
             <a:extLst>
               <a:ext uri="{AF507438-7753-43e0-B8FC-AC1667EBCBE1}">
-                <a14:hiddenEffects xmlns:a14="http://schemas.microsoft.com/office/drawing/2010/main" xmlns="">
+                <a14:hiddenEffects xmlns="" xmlns:a14="http://schemas.microsoft.com/office/drawing/2010/main">
                   <a:effectLst>
                     <a:outerShdw dist="35921" dir="2700000" algn="ctr" rotWithShape="0">
                       <a:schemeClr val="bg2"/>
@@ -15238,7 +15949,7 @@
             <a:effectLst/>
             <a:extLst>
               <a:ext uri="{AF507438-7753-43e0-B8FC-AC1667EBCBE1}">
-                <a14:hiddenEffects xmlns:a14="http://schemas.microsoft.com/office/drawing/2010/main" xmlns="">
+                <a14:hiddenEffects xmlns="" xmlns:a14="http://schemas.microsoft.com/office/drawing/2010/main">
                   <a:effectLst>
                     <a:outerShdw dist="35921" dir="2700000" algn="ctr" rotWithShape="0">
                       <a:schemeClr val="bg2"/>
@@ -15335,7 +16046,7 @@
             <a:effectLst/>
             <a:extLst>
               <a:ext uri="{AF507438-7753-43e0-B8FC-AC1667EBCBE1}">
-                <a14:hiddenEffects xmlns:a14="http://schemas.microsoft.com/office/drawing/2010/main" xmlns="">
+                <a14:hiddenEffects xmlns="" xmlns:a14="http://schemas.microsoft.com/office/drawing/2010/main">
                   <a:effectLst>
                     <a:outerShdw dist="35921" dir="2700000" algn="ctr" rotWithShape="0">
                       <a:schemeClr val="bg2"/>
@@ -15386,7 +16097,7 @@
             <a:effectLst/>
             <a:extLst>
               <a:ext uri="{AF507438-7753-43e0-B8FC-AC1667EBCBE1}">
-                <a14:hiddenEffects xmlns:a14="http://schemas.microsoft.com/office/drawing/2010/main" xmlns="">
+                <a14:hiddenEffects xmlns="" xmlns:a14="http://schemas.microsoft.com/office/drawing/2010/main">
                   <a:effectLst>
                     <a:outerShdw dist="35921" dir="2700000" algn="ctr" rotWithShape="0">
                       <a:schemeClr val="bg2"/>
@@ -15436,7 +16147,7 @@
             <a:effectLst/>
             <a:extLst>
               <a:ext uri="{AF507438-7753-43e0-B8FC-AC1667EBCBE1}">
-                <a14:hiddenEffects xmlns:a14="http://schemas.microsoft.com/office/drawing/2010/main" xmlns="">
+                <a14:hiddenEffects xmlns="" xmlns:a14="http://schemas.microsoft.com/office/drawing/2010/main">
                   <a:effectLst>
                     <a:outerShdw dist="35921" dir="2700000" algn="ctr" rotWithShape="0">
                       <a:schemeClr val="bg2"/>
@@ -15461,7 +16172,276 @@
 </p:sld>
 </file>
 
-<file path=ppt/slides/slide19.xml><?xml version="1.0" encoding="utf-8"?>
+<file path=ppt/slides/slide2.xml><?xml version="1.0" encoding="utf-8"?>
+<p:sld xmlns:a="http://schemas.openxmlformats.org/drawingml/2006/main" xmlns:r="http://schemas.openxmlformats.org/officeDocument/2006/relationships" xmlns:p="http://schemas.openxmlformats.org/presentationml/2006/main">
+  <p:cSld>
+    <p:spTree>
+      <p:nvGrpSpPr>
+        <p:cNvPr id="1" name=""/>
+        <p:cNvGrpSpPr/>
+        <p:nvPr/>
+      </p:nvGrpSpPr>
+      <p:grpSpPr>
+        <a:xfrm>
+          <a:off x="0" y="0"/>
+          <a:ext cx="0" cy="0"/>
+          <a:chOff x="0" y="0"/>
+          <a:chExt cx="0" cy="0"/>
+        </a:xfrm>
+      </p:grpSpPr>
+      <p:sp>
+        <p:nvSpPr>
+          <p:cNvPr id="13313" name="Rectangle 2"/>
+          <p:cNvSpPr>
+            <a:spLocks noGrp="1" noChangeArrowheads="1"/>
+          </p:cNvSpPr>
+          <p:nvPr>
+            <p:ph type="title"/>
+          </p:nvPr>
+        </p:nvSpPr>
+        <p:spPr/>
+        <p:txBody>
+          <a:bodyPr/>
+          <a:lstStyle/>
+          <a:p>
+            <a:pPr eaLnBrk="1" hangingPunct="1"/>
+            <a:r>
+              <a:rPr lang="de-DE" altLang="de-DE" dirty="0" err="1"/>
+              <a:t>Overview</a:t>
+            </a:r>
+            <a:endParaRPr lang="de-DE" altLang="de-DE" dirty="0"/>
+          </a:p>
+        </p:txBody>
+      </p:sp>
+      <p:sp>
+        <p:nvSpPr>
+          <p:cNvPr id="13314" name="Rectangle 3"/>
+          <p:cNvSpPr>
+            <a:spLocks noGrp="1" noChangeArrowheads="1"/>
+          </p:cNvSpPr>
+          <p:nvPr>
+            <p:ph type="body" idx="1"/>
+          </p:nvPr>
+        </p:nvSpPr>
+        <p:spPr>
+          <a:xfrm>
+            <a:off x="1043608" y="1491630"/>
+            <a:ext cx="7056784" cy="1944216"/>
+          </a:xfrm>
+        </p:spPr>
+        <p:txBody>
+          <a:bodyPr/>
+          <a:lstStyle/>
+          <a:p>
+            <a:pPr marL="457200" indent="-457200" eaLnBrk="1" hangingPunct="1">
+              <a:spcAft>
+                <a:spcPts val="1000"/>
+              </a:spcAft>
+              <a:buFont typeface="+mj-lt"/>
+              <a:buAutoNum type="arabicParenR"/>
+            </a:pPr>
+            <a:r>
+              <a:rPr lang="de-DE" altLang="de-DE" dirty="0" err="1"/>
+              <a:t>Introduction</a:t>
+            </a:r>
+            <a:r>
+              <a:rPr lang="de-DE" altLang="de-DE" dirty="0"/>
+              <a:t> </a:t>
+            </a:r>
+            <a:r>
+              <a:rPr lang="de-DE" altLang="de-DE" dirty="0" err="1"/>
+              <a:t>to</a:t>
+            </a:r>
+            <a:r>
+              <a:rPr lang="de-DE" altLang="de-DE" dirty="0"/>
+              <a:t> R</a:t>
+            </a:r>
+          </a:p>
+          <a:p>
+            <a:pPr marL="457200" indent="-457200" eaLnBrk="1" hangingPunct="1">
+              <a:spcAft>
+                <a:spcPts val="1000"/>
+              </a:spcAft>
+              <a:buFont typeface="+mj-lt"/>
+              <a:buAutoNum type="arabicParenR"/>
+            </a:pPr>
+            <a:r>
+              <a:rPr lang="de-DE" altLang="de-DE" dirty="0" err="1"/>
+              <a:t>Exercise</a:t>
+            </a:r>
+            <a:r>
+              <a:rPr lang="de-DE" altLang="de-DE" dirty="0"/>
+              <a:t> </a:t>
+            </a:r>
+            <a:r>
+              <a:rPr lang="de-DE" altLang="de-DE" dirty="0" err="1"/>
+              <a:t>with</a:t>
+            </a:r>
+            <a:r>
+              <a:rPr lang="de-DE" altLang="de-DE" dirty="0"/>
+              <a:t> R - Flood </a:t>
+            </a:r>
+            <a:r>
+              <a:rPr lang="de-DE" altLang="de-DE" dirty="0" err="1"/>
+              <a:t>frequency</a:t>
+            </a:r>
+            <a:r>
+              <a:rPr lang="de-DE" altLang="de-DE" dirty="0"/>
+              <a:t> </a:t>
+            </a:r>
+            <a:r>
+              <a:rPr lang="de-DE" altLang="de-DE" dirty="0" err="1"/>
+              <a:t>analysis</a:t>
+            </a:r>
+            <a:endParaRPr lang="de-DE" altLang="de-DE" dirty="0"/>
+          </a:p>
+          <a:p>
+            <a:pPr marL="457200" indent="-457200">
+              <a:spcAft>
+                <a:spcPts val="1000"/>
+              </a:spcAft>
+              <a:buFont typeface="+mj-lt"/>
+              <a:buAutoNum type="arabicParenR"/>
+            </a:pPr>
+            <a:r>
+              <a:rPr lang="de-DE" altLang="de-DE" dirty="0" err="1"/>
+              <a:t>Exercise</a:t>
+            </a:r>
+            <a:r>
+              <a:rPr lang="de-DE" altLang="de-DE" dirty="0"/>
+              <a:t> </a:t>
+            </a:r>
+            <a:r>
+              <a:rPr lang="de-DE" altLang="de-DE" dirty="0" err="1"/>
+              <a:t>with</a:t>
+            </a:r>
+            <a:r>
+              <a:rPr lang="de-DE" altLang="de-DE" dirty="0"/>
+              <a:t> R - Time-</a:t>
+            </a:r>
+            <a:r>
+              <a:rPr lang="de-DE" altLang="de-DE" dirty="0" err="1"/>
+              <a:t>varying</a:t>
+            </a:r>
+            <a:r>
+              <a:rPr lang="de-DE" altLang="de-DE" dirty="0"/>
+              <a:t> </a:t>
+            </a:r>
+            <a:r>
+              <a:rPr lang="de-DE" altLang="de-DE" dirty="0" err="1"/>
+              <a:t>flood</a:t>
+            </a:r>
+            <a:r>
+              <a:rPr lang="de-DE" altLang="de-DE" dirty="0"/>
+              <a:t> </a:t>
+            </a:r>
+            <a:r>
+              <a:rPr lang="de-DE" altLang="de-DE" dirty="0" err="1"/>
+              <a:t>risk</a:t>
+            </a:r>
+            <a:r>
+              <a:rPr lang="de-DE" altLang="de-DE" dirty="0"/>
+              <a:t> </a:t>
+            </a:r>
+            <a:r>
+              <a:rPr lang="de-DE" altLang="de-DE" dirty="0" err="1"/>
+              <a:t>analysis</a:t>
+            </a:r>
+            <a:endParaRPr lang="de-DE" altLang="de-DE" dirty="0"/>
+          </a:p>
+        </p:txBody>
+      </p:sp>
+      <p:sp>
+        <p:nvSpPr>
+          <p:cNvPr id="2" name="Rectangle 1">
+            <a:extLst>
+              <a:ext uri="{FF2B5EF4-FFF2-40B4-BE49-F238E27FC236}">
+                <a16:creationId xmlns:a16="http://schemas.microsoft.com/office/drawing/2014/main" id="{758E25E9-32ED-4510-B433-984B559B4054}"/>
+              </a:ext>
+            </a:extLst>
+          </p:cNvPr>
+          <p:cNvSpPr/>
+          <p:nvPr/>
+        </p:nvSpPr>
+        <p:spPr>
+          <a:xfrm>
+            <a:off x="1547664" y="3782972"/>
+            <a:ext cx="7056784" cy="584775"/>
+          </a:xfrm>
+          <a:prstGeom prst="rect">
+            <a:avLst/>
+          </a:prstGeom>
+        </p:spPr>
+        <p:txBody>
+          <a:bodyPr wrap="square">
+            <a:spAutoFit/>
+          </a:bodyPr>
+          <a:lstStyle/>
+          <a:p>
+            <a:r>
+              <a:rPr lang="en-US" sz="1600" dirty="0">
+                <a:solidFill>
+                  <a:srgbClr val="00589C"/>
+                </a:solidFill>
+              </a:rPr>
+              <a:t>Materials here: </a:t>
+            </a:r>
+          </a:p>
+          <a:p>
+            <a:r>
+              <a:rPr lang="en-US" sz="1600" dirty="0">
+                <a:solidFill>
+                  <a:srgbClr val="00589C"/>
+                </a:solidFill>
+              </a:rPr>
+              <a:t>https://github.com/XiaoxiangGuanGFZ/FloodRiskSeminar</a:t>
+            </a:r>
+          </a:p>
+        </p:txBody>
+      </p:sp>
+      <p:sp>
+        <p:nvSpPr>
+          <p:cNvPr id="3" name="Slide Number Placeholder 2">
+            <a:extLst>
+              <a:ext uri="{FF2B5EF4-FFF2-40B4-BE49-F238E27FC236}">
+                <a16:creationId xmlns:a16="http://schemas.microsoft.com/office/drawing/2014/main" id="{0D84647E-7901-4454-8634-949208E5F309}"/>
+              </a:ext>
+            </a:extLst>
+          </p:cNvPr>
+          <p:cNvSpPr>
+            <a:spLocks noGrp="1"/>
+          </p:cNvSpPr>
+          <p:nvPr>
+            <p:ph type="sldNum" sz="quarter" idx="11"/>
+          </p:nvPr>
+        </p:nvSpPr>
+        <p:spPr/>
+        <p:txBody>
+          <a:bodyPr/>
+          <a:lstStyle/>
+          <a:p>
+            <a:fld id="{48105EDC-34E1-4D80-B051-D0CBD59863B8}" type="slidenum">
+              <a:rPr lang="de-DE" altLang="de-DE" smtClean="0"/>
+              <a:pPr/>
+              <a:t>2</a:t>
+            </a:fld>
+            <a:endParaRPr lang="de-DE" altLang="de-DE">
+              <a:solidFill>
+                <a:schemeClr val="tx1"/>
+              </a:solidFill>
+            </a:endParaRPr>
+          </a:p>
+        </p:txBody>
+      </p:sp>
+    </p:spTree>
+  </p:cSld>
+  <p:clrMapOvr>
+    <a:masterClrMapping/>
+  </p:clrMapOvr>
+</p:sld>
+</file>
+
+<file path=ppt/slides/slide20.xml><?xml version="1.0" encoding="utf-8"?>
 <p:sld xmlns:a="http://schemas.openxmlformats.org/drawingml/2006/main" xmlns:r="http://schemas.openxmlformats.org/officeDocument/2006/relationships" xmlns:p="http://schemas.openxmlformats.org/presentationml/2006/main">
   <p:cSld>
     <p:spTree>
@@ -15513,7 +16493,7 @@
           <a:effectLst/>
           <a:extLst>
             <a:ext uri="{AF507438-7753-43e0-B8FC-AC1667EBCBE1}">
-              <a14:hiddenEffects xmlns:a14="http://schemas.microsoft.com/office/drawing/2010/main" xmlns="">
+              <a14:hiddenEffects xmlns="" xmlns:a14="http://schemas.microsoft.com/office/drawing/2010/main">
                 <a:effectLst>
                   <a:outerShdw dist="35921" dir="2700000" algn="ctr" rotWithShape="0">
                     <a:schemeClr val="bg2"/>
@@ -15594,7 +16574,7 @@
             <a:fld id="{48105EDC-34E1-4D80-B051-D0CBD59863B8}" type="slidenum">
               <a:rPr lang="de-DE" altLang="de-DE" smtClean="0"/>
               <a:pPr/>
-              <a:t>19</a:t>
+              <a:t>20</a:t>
             </a:fld>
             <a:endParaRPr lang="de-DE" altLang="de-DE">
               <a:solidFill>
@@ -16009,7 +16989,7 @@
                 <a:graphicData uri="http://schemas.openxmlformats.org/presentationml/2006/ole">
                   <mc:AlternateContent xmlns:mc="http://schemas.openxmlformats.org/markup-compatibility/2006">
                     <mc:Choice xmlns:v="urn:schemas-microsoft-com:vml" Requires="v">
-                      <p:oleObj spid="_x0000_s1182" name="Formel" r:id="rId4" imgW="2590800" imgH="990600" progId="Equation.3">
+                      <p:oleObj spid="_x0000_s1203" name="Formel" r:id="rId4" imgW="2590800" imgH="990600" progId="Equation.3">
                         <p:embed/>
                       </p:oleObj>
                     </mc:Choice>
@@ -16517,554 +17497,6 @@
 </p:sld>
 </file>
 
-<file path=ppt/slides/slide2.xml><?xml version="1.0" encoding="utf-8"?>
-<p:sld xmlns:a="http://schemas.openxmlformats.org/drawingml/2006/main" xmlns:r="http://schemas.openxmlformats.org/officeDocument/2006/relationships" xmlns:p="http://schemas.openxmlformats.org/presentationml/2006/main">
-  <p:cSld>
-    <p:spTree>
-      <p:nvGrpSpPr>
-        <p:cNvPr id="1" name=""/>
-        <p:cNvGrpSpPr/>
-        <p:nvPr/>
-      </p:nvGrpSpPr>
-      <p:grpSpPr>
-        <a:xfrm>
-          <a:off x="0" y="0"/>
-          <a:ext cx="0" cy="0"/>
-          <a:chOff x="0" y="0"/>
-          <a:chExt cx="0" cy="0"/>
-        </a:xfrm>
-      </p:grpSpPr>
-      <p:sp>
-        <p:nvSpPr>
-          <p:cNvPr id="13313" name="Rectangle 2"/>
-          <p:cNvSpPr>
-            <a:spLocks noGrp="1" noChangeArrowheads="1"/>
-          </p:cNvSpPr>
-          <p:nvPr>
-            <p:ph type="title"/>
-          </p:nvPr>
-        </p:nvSpPr>
-        <p:spPr/>
-        <p:txBody>
-          <a:bodyPr/>
-          <a:lstStyle/>
-          <a:p>
-            <a:pPr eaLnBrk="1" hangingPunct="1"/>
-            <a:r>
-              <a:rPr lang="de-DE" altLang="de-DE" dirty="0" err="1"/>
-              <a:t>Overview</a:t>
-            </a:r>
-            <a:endParaRPr lang="de-DE" altLang="de-DE" dirty="0"/>
-          </a:p>
-        </p:txBody>
-      </p:sp>
-      <p:sp>
-        <p:nvSpPr>
-          <p:cNvPr id="13314" name="Rectangle 3"/>
-          <p:cNvSpPr>
-            <a:spLocks noGrp="1" noChangeArrowheads="1"/>
-          </p:cNvSpPr>
-          <p:nvPr>
-            <p:ph type="body" idx="1"/>
-          </p:nvPr>
-        </p:nvSpPr>
-        <p:spPr>
-          <a:xfrm>
-            <a:off x="1043608" y="1491630"/>
-            <a:ext cx="7056784" cy="1944216"/>
-          </a:xfrm>
-        </p:spPr>
-        <p:txBody>
-          <a:bodyPr/>
-          <a:lstStyle/>
-          <a:p>
-            <a:pPr marL="457200" indent="-457200" eaLnBrk="1" hangingPunct="1">
-              <a:spcAft>
-                <a:spcPts val="1000"/>
-              </a:spcAft>
-              <a:buFont typeface="+mj-lt"/>
-              <a:buAutoNum type="arabicParenR"/>
-            </a:pPr>
-            <a:r>
-              <a:rPr lang="de-DE" altLang="de-DE" dirty="0" err="1"/>
-              <a:t>Introduction</a:t>
-            </a:r>
-            <a:r>
-              <a:rPr lang="de-DE" altLang="de-DE" dirty="0"/>
-              <a:t> </a:t>
-            </a:r>
-            <a:r>
-              <a:rPr lang="de-DE" altLang="de-DE" dirty="0" err="1"/>
-              <a:t>to</a:t>
-            </a:r>
-            <a:r>
-              <a:rPr lang="de-DE" altLang="de-DE" dirty="0"/>
-              <a:t> R</a:t>
-            </a:r>
-          </a:p>
-          <a:p>
-            <a:pPr marL="457200" indent="-457200" eaLnBrk="1" hangingPunct="1">
-              <a:spcAft>
-                <a:spcPts val="1000"/>
-              </a:spcAft>
-              <a:buFont typeface="+mj-lt"/>
-              <a:buAutoNum type="arabicParenR"/>
-            </a:pPr>
-            <a:r>
-              <a:rPr lang="de-DE" altLang="de-DE" dirty="0" err="1"/>
-              <a:t>Exercise</a:t>
-            </a:r>
-            <a:r>
-              <a:rPr lang="de-DE" altLang="de-DE" dirty="0"/>
-              <a:t> </a:t>
-            </a:r>
-            <a:r>
-              <a:rPr lang="de-DE" altLang="de-DE" dirty="0" err="1"/>
-              <a:t>with</a:t>
-            </a:r>
-            <a:r>
-              <a:rPr lang="de-DE" altLang="de-DE" dirty="0"/>
-              <a:t> R - Flood </a:t>
-            </a:r>
-            <a:r>
-              <a:rPr lang="de-DE" altLang="de-DE" dirty="0" err="1"/>
-              <a:t>frequency</a:t>
-            </a:r>
-            <a:r>
-              <a:rPr lang="de-DE" altLang="de-DE" dirty="0"/>
-              <a:t> </a:t>
-            </a:r>
-            <a:r>
-              <a:rPr lang="de-DE" altLang="de-DE" dirty="0" err="1"/>
-              <a:t>analysis</a:t>
-            </a:r>
-            <a:endParaRPr lang="de-DE" altLang="de-DE" dirty="0"/>
-          </a:p>
-          <a:p>
-            <a:pPr marL="457200" indent="-457200">
-              <a:spcAft>
-                <a:spcPts val="1000"/>
-              </a:spcAft>
-              <a:buFont typeface="+mj-lt"/>
-              <a:buAutoNum type="arabicParenR"/>
-            </a:pPr>
-            <a:r>
-              <a:rPr lang="de-DE" altLang="de-DE" dirty="0" err="1"/>
-              <a:t>Exercise</a:t>
-            </a:r>
-            <a:r>
-              <a:rPr lang="de-DE" altLang="de-DE" dirty="0"/>
-              <a:t> </a:t>
-            </a:r>
-            <a:r>
-              <a:rPr lang="de-DE" altLang="de-DE" dirty="0" err="1"/>
-              <a:t>with</a:t>
-            </a:r>
-            <a:r>
-              <a:rPr lang="de-DE" altLang="de-DE" dirty="0"/>
-              <a:t> R - Time-</a:t>
-            </a:r>
-            <a:r>
-              <a:rPr lang="de-DE" altLang="de-DE" dirty="0" err="1"/>
-              <a:t>varying</a:t>
-            </a:r>
-            <a:r>
-              <a:rPr lang="de-DE" altLang="de-DE" dirty="0"/>
-              <a:t> </a:t>
-            </a:r>
-            <a:r>
-              <a:rPr lang="de-DE" altLang="de-DE" dirty="0" err="1"/>
-              <a:t>flood</a:t>
-            </a:r>
-            <a:r>
-              <a:rPr lang="de-DE" altLang="de-DE" dirty="0"/>
-              <a:t> </a:t>
-            </a:r>
-            <a:r>
-              <a:rPr lang="de-DE" altLang="de-DE" dirty="0" err="1"/>
-              <a:t>risk</a:t>
-            </a:r>
-            <a:r>
-              <a:rPr lang="de-DE" altLang="de-DE" dirty="0"/>
-              <a:t> </a:t>
-            </a:r>
-            <a:r>
-              <a:rPr lang="de-DE" altLang="de-DE" dirty="0" err="1"/>
-              <a:t>analysis</a:t>
-            </a:r>
-            <a:endParaRPr lang="de-DE" altLang="de-DE" dirty="0"/>
-          </a:p>
-        </p:txBody>
-      </p:sp>
-      <p:sp>
-        <p:nvSpPr>
-          <p:cNvPr id="2" name="Rectangle 1">
-            <a:extLst>
-              <a:ext uri="{FF2B5EF4-FFF2-40B4-BE49-F238E27FC236}">
-                <a16:creationId xmlns:a16="http://schemas.microsoft.com/office/drawing/2014/main" id="{758E25E9-32ED-4510-B433-984B559B4054}"/>
-              </a:ext>
-            </a:extLst>
-          </p:cNvPr>
-          <p:cNvSpPr/>
-          <p:nvPr/>
-        </p:nvSpPr>
-        <p:spPr>
-          <a:xfrm>
-            <a:off x="1547664" y="3782972"/>
-            <a:ext cx="7056784" cy="584775"/>
-          </a:xfrm>
-          <a:prstGeom prst="rect">
-            <a:avLst/>
-          </a:prstGeom>
-        </p:spPr>
-        <p:txBody>
-          <a:bodyPr wrap="square">
-            <a:spAutoFit/>
-          </a:bodyPr>
-          <a:lstStyle/>
-          <a:p>
-            <a:r>
-              <a:rPr lang="en-US" sz="1600" dirty="0">
-                <a:solidFill>
-                  <a:srgbClr val="00589C"/>
-                </a:solidFill>
-              </a:rPr>
-              <a:t>Materials here: </a:t>
-            </a:r>
-          </a:p>
-          <a:p>
-            <a:r>
-              <a:rPr lang="en-US" sz="1600" dirty="0">
-                <a:solidFill>
-                  <a:srgbClr val="00589C"/>
-                </a:solidFill>
-              </a:rPr>
-              <a:t>https://github.com/XiaoxiangGuanGFZ/FloodRiskSeminar</a:t>
-            </a:r>
-          </a:p>
-        </p:txBody>
-      </p:sp>
-      <p:sp>
-        <p:nvSpPr>
-          <p:cNvPr id="3" name="Slide Number Placeholder 2">
-            <a:extLst>
-              <a:ext uri="{FF2B5EF4-FFF2-40B4-BE49-F238E27FC236}">
-                <a16:creationId xmlns:a16="http://schemas.microsoft.com/office/drawing/2014/main" id="{0D84647E-7901-4454-8634-949208E5F309}"/>
-              </a:ext>
-            </a:extLst>
-          </p:cNvPr>
-          <p:cNvSpPr>
-            <a:spLocks noGrp="1"/>
-          </p:cNvSpPr>
-          <p:nvPr>
-            <p:ph type="sldNum" sz="quarter" idx="11"/>
-          </p:nvPr>
-        </p:nvSpPr>
-        <p:spPr/>
-        <p:txBody>
-          <a:bodyPr/>
-          <a:lstStyle/>
-          <a:p>
-            <a:fld id="{48105EDC-34E1-4D80-B051-D0CBD59863B8}" type="slidenum">
-              <a:rPr lang="de-DE" altLang="de-DE" smtClean="0"/>
-              <a:pPr/>
-              <a:t>2</a:t>
-            </a:fld>
-            <a:endParaRPr lang="de-DE" altLang="de-DE">
-              <a:solidFill>
-                <a:schemeClr val="tx1"/>
-              </a:solidFill>
-            </a:endParaRPr>
-          </a:p>
-        </p:txBody>
-      </p:sp>
-    </p:spTree>
-  </p:cSld>
-  <p:clrMapOvr>
-    <a:masterClrMapping/>
-  </p:clrMapOvr>
-</p:sld>
-</file>
-
-<file path=ppt/slides/slide20.xml><?xml version="1.0" encoding="utf-8"?>
-<p:sld xmlns:a="http://schemas.openxmlformats.org/drawingml/2006/main" xmlns:r="http://schemas.openxmlformats.org/officeDocument/2006/relationships" xmlns:p="http://schemas.openxmlformats.org/presentationml/2006/main">
-  <p:cSld>
-    <p:spTree>
-      <p:nvGrpSpPr>
-        <p:cNvPr id="1" name=""/>
-        <p:cNvGrpSpPr/>
-        <p:nvPr/>
-      </p:nvGrpSpPr>
-      <p:grpSpPr>
-        <a:xfrm>
-          <a:off x="0" y="0"/>
-          <a:ext cx="0" cy="0"/>
-          <a:chOff x="0" y="0"/>
-          <a:chExt cx="0" cy="0"/>
-        </a:xfrm>
-      </p:grpSpPr>
-      <p:sp>
-        <p:nvSpPr>
-          <p:cNvPr id="4" name="Rectangle 3">
-            <a:extLst>
-              <a:ext uri="{FF2B5EF4-FFF2-40B4-BE49-F238E27FC236}">
-                <a16:creationId xmlns:a16="http://schemas.microsoft.com/office/drawing/2014/main" id="{741E6F0F-8952-48F7-B8A6-5C00D4C8363A}"/>
-              </a:ext>
-            </a:extLst>
-          </p:cNvPr>
-          <p:cNvSpPr/>
-          <p:nvPr/>
-        </p:nvSpPr>
-        <p:spPr bwMode="auto">
-          <a:xfrm>
-            <a:off x="0" y="0"/>
-            <a:ext cx="9144000" cy="627534"/>
-          </a:xfrm>
-          <a:prstGeom prst="rect">
-            <a:avLst/>
-          </a:prstGeom>
-          <a:solidFill>
-            <a:srgbClr val="00589C"/>
-          </a:solidFill>
-          <a:ln w="9525" cap="flat" cmpd="sng" algn="ctr">
-            <a:solidFill>
-              <a:srgbClr val="00589C"/>
-            </a:solidFill>
-            <a:prstDash val="solid"/>
-            <a:round/>
-            <a:headEnd type="none" w="med" len="med"/>
-            <a:tailEnd type="none" w="med" len="med"/>
-          </a:ln>
-          <a:effectLst/>
-          <a:extLst>
-            <a:ext uri="{AF507438-7753-43e0-B8FC-AC1667EBCBE1}">
-              <a14:hiddenEffects xmlns:a14="http://schemas.microsoft.com/office/drawing/2010/main" xmlns="">
-                <a:effectLst>
-                  <a:outerShdw dist="35921" dir="2700000" algn="ctr" rotWithShape="0">
-                    <a:schemeClr val="bg2"/>
-                  </a:outerShdw>
-                </a:effectLst>
-              </a14:hiddenEffects>
-            </a:ext>
-          </a:extLst>
-        </p:spPr>
-        <p:txBody>
-          <a:bodyPr vert="horz" wrap="square" lIns="91440" tIns="45720" rIns="91440" bIns="45720" numCol="1" rtlCol="0" anchor="ctr" anchorCtr="0" compatLnSpc="1">
-            <a:prstTxWarp prst="textNoShape">
-              <a:avLst/>
-            </a:prstTxWarp>
-          </a:bodyPr>
-          <a:lstStyle/>
-          <a:p>
-            <a:pPr eaLnBrk="0" hangingPunct="0"/>
-            <a:r>
-              <a:rPr kumimoji="0" lang="en-US" sz="2000" b="1" i="0" u="none" strike="noStrike" cap="none" normalizeH="0" baseline="0" dirty="0">
-                <a:ln>
-                  <a:noFill/>
-                </a:ln>
-                <a:solidFill>
-                  <a:schemeClr val="bg1"/>
-                </a:solidFill>
-                <a:effectLst/>
-                <a:latin typeface="+mj-lt"/>
-                <a:ea typeface="ＭＳ Ｐゴシック" pitchFamily="96" charset="-128"/>
-              </a:rPr>
-              <a:t>Topic 2</a:t>
-            </a:r>
-            <a:r>
-              <a:rPr lang="en-US" sz="2000" b="1" dirty="0">
-                <a:solidFill>
-                  <a:schemeClr val="bg1"/>
-                </a:solidFill>
-                <a:latin typeface="+mj-lt"/>
-                <a:ea typeface="ＭＳ Ｐゴシック" pitchFamily="96" charset="-128"/>
-              </a:rPr>
-              <a:t>. Exercise with R - Flood frequency analysis</a:t>
-            </a:r>
-            <a:endParaRPr kumimoji="0" lang="en-US" sz="2000" b="1" i="0" u="none" strike="noStrike" cap="none" normalizeH="0" baseline="0" dirty="0">
-              <a:ln>
-                <a:noFill/>
-              </a:ln>
-              <a:solidFill>
-                <a:schemeClr val="bg1"/>
-              </a:solidFill>
-              <a:effectLst/>
-              <a:latin typeface="+mj-lt"/>
-              <a:ea typeface="ＭＳ Ｐゴシック" pitchFamily="96" charset="-128"/>
-            </a:endParaRPr>
-          </a:p>
-        </p:txBody>
-      </p:sp>
-      <p:sp>
-        <p:nvSpPr>
-          <p:cNvPr id="2" name="Slide Number Placeholder 1">
-            <a:extLst>
-              <a:ext uri="{FF2B5EF4-FFF2-40B4-BE49-F238E27FC236}">
-                <a16:creationId xmlns:a16="http://schemas.microsoft.com/office/drawing/2014/main" id="{2070EC6C-AAF5-4D83-AEC1-C7F2433683BB}"/>
-              </a:ext>
-            </a:extLst>
-          </p:cNvPr>
-          <p:cNvSpPr>
-            <a:spLocks noGrp="1"/>
-          </p:cNvSpPr>
-          <p:nvPr>
-            <p:ph type="sldNum" sz="quarter" idx="11"/>
-          </p:nvPr>
-        </p:nvSpPr>
-        <p:spPr/>
-        <p:txBody>
-          <a:bodyPr/>
-          <a:lstStyle/>
-          <a:p>
-            <a:fld id="{48105EDC-34E1-4D80-B051-D0CBD59863B8}" type="slidenum">
-              <a:rPr lang="de-DE" altLang="de-DE" smtClean="0"/>
-              <a:pPr/>
-              <a:t>20</a:t>
-            </a:fld>
-            <a:endParaRPr lang="de-DE" altLang="de-DE">
-              <a:solidFill>
-                <a:schemeClr val="tx1"/>
-              </a:solidFill>
-            </a:endParaRPr>
-          </a:p>
-        </p:txBody>
-      </p:sp>
-      <p:sp>
-        <p:nvSpPr>
-          <p:cNvPr id="5" name="Rectangle 4">
-            <a:extLst>
-              <a:ext uri="{FF2B5EF4-FFF2-40B4-BE49-F238E27FC236}">
-                <a16:creationId xmlns:a16="http://schemas.microsoft.com/office/drawing/2014/main" id="{FFD55E64-A004-4FD3-9310-E6F296A645FD}"/>
-              </a:ext>
-            </a:extLst>
-          </p:cNvPr>
-          <p:cNvSpPr/>
-          <p:nvPr/>
-        </p:nvSpPr>
-        <p:spPr>
-          <a:xfrm>
-            <a:off x="1331640" y="1563638"/>
-            <a:ext cx="6961778" cy="1446550"/>
-          </a:xfrm>
-          <a:prstGeom prst="rect">
-            <a:avLst/>
-          </a:prstGeom>
-        </p:spPr>
-        <p:txBody>
-          <a:bodyPr wrap="square">
-            <a:spAutoFit/>
-          </a:bodyPr>
-          <a:lstStyle/>
-          <a:p>
-            <a:r>
-              <a:rPr lang="en-US" sz="2000" dirty="0">
-                <a:latin typeface="+mn-lt"/>
-              </a:rPr>
-              <a:t>Exercises: </a:t>
-            </a:r>
-          </a:p>
-          <a:p>
-            <a:pPr marL="342900" indent="-342900">
-              <a:spcAft>
-                <a:spcPts val="800"/>
-              </a:spcAft>
-              <a:buFont typeface="+mj-lt"/>
-              <a:buAutoNum type="arabicParenR"/>
-            </a:pPr>
-            <a:r>
-              <a:rPr lang="en-US" sz="1200" dirty="0">
-                <a:latin typeface="+mn-lt"/>
-              </a:rPr>
-              <a:t>get data into R: ./data/</a:t>
-            </a:r>
-            <a:r>
-              <a:rPr lang="en-US" sz="1200" b="1" dirty="0">
-                <a:solidFill>
-                  <a:srgbClr val="004D95"/>
-                </a:solidFill>
-                <a:latin typeface="+mn-lt"/>
-              </a:rPr>
-              <a:t>Example_data.csv</a:t>
-            </a:r>
-            <a:r>
-              <a:rPr lang="en-US" sz="1200" dirty="0">
-                <a:latin typeface="+mn-lt"/>
-              </a:rPr>
-              <a:t>, use </a:t>
-            </a:r>
-            <a:r>
-              <a:rPr lang="en-US" sz="1200" dirty="0" err="1">
-                <a:latin typeface="+mn-lt"/>
-              </a:rPr>
-              <a:t>read.table</a:t>
-            </a:r>
-            <a:r>
-              <a:rPr lang="en-US" sz="1200" dirty="0">
-                <a:latin typeface="+mn-lt"/>
-              </a:rPr>
-              <a:t>() function</a:t>
-            </a:r>
-          </a:p>
-          <a:p>
-            <a:pPr marL="342900" indent="-342900">
-              <a:spcAft>
-                <a:spcPts val="800"/>
-              </a:spcAft>
-              <a:buFont typeface="+mj-lt"/>
-              <a:buAutoNum type="arabicParenR"/>
-            </a:pPr>
-            <a:r>
-              <a:rPr lang="en-US" sz="1200" dirty="0">
-                <a:latin typeface="+mn-lt"/>
-              </a:rPr>
-              <a:t>Derive the annual maximum discharge series </a:t>
-            </a:r>
-          </a:p>
-          <a:p>
-            <a:pPr marL="342900" indent="-342900">
-              <a:spcAft>
-                <a:spcPts val="800"/>
-              </a:spcAft>
-              <a:buFont typeface="+mj-lt"/>
-              <a:buAutoNum type="arabicParenR"/>
-            </a:pPr>
-            <a:r>
-              <a:rPr lang="en-US" sz="1200" dirty="0">
-                <a:latin typeface="+mn-lt"/>
-              </a:rPr>
-              <a:t>Estimate the GEV parameters for annual maximum discharge</a:t>
-            </a:r>
-          </a:p>
-          <a:p>
-            <a:pPr marL="342900" indent="-342900">
-              <a:spcAft>
-                <a:spcPts val="800"/>
-              </a:spcAft>
-              <a:buFont typeface="+mj-lt"/>
-              <a:buAutoNum type="arabicParenR"/>
-            </a:pPr>
-            <a:r>
-              <a:rPr lang="en-US" sz="1200" dirty="0">
-                <a:latin typeface="+mn-lt"/>
-              </a:rPr>
-              <a:t>Generate 100 random numbers based on the estimated GEV parameters</a:t>
-            </a:r>
-          </a:p>
-        </p:txBody>
-      </p:sp>
-    </p:spTree>
-    <p:extLst>
-      <p:ext uri="{BB962C8B-B14F-4D97-AF65-F5344CB8AC3E}">
-        <p14:creationId xmlns:p14="http://schemas.microsoft.com/office/powerpoint/2010/main" val="3491938248"/>
-      </p:ext>
-    </p:extLst>
-  </p:cSld>
-  <p:clrMapOvr>
-    <a:masterClrMapping/>
-  </p:clrMapOvr>
-</p:sld>
-</file>
-
 <file path=ppt/slides/slide21.xml><?xml version="1.0" encoding="utf-8"?>
 <p:sld xmlns:a="http://schemas.openxmlformats.org/drawingml/2006/main" xmlns:r="http://schemas.openxmlformats.org/officeDocument/2006/relationships" xmlns:p="http://schemas.openxmlformats.org/presentationml/2006/main">
   <p:cSld>
@@ -17117,7 +17549,7 @@
           <a:effectLst/>
           <a:extLst>
             <a:ext uri="{AF507438-7753-43e0-B8FC-AC1667EBCBE1}">
-              <a14:hiddenEffects xmlns:a14="http://schemas.microsoft.com/office/drawing/2010/main" xmlns="">
+              <a14:hiddenEffects xmlns="" xmlns:a14="http://schemas.microsoft.com/office/drawing/2010/main">
                 <a:effectLst>
                   <a:outerShdw dist="35921" dir="2700000" algn="ctr" rotWithShape="0">
                     <a:schemeClr val="bg2"/>
@@ -17210,119 +17642,131 @@
       </p:sp>
       <p:sp>
         <p:nvSpPr>
-          <p:cNvPr id="3" name="TextBox 2">
+          <p:cNvPr id="5" name="Rectangle 4">
             <a:extLst>
               <a:ext uri="{FF2B5EF4-FFF2-40B4-BE49-F238E27FC236}">
-                <a16:creationId xmlns:a16="http://schemas.microsoft.com/office/drawing/2014/main" id="{DF3F5431-4F69-422F-9376-A6F02AA272A7}"/>
+                <a16:creationId xmlns:a16="http://schemas.microsoft.com/office/drawing/2014/main" id="{FFD55E64-A004-4FD3-9310-E6F296A645FD}"/>
               </a:ext>
             </a:extLst>
           </p:cNvPr>
-          <p:cNvSpPr txBox="1"/>
+          <p:cNvSpPr/>
           <p:nvPr/>
         </p:nvSpPr>
         <p:spPr>
           <a:xfrm>
-            <a:off x="395536" y="915566"/>
-            <a:ext cx="2295821" cy="1292662"/>
-          </a:xfrm>
-          <a:prstGeom prst="rect">
-            <a:avLst/>
-          </a:prstGeom>
-          <a:noFill/>
-        </p:spPr>
-        <p:txBody>
-          <a:bodyPr wrap="none" rtlCol="0">
-            <a:spAutoFit/>
-          </a:bodyPr>
-          <a:lstStyle/>
-          <a:p>
-            <a:r>
-              <a:rPr lang="en-US" sz="2000" dirty="0">
-                <a:solidFill>
-                  <a:srgbClr val="004D95"/>
-                </a:solidFill>
-              </a:rPr>
-              <a:t>Flood risk analysis</a:t>
-            </a:r>
-          </a:p>
-          <a:p>
-            <a:r>
-              <a:rPr lang="en-US" sz="1600" dirty="0"/>
-              <a:t>Components:</a:t>
-            </a:r>
-          </a:p>
-          <a:p>
-            <a:pPr marL="342900" indent="-342900">
-              <a:buFontTx/>
-              <a:buChar char="-"/>
-            </a:pPr>
-            <a:r>
-              <a:rPr lang="en-US" sz="1400" dirty="0"/>
-              <a:t>Hazard</a:t>
-            </a:r>
-          </a:p>
-          <a:p>
-            <a:pPr marL="342900" indent="-342900">
-              <a:buFontTx/>
-              <a:buChar char="-"/>
-            </a:pPr>
-            <a:r>
-              <a:rPr lang="en-US" sz="1400" dirty="0"/>
-              <a:t>Exposure</a:t>
-            </a:r>
-          </a:p>
-          <a:p>
-            <a:pPr marL="342900" indent="-342900">
-              <a:buFontTx/>
-              <a:buChar char="-"/>
-            </a:pPr>
-            <a:r>
-              <a:rPr lang="en-US" sz="1400" dirty="0"/>
-              <a:t>Vulnerability</a:t>
-            </a:r>
-          </a:p>
-        </p:txBody>
-      </p:sp>
-      <p:pic>
-        <p:nvPicPr>
-          <p:cNvPr id="7" name="Picture 6">
-            <a:extLst>
-              <a:ext uri="{FF2B5EF4-FFF2-40B4-BE49-F238E27FC236}">
-                <a16:creationId xmlns:a16="http://schemas.microsoft.com/office/drawing/2014/main" id="{67C18AC2-EE3C-48D7-996C-41F68DA1878F}"/>
-              </a:ext>
-            </a:extLst>
-          </p:cNvPr>
-          <p:cNvPicPr>
-            <a:picLocks noChangeAspect="1"/>
-          </p:cNvPicPr>
-          <p:nvPr/>
-        </p:nvPicPr>
-        <p:blipFill>
-          <a:blip r:embed="rId3">
-            <a:extLst>
-              <a:ext uri="{28A0092B-C50C-407E-A947-70E740481C1C}">
-                <a14:useLocalDpi xmlns:a14="http://schemas.microsoft.com/office/drawing/2010/main" val="0"/>
-              </a:ext>
-            </a:extLst>
-          </a:blip>
-          <a:stretch>
-            <a:fillRect/>
-          </a:stretch>
-        </p:blipFill>
-        <p:spPr>
-          <a:xfrm>
-            <a:off x="2915815" y="1203598"/>
-            <a:ext cx="5884792" cy="3240360"/>
+            <a:off x="1331640" y="1563638"/>
+            <a:ext cx="6961778" cy="1446550"/>
           </a:xfrm>
           <a:prstGeom prst="rect">
             <a:avLst/>
           </a:prstGeom>
         </p:spPr>
-      </p:pic>
+        <p:txBody>
+          <a:bodyPr wrap="square">
+            <a:spAutoFit/>
+          </a:bodyPr>
+          <a:lstStyle/>
+          <a:p>
+            <a:r>
+              <a:rPr lang="en-US" sz="2000" dirty="0">
+                <a:latin typeface="+mn-lt"/>
+              </a:rPr>
+              <a:t>Exercises: </a:t>
+            </a:r>
+          </a:p>
+          <a:p>
+            <a:pPr marL="342900" indent="-342900">
+              <a:spcAft>
+                <a:spcPts val="800"/>
+              </a:spcAft>
+              <a:buFont typeface="+mj-lt"/>
+              <a:buAutoNum type="arabicParenR"/>
+            </a:pPr>
+            <a:r>
+              <a:rPr lang="en-US" sz="1200" dirty="0">
+                <a:latin typeface="+mn-lt"/>
+              </a:rPr>
+              <a:t>get data into R: ./data/</a:t>
+            </a:r>
+            <a:r>
+              <a:rPr lang="en-US" sz="1200" b="1" dirty="0">
+                <a:solidFill>
+                  <a:srgbClr val="004D95"/>
+                </a:solidFill>
+                <a:latin typeface="+mn-lt"/>
+              </a:rPr>
+              <a:t>Example_data.csv</a:t>
+            </a:r>
+            <a:r>
+              <a:rPr lang="en-US" sz="1200" dirty="0">
+                <a:latin typeface="+mn-lt"/>
+              </a:rPr>
+              <a:t>, use </a:t>
+            </a:r>
+            <a:r>
+              <a:rPr lang="en-US" sz="1200" dirty="0" err="1">
+                <a:latin typeface="+mn-lt"/>
+              </a:rPr>
+              <a:t>read.table</a:t>
+            </a:r>
+            <a:r>
+              <a:rPr lang="en-US" sz="1200" dirty="0">
+                <a:latin typeface="+mn-lt"/>
+              </a:rPr>
+              <a:t>() function</a:t>
+            </a:r>
+          </a:p>
+          <a:p>
+            <a:pPr marL="342900" indent="-342900">
+              <a:spcAft>
+                <a:spcPts val="800"/>
+              </a:spcAft>
+              <a:buFont typeface="+mj-lt"/>
+              <a:buAutoNum type="arabicParenR"/>
+            </a:pPr>
+            <a:r>
+              <a:rPr lang="en-US" sz="1200" dirty="0">
+                <a:latin typeface="+mn-lt"/>
+              </a:rPr>
+              <a:t>Derive the annual maximum discharge series </a:t>
+            </a:r>
+          </a:p>
+          <a:p>
+            <a:pPr marL="342900" indent="-342900">
+              <a:spcAft>
+                <a:spcPts val="800"/>
+              </a:spcAft>
+              <a:buFont typeface="+mj-lt"/>
+              <a:buAutoNum type="arabicParenR"/>
+            </a:pPr>
+            <a:r>
+              <a:rPr lang="en-US" sz="1200" dirty="0">
+                <a:latin typeface="+mn-lt"/>
+              </a:rPr>
+              <a:t>Estimate the GEV parameters for annual maximum discharge</a:t>
+            </a:r>
+          </a:p>
+          <a:p>
+            <a:pPr marL="342900" indent="-342900">
+              <a:spcAft>
+                <a:spcPts val="800"/>
+              </a:spcAft>
+              <a:buFont typeface="+mj-lt"/>
+              <a:buAutoNum type="arabicParenR"/>
+            </a:pPr>
+            <a:r>
+              <a:rPr lang="en-US" sz="1200" dirty="0">
+                <a:latin typeface="+mn-lt"/>
+              </a:rPr>
+              <a:t>Generate 100 random numbers based on the estimated GEV parameters</a:t>
+            </a:r>
+          </a:p>
+        </p:txBody>
+      </p:sp>
     </p:spTree>
     <p:extLst>
       <p:ext uri="{BB962C8B-B14F-4D97-AF65-F5344CB8AC3E}">
-        <p14:creationId xmlns:p14="http://schemas.microsoft.com/office/powerpoint/2010/main" val="3050160320"/>
+        <p14:creationId xmlns:p14="http://schemas.microsoft.com/office/powerpoint/2010/main" val="3491938248"/>
       </p:ext>
     </p:extLst>
   </p:cSld>
@@ -17384,7 +17828,7 @@
           <a:effectLst/>
           <a:extLst>
             <a:ext uri="{AF507438-7753-43e0-B8FC-AC1667EBCBE1}">
-              <a14:hiddenEffects xmlns:a14="http://schemas.microsoft.com/office/drawing/2010/main" xmlns="">
+              <a14:hiddenEffects xmlns="" xmlns:a14="http://schemas.microsoft.com/office/drawing/2010/main">
                 <a:effectLst>
                   <a:outerShdw dist="35921" dir="2700000" algn="ctr" rotWithShape="0">
                     <a:schemeClr val="bg2"/>
@@ -17466,6 +17910,273 @@
               <a:rPr lang="de-DE" altLang="de-DE" smtClean="0"/>
               <a:pPr/>
               <a:t>22</a:t>
+            </a:fld>
+            <a:endParaRPr lang="de-DE" altLang="de-DE">
+              <a:solidFill>
+                <a:schemeClr val="tx1"/>
+              </a:solidFill>
+            </a:endParaRPr>
+          </a:p>
+        </p:txBody>
+      </p:sp>
+      <p:sp>
+        <p:nvSpPr>
+          <p:cNvPr id="3" name="TextBox 2">
+            <a:extLst>
+              <a:ext uri="{FF2B5EF4-FFF2-40B4-BE49-F238E27FC236}">
+                <a16:creationId xmlns:a16="http://schemas.microsoft.com/office/drawing/2014/main" id="{DF3F5431-4F69-422F-9376-A6F02AA272A7}"/>
+              </a:ext>
+            </a:extLst>
+          </p:cNvPr>
+          <p:cNvSpPr txBox="1"/>
+          <p:nvPr/>
+        </p:nvSpPr>
+        <p:spPr>
+          <a:xfrm>
+            <a:off x="395536" y="915566"/>
+            <a:ext cx="2295821" cy="1292662"/>
+          </a:xfrm>
+          <a:prstGeom prst="rect">
+            <a:avLst/>
+          </a:prstGeom>
+          <a:noFill/>
+        </p:spPr>
+        <p:txBody>
+          <a:bodyPr wrap="none" rtlCol="0">
+            <a:spAutoFit/>
+          </a:bodyPr>
+          <a:lstStyle/>
+          <a:p>
+            <a:r>
+              <a:rPr lang="en-US" sz="2000" dirty="0">
+                <a:solidFill>
+                  <a:srgbClr val="004D95"/>
+                </a:solidFill>
+              </a:rPr>
+              <a:t>Flood risk analysis</a:t>
+            </a:r>
+          </a:p>
+          <a:p>
+            <a:r>
+              <a:rPr lang="en-US" sz="1600" dirty="0"/>
+              <a:t>Components:</a:t>
+            </a:r>
+          </a:p>
+          <a:p>
+            <a:pPr marL="342900" indent="-342900">
+              <a:buFontTx/>
+              <a:buChar char="-"/>
+            </a:pPr>
+            <a:r>
+              <a:rPr lang="en-US" sz="1400" dirty="0"/>
+              <a:t>Hazard</a:t>
+            </a:r>
+          </a:p>
+          <a:p>
+            <a:pPr marL="342900" indent="-342900">
+              <a:buFontTx/>
+              <a:buChar char="-"/>
+            </a:pPr>
+            <a:r>
+              <a:rPr lang="en-US" sz="1400" dirty="0"/>
+              <a:t>Exposure</a:t>
+            </a:r>
+          </a:p>
+          <a:p>
+            <a:pPr marL="342900" indent="-342900">
+              <a:buFontTx/>
+              <a:buChar char="-"/>
+            </a:pPr>
+            <a:r>
+              <a:rPr lang="en-US" sz="1400" dirty="0"/>
+              <a:t>Vulnerability</a:t>
+            </a:r>
+          </a:p>
+        </p:txBody>
+      </p:sp>
+      <p:pic>
+        <p:nvPicPr>
+          <p:cNvPr id="7" name="Picture 6">
+            <a:extLst>
+              <a:ext uri="{FF2B5EF4-FFF2-40B4-BE49-F238E27FC236}">
+                <a16:creationId xmlns:a16="http://schemas.microsoft.com/office/drawing/2014/main" id="{67C18AC2-EE3C-48D7-996C-41F68DA1878F}"/>
+              </a:ext>
+            </a:extLst>
+          </p:cNvPr>
+          <p:cNvPicPr>
+            <a:picLocks noChangeAspect="1"/>
+          </p:cNvPicPr>
+          <p:nvPr/>
+        </p:nvPicPr>
+        <p:blipFill>
+          <a:blip r:embed="rId3">
+            <a:extLst>
+              <a:ext uri="{28A0092B-C50C-407E-A947-70E740481C1C}">
+                <a14:useLocalDpi xmlns:a14="http://schemas.microsoft.com/office/drawing/2010/main" val="0"/>
+              </a:ext>
+            </a:extLst>
+          </a:blip>
+          <a:stretch>
+            <a:fillRect/>
+          </a:stretch>
+        </p:blipFill>
+        <p:spPr>
+          <a:xfrm>
+            <a:off x="2915815" y="1203598"/>
+            <a:ext cx="5884792" cy="3240360"/>
+          </a:xfrm>
+          <a:prstGeom prst="rect">
+            <a:avLst/>
+          </a:prstGeom>
+        </p:spPr>
+      </p:pic>
+    </p:spTree>
+    <p:extLst>
+      <p:ext uri="{BB962C8B-B14F-4D97-AF65-F5344CB8AC3E}">
+        <p14:creationId xmlns:p14="http://schemas.microsoft.com/office/powerpoint/2010/main" val="3050160320"/>
+      </p:ext>
+    </p:extLst>
+  </p:cSld>
+  <p:clrMapOvr>
+    <a:masterClrMapping/>
+  </p:clrMapOvr>
+</p:sld>
+</file>
+
+<file path=ppt/slides/slide23.xml><?xml version="1.0" encoding="utf-8"?>
+<p:sld xmlns:a="http://schemas.openxmlformats.org/drawingml/2006/main" xmlns:r="http://schemas.openxmlformats.org/officeDocument/2006/relationships" xmlns:p="http://schemas.openxmlformats.org/presentationml/2006/main">
+  <p:cSld>
+    <p:spTree>
+      <p:nvGrpSpPr>
+        <p:cNvPr id="1" name=""/>
+        <p:cNvGrpSpPr/>
+        <p:nvPr/>
+      </p:nvGrpSpPr>
+      <p:grpSpPr>
+        <a:xfrm>
+          <a:off x="0" y="0"/>
+          <a:ext cx="0" cy="0"/>
+          <a:chOff x="0" y="0"/>
+          <a:chExt cx="0" cy="0"/>
+        </a:xfrm>
+      </p:grpSpPr>
+      <p:sp>
+        <p:nvSpPr>
+          <p:cNvPr id="4" name="Rectangle 3">
+            <a:extLst>
+              <a:ext uri="{FF2B5EF4-FFF2-40B4-BE49-F238E27FC236}">
+                <a16:creationId xmlns:a16="http://schemas.microsoft.com/office/drawing/2014/main" id="{741E6F0F-8952-48F7-B8A6-5C00D4C8363A}"/>
+              </a:ext>
+            </a:extLst>
+          </p:cNvPr>
+          <p:cNvSpPr/>
+          <p:nvPr/>
+        </p:nvSpPr>
+        <p:spPr bwMode="auto">
+          <a:xfrm>
+            <a:off x="0" y="0"/>
+            <a:ext cx="9144000" cy="627534"/>
+          </a:xfrm>
+          <a:prstGeom prst="rect">
+            <a:avLst/>
+          </a:prstGeom>
+          <a:solidFill>
+            <a:srgbClr val="00589C"/>
+          </a:solidFill>
+          <a:ln w="9525" cap="flat" cmpd="sng" algn="ctr">
+            <a:solidFill>
+              <a:srgbClr val="00589C"/>
+            </a:solidFill>
+            <a:prstDash val="solid"/>
+            <a:round/>
+            <a:headEnd type="none" w="med" len="med"/>
+            <a:tailEnd type="none" w="med" len="med"/>
+          </a:ln>
+          <a:effectLst/>
+          <a:extLst>
+            <a:ext uri="{AF507438-7753-43e0-B8FC-AC1667EBCBE1}">
+              <a14:hiddenEffects xmlns="" xmlns:a14="http://schemas.microsoft.com/office/drawing/2010/main">
+                <a:effectLst>
+                  <a:outerShdw dist="35921" dir="2700000" algn="ctr" rotWithShape="0">
+                    <a:schemeClr val="bg2"/>
+                  </a:outerShdw>
+                </a:effectLst>
+              </a14:hiddenEffects>
+            </a:ext>
+          </a:extLst>
+        </p:spPr>
+        <p:txBody>
+          <a:bodyPr vert="horz" wrap="square" lIns="91440" tIns="45720" rIns="91440" bIns="45720" numCol="1" rtlCol="0" anchor="ctr" anchorCtr="0" compatLnSpc="1">
+            <a:prstTxWarp prst="textNoShape">
+              <a:avLst/>
+            </a:prstTxWarp>
+          </a:bodyPr>
+          <a:lstStyle/>
+          <a:p>
+            <a:pPr eaLnBrk="0" hangingPunct="0"/>
+            <a:r>
+              <a:rPr kumimoji="0" lang="en-US" sz="2000" b="1" i="0" u="none" strike="noStrike" cap="none" normalizeH="0" baseline="0" dirty="0">
+                <a:ln>
+                  <a:noFill/>
+                </a:ln>
+                <a:solidFill>
+                  <a:schemeClr val="bg1"/>
+                </a:solidFill>
+                <a:effectLst/>
+                <a:latin typeface="+mj-lt"/>
+                <a:ea typeface="ＭＳ Ｐゴシック" pitchFamily="96" charset="-128"/>
+              </a:rPr>
+              <a:t>Topic 2</a:t>
+            </a:r>
+            <a:r>
+              <a:rPr lang="en-US" sz="2000" b="1" dirty="0">
+                <a:solidFill>
+                  <a:schemeClr val="bg1"/>
+                </a:solidFill>
+                <a:latin typeface="+mj-lt"/>
+                <a:ea typeface="ＭＳ Ｐゴシック" pitchFamily="96" charset="-128"/>
+              </a:rPr>
+              <a:t>. Exercise with R - Flood frequency analysis</a:t>
+            </a:r>
+            <a:endParaRPr kumimoji="0" lang="en-US" sz="2000" b="1" i="0" u="none" strike="noStrike" cap="none" normalizeH="0" baseline="0" dirty="0">
+              <a:ln>
+                <a:noFill/>
+              </a:ln>
+              <a:solidFill>
+                <a:schemeClr val="bg1"/>
+              </a:solidFill>
+              <a:effectLst/>
+              <a:latin typeface="+mj-lt"/>
+              <a:ea typeface="ＭＳ Ｐゴシック" pitchFamily="96" charset="-128"/>
+            </a:endParaRPr>
+          </a:p>
+        </p:txBody>
+      </p:sp>
+      <p:sp>
+        <p:nvSpPr>
+          <p:cNvPr id="2" name="Slide Number Placeholder 1">
+            <a:extLst>
+              <a:ext uri="{FF2B5EF4-FFF2-40B4-BE49-F238E27FC236}">
+                <a16:creationId xmlns:a16="http://schemas.microsoft.com/office/drawing/2014/main" id="{2070EC6C-AAF5-4D83-AEC1-C7F2433683BB}"/>
+              </a:ext>
+            </a:extLst>
+          </p:cNvPr>
+          <p:cNvSpPr>
+            <a:spLocks noGrp="1"/>
+          </p:cNvSpPr>
+          <p:nvPr>
+            <p:ph type="sldNum" sz="quarter" idx="11"/>
+          </p:nvPr>
+        </p:nvSpPr>
+        <p:spPr/>
+        <p:txBody>
+          <a:bodyPr/>
+          <a:lstStyle/>
+          <a:p>
+            <a:fld id="{48105EDC-34E1-4D80-B051-D0CBD59863B8}" type="slidenum">
+              <a:rPr lang="de-DE" altLang="de-DE" smtClean="0"/>
+              <a:pPr/>
+              <a:t>23</a:t>
             </a:fld>
             <a:endParaRPr lang="de-DE" altLang="de-DE">
               <a:solidFill>
@@ -18776,7 +19487,7 @@
 </p:sld>
 </file>
 
-<file path=ppt/slides/slide23.xml><?xml version="1.0" encoding="utf-8"?>
+<file path=ppt/slides/slide24.xml><?xml version="1.0" encoding="utf-8"?>
 <p:sld xmlns:a="http://schemas.openxmlformats.org/drawingml/2006/main" xmlns:r="http://schemas.openxmlformats.org/officeDocument/2006/relationships" xmlns:p="http://schemas.openxmlformats.org/presentationml/2006/main">
   <p:cSld>
     <p:spTree>
@@ -18828,7 +19539,7 @@
           <a:effectLst/>
           <a:extLst>
             <a:ext uri="{AF507438-7753-43e0-B8FC-AC1667EBCBE1}">
-              <a14:hiddenEffects xmlns:a14="http://schemas.microsoft.com/office/drawing/2010/main" xmlns="">
+              <a14:hiddenEffects xmlns="" xmlns:a14="http://schemas.microsoft.com/office/drawing/2010/main">
                 <a:effectLst>
                   <a:outerShdw dist="35921" dir="2700000" algn="ctr" rotWithShape="0">
                     <a:schemeClr val="bg2"/>
@@ -18909,7 +19620,7 @@
             <a:fld id="{48105EDC-34E1-4D80-B051-D0CBD59863B8}" type="slidenum">
               <a:rPr lang="de-DE" altLang="de-DE" smtClean="0"/>
               <a:pPr/>
-              <a:t>23</a:t>
+              <a:t>24</a:t>
             </a:fld>
             <a:endParaRPr lang="de-DE" altLang="de-DE">
               <a:solidFill>
@@ -18933,861 +19644,6 @@
 </file>
 
 <file path=ppt/slides/slide3.xml><?xml version="1.0" encoding="utf-8"?>
-<p:sld xmlns:a="http://schemas.openxmlformats.org/drawingml/2006/main" xmlns:r="http://schemas.openxmlformats.org/officeDocument/2006/relationships" xmlns:p="http://schemas.openxmlformats.org/presentationml/2006/main">
-  <p:cSld>
-    <p:spTree>
-      <p:nvGrpSpPr>
-        <p:cNvPr id="1" name=""/>
-        <p:cNvGrpSpPr/>
-        <p:nvPr/>
-      </p:nvGrpSpPr>
-      <p:grpSpPr>
-        <a:xfrm>
-          <a:off x="0" y="0"/>
-          <a:ext cx="0" cy="0"/>
-          <a:chOff x="0" y="0"/>
-          <a:chExt cx="0" cy="0"/>
-        </a:xfrm>
-      </p:grpSpPr>
-      <p:sp>
-        <p:nvSpPr>
-          <p:cNvPr id="4" name="Rectangle 3">
-            <a:extLst>
-              <a:ext uri="{FF2B5EF4-FFF2-40B4-BE49-F238E27FC236}">
-                <a16:creationId xmlns:a16="http://schemas.microsoft.com/office/drawing/2014/main" id="{A1C3C5F6-8A40-4A11-882B-01105A36B5CC}"/>
-              </a:ext>
-            </a:extLst>
-          </p:cNvPr>
-          <p:cNvSpPr/>
-          <p:nvPr/>
-        </p:nvSpPr>
-        <p:spPr>
-          <a:xfrm>
-            <a:off x="827584" y="1707654"/>
-            <a:ext cx="5832648" cy="2092881"/>
-          </a:xfrm>
-          <a:prstGeom prst="rect">
-            <a:avLst/>
-          </a:prstGeom>
-        </p:spPr>
-        <p:txBody>
-          <a:bodyPr wrap="square">
-            <a:spAutoFit/>
-          </a:bodyPr>
-          <a:lstStyle/>
-          <a:p>
-            <a:pPr marL="228600" indent="-228600">
-              <a:spcAft>
-                <a:spcPts val="1000"/>
-              </a:spcAft>
-              <a:buFont typeface="+mj-lt"/>
-              <a:buAutoNum type="arabicParenR"/>
-            </a:pPr>
-            <a:r>
-              <a:rPr lang="en-US" sz="1000" b="1" dirty="0">
-                <a:solidFill>
-                  <a:srgbClr val="000000"/>
-                </a:solidFill>
-                <a:latin typeface="+mn-lt"/>
-              </a:rPr>
-              <a:t>Accessing</a:t>
-            </a:r>
-            <a:r>
-              <a:rPr lang="en-US" sz="1000" dirty="0">
-                <a:solidFill>
-                  <a:srgbClr val="000000"/>
-                </a:solidFill>
-                <a:latin typeface="+mn-lt"/>
-              </a:rPr>
-              <a:t> the data (getting the data into the application from multiple sources)</a:t>
-            </a:r>
-          </a:p>
-          <a:p>
-            <a:pPr marL="228600" indent="-228600">
-              <a:spcAft>
-                <a:spcPts val="1000"/>
-              </a:spcAft>
-              <a:buFont typeface="+mj-lt"/>
-              <a:buAutoNum type="arabicParenR"/>
-            </a:pPr>
-            <a:r>
-              <a:rPr lang="en-US" sz="1000" b="1" dirty="0">
-                <a:solidFill>
-                  <a:srgbClr val="000000"/>
-                </a:solidFill>
-                <a:latin typeface="+mn-lt"/>
-              </a:rPr>
-              <a:t>Cleaning</a:t>
-            </a:r>
-            <a:r>
-              <a:rPr lang="en-US" sz="1000" dirty="0">
-                <a:solidFill>
-                  <a:srgbClr val="000000"/>
-                </a:solidFill>
-                <a:latin typeface="+mn-lt"/>
-              </a:rPr>
-              <a:t> the data (coding missing data, fixing or deleting miscoded data, transforming variables into more useful formats)</a:t>
-            </a:r>
-          </a:p>
-          <a:p>
-            <a:pPr marL="228600" indent="-228600">
-              <a:spcAft>
-                <a:spcPts val="1000"/>
-              </a:spcAft>
-              <a:buFont typeface="+mj-lt"/>
-              <a:buAutoNum type="arabicParenR"/>
-            </a:pPr>
-            <a:r>
-              <a:rPr lang="en-US" sz="1000" b="1" dirty="0">
-                <a:solidFill>
-                  <a:srgbClr val="000000"/>
-                </a:solidFill>
-                <a:latin typeface="+mn-lt"/>
-              </a:rPr>
-              <a:t>Annotating</a:t>
-            </a:r>
-            <a:r>
-              <a:rPr lang="en-US" sz="1000" dirty="0">
-                <a:solidFill>
-                  <a:srgbClr val="000000"/>
-                </a:solidFill>
-                <a:latin typeface="+mn-lt"/>
-              </a:rPr>
-              <a:t> the data (in order to remember what each piece represents)</a:t>
-            </a:r>
-          </a:p>
-          <a:p>
-            <a:pPr marL="228600" indent="-228600">
-              <a:spcAft>
-                <a:spcPts val="1000"/>
-              </a:spcAft>
-              <a:buFont typeface="+mj-lt"/>
-              <a:buAutoNum type="arabicParenR"/>
-            </a:pPr>
-            <a:r>
-              <a:rPr lang="en-US" sz="1000" b="1" dirty="0">
-                <a:solidFill>
-                  <a:srgbClr val="000000"/>
-                </a:solidFill>
-                <a:latin typeface="+mn-lt"/>
-              </a:rPr>
-              <a:t>Summarizing</a:t>
-            </a:r>
-            <a:r>
-              <a:rPr lang="en-US" sz="1000" dirty="0">
-                <a:solidFill>
-                  <a:srgbClr val="000000"/>
-                </a:solidFill>
-                <a:latin typeface="+mn-lt"/>
-              </a:rPr>
-              <a:t> the data (getting descriptive statistics to help characterize the data)</a:t>
-            </a:r>
-          </a:p>
-          <a:p>
-            <a:pPr marL="228600" indent="-228600">
-              <a:spcAft>
-                <a:spcPts val="1000"/>
-              </a:spcAft>
-              <a:buFont typeface="+mj-lt"/>
-              <a:buAutoNum type="arabicParenR"/>
-            </a:pPr>
-            <a:r>
-              <a:rPr lang="en-US" sz="1000" b="1" dirty="0">
-                <a:solidFill>
-                  <a:srgbClr val="000000"/>
-                </a:solidFill>
-                <a:latin typeface="+mn-lt"/>
-              </a:rPr>
-              <a:t>Visualizing</a:t>
-            </a:r>
-            <a:r>
-              <a:rPr lang="en-US" sz="1000" dirty="0">
-                <a:solidFill>
-                  <a:srgbClr val="000000"/>
-                </a:solidFill>
-                <a:latin typeface="+mn-lt"/>
-              </a:rPr>
-              <a:t> the data (because a picture really is worth a thousand words)</a:t>
-            </a:r>
-          </a:p>
-          <a:p>
-            <a:pPr marL="228600" indent="-228600">
-              <a:spcAft>
-                <a:spcPts val="1000"/>
-              </a:spcAft>
-              <a:buFont typeface="+mj-lt"/>
-              <a:buAutoNum type="arabicParenR"/>
-            </a:pPr>
-            <a:r>
-              <a:rPr lang="en-US" sz="1000" b="1" dirty="0">
-                <a:solidFill>
-                  <a:srgbClr val="000000"/>
-                </a:solidFill>
-                <a:latin typeface="+mn-lt"/>
-              </a:rPr>
-              <a:t>Modeling</a:t>
-            </a:r>
-            <a:r>
-              <a:rPr lang="en-US" sz="1000" dirty="0">
-                <a:solidFill>
-                  <a:srgbClr val="000000"/>
-                </a:solidFill>
-                <a:latin typeface="+mn-lt"/>
-              </a:rPr>
-              <a:t> the data (uncovering relationships and testing hypotheses)</a:t>
-            </a:r>
-          </a:p>
-          <a:p>
-            <a:pPr marL="228600" indent="-228600">
-              <a:spcAft>
-                <a:spcPts val="1000"/>
-              </a:spcAft>
-              <a:buFont typeface="+mj-lt"/>
-              <a:buAutoNum type="arabicParenR"/>
-            </a:pPr>
-            <a:r>
-              <a:rPr lang="en-US" sz="1000" b="1" dirty="0">
-                <a:solidFill>
-                  <a:srgbClr val="000000"/>
-                </a:solidFill>
-                <a:latin typeface="+mn-lt"/>
-              </a:rPr>
-              <a:t>Preparing the results </a:t>
-            </a:r>
-            <a:r>
-              <a:rPr lang="en-US" sz="1000" dirty="0">
-                <a:solidFill>
-                  <a:srgbClr val="000000"/>
-                </a:solidFill>
-                <a:latin typeface="+mn-lt"/>
-              </a:rPr>
-              <a:t>(creating publication-quality tables and graphs)</a:t>
-            </a:r>
-            <a:endParaRPr lang="en-US" sz="1000" dirty="0">
-              <a:latin typeface="+mn-lt"/>
-            </a:endParaRPr>
-          </a:p>
-        </p:txBody>
-      </p:sp>
-      <p:sp>
-        <p:nvSpPr>
-          <p:cNvPr id="6" name="TextBox 5">
-            <a:extLst>
-              <a:ext uri="{FF2B5EF4-FFF2-40B4-BE49-F238E27FC236}">
-                <a16:creationId xmlns:a16="http://schemas.microsoft.com/office/drawing/2014/main" id="{74C8E826-4539-4683-8467-B3E6BA459ED0}"/>
-              </a:ext>
-            </a:extLst>
-          </p:cNvPr>
-          <p:cNvSpPr txBox="1"/>
-          <p:nvPr/>
-        </p:nvSpPr>
-        <p:spPr>
-          <a:xfrm>
-            <a:off x="791050" y="1149908"/>
-            <a:ext cx="5654368" cy="400110"/>
-          </a:xfrm>
-          <a:prstGeom prst="rect">
-            <a:avLst/>
-          </a:prstGeom>
-          <a:noFill/>
-        </p:spPr>
-        <p:txBody>
-          <a:bodyPr wrap="none" rtlCol="0">
-            <a:spAutoFit/>
-          </a:bodyPr>
-          <a:lstStyle/>
-          <a:p>
-            <a:r>
-              <a:rPr lang="en-US" sz="2000" dirty="0">
-                <a:solidFill>
-                  <a:srgbClr val="00589C"/>
-                </a:solidFill>
-              </a:rPr>
-              <a:t>Typical (successful) procedures for data science</a:t>
-            </a:r>
-          </a:p>
-        </p:txBody>
-      </p:sp>
-      <p:grpSp>
-        <p:nvGrpSpPr>
-          <p:cNvPr id="22" name="Group 21">
-            <a:extLst>
-              <a:ext uri="{FF2B5EF4-FFF2-40B4-BE49-F238E27FC236}">
-                <a16:creationId xmlns:a16="http://schemas.microsoft.com/office/drawing/2014/main" id="{682C1A36-4477-46C3-B1A0-DED442A6C54C}"/>
-              </a:ext>
-            </a:extLst>
-          </p:cNvPr>
-          <p:cNvGrpSpPr/>
-          <p:nvPr/>
-        </p:nvGrpSpPr>
-        <p:grpSpPr>
-          <a:xfrm>
-            <a:off x="6871829" y="1782424"/>
-            <a:ext cx="1512168" cy="1973864"/>
-            <a:chOff x="6516216" y="2032822"/>
-            <a:chExt cx="1512168" cy="1973864"/>
-          </a:xfrm>
-        </p:grpSpPr>
-        <p:sp>
-          <p:nvSpPr>
-            <p:cNvPr id="7" name="Rectangle 6">
-              <a:extLst>
-                <a:ext uri="{FF2B5EF4-FFF2-40B4-BE49-F238E27FC236}">
-                  <a16:creationId xmlns:a16="http://schemas.microsoft.com/office/drawing/2014/main" id="{0A67D867-6956-4E00-93ED-41618CB3FE17}"/>
-                </a:ext>
-              </a:extLst>
-            </p:cNvPr>
-            <p:cNvSpPr/>
-            <p:nvPr/>
-          </p:nvSpPr>
-          <p:spPr bwMode="auto">
-            <a:xfrm>
-              <a:off x="6804248" y="2032822"/>
-              <a:ext cx="1224136" cy="360040"/>
-            </a:xfrm>
-            <a:prstGeom prst="rect">
-              <a:avLst/>
-            </a:prstGeom>
-            <a:solidFill>
-              <a:srgbClr val="00589C"/>
-            </a:solidFill>
-            <a:ln w="9525" cap="flat" cmpd="sng" algn="ctr">
-              <a:solidFill>
-                <a:srgbClr val="00589C"/>
-              </a:solidFill>
-              <a:prstDash val="solid"/>
-              <a:round/>
-              <a:headEnd type="none" w="med" len="med"/>
-              <a:tailEnd type="none" w="med" len="med"/>
-            </a:ln>
-            <a:effectLst/>
-            <a:extLst>
-              <a:ext uri="{AF507438-7753-43e0-B8FC-AC1667EBCBE1}">
-                <a14:hiddenEffects xmlns:a14="http://schemas.microsoft.com/office/drawing/2010/main" xmlns="">
-                  <a:effectLst>
-                    <a:outerShdw dist="35921" dir="2700000" algn="ctr" rotWithShape="0">
-                      <a:schemeClr val="bg2"/>
-                    </a:outerShdw>
-                  </a:effectLst>
-                </a14:hiddenEffects>
-              </a:ext>
-            </a:extLst>
-          </p:spPr>
-          <p:txBody>
-            <a:bodyPr vert="horz" wrap="square" lIns="91440" tIns="45720" rIns="91440" bIns="45720" numCol="1" rtlCol="0" anchor="ctr" anchorCtr="0" compatLnSpc="1">
-              <a:prstTxWarp prst="textNoShape">
-                <a:avLst/>
-              </a:prstTxWarp>
-            </a:bodyPr>
-            <a:lstStyle/>
-            <a:p>
-              <a:pPr marL="0" marR="0" indent="0" algn="ctr" defTabSz="914400" rtl="0" eaLnBrk="0" fontAlgn="base" latinLnBrk="0" hangingPunct="0">
-                <a:lnSpc>
-                  <a:spcPct val="100000"/>
-                </a:lnSpc>
-                <a:spcBef>
-                  <a:spcPct val="0"/>
-                </a:spcBef>
-                <a:spcAft>
-                  <a:spcPct val="0"/>
-                </a:spcAft>
-                <a:buClrTx/>
-                <a:buSzTx/>
-                <a:buFontTx/>
-                <a:buNone/>
-                <a:tabLst/>
-              </a:pPr>
-              <a:r>
-                <a:rPr kumimoji="0" lang="en-US" sz="900" b="1" i="0" u="none" strike="noStrike" cap="none" normalizeH="0" baseline="0" dirty="0">
-                  <a:ln>
-                    <a:noFill/>
-                  </a:ln>
-                  <a:solidFill>
-                    <a:schemeClr val="bg1"/>
-                  </a:solidFill>
-                  <a:effectLst/>
-                  <a:latin typeface="+mn-lt"/>
-                  <a:ea typeface="ＭＳ Ｐゴシック" pitchFamily="96" charset="-128"/>
-                </a:rPr>
-                <a:t>Getting data in</a:t>
-              </a:r>
-            </a:p>
-          </p:txBody>
-        </p:sp>
-        <p:sp>
-          <p:nvSpPr>
-            <p:cNvPr id="9" name="Rectangle 8">
-              <a:extLst>
-                <a:ext uri="{FF2B5EF4-FFF2-40B4-BE49-F238E27FC236}">
-                  <a16:creationId xmlns:a16="http://schemas.microsoft.com/office/drawing/2014/main" id="{D776F173-E9B8-4160-96BF-A438C8A1A294}"/>
-                </a:ext>
-              </a:extLst>
-            </p:cNvPr>
-            <p:cNvSpPr/>
-            <p:nvPr/>
-          </p:nvSpPr>
-          <p:spPr bwMode="auto">
-            <a:xfrm>
-              <a:off x="6804248" y="2570763"/>
-              <a:ext cx="1224136" cy="360040"/>
-            </a:xfrm>
-            <a:prstGeom prst="rect">
-              <a:avLst/>
-            </a:prstGeom>
-            <a:solidFill>
-              <a:srgbClr val="00589C"/>
-            </a:solidFill>
-            <a:ln w="9525" cap="flat" cmpd="sng" algn="ctr">
-              <a:solidFill>
-                <a:srgbClr val="00589C"/>
-              </a:solidFill>
-              <a:prstDash val="solid"/>
-              <a:round/>
-              <a:headEnd type="none" w="med" len="med"/>
-              <a:tailEnd type="none" w="med" len="med"/>
-            </a:ln>
-            <a:effectLst/>
-            <a:extLst>
-              <a:ext uri="{AF507438-7753-43e0-B8FC-AC1667EBCBE1}">
-                <a14:hiddenEffects xmlns:a14="http://schemas.microsoft.com/office/drawing/2010/main" xmlns="">
-                  <a:effectLst>
-                    <a:outerShdw dist="35921" dir="2700000" algn="ctr" rotWithShape="0">
-                      <a:schemeClr val="bg2"/>
-                    </a:outerShdw>
-                  </a:effectLst>
-                </a14:hiddenEffects>
-              </a:ext>
-            </a:extLst>
-          </p:spPr>
-          <p:txBody>
-            <a:bodyPr vert="horz" wrap="square" lIns="91440" tIns="45720" rIns="91440" bIns="45720" numCol="1" rtlCol="0" anchor="ctr" anchorCtr="0" compatLnSpc="1">
-              <a:prstTxWarp prst="textNoShape">
-                <a:avLst/>
-              </a:prstTxWarp>
-            </a:bodyPr>
-            <a:lstStyle/>
-            <a:p>
-              <a:pPr marL="0" marR="0" indent="0" algn="ctr" defTabSz="914400" rtl="0" eaLnBrk="0" fontAlgn="base" latinLnBrk="0" hangingPunct="0">
-                <a:lnSpc>
-                  <a:spcPct val="100000"/>
-                </a:lnSpc>
-                <a:spcBef>
-                  <a:spcPct val="0"/>
-                </a:spcBef>
-                <a:spcAft>
-                  <a:spcPct val="0"/>
-                </a:spcAft>
-                <a:buClrTx/>
-                <a:buSzTx/>
-                <a:buFontTx/>
-                <a:buNone/>
-                <a:tabLst/>
-              </a:pPr>
-              <a:r>
-                <a:rPr kumimoji="0" lang="en-US" sz="900" b="1" i="0" u="none" strike="noStrike" cap="none" normalizeH="0" baseline="0" dirty="0">
-                  <a:ln>
-                    <a:noFill/>
-                  </a:ln>
-                  <a:solidFill>
-                    <a:schemeClr val="bg1"/>
-                  </a:solidFill>
-                  <a:effectLst/>
-                  <a:latin typeface="+mn-lt"/>
-                  <a:ea typeface="ＭＳ Ｐゴシック" pitchFamily="96" charset="-128"/>
-                </a:rPr>
-                <a:t>Data manipulation</a:t>
-              </a:r>
-            </a:p>
-          </p:txBody>
-        </p:sp>
-        <p:sp>
-          <p:nvSpPr>
-            <p:cNvPr id="10" name="Rectangle 9">
-              <a:extLst>
-                <a:ext uri="{FF2B5EF4-FFF2-40B4-BE49-F238E27FC236}">
-                  <a16:creationId xmlns:a16="http://schemas.microsoft.com/office/drawing/2014/main" id="{BA8A10B7-07A3-4EFB-BD21-2E658B3307C4}"/>
-                </a:ext>
-              </a:extLst>
-            </p:cNvPr>
-            <p:cNvSpPr/>
-            <p:nvPr/>
-          </p:nvSpPr>
-          <p:spPr bwMode="auto">
-            <a:xfrm>
-              <a:off x="6804248" y="3108704"/>
-              <a:ext cx="1224136" cy="360040"/>
-            </a:xfrm>
-            <a:prstGeom prst="rect">
-              <a:avLst/>
-            </a:prstGeom>
-            <a:solidFill>
-              <a:srgbClr val="00589C"/>
-            </a:solidFill>
-            <a:ln w="9525" cap="flat" cmpd="sng" algn="ctr">
-              <a:solidFill>
-                <a:srgbClr val="00589C"/>
-              </a:solidFill>
-              <a:prstDash val="solid"/>
-              <a:round/>
-              <a:headEnd type="none" w="med" len="med"/>
-              <a:tailEnd type="none" w="med" len="med"/>
-            </a:ln>
-            <a:effectLst/>
-            <a:extLst>
-              <a:ext uri="{AF507438-7753-43e0-B8FC-AC1667EBCBE1}">
-                <a14:hiddenEffects xmlns:a14="http://schemas.microsoft.com/office/drawing/2010/main" xmlns="">
-                  <a:effectLst>
-                    <a:outerShdw dist="35921" dir="2700000" algn="ctr" rotWithShape="0">
-                      <a:schemeClr val="bg2"/>
-                    </a:outerShdw>
-                  </a:effectLst>
-                </a14:hiddenEffects>
-              </a:ext>
-            </a:extLst>
-          </p:spPr>
-          <p:txBody>
-            <a:bodyPr vert="horz" wrap="square" lIns="91440" tIns="45720" rIns="91440" bIns="45720" numCol="1" rtlCol="0" anchor="ctr" anchorCtr="0" compatLnSpc="1">
-              <a:prstTxWarp prst="textNoShape">
-                <a:avLst/>
-              </a:prstTxWarp>
-            </a:bodyPr>
-            <a:lstStyle/>
-            <a:p>
-              <a:pPr marL="0" marR="0" indent="0" algn="ctr" defTabSz="914400" rtl="0" eaLnBrk="0" fontAlgn="base" latinLnBrk="0" hangingPunct="0">
-                <a:lnSpc>
-                  <a:spcPct val="100000"/>
-                </a:lnSpc>
-                <a:spcBef>
-                  <a:spcPct val="0"/>
-                </a:spcBef>
-                <a:spcAft>
-                  <a:spcPct val="0"/>
-                </a:spcAft>
-                <a:buClrTx/>
-                <a:buSzTx/>
-                <a:buFontTx/>
-                <a:buNone/>
-                <a:tabLst/>
-              </a:pPr>
-              <a:r>
-                <a:rPr kumimoji="0" lang="en-US" sz="900" b="1" i="0" u="none" strike="noStrike" cap="none" normalizeH="0" baseline="0" dirty="0">
-                  <a:ln>
-                    <a:noFill/>
-                  </a:ln>
-                  <a:solidFill>
-                    <a:schemeClr val="bg1"/>
-                  </a:solidFill>
-                  <a:effectLst/>
-                  <a:latin typeface="+mn-lt"/>
-                  <a:ea typeface="ＭＳ Ｐゴシック" pitchFamily="96" charset="-128"/>
-                </a:rPr>
-                <a:t>Visualization</a:t>
-              </a:r>
-            </a:p>
-          </p:txBody>
-        </p:sp>
-        <p:sp>
-          <p:nvSpPr>
-            <p:cNvPr id="11" name="Rectangle 10">
-              <a:extLst>
-                <a:ext uri="{FF2B5EF4-FFF2-40B4-BE49-F238E27FC236}">
-                  <a16:creationId xmlns:a16="http://schemas.microsoft.com/office/drawing/2014/main" id="{4F71B93F-B91E-4601-8379-5FF7978FED3C}"/>
-                </a:ext>
-              </a:extLst>
-            </p:cNvPr>
-            <p:cNvSpPr/>
-            <p:nvPr/>
-          </p:nvSpPr>
-          <p:spPr bwMode="auto">
-            <a:xfrm>
-              <a:off x="6804248" y="3646646"/>
-              <a:ext cx="1224136" cy="360040"/>
-            </a:xfrm>
-            <a:prstGeom prst="rect">
-              <a:avLst/>
-            </a:prstGeom>
-            <a:solidFill>
-              <a:srgbClr val="00589C"/>
-            </a:solidFill>
-            <a:ln w="9525" cap="flat" cmpd="sng" algn="ctr">
-              <a:solidFill>
-                <a:srgbClr val="00589C"/>
-              </a:solidFill>
-              <a:prstDash val="solid"/>
-              <a:round/>
-              <a:headEnd type="none" w="med" len="med"/>
-              <a:tailEnd type="none" w="med" len="med"/>
-            </a:ln>
-            <a:effectLst/>
-            <a:extLst>
-              <a:ext uri="{AF507438-7753-43e0-B8FC-AC1667EBCBE1}">
-                <a14:hiddenEffects xmlns:a14="http://schemas.microsoft.com/office/drawing/2010/main" xmlns="">
-                  <a:effectLst>
-                    <a:outerShdw dist="35921" dir="2700000" algn="ctr" rotWithShape="0">
-                      <a:schemeClr val="bg2"/>
-                    </a:outerShdw>
-                  </a:effectLst>
-                </a14:hiddenEffects>
-              </a:ext>
-            </a:extLst>
-          </p:spPr>
-          <p:txBody>
-            <a:bodyPr vert="horz" wrap="square" lIns="91440" tIns="45720" rIns="91440" bIns="45720" numCol="1" rtlCol="0" anchor="ctr" anchorCtr="0" compatLnSpc="1">
-              <a:prstTxWarp prst="textNoShape">
-                <a:avLst/>
-              </a:prstTxWarp>
-            </a:bodyPr>
-            <a:lstStyle/>
-            <a:p>
-              <a:pPr marL="0" marR="0" indent="0" algn="ctr" defTabSz="914400" rtl="0" eaLnBrk="0" fontAlgn="base" latinLnBrk="0" hangingPunct="0">
-                <a:lnSpc>
-                  <a:spcPct val="100000"/>
-                </a:lnSpc>
-                <a:spcBef>
-                  <a:spcPct val="0"/>
-                </a:spcBef>
-                <a:spcAft>
-                  <a:spcPct val="0"/>
-                </a:spcAft>
-                <a:buClrTx/>
-                <a:buSzTx/>
-                <a:buFontTx/>
-                <a:buNone/>
-                <a:tabLst/>
-              </a:pPr>
-              <a:r>
-                <a:rPr kumimoji="0" lang="en-US" sz="900" b="1" i="0" u="none" strike="noStrike" cap="none" normalizeH="0" baseline="0" dirty="0">
-                  <a:ln>
-                    <a:noFill/>
-                  </a:ln>
-                  <a:solidFill>
-                    <a:schemeClr val="bg1"/>
-                  </a:solidFill>
-                  <a:effectLst/>
-                  <a:latin typeface="+mn-lt"/>
-                  <a:ea typeface="ＭＳ Ｐゴシック" pitchFamily="96" charset="-128"/>
-                </a:rPr>
-                <a:t>Algorithm</a:t>
-              </a:r>
-            </a:p>
-          </p:txBody>
-        </p:sp>
-        <p:sp>
-          <p:nvSpPr>
-            <p:cNvPr id="14" name="Right Brace 13">
-              <a:extLst>
-                <a:ext uri="{FF2B5EF4-FFF2-40B4-BE49-F238E27FC236}">
-                  <a16:creationId xmlns:a16="http://schemas.microsoft.com/office/drawing/2014/main" id="{DD877426-1E84-4B77-B2E4-AFBCE3A1B107}"/>
-                </a:ext>
-              </a:extLst>
-            </p:cNvPr>
-            <p:cNvSpPr/>
-            <p:nvPr/>
-          </p:nvSpPr>
-          <p:spPr bwMode="auto">
-            <a:xfrm>
-              <a:off x="6516216" y="2392862"/>
-              <a:ext cx="144016" cy="753820"/>
-            </a:xfrm>
-            <a:prstGeom prst="rightBrace">
-              <a:avLst/>
-            </a:prstGeom>
-            <a:noFill/>
-            <a:ln w="19050" cap="flat" cmpd="sng" algn="ctr">
-              <a:solidFill>
-                <a:srgbClr val="00589C"/>
-              </a:solidFill>
-              <a:prstDash val="solid"/>
-              <a:round/>
-              <a:headEnd type="none" w="med" len="med"/>
-              <a:tailEnd type="none" w="med" len="med"/>
-            </a:ln>
-            <a:effectLst/>
-            <a:extLst>
-              <a:ext uri="{AF507438-7753-43e0-B8FC-AC1667EBCBE1}">
-                <a14:hiddenEffects xmlns:a14="http://schemas.microsoft.com/office/drawing/2010/main" xmlns="">
-                  <a:effectLst>
-                    <a:outerShdw dist="35921" dir="2700000" algn="ctr" rotWithShape="0">
-                      <a:schemeClr val="bg2"/>
-                    </a:outerShdw>
-                  </a:effectLst>
-                </a14:hiddenEffects>
-              </a:ext>
-            </a:extLst>
-          </p:spPr>
-          <p:txBody>
-            <a:bodyPr vert="horz" wrap="square" lIns="91440" tIns="45720" rIns="91440" bIns="45720" numCol="1" rtlCol="0" anchor="t" anchorCtr="0" compatLnSpc="1">
-              <a:prstTxWarp prst="textNoShape">
-                <a:avLst/>
-              </a:prstTxWarp>
-            </a:bodyPr>
-            <a:lstStyle/>
-            <a:p>
-              <a:pPr marL="0" marR="0" indent="0" algn="l" defTabSz="914400" rtl="0" eaLnBrk="0" fontAlgn="base" latinLnBrk="0" hangingPunct="0">
-                <a:lnSpc>
-                  <a:spcPct val="100000"/>
-                </a:lnSpc>
-                <a:spcBef>
-                  <a:spcPct val="0"/>
-                </a:spcBef>
-                <a:spcAft>
-                  <a:spcPct val="0"/>
-                </a:spcAft>
-                <a:buClrTx/>
-                <a:buSzTx/>
-                <a:buFontTx/>
-                <a:buNone/>
-                <a:tabLst/>
-              </a:pPr>
-              <a:endParaRPr kumimoji="0" lang="en-US" sz="2400" b="0" i="0" u="none" strike="noStrike" cap="none" normalizeH="0" baseline="0">
-                <a:ln>
-                  <a:noFill/>
-                </a:ln>
-                <a:solidFill>
-                  <a:schemeClr val="tx1"/>
-                </a:solidFill>
-                <a:effectLst/>
-                <a:latin typeface="Arial" charset="0"/>
-                <a:ea typeface="ＭＳ Ｐゴシック" pitchFamily="96" charset="-128"/>
-              </a:endParaRPr>
-            </a:p>
-          </p:txBody>
-        </p:sp>
-      </p:grpSp>
-      <p:sp>
-        <p:nvSpPr>
-          <p:cNvPr id="23" name="Slide Number Placeholder 22">
-            <a:extLst>
-              <a:ext uri="{FF2B5EF4-FFF2-40B4-BE49-F238E27FC236}">
-                <a16:creationId xmlns:a16="http://schemas.microsoft.com/office/drawing/2014/main" id="{6F224781-9710-4691-80E9-CA40509C9C9C}"/>
-              </a:ext>
-            </a:extLst>
-          </p:cNvPr>
-          <p:cNvSpPr>
-            <a:spLocks noGrp="1"/>
-          </p:cNvSpPr>
-          <p:nvPr>
-            <p:ph type="sldNum" sz="quarter" idx="11"/>
-          </p:nvPr>
-        </p:nvSpPr>
-        <p:spPr/>
-        <p:txBody>
-          <a:bodyPr/>
-          <a:lstStyle/>
-          <a:p>
-            <a:fld id="{48105EDC-34E1-4D80-B051-D0CBD59863B8}" type="slidenum">
-              <a:rPr lang="de-DE" altLang="de-DE" smtClean="0"/>
-              <a:pPr/>
-              <a:t>3</a:t>
-            </a:fld>
-            <a:endParaRPr lang="de-DE" altLang="de-DE">
-              <a:solidFill>
-                <a:schemeClr val="tx1"/>
-              </a:solidFill>
-            </a:endParaRPr>
-          </a:p>
-        </p:txBody>
-      </p:sp>
-      <p:sp>
-        <p:nvSpPr>
-          <p:cNvPr id="26" name="Rectangle 25">
-            <a:extLst>
-              <a:ext uri="{FF2B5EF4-FFF2-40B4-BE49-F238E27FC236}">
-                <a16:creationId xmlns:a16="http://schemas.microsoft.com/office/drawing/2014/main" id="{92825894-94E4-47FA-8039-D98AA3D39589}"/>
-              </a:ext>
-            </a:extLst>
-          </p:cNvPr>
-          <p:cNvSpPr/>
-          <p:nvPr/>
-        </p:nvSpPr>
-        <p:spPr bwMode="auto">
-          <a:xfrm>
-            <a:off x="0" y="0"/>
-            <a:ext cx="9144000" cy="627534"/>
-          </a:xfrm>
-          <a:prstGeom prst="rect">
-            <a:avLst/>
-          </a:prstGeom>
-          <a:solidFill>
-            <a:srgbClr val="00589C"/>
-          </a:solidFill>
-          <a:ln w="9525" cap="flat" cmpd="sng" algn="ctr">
-            <a:solidFill>
-              <a:srgbClr val="00589C"/>
-            </a:solidFill>
-            <a:prstDash val="solid"/>
-            <a:round/>
-            <a:headEnd type="none" w="med" len="med"/>
-            <a:tailEnd type="none" w="med" len="med"/>
-          </a:ln>
-          <a:effectLst/>
-          <a:extLst>
-            <a:ext uri="{AF507438-7753-43e0-B8FC-AC1667EBCBE1}">
-              <a14:hiddenEffects xmlns:a14="http://schemas.microsoft.com/office/drawing/2010/main" xmlns="">
-                <a:effectLst>
-                  <a:outerShdw dist="35921" dir="2700000" algn="ctr" rotWithShape="0">
-                    <a:schemeClr val="bg2"/>
-                  </a:outerShdw>
-                </a:effectLst>
-              </a14:hiddenEffects>
-            </a:ext>
-          </a:extLst>
-        </p:spPr>
-        <p:txBody>
-          <a:bodyPr vert="horz" wrap="square" lIns="91440" tIns="45720" rIns="91440" bIns="45720" numCol="1" rtlCol="0" anchor="ctr" anchorCtr="0" compatLnSpc="1">
-            <a:prstTxWarp prst="textNoShape">
-              <a:avLst/>
-            </a:prstTxWarp>
-          </a:bodyPr>
-          <a:lstStyle/>
-          <a:p>
-            <a:pPr marL="0" marR="0" indent="0" algn="l" defTabSz="914400" rtl="0" eaLnBrk="0" fontAlgn="base" latinLnBrk="0" hangingPunct="0">
-              <a:lnSpc>
-                <a:spcPct val="100000"/>
-              </a:lnSpc>
-              <a:spcBef>
-                <a:spcPct val="0"/>
-              </a:spcBef>
-              <a:spcAft>
-                <a:spcPct val="0"/>
-              </a:spcAft>
-              <a:buClrTx/>
-              <a:buSzTx/>
-              <a:buFontTx/>
-              <a:buNone/>
-              <a:tabLst/>
-            </a:pPr>
-            <a:r>
-              <a:rPr kumimoji="0" lang="en-US" sz="2000" b="1" i="0" u="none" strike="noStrike" cap="none" normalizeH="0" baseline="0" dirty="0">
-                <a:ln>
-                  <a:noFill/>
-                </a:ln>
-                <a:solidFill>
-                  <a:schemeClr val="bg1"/>
-                </a:solidFill>
-                <a:effectLst/>
-                <a:latin typeface="+mj-lt"/>
-                <a:ea typeface="ＭＳ Ｐゴシック" pitchFamily="96" charset="-128"/>
-              </a:rPr>
-              <a:t>Topic 1. Introduction to R</a:t>
-            </a:r>
-          </a:p>
-        </p:txBody>
-      </p:sp>
-    </p:spTree>
-    <p:extLst>
-      <p:ext uri="{BB962C8B-B14F-4D97-AF65-F5344CB8AC3E}">
-        <p14:creationId xmlns:p14="http://schemas.microsoft.com/office/powerpoint/2010/main" val="1873564231"/>
-      </p:ext>
-    </p:extLst>
-  </p:cSld>
-  <p:clrMapOvr>
-    <a:masterClrMapping/>
-  </p:clrMapOvr>
-</p:sld>
-</file>
-
-<file path=ppt/slides/slide4.xml><?xml version="1.0" encoding="utf-8"?>
 <p:sld xmlns:a="http://schemas.openxmlformats.org/drawingml/2006/main" xmlns:r="http://schemas.openxmlformats.org/officeDocument/2006/relationships" xmlns:p="http://schemas.openxmlformats.org/presentationml/2006/main">
   <p:cSld>
     <p:spTree>
@@ -19839,7 +19695,7 @@
           <a:effectLst/>
           <a:extLst>
             <a:ext uri="{AF507438-7753-43e0-B8FC-AC1667EBCBE1}">
-              <a14:hiddenEffects xmlns:a14="http://schemas.microsoft.com/office/drawing/2010/main" xmlns="">
+              <a14:hiddenEffects xmlns="" xmlns:a14="http://schemas.microsoft.com/office/drawing/2010/main">
                 <a:effectLst>
                   <a:outerShdw dist="35921" dir="2700000" algn="ctr" rotWithShape="0">
                     <a:schemeClr val="bg2"/>
@@ -19952,7 +19808,7 @@
                   <a:srgbClr val="00589C"/>
                 </a:solidFill>
               </a:rPr>
-              <a:t>What’s R: Installation, IDE, Packages, Help files</a:t>
+              <a:t>What’s R: Installation, IDE, Help files</a:t>
             </a:r>
           </a:p>
           <a:p>
@@ -19966,7 +19822,9 @@
             <a:r>
               <a:rPr lang="en-US" sz="2000" dirty="0">
                 <a:solidFill>
-                  <a:srgbClr val="00589C"/>
+                  <a:schemeClr val="accent3">
+                    <a:lumMod val="85000"/>
+                  </a:schemeClr>
                 </a:solidFill>
               </a:rPr>
               <a:t>Data types and structures in R</a:t>
@@ -19983,7 +19841,9 @@
             <a:r>
               <a:rPr lang="en-US" sz="2000" dirty="0">
                 <a:solidFill>
-                  <a:srgbClr val="00589C"/>
+                  <a:schemeClr val="accent3">
+                    <a:lumMod val="85000"/>
+                  </a:schemeClr>
                 </a:solidFill>
               </a:rPr>
               <a:t>Getting data into R</a:t>
@@ -20000,7 +19860,9 @@
             <a:r>
               <a:rPr lang="en-US" sz="2000" dirty="0">
                 <a:solidFill>
-                  <a:srgbClr val="00589C"/>
+                  <a:schemeClr val="accent3">
+                    <a:lumMod val="85000"/>
+                  </a:schemeClr>
                 </a:solidFill>
               </a:rPr>
               <a:t>Functions and Control structures</a:t>
@@ -20017,7 +19879,9 @@
             <a:r>
               <a:rPr lang="en-US" sz="2000" dirty="0">
                 <a:solidFill>
-                  <a:srgbClr val="00589C"/>
+                  <a:schemeClr val="accent3">
+                    <a:lumMod val="85000"/>
+                  </a:schemeClr>
                 </a:solidFill>
               </a:rPr>
               <a:t>Data manipulation</a:t>
@@ -20034,7 +19898,9 @@
             <a:r>
               <a:rPr lang="en-US" sz="2000" dirty="0">
                 <a:solidFill>
-                  <a:srgbClr val="00589C"/>
+                  <a:schemeClr val="accent3">
+                    <a:lumMod val="85000"/>
+                  </a:schemeClr>
                 </a:solidFill>
               </a:rPr>
               <a:t>Graphic tools</a:t>
@@ -20066,7 +19932,7 @@
             <a:fld id="{48105EDC-34E1-4D80-B051-D0CBD59863B8}" type="slidenum">
               <a:rPr lang="de-DE" altLang="de-DE" smtClean="0"/>
               <a:pPr/>
-              <a:t>4</a:t>
+              <a:t>3</a:t>
             </a:fld>
             <a:endParaRPr lang="de-DE" altLang="de-DE">
               <a:solidFill>
@@ -20089,397 +19955,7 @@
 </p:sld>
 </file>
 
-<file path=ppt/slides/slide5.xml><?xml version="1.0" encoding="utf-8"?>
-<p:sld xmlns:a="http://schemas.openxmlformats.org/drawingml/2006/main" xmlns:r="http://schemas.openxmlformats.org/officeDocument/2006/relationships" xmlns:p="http://schemas.openxmlformats.org/presentationml/2006/main">
-  <p:cSld>
-    <p:spTree>
-      <p:nvGrpSpPr>
-        <p:cNvPr id="1" name=""/>
-        <p:cNvGrpSpPr/>
-        <p:nvPr/>
-      </p:nvGrpSpPr>
-      <p:grpSpPr>
-        <a:xfrm>
-          <a:off x="0" y="0"/>
-          <a:ext cx="0" cy="0"/>
-          <a:chOff x="0" y="0"/>
-          <a:chExt cx="0" cy="0"/>
-        </a:xfrm>
-      </p:grpSpPr>
-      <p:sp>
-        <p:nvSpPr>
-          <p:cNvPr id="4" name="Rectangle 3">
-            <a:extLst>
-              <a:ext uri="{FF2B5EF4-FFF2-40B4-BE49-F238E27FC236}">
-                <a16:creationId xmlns:a16="http://schemas.microsoft.com/office/drawing/2014/main" id="{741E6F0F-8952-48F7-B8A6-5C00D4C8363A}"/>
-              </a:ext>
-            </a:extLst>
-          </p:cNvPr>
-          <p:cNvSpPr/>
-          <p:nvPr/>
-        </p:nvSpPr>
-        <p:spPr bwMode="auto">
-          <a:xfrm>
-            <a:off x="0" y="0"/>
-            <a:ext cx="9144000" cy="627534"/>
-          </a:xfrm>
-          <a:prstGeom prst="rect">
-            <a:avLst/>
-          </a:prstGeom>
-          <a:solidFill>
-            <a:srgbClr val="00589C"/>
-          </a:solidFill>
-          <a:ln w="9525" cap="flat" cmpd="sng" algn="ctr">
-            <a:solidFill>
-              <a:srgbClr val="00589C"/>
-            </a:solidFill>
-            <a:prstDash val="solid"/>
-            <a:round/>
-            <a:headEnd type="none" w="med" len="med"/>
-            <a:tailEnd type="none" w="med" len="med"/>
-          </a:ln>
-          <a:effectLst/>
-          <a:extLst>
-            <a:ext uri="{AF507438-7753-43e0-B8FC-AC1667EBCBE1}">
-              <a14:hiddenEffects xmlns:a14="http://schemas.microsoft.com/office/drawing/2010/main" xmlns="">
-                <a:effectLst>
-                  <a:outerShdw dist="35921" dir="2700000" algn="ctr" rotWithShape="0">
-                    <a:schemeClr val="bg2"/>
-                  </a:outerShdw>
-                </a:effectLst>
-              </a14:hiddenEffects>
-            </a:ext>
-          </a:extLst>
-        </p:spPr>
-        <p:txBody>
-          <a:bodyPr vert="horz" wrap="square" lIns="91440" tIns="45720" rIns="91440" bIns="45720" numCol="1" rtlCol="0" anchor="ctr" anchorCtr="0" compatLnSpc="1">
-            <a:prstTxWarp prst="textNoShape">
-              <a:avLst/>
-            </a:prstTxWarp>
-          </a:bodyPr>
-          <a:lstStyle/>
-          <a:p>
-            <a:pPr marL="0" marR="0" indent="0" algn="l" defTabSz="914400" rtl="0" eaLnBrk="0" fontAlgn="base" latinLnBrk="0" hangingPunct="0">
-              <a:lnSpc>
-                <a:spcPct val="100000"/>
-              </a:lnSpc>
-              <a:spcBef>
-                <a:spcPct val="0"/>
-              </a:spcBef>
-              <a:spcAft>
-                <a:spcPct val="0"/>
-              </a:spcAft>
-              <a:buClrTx/>
-              <a:buSzTx/>
-              <a:buFontTx/>
-              <a:buNone/>
-              <a:tabLst/>
-            </a:pPr>
-            <a:r>
-              <a:rPr kumimoji="0" lang="en-US" sz="2000" b="1" i="0" u="none" strike="noStrike" cap="none" normalizeH="0" baseline="0" dirty="0">
-                <a:ln>
-                  <a:noFill/>
-                </a:ln>
-                <a:solidFill>
-                  <a:schemeClr val="bg1"/>
-                </a:solidFill>
-                <a:effectLst/>
-                <a:latin typeface="+mj-lt"/>
-                <a:ea typeface="ＭＳ Ｐゴシック" pitchFamily="96" charset="-128"/>
-              </a:rPr>
-              <a:t>Topic 1. Introduction to R</a:t>
-            </a:r>
-          </a:p>
-        </p:txBody>
-      </p:sp>
-      <p:sp>
-        <p:nvSpPr>
-          <p:cNvPr id="3" name="Rectangle 2">
-            <a:extLst>
-              <a:ext uri="{FF2B5EF4-FFF2-40B4-BE49-F238E27FC236}">
-                <a16:creationId xmlns:a16="http://schemas.microsoft.com/office/drawing/2014/main" id="{E695171C-A629-451F-B41F-BBA81B01A78E}"/>
-              </a:ext>
-            </a:extLst>
-          </p:cNvPr>
-          <p:cNvSpPr/>
-          <p:nvPr/>
-        </p:nvSpPr>
-        <p:spPr>
-          <a:xfrm>
-            <a:off x="611560" y="767484"/>
-            <a:ext cx="1555362" cy="400110"/>
-          </a:xfrm>
-          <a:prstGeom prst="rect">
-            <a:avLst/>
-          </a:prstGeom>
-          <a:ln>
-            <a:noFill/>
-          </a:ln>
-          <a:effectLst>
-            <a:outerShdw blurRad="44450" dist="27940" dir="5400000" algn="ctr">
-              <a:srgbClr val="000000">
-                <a:alpha val="32000"/>
-              </a:srgbClr>
-            </a:outerShdw>
-          </a:effectLst>
-          <a:scene3d>
-            <a:camera prst="orthographicFront">
-              <a:rot lat="0" lon="0" rev="0"/>
-            </a:camera>
-            <a:lightRig rig="balanced" dir="t">
-              <a:rot lat="0" lon="0" rev="8700000"/>
-            </a:lightRig>
-          </a:scene3d>
-          <a:sp3d>
-            <a:bevelT w="190500" h="38100"/>
-          </a:sp3d>
-        </p:spPr>
-        <p:txBody>
-          <a:bodyPr wrap="none">
-            <a:spAutoFit/>
-          </a:bodyPr>
-          <a:lstStyle/>
-          <a:p>
-            <a:r>
-              <a:rPr lang="en-US" sz="2000" b="1" dirty="0">
-                <a:solidFill>
-                  <a:srgbClr val="00589C"/>
-                </a:solidFill>
-              </a:rPr>
-              <a:t>1. What’s R</a:t>
-            </a:r>
-          </a:p>
-        </p:txBody>
-      </p:sp>
-      <p:sp>
-        <p:nvSpPr>
-          <p:cNvPr id="6" name="TextBox 5">
-            <a:extLst>
-              <a:ext uri="{FF2B5EF4-FFF2-40B4-BE49-F238E27FC236}">
-                <a16:creationId xmlns:a16="http://schemas.microsoft.com/office/drawing/2014/main" id="{19EDC9F3-7FDC-4808-9807-0910CBA177AD}"/>
-              </a:ext>
-            </a:extLst>
-          </p:cNvPr>
-          <p:cNvSpPr txBox="1"/>
-          <p:nvPr/>
-        </p:nvSpPr>
-        <p:spPr>
-          <a:xfrm>
-            <a:off x="631133" y="1359779"/>
-            <a:ext cx="4536504" cy="2246769"/>
-          </a:xfrm>
-          <a:prstGeom prst="rect">
-            <a:avLst/>
-          </a:prstGeom>
-          <a:noFill/>
-        </p:spPr>
-        <p:txBody>
-          <a:bodyPr wrap="square" rtlCol="0">
-            <a:spAutoFit/>
-          </a:bodyPr>
-          <a:lstStyle/>
-          <a:p>
-            <a:r>
-              <a:rPr lang="en-US" sz="2000" dirty="0">
-                <a:latin typeface="+mn-lt"/>
-              </a:rPr>
-              <a:t>Key advantages of R:</a:t>
-            </a:r>
-          </a:p>
-          <a:p>
-            <a:pPr marL="342900" indent="-342900">
-              <a:buFont typeface="Wingdings" panose="05000000000000000000" pitchFamily="2" charset="2"/>
-              <a:buChar char="Ø"/>
-            </a:pPr>
-            <a:r>
-              <a:rPr lang="en-US" sz="2000" dirty="0">
-                <a:latin typeface="+mn-lt"/>
-              </a:rPr>
-              <a:t>Free of charge</a:t>
-            </a:r>
-          </a:p>
-          <a:p>
-            <a:pPr marL="342900" indent="-342900">
-              <a:buFont typeface="Wingdings" panose="05000000000000000000" pitchFamily="2" charset="2"/>
-              <a:buChar char="Ø"/>
-            </a:pPr>
-            <a:r>
-              <a:rPr lang="en-US" sz="2000" dirty="0">
-                <a:latin typeface="+mn-lt"/>
-              </a:rPr>
-              <a:t>Cross-platform</a:t>
-            </a:r>
-          </a:p>
-          <a:p>
-            <a:pPr marL="342900" indent="-342900">
-              <a:buFont typeface="Wingdings" panose="05000000000000000000" pitchFamily="2" charset="2"/>
-              <a:buChar char="Ø"/>
-            </a:pPr>
-            <a:r>
-              <a:rPr lang="en-US" sz="2000" dirty="0">
-                <a:latin typeface="+mn-lt"/>
-              </a:rPr>
-              <a:t>Open source</a:t>
-            </a:r>
-          </a:p>
-          <a:p>
-            <a:pPr marL="342900" indent="-342900">
-              <a:buFont typeface="Wingdings" panose="05000000000000000000" pitchFamily="2" charset="2"/>
-              <a:buChar char="Ø"/>
-            </a:pPr>
-            <a:r>
-              <a:rPr lang="en-US" sz="2000" dirty="0">
-                <a:latin typeface="+mn-lt"/>
-              </a:rPr>
-              <a:t>Interactive programming</a:t>
-            </a:r>
-          </a:p>
-          <a:p>
-            <a:pPr marL="342900" indent="-342900">
-              <a:buFont typeface="Wingdings" panose="05000000000000000000" pitchFamily="2" charset="2"/>
-              <a:buChar char="Ø"/>
-            </a:pPr>
-            <a:r>
-              <a:rPr lang="en-US" sz="2000" dirty="0">
-                <a:latin typeface="+mn-lt"/>
-              </a:rPr>
-              <a:t>Statistical facilities</a:t>
-            </a:r>
-          </a:p>
-          <a:p>
-            <a:pPr marL="342900" indent="-342900">
-              <a:buFont typeface="Wingdings" panose="05000000000000000000" pitchFamily="2" charset="2"/>
-              <a:buChar char="Ø"/>
-            </a:pPr>
-            <a:r>
-              <a:rPr lang="en-US" sz="2000" dirty="0">
-                <a:latin typeface="+mn-lt"/>
-              </a:rPr>
-              <a:t>Graphics capabilities</a:t>
-            </a:r>
-          </a:p>
-        </p:txBody>
-      </p:sp>
-      <p:pic>
-        <p:nvPicPr>
-          <p:cNvPr id="10" name="Picture 9">
-            <a:extLst>
-              <a:ext uri="{FF2B5EF4-FFF2-40B4-BE49-F238E27FC236}">
-                <a16:creationId xmlns:a16="http://schemas.microsoft.com/office/drawing/2014/main" id="{136B7392-E2F6-44FE-BEC0-01C5472A21D8}"/>
-              </a:ext>
-            </a:extLst>
-          </p:cNvPr>
-          <p:cNvPicPr>
-            <a:picLocks noChangeAspect="1"/>
-          </p:cNvPicPr>
-          <p:nvPr/>
-        </p:nvPicPr>
-        <p:blipFill>
-          <a:blip r:embed="rId3" cstate="print">
-            <a:extLst>
-              <a:ext uri="{28A0092B-C50C-407E-A947-70E740481C1C}">
-                <a14:useLocalDpi xmlns:a14="http://schemas.microsoft.com/office/drawing/2010/main" val="0"/>
-              </a:ext>
-            </a:extLst>
-          </a:blip>
-          <a:stretch>
-            <a:fillRect/>
-          </a:stretch>
-        </p:blipFill>
-        <p:spPr>
-          <a:xfrm>
-            <a:off x="4355738" y="1219349"/>
-            <a:ext cx="2863924" cy="2246769"/>
-          </a:xfrm>
-          <a:prstGeom prst="rect">
-            <a:avLst/>
-          </a:prstGeom>
-        </p:spPr>
-      </p:pic>
-      <p:pic>
-        <p:nvPicPr>
-          <p:cNvPr id="12" name="Picture 11">
-            <a:extLst>
-              <a:ext uri="{FF2B5EF4-FFF2-40B4-BE49-F238E27FC236}">
-                <a16:creationId xmlns:a16="http://schemas.microsoft.com/office/drawing/2014/main" id="{10C5CBA1-EE55-4CB2-8C22-B570017601AC}"/>
-              </a:ext>
-            </a:extLst>
-          </p:cNvPr>
-          <p:cNvPicPr>
-            <a:picLocks noChangeAspect="1"/>
-          </p:cNvPicPr>
-          <p:nvPr/>
-        </p:nvPicPr>
-        <p:blipFill>
-          <a:blip r:embed="rId4" cstate="print">
-            <a:extLst>
-              <a:ext uri="{28A0092B-C50C-407E-A947-70E740481C1C}">
-                <a14:useLocalDpi xmlns:a14="http://schemas.microsoft.com/office/drawing/2010/main" val="0"/>
-              </a:ext>
-            </a:extLst>
-          </a:blip>
-          <a:stretch>
-            <a:fillRect/>
-          </a:stretch>
-        </p:blipFill>
-        <p:spPr>
-          <a:xfrm>
-            <a:off x="5833911" y="1766751"/>
-            <a:ext cx="3064295" cy="2389175"/>
-          </a:xfrm>
-          <a:prstGeom prst="rect">
-            <a:avLst/>
-          </a:prstGeom>
-        </p:spPr>
-      </p:pic>
-      <p:sp>
-        <p:nvSpPr>
-          <p:cNvPr id="13" name="Slide Number Placeholder 12">
-            <a:extLst>
-              <a:ext uri="{FF2B5EF4-FFF2-40B4-BE49-F238E27FC236}">
-                <a16:creationId xmlns:a16="http://schemas.microsoft.com/office/drawing/2014/main" id="{291B6708-501E-4DEC-9C3E-1A300EB89B4D}"/>
-              </a:ext>
-            </a:extLst>
-          </p:cNvPr>
-          <p:cNvSpPr>
-            <a:spLocks noGrp="1"/>
-          </p:cNvSpPr>
-          <p:nvPr>
-            <p:ph type="sldNum" sz="quarter" idx="11"/>
-          </p:nvPr>
-        </p:nvSpPr>
-        <p:spPr/>
-        <p:txBody>
-          <a:bodyPr/>
-          <a:lstStyle/>
-          <a:p>
-            <a:fld id="{48105EDC-34E1-4D80-B051-D0CBD59863B8}" type="slidenum">
-              <a:rPr lang="de-DE" altLang="de-DE" smtClean="0"/>
-              <a:pPr/>
-              <a:t>5</a:t>
-            </a:fld>
-            <a:endParaRPr lang="de-DE" altLang="de-DE">
-              <a:solidFill>
-                <a:schemeClr val="tx1"/>
-              </a:solidFill>
-            </a:endParaRPr>
-          </a:p>
-        </p:txBody>
-      </p:sp>
-    </p:spTree>
-    <p:extLst>
-      <p:ext uri="{BB962C8B-B14F-4D97-AF65-F5344CB8AC3E}">
-        <p14:creationId xmlns:p14="http://schemas.microsoft.com/office/powerpoint/2010/main" val="1822297397"/>
-      </p:ext>
-    </p:extLst>
-  </p:cSld>
-  <p:clrMapOvr>
-    <a:masterClrMapping/>
-  </p:clrMapOvr>
-</p:sld>
-</file>
-
-<file path=ppt/slides/slide6.xml><?xml version="1.0" encoding="utf-8"?>
+<file path=ppt/slides/slide4.xml><?xml version="1.0" encoding="utf-8"?>
 <p:sld xmlns:a="http://schemas.openxmlformats.org/drawingml/2006/main" xmlns:r="http://schemas.openxmlformats.org/officeDocument/2006/relationships" xmlns:p="http://schemas.openxmlformats.org/presentationml/2006/main">
   <p:cSld>
     <p:spTree>
@@ -20619,7 +20095,7 @@
           <a:effectLst/>
           <a:extLst>
             <a:ext uri="{AF507438-7753-43e0-B8FC-AC1667EBCBE1}">
-              <a14:hiddenEffects xmlns:a14="http://schemas.microsoft.com/office/drawing/2010/main" xmlns="">
+              <a14:hiddenEffects xmlns="" xmlns:a14="http://schemas.microsoft.com/office/drawing/2010/main">
                 <a:effectLst>
                   <a:outerShdw dist="35921" dir="2700000" algn="ctr" rotWithShape="0">
                     <a:schemeClr val="bg2"/>
@@ -20828,6 +20304,1165 @@
             <a:fld id="{48105EDC-34E1-4D80-B051-D0CBD59863B8}" type="slidenum">
               <a:rPr lang="de-DE" altLang="de-DE" smtClean="0"/>
               <a:pPr/>
+              <a:t>4</a:t>
+            </a:fld>
+            <a:endParaRPr lang="de-DE" altLang="de-DE">
+              <a:solidFill>
+                <a:schemeClr val="tx1"/>
+              </a:solidFill>
+            </a:endParaRPr>
+          </a:p>
+        </p:txBody>
+      </p:sp>
+    </p:spTree>
+    <p:extLst>
+      <p:ext uri="{BB962C8B-B14F-4D97-AF65-F5344CB8AC3E}">
+        <p14:creationId xmlns:p14="http://schemas.microsoft.com/office/powerpoint/2010/main" val="4188764782"/>
+      </p:ext>
+    </p:extLst>
+  </p:cSld>
+  <p:clrMapOvr>
+    <a:masterClrMapping/>
+  </p:clrMapOvr>
+</p:sld>
+</file>
+
+<file path=ppt/slides/slide5.xml><?xml version="1.0" encoding="utf-8"?>
+<p:sld xmlns:a="http://schemas.openxmlformats.org/drawingml/2006/main" xmlns:r="http://schemas.openxmlformats.org/officeDocument/2006/relationships" xmlns:p="http://schemas.openxmlformats.org/presentationml/2006/main">
+  <p:cSld>
+    <p:spTree>
+      <p:nvGrpSpPr>
+        <p:cNvPr id="1" name=""/>
+        <p:cNvGrpSpPr/>
+        <p:nvPr/>
+      </p:nvGrpSpPr>
+      <p:grpSpPr>
+        <a:xfrm>
+          <a:off x="0" y="0"/>
+          <a:ext cx="0" cy="0"/>
+          <a:chOff x="0" y="0"/>
+          <a:chExt cx="0" cy="0"/>
+        </a:xfrm>
+      </p:grpSpPr>
+      <p:sp>
+        <p:nvSpPr>
+          <p:cNvPr id="4" name="Rectangle 3">
+            <a:extLst>
+              <a:ext uri="{FF2B5EF4-FFF2-40B4-BE49-F238E27FC236}">
+                <a16:creationId xmlns:a16="http://schemas.microsoft.com/office/drawing/2014/main" id="{741E6F0F-8952-48F7-B8A6-5C00D4C8363A}"/>
+              </a:ext>
+            </a:extLst>
+          </p:cNvPr>
+          <p:cNvSpPr/>
+          <p:nvPr/>
+        </p:nvSpPr>
+        <p:spPr bwMode="auto">
+          <a:xfrm>
+            <a:off x="0" y="0"/>
+            <a:ext cx="9144000" cy="627534"/>
+          </a:xfrm>
+          <a:prstGeom prst="rect">
+            <a:avLst/>
+          </a:prstGeom>
+          <a:solidFill>
+            <a:srgbClr val="00589C"/>
+          </a:solidFill>
+          <a:ln w="9525" cap="flat" cmpd="sng" algn="ctr">
+            <a:solidFill>
+              <a:srgbClr val="00589C"/>
+            </a:solidFill>
+            <a:prstDash val="solid"/>
+            <a:round/>
+            <a:headEnd type="none" w="med" len="med"/>
+            <a:tailEnd type="none" w="med" len="med"/>
+          </a:ln>
+          <a:effectLst/>
+          <a:extLst>
+            <a:ext uri="{AF507438-7753-43e0-B8FC-AC1667EBCBE1}">
+              <a14:hiddenEffects xmlns="" xmlns:a14="http://schemas.microsoft.com/office/drawing/2010/main">
+                <a:effectLst>
+                  <a:outerShdw dist="35921" dir="2700000" algn="ctr" rotWithShape="0">
+                    <a:schemeClr val="bg2"/>
+                  </a:outerShdw>
+                </a:effectLst>
+              </a14:hiddenEffects>
+            </a:ext>
+          </a:extLst>
+        </p:spPr>
+        <p:txBody>
+          <a:bodyPr vert="horz" wrap="square" lIns="91440" tIns="45720" rIns="91440" bIns="45720" numCol="1" rtlCol="0" anchor="ctr" anchorCtr="0" compatLnSpc="1">
+            <a:prstTxWarp prst="textNoShape">
+              <a:avLst/>
+            </a:prstTxWarp>
+          </a:bodyPr>
+          <a:lstStyle/>
+          <a:p>
+            <a:pPr marL="0" marR="0" indent="0" algn="l" defTabSz="914400" rtl="0" eaLnBrk="0" fontAlgn="base" latinLnBrk="0" hangingPunct="0">
+              <a:lnSpc>
+                <a:spcPct val="100000"/>
+              </a:lnSpc>
+              <a:spcBef>
+                <a:spcPct val="0"/>
+              </a:spcBef>
+              <a:spcAft>
+                <a:spcPct val="0"/>
+              </a:spcAft>
+              <a:buClrTx/>
+              <a:buSzTx/>
+              <a:buFontTx/>
+              <a:buNone/>
+              <a:tabLst/>
+            </a:pPr>
+            <a:r>
+              <a:rPr kumimoji="0" lang="en-US" sz="2000" b="1" i="0" u="none" strike="noStrike" cap="none" normalizeH="0" baseline="0" dirty="0">
+                <a:ln>
+                  <a:noFill/>
+                </a:ln>
+                <a:solidFill>
+                  <a:schemeClr val="bg1"/>
+                </a:solidFill>
+                <a:effectLst/>
+                <a:latin typeface="+mj-lt"/>
+                <a:ea typeface="ＭＳ Ｐゴシック" pitchFamily="96" charset="-128"/>
+              </a:rPr>
+              <a:t>Topic 1. Introduction to R</a:t>
+            </a:r>
+          </a:p>
+        </p:txBody>
+      </p:sp>
+      <p:sp>
+        <p:nvSpPr>
+          <p:cNvPr id="3" name="Rectangle 2">
+            <a:extLst>
+              <a:ext uri="{FF2B5EF4-FFF2-40B4-BE49-F238E27FC236}">
+                <a16:creationId xmlns:a16="http://schemas.microsoft.com/office/drawing/2014/main" id="{E695171C-A629-451F-B41F-BBA81B01A78E}"/>
+              </a:ext>
+            </a:extLst>
+          </p:cNvPr>
+          <p:cNvSpPr/>
+          <p:nvPr/>
+        </p:nvSpPr>
+        <p:spPr>
+          <a:xfrm>
+            <a:off x="611560" y="767484"/>
+            <a:ext cx="1555362" cy="400110"/>
+          </a:xfrm>
+          <a:prstGeom prst="rect">
+            <a:avLst/>
+          </a:prstGeom>
+          <a:ln>
+            <a:noFill/>
+          </a:ln>
+          <a:effectLst>
+            <a:outerShdw blurRad="44450" dist="27940" dir="5400000" algn="ctr">
+              <a:srgbClr val="000000">
+                <a:alpha val="32000"/>
+              </a:srgbClr>
+            </a:outerShdw>
+          </a:effectLst>
+          <a:scene3d>
+            <a:camera prst="orthographicFront">
+              <a:rot lat="0" lon="0" rev="0"/>
+            </a:camera>
+            <a:lightRig rig="balanced" dir="t">
+              <a:rot lat="0" lon="0" rev="8700000"/>
+            </a:lightRig>
+          </a:scene3d>
+          <a:sp3d>
+            <a:bevelT w="190500" h="38100"/>
+          </a:sp3d>
+        </p:spPr>
+        <p:txBody>
+          <a:bodyPr wrap="none">
+            <a:spAutoFit/>
+          </a:bodyPr>
+          <a:lstStyle/>
+          <a:p>
+            <a:r>
+              <a:rPr lang="en-US" sz="2000" b="1" dirty="0">
+                <a:solidFill>
+                  <a:srgbClr val="00589C"/>
+                </a:solidFill>
+              </a:rPr>
+              <a:t>1. What’s R</a:t>
+            </a:r>
+          </a:p>
+        </p:txBody>
+      </p:sp>
+      <p:sp>
+        <p:nvSpPr>
+          <p:cNvPr id="6" name="TextBox 5">
+            <a:extLst>
+              <a:ext uri="{FF2B5EF4-FFF2-40B4-BE49-F238E27FC236}">
+                <a16:creationId xmlns:a16="http://schemas.microsoft.com/office/drawing/2014/main" id="{19EDC9F3-7FDC-4808-9807-0910CBA177AD}"/>
+              </a:ext>
+            </a:extLst>
+          </p:cNvPr>
+          <p:cNvSpPr txBox="1"/>
+          <p:nvPr/>
+        </p:nvSpPr>
+        <p:spPr>
+          <a:xfrm>
+            <a:off x="631133" y="1359779"/>
+            <a:ext cx="4536504" cy="2246769"/>
+          </a:xfrm>
+          <a:prstGeom prst="rect">
+            <a:avLst/>
+          </a:prstGeom>
+          <a:noFill/>
+        </p:spPr>
+        <p:txBody>
+          <a:bodyPr wrap="square" rtlCol="0">
+            <a:spAutoFit/>
+          </a:bodyPr>
+          <a:lstStyle/>
+          <a:p>
+            <a:r>
+              <a:rPr lang="en-US" sz="2000" dirty="0">
+                <a:latin typeface="+mn-lt"/>
+              </a:rPr>
+              <a:t>Key advantages of R:</a:t>
+            </a:r>
+          </a:p>
+          <a:p>
+            <a:pPr marL="342900" indent="-342900">
+              <a:buFont typeface="Wingdings" panose="05000000000000000000" pitchFamily="2" charset="2"/>
+              <a:buChar char="Ø"/>
+            </a:pPr>
+            <a:r>
+              <a:rPr lang="en-US" sz="2000" dirty="0">
+                <a:latin typeface="+mn-lt"/>
+              </a:rPr>
+              <a:t>Free of charge</a:t>
+            </a:r>
+          </a:p>
+          <a:p>
+            <a:pPr marL="342900" indent="-342900">
+              <a:buFont typeface="Wingdings" panose="05000000000000000000" pitchFamily="2" charset="2"/>
+              <a:buChar char="Ø"/>
+            </a:pPr>
+            <a:r>
+              <a:rPr lang="en-US" sz="2000" dirty="0">
+                <a:latin typeface="+mn-lt"/>
+              </a:rPr>
+              <a:t>Cross-platform</a:t>
+            </a:r>
+          </a:p>
+          <a:p>
+            <a:pPr marL="342900" indent="-342900">
+              <a:buFont typeface="Wingdings" panose="05000000000000000000" pitchFamily="2" charset="2"/>
+              <a:buChar char="Ø"/>
+            </a:pPr>
+            <a:r>
+              <a:rPr lang="en-US" sz="2000" dirty="0">
+                <a:latin typeface="+mn-lt"/>
+              </a:rPr>
+              <a:t>Open source</a:t>
+            </a:r>
+          </a:p>
+          <a:p>
+            <a:pPr marL="342900" indent="-342900">
+              <a:buFont typeface="Wingdings" panose="05000000000000000000" pitchFamily="2" charset="2"/>
+              <a:buChar char="Ø"/>
+            </a:pPr>
+            <a:r>
+              <a:rPr lang="en-US" sz="2000" dirty="0">
+                <a:latin typeface="+mn-lt"/>
+              </a:rPr>
+              <a:t>Interactive programming</a:t>
+            </a:r>
+          </a:p>
+          <a:p>
+            <a:pPr marL="342900" indent="-342900">
+              <a:buFont typeface="Wingdings" panose="05000000000000000000" pitchFamily="2" charset="2"/>
+              <a:buChar char="Ø"/>
+            </a:pPr>
+            <a:r>
+              <a:rPr lang="en-US" sz="2000" dirty="0">
+                <a:latin typeface="+mn-lt"/>
+              </a:rPr>
+              <a:t>Statistical facilities</a:t>
+            </a:r>
+          </a:p>
+          <a:p>
+            <a:pPr marL="342900" indent="-342900">
+              <a:buFont typeface="Wingdings" panose="05000000000000000000" pitchFamily="2" charset="2"/>
+              <a:buChar char="Ø"/>
+            </a:pPr>
+            <a:r>
+              <a:rPr lang="en-US" sz="2000" dirty="0">
+                <a:latin typeface="+mn-lt"/>
+              </a:rPr>
+              <a:t>Graphics capabilities</a:t>
+            </a:r>
+          </a:p>
+        </p:txBody>
+      </p:sp>
+      <p:pic>
+        <p:nvPicPr>
+          <p:cNvPr id="10" name="Picture 9">
+            <a:extLst>
+              <a:ext uri="{FF2B5EF4-FFF2-40B4-BE49-F238E27FC236}">
+                <a16:creationId xmlns:a16="http://schemas.microsoft.com/office/drawing/2014/main" id="{136B7392-E2F6-44FE-BEC0-01C5472A21D8}"/>
+              </a:ext>
+            </a:extLst>
+          </p:cNvPr>
+          <p:cNvPicPr>
+            <a:picLocks noChangeAspect="1"/>
+          </p:cNvPicPr>
+          <p:nvPr/>
+        </p:nvPicPr>
+        <p:blipFill>
+          <a:blip r:embed="rId3" cstate="print">
+            <a:extLst>
+              <a:ext uri="{28A0092B-C50C-407E-A947-70E740481C1C}">
+                <a14:useLocalDpi xmlns:a14="http://schemas.microsoft.com/office/drawing/2010/main" val="0"/>
+              </a:ext>
+            </a:extLst>
+          </a:blip>
+          <a:stretch>
+            <a:fillRect/>
+          </a:stretch>
+        </p:blipFill>
+        <p:spPr>
+          <a:xfrm>
+            <a:off x="4355738" y="1219349"/>
+            <a:ext cx="2863924" cy="2246769"/>
+          </a:xfrm>
+          <a:prstGeom prst="rect">
+            <a:avLst/>
+          </a:prstGeom>
+        </p:spPr>
+      </p:pic>
+      <p:pic>
+        <p:nvPicPr>
+          <p:cNvPr id="12" name="Picture 11">
+            <a:extLst>
+              <a:ext uri="{FF2B5EF4-FFF2-40B4-BE49-F238E27FC236}">
+                <a16:creationId xmlns:a16="http://schemas.microsoft.com/office/drawing/2014/main" id="{10C5CBA1-EE55-4CB2-8C22-B570017601AC}"/>
+              </a:ext>
+            </a:extLst>
+          </p:cNvPr>
+          <p:cNvPicPr>
+            <a:picLocks noChangeAspect="1"/>
+          </p:cNvPicPr>
+          <p:nvPr/>
+        </p:nvPicPr>
+        <p:blipFill>
+          <a:blip r:embed="rId4" cstate="print">
+            <a:extLst>
+              <a:ext uri="{28A0092B-C50C-407E-A947-70E740481C1C}">
+                <a14:useLocalDpi xmlns:a14="http://schemas.microsoft.com/office/drawing/2010/main" val="0"/>
+              </a:ext>
+            </a:extLst>
+          </a:blip>
+          <a:stretch>
+            <a:fillRect/>
+          </a:stretch>
+        </p:blipFill>
+        <p:spPr>
+          <a:xfrm>
+            <a:off x="5833911" y="1766751"/>
+            <a:ext cx="3064295" cy="2389175"/>
+          </a:xfrm>
+          <a:prstGeom prst="rect">
+            <a:avLst/>
+          </a:prstGeom>
+        </p:spPr>
+      </p:pic>
+      <p:sp>
+        <p:nvSpPr>
+          <p:cNvPr id="13" name="Slide Number Placeholder 12">
+            <a:extLst>
+              <a:ext uri="{FF2B5EF4-FFF2-40B4-BE49-F238E27FC236}">
+                <a16:creationId xmlns:a16="http://schemas.microsoft.com/office/drawing/2014/main" id="{291B6708-501E-4DEC-9C3E-1A300EB89B4D}"/>
+              </a:ext>
+            </a:extLst>
+          </p:cNvPr>
+          <p:cNvSpPr>
+            <a:spLocks noGrp="1"/>
+          </p:cNvSpPr>
+          <p:nvPr>
+            <p:ph type="sldNum" sz="quarter" idx="11"/>
+          </p:nvPr>
+        </p:nvSpPr>
+        <p:spPr/>
+        <p:txBody>
+          <a:bodyPr/>
+          <a:lstStyle/>
+          <a:p>
+            <a:fld id="{48105EDC-34E1-4D80-B051-D0CBD59863B8}" type="slidenum">
+              <a:rPr lang="de-DE" altLang="de-DE" smtClean="0"/>
+              <a:pPr/>
+              <a:t>5</a:t>
+            </a:fld>
+            <a:endParaRPr lang="de-DE" altLang="de-DE">
+              <a:solidFill>
+                <a:schemeClr val="tx1"/>
+              </a:solidFill>
+            </a:endParaRPr>
+          </a:p>
+        </p:txBody>
+      </p:sp>
+    </p:spTree>
+    <p:extLst>
+      <p:ext uri="{BB962C8B-B14F-4D97-AF65-F5344CB8AC3E}">
+        <p14:creationId xmlns:p14="http://schemas.microsoft.com/office/powerpoint/2010/main" val="1822297397"/>
+      </p:ext>
+    </p:extLst>
+  </p:cSld>
+  <p:clrMapOvr>
+    <a:masterClrMapping/>
+  </p:clrMapOvr>
+</p:sld>
+</file>
+
+<file path=ppt/slides/slide6.xml><?xml version="1.0" encoding="utf-8"?>
+<p:sld xmlns:a="http://schemas.openxmlformats.org/drawingml/2006/main" xmlns:r="http://schemas.openxmlformats.org/officeDocument/2006/relationships" xmlns:p="http://schemas.openxmlformats.org/presentationml/2006/main">
+  <p:cSld>
+    <p:spTree>
+      <p:nvGrpSpPr>
+        <p:cNvPr id="1" name=""/>
+        <p:cNvGrpSpPr/>
+        <p:nvPr/>
+      </p:nvGrpSpPr>
+      <p:grpSpPr>
+        <a:xfrm>
+          <a:off x="0" y="0"/>
+          <a:ext cx="0" cy="0"/>
+          <a:chOff x="0" y="0"/>
+          <a:chExt cx="0" cy="0"/>
+        </a:xfrm>
+      </p:grpSpPr>
+      <p:sp>
+        <p:nvSpPr>
+          <p:cNvPr id="4" name="Rectangle 3">
+            <a:extLst>
+              <a:ext uri="{FF2B5EF4-FFF2-40B4-BE49-F238E27FC236}">
+                <a16:creationId xmlns:a16="http://schemas.microsoft.com/office/drawing/2014/main" id="{A1C3C5F6-8A40-4A11-882B-01105A36B5CC}"/>
+              </a:ext>
+            </a:extLst>
+          </p:cNvPr>
+          <p:cNvSpPr/>
+          <p:nvPr/>
+        </p:nvSpPr>
+        <p:spPr>
+          <a:xfrm>
+            <a:off x="827584" y="1707654"/>
+            <a:ext cx="5832648" cy="2092881"/>
+          </a:xfrm>
+          <a:prstGeom prst="rect">
+            <a:avLst/>
+          </a:prstGeom>
+        </p:spPr>
+        <p:txBody>
+          <a:bodyPr wrap="square">
+            <a:spAutoFit/>
+          </a:bodyPr>
+          <a:lstStyle/>
+          <a:p>
+            <a:pPr marL="228600" indent="-228600">
+              <a:spcAft>
+                <a:spcPts val="1000"/>
+              </a:spcAft>
+              <a:buFont typeface="+mj-lt"/>
+              <a:buAutoNum type="arabicParenR"/>
+            </a:pPr>
+            <a:r>
+              <a:rPr lang="en-US" sz="1000" b="1" dirty="0">
+                <a:solidFill>
+                  <a:srgbClr val="000000"/>
+                </a:solidFill>
+                <a:latin typeface="+mn-lt"/>
+              </a:rPr>
+              <a:t>Accessing</a:t>
+            </a:r>
+            <a:r>
+              <a:rPr lang="en-US" sz="1000" dirty="0">
+                <a:solidFill>
+                  <a:srgbClr val="000000"/>
+                </a:solidFill>
+                <a:latin typeface="+mn-lt"/>
+              </a:rPr>
+              <a:t> the data (getting the data into the application from multiple sources)</a:t>
+            </a:r>
+          </a:p>
+          <a:p>
+            <a:pPr marL="228600" indent="-228600">
+              <a:spcAft>
+                <a:spcPts val="1000"/>
+              </a:spcAft>
+              <a:buFont typeface="+mj-lt"/>
+              <a:buAutoNum type="arabicParenR"/>
+            </a:pPr>
+            <a:r>
+              <a:rPr lang="en-US" sz="1000" b="1" dirty="0">
+                <a:solidFill>
+                  <a:srgbClr val="000000"/>
+                </a:solidFill>
+                <a:latin typeface="+mn-lt"/>
+              </a:rPr>
+              <a:t>Cleaning</a:t>
+            </a:r>
+            <a:r>
+              <a:rPr lang="en-US" sz="1000" dirty="0">
+                <a:solidFill>
+                  <a:srgbClr val="000000"/>
+                </a:solidFill>
+                <a:latin typeface="+mn-lt"/>
+              </a:rPr>
+              <a:t> the data (coding missing data, fixing or deleting miscoded data, transforming variables into more useful formats)</a:t>
+            </a:r>
+          </a:p>
+          <a:p>
+            <a:pPr marL="228600" indent="-228600">
+              <a:spcAft>
+                <a:spcPts val="1000"/>
+              </a:spcAft>
+              <a:buFont typeface="+mj-lt"/>
+              <a:buAutoNum type="arabicParenR"/>
+            </a:pPr>
+            <a:r>
+              <a:rPr lang="en-US" sz="1000" b="1" dirty="0">
+                <a:solidFill>
+                  <a:srgbClr val="000000"/>
+                </a:solidFill>
+                <a:latin typeface="+mn-lt"/>
+              </a:rPr>
+              <a:t>Annotating</a:t>
+            </a:r>
+            <a:r>
+              <a:rPr lang="en-US" sz="1000" dirty="0">
+                <a:solidFill>
+                  <a:srgbClr val="000000"/>
+                </a:solidFill>
+                <a:latin typeface="+mn-lt"/>
+              </a:rPr>
+              <a:t> the data (in order to remember what each piece represents)</a:t>
+            </a:r>
+          </a:p>
+          <a:p>
+            <a:pPr marL="228600" indent="-228600">
+              <a:spcAft>
+                <a:spcPts val="1000"/>
+              </a:spcAft>
+              <a:buFont typeface="+mj-lt"/>
+              <a:buAutoNum type="arabicParenR"/>
+            </a:pPr>
+            <a:r>
+              <a:rPr lang="en-US" sz="1000" b="1" dirty="0">
+                <a:solidFill>
+                  <a:srgbClr val="000000"/>
+                </a:solidFill>
+                <a:latin typeface="+mn-lt"/>
+              </a:rPr>
+              <a:t>Summarizing</a:t>
+            </a:r>
+            <a:r>
+              <a:rPr lang="en-US" sz="1000" dirty="0">
+                <a:solidFill>
+                  <a:srgbClr val="000000"/>
+                </a:solidFill>
+                <a:latin typeface="+mn-lt"/>
+              </a:rPr>
+              <a:t> the data (getting descriptive statistics to help characterize the data)</a:t>
+            </a:r>
+          </a:p>
+          <a:p>
+            <a:pPr marL="228600" indent="-228600">
+              <a:spcAft>
+                <a:spcPts val="1000"/>
+              </a:spcAft>
+              <a:buFont typeface="+mj-lt"/>
+              <a:buAutoNum type="arabicParenR"/>
+            </a:pPr>
+            <a:r>
+              <a:rPr lang="en-US" sz="1000" b="1" dirty="0">
+                <a:solidFill>
+                  <a:srgbClr val="000000"/>
+                </a:solidFill>
+                <a:latin typeface="+mn-lt"/>
+              </a:rPr>
+              <a:t>Visualizing</a:t>
+            </a:r>
+            <a:r>
+              <a:rPr lang="en-US" sz="1000" dirty="0">
+                <a:solidFill>
+                  <a:srgbClr val="000000"/>
+                </a:solidFill>
+                <a:latin typeface="+mn-lt"/>
+              </a:rPr>
+              <a:t> the data (a picture really is worth a thousand words)</a:t>
+            </a:r>
+          </a:p>
+          <a:p>
+            <a:pPr marL="228600" indent="-228600">
+              <a:spcAft>
+                <a:spcPts val="1000"/>
+              </a:spcAft>
+              <a:buFont typeface="+mj-lt"/>
+              <a:buAutoNum type="arabicParenR"/>
+            </a:pPr>
+            <a:r>
+              <a:rPr lang="en-US" sz="1000" b="1" dirty="0">
+                <a:solidFill>
+                  <a:srgbClr val="000000"/>
+                </a:solidFill>
+                <a:latin typeface="+mn-lt"/>
+              </a:rPr>
+              <a:t>Modeling</a:t>
+            </a:r>
+            <a:r>
+              <a:rPr lang="en-US" sz="1000" dirty="0">
+                <a:solidFill>
+                  <a:srgbClr val="000000"/>
+                </a:solidFill>
+                <a:latin typeface="+mn-lt"/>
+              </a:rPr>
+              <a:t> the data (uncovering relationships and testing hypotheses)</a:t>
+            </a:r>
+          </a:p>
+          <a:p>
+            <a:pPr marL="228600" indent="-228600">
+              <a:spcAft>
+                <a:spcPts val="1000"/>
+              </a:spcAft>
+              <a:buFont typeface="+mj-lt"/>
+              <a:buAutoNum type="arabicParenR"/>
+            </a:pPr>
+            <a:r>
+              <a:rPr lang="en-US" sz="1000" b="1" dirty="0">
+                <a:solidFill>
+                  <a:srgbClr val="000000"/>
+                </a:solidFill>
+                <a:latin typeface="+mn-lt"/>
+              </a:rPr>
+              <a:t>Preparing the results </a:t>
+            </a:r>
+            <a:r>
+              <a:rPr lang="en-US" sz="1000" dirty="0">
+                <a:solidFill>
+                  <a:srgbClr val="000000"/>
+                </a:solidFill>
+                <a:latin typeface="+mn-lt"/>
+              </a:rPr>
+              <a:t>(creating publication-quality tables and graphs)</a:t>
+            </a:r>
+            <a:endParaRPr lang="en-US" sz="1000" dirty="0">
+              <a:latin typeface="+mn-lt"/>
+            </a:endParaRPr>
+          </a:p>
+        </p:txBody>
+      </p:sp>
+      <p:sp>
+        <p:nvSpPr>
+          <p:cNvPr id="6" name="TextBox 5">
+            <a:extLst>
+              <a:ext uri="{FF2B5EF4-FFF2-40B4-BE49-F238E27FC236}">
+                <a16:creationId xmlns:a16="http://schemas.microsoft.com/office/drawing/2014/main" id="{74C8E826-4539-4683-8467-B3E6BA459ED0}"/>
+              </a:ext>
+            </a:extLst>
+          </p:cNvPr>
+          <p:cNvSpPr txBox="1"/>
+          <p:nvPr/>
+        </p:nvSpPr>
+        <p:spPr>
+          <a:xfrm>
+            <a:off x="791050" y="1149908"/>
+            <a:ext cx="5654368" cy="400110"/>
+          </a:xfrm>
+          <a:prstGeom prst="rect">
+            <a:avLst/>
+          </a:prstGeom>
+          <a:noFill/>
+        </p:spPr>
+        <p:txBody>
+          <a:bodyPr wrap="none" rtlCol="0">
+            <a:spAutoFit/>
+          </a:bodyPr>
+          <a:lstStyle/>
+          <a:p>
+            <a:r>
+              <a:rPr lang="en-US" sz="2000" dirty="0">
+                <a:solidFill>
+                  <a:srgbClr val="00589C"/>
+                </a:solidFill>
+              </a:rPr>
+              <a:t>Typical (successful) procedures for data science</a:t>
+            </a:r>
+          </a:p>
+        </p:txBody>
+      </p:sp>
+      <p:grpSp>
+        <p:nvGrpSpPr>
+          <p:cNvPr id="22" name="Group 21">
+            <a:extLst>
+              <a:ext uri="{FF2B5EF4-FFF2-40B4-BE49-F238E27FC236}">
+                <a16:creationId xmlns:a16="http://schemas.microsoft.com/office/drawing/2014/main" id="{682C1A36-4477-46C3-B1A0-DED442A6C54C}"/>
+              </a:ext>
+            </a:extLst>
+          </p:cNvPr>
+          <p:cNvGrpSpPr/>
+          <p:nvPr/>
+        </p:nvGrpSpPr>
+        <p:grpSpPr>
+          <a:xfrm>
+            <a:off x="6871829" y="1782424"/>
+            <a:ext cx="1512168" cy="1973864"/>
+            <a:chOff x="6516216" y="2032822"/>
+            <a:chExt cx="1512168" cy="1973864"/>
+          </a:xfrm>
+        </p:grpSpPr>
+        <p:sp>
+          <p:nvSpPr>
+            <p:cNvPr id="7" name="Rectangle 6">
+              <a:extLst>
+                <a:ext uri="{FF2B5EF4-FFF2-40B4-BE49-F238E27FC236}">
+                  <a16:creationId xmlns:a16="http://schemas.microsoft.com/office/drawing/2014/main" id="{0A67D867-6956-4E00-93ED-41618CB3FE17}"/>
+                </a:ext>
+              </a:extLst>
+            </p:cNvPr>
+            <p:cNvSpPr/>
+            <p:nvPr/>
+          </p:nvSpPr>
+          <p:spPr bwMode="auto">
+            <a:xfrm>
+              <a:off x="6804248" y="2032822"/>
+              <a:ext cx="1224136" cy="360040"/>
+            </a:xfrm>
+            <a:prstGeom prst="rect">
+              <a:avLst/>
+            </a:prstGeom>
+            <a:solidFill>
+              <a:srgbClr val="00589C"/>
+            </a:solidFill>
+            <a:ln w="9525" cap="flat" cmpd="sng" algn="ctr">
+              <a:solidFill>
+                <a:srgbClr val="00589C"/>
+              </a:solidFill>
+              <a:prstDash val="solid"/>
+              <a:round/>
+              <a:headEnd type="none" w="med" len="med"/>
+              <a:tailEnd type="none" w="med" len="med"/>
+            </a:ln>
+            <a:effectLst/>
+            <a:extLst>
+              <a:ext uri="{AF507438-7753-43e0-B8FC-AC1667EBCBE1}">
+                <a14:hiddenEffects xmlns="" xmlns:a14="http://schemas.microsoft.com/office/drawing/2010/main">
+                  <a:effectLst>
+                    <a:outerShdw dist="35921" dir="2700000" algn="ctr" rotWithShape="0">
+                      <a:schemeClr val="bg2"/>
+                    </a:outerShdw>
+                  </a:effectLst>
+                </a14:hiddenEffects>
+              </a:ext>
+            </a:extLst>
+          </p:spPr>
+          <p:txBody>
+            <a:bodyPr vert="horz" wrap="square" lIns="91440" tIns="45720" rIns="91440" bIns="45720" numCol="1" rtlCol="0" anchor="ctr" anchorCtr="0" compatLnSpc="1">
+              <a:prstTxWarp prst="textNoShape">
+                <a:avLst/>
+              </a:prstTxWarp>
+            </a:bodyPr>
+            <a:lstStyle/>
+            <a:p>
+              <a:pPr marL="0" marR="0" indent="0" algn="ctr" defTabSz="914400" rtl="0" eaLnBrk="0" fontAlgn="base" latinLnBrk="0" hangingPunct="0">
+                <a:lnSpc>
+                  <a:spcPct val="100000"/>
+                </a:lnSpc>
+                <a:spcBef>
+                  <a:spcPct val="0"/>
+                </a:spcBef>
+                <a:spcAft>
+                  <a:spcPct val="0"/>
+                </a:spcAft>
+                <a:buClrTx/>
+                <a:buSzTx/>
+                <a:buFontTx/>
+                <a:buNone/>
+                <a:tabLst/>
+              </a:pPr>
+              <a:r>
+                <a:rPr kumimoji="0" lang="en-US" sz="900" b="1" i="0" u="none" strike="noStrike" cap="none" normalizeH="0" baseline="0" dirty="0">
+                  <a:ln>
+                    <a:noFill/>
+                  </a:ln>
+                  <a:solidFill>
+                    <a:schemeClr val="bg1"/>
+                  </a:solidFill>
+                  <a:effectLst/>
+                  <a:latin typeface="+mn-lt"/>
+                  <a:ea typeface="ＭＳ Ｐゴシック" pitchFamily="96" charset="-128"/>
+                </a:rPr>
+                <a:t>Getting data in</a:t>
+              </a:r>
+            </a:p>
+          </p:txBody>
+        </p:sp>
+        <p:sp>
+          <p:nvSpPr>
+            <p:cNvPr id="9" name="Rectangle 8">
+              <a:extLst>
+                <a:ext uri="{FF2B5EF4-FFF2-40B4-BE49-F238E27FC236}">
+                  <a16:creationId xmlns:a16="http://schemas.microsoft.com/office/drawing/2014/main" id="{D776F173-E9B8-4160-96BF-A438C8A1A294}"/>
+                </a:ext>
+              </a:extLst>
+            </p:cNvPr>
+            <p:cNvSpPr/>
+            <p:nvPr/>
+          </p:nvSpPr>
+          <p:spPr bwMode="auto">
+            <a:xfrm>
+              <a:off x="6804248" y="2570763"/>
+              <a:ext cx="1224136" cy="360040"/>
+            </a:xfrm>
+            <a:prstGeom prst="rect">
+              <a:avLst/>
+            </a:prstGeom>
+            <a:solidFill>
+              <a:srgbClr val="00589C"/>
+            </a:solidFill>
+            <a:ln w="9525" cap="flat" cmpd="sng" algn="ctr">
+              <a:solidFill>
+                <a:srgbClr val="00589C"/>
+              </a:solidFill>
+              <a:prstDash val="solid"/>
+              <a:round/>
+              <a:headEnd type="none" w="med" len="med"/>
+              <a:tailEnd type="none" w="med" len="med"/>
+            </a:ln>
+            <a:effectLst/>
+            <a:extLst>
+              <a:ext uri="{AF507438-7753-43e0-B8FC-AC1667EBCBE1}">
+                <a14:hiddenEffects xmlns="" xmlns:a14="http://schemas.microsoft.com/office/drawing/2010/main">
+                  <a:effectLst>
+                    <a:outerShdw dist="35921" dir="2700000" algn="ctr" rotWithShape="0">
+                      <a:schemeClr val="bg2"/>
+                    </a:outerShdw>
+                  </a:effectLst>
+                </a14:hiddenEffects>
+              </a:ext>
+            </a:extLst>
+          </p:spPr>
+          <p:txBody>
+            <a:bodyPr vert="horz" wrap="square" lIns="91440" tIns="45720" rIns="91440" bIns="45720" numCol="1" rtlCol="0" anchor="ctr" anchorCtr="0" compatLnSpc="1">
+              <a:prstTxWarp prst="textNoShape">
+                <a:avLst/>
+              </a:prstTxWarp>
+            </a:bodyPr>
+            <a:lstStyle/>
+            <a:p>
+              <a:pPr marL="0" marR="0" indent="0" algn="ctr" defTabSz="914400" rtl="0" eaLnBrk="0" fontAlgn="base" latinLnBrk="0" hangingPunct="0">
+                <a:lnSpc>
+                  <a:spcPct val="100000"/>
+                </a:lnSpc>
+                <a:spcBef>
+                  <a:spcPct val="0"/>
+                </a:spcBef>
+                <a:spcAft>
+                  <a:spcPct val="0"/>
+                </a:spcAft>
+                <a:buClrTx/>
+                <a:buSzTx/>
+                <a:buFontTx/>
+                <a:buNone/>
+                <a:tabLst/>
+              </a:pPr>
+              <a:r>
+                <a:rPr kumimoji="0" lang="en-US" sz="900" b="1" i="0" u="none" strike="noStrike" cap="none" normalizeH="0" baseline="0" dirty="0">
+                  <a:ln>
+                    <a:noFill/>
+                  </a:ln>
+                  <a:solidFill>
+                    <a:schemeClr val="bg1"/>
+                  </a:solidFill>
+                  <a:effectLst/>
+                  <a:latin typeface="+mn-lt"/>
+                  <a:ea typeface="ＭＳ Ｐゴシック" pitchFamily="96" charset="-128"/>
+                </a:rPr>
+                <a:t>Data manipulation</a:t>
+              </a:r>
+            </a:p>
+          </p:txBody>
+        </p:sp>
+        <p:sp>
+          <p:nvSpPr>
+            <p:cNvPr id="10" name="Rectangle 9">
+              <a:extLst>
+                <a:ext uri="{FF2B5EF4-FFF2-40B4-BE49-F238E27FC236}">
+                  <a16:creationId xmlns:a16="http://schemas.microsoft.com/office/drawing/2014/main" id="{BA8A10B7-07A3-4EFB-BD21-2E658B3307C4}"/>
+                </a:ext>
+              </a:extLst>
+            </p:cNvPr>
+            <p:cNvSpPr/>
+            <p:nvPr/>
+          </p:nvSpPr>
+          <p:spPr bwMode="auto">
+            <a:xfrm>
+              <a:off x="6804248" y="3108704"/>
+              <a:ext cx="1224136" cy="360040"/>
+            </a:xfrm>
+            <a:prstGeom prst="rect">
+              <a:avLst/>
+            </a:prstGeom>
+            <a:solidFill>
+              <a:srgbClr val="00589C"/>
+            </a:solidFill>
+            <a:ln w="9525" cap="flat" cmpd="sng" algn="ctr">
+              <a:solidFill>
+                <a:srgbClr val="00589C"/>
+              </a:solidFill>
+              <a:prstDash val="solid"/>
+              <a:round/>
+              <a:headEnd type="none" w="med" len="med"/>
+              <a:tailEnd type="none" w="med" len="med"/>
+            </a:ln>
+            <a:effectLst/>
+            <a:extLst>
+              <a:ext uri="{AF507438-7753-43e0-B8FC-AC1667EBCBE1}">
+                <a14:hiddenEffects xmlns="" xmlns:a14="http://schemas.microsoft.com/office/drawing/2010/main">
+                  <a:effectLst>
+                    <a:outerShdw dist="35921" dir="2700000" algn="ctr" rotWithShape="0">
+                      <a:schemeClr val="bg2"/>
+                    </a:outerShdw>
+                  </a:effectLst>
+                </a14:hiddenEffects>
+              </a:ext>
+            </a:extLst>
+          </p:spPr>
+          <p:txBody>
+            <a:bodyPr vert="horz" wrap="square" lIns="91440" tIns="45720" rIns="91440" bIns="45720" numCol="1" rtlCol="0" anchor="ctr" anchorCtr="0" compatLnSpc="1">
+              <a:prstTxWarp prst="textNoShape">
+                <a:avLst/>
+              </a:prstTxWarp>
+            </a:bodyPr>
+            <a:lstStyle/>
+            <a:p>
+              <a:pPr marL="0" marR="0" indent="0" algn="ctr" defTabSz="914400" rtl="0" eaLnBrk="0" fontAlgn="base" latinLnBrk="0" hangingPunct="0">
+                <a:lnSpc>
+                  <a:spcPct val="100000"/>
+                </a:lnSpc>
+                <a:spcBef>
+                  <a:spcPct val="0"/>
+                </a:spcBef>
+                <a:spcAft>
+                  <a:spcPct val="0"/>
+                </a:spcAft>
+                <a:buClrTx/>
+                <a:buSzTx/>
+                <a:buFontTx/>
+                <a:buNone/>
+                <a:tabLst/>
+              </a:pPr>
+              <a:r>
+                <a:rPr kumimoji="0" lang="en-US" sz="900" b="1" i="0" u="none" strike="noStrike" cap="none" normalizeH="0" baseline="0" dirty="0">
+                  <a:ln>
+                    <a:noFill/>
+                  </a:ln>
+                  <a:solidFill>
+                    <a:schemeClr val="bg1"/>
+                  </a:solidFill>
+                  <a:effectLst/>
+                  <a:latin typeface="+mn-lt"/>
+                  <a:ea typeface="ＭＳ Ｐゴシック" pitchFamily="96" charset="-128"/>
+                </a:rPr>
+                <a:t>Visualization</a:t>
+              </a:r>
+            </a:p>
+          </p:txBody>
+        </p:sp>
+        <p:sp>
+          <p:nvSpPr>
+            <p:cNvPr id="11" name="Rectangle 10">
+              <a:extLst>
+                <a:ext uri="{FF2B5EF4-FFF2-40B4-BE49-F238E27FC236}">
+                  <a16:creationId xmlns:a16="http://schemas.microsoft.com/office/drawing/2014/main" id="{4F71B93F-B91E-4601-8379-5FF7978FED3C}"/>
+                </a:ext>
+              </a:extLst>
+            </p:cNvPr>
+            <p:cNvSpPr/>
+            <p:nvPr/>
+          </p:nvSpPr>
+          <p:spPr bwMode="auto">
+            <a:xfrm>
+              <a:off x="6804248" y="3646646"/>
+              <a:ext cx="1224136" cy="360040"/>
+            </a:xfrm>
+            <a:prstGeom prst="rect">
+              <a:avLst/>
+            </a:prstGeom>
+            <a:solidFill>
+              <a:srgbClr val="00589C"/>
+            </a:solidFill>
+            <a:ln w="9525" cap="flat" cmpd="sng" algn="ctr">
+              <a:solidFill>
+                <a:srgbClr val="00589C"/>
+              </a:solidFill>
+              <a:prstDash val="solid"/>
+              <a:round/>
+              <a:headEnd type="none" w="med" len="med"/>
+              <a:tailEnd type="none" w="med" len="med"/>
+            </a:ln>
+            <a:effectLst/>
+            <a:extLst>
+              <a:ext uri="{AF507438-7753-43e0-B8FC-AC1667EBCBE1}">
+                <a14:hiddenEffects xmlns="" xmlns:a14="http://schemas.microsoft.com/office/drawing/2010/main">
+                  <a:effectLst>
+                    <a:outerShdw dist="35921" dir="2700000" algn="ctr" rotWithShape="0">
+                      <a:schemeClr val="bg2"/>
+                    </a:outerShdw>
+                  </a:effectLst>
+                </a14:hiddenEffects>
+              </a:ext>
+            </a:extLst>
+          </p:spPr>
+          <p:txBody>
+            <a:bodyPr vert="horz" wrap="square" lIns="91440" tIns="45720" rIns="91440" bIns="45720" numCol="1" rtlCol="0" anchor="ctr" anchorCtr="0" compatLnSpc="1">
+              <a:prstTxWarp prst="textNoShape">
+                <a:avLst/>
+              </a:prstTxWarp>
+            </a:bodyPr>
+            <a:lstStyle/>
+            <a:p>
+              <a:pPr marL="0" marR="0" indent="0" algn="ctr" defTabSz="914400" rtl="0" eaLnBrk="0" fontAlgn="base" latinLnBrk="0" hangingPunct="0">
+                <a:lnSpc>
+                  <a:spcPct val="100000"/>
+                </a:lnSpc>
+                <a:spcBef>
+                  <a:spcPct val="0"/>
+                </a:spcBef>
+                <a:spcAft>
+                  <a:spcPct val="0"/>
+                </a:spcAft>
+                <a:buClrTx/>
+                <a:buSzTx/>
+                <a:buFontTx/>
+                <a:buNone/>
+                <a:tabLst/>
+              </a:pPr>
+              <a:r>
+                <a:rPr kumimoji="0" lang="en-US" sz="900" b="1" i="0" u="none" strike="noStrike" cap="none" normalizeH="0" baseline="0" dirty="0">
+                  <a:ln>
+                    <a:noFill/>
+                  </a:ln>
+                  <a:solidFill>
+                    <a:schemeClr val="bg1"/>
+                  </a:solidFill>
+                  <a:effectLst/>
+                  <a:latin typeface="+mn-lt"/>
+                  <a:ea typeface="ＭＳ Ｐゴシック" pitchFamily="96" charset="-128"/>
+                </a:rPr>
+                <a:t>Algorithm</a:t>
+              </a:r>
+            </a:p>
+          </p:txBody>
+        </p:sp>
+        <p:sp>
+          <p:nvSpPr>
+            <p:cNvPr id="14" name="Right Brace 13">
+              <a:extLst>
+                <a:ext uri="{FF2B5EF4-FFF2-40B4-BE49-F238E27FC236}">
+                  <a16:creationId xmlns:a16="http://schemas.microsoft.com/office/drawing/2014/main" id="{DD877426-1E84-4B77-B2E4-AFBCE3A1B107}"/>
+                </a:ext>
+              </a:extLst>
+            </p:cNvPr>
+            <p:cNvSpPr/>
+            <p:nvPr/>
+          </p:nvSpPr>
+          <p:spPr bwMode="auto">
+            <a:xfrm>
+              <a:off x="6516216" y="2392862"/>
+              <a:ext cx="144016" cy="753820"/>
+            </a:xfrm>
+            <a:prstGeom prst="rightBrace">
+              <a:avLst/>
+            </a:prstGeom>
+            <a:noFill/>
+            <a:ln w="19050" cap="flat" cmpd="sng" algn="ctr">
+              <a:solidFill>
+                <a:srgbClr val="00589C"/>
+              </a:solidFill>
+              <a:prstDash val="solid"/>
+              <a:round/>
+              <a:headEnd type="none" w="med" len="med"/>
+              <a:tailEnd type="none" w="med" len="med"/>
+            </a:ln>
+            <a:effectLst/>
+            <a:extLst>
+              <a:ext uri="{AF507438-7753-43e0-B8FC-AC1667EBCBE1}">
+                <a14:hiddenEffects xmlns="" xmlns:a14="http://schemas.microsoft.com/office/drawing/2010/main">
+                  <a:effectLst>
+                    <a:outerShdw dist="35921" dir="2700000" algn="ctr" rotWithShape="0">
+                      <a:schemeClr val="bg2"/>
+                    </a:outerShdw>
+                  </a:effectLst>
+                </a14:hiddenEffects>
+              </a:ext>
+            </a:extLst>
+          </p:spPr>
+          <p:txBody>
+            <a:bodyPr vert="horz" wrap="square" lIns="91440" tIns="45720" rIns="91440" bIns="45720" numCol="1" rtlCol="0" anchor="t" anchorCtr="0" compatLnSpc="1">
+              <a:prstTxWarp prst="textNoShape">
+                <a:avLst/>
+              </a:prstTxWarp>
+            </a:bodyPr>
+            <a:lstStyle/>
+            <a:p>
+              <a:pPr marL="0" marR="0" indent="0" algn="l" defTabSz="914400" rtl="0" eaLnBrk="0" fontAlgn="base" latinLnBrk="0" hangingPunct="0">
+                <a:lnSpc>
+                  <a:spcPct val="100000"/>
+                </a:lnSpc>
+                <a:spcBef>
+                  <a:spcPct val="0"/>
+                </a:spcBef>
+                <a:spcAft>
+                  <a:spcPct val="0"/>
+                </a:spcAft>
+                <a:buClrTx/>
+                <a:buSzTx/>
+                <a:buFontTx/>
+                <a:buNone/>
+                <a:tabLst/>
+              </a:pPr>
+              <a:endParaRPr kumimoji="0" lang="en-US" sz="2400" b="0" i="0" u="none" strike="noStrike" cap="none" normalizeH="0" baseline="0">
+                <a:ln>
+                  <a:noFill/>
+                </a:ln>
+                <a:solidFill>
+                  <a:schemeClr val="tx1"/>
+                </a:solidFill>
+                <a:effectLst/>
+                <a:latin typeface="Arial" charset="0"/>
+                <a:ea typeface="ＭＳ Ｐゴシック" pitchFamily="96" charset="-128"/>
+              </a:endParaRPr>
+            </a:p>
+          </p:txBody>
+        </p:sp>
+      </p:grpSp>
+      <p:sp>
+        <p:nvSpPr>
+          <p:cNvPr id="23" name="Slide Number Placeholder 22">
+            <a:extLst>
+              <a:ext uri="{FF2B5EF4-FFF2-40B4-BE49-F238E27FC236}">
+                <a16:creationId xmlns:a16="http://schemas.microsoft.com/office/drawing/2014/main" id="{6F224781-9710-4691-80E9-CA40509C9C9C}"/>
+              </a:ext>
+            </a:extLst>
+          </p:cNvPr>
+          <p:cNvSpPr>
+            <a:spLocks noGrp="1"/>
+          </p:cNvSpPr>
+          <p:nvPr>
+            <p:ph type="sldNum" sz="quarter" idx="11"/>
+          </p:nvPr>
+        </p:nvSpPr>
+        <p:spPr/>
+        <p:txBody>
+          <a:bodyPr/>
+          <a:lstStyle/>
+          <a:p>
+            <a:fld id="{48105EDC-34E1-4D80-B051-D0CBD59863B8}" type="slidenum">
+              <a:rPr lang="de-DE" altLang="de-DE" smtClean="0"/>
+              <a:pPr/>
               <a:t>6</a:t>
             </a:fld>
             <a:endParaRPr lang="de-DE" altLang="de-DE">
@@ -20838,10 +21473,96 @@
           </a:p>
         </p:txBody>
       </p:sp>
+      <p:sp>
+        <p:nvSpPr>
+          <p:cNvPr id="26" name="Rectangle 25">
+            <a:extLst>
+              <a:ext uri="{FF2B5EF4-FFF2-40B4-BE49-F238E27FC236}">
+                <a16:creationId xmlns:a16="http://schemas.microsoft.com/office/drawing/2014/main" id="{92825894-94E4-47FA-8039-D98AA3D39589}"/>
+              </a:ext>
+            </a:extLst>
+          </p:cNvPr>
+          <p:cNvSpPr/>
+          <p:nvPr/>
+        </p:nvSpPr>
+        <p:spPr bwMode="auto">
+          <a:xfrm>
+            <a:off x="0" y="0"/>
+            <a:ext cx="9144000" cy="627534"/>
+          </a:xfrm>
+          <a:prstGeom prst="rect">
+            <a:avLst/>
+          </a:prstGeom>
+          <a:solidFill>
+            <a:srgbClr val="00589C"/>
+          </a:solidFill>
+          <a:ln w="9525" cap="flat" cmpd="sng" algn="ctr">
+            <a:solidFill>
+              <a:srgbClr val="00589C"/>
+            </a:solidFill>
+            <a:prstDash val="solid"/>
+            <a:round/>
+            <a:headEnd type="none" w="med" len="med"/>
+            <a:tailEnd type="none" w="med" len="med"/>
+          </a:ln>
+          <a:effectLst/>
+          <a:extLst>
+            <a:ext uri="{AF507438-7753-43e0-B8FC-AC1667EBCBE1}">
+              <a14:hiddenEffects xmlns="" xmlns:a14="http://schemas.microsoft.com/office/drawing/2010/main">
+                <a:effectLst>
+                  <a:outerShdw dist="35921" dir="2700000" algn="ctr" rotWithShape="0">
+                    <a:schemeClr val="bg2"/>
+                  </a:outerShdw>
+                </a:effectLst>
+              </a14:hiddenEffects>
+            </a:ext>
+          </a:extLst>
+        </p:spPr>
+        <p:txBody>
+          <a:bodyPr vert="horz" wrap="square" lIns="91440" tIns="45720" rIns="91440" bIns="45720" numCol="1" rtlCol="0" anchor="ctr" anchorCtr="0" compatLnSpc="1">
+            <a:prstTxWarp prst="textNoShape">
+              <a:avLst/>
+            </a:prstTxWarp>
+          </a:bodyPr>
+          <a:lstStyle/>
+          <a:p>
+            <a:pPr marL="0" marR="0" indent="0" algn="l" defTabSz="914400" rtl="0" eaLnBrk="0" fontAlgn="base" latinLnBrk="0" hangingPunct="0">
+              <a:lnSpc>
+                <a:spcPct val="100000"/>
+              </a:lnSpc>
+              <a:spcBef>
+                <a:spcPct val="0"/>
+              </a:spcBef>
+              <a:spcAft>
+                <a:spcPct val="0"/>
+              </a:spcAft>
+              <a:buClrTx/>
+              <a:buSzTx/>
+              <a:buFontTx/>
+              <a:buNone/>
+              <a:tabLst/>
+            </a:pPr>
+            <a:r>
+              <a:rPr kumimoji="0" lang="en-US" sz="2000" b="1" i="0" u="none" strike="noStrike" cap="none" normalizeH="0" baseline="0" dirty="0">
+                <a:ln>
+                  <a:noFill/>
+                </a:ln>
+                <a:solidFill>
+                  <a:schemeClr val="bg1"/>
+                </a:solidFill>
+                <a:effectLst/>
+                <a:latin typeface="+mj-lt"/>
+                <a:ea typeface="ＭＳ Ｐゴシック" pitchFamily="96" charset="-128"/>
+              </a:rPr>
+              <a:t>Topic 1. Introduction to R</a:t>
+            </a:r>
+          </a:p>
+        </p:txBody>
+      </p:sp>
     </p:spTree>
     <p:extLst>
       <p:ext uri="{BB962C8B-B14F-4D97-AF65-F5344CB8AC3E}">
-        <p14:creationId xmlns:p14="http://schemas.microsoft.com/office/powerpoint/2010/main" val="4188764782"/>
+        <p14:creationId xmlns:p14="http://schemas.microsoft.com/office/powerpoint/2010/main" val="1873564231"/>
       </p:ext>
     </p:extLst>
   </p:cSld>
@@ -20903,7 +21624,311 @@
           <a:effectLst/>
           <a:extLst>
             <a:ext uri="{AF507438-7753-43e0-B8FC-AC1667EBCBE1}">
-              <a14:hiddenEffects xmlns:a14="http://schemas.microsoft.com/office/drawing/2010/main" xmlns="">
+              <a14:hiddenEffects xmlns="" xmlns:a14="http://schemas.microsoft.com/office/drawing/2010/main">
+                <a:effectLst>
+                  <a:outerShdw dist="35921" dir="2700000" algn="ctr" rotWithShape="0">
+                    <a:schemeClr val="bg2"/>
+                  </a:outerShdw>
+                </a:effectLst>
+              </a14:hiddenEffects>
+            </a:ext>
+          </a:extLst>
+        </p:spPr>
+        <p:txBody>
+          <a:bodyPr vert="horz" wrap="square" lIns="91440" tIns="45720" rIns="91440" bIns="45720" numCol="1" rtlCol="0" anchor="ctr" anchorCtr="0" compatLnSpc="1">
+            <a:prstTxWarp prst="textNoShape">
+              <a:avLst/>
+            </a:prstTxWarp>
+          </a:bodyPr>
+          <a:lstStyle/>
+          <a:p>
+            <a:pPr marL="0" marR="0" indent="0" algn="l" defTabSz="914400" rtl="0" eaLnBrk="0" fontAlgn="base" latinLnBrk="0" hangingPunct="0">
+              <a:lnSpc>
+                <a:spcPct val="100000"/>
+              </a:lnSpc>
+              <a:spcBef>
+                <a:spcPct val="0"/>
+              </a:spcBef>
+              <a:spcAft>
+                <a:spcPct val="0"/>
+              </a:spcAft>
+              <a:buClrTx/>
+              <a:buSzTx/>
+              <a:buFontTx/>
+              <a:buNone/>
+              <a:tabLst/>
+            </a:pPr>
+            <a:r>
+              <a:rPr kumimoji="0" lang="en-US" sz="2000" b="1" i="0" u="none" strike="noStrike" cap="none" normalizeH="0" baseline="0" dirty="0">
+                <a:ln>
+                  <a:noFill/>
+                </a:ln>
+                <a:solidFill>
+                  <a:schemeClr val="bg1"/>
+                </a:solidFill>
+                <a:effectLst/>
+                <a:latin typeface="+mj-lt"/>
+                <a:ea typeface="ＭＳ Ｐゴシック" pitchFamily="96" charset="-128"/>
+              </a:rPr>
+              <a:t>Topic 1. Introduction to R</a:t>
+            </a:r>
+          </a:p>
+        </p:txBody>
+      </p:sp>
+      <p:sp>
+        <p:nvSpPr>
+          <p:cNvPr id="5" name="TextBox 4">
+            <a:extLst>
+              <a:ext uri="{FF2B5EF4-FFF2-40B4-BE49-F238E27FC236}">
+                <a16:creationId xmlns:a16="http://schemas.microsoft.com/office/drawing/2014/main" id="{270F3173-CCFE-402E-95F1-C20164395E49}"/>
+              </a:ext>
+            </a:extLst>
+          </p:cNvPr>
+          <p:cNvSpPr txBox="1"/>
+          <p:nvPr/>
+        </p:nvSpPr>
+        <p:spPr>
+          <a:xfrm>
+            <a:off x="1475656" y="1345773"/>
+            <a:ext cx="6624736" cy="2451953"/>
+          </a:xfrm>
+          <a:prstGeom prst="rect">
+            <a:avLst/>
+          </a:prstGeom>
+          <a:noFill/>
+          <a:ln>
+            <a:noFill/>
+          </a:ln>
+          <a:effectLst>
+            <a:outerShdw blurRad="44450" dist="27940" dir="5400000" algn="ctr">
+              <a:srgbClr val="000000">
+                <a:alpha val="32000"/>
+              </a:srgbClr>
+            </a:outerShdw>
+          </a:effectLst>
+          <a:scene3d>
+            <a:camera prst="orthographicFront">
+              <a:rot lat="0" lon="0" rev="0"/>
+            </a:camera>
+            <a:lightRig rig="balanced" dir="t">
+              <a:rot lat="0" lon="0" rev="8700000"/>
+            </a:lightRig>
+          </a:scene3d>
+          <a:sp3d>
+            <a:bevelT w="190500" h="38100"/>
+          </a:sp3d>
+        </p:spPr>
+        <p:txBody>
+          <a:bodyPr wrap="square" rtlCol="0">
+            <a:spAutoFit/>
+          </a:bodyPr>
+          <a:lstStyle/>
+          <a:p>
+            <a:pPr marL="457200" indent="-457200">
+              <a:spcAft>
+                <a:spcPts val="800"/>
+              </a:spcAft>
+              <a:buFont typeface="+mj-lt"/>
+              <a:buAutoNum type="arabicParenR"/>
+            </a:pPr>
+            <a:r>
+              <a:rPr lang="en-US" sz="2000" dirty="0">
+                <a:solidFill>
+                  <a:schemeClr val="accent3">
+                    <a:lumMod val="85000"/>
+                  </a:schemeClr>
+                </a:solidFill>
+              </a:rPr>
+              <a:t>What’s R: Installation, IDE, Help files</a:t>
+            </a:r>
+          </a:p>
+          <a:p>
+            <a:pPr marL="457200" indent="-457200">
+              <a:spcAft>
+                <a:spcPts val="800"/>
+              </a:spcAft>
+              <a:buFont typeface="+mj-lt"/>
+              <a:buAutoNum type="arabicParenR"/>
+            </a:pPr>
+            <a:r>
+              <a:rPr lang="en-US" sz="2000" dirty="0">
+                <a:solidFill>
+                  <a:srgbClr val="00589C"/>
+                </a:solidFill>
+              </a:rPr>
+              <a:t>Data types and structures in R</a:t>
+            </a:r>
+          </a:p>
+          <a:p>
+            <a:pPr marL="457200" indent="-457200">
+              <a:spcAft>
+                <a:spcPts val="800"/>
+              </a:spcAft>
+              <a:buFont typeface="+mj-lt"/>
+              <a:buAutoNum type="arabicParenR"/>
+            </a:pPr>
+            <a:r>
+              <a:rPr lang="en-US" sz="2000" dirty="0">
+                <a:solidFill>
+                  <a:srgbClr val="00589C"/>
+                </a:solidFill>
+              </a:rPr>
+              <a:t>Getting data into R</a:t>
+            </a:r>
+          </a:p>
+          <a:p>
+            <a:pPr marL="457200" indent="-457200">
+              <a:spcAft>
+                <a:spcPts val="800"/>
+              </a:spcAft>
+              <a:buFont typeface="+mj-lt"/>
+              <a:buAutoNum type="arabicParenR"/>
+            </a:pPr>
+            <a:r>
+              <a:rPr lang="en-US" sz="2000" dirty="0">
+                <a:solidFill>
+                  <a:srgbClr val="00589C"/>
+                </a:solidFill>
+              </a:rPr>
+              <a:t>Functions and Control structures</a:t>
+            </a:r>
+          </a:p>
+          <a:p>
+            <a:pPr marL="457200" indent="-457200">
+              <a:spcAft>
+                <a:spcPts val="800"/>
+              </a:spcAft>
+              <a:buFont typeface="+mj-lt"/>
+              <a:buAutoNum type="arabicParenR"/>
+            </a:pPr>
+            <a:r>
+              <a:rPr lang="en-US" sz="2000" dirty="0">
+                <a:solidFill>
+                  <a:srgbClr val="00589C"/>
+                </a:solidFill>
+              </a:rPr>
+              <a:t>Data manipulation</a:t>
+            </a:r>
+          </a:p>
+          <a:p>
+            <a:pPr marL="457200" indent="-457200">
+              <a:spcAft>
+                <a:spcPts val="800"/>
+              </a:spcAft>
+              <a:buFont typeface="+mj-lt"/>
+              <a:buAutoNum type="arabicParenR"/>
+            </a:pPr>
+            <a:r>
+              <a:rPr lang="en-US" sz="2000" dirty="0">
+                <a:solidFill>
+                  <a:srgbClr val="00589C"/>
+                </a:solidFill>
+              </a:rPr>
+              <a:t>Graphic tools</a:t>
+            </a:r>
+          </a:p>
+        </p:txBody>
+      </p:sp>
+      <p:sp>
+        <p:nvSpPr>
+          <p:cNvPr id="2" name="Slide Number Placeholder 1">
+            <a:extLst>
+              <a:ext uri="{FF2B5EF4-FFF2-40B4-BE49-F238E27FC236}">
+                <a16:creationId xmlns:a16="http://schemas.microsoft.com/office/drawing/2014/main" id="{F3798487-A77E-4BA5-8289-22DAA97DB7D7}"/>
+              </a:ext>
+            </a:extLst>
+          </p:cNvPr>
+          <p:cNvSpPr>
+            <a:spLocks noGrp="1"/>
+          </p:cNvSpPr>
+          <p:nvPr>
+            <p:ph type="sldNum" sz="quarter" idx="11"/>
+          </p:nvPr>
+        </p:nvSpPr>
+        <p:spPr/>
+        <p:txBody>
+          <a:bodyPr/>
+          <a:lstStyle/>
+          <a:p>
+            <a:fld id="{48105EDC-34E1-4D80-B051-D0CBD59863B8}" type="slidenum">
+              <a:rPr lang="de-DE" altLang="de-DE" smtClean="0"/>
+              <a:pPr/>
+              <a:t>7</a:t>
+            </a:fld>
+            <a:endParaRPr lang="de-DE" altLang="de-DE">
+              <a:solidFill>
+                <a:schemeClr val="tx1"/>
+              </a:solidFill>
+            </a:endParaRPr>
+          </a:p>
+        </p:txBody>
+      </p:sp>
+    </p:spTree>
+    <p:extLst>
+      <p:ext uri="{BB962C8B-B14F-4D97-AF65-F5344CB8AC3E}">
+        <p14:creationId xmlns:p14="http://schemas.microsoft.com/office/powerpoint/2010/main" val="2905005680"/>
+      </p:ext>
+    </p:extLst>
+  </p:cSld>
+  <p:clrMapOvr>
+    <a:masterClrMapping/>
+  </p:clrMapOvr>
+</p:sld>
+</file>
+
+<file path=ppt/slides/slide8.xml><?xml version="1.0" encoding="utf-8"?>
+<p:sld xmlns:a="http://schemas.openxmlformats.org/drawingml/2006/main" xmlns:r="http://schemas.openxmlformats.org/officeDocument/2006/relationships" xmlns:p="http://schemas.openxmlformats.org/presentationml/2006/main">
+  <p:cSld>
+    <p:spTree>
+      <p:nvGrpSpPr>
+        <p:cNvPr id="1" name=""/>
+        <p:cNvGrpSpPr/>
+        <p:nvPr/>
+      </p:nvGrpSpPr>
+      <p:grpSpPr>
+        <a:xfrm>
+          <a:off x="0" y="0"/>
+          <a:ext cx="0" cy="0"/>
+          <a:chOff x="0" y="0"/>
+          <a:chExt cx="0" cy="0"/>
+        </a:xfrm>
+      </p:grpSpPr>
+      <p:sp>
+        <p:nvSpPr>
+          <p:cNvPr id="4" name="Rectangle 3">
+            <a:extLst>
+              <a:ext uri="{FF2B5EF4-FFF2-40B4-BE49-F238E27FC236}">
+                <a16:creationId xmlns:a16="http://schemas.microsoft.com/office/drawing/2014/main" id="{741E6F0F-8952-48F7-B8A6-5C00D4C8363A}"/>
+              </a:ext>
+            </a:extLst>
+          </p:cNvPr>
+          <p:cNvSpPr/>
+          <p:nvPr/>
+        </p:nvSpPr>
+        <p:spPr bwMode="auto">
+          <a:xfrm>
+            <a:off x="0" y="0"/>
+            <a:ext cx="9144000" cy="627534"/>
+          </a:xfrm>
+          <a:prstGeom prst="rect">
+            <a:avLst/>
+          </a:prstGeom>
+          <a:solidFill>
+            <a:srgbClr val="00589C"/>
+          </a:solidFill>
+          <a:ln w="9525" cap="flat" cmpd="sng" algn="ctr">
+            <a:solidFill>
+              <a:srgbClr val="00589C"/>
+            </a:solidFill>
+            <a:prstDash val="solid"/>
+            <a:round/>
+            <a:headEnd type="none" w="med" len="med"/>
+            <a:tailEnd type="none" w="med" len="med"/>
+          </a:ln>
+          <a:effectLst/>
+          <a:extLst>
+            <a:ext uri="{AF507438-7753-43e0-B8FC-AC1667EBCBE1}">
+              <a14:hiddenEffects xmlns="" xmlns:a14="http://schemas.microsoft.com/office/drawing/2010/main">
                 <a:effectLst>
                   <a:outerShdw dist="35921" dir="2700000" algn="ctr" rotWithShape="0">
                     <a:schemeClr val="bg2"/>
@@ -21037,7 +22062,7 @@
             <a:fld id="{48105EDC-34E1-4D80-B051-D0CBD59863B8}" type="slidenum">
               <a:rPr lang="de-DE" altLang="de-DE" smtClean="0"/>
               <a:pPr/>
-              <a:t>7</a:t>
+              <a:t>8</a:t>
             </a:fld>
             <a:endParaRPr lang="de-DE" altLang="de-DE">
               <a:solidFill>
@@ -21109,7 +22134,7 @@
           <p:nvPr>
             <p:extLst>
               <p:ext uri="{D42A27DB-BD31-4B8C-83A1-F6EECF244321}">
-                <p14:modId xmlns:p14="http://schemas.microsoft.com/office/powerpoint/2010/main" val="1601654446"/>
+                <p14:modId xmlns:p14="http://schemas.microsoft.com/office/powerpoint/2010/main" val="1218331487"/>
               </p:ext>
             </p:extLst>
           </p:nvPr>
@@ -21414,7 +22439,7 @@
                           <a:effectLst/>
                           <a:latin typeface="+mn-lt"/>
                         </a:rPr>
-                        <a:t>0, 12.3, -32, 112, 5432.0</a:t>
+                        <a:t>0.0, 12.3, -32.25, 112, 5432.0</a:t>
                       </a:r>
                     </a:p>
                   </a:txBody>
@@ -21608,7 +22633,7 @@
                           <a:effectLst/>
                           <a:latin typeface="+mn-lt"/>
                         </a:rPr>
-                        <a:t>3, 66, 2346L</a:t>
+                        <a:t>0, 3, 66, 2346L</a:t>
                       </a:r>
                     </a:p>
                   </a:txBody>
@@ -21815,7 +22840,7 @@
                     <a:p>
                       <a:pPr algn="just" fontAlgn="t"/>
                       <a:r>
-                        <a:rPr lang="en-US" sz="800">
+                        <a:rPr lang="en-US" sz="800" dirty="0">
                           <a:solidFill>
                             <a:srgbClr val="333333"/>
                           </a:solidFill>
@@ -22269,7 +23294,7 @@
           <a:effectLst/>
           <a:extLst>
             <a:ext uri="{AF507438-7753-43e0-B8FC-AC1667EBCBE1}">
-              <a14:hiddenEffects xmlns="" xmlns:a14="http://schemas.microsoft.com/office/drawing/2010/main">
+              <a14:hiddenEffects xmlns:a14="http://schemas.microsoft.com/office/drawing/2010/main" xmlns="">
                 <a:effectLst>
                   <a:outerShdw dist="35921" dir="2700000" algn="ctr" rotWithShape="0">
                     <a:schemeClr val="bg2"/>
@@ -22352,7 +23377,7 @@
           <a:effectLst/>
           <a:extLst>
             <a:ext uri="{AF507438-7753-43e0-B8FC-AC1667EBCBE1}">
-              <a14:hiddenEffects xmlns="" xmlns:a14="http://schemas.microsoft.com/office/drawing/2010/main">
+              <a14:hiddenEffects xmlns:a14="http://schemas.microsoft.com/office/drawing/2010/main" xmlns="">
                 <a:effectLst>
                   <a:outerShdw dist="35921" dir="2700000" algn="ctr" rotWithShape="0">
                     <a:schemeClr val="bg2"/>
@@ -22400,6 +23425,104 @@
           </a:p>
         </p:txBody>
       </p:sp>
+      <p:sp>
+        <p:nvSpPr>
+          <p:cNvPr id="9" name="TextBox 8">
+            <a:extLst>
+              <a:ext uri="{FF2B5EF4-FFF2-40B4-BE49-F238E27FC236}">
+                <a16:creationId xmlns:a16="http://schemas.microsoft.com/office/drawing/2014/main" id="{8B027A49-B75B-4331-B654-8CB90C682755}"/>
+              </a:ext>
+            </a:extLst>
+          </p:cNvPr>
+          <p:cNvSpPr txBox="1"/>
+          <p:nvPr/>
+        </p:nvSpPr>
+        <p:spPr>
+          <a:xfrm>
+            <a:off x="1870646" y="3995893"/>
+            <a:ext cx="1333202" cy="461665"/>
+          </a:xfrm>
+          <a:prstGeom prst="rect">
+            <a:avLst/>
+          </a:prstGeom>
+          <a:noFill/>
+        </p:spPr>
+        <p:txBody>
+          <a:bodyPr wrap="square" rtlCol="0">
+            <a:spAutoFit/>
+          </a:bodyPr>
+          <a:lstStyle/>
+          <a:p>
+            <a:r>
+              <a:rPr lang="en-US" sz="1200" dirty="0">
+                <a:solidFill>
+                  <a:srgbClr val="FF0000"/>
+                </a:solidFill>
+              </a:rPr>
+              <a:t>TRUE --&gt; 1</a:t>
+            </a:r>
+          </a:p>
+          <a:p>
+            <a:r>
+              <a:rPr lang="en-US" sz="1200" dirty="0">
+                <a:solidFill>
+                  <a:srgbClr val="FF0000"/>
+                </a:solidFill>
+              </a:rPr>
+              <a:t>FALSE --&gt; 0</a:t>
+            </a:r>
+          </a:p>
+        </p:txBody>
+      </p:sp>
+      <p:sp>
+        <p:nvSpPr>
+          <p:cNvPr id="12" name="TextBox 11">
+            <a:extLst>
+              <a:ext uri="{FF2B5EF4-FFF2-40B4-BE49-F238E27FC236}">
+                <a16:creationId xmlns:a16="http://schemas.microsoft.com/office/drawing/2014/main" id="{613FA11B-0717-4AE7-9A22-CF01F08AD0F4}"/>
+              </a:ext>
+            </a:extLst>
+          </p:cNvPr>
+          <p:cNvSpPr txBox="1"/>
+          <p:nvPr/>
+        </p:nvSpPr>
+        <p:spPr>
+          <a:xfrm>
+            <a:off x="3203848" y="3991038"/>
+            <a:ext cx="1711886" cy="461665"/>
+          </a:xfrm>
+          <a:prstGeom prst="rect">
+            <a:avLst/>
+          </a:prstGeom>
+          <a:noFill/>
+        </p:spPr>
+        <p:txBody>
+          <a:bodyPr wrap="square" rtlCol="0">
+            <a:spAutoFit/>
+          </a:bodyPr>
+          <a:lstStyle/>
+          <a:p>
+            <a:r>
+              <a:rPr lang="en-US" sz="1200" dirty="0">
+                <a:solidFill>
+                  <a:srgbClr val="FF0000"/>
+                </a:solidFill>
+              </a:rPr>
+              <a:t>non-zero --&gt; TRUE 1</a:t>
+            </a:r>
+          </a:p>
+          <a:p>
+            <a:r>
+              <a:rPr lang="en-US" sz="1200" dirty="0">
+                <a:solidFill>
+                  <a:srgbClr val="FF0000"/>
+                </a:solidFill>
+              </a:rPr>
+              <a:t>0 --&gt; FALSE</a:t>
+            </a:r>
+          </a:p>
+        </p:txBody>
+      </p:sp>
     </p:spTree>
     <p:extLst>
       <p:ext uri="{BB962C8B-B14F-4D97-AF65-F5344CB8AC3E}">
@@ -22413,7 +23536,7 @@
 </p:sld>
 </file>
 
-<file path=ppt/slides/slide8.xml><?xml version="1.0" encoding="utf-8"?>
+<file path=ppt/slides/slide9.xml><?xml version="1.0" encoding="utf-8"?>
 <p:sld xmlns:a="http://schemas.openxmlformats.org/drawingml/2006/main" xmlns:r="http://schemas.openxmlformats.org/officeDocument/2006/relationships" xmlns:p="http://schemas.openxmlformats.org/presentationml/2006/main">
   <p:cSld>
     <p:spTree>
@@ -22465,7 +23588,7 @@
           <a:effectLst/>
           <a:extLst>
             <a:ext uri="{AF507438-7753-43e0-B8FC-AC1667EBCBE1}">
-              <a14:hiddenEffects xmlns:a14="http://schemas.microsoft.com/office/drawing/2010/main" xmlns="">
+              <a14:hiddenEffects xmlns="" xmlns:a14="http://schemas.microsoft.com/office/drawing/2010/main">
                 <a:effectLst>
                   <a:outerShdw dist="35921" dir="2700000" algn="ctr" rotWithShape="0">
                     <a:schemeClr val="bg2"/>
@@ -22599,7 +23722,7 @@
             <a:fld id="{48105EDC-34E1-4D80-B051-D0CBD59863B8}" type="slidenum">
               <a:rPr lang="de-DE" altLang="de-DE" smtClean="0"/>
               <a:pPr/>
-              <a:t>8</a:t>
+              <a:t>9</a:t>
             </a:fld>
             <a:endParaRPr lang="de-DE" altLang="de-DE">
               <a:solidFill>
@@ -22662,7 +23785,7 @@
             <a:effectLst/>
             <a:extLst>
               <a:ext uri="{AF507438-7753-43e0-B8FC-AC1667EBCBE1}">
-                <a14:hiddenEffects xmlns="" xmlns:a14="http://schemas.microsoft.com/office/drawing/2010/main">
+                <a14:hiddenEffects xmlns:a14="http://schemas.microsoft.com/office/drawing/2010/main" xmlns="">
                   <a:effectLst>
                     <a:outerShdw dist="35921" dir="2700000" algn="ctr" rotWithShape="0">
                       <a:schemeClr val="bg2"/>
@@ -23173,646 +24296,6 @@
     <p:extLst>
       <p:ext uri="{BB962C8B-B14F-4D97-AF65-F5344CB8AC3E}">
         <p14:creationId xmlns:p14="http://schemas.microsoft.com/office/powerpoint/2010/main" val="4266850155"/>
-      </p:ext>
-    </p:extLst>
-  </p:cSld>
-  <p:clrMapOvr>
-    <a:masterClrMapping/>
-  </p:clrMapOvr>
-</p:sld>
-</file>
-
-<file path=ppt/slides/slide9.xml><?xml version="1.0" encoding="utf-8"?>
-<p:sld xmlns:a="http://schemas.openxmlformats.org/drawingml/2006/main" xmlns:r="http://schemas.openxmlformats.org/officeDocument/2006/relationships" xmlns:p="http://schemas.openxmlformats.org/presentationml/2006/main">
-  <p:cSld>
-    <p:spTree>
-      <p:nvGrpSpPr>
-        <p:cNvPr id="1" name=""/>
-        <p:cNvGrpSpPr/>
-        <p:nvPr/>
-      </p:nvGrpSpPr>
-      <p:grpSpPr>
-        <a:xfrm>
-          <a:off x="0" y="0"/>
-          <a:ext cx="0" cy="0"/>
-          <a:chOff x="0" y="0"/>
-          <a:chExt cx="0" cy="0"/>
-        </a:xfrm>
-      </p:grpSpPr>
-      <p:sp>
-        <p:nvSpPr>
-          <p:cNvPr id="4" name="Rectangle 3">
-            <a:extLst>
-              <a:ext uri="{FF2B5EF4-FFF2-40B4-BE49-F238E27FC236}">
-                <a16:creationId xmlns:a16="http://schemas.microsoft.com/office/drawing/2014/main" id="{741E6F0F-8952-48F7-B8A6-5C00D4C8363A}"/>
-              </a:ext>
-            </a:extLst>
-          </p:cNvPr>
-          <p:cNvSpPr/>
-          <p:nvPr/>
-        </p:nvSpPr>
-        <p:spPr bwMode="auto">
-          <a:xfrm>
-            <a:off x="0" y="0"/>
-            <a:ext cx="9144000" cy="627534"/>
-          </a:xfrm>
-          <a:prstGeom prst="rect">
-            <a:avLst/>
-          </a:prstGeom>
-          <a:solidFill>
-            <a:srgbClr val="00589C"/>
-          </a:solidFill>
-          <a:ln w="9525" cap="flat" cmpd="sng" algn="ctr">
-            <a:solidFill>
-              <a:srgbClr val="00589C"/>
-            </a:solidFill>
-            <a:prstDash val="solid"/>
-            <a:round/>
-            <a:headEnd type="none" w="med" len="med"/>
-            <a:tailEnd type="none" w="med" len="med"/>
-          </a:ln>
-          <a:effectLst/>
-          <a:extLst>
-            <a:ext uri="{AF507438-7753-43e0-B8FC-AC1667EBCBE1}">
-              <a14:hiddenEffects xmlns:a14="http://schemas.microsoft.com/office/drawing/2010/main" xmlns="">
-                <a:effectLst>
-                  <a:outerShdw dist="35921" dir="2700000" algn="ctr" rotWithShape="0">
-                    <a:schemeClr val="bg2"/>
-                  </a:outerShdw>
-                </a:effectLst>
-              </a14:hiddenEffects>
-            </a:ext>
-          </a:extLst>
-        </p:spPr>
-        <p:txBody>
-          <a:bodyPr vert="horz" wrap="square" lIns="91440" tIns="45720" rIns="91440" bIns="45720" numCol="1" rtlCol="0" anchor="ctr" anchorCtr="0" compatLnSpc="1">
-            <a:prstTxWarp prst="textNoShape">
-              <a:avLst/>
-            </a:prstTxWarp>
-          </a:bodyPr>
-          <a:lstStyle/>
-          <a:p>
-            <a:pPr marL="0" marR="0" indent="0" algn="l" defTabSz="914400" rtl="0" eaLnBrk="0" fontAlgn="base" latinLnBrk="0" hangingPunct="0">
-              <a:lnSpc>
-                <a:spcPct val="100000"/>
-              </a:lnSpc>
-              <a:spcBef>
-                <a:spcPct val="0"/>
-              </a:spcBef>
-              <a:spcAft>
-                <a:spcPct val="0"/>
-              </a:spcAft>
-              <a:buClrTx/>
-              <a:buSzTx/>
-              <a:buFontTx/>
-              <a:buNone/>
-              <a:tabLst/>
-            </a:pPr>
-            <a:r>
-              <a:rPr kumimoji="0" lang="en-US" sz="2000" b="1" i="0" u="none" strike="noStrike" cap="none" normalizeH="0" baseline="0" dirty="0">
-                <a:ln>
-                  <a:noFill/>
-                </a:ln>
-                <a:solidFill>
-                  <a:schemeClr val="bg1"/>
-                </a:solidFill>
-                <a:effectLst/>
-                <a:latin typeface="+mj-lt"/>
-                <a:ea typeface="ＭＳ Ｐゴシック" pitchFamily="96" charset="-128"/>
-              </a:rPr>
-              <a:t>Topic 1. Introduction to R</a:t>
-            </a:r>
-          </a:p>
-        </p:txBody>
-      </p:sp>
-      <p:sp>
-        <p:nvSpPr>
-          <p:cNvPr id="3" name="Rectangle 2">
-            <a:extLst>
-              <a:ext uri="{FF2B5EF4-FFF2-40B4-BE49-F238E27FC236}">
-                <a16:creationId xmlns:a16="http://schemas.microsoft.com/office/drawing/2014/main" id="{E695171C-A629-451F-B41F-BBA81B01A78E}"/>
-              </a:ext>
-            </a:extLst>
-          </p:cNvPr>
-          <p:cNvSpPr/>
-          <p:nvPr/>
-        </p:nvSpPr>
-        <p:spPr>
-          <a:xfrm>
-            <a:off x="611560" y="767484"/>
-            <a:ext cx="2759089" cy="400110"/>
-          </a:xfrm>
-          <a:prstGeom prst="rect">
-            <a:avLst/>
-          </a:prstGeom>
-          <a:ln>
-            <a:noFill/>
-          </a:ln>
-          <a:effectLst>
-            <a:outerShdw blurRad="44450" dist="27940" dir="5400000" algn="ctr">
-              <a:srgbClr val="000000">
-                <a:alpha val="32000"/>
-              </a:srgbClr>
-            </a:outerShdw>
-          </a:effectLst>
-          <a:scene3d>
-            <a:camera prst="orthographicFront">
-              <a:rot lat="0" lon="0" rev="0"/>
-            </a:camera>
-            <a:lightRig rig="balanced" dir="t">
-              <a:rot lat="0" lon="0" rev="8700000"/>
-            </a:lightRig>
-          </a:scene3d>
-          <a:sp3d>
-            <a:bevelT w="190500" h="38100"/>
-          </a:sp3d>
-        </p:spPr>
-        <p:txBody>
-          <a:bodyPr wrap="none">
-            <a:spAutoFit/>
-          </a:bodyPr>
-          <a:lstStyle/>
-          <a:p>
-            <a:r>
-              <a:rPr lang="en-US" sz="2000" b="1" dirty="0">
-                <a:solidFill>
-                  <a:srgbClr val="00589C"/>
-                </a:solidFill>
-              </a:rPr>
-              <a:t>3. Getting data into R</a:t>
-            </a:r>
-          </a:p>
-        </p:txBody>
-      </p:sp>
-      <p:sp>
-        <p:nvSpPr>
-          <p:cNvPr id="2" name="Slide Number Placeholder 1">
-            <a:extLst>
-              <a:ext uri="{FF2B5EF4-FFF2-40B4-BE49-F238E27FC236}">
-                <a16:creationId xmlns:a16="http://schemas.microsoft.com/office/drawing/2014/main" id="{4176AD70-AE94-4707-8855-97299D22C18B}"/>
-              </a:ext>
-            </a:extLst>
-          </p:cNvPr>
-          <p:cNvSpPr>
-            <a:spLocks noGrp="1"/>
-          </p:cNvSpPr>
-          <p:nvPr>
-            <p:ph type="sldNum" sz="quarter" idx="11"/>
-          </p:nvPr>
-        </p:nvSpPr>
-        <p:spPr/>
-        <p:txBody>
-          <a:bodyPr/>
-          <a:lstStyle/>
-          <a:p>
-            <a:fld id="{48105EDC-34E1-4D80-B051-D0CBD59863B8}" type="slidenum">
-              <a:rPr lang="de-DE" altLang="de-DE" smtClean="0"/>
-              <a:pPr/>
-              <a:t>9</a:t>
-            </a:fld>
-            <a:endParaRPr lang="de-DE" altLang="de-DE">
-              <a:solidFill>
-                <a:schemeClr val="tx1"/>
-              </a:solidFill>
-            </a:endParaRPr>
-          </a:p>
-        </p:txBody>
-      </p:sp>
-      <p:pic>
-        <p:nvPicPr>
-          <p:cNvPr id="6" name="Picture 5">
-            <a:extLst>
-              <a:ext uri="{FF2B5EF4-FFF2-40B4-BE49-F238E27FC236}">
-                <a16:creationId xmlns:a16="http://schemas.microsoft.com/office/drawing/2014/main" id="{DB20B547-657D-4011-8607-8B0584A3B893}"/>
-              </a:ext>
-            </a:extLst>
-          </p:cNvPr>
-          <p:cNvPicPr>
-            <a:picLocks noChangeAspect="1"/>
-          </p:cNvPicPr>
-          <p:nvPr/>
-        </p:nvPicPr>
-        <p:blipFill>
-          <a:blip r:embed="rId3">
-            <a:extLst>
-              <a:ext uri="{28A0092B-C50C-407E-A947-70E740481C1C}">
-                <a14:useLocalDpi xmlns:a14="http://schemas.microsoft.com/office/drawing/2010/main" val="0"/>
-              </a:ext>
-            </a:extLst>
-          </a:blip>
-          <a:stretch>
-            <a:fillRect/>
-          </a:stretch>
-        </p:blipFill>
-        <p:spPr>
-          <a:xfrm>
-            <a:off x="875280" y="1445221"/>
-            <a:ext cx="3957797" cy="2683634"/>
-          </a:xfrm>
-          <a:prstGeom prst="rect">
-            <a:avLst/>
-          </a:prstGeom>
-        </p:spPr>
-      </p:pic>
-      <p:grpSp>
-        <p:nvGrpSpPr>
-          <p:cNvPr id="13" name="Group 12">
-            <a:extLst>
-              <a:ext uri="{FF2B5EF4-FFF2-40B4-BE49-F238E27FC236}">
-                <a16:creationId xmlns:a16="http://schemas.microsoft.com/office/drawing/2014/main" id="{28A71413-1930-40B5-B1DD-C249DA4FB5E9}"/>
-              </a:ext>
-            </a:extLst>
-          </p:cNvPr>
-          <p:cNvGrpSpPr/>
-          <p:nvPr/>
-        </p:nvGrpSpPr>
-        <p:grpSpPr>
-          <a:xfrm>
-            <a:off x="5508104" y="1074301"/>
-            <a:ext cx="3263416" cy="3366845"/>
-            <a:chOff x="5508104" y="875356"/>
-            <a:chExt cx="3263416" cy="3366845"/>
-          </a:xfrm>
-        </p:grpSpPr>
-        <p:pic>
-          <p:nvPicPr>
-            <p:cNvPr id="3074" name="Picture 2" descr="Reading Data From txt|csv Files: readr package">
-              <a:extLst>
-                <a:ext uri="{FF2B5EF4-FFF2-40B4-BE49-F238E27FC236}">
-                  <a16:creationId xmlns:a16="http://schemas.microsoft.com/office/drawing/2014/main" id="{2CC528B8-53C4-4A45-8D07-108464521F31}"/>
-                </a:ext>
-              </a:extLst>
-            </p:cNvPr>
-            <p:cNvPicPr>
-              <a:picLocks noChangeAspect="1" noChangeArrowheads="1"/>
-            </p:cNvPicPr>
-            <p:nvPr/>
-          </p:nvPicPr>
-          <p:blipFill rotWithShape="1">
-            <a:blip r:embed="rId4">
-              <a:extLst>
-                <a:ext uri="{28A0092B-C50C-407E-A947-70E740481C1C}">
-                  <a14:useLocalDpi xmlns:a14="http://schemas.microsoft.com/office/drawing/2010/main" val="0"/>
-                </a:ext>
-              </a:extLst>
-            </a:blip>
-            <a:srcRect l="59122" t="41221" b="22001"/>
-            <a:stretch/>
-          </p:blipFill>
-          <p:spPr bwMode="auto">
-            <a:xfrm>
-              <a:off x="7377472" y="2207912"/>
-              <a:ext cx="1394048" cy="677311"/>
-            </a:xfrm>
-            <a:prstGeom prst="rect">
-              <a:avLst/>
-            </a:prstGeom>
-            <a:noFill/>
-            <a:extLst>
-              <a:ext uri="{909E8E84-426E-40DD-AFC4-6F175D3DCCD1}">
-                <a14:hiddenFill xmlns:a14="http://schemas.microsoft.com/office/drawing/2010/main">
-                  <a:solidFill>
-                    <a:srgbClr val="FFFFFF"/>
-                  </a:solidFill>
-                </a14:hiddenFill>
-              </a:ext>
-            </a:extLst>
-          </p:spPr>
-        </p:pic>
-        <p:sp>
-          <p:nvSpPr>
-            <p:cNvPr id="8" name="Arrow: Curved Down 7">
-              <a:extLst>
-                <a:ext uri="{FF2B5EF4-FFF2-40B4-BE49-F238E27FC236}">
-                  <a16:creationId xmlns:a16="http://schemas.microsoft.com/office/drawing/2014/main" id="{40684131-A8A2-4AAC-8CF4-8EA6BD71688D}"/>
-                </a:ext>
-              </a:extLst>
-            </p:cNvPr>
-            <p:cNvSpPr/>
-            <p:nvPr/>
-          </p:nvSpPr>
-          <p:spPr bwMode="auto">
-            <a:xfrm>
-              <a:off x="6027646" y="1246367"/>
-              <a:ext cx="2247606" cy="777037"/>
-            </a:xfrm>
-            <a:prstGeom prst="curvedDownArrow">
-              <a:avLst/>
-            </a:prstGeom>
-            <a:solidFill>
-              <a:schemeClr val="accent5"/>
-            </a:solidFill>
-            <a:ln w="9525" cap="flat" cmpd="sng" algn="ctr">
-              <a:solidFill>
-                <a:schemeClr val="tx1"/>
-              </a:solidFill>
-              <a:prstDash val="solid"/>
-              <a:round/>
-              <a:headEnd type="none" w="med" len="med"/>
-              <a:tailEnd type="none" w="med" len="med"/>
-            </a:ln>
-            <a:effectLst/>
-            <a:extLst>
-              <a:ext uri="{AF507438-7753-43e0-B8FC-AC1667EBCBE1}">
-                <a14:hiddenEffects xmlns:a14="http://schemas.microsoft.com/office/drawing/2010/main" xmlns="">
-                  <a:effectLst>
-                    <a:outerShdw dist="35921" dir="2700000" algn="ctr" rotWithShape="0">
-                      <a:schemeClr val="bg2"/>
-                    </a:outerShdw>
-                  </a:effectLst>
-                </a14:hiddenEffects>
-              </a:ext>
-            </a:extLst>
-          </p:spPr>
-          <p:txBody>
-            <a:bodyPr vert="horz" wrap="square" lIns="91440" tIns="45720" rIns="91440" bIns="45720" numCol="1" rtlCol="0" anchor="t" anchorCtr="0" compatLnSpc="1">
-              <a:prstTxWarp prst="textNoShape">
-                <a:avLst/>
-              </a:prstTxWarp>
-            </a:bodyPr>
-            <a:lstStyle/>
-            <a:p>
-              <a:pPr marL="0" marR="0" indent="0" algn="l" defTabSz="914400" rtl="0" eaLnBrk="0" fontAlgn="base" latinLnBrk="0" hangingPunct="0">
-                <a:lnSpc>
-                  <a:spcPct val="100000"/>
-                </a:lnSpc>
-                <a:spcBef>
-                  <a:spcPct val="0"/>
-                </a:spcBef>
-                <a:spcAft>
-                  <a:spcPct val="0"/>
-                </a:spcAft>
-                <a:buClrTx/>
-                <a:buSzTx/>
-                <a:buFontTx/>
-                <a:buNone/>
-                <a:tabLst/>
-              </a:pPr>
-              <a:endParaRPr kumimoji="0" lang="en-US" sz="2400" b="0" i="0" u="none" strike="noStrike" cap="none" normalizeH="0" baseline="0">
-                <a:ln>
-                  <a:noFill/>
-                </a:ln>
-                <a:solidFill>
-                  <a:schemeClr val="tx1"/>
-                </a:solidFill>
-                <a:effectLst/>
-                <a:latin typeface="Arial" charset="0"/>
-                <a:ea typeface="ＭＳ Ｐゴシック" pitchFamily="96" charset="-128"/>
-              </a:endParaRPr>
-            </a:p>
-          </p:txBody>
-        </p:sp>
-        <p:pic>
-          <p:nvPicPr>
-            <p:cNvPr id="3076" name="Picture 4" descr="R">
-              <a:extLst>
-                <a:ext uri="{FF2B5EF4-FFF2-40B4-BE49-F238E27FC236}">
-                  <a16:creationId xmlns:a16="http://schemas.microsoft.com/office/drawing/2014/main" id="{176558D6-FF7E-4E93-A0E8-FC49ED175D05}"/>
-                </a:ext>
-              </a:extLst>
-            </p:cNvPr>
-            <p:cNvPicPr>
-              <a:picLocks noChangeAspect="1" noChangeArrowheads="1"/>
-            </p:cNvPicPr>
-            <p:nvPr/>
-          </p:nvPicPr>
-          <p:blipFill>
-            <a:blip r:embed="rId5">
-              <a:extLst>
-                <a:ext uri="{28A0092B-C50C-407E-A947-70E740481C1C}">
-                  <a14:useLocalDpi xmlns:a14="http://schemas.microsoft.com/office/drawing/2010/main" val="0"/>
-                </a:ext>
-              </a:extLst>
-            </a:blip>
-            <a:srcRect/>
-            <a:stretch>
-              <a:fillRect/>
-            </a:stretch>
-          </p:blipFill>
-          <p:spPr bwMode="auto">
-            <a:xfrm>
-              <a:off x="5508104" y="2158048"/>
-              <a:ext cx="1002629" cy="777038"/>
-            </a:xfrm>
-            <a:prstGeom prst="rect">
-              <a:avLst/>
-            </a:prstGeom>
-            <a:noFill/>
-            <a:extLst>
-              <a:ext uri="{909E8E84-426E-40DD-AFC4-6F175D3DCCD1}">
-                <a14:hiddenFill xmlns:a14="http://schemas.microsoft.com/office/drawing/2010/main">
-                  <a:solidFill>
-                    <a:srgbClr val="FFFFFF"/>
-                  </a:solidFill>
-                </a14:hiddenFill>
-              </a:ext>
-            </a:extLst>
-          </p:spPr>
-        </p:pic>
-        <p:sp>
-          <p:nvSpPr>
-            <p:cNvPr id="12" name="Arrow: Curved Down 11">
-              <a:extLst>
-                <a:ext uri="{FF2B5EF4-FFF2-40B4-BE49-F238E27FC236}">
-                  <a16:creationId xmlns:a16="http://schemas.microsoft.com/office/drawing/2014/main" id="{EE1A2542-3FFC-4BD2-BE9E-3DD443AB7FF2}"/>
-                </a:ext>
-              </a:extLst>
-            </p:cNvPr>
-            <p:cNvSpPr/>
-            <p:nvPr/>
-          </p:nvSpPr>
-          <p:spPr bwMode="auto">
-            <a:xfrm rot="10800000">
-              <a:off x="6027646" y="3018849"/>
-              <a:ext cx="2247606" cy="777037"/>
-            </a:xfrm>
-            <a:prstGeom prst="curvedDownArrow">
-              <a:avLst/>
-            </a:prstGeom>
-            <a:solidFill>
-              <a:schemeClr val="accent5"/>
-            </a:solidFill>
-            <a:ln w="9525" cap="flat" cmpd="sng" algn="ctr">
-              <a:solidFill>
-                <a:schemeClr val="tx1"/>
-              </a:solidFill>
-              <a:prstDash val="solid"/>
-              <a:round/>
-              <a:headEnd type="none" w="med" len="med"/>
-              <a:tailEnd type="none" w="med" len="med"/>
-            </a:ln>
-            <a:effectLst/>
-            <a:extLst>
-              <a:ext uri="{AF507438-7753-43e0-B8FC-AC1667EBCBE1}">
-                <a14:hiddenEffects xmlns:a14="http://schemas.microsoft.com/office/drawing/2010/main" xmlns="">
-                  <a:effectLst>
-                    <a:outerShdw dist="35921" dir="2700000" algn="ctr" rotWithShape="0">
-                      <a:schemeClr val="bg2"/>
-                    </a:outerShdw>
-                  </a:effectLst>
-                </a14:hiddenEffects>
-              </a:ext>
-            </a:extLst>
-          </p:spPr>
-          <p:txBody>
-            <a:bodyPr vert="horz" wrap="square" lIns="91440" tIns="45720" rIns="91440" bIns="45720" numCol="1" rtlCol="0" anchor="t" anchorCtr="0" compatLnSpc="1">
-              <a:prstTxWarp prst="textNoShape">
-                <a:avLst/>
-              </a:prstTxWarp>
-            </a:bodyPr>
-            <a:lstStyle/>
-            <a:p>
-              <a:pPr marL="0" marR="0" indent="0" algn="l" defTabSz="914400" rtl="0" eaLnBrk="0" fontAlgn="base" latinLnBrk="0" hangingPunct="0">
-                <a:lnSpc>
-                  <a:spcPct val="100000"/>
-                </a:lnSpc>
-                <a:spcBef>
-                  <a:spcPct val="0"/>
-                </a:spcBef>
-                <a:spcAft>
-                  <a:spcPct val="0"/>
-                </a:spcAft>
-                <a:buClrTx/>
-                <a:buSzTx/>
-                <a:buFontTx/>
-                <a:buNone/>
-                <a:tabLst/>
-              </a:pPr>
-              <a:endParaRPr kumimoji="0" lang="en-US" sz="2400" b="0" i="0" u="none" strike="noStrike" cap="none" normalizeH="0" baseline="0">
-                <a:ln>
-                  <a:noFill/>
-                </a:ln>
-                <a:solidFill>
-                  <a:schemeClr val="tx1"/>
-                </a:solidFill>
-                <a:effectLst/>
-                <a:latin typeface="Arial" charset="0"/>
-                <a:ea typeface="ＭＳ Ｐゴシック" pitchFamily="96" charset="-128"/>
-              </a:endParaRPr>
-            </a:p>
-          </p:txBody>
-        </p:sp>
-        <p:sp>
-          <p:nvSpPr>
-            <p:cNvPr id="9" name="TextBox 8">
-              <a:extLst>
-                <a:ext uri="{FF2B5EF4-FFF2-40B4-BE49-F238E27FC236}">
-                  <a16:creationId xmlns:a16="http://schemas.microsoft.com/office/drawing/2014/main" id="{20DA0656-6CAA-4661-9FB7-C136618AA1FE}"/>
-                </a:ext>
-              </a:extLst>
-            </p:cNvPr>
-            <p:cNvSpPr txBox="1"/>
-            <p:nvPr/>
-          </p:nvSpPr>
-          <p:spPr>
-            <a:xfrm>
-              <a:off x="5997127" y="875356"/>
-              <a:ext cx="2308645" cy="338554"/>
-            </a:xfrm>
-            <a:prstGeom prst="rect">
-              <a:avLst/>
-            </a:prstGeom>
-            <a:noFill/>
-          </p:spPr>
-          <p:txBody>
-            <a:bodyPr wrap="none" rtlCol="0">
-              <a:spAutoFit/>
-            </a:bodyPr>
-            <a:lstStyle/>
-            <a:p>
-              <a:r>
-                <a:rPr lang="en-US" sz="1600" dirty="0">
-                  <a:solidFill>
-                    <a:srgbClr val="00589C"/>
-                  </a:solidFill>
-                  <a:latin typeface="+mn-lt"/>
-                </a:rPr>
-                <a:t>Export: </a:t>
-              </a:r>
-              <a:r>
-                <a:rPr lang="en-US" sz="1600" dirty="0" err="1">
-                  <a:solidFill>
-                    <a:srgbClr val="00589C"/>
-                  </a:solidFill>
-                  <a:latin typeface="+mn-lt"/>
-                </a:rPr>
-                <a:t>write.table</a:t>
-              </a:r>
-              <a:r>
-                <a:rPr lang="en-US" sz="1600" dirty="0">
-                  <a:solidFill>
-                    <a:srgbClr val="00589C"/>
-                  </a:solidFill>
-                  <a:latin typeface="+mn-lt"/>
-                </a:rPr>
-                <a:t>()</a:t>
-              </a:r>
-            </a:p>
-          </p:txBody>
-        </p:sp>
-        <p:sp>
-          <p:nvSpPr>
-            <p:cNvPr id="14" name="TextBox 13">
-              <a:extLst>
-                <a:ext uri="{FF2B5EF4-FFF2-40B4-BE49-F238E27FC236}">
-                  <a16:creationId xmlns:a16="http://schemas.microsoft.com/office/drawing/2014/main" id="{A17C5DC2-E270-4A7F-A519-6F197E094CF3}"/>
-                </a:ext>
-              </a:extLst>
-            </p:cNvPr>
-            <p:cNvSpPr txBox="1"/>
-            <p:nvPr/>
-          </p:nvSpPr>
-          <p:spPr>
-            <a:xfrm>
-              <a:off x="6005943" y="3903647"/>
-              <a:ext cx="2291012" cy="338554"/>
-            </a:xfrm>
-            <a:prstGeom prst="rect">
-              <a:avLst/>
-            </a:prstGeom>
-            <a:noFill/>
-          </p:spPr>
-          <p:txBody>
-            <a:bodyPr wrap="none" rtlCol="0">
-              <a:spAutoFit/>
-            </a:bodyPr>
-            <a:lstStyle/>
-            <a:p>
-              <a:r>
-                <a:rPr lang="en-US" sz="1600" dirty="0">
-                  <a:solidFill>
-                    <a:srgbClr val="00589C"/>
-                  </a:solidFill>
-                  <a:latin typeface="+mn-lt"/>
-                </a:rPr>
-                <a:t>Import: </a:t>
-              </a:r>
-              <a:r>
-                <a:rPr lang="en-US" sz="1600" dirty="0" err="1">
-                  <a:solidFill>
-                    <a:srgbClr val="00589C"/>
-                  </a:solidFill>
-                  <a:latin typeface="+mn-lt"/>
-                </a:rPr>
-                <a:t>read.table</a:t>
-              </a:r>
-              <a:r>
-                <a:rPr lang="en-US" sz="1600" dirty="0">
-                  <a:solidFill>
-                    <a:srgbClr val="00589C"/>
-                  </a:solidFill>
-                  <a:latin typeface="+mn-lt"/>
-                </a:rPr>
-                <a:t>()</a:t>
-              </a:r>
-            </a:p>
-          </p:txBody>
-        </p:sp>
-      </p:grpSp>
-    </p:spTree>
-    <p:extLst>
-      <p:ext uri="{BB962C8B-B14F-4D97-AF65-F5344CB8AC3E}">
-        <p14:creationId xmlns:p14="http://schemas.microsoft.com/office/powerpoint/2010/main" val="1329987736"/>
       </p:ext>
     </p:extLst>
   </p:cSld>
@@ -24072,7 +24555,7 @@
         <a:effectLst/>
         <a:extLst>
           <a:ext uri="{AF507438-7753-43e0-B8FC-AC1667EBCBE1}">
-            <a14:hiddenEffects xmlns:a14="http://schemas.microsoft.com/office/drawing/2010/main" xmlns="">
+            <a14:hiddenEffects xmlns="" xmlns:a14="http://schemas.microsoft.com/office/drawing/2010/main">
               <a:effectLst>
                 <a:outerShdw dist="35921" dir="2700000" algn="ctr" rotWithShape="0">
                   <a:schemeClr val="bg2"/>
@@ -24146,7 +24629,7 @@
         <a:effectLst/>
         <a:extLst>
           <a:ext uri="{AF507438-7753-43e0-B8FC-AC1667EBCBE1}">
-            <a14:hiddenEffects xmlns:a14="http://schemas.microsoft.com/office/drawing/2010/main" xmlns="">
+            <a14:hiddenEffects xmlns="" xmlns:a14="http://schemas.microsoft.com/office/drawing/2010/main">
               <a:effectLst>
                 <a:outerShdw dist="35921" dir="2700000" algn="ctr" rotWithShape="0">
                   <a:schemeClr val="bg2"/>

--- a/slides/FRS_exercise_R.pptx
+++ b/slides/FRS_exercise_R.pptx
@@ -5,36 +5,37 @@
     <p:sldMasterId id="2147483648" r:id="rId1"/>
   </p:sldMasterIdLst>
   <p:notesMasterIdLst>
-    <p:notesMasterId r:id="rId26"/>
+    <p:notesMasterId r:id="rId27"/>
   </p:notesMasterIdLst>
   <p:handoutMasterIdLst>
-    <p:handoutMasterId r:id="rId27"/>
+    <p:handoutMasterId r:id="rId28"/>
   </p:handoutMasterIdLst>
   <p:sldIdLst>
     <p:sldId id="258" r:id="rId2"/>
     <p:sldId id="257" r:id="rId3"/>
-    <p:sldId id="262" r:id="rId4"/>
-    <p:sldId id="285" r:id="rId5"/>
-    <p:sldId id="263" r:id="rId6"/>
-    <p:sldId id="267" r:id="rId7"/>
+    <p:sldId id="287" r:id="rId4"/>
+    <p:sldId id="288" r:id="rId5"/>
+    <p:sldId id="285" r:id="rId6"/>
+    <p:sldId id="263" r:id="rId7"/>
     <p:sldId id="286" r:id="rId8"/>
     <p:sldId id="268" r:id="rId9"/>
     <p:sldId id="264" r:id="rId10"/>
     <p:sldId id="265" r:id="rId11"/>
     <p:sldId id="269" r:id="rId12"/>
     <p:sldId id="260" r:id="rId13"/>
-    <p:sldId id="271" r:id="rId14"/>
-    <p:sldId id="280" r:id="rId15"/>
-    <p:sldId id="282" r:id="rId16"/>
-    <p:sldId id="283" r:id="rId17"/>
-    <p:sldId id="266" r:id="rId18"/>
-    <p:sldId id="270" r:id="rId19"/>
-    <p:sldId id="273" r:id="rId20"/>
-    <p:sldId id="277" r:id="rId21"/>
-    <p:sldId id="274" r:id="rId22"/>
-    <p:sldId id="284" r:id="rId23"/>
-    <p:sldId id="275" r:id="rId24"/>
-    <p:sldId id="278" r:id="rId25"/>
+    <p:sldId id="267" r:id="rId14"/>
+    <p:sldId id="271" r:id="rId15"/>
+    <p:sldId id="280" r:id="rId16"/>
+    <p:sldId id="282" r:id="rId17"/>
+    <p:sldId id="283" r:id="rId18"/>
+    <p:sldId id="266" r:id="rId19"/>
+    <p:sldId id="270" r:id="rId20"/>
+    <p:sldId id="273" r:id="rId21"/>
+    <p:sldId id="277" r:id="rId22"/>
+    <p:sldId id="274" r:id="rId23"/>
+    <p:sldId id="284" r:id="rId24"/>
+    <p:sldId id="275" r:id="rId25"/>
+    <p:sldId id="278" r:id="rId26"/>
   </p:sldIdLst>
   <p:sldSz cx="9144000" cy="5143500" type="screen16x9"/>
   <p:notesSz cx="6858000" cy="9144000"/>
@@ -1229,7 +1230,7 @@
             <a:fld id="{0A463E84-36D0-47AB-AE84-D840C4315E64}" type="slidenum">
               <a:rPr lang="de-DE" altLang="de-DE" smtClean="0"/>
               <a:pPr/>
-              <a:t>13</a:t>
+              <a:t>14</a:t>
             </a:fld>
             <a:endParaRPr lang="de-DE" altLang="de-DE"/>
           </a:p>
@@ -1374,7 +1375,7 @@
             <a:fld id="{0A463E84-36D0-47AB-AE84-D840C4315E64}" type="slidenum">
               <a:rPr lang="de-DE" altLang="de-DE" smtClean="0"/>
               <a:pPr/>
-              <a:t>14</a:t>
+              <a:t>15</a:t>
             </a:fld>
             <a:endParaRPr lang="de-DE" altLang="de-DE"/>
           </a:p>
@@ -1587,7 +1588,7 @@
             <a:fld id="{0A463E84-36D0-47AB-AE84-D840C4315E64}" type="slidenum">
               <a:rPr lang="de-DE" altLang="de-DE" smtClean="0"/>
               <a:pPr/>
-              <a:t>15</a:t>
+              <a:t>16</a:t>
             </a:fld>
             <a:endParaRPr lang="de-DE" altLang="de-DE"/>
           </a:p>
@@ -1672,7 +1673,7 @@
             <a:fld id="{0A463E84-36D0-47AB-AE84-D840C4315E64}" type="slidenum">
               <a:rPr lang="de-DE" altLang="de-DE" smtClean="0"/>
               <a:pPr/>
-              <a:t>16</a:t>
+              <a:t>17</a:t>
             </a:fld>
             <a:endParaRPr lang="de-DE" altLang="de-DE"/>
           </a:p>
@@ -1757,7 +1758,7 @@
             <a:fld id="{0A463E84-36D0-47AB-AE84-D840C4315E64}" type="slidenum">
               <a:rPr lang="de-DE" altLang="de-DE" smtClean="0"/>
               <a:pPr/>
-              <a:t>17</a:t>
+              <a:t>18</a:t>
             </a:fld>
             <a:endParaRPr lang="de-DE" altLang="de-DE"/>
           </a:p>
@@ -1842,7 +1843,7 @@
             <a:fld id="{0A463E84-36D0-47AB-AE84-D840C4315E64}" type="slidenum">
               <a:rPr lang="de-DE" altLang="de-DE" smtClean="0"/>
               <a:pPr/>
-              <a:t>18</a:t>
+              <a:t>19</a:t>
             </a:fld>
             <a:endParaRPr lang="de-DE" altLang="de-DE"/>
           </a:p>
@@ -1927,7 +1928,7 @@
             <a:fld id="{0A463E84-36D0-47AB-AE84-D840C4315E64}" type="slidenum">
               <a:rPr lang="de-DE" altLang="de-DE" smtClean="0"/>
               <a:pPr/>
-              <a:t>19</a:t>
+              <a:t>20</a:t>
             </a:fld>
             <a:endParaRPr lang="de-DE" altLang="de-DE"/>
           </a:p>
@@ -2012,7 +2013,7 @@
             <a:fld id="{0A463E84-36D0-47AB-AE84-D840C4315E64}" type="slidenum">
               <a:rPr lang="de-DE" altLang="de-DE" smtClean="0"/>
               <a:pPr/>
-              <a:t>20</a:t>
+              <a:t>21</a:t>
             </a:fld>
             <a:endParaRPr lang="de-DE" altLang="de-DE"/>
           </a:p>
@@ -2097,7 +2098,7 @@
             <a:fld id="{0A463E84-36D0-47AB-AE84-D840C4315E64}" type="slidenum">
               <a:rPr lang="de-DE" altLang="de-DE" smtClean="0"/>
               <a:pPr/>
-              <a:t>22</a:t>
+              <a:t>23</a:t>
             </a:fld>
             <a:endParaRPr lang="de-DE" altLang="de-DE"/>
           </a:p>
@@ -2274,7 +2275,7 @@
             <a:fld id="{0A463E84-36D0-47AB-AE84-D840C4315E64}" type="slidenum">
               <a:rPr lang="de-DE" altLang="de-DE" smtClean="0"/>
               <a:pPr/>
-              <a:t>23</a:t>
+              <a:t>24</a:t>
             </a:fld>
             <a:endParaRPr lang="de-DE" altLang="de-DE"/>
           </a:p>
@@ -2359,7 +2360,7 @@
             <a:fld id="{0A463E84-36D0-47AB-AE84-D840C4315E64}" type="slidenum">
               <a:rPr lang="de-DE" altLang="de-DE" smtClean="0"/>
               <a:pPr/>
-              <a:t>3</a:t>
+              <a:t>4</a:t>
             </a:fld>
             <a:endParaRPr lang="de-DE" altLang="de-DE"/>
           </a:p>
@@ -2368,7 +2369,7 @@
     </p:spTree>
     <p:extLst>
       <p:ext uri="{BB962C8B-B14F-4D97-AF65-F5344CB8AC3E}">
-        <p14:creationId xmlns:p14="http://schemas.microsoft.com/office/powerpoint/2010/main" val="2279105583"/>
+        <p14:creationId xmlns:p14="http://schemas.microsoft.com/office/powerpoint/2010/main" val="2403970771"/>
       </p:ext>
     </p:extLst>
   </p:cSld>
@@ -2444,7 +2445,7 @@
             <a:fld id="{0A463E84-36D0-47AB-AE84-D840C4315E64}" type="slidenum">
               <a:rPr lang="de-DE" altLang="de-DE" smtClean="0"/>
               <a:pPr/>
-              <a:t>4</a:t>
+              <a:t>5</a:t>
             </a:fld>
             <a:endParaRPr lang="de-DE" altLang="de-DE"/>
           </a:p>
@@ -2529,7 +2530,7 @@
             <a:fld id="{0A463E84-36D0-47AB-AE84-D840C4315E64}" type="slidenum">
               <a:rPr lang="de-DE" altLang="de-DE" smtClean="0"/>
               <a:pPr/>
-              <a:t>5</a:t>
+              <a:t>6</a:t>
             </a:fld>
             <a:endParaRPr lang="de-DE" altLang="de-DE"/>
           </a:p>
@@ -7138,8 +7139,8 @@
         </p:nvSpPr>
         <p:spPr>
           <a:xfrm>
-            <a:off x="1091111" y="1140589"/>
-            <a:ext cx="6961778" cy="2575064"/>
+            <a:off x="875087" y="1203598"/>
+            <a:ext cx="7441329" cy="2698175"/>
           </a:xfrm>
           <a:prstGeom prst="rect">
             <a:avLst/>
@@ -7157,6 +7158,11 @@
               </a:rPr>
               <a:t>Exercises: </a:t>
             </a:r>
+          </a:p>
+          <a:p>
+            <a:endParaRPr lang="en-US" sz="2000" dirty="0">
+              <a:latin typeface="+mn-lt"/>
+            </a:endParaRPr>
           </a:p>
           <a:p>
             <a:pPr marL="342900" indent="-342900">
@@ -7309,7 +7315,746 @@
           <p:cNvPr id="4" name="Rectangle 3">
             <a:extLst>
               <a:ext uri="{FF2B5EF4-FFF2-40B4-BE49-F238E27FC236}">
-                <a16:creationId xmlns:a16="http://schemas.microsoft.com/office/drawing/2014/main" id="{741E6F0F-8952-48F7-B8A6-5C00D4C8363A}"/>
+                <a16:creationId xmlns:a16="http://schemas.microsoft.com/office/drawing/2014/main" id="{A1C3C5F6-8A40-4A11-882B-01105A36B5CC}"/>
+              </a:ext>
+            </a:extLst>
+          </p:cNvPr>
+          <p:cNvSpPr/>
+          <p:nvPr/>
+        </p:nvSpPr>
+        <p:spPr>
+          <a:xfrm>
+            <a:off x="827584" y="1707654"/>
+            <a:ext cx="5832648" cy="2092881"/>
+          </a:xfrm>
+          <a:prstGeom prst="rect">
+            <a:avLst/>
+          </a:prstGeom>
+        </p:spPr>
+        <p:txBody>
+          <a:bodyPr wrap="square">
+            <a:spAutoFit/>
+          </a:bodyPr>
+          <a:lstStyle/>
+          <a:p>
+            <a:pPr marL="228600" indent="-228600">
+              <a:spcAft>
+                <a:spcPts val="1000"/>
+              </a:spcAft>
+              <a:buFont typeface="+mj-lt"/>
+              <a:buAutoNum type="arabicParenR"/>
+            </a:pPr>
+            <a:r>
+              <a:rPr lang="en-US" sz="1000" b="1" dirty="0">
+                <a:solidFill>
+                  <a:srgbClr val="000000"/>
+                </a:solidFill>
+                <a:latin typeface="+mn-lt"/>
+              </a:rPr>
+              <a:t>Accessing</a:t>
+            </a:r>
+            <a:r>
+              <a:rPr lang="en-US" sz="1000" dirty="0">
+                <a:solidFill>
+                  <a:srgbClr val="000000"/>
+                </a:solidFill>
+                <a:latin typeface="+mn-lt"/>
+              </a:rPr>
+              <a:t> the data (getting the data into the application from multiple sources)</a:t>
+            </a:r>
+          </a:p>
+          <a:p>
+            <a:pPr marL="228600" indent="-228600">
+              <a:spcAft>
+                <a:spcPts val="1000"/>
+              </a:spcAft>
+              <a:buFont typeface="+mj-lt"/>
+              <a:buAutoNum type="arabicParenR"/>
+            </a:pPr>
+            <a:r>
+              <a:rPr lang="en-US" sz="1000" b="1" dirty="0">
+                <a:solidFill>
+                  <a:srgbClr val="000000"/>
+                </a:solidFill>
+                <a:latin typeface="+mn-lt"/>
+              </a:rPr>
+              <a:t>Cleaning</a:t>
+            </a:r>
+            <a:r>
+              <a:rPr lang="en-US" sz="1000" dirty="0">
+                <a:solidFill>
+                  <a:srgbClr val="000000"/>
+                </a:solidFill>
+                <a:latin typeface="+mn-lt"/>
+              </a:rPr>
+              <a:t> the data (coding missing data, fixing or deleting miscoded data, transforming variables into more useful formats)</a:t>
+            </a:r>
+          </a:p>
+          <a:p>
+            <a:pPr marL="228600" indent="-228600">
+              <a:spcAft>
+                <a:spcPts val="1000"/>
+              </a:spcAft>
+              <a:buFont typeface="+mj-lt"/>
+              <a:buAutoNum type="arabicParenR"/>
+            </a:pPr>
+            <a:r>
+              <a:rPr lang="en-US" sz="1000" b="1" dirty="0">
+                <a:solidFill>
+                  <a:srgbClr val="000000"/>
+                </a:solidFill>
+                <a:latin typeface="+mn-lt"/>
+              </a:rPr>
+              <a:t>Annotating</a:t>
+            </a:r>
+            <a:r>
+              <a:rPr lang="en-US" sz="1000" dirty="0">
+                <a:solidFill>
+                  <a:srgbClr val="000000"/>
+                </a:solidFill>
+                <a:latin typeface="+mn-lt"/>
+              </a:rPr>
+              <a:t> the data (in order to remember what each piece represents)</a:t>
+            </a:r>
+          </a:p>
+          <a:p>
+            <a:pPr marL="228600" indent="-228600">
+              <a:spcAft>
+                <a:spcPts val="1000"/>
+              </a:spcAft>
+              <a:buFont typeface="+mj-lt"/>
+              <a:buAutoNum type="arabicParenR"/>
+            </a:pPr>
+            <a:r>
+              <a:rPr lang="en-US" sz="1000" b="1" dirty="0">
+                <a:solidFill>
+                  <a:srgbClr val="000000"/>
+                </a:solidFill>
+                <a:latin typeface="+mn-lt"/>
+              </a:rPr>
+              <a:t>Summarizing</a:t>
+            </a:r>
+            <a:r>
+              <a:rPr lang="en-US" sz="1000" dirty="0">
+                <a:solidFill>
+                  <a:srgbClr val="000000"/>
+                </a:solidFill>
+                <a:latin typeface="+mn-lt"/>
+              </a:rPr>
+              <a:t> the data (getting descriptive statistics to help characterize the data)</a:t>
+            </a:r>
+          </a:p>
+          <a:p>
+            <a:pPr marL="228600" indent="-228600">
+              <a:spcAft>
+                <a:spcPts val="1000"/>
+              </a:spcAft>
+              <a:buFont typeface="+mj-lt"/>
+              <a:buAutoNum type="arabicParenR"/>
+            </a:pPr>
+            <a:r>
+              <a:rPr lang="en-US" sz="1000" b="1" dirty="0">
+                <a:solidFill>
+                  <a:srgbClr val="000000"/>
+                </a:solidFill>
+                <a:latin typeface="+mn-lt"/>
+              </a:rPr>
+              <a:t>Visualizing</a:t>
+            </a:r>
+            <a:r>
+              <a:rPr lang="en-US" sz="1000" dirty="0">
+                <a:solidFill>
+                  <a:srgbClr val="000000"/>
+                </a:solidFill>
+                <a:latin typeface="+mn-lt"/>
+              </a:rPr>
+              <a:t> the data (a picture really is worth a thousand words)</a:t>
+            </a:r>
+          </a:p>
+          <a:p>
+            <a:pPr marL="228600" indent="-228600">
+              <a:spcAft>
+                <a:spcPts val="1000"/>
+              </a:spcAft>
+              <a:buFont typeface="+mj-lt"/>
+              <a:buAutoNum type="arabicParenR"/>
+            </a:pPr>
+            <a:r>
+              <a:rPr lang="en-US" sz="1000" b="1" dirty="0">
+                <a:solidFill>
+                  <a:srgbClr val="000000"/>
+                </a:solidFill>
+                <a:latin typeface="+mn-lt"/>
+              </a:rPr>
+              <a:t>Modeling</a:t>
+            </a:r>
+            <a:r>
+              <a:rPr lang="en-US" sz="1000" dirty="0">
+                <a:solidFill>
+                  <a:srgbClr val="000000"/>
+                </a:solidFill>
+                <a:latin typeface="+mn-lt"/>
+              </a:rPr>
+              <a:t> the data (uncovering relationships and testing hypotheses)</a:t>
+            </a:r>
+          </a:p>
+          <a:p>
+            <a:pPr marL="228600" indent="-228600">
+              <a:spcAft>
+                <a:spcPts val="1000"/>
+              </a:spcAft>
+              <a:buFont typeface="+mj-lt"/>
+              <a:buAutoNum type="arabicParenR"/>
+            </a:pPr>
+            <a:r>
+              <a:rPr lang="en-US" sz="1000" b="1" dirty="0">
+                <a:solidFill>
+                  <a:srgbClr val="000000"/>
+                </a:solidFill>
+                <a:latin typeface="+mn-lt"/>
+              </a:rPr>
+              <a:t>Preparing the results </a:t>
+            </a:r>
+            <a:r>
+              <a:rPr lang="en-US" sz="1000" dirty="0">
+                <a:solidFill>
+                  <a:srgbClr val="000000"/>
+                </a:solidFill>
+                <a:latin typeface="+mn-lt"/>
+              </a:rPr>
+              <a:t>(creating publication-quality tables and graphs)</a:t>
+            </a:r>
+            <a:endParaRPr lang="en-US" sz="1000" dirty="0">
+              <a:latin typeface="+mn-lt"/>
+            </a:endParaRPr>
+          </a:p>
+        </p:txBody>
+      </p:sp>
+      <p:sp>
+        <p:nvSpPr>
+          <p:cNvPr id="6" name="TextBox 5">
+            <a:extLst>
+              <a:ext uri="{FF2B5EF4-FFF2-40B4-BE49-F238E27FC236}">
+                <a16:creationId xmlns:a16="http://schemas.microsoft.com/office/drawing/2014/main" id="{74C8E826-4539-4683-8467-B3E6BA459ED0}"/>
+              </a:ext>
+            </a:extLst>
+          </p:cNvPr>
+          <p:cNvSpPr txBox="1"/>
+          <p:nvPr/>
+        </p:nvSpPr>
+        <p:spPr>
+          <a:xfrm>
+            <a:off x="791050" y="1149908"/>
+            <a:ext cx="5654368" cy="400110"/>
+          </a:xfrm>
+          <a:prstGeom prst="rect">
+            <a:avLst/>
+          </a:prstGeom>
+          <a:noFill/>
+        </p:spPr>
+        <p:txBody>
+          <a:bodyPr wrap="none" rtlCol="0">
+            <a:spAutoFit/>
+          </a:bodyPr>
+          <a:lstStyle/>
+          <a:p>
+            <a:r>
+              <a:rPr lang="en-US" sz="2000" dirty="0">
+                <a:solidFill>
+                  <a:srgbClr val="00589C"/>
+                </a:solidFill>
+              </a:rPr>
+              <a:t>Typical (successful) procedures for data science</a:t>
+            </a:r>
+          </a:p>
+        </p:txBody>
+      </p:sp>
+      <p:grpSp>
+        <p:nvGrpSpPr>
+          <p:cNvPr id="22" name="Group 21">
+            <a:extLst>
+              <a:ext uri="{FF2B5EF4-FFF2-40B4-BE49-F238E27FC236}">
+                <a16:creationId xmlns:a16="http://schemas.microsoft.com/office/drawing/2014/main" id="{682C1A36-4477-46C3-B1A0-DED442A6C54C}"/>
+              </a:ext>
+            </a:extLst>
+          </p:cNvPr>
+          <p:cNvGrpSpPr/>
+          <p:nvPr/>
+        </p:nvGrpSpPr>
+        <p:grpSpPr>
+          <a:xfrm>
+            <a:off x="6871829" y="1782424"/>
+            <a:ext cx="1512168" cy="1973864"/>
+            <a:chOff x="6516216" y="2032822"/>
+            <a:chExt cx="1512168" cy="1973864"/>
+          </a:xfrm>
+        </p:grpSpPr>
+        <p:sp>
+          <p:nvSpPr>
+            <p:cNvPr id="7" name="Rectangle 6">
+              <a:extLst>
+                <a:ext uri="{FF2B5EF4-FFF2-40B4-BE49-F238E27FC236}">
+                  <a16:creationId xmlns:a16="http://schemas.microsoft.com/office/drawing/2014/main" id="{0A67D867-6956-4E00-93ED-41618CB3FE17}"/>
+                </a:ext>
+              </a:extLst>
+            </p:cNvPr>
+            <p:cNvSpPr/>
+            <p:nvPr/>
+          </p:nvSpPr>
+          <p:spPr bwMode="auto">
+            <a:xfrm>
+              <a:off x="6804248" y="2032822"/>
+              <a:ext cx="1224136" cy="360040"/>
+            </a:xfrm>
+            <a:prstGeom prst="rect">
+              <a:avLst/>
+            </a:prstGeom>
+            <a:solidFill>
+              <a:srgbClr val="00589C"/>
+            </a:solidFill>
+            <a:ln w="9525" cap="flat" cmpd="sng" algn="ctr">
+              <a:solidFill>
+                <a:srgbClr val="00589C"/>
+              </a:solidFill>
+              <a:prstDash val="solid"/>
+              <a:round/>
+              <a:headEnd type="none" w="med" len="med"/>
+              <a:tailEnd type="none" w="med" len="med"/>
+            </a:ln>
+            <a:effectLst/>
+            <a:extLst>
+              <a:ext uri="{AF507438-7753-43e0-B8FC-AC1667EBCBE1}">
+                <a14:hiddenEffects xmlns="" xmlns:a14="http://schemas.microsoft.com/office/drawing/2010/main">
+                  <a:effectLst>
+                    <a:outerShdw dist="35921" dir="2700000" algn="ctr" rotWithShape="0">
+                      <a:schemeClr val="bg2"/>
+                    </a:outerShdw>
+                  </a:effectLst>
+                </a14:hiddenEffects>
+              </a:ext>
+            </a:extLst>
+          </p:spPr>
+          <p:txBody>
+            <a:bodyPr vert="horz" wrap="square" lIns="91440" tIns="45720" rIns="91440" bIns="45720" numCol="1" rtlCol="0" anchor="ctr" anchorCtr="0" compatLnSpc="1">
+              <a:prstTxWarp prst="textNoShape">
+                <a:avLst/>
+              </a:prstTxWarp>
+            </a:bodyPr>
+            <a:lstStyle/>
+            <a:p>
+              <a:pPr marL="0" marR="0" indent="0" algn="ctr" defTabSz="914400" rtl="0" eaLnBrk="0" fontAlgn="base" latinLnBrk="0" hangingPunct="0">
+                <a:lnSpc>
+                  <a:spcPct val="100000"/>
+                </a:lnSpc>
+                <a:spcBef>
+                  <a:spcPct val="0"/>
+                </a:spcBef>
+                <a:spcAft>
+                  <a:spcPct val="0"/>
+                </a:spcAft>
+                <a:buClrTx/>
+                <a:buSzTx/>
+                <a:buFontTx/>
+                <a:buNone/>
+                <a:tabLst/>
+              </a:pPr>
+              <a:r>
+                <a:rPr kumimoji="0" lang="en-US" sz="900" b="1" i="0" u="none" strike="noStrike" cap="none" normalizeH="0" baseline="0" dirty="0">
+                  <a:ln>
+                    <a:noFill/>
+                  </a:ln>
+                  <a:solidFill>
+                    <a:schemeClr val="bg1"/>
+                  </a:solidFill>
+                  <a:effectLst/>
+                  <a:latin typeface="+mn-lt"/>
+                  <a:ea typeface="ＭＳ Ｐゴシック" pitchFamily="96" charset="-128"/>
+                </a:rPr>
+                <a:t>Getting data in</a:t>
+              </a:r>
+            </a:p>
+          </p:txBody>
+        </p:sp>
+        <p:sp>
+          <p:nvSpPr>
+            <p:cNvPr id="9" name="Rectangle 8">
+              <a:extLst>
+                <a:ext uri="{FF2B5EF4-FFF2-40B4-BE49-F238E27FC236}">
+                  <a16:creationId xmlns:a16="http://schemas.microsoft.com/office/drawing/2014/main" id="{D776F173-E9B8-4160-96BF-A438C8A1A294}"/>
+                </a:ext>
+              </a:extLst>
+            </p:cNvPr>
+            <p:cNvSpPr/>
+            <p:nvPr/>
+          </p:nvSpPr>
+          <p:spPr bwMode="auto">
+            <a:xfrm>
+              <a:off x="6804248" y="2570763"/>
+              <a:ext cx="1224136" cy="360040"/>
+            </a:xfrm>
+            <a:prstGeom prst="rect">
+              <a:avLst/>
+            </a:prstGeom>
+            <a:solidFill>
+              <a:srgbClr val="00589C"/>
+            </a:solidFill>
+            <a:ln w="9525" cap="flat" cmpd="sng" algn="ctr">
+              <a:solidFill>
+                <a:srgbClr val="00589C"/>
+              </a:solidFill>
+              <a:prstDash val="solid"/>
+              <a:round/>
+              <a:headEnd type="none" w="med" len="med"/>
+              <a:tailEnd type="none" w="med" len="med"/>
+            </a:ln>
+            <a:effectLst/>
+            <a:extLst>
+              <a:ext uri="{AF507438-7753-43e0-B8FC-AC1667EBCBE1}">
+                <a14:hiddenEffects xmlns="" xmlns:a14="http://schemas.microsoft.com/office/drawing/2010/main">
+                  <a:effectLst>
+                    <a:outerShdw dist="35921" dir="2700000" algn="ctr" rotWithShape="0">
+                      <a:schemeClr val="bg2"/>
+                    </a:outerShdw>
+                  </a:effectLst>
+                </a14:hiddenEffects>
+              </a:ext>
+            </a:extLst>
+          </p:spPr>
+          <p:txBody>
+            <a:bodyPr vert="horz" wrap="square" lIns="91440" tIns="45720" rIns="91440" bIns="45720" numCol="1" rtlCol="0" anchor="ctr" anchorCtr="0" compatLnSpc="1">
+              <a:prstTxWarp prst="textNoShape">
+                <a:avLst/>
+              </a:prstTxWarp>
+            </a:bodyPr>
+            <a:lstStyle/>
+            <a:p>
+              <a:pPr marL="0" marR="0" indent="0" algn="ctr" defTabSz="914400" rtl="0" eaLnBrk="0" fontAlgn="base" latinLnBrk="0" hangingPunct="0">
+                <a:lnSpc>
+                  <a:spcPct val="100000"/>
+                </a:lnSpc>
+                <a:spcBef>
+                  <a:spcPct val="0"/>
+                </a:spcBef>
+                <a:spcAft>
+                  <a:spcPct val="0"/>
+                </a:spcAft>
+                <a:buClrTx/>
+                <a:buSzTx/>
+                <a:buFontTx/>
+                <a:buNone/>
+                <a:tabLst/>
+              </a:pPr>
+              <a:r>
+                <a:rPr kumimoji="0" lang="en-US" sz="900" b="1" i="0" u="none" strike="noStrike" cap="none" normalizeH="0" baseline="0" dirty="0">
+                  <a:ln>
+                    <a:noFill/>
+                  </a:ln>
+                  <a:solidFill>
+                    <a:schemeClr val="bg1"/>
+                  </a:solidFill>
+                  <a:effectLst/>
+                  <a:latin typeface="+mn-lt"/>
+                  <a:ea typeface="ＭＳ Ｐゴシック" pitchFamily="96" charset="-128"/>
+                </a:rPr>
+                <a:t>Data manipulation</a:t>
+              </a:r>
+            </a:p>
+          </p:txBody>
+        </p:sp>
+        <p:sp>
+          <p:nvSpPr>
+            <p:cNvPr id="10" name="Rectangle 9">
+              <a:extLst>
+                <a:ext uri="{FF2B5EF4-FFF2-40B4-BE49-F238E27FC236}">
+                  <a16:creationId xmlns:a16="http://schemas.microsoft.com/office/drawing/2014/main" id="{BA8A10B7-07A3-4EFB-BD21-2E658B3307C4}"/>
+                </a:ext>
+              </a:extLst>
+            </p:cNvPr>
+            <p:cNvSpPr/>
+            <p:nvPr/>
+          </p:nvSpPr>
+          <p:spPr bwMode="auto">
+            <a:xfrm>
+              <a:off x="6804248" y="3108704"/>
+              <a:ext cx="1224136" cy="360040"/>
+            </a:xfrm>
+            <a:prstGeom prst="rect">
+              <a:avLst/>
+            </a:prstGeom>
+            <a:solidFill>
+              <a:srgbClr val="00589C"/>
+            </a:solidFill>
+            <a:ln w="9525" cap="flat" cmpd="sng" algn="ctr">
+              <a:solidFill>
+                <a:srgbClr val="00589C"/>
+              </a:solidFill>
+              <a:prstDash val="solid"/>
+              <a:round/>
+              <a:headEnd type="none" w="med" len="med"/>
+              <a:tailEnd type="none" w="med" len="med"/>
+            </a:ln>
+            <a:effectLst/>
+            <a:extLst>
+              <a:ext uri="{AF507438-7753-43e0-B8FC-AC1667EBCBE1}">
+                <a14:hiddenEffects xmlns="" xmlns:a14="http://schemas.microsoft.com/office/drawing/2010/main">
+                  <a:effectLst>
+                    <a:outerShdw dist="35921" dir="2700000" algn="ctr" rotWithShape="0">
+                      <a:schemeClr val="bg2"/>
+                    </a:outerShdw>
+                  </a:effectLst>
+                </a14:hiddenEffects>
+              </a:ext>
+            </a:extLst>
+          </p:spPr>
+          <p:txBody>
+            <a:bodyPr vert="horz" wrap="square" lIns="91440" tIns="45720" rIns="91440" bIns="45720" numCol="1" rtlCol="0" anchor="ctr" anchorCtr="0" compatLnSpc="1">
+              <a:prstTxWarp prst="textNoShape">
+                <a:avLst/>
+              </a:prstTxWarp>
+            </a:bodyPr>
+            <a:lstStyle/>
+            <a:p>
+              <a:pPr marL="0" marR="0" indent="0" algn="ctr" defTabSz="914400" rtl="0" eaLnBrk="0" fontAlgn="base" latinLnBrk="0" hangingPunct="0">
+                <a:lnSpc>
+                  <a:spcPct val="100000"/>
+                </a:lnSpc>
+                <a:spcBef>
+                  <a:spcPct val="0"/>
+                </a:spcBef>
+                <a:spcAft>
+                  <a:spcPct val="0"/>
+                </a:spcAft>
+                <a:buClrTx/>
+                <a:buSzTx/>
+                <a:buFontTx/>
+                <a:buNone/>
+                <a:tabLst/>
+              </a:pPr>
+              <a:r>
+                <a:rPr kumimoji="0" lang="en-US" sz="900" b="1" i="0" u="none" strike="noStrike" cap="none" normalizeH="0" baseline="0" dirty="0">
+                  <a:ln>
+                    <a:noFill/>
+                  </a:ln>
+                  <a:solidFill>
+                    <a:schemeClr val="bg1"/>
+                  </a:solidFill>
+                  <a:effectLst/>
+                  <a:latin typeface="+mn-lt"/>
+                  <a:ea typeface="ＭＳ Ｐゴシック" pitchFamily="96" charset="-128"/>
+                </a:rPr>
+                <a:t>Visualization</a:t>
+              </a:r>
+            </a:p>
+          </p:txBody>
+        </p:sp>
+        <p:sp>
+          <p:nvSpPr>
+            <p:cNvPr id="11" name="Rectangle 10">
+              <a:extLst>
+                <a:ext uri="{FF2B5EF4-FFF2-40B4-BE49-F238E27FC236}">
+                  <a16:creationId xmlns:a16="http://schemas.microsoft.com/office/drawing/2014/main" id="{4F71B93F-B91E-4601-8379-5FF7978FED3C}"/>
+                </a:ext>
+              </a:extLst>
+            </p:cNvPr>
+            <p:cNvSpPr/>
+            <p:nvPr/>
+          </p:nvSpPr>
+          <p:spPr bwMode="auto">
+            <a:xfrm>
+              <a:off x="6804248" y="3646646"/>
+              <a:ext cx="1224136" cy="360040"/>
+            </a:xfrm>
+            <a:prstGeom prst="rect">
+              <a:avLst/>
+            </a:prstGeom>
+            <a:solidFill>
+              <a:srgbClr val="00589C"/>
+            </a:solidFill>
+            <a:ln w="9525" cap="flat" cmpd="sng" algn="ctr">
+              <a:solidFill>
+                <a:srgbClr val="00589C"/>
+              </a:solidFill>
+              <a:prstDash val="solid"/>
+              <a:round/>
+              <a:headEnd type="none" w="med" len="med"/>
+              <a:tailEnd type="none" w="med" len="med"/>
+            </a:ln>
+            <a:effectLst/>
+            <a:extLst>
+              <a:ext uri="{AF507438-7753-43e0-B8FC-AC1667EBCBE1}">
+                <a14:hiddenEffects xmlns="" xmlns:a14="http://schemas.microsoft.com/office/drawing/2010/main">
+                  <a:effectLst>
+                    <a:outerShdw dist="35921" dir="2700000" algn="ctr" rotWithShape="0">
+                      <a:schemeClr val="bg2"/>
+                    </a:outerShdw>
+                  </a:effectLst>
+                </a14:hiddenEffects>
+              </a:ext>
+            </a:extLst>
+          </p:spPr>
+          <p:txBody>
+            <a:bodyPr vert="horz" wrap="square" lIns="91440" tIns="45720" rIns="91440" bIns="45720" numCol="1" rtlCol="0" anchor="ctr" anchorCtr="0" compatLnSpc="1">
+              <a:prstTxWarp prst="textNoShape">
+                <a:avLst/>
+              </a:prstTxWarp>
+            </a:bodyPr>
+            <a:lstStyle/>
+            <a:p>
+              <a:pPr marL="0" marR="0" indent="0" algn="ctr" defTabSz="914400" rtl="0" eaLnBrk="0" fontAlgn="base" latinLnBrk="0" hangingPunct="0">
+                <a:lnSpc>
+                  <a:spcPct val="100000"/>
+                </a:lnSpc>
+                <a:spcBef>
+                  <a:spcPct val="0"/>
+                </a:spcBef>
+                <a:spcAft>
+                  <a:spcPct val="0"/>
+                </a:spcAft>
+                <a:buClrTx/>
+                <a:buSzTx/>
+                <a:buFontTx/>
+                <a:buNone/>
+                <a:tabLst/>
+              </a:pPr>
+              <a:r>
+                <a:rPr kumimoji="0" lang="en-US" sz="900" b="1" i="0" u="none" strike="noStrike" cap="none" normalizeH="0" baseline="0" dirty="0">
+                  <a:ln>
+                    <a:noFill/>
+                  </a:ln>
+                  <a:solidFill>
+                    <a:schemeClr val="bg1"/>
+                  </a:solidFill>
+                  <a:effectLst/>
+                  <a:latin typeface="+mn-lt"/>
+                  <a:ea typeface="ＭＳ Ｐゴシック" pitchFamily="96" charset="-128"/>
+                </a:rPr>
+                <a:t>Algorithm</a:t>
+              </a:r>
+            </a:p>
+          </p:txBody>
+        </p:sp>
+        <p:sp>
+          <p:nvSpPr>
+            <p:cNvPr id="14" name="Right Brace 13">
+              <a:extLst>
+                <a:ext uri="{FF2B5EF4-FFF2-40B4-BE49-F238E27FC236}">
+                  <a16:creationId xmlns:a16="http://schemas.microsoft.com/office/drawing/2014/main" id="{DD877426-1E84-4B77-B2E4-AFBCE3A1B107}"/>
+                </a:ext>
+              </a:extLst>
+            </p:cNvPr>
+            <p:cNvSpPr/>
+            <p:nvPr/>
+          </p:nvSpPr>
+          <p:spPr bwMode="auto">
+            <a:xfrm>
+              <a:off x="6516216" y="2392862"/>
+              <a:ext cx="144016" cy="753820"/>
+            </a:xfrm>
+            <a:prstGeom prst="rightBrace">
+              <a:avLst/>
+            </a:prstGeom>
+            <a:noFill/>
+            <a:ln w="19050" cap="flat" cmpd="sng" algn="ctr">
+              <a:solidFill>
+                <a:srgbClr val="00589C"/>
+              </a:solidFill>
+              <a:prstDash val="solid"/>
+              <a:round/>
+              <a:headEnd type="none" w="med" len="med"/>
+              <a:tailEnd type="none" w="med" len="med"/>
+            </a:ln>
+            <a:effectLst/>
+            <a:extLst>
+              <a:ext uri="{AF507438-7753-43e0-B8FC-AC1667EBCBE1}">
+                <a14:hiddenEffects xmlns="" xmlns:a14="http://schemas.microsoft.com/office/drawing/2010/main">
+                  <a:effectLst>
+                    <a:outerShdw dist="35921" dir="2700000" algn="ctr" rotWithShape="0">
+                      <a:schemeClr val="bg2"/>
+                    </a:outerShdw>
+                  </a:effectLst>
+                </a14:hiddenEffects>
+              </a:ext>
+            </a:extLst>
+          </p:spPr>
+          <p:txBody>
+            <a:bodyPr vert="horz" wrap="square" lIns="91440" tIns="45720" rIns="91440" bIns="45720" numCol="1" rtlCol="0" anchor="t" anchorCtr="0" compatLnSpc="1">
+              <a:prstTxWarp prst="textNoShape">
+                <a:avLst/>
+              </a:prstTxWarp>
+            </a:bodyPr>
+            <a:lstStyle/>
+            <a:p>
+              <a:pPr marL="0" marR="0" indent="0" algn="l" defTabSz="914400" rtl="0" eaLnBrk="0" fontAlgn="base" latinLnBrk="0" hangingPunct="0">
+                <a:lnSpc>
+                  <a:spcPct val="100000"/>
+                </a:lnSpc>
+                <a:spcBef>
+                  <a:spcPct val="0"/>
+                </a:spcBef>
+                <a:spcAft>
+                  <a:spcPct val="0"/>
+                </a:spcAft>
+                <a:buClrTx/>
+                <a:buSzTx/>
+                <a:buFontTx/>
+                <a:buNone/>
+                <a:tabLst/>
+              </a:pPr>
+              <a:endParaRPr kumimoji="0" lang="en-US" sz="2400" b="0" i="0" u="none" strike="noStrike" cap="none" normalizeH="0" baseline="0">
+                <a:ln>
+                  <a:noFill/>
+                </a:ln>
+                <a:solidFill>
+                  <a:schemeClr val="tx1"/>
+                </a:solidFill>
+                <a:effectLst/>
+                <a:latin typeface="Arial" charset="0"/>
+                <a:ea typeface="ＭＳ Ｐゴシック" pitchFamily="96" charset="-128"/>
+              </a:endParaRPr>
+            </a:p>
+          </p:txBody>
+        </p:sp>
+      </p:grpSp>
+      <p:sp>
+        <p:nvSpPr>
+          <p:cNvPr id="23" name="Slide Number Placeholder 22">
+            <a:extLst>
+              <a:ext uri="{FF2B5EF4-FFF2-40B4-BE49-F238E27FC236}">
+                <a16:creationId xmlns:a16="http://schemas.microsoft.com/office/drawing/2014/main" id="{6F224781-9710-4691-80E9-CA40509C9C9C}"/>
+              </a:ext>
+            </a:extLst>
+          </p:cNvPr>
+          <p:cNvSpPr>
+            <a:spLocks noGrp="1"/>
+          </p:cNvSpPr>
+          <p:nvPr>
+            <p:ph type="sldNum" sz="quarter" idx="11"/>
+          </p:nvPr>
+        </p:nvSpPr>
+        <p:spPr/>
+        <p:txBody>
+          <a:bodyPr/>
+          <a:lstStyle/>
+          <a:p>
+            <a:fld id="{48105EDC-34E1-4D80-B051-D0CBD59863B8}" type="slidenum">
+              <a:rPr lang="de-DE" altLang="de-DE" smtClean="0"/>
+              <a:pPr/>
+              <a:t>13</a:t>
+            </a:fld>
+            <a:endParaRPr lang="de-DE" altLang="de-DE">
+              <a:solidFill>
+                <a:schemeClr val="tx1"/>
+              </a:solidFill>
+            </a:endParaRPr>
+          </a:p>
+        </p:txBody>
+      </p:sp>
+      <p:sp>
+        <p:nvSpPr>
+          <p:cNvPr id="26" name="Rectangle 25">
+            <a:extLst>
+              <a:ext uri="{FF2B5EF4-FFF2-40B4-BE49-F238E27FC236}">
+                <a16:creationId xmlns:a16="http://schemas.microsoft.com/office/drawing/2014/main" id="{92825894-94E4-47FA-8039-D98AA3D39589}"/>
               </a:ext>
             </a:extLst>
           </p:cNvPr>
@@ -7390,175 +8135,10 @@
           </a:p>
         </p:txBody>
       </p:sp>
-      <p:sp>
-        <p:nvSpPr>
-          <p:cNvPr id="3" name="Rectangle 2">
-            <a:extLst>
-              <a:ext uri="{FF2B5EF4-FFF2-40B4-BE49-F238E27FC236}">
-                <a16:creationId xmlns:a16="http://schemas.microsoft.com/office/drawing/2014/main" id="{E695171C-A629-451F-B41F-BBA81B01A78E}"/>
-              </a:ext>
-            </a:extLst>
-          </p:cNvPr>
-          <p:cNvSpPr/>
-          <p:nvPr/>
-        </p:nvSpPr>
-        <p:spPr>
-          <a:xfrm>
-            <a:off x="611560" y="767484"/>
-            <a:ext cx="4528804" cy="400110"/>
-          </a:xfrm>
-          <a:prstGeom prst="rect">
-            <a:avLst/>
-          </a:prstGeom>
-          <a:ln>
-            <a:noFill/>
-          </a:ln>
-          <a:effectLst>
-            <a:outerShdw blurRad="44450" dist="27940" dir="5400000" algn="ctr">
-              <a:srgbClr val="000000">
-                <a:alpha val="32000"/>
-              </a:srgbClr>
-            </a:outerShdw>
-          </a:effectLst>
-          <a:scene3d>
-            <a:camera prst="orthographicFront">
-              <a:rot lat="0" lon="0" rev="0"/>
-            </a:camera>
-            <a:lightRig rig="balanced" dir="t">
-              <a:rot lat="0" lon="0" rev="8700000"/>
-            </a:lightRig>
-          </a:scene3d>
-          <a:sp3d>
-            <a:bevelT w="190500" h="38100"/>
-          </a:sp3d>
-        </p:spPr>
-        <p:txBody>
-          <a:bodyPr wrap="none">
-            <a:spAutoFit/>
-          </a:bodyPr>
-          <a:lstStyle/>
-          <a:p>
-            <a:r>
-              <a:rPr lang="en-US" sz="2000" b="1" dirty="0">
-                <a:solidFill>
-                  <a:srgbClr val="00589C"/>
-                </a:solidFill>
-              </a:rPr>
-              <a:t>4. Functions and Control structures</a:t>
-            </a:r>
-          </a:p>
-        </p:txBody>
-      </p:sp>
-      <p:sp>
-        <p:nvSpPr>
-          <p:cNvPr id="2" name="Slide Number Placeholder 1">
-            <a:extLst>
-              <a:ext uri="{FF2B5EF4-FFF2-40B4-BE49-F238E27FC236}">
-                <a16:creationId xmlns:a16="http://schemas.microsoft.com/office/drawing/2014/main" id="{4BA77301-7EC3-46B2-876D-812AAB1A3F7F}"/>
-              </a:ext>
-            </a:extLst>
-          </p:cNvPr>
-          <p:cNvSpPr>
-            <a:spLocks noGrp="1"/>
-          </p:cNvSpPr>
-          <p:nvPr>
-            <p:ph type="sldNum" sz="quarter" idx="11"/>
-          </p:nvPr>
-        </p:nvSpPr>
-        <p:spPr/>
-        <p:txBody>
-          <a:bodyPr/>
-          <a:lstStyle/>
-          <a:p>
-            <a:fld id="{48105EDC-34E1-4D80-B051-D0CBD59863B8}" type="slidenum">
-              <a:rPr lang="de-DE" altLang="de-DE" smtClean="0"/>
-              <a:pPr/>
-              <a:t>13</a:t>
-            </a:fld>
-            <a:endParaRPr lang="de-DE" altLang="de-DE">
-              <a:solidFill>
-                <a:schemeClr val="tx1"/>
-              </a:solidFill>
-            </a:endParaRPr>
-          </a:p>
-        </p:txBody>
-      </p:sp>
-      <p:sp>
-        <p:nvSpPr>
-          <p:cNvPr id="7" name="Rectangle 6">
-            <a:extLst>
-              <a:ext uri="{FF2B5EF4-FFF2-40B4-BE49-F238E27FC236}">
-                <a16:creationId xmlns:a16="http://schemas.microsoft.com/office/drawing/2014/main" id="{B07000C0-914C-40E3-85B4-E1D412810D8B}"/>
-              </a:ext>
-            </a:extLst>
-          </p:cNvPr>
-          <p:cNvSpPr/>
-          <p:nvPr/>
-        </p:nvSpPr>
-        <p:spPr>
-          <a:xfrm>
-            <a:off x="899592" y="1257044"/>
-            <a:ext cx="2911374" cy="956672"/>
-          </a:xfrm>
-          <a:prstGeom prst="rect">
-            <a:avLst/>
-          </a:prstGeom>
-        </p:spPr>
-        <p:txBody>
-          <a:bodyPr wrap="none">
-            <a:spAutoFit/>
-          </a:bodyPr>
-          <a:lstStyle/>
-          <a:p>
-            <a:r>
-              <a:rPr lang="en-US" sz="2000" b="1" dirty="0">
-                <a:solidFill>
-                  <a:srgbClr val="00589C"/>
-                </a:solidFill>
-                <a:latin typeface="+mn-lt"/>
-              </a:rPr>
-              <a:t>Control structures:</a:t>
-            </a:r>
-          </a:p>
-          <a:p>
-            <a:pPr marL="342900" indent="-342900">
-              <a:spcAft>
-                <a:spcPts val="500"/>
-              </a:spcAft>
-              <a:buFont typeface="Wingdings" panose="05000000000000000000" pitchFamily="2" charset="2"/>
-              <a:buChar char="Ø"/>
-            </a:pPr>
-            <a:r>
-              <a:rPr lang="en-US" sz="1600" dirty="0">
-                <a:latin typeface="+mn-lt"/>
-              </a:rPr>
-              <a:t>If-Else statements </a:t>
-            </a:r>
-          </a:p>
-          <a:p>
-            <a:pPr marL="342900" indent="-342900">
-              <a:spcAft>
-                <a:spcPts val="500"/>
-              </a:spcAft>
-              <a:buFont typeface="Wingdings" panose="05000000000000000000" pitchFamily="2" charset="2"/>
-              <a:buChar char="Ø"/>
-            </a:pPr>
-            <a:r>
-              <a:rPr lang="en-US" sz="1600" dirty="0">
-                <a:latin typeface="+mn-lt"/>
-              </a:rPr>
-              <a:t>Loops</a:t>
-            </a:r>
-            <a:endParaRPr lang="en-US" dirty="0">
-              <a:latin typeface="+mn-lt"/>
-            </a:endParaRPr>
-          </a:p>
-        </p:txBody>
-      </p:sp>
     </p:spTree>
     <p:extLst>
       <p:ext uri="{BB962C8B-B14F-4D97-AF65-F5344CB8AC3E}">
-        <p14:creationId xmlns:p14="http://schemas.microsoft.com/office/powerpoint/2010/main" val="2090666982"/>
+        <p14:creationId xmlns:p14="http://schemas.microsoft.com/office/powerpoint/2010/main" val="1873564231"/>
       </p:ext>
     </p:extLst>
   </p:cSld>
@@ -7811,9 +8391,6 @@
             </a:pPr>
             <a:r>
               <a:rPr lang="en-US" sz="1600" dirty="0">
-                <a:highlight>
-                  <a:srgbClr val="FFFF00"/>
-                </a:highlight>
                 <a:latin typeface="+mn-lt"/>
               </a:rPr>
               <a:t>If-Else statements </a:t>
@@ -7839,46 +8416,10 @@
           </a:p>
         </p:txBody>
       </p:sp>
-      <p:pic>
-        <p:nvPicPr>
-          <p:cNvPr id="9" name="Picture 8">
-            <a:extLst>
-              <a:ext uri="{FF2B5EF4-FFF2-40B4-BE49-F238E27FC236}">
-                <a16:creationId xmlns:a16="http://schemas.microsoft.com/office/drawing/2014/main" id="{334F9BD2-480A-44BA-A22B-FE5F1B08F5A8}"/>
-              </a:ext>
-            </a:extLst>
-          </p:cNvPr>
-          <p:cNvPicPr>
-            <a:picLocks noChangeAspect="1"/>
-          </p:cNvPicPr>
-          <p:nvPr/>
-        </p:nvPicPr>
-        <p:blipFill>
-          <a:blip r:embed="rId3">
-            <a:extLst>
-              <a:ext uri="{28A0092B-C50C-407E-A947-70E740481C1C}">
-                <a14:useLocalDpi xmlns:a14="http://schemas.microsoft.com/office/drawing/2010/main" val="0"/>
-              </a:ext>
-            </a:extLst>
-          </a:blip>
-          <a:stretch>
-            <a:fillRect/>
-          </a:stretch>
-        </p:blipFill>
-        <p:spPr>
-          <a:xfrm>
-            <a:off x="4456330" y="1314638"/>
-            <a:ext cx="3330418" cy="3138394"/>
-          </a:xfrm>
-          <a:prstGeom prst="rect">
-            <a:avLst/>
-          </a:prstGeom>
-        </p:spPr>
-      </p:pic>
     </p:spTree>
     <p:extLst>
       <p:ext uri="{BB962C8B-B14F-4D97-AF65-F5344CB8AC3E}">
-        <p14:creationId xmlns:p14="http://schemas.microsoft.com/office/powerpoint/2010/main" val="2903959987"/>
+        <p14:creationId xmlns:p14="http://schemas.microsoft.com/office/powerpoint/2010/main" val="2090666982"/>
       </p:ext>
     </p:extLst>
   </p:cSld>
@@ -8075,6 +8616,326 @@
               <a:rPr lang="de-DE" altLang="de-DE" smtClean="0"/>
               <a:pPr/>
               <a:t>15</a:t>
+            </a:fld>
+            <a:endParaRPr lang="de-DE" altLang="de-DE">
+              <a:solidFill>
+                <a:schemeClr val="tx1"/>
+              </a:solidFill>
+            </a:endParaRPr>
+          </a:p>
+        </p:txBody>
+      </p:sp>
+      <p:sp>
+        <p:nvSpPr>
+          <p:cNvPr id="7" name="Rectangle 6">
+            <a:extLst>
+              <a:ext uri="{FF2B5EF4-FFF2-40B4-BE49-F238E27FC236}">
+                <a16:creationId xmlns:a16="http://schemas.microsoft.com/office/drawing/2014/main" id="{B07000C0-914C-40E3-85B4-E1D412810D8B}"/>
+              </a:ext>
+            </a:extLst>
+          </p:cNvPr>
+          <p:cNvSpPr/>
+          <p:nvPr/>
+        </p:nvSpPr>
+        <p:spPr>
+          <a:xfrm>
+            <a:off x="899592" y="1257044"/>
+            <a:ext cx="2911374" cy="956672"/>
+          </a:xfrm>
+          <a:prstGeom prst="rect">
+            <a:avLst/>
+          </a:prstGeom>
+        </p:spPr>
+        <p:txBody>
+          <a:bodyPr wrap="none">
+            <a:spAutoFit/>
+          </a:bodyPr>
+          <a:lstStyle/>
+          <a:p>
+            <a:r>
+              <a:rPr lang="en-US" sz="2000" b="1" dirty="0">
+                <a:solidFill>
+                  <a:srgbClr val="00589C"/>
+                </a:solidFill>
+                <a:latin typeface="+mn-lt"/>
+              </a:rPr>
+              <a:t>Control structures:</a:t>
+            </a:r>
+          </a:p>
+          <a:p>
+            <a:pPr marL="342900" indent="-342900">
+              <a:spcAft>
+                <a:spcPts val="500"/>
+              </a:spcAft>
+              <a:buFont typeface="Wingdings" panose="05000000000000000000" pitchFamily="2" charset="2"/>
+              <a:buChar char="Ø"/>
+            </a:pPr>
+            <a:r>
+              <a:rPr lang="en-US" sz="1600" dirty="0">
+                <a:highlight>
+                  <a:srgbClr val="FFFF00"/>
+                </a:highlight>
+                <a:latin typeface="+mn-lt"/>
+              </a:rPr>
+              <a:t>If-Else statements </a:t>
+            </a:r>
+          </a:p>
+          <a:p>
+            <a:pPr marL="342900" indent="-342900">
+              <a:spcAft>
+                <a:spcPts val="500"/>
+              </a:spcAft>
+              <a:buFont typeface="Wingdings" panose="05000000000000000000" pitchFamily="2" charset="2"/>
+              <a:buChar char="Ø"/>
+            </a:pPr>
+            <a:r>
+              <a:rPr lang="en-US" sz="1600" dirty="0">
+                <a:latin typeface="+mn-lt"/>
+              </a:rPr>
+              <a:t>Loops</a:t>
+            </a:r>
+            <a:endParaRPr lang="en-US" dirty="0">
+              <a:latin typeface="+mn-lt"/>
+            </a:endParaRPr>
+          </a:p>
+        </p:txBody>
+      </p:sp>
+      <p:pic>
+        <p:nvPicPr>
+          <p:cNvPr id="9" name="Picture 8">
+            <a:extLst>
+              <a:ext uri="{FF2B5EF4-FFF2-40B4-BE49-F238E27FC236}">
+                <a16:creationId xmlns:a16="http://schemas.microsoft.com/office/drawing/2014/main" id="{334F9BD2-480A-44BA-A22B-FE5F1B08F5A8}"/>
+              </a:ext>
+            </a:extLst>
+          </p:cNvPr>
+          <p:cNvPicPr>
+            <a:picLocks noChangeAspect="1"/>
+          </p:cNvPicPr>
+          <p:nvPr/>
+        </p:nvPicPr>
+        <p:blipFill>
+          <a:blip r:embed="rId3">
+            <a:extLst>
+              <a:ext uri="{28A0092B-C50C-407E-A947-70E740481C1C}">
+                <a14:useLocalDpi xmlns:a14="http://schemas.microsoft.com/office/drawing/2010/main" val="0"/>
+              </a:ext>
+            </a:extLst>
+          </a:blip>
+          <a:stretch>
+            <a:fillRect/>
+          </a:stretch>
+        </p:blipFill>
+        <p:spPr>
+          <a:xfrm>
+            <a:off x="4456330" y="1314638"/>
+            <a:ext cx="3330418" cy="3138394"/>
+          </a:xfrm>
+          <a:prstGeom prst="rect">
+            <a:avLst/>
+          </a:prstGeom>
+        </p:spPr>
+      </p:pic>
+    </p:spTree>
+    <p:extLst>
+      <p:ext uri="{BB962C8B-B14F-4D97-AF65-F5344CB8AC3E}">
+        <p14:creationId xmlns:p14="http://schemas.microsoft.com/office/powerpoint/2010/main" val="2903959987"/>
+      </p:ext>
+    </p:extLst>
+  </p:cSld>
+  <p:clrMapOvr>
+    <a:masterClrMapping/>
+  </p:clrMapOvr>
+</p:sld>
+</file>
+
+<file path=ppt/slides/slide16.xml><?xml version="1.0" encoding="utf-8"?>
+<p:sld xmlns:a="http://schemas.openxmlformats.org/drawingml/2006/main" xmlns:r="http://schemas.openxmlformats.org/officeDocument/2006/relationships" xmlns:p="http://schemas.openxmlformats.org/presentationml/2006/main">
+  <p:cSld>
+    <p:spTree>
+      <p:nvGrpSpPr>
+        <p:cNvPr id="1" name=""/>
+        <p:cNvGrpSpPr/>
+        <p:nvPr/>
+      </p:nvGrpSpPr>
+      <p:grpSpPr>
+        <a:xfrm>
+          <a:off x="0" y="0"/>
+          <a:ext cx="0" cy="0"/>
+          <a:chOff x="0" y="0"/>
+          <a:chExt cx="0" cy="0"/>
+        </a:xfrm>
+      </p:grpSpPr>
+      <p:sp>
+        <p:nvSpPr>
+          <p:cNvPr id="4" name="Rectangle 3">
+            <a:extLst>
+              <a:ext uri="{FF2B5EF4-FFF2-40B4-BE49-F238E27FC236}">
+                <a16:creationId xmlns:a16="http://schemas.microsoft.com/office/drawing/2014/main" id="{741E6F0F-8952-48F7-B8A6-5C00D4C8363A}"/>
+              </a:ext>
+            </a:extLst>
+          </p:cNvPr>
+          <p:cNvSpPr/>
+          <p:nvPr/>
+        </p:nvSpPr>
+        <p:spPr bwMode="auto">
+          <a:xfrm>
+            <a:off x="0" y="0"/>
+            <a:ext cx="9144000" cy="627534"/>
+          </a:xfrm>
+          <a:prstGeom prst="rect">
+            <a:avLst/>
+          </a:prstGeom>
+          <a:solidFill>
+            <a:srgbClr val="00589C"/>
+          </a:solidFill>
+          <a:ln w="9525" cap="flat" cmpd="sng" algn="ctr">
+            <a:solidFill>
+              <a:srgbClr val="00589C"/>
+            </a:solidFill>
+            <a:prstDash val="solid"/>
+            <a:round/>
+            <a:headEnd type="none" w="med" len="med"/>
+            <a:tailEnd type="none" w="med" len="med"/>
+          </a:ln>
+          <a:effectLst/>
+          <a:extLst>
+            <a:ext uri="{AF507438-7753-43e0-B8FC-AC1667EBCBE1}">
+              <a14:hiddenEffects xmlns="" xmlns:a14="http://schemas.microsoft.com/office/drawing/2010/main">
+                <a:effectLst>
+                  <a:outerShdw dist="35921" dir="2700000" algn="ctr" rotWithShape="0">
+                    <a:schemeClr val="bg2"/>
+                  </a:outerShdw>
+                </a:effectLst>
+              </a14:hiddenEffects>
+            </a:ext>
+          </a:extLst>
+        </p:spPr>
+        <p:txBody>
+          <a:bodyPr vert="horz" wrap="square" lIns="91440" tIns="45720" rIns="91440" bIns="45720" numCol="1" rtlCol="0" anchor="ctr" anchorCtr="0" compatLnSpc="1">
+            <a:prstTxWarp prst="textNoShape">
+              <a:avLst/>
+            </a:prstTxWarp>
+          </a:bodyPr>
+          <a:lstStyle/>
+          <a:p>
+            <a:pPr marL="0" marR="0" indent="0" algn="l" defTabSz="914400" rtl="0" eaLnBrk="0" fontAlgn="base" latinLnBrk="0" hangingPunct="0">
+              <a:lnSpc>
+                <a:spcPct val="100000"/>
+              </a:lnSpc>
+              <a:spcBef>
+                <a:spcPct val="0"/>
+              </a:spcBef>
+              <a:spcAft>
+                <a:spcPct val="0"/>
+              </a:spcAft>
+              <a:buClrTx/>
+              <a:buSzTx/>
+              <a:buFontTx/>
+              <a:buNone/>
+              <a:tabLst/>
+            </a:pPr>
+            <a:r>
+              <a:rPr kumimoji="0" lang="en-US" sz="2000" b="1" i="0" u="none" strike="noStrike" cap="none" normalizeH="0" baseline="0" dirty="0">
+                <a:ln>
+                  <a:noFill/>
+                </a:ln>
+                <a:solidFill>
+                  <a:schemeClr val="bg1"/>
+                </a:solidFill>
+                <a:effectLst/>
+                <a:latin typeface="+mj-lt"/>
+                <a:ea typeface="ＭＳ Ｐゴシック" pitchFamily="96" charset="-128"/>
+              </a:rPr>
+              <a:t>Topic 1. Introduction to R</a:t>
+            </a:r>
+          </a:p>
+        </p:txBody>
+      </p:sp>
+      <p:sp>
+        <p:nvSpPr>
+          <p:cNvPr id="3" name="Rectangle 2">
+            <a:extLst>
+              <a:ext uri="{FF2B5EF4-FFF2-40B4-BE49-F238E27FC236}">
+                <a16:creationId xmlns:a16="http://schemas.microsoft.com/office/drawing/2014/main" id="{E695171C-A629-451F-B41F-BBA81B01A78E}"/>
+              </a:ext>
+            </a:extLst>
+          </p:cNvPr>
+          <p:cNvSpPr/>
+          <p:nvPr/>
+        </p:nvSpPr>
+        <p:spPr>
+          <a:xfrm>
+            <a:off x="611560" y="767484"/>
+            <a:ext cx="4528804" cy="400110"/>
+          </a:xfrm>
+          <a:prstGeom prst="rect">
+            <a:avLst/>
+          </a:prstGeom>
+          <a:ln>
+            <a:noFill/>
+          </a:ln>
+          <a:effectLst>
+            <a:outerShdw blurRad="44450" dist="27940" dir="5400000" algn="ctr">
+              <a:srgbClr val="000000">
+                <a:alpha val="32000"/>
+              </a:srgbClr>
+            </a:outerShdw>
+          </a:effectLst>
+          <a:scene3d>
+            <a:camera prst="orthographicFront">
+              <a:rot lat="0" lon="0" rev="0"/>
+            </a:camera>
+            <a:lightRig rig="balanced" dir="t">
+              <a:rot lat="0" lon="0" rev="8700000"/>
+            </a:lightRig>
+          </a:scene3d>
+          <a:sp3d>
+            <a:bevelT w="190500" h="38100"/>
+          </a:sp3d>
+        </p:spPr>
+        <p:txBody>
+          <a:bodyPr wrap="none">
+            <a:spAutoFit/>
+          </a:bodyPr>
+          <a:lstStyle/>
+          <a:p>
+            <a:r>
+              <a:rPr lang="en-US" sz="2000" b="1" dirty="0">
+                <a:solidFill>
+                  <a:srgbClr val="00589C"/>
+                </a:solidFill>
+              </a:rPr>
+              <a:t>4. Functions and Control structures</a:t>
+            </a:r>
+          </a:p>
+        </p:txBody>
+      </p:sp>
+      <p:sp>
+        <p:nvSpPr>
+          <p:cNvPr id="2" name="Slide Number Placeholder 1">
+            <a:extLst>
+              <a:ext uri="{FF2B5EF4-FFF2-40B4-BE49-F238E27FC236}">
+                <a16:creationId xmlns:a16="http://schemas.microsoft.com/office/drawing/2014/main" id="{4BA77301-7EC3-46B2-876D-812AAB1A3F7F}"/>
+              </a:ext>
+            </a:extLst>
+          </p:cNvPr>
+          <p:cNvSpPr>
+            <a:spLocks noGrp="1"/>
+          </p:cNvSpPr>
+          <p:nvPr>
+            <p:ph type="sldNum" sz="quarter" idx="11"/>
+          </p:nvPr>
+        </p:nvSpPr>
+        <p:spPr/>
+        <p:txBody>
+          <a:bodyPr/>
+          <a:lstStyle/>
+          <a:p>
+            <a:fld id="{48105EDC-34E1-4D80-B051-D0CBD59863B8}" type="slidenum">
+              <a:rPr lang="de-DE" altLang="de-DE" smtClean="0"/>
+              <a:pPr/>
+              <a:t>16</a:t>
             </a:fld>
             <a:endParaRPr lang="de-DE" altLang="de-DE">
               <a:solidFill>
@@ -9059,7 +9920,7 @@
 </p:sld>
 </file>
 
-<file path=ppt/slides/slide16.xml><?xml version="1.0" encoding="utf-8"?>
+<file path=ppt/slides/slide17.xml><?xml version="1.0" encoding="utf-8"?>
 <p:sld xmlns:a="http://schemas.openxmlformats.org/drawingml/2006/main" xmlns:r="http://schemas.openxmlformats.org/officeDocument/2006/relationships" xmlns:p="http://schemas.openxmlformats.org/presentationml/2006/main">
   <p:cSld>
     <p:spTree>
@@ -9245,7 +10106,7 @@
             <a:fld id="{48105EDC-34E1-4D80-B051-D0CBD59863B8}" type="slidenum">
               <a:rPr lang="de-DE" altLang="de-DE" smtClean="0"/>
               <a:pPr/>
-              <a:t>16</a:t>
+              <a:t>17</a:t>
             </a:fld>
             <a:endParaRPr lang="de-DE" altLang="de-DE">
               <a:solidFill>
@@ -11424,7 +12285,7 @@
 </p:sld>
 </file>
 
-<file path=ppt/slides/slide17.xml><?xml version="1.0" encoding="utf-8"?>
+<file path=ppt/slides/slide18.xml><?xml version="1.0" encoding="utf-8"?>
 <p:sld xmlns:a="http://schemas.openxmlformats.org/drawingml/2006/main" xmlns:r="http://schemas.openxmlformats.org/officeDocument/2006/relationships" xmlns:p="http://schemas.openxmlformats.org/presentationml/2006/main">
   <p:cSld>
     <p:spTree>
@@ -11551,7 +12412,7 @@
             <a:fld id="{48105EDC-34E1-4D80-B051-D0CBD59863B8}" type="slidenum">
               <a:rPr lang="de-DE" altLang="de-DE" smtClean="0"/>
               <a:pPr/>
-              <a:t>17</a:t>
+              <a:t>18</a:t>
             </a:fld>
             <a:endParaRPr lang="de-DE" altLang="de-DE">
               <a:solidFill>
@@ -13888,350 +14749,6 @@
 </p:sld>
 </file>
 
-<file path=ppt/slides/slide18.xml><?xml version="1.0" encoding="utf-8"?>
-<p:sld xmlns:a="http://schemas.openxmlformats.org/drawingml/2006/main" xmlns:r="http://schemas.openxmlformats.org/officeDocument/2006/relationships" xmlns:p="http://schemas.openxmlformats.org/presentationml/2006/main">
-  <p:cSld>
-    <p:spTree>
-      <p:nvGrpSpPr>
-        <p:cNvPr id="1" name=""/>
-        <p:cNvGrpSpPr/>
-        <p:nvPr/>
-      </p:nvGrpSpPr>
-      <p:grpSpPr>
-        <a:xfrm>
-          <a:off x="0" y="0"/>
-          <a:ext cx="0" cy="0"/>
-          <a:chOff x="0" y="0"/>
-          <a:chExt cx="0" cy="0"/>
-        </a:xfrm>
-      </p:grpSpPr>
-      <p:sp>
-        <p:nvSpPr>
-          <p:cNvPr id="4" name="Rectangle 3">
-            <a:extLst>
-              <a:ext uri="{FF2B5EF4-FFF2-40B4-BE49-F238E27FC236}">
-                <a16:creationId xmlns:a16="http://schemas.microsoft.com/office/drawing/2014/main" id="{741E6F0F-8952-48F7-B8A6-5C00D4C8363A}"/>
-              </a:ext>
-            </a:extLst>
-          </p:cNvPr>
-          <p:cNvSpPr/>
-          <p:nvPr/>
-        </p:nvSpPr>
-        <p:spPr bwMode="auto">
-          <a:xfrm>
-            <a:off x="0" y="0"/>
-            <a:ext cx="9144000" cy="627534"/>
-          </a:xfrm>
-          <a:prstGeom prst="rect">
-            <a:avLst/>
-          </a:prstGeom>
-          <a:solidFill>
-            <a:srgbClr val="00589C"/>
-          </a:solidFill>
-          <a:ln w="9525" cap="flat" cmpd="sng" algn="ctr">
-            <a:solidFill>
-              <a:srgbClr val="00589C"/>
-            </a:solidFill>
-            <a:prstDash val="solid"/>
-            <a:round/>
-            <a:headEnd type="none" w="med" len="med"/>
-            <a:tailEnd type="none" w="med" len="med"/>
-          </a:ln>
-          <a:effectLst/>
-          <a:extLst>
-            <a:ext uri="{AF507438-7753-43e0-B8FC-AC1667EBCBE1}">
-              <a14:hiddenEffects xmlns="" xmlns:a14="http://schemas.microsoft.com/office/drawing/2010/main">
-                <a:effectLst>
-                  <a:outerShdw dist="35921" dir="2700000" algn="ctr" rotWithShape="0">
-                    <a:schemeClr val="bg2"/>
-                  </a:outerShdw>
-                </a:effectLst>
-              </a14:hiddenEffects>
-            </a:ext>
-          </a:extLst>
-        </p:spPr>
-        <p:txBody>
-          <a:bodyPr vert="horz" wrap="square" lIns="91440" tIns="45720" rIns="91440" bIns="45720" numCol="1" rtlCol="0" anchor="ctr" anchorCtr="0" compatLnSpc="1">
-            <a:prstTxWarp prst="textNoShape">
-              <a:avLst/>
-            </a:prstTxWarp>
-          </a:bodyPr>
-          <a:lstStyle/>
-          <a:p>
-            <a:pPr marL="0" marR="0" indent="0" algn="l" defTabSz="914400" rtl="0" eaLnBrk="0" fontAlgn="base" latinLnBrk="0" hangingPunct="0">
-              <a:lnSpc>
-                <a:spcPct val="100000"/>
-              </a:lnSpc>
-              <a:spcBef>
-                <a:spcPct val="0"/>
-              </a:spcBef>
-              <a:spcAft>
-                <a:spcPct val="0"/>
-              </a:spcAft>
-              <a:buClrTx/>
-              <a:buSzTx/>
-              <a:buFontTx/>
-              <a:buNone/>
-              <a:tabLst/>
-            </a:pPr>
-            <a:r>
-              <a:rPr kumimoji="0" lang="en-US" sz="2000" b="1" i="0" u="none" strike="noStrike" cap="none" normalizeH="0" baseline="0" dirty="0">
-                <a:ln>
-                  <a:noFill/>
-                </a:ln>
-                <a:solidFill>
-                  <a:schemeClr val="bg1"/>
-                </a:solidFill>
-                <a:effectLst/>
-                <a:latin typeface="+mj-lt"/>
-                <a:ea typeface="ＭＳ Ｐゴシック" pitchFamily="96" charset="-128"/>
-              </a:rPr>
-              <a:t>Topic 1. Introduction to R</a:t>
-            </a:r>
-          </a:p>
-        </p:txBody>
-      </p:sp>
-      <p:sp>
-        <p:nvSpPr>
-          <p:cNvPr id="3" name="Rectangle 2">
-            <a:extLst>
-              <a:ext uri="{FF2B5EF4-FFF2-40B4-BE49-F238E27FC236}">
-                <a16:creationId xmlns:a16="http://schemas.microsoft.com/office/drawing/2014/main" id="{E695171C-A629-451F-B41F-BBA81B01A78E}"/>
-              </a:ext>
-            </a:extLst>
-          </p:cNvPr>
-          <p:cNvSpPr/>
-          <p:nvPr/>
-        </p:nvSpPr>
-        <p:spPr>
-          <a:xfrm>
-            <a:off x="611560" y="767484"/>
-            <a:ext cx="2148345" cy="400110"/>
-          </a:xfrm>
-          <a:prstGeom prst="rect">
-            <a:avLst/>
-          </a:prstGeom>
-          <a:ln>
-            <a:noFill/>
-          </a:ln>
-          <a:effectLst>
-            <a:outerShdw blurRad="44450" dist="27940" dir="5400000" algn="ctr">
-              <a:srgbClr val="000000">
-                <a:alpha val="32000"/>
-              </a:srgbClr>
-            </a:outerShdw>
-          </a:effectLst>
-          <a:scene3d>
-            <a:camera prst="orthographicFront">
-              <a:rot lat="0" lon="0" rev="0"/>
-            </a:camera>
-            <a:lightRig rig="balanced" dir="t">
-              <a:rot lat="0" lon="0" rev="8700000"/>
-            </a:lightRig>
-          </a:scene3d>
-          <a:sp3d>
-            <a:bevelT w="190500" h="38100"/>
-          </a:sp3d>
-        </p:spPr>
-        <p:txBody>
-          <a:bodyPr wrap="none">
-            <a:spAutoFit/>
-          </a:bodyPr>
-          <a:lstStyle/>
-          <a:p>
-            <a:r>
-              <a:rPr lang="en-US" sz="2000" b="1" dirty="0">
-                <a:solidFill>
-                  <a:srgbClr val="00589C"/>
-                </a:solidFill>
-              </a:rPr>
-              <a:t>6. Graphing tool</a:t>
-            </a:r>
-          </a:p>
-        </p:txBody>
-      </p:sp>
-      <p:sp>
-        <p:nvSpPr>
-          <p:cNvPr id="2" name="Slide Number Placeholder 1">
-            <a:extLst>
-              <a:ext uri="{FF2B5EF4-FFF2-40B4-BE49-F238E27FC236}">
-                <a16:creationId xmlns:a16="http://schemas.microsoft.com/office/drawing/2014/main" id="{4BA77301-7EC3-46B2-876D-812AAB1A3F7F}"/>
-              </a:ext>
-            </a:extLst>
-          </p:cNvPr>
-          <p:cNvSpPr>
-            <a:spLocks noGrp="1"/>
-          </p:cNvSpPr>
-          <p:nvPr>
-            <p:ph type="sldNum" sz="quarter" idx="11"/>
-          </p:nvPr>
-        </p:nvSpPr>
-        <p:spPr/>
-        <p:txBody>
-          <a:bodyPr/>
-          <a:lstStyle/>
-          <a:p>
-            <a:fld id="{48105EDC-34E1-4D80-B051-D0CBD59863B8}" type="slidenum">
-              <a:rPr lang="de-DE" altLang="de-DE" smtClean="0"/>
-              <a:pPr/>
-              <a:t>18</a:t>
-            </a:fld>
-            <a:endParaRPr lang="de-DE" altLang="de-DE">
-              <a:solidFill>
-                <a:schemeClr val="tx1"/>
-              </a:solidFill>
-            </a:endParaRPr>
-          </a:p>
-        </p:txBody>
-      </p:sp>
-      <p:sp>
-        <p:nvSpPr>
-          <p:cNvPr id="5" name="Rectangle 4">
-            <a:extLst>
-              <a:ext uri="{FF2B5EF4-FFF2-40B4-BE49-F238E27FC236}">
-                <a16:creationId xmlns:a16="http://schemas.microsoft.com/office/drawing/2014/main" id="{0342C3A8-64BF-41DA-8B43-E1D6002A7D99}"/>
-              </a:ext>
-            </a:extLst>
-          </p:cNvPr>
-          <p:cNvSpPr/>
-          <p:nvPr/>
-        </p:nvSpPr>
-        <p:spPr>
-          <a:xfrm>
-            <a:off x="3203848" y="4299942"/>
-            <a:ext cx="1710725" cy="246221"/>
-          </a:xfrm>
-          <a:prstGeom prst="rect">
-            <a:avLst/>
-          </a:prstGeom>
-        </p:spPr>
-        <p:txBody>
-          <a:bodyPr wrap="none">
-            <a:spAutoFit/>
-          </a:bodyPr>
-          <a:lstStyle/>
-          <a:p>
-            <a:r>
-              <a:rPr lang="en-US" sz="1000" dirty="0">
-                <a:solidFill>
-                  <a:schemeClr val="accent5">
-                    <a:lumMod val="50000"/>
-                  </a:schemeClr>
-                </a:solidFill>
-              </a:rPr>
-              <a:t>https://r-graph-gallery.com/</a:t>
-            </a:r>
-          </a:p>
-        </p:txBody>
-      </p:sp>
-      <p:pic>
-        <p:nvPicPr>
-          <p:cNvPr id="7" name="Picture 6">
-            <a:extLst>
-              <a:ext uri="{FF2B5EF4-FFF2-40B4-BE49-F238E27FC236}">
-                <a16:creationId xmlns:a16="http://schemas.microsoft.com/office/drawing/2014/main" id="{79243E3A-222D-46F5-B465-8B4A9E13C900}"/>
-              </a:ext>
-            </a:extLst>
-          </p:cNvPr>
-          <p:cNvPicPr>
-            <a:picLocks noChangeAspect="1"/>
-          </p:cNvPicPr>
-          <p:nvPr/>
-        </p:nvPicPr>
-        <p:blipFill>
-          <a:blip r:embed="rId3">
-            <a:extLst>
-              <a:ext uri="{28A0092B-C50C-407E-A947-70E740481C1C}">
-                <a14:useLocalDpi xmlns:a14="http://schemas.microsoft.com/office/drawing/2010/main" val="0"/>
-              </a:ext>
-            </a:extLst>
-          </a:blip>
-          <a:stretch>
-            <a:fillRect/>
-          </a:stretch>
-        </p:blipFill>
-        <p:spPr>
-          <a:xfrm>
-            <a:off x="4812331" y="0"/>
-            <a:ext cx="4448432" cy="5143500"/>
-          </a:xfrm>
-          <a:prstGeom prst="rect">
-            <a:avLst/>
-          </a:prstGeom>
-        </p:spPr>
-      </p:pic>
-      <p:sp>
-        <p:nvSpPr>
-          <p:cNvPr id="8" name="TextBox 7">
-            <a:extLst>
-              <a:ext uri="{FF2B5EF4-FFF2-40B4-BE49-F238E27FC236}">
-                <a16:creationId xmlns:a16="http://schemas.microsoft.com/office/drawing/2014/main" id="{8708552F-723C-4D81-8C53-BB8766BBF9E8}"/>
-              </a:ext>
-            </a:extLst>
-          </p:cNvPr>
-          <p:cNvSpPr txBox="1"/>
-          <p:nvPr/>
-        </p:nvSpPr>
-        <p:spPr>
-          <a:xfrm>
-            <a:off x="870328" y="1563638"/>
-            <a:ext cx="3071675" cy="646331"/>
-          </a:xfrm>
-          <a:prstGeom prst="rect">
-            <a:avLst/>
-          </a:prstGeom>
-          <a:noFill/>
-        </p:spPr>
-        <p:txBody>
-          <a:bodyPr wrap="none" rtlCol="0">
-            <a:spAutoFit/>
-          </a:bodyPr>
-          <a:lstStyle/>
-          <a:p>
-            <a:pPr marL="342900" indent="-342900">
-              <a:buFont typeface="Wingdings" panose="05000000000000000000" pitchFamily="2" charset="2"/>
-              <a:buChar char="q"/>
-            </a:pPr>
-            <a:r>
-              <a:rPr lang="en-US" sz="1800" dirty="0"/>
-              <a:t>Built-in</a:t>
-            </a:r>
-          </a:p>
-          <a:p>
-            <a:pPr marL="342900" indent="-342900">
-              <a:buFont typeface="Wingdings" panose="05000000000000000000" pitchFamily="2" charset="2"/>
-              <a:buChar char="q"/>
-            </a:pPr>
-            <a:r>
-              <a:rPr lang="en-US" sz="1800" dirty="0"/>
-              <a:t>ggplot2: </a:t>
-            </a:r>
-            <a:r>
-              <a:rPr lang="en-US" sz="1200" dirty="0">
-                <a:solidFill>
-                  <a:schemeClr val="accent5">
-                    <a:lumMod val="50000"/>
-                  </a:schemeClr>
-                </a:solidFill>
-              </a:rPr>
-              <a:t>https://ggplot2-book.org/</a:t>
-            </a:r>
-          </a:p>
-        </p:txBody>
-      </p:sp>
-    </p:spTree>
-    <p:extLst>
-      <p:ext uri="{BB962C8B-B14F-4D97-AF65-F5344CB8AC3E}">
-        <p14:creationId xmlns:p14="http://schemas.microsoft.com/office/powerpoint/2010/main" val="3643994078"/>
-      </p:ext>
-    </p:extLst>
-  </p:cSld>
-  <p:clrMapOvr>
-    <a:masterClrMapping/>
-  </p:clrMapOvr>
-</p:sld>
-</file>
-
 <file path=ppt/slides/slide19.xml><?xml version="1.0" encoding="utf-8"?>
 <p:sld xmlns:a="http://schemas.openxmlformats.org/drawingml/2006/main" xmlns:r="http://schemas.openxmlformats.org/officeDocument/2006/relationships" xmlns:p="http://schemas.openxmlformats.org/presentationml/2006/main">
   <p:cSld>
@@ -14419,6 +14936,624 @@
               <a:rPr lang="de-DE" altLang="de-DE" smtClean="0"/>
               <a:pPr/>
               <a:t>19</a:t>
+            </a:fld>
+            <a:endParaRPr lang="de-DE" altLang="de-DE">
+              <a:solidFill>
+                <a:schemeClr val="tx1"/>
+              </a:solidFill>
+            </a:endParaRPr>
+          </a:p>
+        </p:txBody>
+      </p:sp>
+      <p:sp>
+        <p:nvSpPr>
+          <p:cNvPr id="5" name="Rectangle 4">
+            <a:extLst>
+              <a:ext uri="{FF2B5EF4-FFF2-40B4-BE49-F238E27FC236}">
+                <a16:creationId xmlns:a16="http://schemas.microsoft.com/office/drawing/2014/main" id="{0342C3A8-64BF-41DA-8B43-E1D6002A7D99}"/>
+              </a:ext>
+            </a:extLst>
+          </p:cNvPr>
+          <p:cNvSpPr/>
+          <p:nvPr/>
+        </p:nvSpPr>
+        <p:spPr>
+          <a:xfrm>
+            <a:off x="3203848" y="4299942"/>
+            <a:ext cx="1710725" cy="246221"/>
+          </a:xfrm>
+          <a:prstGeom prst="rect">
+            <a:avLst/>
+          </a:prstGeom>
+        </p:spPr>
+        <p:txBody>
+          <a:bodyPr wrap="none">
+            <a:spAutoFit/>
+          </a:bodyPr>
+          <a:lstStyle/>
+          <a:p>
+            <a:r>
+              <a:rPr lang="en-US" sz="1000" dirty="0">
+                <a:solidFill>
+                  <a:schemeClr val="accent5">
+                    <a:lumMod val="50000"/>
+                  </a:schemeClr>
+                </a:solidFill>
+              </a:rPr>
+              <a:t>https://r-graph-gallery.com/</a:t>
+            </a:r>
+          </a:p>
+        </p:txBody>
+      </p:sp>
+      <p:pic>
+        <p:nvPicPr>
+          <p:cNvPr id="7" name="Picture 6">
+            <a:extLst>
+              <a:ext uri="{FF2B5EF4-FFF2-40B4-BE49-F238E27FC236}">
+                <a16:creationId xmlns:a16="http://schemas.microsoft.com/office/drawing/2014/main" id="{79243E3A-222D-46F5-B465-8B4A9E13C900}"/>
+              </a:ext>
+            </a:extLst>
+          </p:cNvPr>
+          <p:cNvPicPr>
+            <a:picLocks noChangeAspect="1"/>
+          </p:cNvPicPr>
+          <p:nvPr/>
+        </p:nvPicPr>
+        <p:blipFill>
+          <a:blip r:embed="rId3">
+            <a:extLst>
+              <a:ext uri="{28A0092B-C50C-407E-A947-70E740481C1C}">
+                <a14:useLocalDpi xmlns:a14="http://schemas.microsoft.com/office/drawing/2010/main" val="0"/>
+              </a:ext>
+            </a:extLst>
+          </a:blip>
+          <a:stretch>
+            <a:fillRect/>
+          </a:stretch>
+        </p:blipFill>
+        <p:spPr>
+          <a:xfrm>
+            <a:off x="4812331" y="0"/>
+            <a:ext cx="4448432" cy="5143500"/>
+          </a:xfrm>
+          <a:prstGeom prst="rect">
+            <a:avLst/>
+          </a:prstGeom>
+        </p:spPr>
+      </p:pic>
+      <p:sp>
+        <p:nvSpPr>
+          <p:cNvPr id="8" name="TextBox 7">
+            <a:extLst>
+              <a:ext uri="{FF2B5EF4-FFF2-40B4-BE49-F238E27FC236}">
+                <a16:creationId xmlns:a16="http://schemas.microsoft.com/office/drawing/2014/main" id="{8708552F-723C-4D81-8C53-BB8766BBF9E8}"/>
+              </a:ext>
+            </a:extLst>
+          </p:cNvPr>
+          <p:cNvSpPr txBox="1"/>
+          <p:nvPr/>
+        </p:nvSpPr>
+        <p:spPr>
+          <a:xfrm>
+            <a:off x="870328" y="1563638"/>
+            <a:ext cx="3071675" cy="646331"/>
+          </a:xfrm>
+          <a:prstGeom prst="rect">
+            <a:avLst/>
+          </a:prstGeom>
+          <a:noFill/>
+        </p:spPr>
+        <p:txBody>
+          <a:bodyPr wrap="none" rtlCol="0">
+            <a:spAutoFit/>
+          </a:bodyPr>
+          <a:lstStyle/>
+          <a:p>
+            <a:pPr marL="342900" indent="-342900">
+              <a:buFont typeface="Wingdings" panose="05000000000000000000" pitchFamily="2" charset="2"/>
+              <a:buChar char="q"/>
+            </a:pPr>
+            <a:r>
+              <a:rPr lang="en-US" sz="1800" dirty="0"/>
+              <a:t>Built-in</a:t>
+            </a:r>
+          </a:p>
+          <a:p>
+            <a:pPr marL="342900" indent="-342900">
+              <a:buFont typeface="Wingdings" panose="05000000000000000000" pitchFamily="2" charset="2"/>
+              <a:buChar char="q"/>
+            </a:pPr>
+            <a:r>
+              <a:rPr lang="en-US" sz="1800" dirty="0"/>
+              <a:t>ggplot2: </a:t>
+            </a:r>
+            <a:r>
+              <a:rPr lang="en-US" sz="1200" dirty="0">
+                <a:solidFill>
+                  <a:schemeClr val="accent5">
+                    <a:lumMod val="50000"/>
+                  </a:schemeClr>
+                </a:solidFill>
+              </a:rPr>
+              <a:t>https://ggplot2-book.org/</a:t>
+            </a:r>
+          </a:p>
+        </p:txBody>
+      </p:sp>
+    </p:spTree>
+    <p:extLst>
+      <p:ext uri="{BB962C8B-B14F-4D97-AF65-F5344CB8AC3E}">
+        <p14:creationId xmlns:p14="http://schemas.microsoft.com/office/powerpoint/2010/main" val="3643994078"/>
+      </p:ext>
+    </p:extLst>
+  </p:cSld>
+  <p:clrMapOvr>
+    <a:masterClrMapping/>
+  </p:clrMapOvr>
+</p:sld>
+</file>
+
+<file path=ppt/slides/slide2.xml><?xml version="1.0" encoding="utf-8"?>
+<p:sld xmlns:a="http://schemas.openxmlformats.org/drawingml/2006/main" xmlns:r="http://schemas.openxmlformats.org/officeDocument/2006/relationships" xmlns:p="http://schemas.openxmlformats.org/presentationml/2006/main">
+  <p:cSld>
+    <p:spTree>
+      <p:nvGrpSpPr>
+        <p:cNvPr id="1" name=""/>
+        <p:cNvGrpSpPr/>
+        <p:nvPr/>
+      </p:nvGrpSpPr>
+      <p:grpSpPr>
+        <a:xfrm>
+          <a:off x="0" y="0"/>
+          <a:ext cx="0" cy="0"/>
+          <a:chOff x="0" y="0"/>
+          <a:chExt cx="0" cy="0"/>
+        </a:xfrm>
+      </p:grpSpPr>
+      <p:sp>
+        <p:nvSpPr>
+          <p:cNvPr id="13313" name="Rectangle 2"/>
+          <p:cNvSpPr>
+            <a:spLocks noGrp="1" noChangeArrowheads="1"/>
+          </p:cNvSpPr>
+          <p:nvPr>
+            <p:ph type="title"/>
+          </p:nvPr>
+        </p:nvSpPr>
+        <p:spPr/>
+        <p:txBody>
+          <a:bodyPr/>
+          <a:lstStyle/>
+          <a:p>
+            <a:pPr eaLnBrk="1" hangingPunct="1"/>
+            <a:r>
+              <a:rPr lang="de-DE" altLang="de-DE" dirty="0" err="1"/>
+              <a:t>Overview</a:t>
+            </a:r>
+            <a:endParaRPr lang="de-DE" altLang="de-DE" dirty="0"/>
+          </a:p>
+        </p:txBody>
+      </p:sp>
+      <p:sp>
+        <p:nvSpPr>
+          <p:cNvPr id="13314" name="Rectangle 3"/>
+          <p:cNvSpPr>
+            <a:spLocks noGrp="1" noChangeArrowheads="1"/>
+          </p:cNvSpPr>
+          <p:nvPr>
+            <p:ph type="body" idx="1"/>
+          </p:nvPr>
+        </p:nvSpPr>
+        <p:spPr>
+          <a:xfrm>
+            <a:off x="1331640" y="1635646"/>
+            <a:ext cx="7056784" cy="1584176"/>
+          </a:xfrm>
+        </p:spPr>
+        <p:txBody>
+          <a:bodyPr/>
+          <a:lstStyle/>
+          <a:p>
+            <a:pPr marL="457200" indent="-457200" eaLnBrk="1" hangingPunct="1">
+              <a:spcAft>
+                <a:spcPts val="1000"/>
+              </a:spcAft>
+              <a:buFont typeface="+mj-lt"/>
+              <a:buAutoNum type="arabicParenR"/>
+            </a:pPr>
+            <a:r>
+              <a:rPr lang="de-DE" altLang="de-DE" dirty="0" err="1"/>
+              <a:t>Introduction</a:t>
+            </a:r>
+            <a:r>
+              <a:rPr lang="de-DE" altLang="de-DE" dirty="0"/>
+              <a:t> </a:t>
+            </a:r>
+            <a:r>
+              <a:rPr lang="de-DE" altLang="de-DE" dirty="0" err="1"/>
+              <a:t>to</a:t>
+            </a:r>
+            <a:r>
+              <a:rPr lang="de-DE" altLang="de-DE" dirty="0"/>
+              <a:t> R and R </a:t>
+            </a:r>
+            <a:r>
+              <a:rPr lang="de-DE" altLang="de-DE" dirty="0" err="1"/>
+              <a:t>bsics</a:t>
+            </a:r>
+            <a:endParaRPr lang="de-DE" altLang="de-DE" dirty="0"/>
+          </a:p>
+          <a:p>
+            <a:pPr marL="457200" indent="-457200" eaLnBrk="1" hangingPunct="1">
+              <a:spcAft>
+                <a:spcPts val="1000"/>
+              </a:spcAft>
+              <a:buFont typeface="+mj-lt"/>
+              <a:buAutoNum type="arabicParenR"/>
+            </a:pPr>
+            <a:r>
+              <a:rPr lang="de-DE" altLang="de-DE" dirty="0" err="1"/>
+              <a:t>Exercise</a:t>
+            </a:r>
+            <a:r>
+              <a:rPr lang="de-DE" altLang="de-DE" dirty="0"/>
+              <a:t> </a:t>
+            </a:r>
+            <a:r>
+              <a:rPr lang="de-DE" altLang="de-DE" dirty="0" err="1"/>
+              <a:t>with</a:t>
+            </a:r>
+            <a:r>
+              <a:rPr lang="de-DE" altLang="de-DE" dirty="0"/>
+              <a:t> R - Flood </a:t>
+            </a:r>
+            <a:r>
+              <a:rPr lang="de-DE" altLang="de-DE" dirty="0" err="1"/>
+              <a:t>frequency</a:t>
+            </a:r>
+            <a:r>
+              <a:rPr lang="de-DE" altLang="de-DE" dirty="0"/>
+              <a:t> </a:t>
+            </a:r>
+            <a:r>
+              <a:rPr lang="de-DE" altLang="de-DE" dirty="0" err="1"/>
+              <a:t>analysis</a:t>
+            </a:r>
+            <a:endParaRPr lang="de-DE" altLang="de-DE" dirty="0"/>
+          </a:p>
+          <a:p>
+            <a:pPr marL="457200" indent="-457200">
+              <a:spcAft>
+                <a:spcPts val="1000"/>
+              </a:spcAft>
+              <a:buFont typeface="+mj-lt"/>
+              <a:buAutoNum type="arabicParenR"/>
+            </a:pPr>
+            <a:r>
+              <a:rPr lang="de-DE" altLang="de-DE" dirty="0" err="1"/>
+              <a:t>Exercise</a:t>
+            </a:r>
+            <a:r>
+              <a:rPr lang="de-DE" altLang="de-DE" dirty="0"/>
+              <a:t> </a:t>
+            </a:r>
+            <a:r>
+              <a:rPr lang="de-DE" altLang="de-DE" dirty="0" err="1"/>
+              <a:t>with</a:t>
+            </a:r>
+            <a:r>
+              <a:rPr lang="de-DE" altLang="de-DE" dirty="0"/>
+              <a:t> R - Time-</a:t>
+            </a:r>
+            <a:r>
+              <a:rPr lang="de-DE" altLang="de-DE" dirty="0" err="1"/>
+              <a:t>varying</a:t>
+            </a:r>
+            <a:r>
+              <a:rPr lang="de-DE" altLang="de-DE" dirty="0"/>
+              <a:t> </a:t>
+            </a:r>
+            <a:r>
+              <a:rPr lang="de-DE" altLang="de-DE" dirty="0" err="1"/>
+              <a:t>flood</a:t>
+            </a:r>
+            <a:r>
+              <a:rPr lang="de-DE" altLang="de-DE" dirty="0"/>
+              <a:t> </a:t>
+            </a:r>
+            <a:r>
+              <a:rPr lang="de-DE" altLang="de-DE" dirty="0" err="1"/>
+              <a:t>risk</a:t>
+            </a:r>
+            <a:r>
+              <a:rPr lang="de-DE" altLang="de-DE" dirty="0"/>
+              <a:t> </a:t>
+            </a:r>
+            <a:r>
+              <a:rPr lang="de-DE" altLang="de-DE" dirty="0" err="1"/>
+              <a:t>analysis</a:t>
+            </a:r>
+            <a:endParaRPr lang="de-DE" altLang="de-DE" dirty="0"/>
+          </a:p>
+        </p:txBody>
+      </p:sp>
+      <p:sp>
+        <p:nvSpPr>
+          <p:cNvPr id="2" name="Rectangle 1">
+            <a:extLst>
+              <a:ext uri="{FF2B5EF4-FFF2-40B4-BE49-F238E27FC236}">
+                <a16:creationId xmlns:a16="http://schemas.microsoft.com/office/drawing/2014/main" id="{758E25E9-32ED-4510-B433-984B559B4054}"/>
+              </a:ext>
+            </a:extLst>
+          </p:cNvPr>
+          <p:cNvSpPr/>
+          <p:nvPr/>
+        </p:nvSpPr>
+        <p:spPr>
+          <a:xfrm>
+            <a:off x="1547664" y="3782972"/>
+            <a:ext cx="7056784" cy="584775"/>
+          </a:xfrm>
+          <a:prstGeom prst="rect">
+            <a:avLst/>
+          </a:prstGeom>
+        </p:spPr>
+        <p:txBody>
+          <a:bodyPr wrap="square">
+            <a:spAutoFit/>
+          </a:bodyPr>
+          <a:lstStyle/>
+          <a:p>
+            <a:r>
+              <a:rPr lang="en-US" sz="1600" dirty="0">
+                <a:solidFill>
+                  <a:srgbClr val="00589C"/>
+                </a:solidFill>
+              </a:rPr>
+              <a:t>Materials here: </a:t>
+            </a:r>
+          </a:p>
+          <a:p>
+            <a:r>
+              <a:rPr lang="en-US" sz="1600" u="sng" dirty="0">
+                <a:solidFill>
+                  <a:srgbClr val="00589C"/>
+                </a:solidFill>
+              </a:rPr>
+              <a:t>https://github.com/XiaoxiangGuanGFZ/FloodRiskSeminar</a:t>
+            </a:r>
+          </a:p>
+        </p:txBody>
+      </p:sp>
+      <p:sp>
+        <p:nvSpPr>
+          <p:cNvPr id="3" name="Slide Number Placeholder 2">
+            <a:extLst>
+              <a:ext uri="{FF2B5EF4-FFF2-40B4-BE49-F238E27FC236}">
+                <a16:creationId xmlns:a16="http://schemas.microsoft.com/office/drawing/2014/main" id="{0D84647E-7901-4454-8634-949208E5F309}"/>
+              </a:ext>
+            </a:extLst>
+          </p:cNvPr>
+          <p:cNvSpPr>
+            <a:spLocks noGrp="1"/>
+          </p:cNvSpPr>
+          <p:nvPr>
+            <p:ph type="sldNum" sz="quarter" idx="11"/>
+          </p:nvPr>
+        </p:nvSpPr>
+        <p:spPr/>
+        <p:txBody>
+          <a:bodyPr/>
+          <a:lstStyle/>
+          <a:p>
+            <a:fld id="{48105EDC-34E1-4D80-B051-D0CBD59863B8}" type="slidenum">
+              <a:rPr lang="de-DE" altLang="de-DE" smtClean="0"/>
+              <a:pPr/>
+              <a:t>2</a:t>
+            </a:fld>
+            <a:endParaRPr lang="de-DE" altLang="de-DE">
+              <a:solidFill>
+                <a:schemeClr val="tx1"/>
+              </a:solidFill>
+            </a:endParaRPr>
+          </a:p>
+        </p:txBody>
+      </p:sp>
+    </p:spTree>
+  </p:cSld>
+  <p:clrMapOvr>
+    <a:masterClrMapping/>
+  </p:clrMapOvr>
+</p:sld>
+</file>
+
+<file path=ppt/slides/slide20.xml><?xml version="1.0" encoding="utf-8"?>
+<p:sld xmlns:a="http://schemas.openxmlformats.org/drawingml/2006/main" xmlns:r="http://schemas.openxmlformats.org/officeDocument/2006/relationships" xmlns:p="http://schemas.openxmlformats.org/presentationml/2006/main">
+  <p:cSld>
+    <p:spTree>
+      <p:nvGrpSpPr>
+        <p:cNvPr id="1" name=""/>
+        <p:cNvGrpSpPr/>
+        <p:nvPr/>
+      </p:nvGrpSpPr>
+      <p:grpSpPr>
+        <a:xfrm>
+          <a:off x="0" y="0"/>
+          <a:ext cx="0" cy="0"/>
+          <a:chOff x="0" y="0"/>
+          <a:chExt cx="0" cy="0"/>
+        </a:xfrm>
+      </p:grpSpPr>
+      <p:sp>
+        <p:nvSpPr>
+          <p:cNvPr id="4" name="Rectangle 3">
+            <a:extLst>
+              <a:ext uri="{FF2B5EF4-FFF2-40B4-BE49-F238E27FC236}">
+                <a16:creationId xmlns:a16="http://schemas.microsoft.com/office/drawing/2014/main" id="{741E6F0F-8952-48F7-B8A6-5C00D4C8363A}"/>
+              </a:ext>
+            </a:extLst>
+          </p:cNvPr>
+          <p:cNvSpPr/>
+          <p:nvPr/>
+        </p:nvSpPr>
+        <p:spPr bwMode="auto">
+          <a:xfrm>
+            <a:off x="0" y="0"/>
+            <a:ext cx="9144000" cy="627534"/>
+          </a:xfrm>
+          <a:prstGeom prst="rect">
+            <a:avLst/>
+          </a:prstGeom>
+          <a:solidFill>
+            <a:srgbClr val="00589C"/>
+          </a:solidFill>
+          <a:ln w="9525" cap="flat" cmpd="sng" algn="ctr">
+            <a:solidFill>
+              <a:srgbClr val="00589C"/>
+            </a:solidFill>
+            <a:prstDash val="solid"/>
+            <a:round/>
+            <a:headEnd type="none" w="med" len="med"/>
+            <a:tailEnd type="none" w="med" len="med"/>
+          </a:ln>
+          <a:effectLst/>
+          <a:extLst>
+            <a:ext uri="{AF507438-7753-43e0-B8FC-AC1667EBCBE1}">
+              <a14:hiddenEffects xmlns="" xmlns:a14="http://schemas.microsoft.com/office/drawing/2010/main">
+                <a:effectLst>
+                  <a:outerShdw dist="35921" dir="2700000" algn="ctr" rotWithShape="0">
+                    <a:schemeClr val="bg2"/>
+                  </a:outerShdw>
+                </a:effectLst>
+              </a14:hiddenEffects>
+            </a:ext>
+          </a:extLst>
+        </p:spPr>
+        <p:txBody>
+          <a:bodyPr vert="horz" wrap="square" lIns="91440" tIns="45720" rIns="91440" bIns="45720" numCol="1" rtlCol="0" anchor="ctr" anchorCtr="0" compatLnSpc="1">
+            <a:prstTxWarp prst="textNoShape">
+              <a:avLst/>
+            </a:prstTxWarp>
+          </a:bodyPr>
+          <a:lstStyle/>
+          <a:p>
+            <a:pPr marL="0" marR="0" indent="0" algn="l" defTabSz="914400" rtl="0" eaLnBrk="0" fontAlgn="base" latinLnBrk="0" hangingPunct="0">
+              <a:lnSpc>
+                <a:spcPct val="100000"/>
+              </a:lnSpc>
+              <a:spcBef>
+                <a:spcPct val="0"/>
+              </a:spcBef>
+              <a:spcAft>
+                <a:spcPct val="0"/>
+              </a:spcAft>
+              <a:buClrTx/>
+              <a:buSzTx/>
+              <a:buFontTx/>
+              <a:buNone/>
+              <a:tabLst/>
+            </a:pPr>
+            <a:r>
+              <a:rPr kumimoji="0" lang="en-US" sz="2000" b="1" i="0" u="none" strike="noStrike" cap="none" normalizeH="0" baseline="0" dirty="0">
+                <a:ln>
+                  <a:noFill/>
+                </a:ln>
+                <a:solidFill>
+                  <a:schemeClr val="bg1"/>
+                </a:solidFill>
+                <a:effectLst/>
+                <a:latin typeface="+mj-lt"/>
+                <a:ea typeface="ＭＳ Ｐゴシック" pitchFamily="96" charset="-128"/>
+              </a:rPr>
+              <a:t>Topic 1. Introduction to R</a:t>
+            </a:r>
+          </a:p>
+        </p:txBody>
+      </p:sp>
+      <p:sp>
+        <p:nvSpPr>
+          <p:cNvPr id="3" name="Rectangle 2">
+            <a:extLst>
+              <a:ext uri="{FF2B5EF4-FFF2-40B4-BE49-F238E27FC236}">
+                <a16:creationId xmlns:a16="http://schemas.microsoft.com/office/drawing/2014/main" id="{E695171C-A629-451F-B41F-BBA81B01A78E}"/>
+              </a:ext>
+            </a:extLst>
+          </p:cNvPr>
+          <p:cNvSpPr/>
+          <p:nvPr/>
+        </p:nvSpPr>
+        <p:spPr>
+          <a:xfrm>
+            <a:off x="611560" y="767484"/>
+            <a:ext cx="2148345" cy="400110"/>
+          </a:xfrm>
+          <a:prstGeom prst="rect">
+            <a:avLst/>
+          </a:prstGeom>
+          <a:ln>
+            <a:noFill/>
+          </a:ln>
+          <a:effectLst>
+            <a:outerShdw blurRad="44450" dist="27940" dir="5400000" algn="ctr">
+              <a:srgbClr val="000000">
+                <a:alpha val="32000"/>
+              </a:srgbClr>
+            </a:outerShdw>
+          </a:effectLst>
+          <a:scene3d>
+            <a:camera prst="orthographicFront">
+              <a:rot lat="0" lon="0" rev="0"/>
+            </a:camera>
+            <a:lightRig rig="balanced" dir="t">
+              <a:rot lat="0" lon="0" rev="8700000"/>
+            </a:lightRig>
+          </a:scene3d>
+          <a:sp3d>
+            <a:bevelT w="190500" h="38100"/>
+          </a:sp3d>
+        </p:spPr>
+        <p:txBody>
+          <a:bodyPr wrap="none">
+            <a:spAutoFit/>
+          </a:bodyPr>
+          <a:lstStyle/>
+          <a:p>
+            <a:r>
+              <a:rPr lang="en-US" sz="2000" b="1" dirty="0">
+                <a:solidFill>
+                  <a:srgbClr val="00589C"/>
+                </a:solidFill>
+              </a:rPr>
+              <a:t>6. Graphing tool</a:t>
+            </a:r>
+          </a:p>
+        </p:txBody>
+      </p:sp>
+      <p:sp>
+        <p:nvSpPr>
+          <p:cNvPr id="2" name="Slide Number Placeholder 1">
+            <a:extLst>
+              <a:ext uri="{FF2B5EF4-FFF2-40B4-BE49-F238E27FC236}">
+                <a16:creationId xmlns:a16="http://schemas.microsoft.com/office/drawing/2014/main" id="{4BA77301-7EC3-46B2-876D-812AAB1A3F7F}"/>
+              </a:ext>
+            </a:extLst>
+          </p:cNvPr>
+          <p:cNvSpPr>
+            <a:spLocks noGrp="1"/>
+          </p:cNvSpPr>
+          <p:nvPr>
+            <p:ph type="sldNum" sz="quarter" idx="11"/>
+          </p:nvPr>
+        </p:nvSpPr>
+        <p:spPr/>
+        <p:txBody>
+          <a:bodyPr/>
+          <a:lstStyle/>
+          <a:p>
+            <a:fld id="{48105EDC-34E1-4D80-B051-D0CBD59863B8}" type="slidenum">
+              <a:rPr lang="de-DE" altLang="de-DE" smtClean="0"/>
+              <a:pPr/>
+              <a:t>20</a:t>
             </a:fld>
             <a:endParaRPr lang="de-DE" altLang="de-DE">
               <a:solidFill>
@@ -16172,276 +17307,7 @@
 </p:sld>
 </file>
 
-<file path=ppt/slides/slide2.xml><?xml version="1.0" encoding="utf-8"?>
-<p:sld xmlns:a="http://schemas.openxmlformats.org/drawingml/2006/main" xmlns:r="http://schemas.openxmlformats.org/officeDocument/2006/relationships" xmlns:p="http://schemas.openxmlformats.org/presentationml/2006/main">
-  <p:cSld>
-    <p:spTree>
-      <p:nvGrpSpPr>
-        <p:cNvPr id="1" name=""/>
-        <p:cNvGrpSpPr/>
-        <p:nvPr/>
-      </p:nvGrpSpPr>
-      <p:grpSpPr>
-        <a:xfrm>
-          <a:off x="0" y="0"/>
-          <a:ext cx="0" cy="0"/>
-          <a:chOff x="0" y="0"/>
-          <a:chExt cx="0" cy="0"/>
-        </a:xfrm>
-      </p:grpSpPr>
-      <p:sp>
-        <p:nvSpPr>
-          <p:cNvPr id="13313" name="Rectangle 2"/>
-          <p:cNvSpPr>
-            <a:spLocks noGrp="1" noChangeArrowheads="1"/>
-          </p:cNvSpPr>
-          <p:nvPr>
-            <p:ph type="title"/>
-          </p:nvPr>
-        </p:nvSpPr>
-        <p:spPr/>
-        <p:txBody>
-          <a:bodyPr/>
-          <a:lstStyle/>
-          <a:p>
-            <a:pPr eaLnBrk="1" hangingPunct="1"/>
-            <a:r>
-              <a:rPr lang="de-DE" altLang="de-DE" dirty="0" err="1"/>
-              <a:t>Overview</a:t>
-            </a:r>
-            <a:endParaRPr lang="de-DE" altLang="de-DE" dirty="0"/>
-          </a:p>
-        </p:txBody>
-      </p:sp>
-      <p:sp>
-        <p:nvSpPr>
-          <p:cNvPr id="13314" name="Rectangle 3"/>
-          <p:cNvSpPr>
-            <a:spLocks noGrp="1" noChangeArrowheads="1"/>
-          </p:cNvSpPr>
-          <p:nvPr>
-            <p:ph type="body" idx="1"/>
-          </p:nvPr>
-        </p:nvSpPr>
-        <p:spPr>
-          <a:xfrm>
-            <a:off x="1043608" y="1491630"/>
-            <a:ext cx="7056784" cy="1944216"/>
-          </a:xfrm>
-        </p:spPr>
-        <p:txBody>
-          <a:bodyPr/>
-          <a:lstStyle/>
-          <a:p>
-            <a:pPr marL="457200" indent="-457200" eaLnBrk="1" hangingPunct="1">
-              <a:spcAft>
-                <a:spcPts val="1000"/>
-              </a:spcAft>
-              <a:buFont typeface="+mj-lt"/>
-              <a:buAutoNum type="arabicParenR"/>
-            </a:pPr>
-            <a:r>
-              <a:rPr lang="de-DE" altLang="de-DE" dirty="0" err="1"/>
-              <a:t>Introduction</a:t>
-            </a:r>
-            <a:r>
-              <a:rPr lang="de-DE" altLang="de-DE" dirty="0"/>
-              <a:t> </a:t>
-            </a:r>
-            <a:r>
-              <a:rPr lang="de-DE" altLang="de-DE" dirty="0" err="1"/>
-              <a:t>to</a:t>
-            </a:r>
-            <a:r>
-              <a:rPr lang="de-DE" altLang="de-DE" dirty="0"/>
-              <a:t> R</a:t>
-            </a:r>
-          </a:p>
-          <a:p>
-            <a:pPr marL="457200" indent="-457200" eaLnBrk="1" hangingPunct="1">
-              <a:spcAft>
-                <a:spcPts val="1000"/>
-              </a:spcAft>
-              <a:buFont typeface="+mj-lt"/>
-              <a:buAutoNum type="arabicParenR"/>
-            </a:pPr>
-            <a:r>
-              <a:rPr lang="de-DE" altLang="de-DE" dirty="0" err="1"/>
-              <a:t>Exercise</a:t>
-            </a:r>
-            <a:r>
-              <a:rPr lang="de-DE" altLang="de-DE" dirty="0"/>
-              <a:t> </a:t>
-            </a:r>
-            <a:r>
-              <a:rPr lang="de-DE" altLang="de-DE" dirty="0" err="1"/>
-              <a:t>with</a:t>
-            </a:r>
-            <a:r>
-              <a:rPr lang="de-DE" altLang="de-DE" dirty="0"/>
-              <a:t> R - Flood </a:t>
-            </a:r>
-            <a:r>
-              <a:rPr lang="de-DE" altLang="de-DE" dirty="0" err="1"/>
-              <a:t>frequency</a:t>
-            </a:r>
-            <a:r>
-              <a:rPr lang="de-DE" altLang="de-DE" dirty="0"/>
-              <a:t> </a:t>
-            </a:r>
-            <a:r>
-              <a:rPr lang="de-DE" altLang="de-DE" dirty="0" err="1"/>
-              <a:t>analysis</a:t>
-            </a:r>
-            <a:endParaRPr lang="de-DE" altLang="de-DE" dirty="0"/>
-          </a:p>
-          <a:p>
-            <a:pPr marL="457200" indent="-457200">
-              <a:spcAft>
-                <a:spcPts val="1000"/>
-              </a:spcAft>
-              <a:buFont typeface="+mj-lt"/>
-              <a:buAutoNum type="arabicParenR"/>
-            </a:pPr>
-            <a:r>
-              <a:rPr lang="de-DE" altLang="de-DE" dirty="0" err="1"/>
-              <a:t>Exercise</a:t>
-            </a:r>
-            <a:r>
-              <a:rPr lang="de-DE" altLang="de-DE" dirty="0"/>
-              <a:t> </a:t>
-            </a:r>
-            <a:r>
-              <a:rPr lang="de-DE" altLang="de-DE" dirty="0" err="1"/>
-              <a:t>with</a:t>
-            </a:r>
-            <a:r>
-              <a:rPr lang="de-DE" altLang="de-DE" dirty="0"/>
-              <a:t> R - Time-</a:t>
-            </a:r>
-            <a:r>
-              <a:rPr lang="de-DE" altLang="de-DE" dirty="0" err="1"/>
-              <a:t>varying</a:t>
-            </a:r>
-            <a:r>
-              <a:rPr lang="de-DE" altLang="de-DE" dirty="0"/>
-              <a:t> </a:t>
-            </a:r>
-            <a:r>
-              <a:rPr lang="de-DE" altLang="de-DE" dirty="0" err="1"/>
-              <a:t>flood</a:t>
-            </a:r>
-            <a:r>
-              <a:rPr lang="de-DE" altLang="de-DE" dirty="0"/>
-              <a:t> </a:t>
-            </a:r>
-            <a:r>
-              <a:rPr lang="de-DE" altLang="de-DE" dirty="0" err="1"/>
-              <a:t>risk</a:t>
-            </a:r>
-            <a:r>
-              <a:rPr lang="de-DE" altLang="de-DE" dirty="0"/>
-              <a:t> </a:t>
-            </a:r>
-            <a:r>
-              <a:rPr lang="de-DE" altLang="de-DE" dirty="0" err="1"/>
-              <a:t>analysis</a:t>
-            </a:r>
-            <a:endParaRPr lang="de-DE" altLang="de-DE" dirty="0"/>
-          </a:p>
-        </p:txBody>
-      </p:sp>
-      <p:sp>
-        <p:nvSpPr>
-          <p:cNvPr id="2" name="Rectangle 1">
-            <a:extLst>
-              <a:ext uri="{FF2B5EF4-FFF2-40B4-BE49-F238E27FC236}">
-                <a16:creationId xmlns:a16="http://schemas.microsoft.com/office/drawing/2014/main" id="{758E25E9-32ED-4510-B433-984B559B4054}"/>
-              </a:ext>
-            </a:extLst>
-          </p:cNvPr>
-          <p:cNvSpPr/>
-          <p:nvPr/>
-        </p:nvSpPr>
-        <p:spPr>
-          <a:xfrm>
-            <a:off x="1547664" y="3782972"/>
-            <a:ext cx="7056784" cy="584775"/>
-          </a:xfrm>
-          <a:prstGeom prst="rect">
-            <a:avLst/>
-          </a:prstGeom>
-        </p:spPr>
-        <p:txBody>
-          <a:bodyPr wrap="square">
-            <a:spAutoFit/>
-          </a:bodyPr>
-          <a:lstStyle/>
-          <a:p>
-            <a:r>
-              <a:rPr lang="en-US" sz="1600" dirty="0">
-                <a:solidFill>
-                  <a:srgbClr val="00589C"/>
-                </a:solidFill>
-              </a:rPr>
-              <a:t>Materials here: </a:t>
-            </a:r>
-          </a:p>
-          <a:p>
-            <a:r>
-              <a:rPr lang="en-US" sz="1600" dirty="0">
-                <a:solidFill>
-                  <a:srgbClr val="00589C"/>
-                </a:solidFill>
-              </a:rPr>
-              <a:t>https://github.com/XiaoxiangGuanGFZ/FloodRiskSeminar</a:t>
-            </a:r>
-          </a:p>
-        </p:txBody>
-      </p:sp>
-      <p:sp>
-        <p:nvSpPr>
-          <p:cNvPr id="3" name="Slide Number Placeholder 2">
-            <a:extLst>
-              <a:ext uri="{FF2B5EF4-FFF2-40B4-BE49-F238E27FC236}">
-                <a16:creationId xmlns:a16="http://schemas.microsoft.com/office/drawing/2014/main" id="{0D84647E-7901-4454-8634-949208E5F309}"/>
-              </a:ext>
-            </a:extLst>
-          </p:cNvPr>
-          <p:cNvSpPr>
-            <a:spLocks noGrp="1"/>
-          </p:cNvSpPr>
-          <p:nvPr>
-            <p:ph type="sldNum" sz="quarter" idx="11"/>
-          </p:nvPr>
-        </p:nvSpPr>
-        <p:spPr/>
-        <p:txBody>
-          <a:bodyPr/>
-          <a:lstStyle/>
-          <a:p>
-            <a:fld id="{48105EDC-34E1-4D80-B051-D0CBD59863B8}" type="slidenum">
-              <a:rPr lang="de-DE" altLang="de-DE" smtClean="0"/>
-              <a:pPr/>
-              <a:t>2</a:t>
-            </a:fld>
-            <a:endParaRPr lang="de-DE" altLang="de-DE">
-              <a:solidFill>
-                <a:schemeClr val="tx1"/>
-              </a:solidFill>
-            </a:endParaRPr>
-          </a:p>
-        </p:txBody>
-      </p:sp>
-    </p:spTree>
-  </p:cSld>
-  <p:clrMapOvr>
-    <a:masterClrMapping/>
-  </p:clrMapOvr>
-</p:sld>
-</file>
-
-<file path=ppt/slides/slide20.xml><?xml version="1.0" encoding="utf-8"?>
+<file path=ppt/slides/slide21.xml><?xml version="1.0" encoding="utf-8"?>
 <p:sld xmlns:a="http://schemas.openxmlformats.org/drawingml/2006/main" xmlns:r="http://schemas.openxmlformats.org/officeDocument/2006/relationships" xmlns:p="http://schemas.openxmlformats.org/presentationml/2006/main">
   <p:cSld>
     <p:spTree>
@@ -16574,7 +17440,7 @@
             <a:fld id="{48105EDC-34E1-4D80-B051-D0CBD59863B8}" type="slidenum">
               <a:rPr lang="de-DE" altLang="de-DE" smtClean="0"/>
               <a:pPr/>
-              <a:t>20</a:t>
+              <a:t>21</a:t>
             </a:fld>
             <a:endParaRPr lang="de-DE" altLang="de-DE">
               <a:solidFill>
@@ -16989,7 +17855,7 @@
                 <a:graphicData uri="http://schemas.openxmlformats.org/presentationml/2006/ole">
                   <mc:AlternateContent xmlns:mc="http://schemas.openxmlformats.org/markup-compatibility/2006">
                     <mc:Choice xmlns:v="urn:schemas-microsoft-com:vml" Requires="v">
-                      <p:oleObj spid="_x0000_s1203" name="Formel" r:id="rId4" imgW="2590800" imgH="990600" progId="Equation.3">
+                      <p:oleObj spid="_x0000_s1269" name="Formel" r:id="rId4" imgW="2590800" imgH="990600" progId="Equation.3">
                         <p:embed/>
                       </p:oleObj>
                     </mc:Choice>
@@ -17497,285 +18363,6 @@
 </p:sld>
 </file>
 
-<file path=ppt/slides/slide21.xml><?xml version="1.0" encoding="utf-8"?>
-<p:sld xmlns:a="http://schemas.openxmlformats.org/drawingml/2006/main" xmlns:r="http://schemas.openxmlformats.org/officeDocument/2006/relationships" xmlns:p="http://schemas.openxmlformats.org/presentationml/2006/main">
-  <p:cSld>
-    <p:spTree>
-      <p:nvGrpSpPr>
-        <p:cNvPr id="1" name=""/>
-        <p:cNvGrpSpPr/>
-        <p:nvPr/>
-      </p:nvGrpSpPr>
-      <p:grpSpPr>
-        <a:xfrm>
-          <a:off x="0" y="0"/>
-          <a:ext cx="0" cy="0"/>
-          <a:chOff x="0" y="0"/>
-          <a:chExt cx="0" cy="0"/>
-        </a:xfrm>
-      </p:grpSpPr>
-      <p:sp>
-        <p:nvSpPr>
-          <p:cNvPr id="4" name="Rectangle 3">
-            <a:extLst>
-              <a:ext uri="{FF2B5EF4-FFF2-40B4-BE49-F238E27FC236}">
-                <a16:creationId xmlns:a16="http://schemas.microsoft.com/office/drawing/2014/main" id="{741E6F0F-8952-48F7-B8A6-5C00D4C8363A}"/>
-              </a:ext>
-            </a:extLst>
-          </p:cNvPr>
-          <p:cNvSpPr/>
-          <p:nvPr/>
-        </p:nvSpPr>
-        <p:spPr bwMode="auto">
-          <a:xfrm>
-            <a:off x="0" y="0"/>
-            <a:ext cx="9144000" cy="627534"/>
-          </a:xfrm>
-          <a:prstGeom prst="rect">
-            <a:avLst/>
-          </a:prstGeom>
-          <a:solidFill>
-            <a:srgbClr val="00589C"/>
-          </a:solidFill>
-          <a:ln w="9525" cap="flat" cmpd="sng" algn="ctr">
-            <a:solidFill>
-              <a:srgbClr val="00589C"/>
-            </a:solidFill>
-            <a:prstDash val="solid"/>
-            <a:round/>
-            <a:headEnd type="none" w="med" len="med"/>
-            <a:tailEnd type="none" w="med" len="med"/>
-          </a:ln>
-          <a:effectLst/>
-          <a:extLst>
-            <a:ext uri="{AF507438-7753-43e0-B8FC-AC1667EBCBE1}">
-              <a14:hiddenEffects xmlns="" xmlns:a14="http://schemas.microsoft.com/office/drawing/2010/main">
-                <a:effectLst>
-                  <a:outerShdw dist="35921" dir="2700000" algn="ctr" rotWithShape="0">
-                    <a:schemeClr val="bg2"/>
-                  </a:outerShdw>
-                </a:effectLst>
-              </a14:hiddenEffects>
-            </a:ext>
-          </a:extLst>
-        </p:spPr>
-        <p:txBody>
-          <a:bodyPr vert="horz" wrap="square" lIns="91440" tIns="45720" rIns="91440" bIns="45720" numCol="1" rtlCol="0" anchor="ctr" anchorCtr="0" compatLnSpc="1">
-            <a:prstTxWarp prst="textNoShape">
-              <a:avLst/>
-            </a:prstTxWarp>
-          </a:bodyPr>
-          <a:lstStyle/>
-          <a:p>
-            <a:pPr eaLnBrk="0" hangingPunct="0"/>
-            <a:r>
-              <a:rPr kumimoji="0" lang="en-US" sz="2000" b="1" i="0" u="none" strike="noStrike" cap="none" normalizeH="0" baseline="0" dirty="0">
-                <a:ln>
-                  <a:noFill/>
-                </a:ln>
-                <a:solidFill>
-                  <a:schemeClr val="bg1"/>
-                </a:solidFill>
-                <a:effectLst/>
-                <a:latin typeface="+mj-lt"/>
-                <a:ea typeface="ＭＳ Ｐゴシック" pitchFamily="96" charset="-128"/>
-              </a:rPr>
-              <a:t>Topic 2</a:t>
-            </a:r>
-            <a:r>
-              <a:rPr lang="en-US" sz="2000" b="1" dirty="0">
-                <a:solidFill>
-                  <a:schemeClr val="bg1"/>
-                </a:solidFill>
-                <a:latin typeface="+mj-lt"/>
-                <a:ea typeface="ＭＳ Ｐゴシック" pitchFamily="96" charset="-128"/>
-              </a:rPr>
-              <a:t>. Exercise with R - Flood frequency analysis</a:t>
-            </a:r>
-            <a:endParaRPr kumimoji="0" lang="en-US" sz="2000" b="1" i="0" u="none" strike="noStrike" cap="none" normalizeH="0" baseline="0" dirty="0">
-              <a:ln>
-                <a:noFill/>
-              </a:ln>
-              <a:solidFill>
-                <a:schemeClr val="bg1"/>
-              </a:solidFill>
-              <a:effectLst/>
-              <a:latin typeface="+mj-lt"/>
-              <a:ea typeface="ＭＳ Ｐゴシック" pitchFamily="96" charset="-128"/>
-            </a:endParaRPr>
-          </a:p>
-        </p:txBody>
-      </p:sp>
-      <p:sp>
-        <p:nvSpPr>
-          <p:cNvPr id="2" name="Slide Number Placeholder 1">
-            <a:extLst>
-              <a:ext uri="{FF2B5EF4-FFF2-40B4-BE49-F238E27FC236}">
-                <a16:creationId xmlns:a16="http://schemas.microsoft.com/office/drawing/2014/main" id="{2070EC6C-AAF5-4D83-AEC1-C7F2433683BB}"/>
-              </a:ext>
-            </a:extLst>
-          </p:cNvPr>
-          <p:cNvSpPr>
-            <a:spLocks noGrp="1"/>
-          </p:cNvSpPr>
-          <p:nvPr>
-            <p:ph type="sldNum" sz="quarter" idx="11"/>
-          </p:nvPr>
-        </p:nvSpPr>
-        <p:spPr/>
-        <p:txBody>
-          <a:bodyPr/>
-          <a:lstStyle/>
-          <a:p>
-            <a:fld id="{48105EDC-34E1-4D80-B051-D0CBD59863B8}" type="slidenum">
-              <a:rPr lang="de-DE" altLang="de-DE" smtClean="0"/>
-              <a:pPr/>
-              <a:t>21</a:t>
-            </a:fld>
-            <a:endParaRPr lang="de-DE" altLang="de-DE">
-              <a:solidFill>
-                <a:schemeClr val="tx1"/>
-              </a:solidFill>
-            </a:endParaRPr>
-          </a:p>
-        </p:txBody>
-      </p:sp>
-      <p:sp>
-        <p:nvSpPr>
-          <p:cNvPr id="5" name="Rectangle 4">
-            <a:extLst>
-              <a:ext uri="{FF2B5EF4-FFF2-40B4-BE49-F238E27FC236}">
-                <a16:creationId xmlns:a16="http://schemas.microsoft.com/office/drawing/2014/main" id="{FFD55E64-A004-4FD3-9310-E6F296A645FD}"/>
-              </a:ext>
-            </a:extLst>
-          </p:cNvPr>
-          <p:cNvSpPr/>
-          <p:nvPr/>
-        </p:nvSpPr>
-        <p:spPr>
-          <a:xfrm>
-            <a:off x="1331640" y="1563638"/>
-            <a:ext cx="6961778" cy="1446550"/>
-          </a:xfrm>
-          <a:prstGeom prst="rect">
-            <a:avLst/>
-          </a:prstGeom>
-        </p:spPr>
-        <p:txBody>
-          <a:bodyPr wrap="square">
-            <a:spAutoFit/>
-          </a:bodyPr>
-          <a:lstStyle/>
-          <a:p>
-            <a:r>
-              <a:rPr lang="en-US" sz="2000" dirty="0">
-                <a:latin typeface="+mn-lt"/>
-              </a:rPr>
-              <a:t>Exercises: </a:t>
-            </a:r>
-          </a:p>
-          <a:p>
-            <a:pPr marL="342900" indent="-342900">
-              <a:spcAft>
-                <a:spcPts val="800"/>
-              </a:spcAft>
-              <a:buFont typeface="+mj-lt"/>
-              <a:buAutoNum type="arabicParenR"/>
-            </a:pPr>
-            <a:r>
-              <a:rPr lang="en-US" sz="1200" dirty="0">
-                <a:latin typeface="+mn-lt"/>
-              </a:rPr>
-              <a:t>get data into R: ./data/</a:t>
-            </a:r>
-            <a:r>
-              <a:rPr lang="en-US" sz="1200" b="1" dirty="0">
-                <a:solidFill>
-                  <a:srgbClr val="004D95"/>
-                </a:solidFill>
-                <a:latin typeface="+mn-lt"/>
-              </a:rPr>
-              <a:t>Example_data.csv</a:t>
-            </a:r>
-            <a:r>
-              <a:rPr lang="en-US" sz="1200" dirty="0">
-                <a:latin typeface="+mn-lt"/>
-              </a:rPr>
-              <a:t>, use </a:t>
-            </a:r>
-            <a:r>
-              <a:rPr lang="en-US" sz="1200" dirty="0" err="1">
-                <a:latin typeface="+mn-lt"/>
-              </a:rPr>
-              <a:t>read.table</a:t>
-            </a:r>
-            <a:r>
-              <a:rPr lang="en-US" sz="1200" dirty="0">
-                <a:latin typeface="+mn-lt"/>
-              </a:rPr>
-              <a:t>() function</a:t>
-            </a:r>
-          </a:p>
-          <a:p>
-            <a:pPr marL="342900" indent="-342900">
-              <a:spcAft>
-                <a:spcPts val="800"/>
-              </a:spcAft>
-              <a:buFont typeface="+mj-lt"/>
-              <a:buAutoNum type="arabicParenR"/>
-            </a:pPr>
-            <a:r>
-              <a:rPr lang="en-US" sz="1200" dirty="0">
-                <a:latin typeface="+mn-lt"/>
-              </a:rPr>
-              <a:t>Derive the annual maximum discharge series </a:t>
-            </a:r>
-          </a:p>
-          <a:p>
-            <a:pPr marL="342900" indent="-342900">
-              <a:spcAft>
-                <a:spcPts val="800"/>
-              </a:spcAft>
-              <a:buFont typeface="+mj-lt"/>
-              <a:buAutoNum type="arabicParenR"/>
-            </a:pPr>
-            <a:r>
-              <a:rPr lang="en-US" sz="1200" dirty="0">
-                <a:latin typeface="+mn-lt"/>
-              </a:rPr>
-              <a:t>Estimate the GEV parameters for annual maximum discharge</a:t>
-            </a:r>
-          </a:p>
-          <a:p>
-            <a:pPr marL="342900" indent="-342900">
-              <a:spcAft>
-                <a:spcPts val="800"/>
-              </a:spcAft>
-              <a:buFont typeface="+mj-lt"/>
-              <a:buAutoNum type="arabicParenR"/>
-            </a:pPr>
-            <a:r>
-              <a:rPr lang="en-US" sz="1200" dirty="0">
-                <a:latin typeface="+mn-lt"/>
-              </a:rPr>
-              <a:t>Generate 100 random numbers based on the estimated GEV parameters</a:t>
-            </a:r>
-          </a:p>
-        </p:txBody>
-      </p:sp>
-    </p:spTree>
-    <p:extLst>
-      <p:ext uri="{BB962C8B-B14F-4D97-AF65-F5344CB8AC3E}">
-        <p14:creationId xmlns:p14="http://schemas.microsoft.com/office/powerpoint/2010/main" val="3491938248"/>
-      </p:ext>
-    </p:extLst>
-  </p:cSld>
-  <p:clrMapOvr>
-    <a:masterClrMapping/>
-  </p:clrMapOvr>
-</p:sld>
-</file>
-
 <file path=ppt/slides/slide22.xml><?xml version="1.0" encoding="utf-8"?>
 <p:sld xmlns:a="http://schemas.openxmlformats.org/drawingml/2006/main" xmlns:r="http://schemas.openxmlformats.org/officeDocument/2006/relationships" xmlns:p="http://schemas.openxmlformats.org/presentationml/2006/main">
   <p:cSld>
@@ -17921,119 +18508,131 @@
       </p:sp>
       <p:sp>
         <p:nvSpPr>
-          <p:cNvPr id="3" name="TextBox 2">
+          <p:cNvPr id="5" name="Rectangle 4">
             <a:extLst>
               <a:ext uri="{FF2B5EF4-FFF2-40B4-BE49-F238E27FC236}">
-                <a16:creationId xmlns:a16="http://schemas.microsoft.com/office/drawing/2014/main" id="{DF3F5431-4F69-422F-9376-A6F02AA272A7}"/>
+                <a16:creationId xmlns:a16="http://schemas.microsoft.com/office/drawing/2014/main" id="{FFD55E64-A004-4FD3-9310-E6F296A645FD}"/>
               </a:ext>
             </a:extLst>
           </p:cNvPr>
-          <p:cNvSpPr txBox="1"/>
+          <p:cNvSpPr/>
           <p:nvPr/>
         </p:nvSpPr>
         <p:spPr>
           <a:xfrm>
-            <a:off x="395536" y="915566"/>
-            <a:ext cx="2295821" cy="1292662"/>
-          </a:xfrm>
-          <a:prstGeom prst="rect">
-            <a:avLst/>
-          </a:prstGeom>
-          <a:noFill/>
-        </p:spPr>
-        <p:txBody>
-          <a:bodyPr wrap="none" rtlCol="0">
-            <a:spAutoFit/>
-          </a:bodyPr>
-          <a:lstStyle/>
-          <a:p>
-            <a:r>
-              <a:rPr lang="en-US" sz="2000" dirty="0">
-                <a:solidFill>
-                  <a:srgbClr val="004D95"/>
-                </a:solidFill>
-              </a:rPr>
-              <a:t>Flood risk analysis</a:t>
-            </a:r>
-          </a:p>
-          <a:p>
-            <a:r>
-              <a:rPr lang="en-US" sz="1600" dirty="0"/>
-              <a:t>Components:</a:t>
-            </a:r>
-          </a:p>
-          <a:p>
-            <a:pPr marL="342900" indent="-342900">
-              <a:buFontTx/>
-              <a:buChar char="-"/>
-            </a:pPr>
-            <a:r>
-              <a:rPr lang="en-US" sz="1400" dirty="0"/>
-              <a:t>Hazard</a:t>
-            </a:r>
-          </a:p>
-          <a:p>
-            <a:pPr marL="342900" indent="-342900">
-              <a:buFontTx/>
-              <a:buChar char="-"/>
-            </a:pPr>
-            <a:r>
-              <a:rPr lang="en-US" sz="1400" dirty="0"/>
-              <a:t>Exposure</a:t>
-            </a:r>
-          </a:p>
-          <a:p>
-            <a:pPr marL="342900" indent="-342900">
-              <a:buFontTx/>
-              <a:buChar char="-"/>
-            </a:pPr>
-            <a:r>
-              <a:rPr lang="en-US" sz="1400" dirty="0"/>
-              <a:t>Vulnerability</a:t>
-            </a:r>
-          </a:p>
-        </p:txBody>
-      </p:sp>
-      <p:pic>
-        <p:nvPicPr>
-          <p:cNvPr id="7" name="Picture 6">
-            <a:extLst>
-              <a:ext uri="{FF2B5EF4-FFF2-40B4-BE49-F238E27FC236}">
-                <a16:creationId xmlns:a16="http://schemas.microsoft.com/office/drawing/2014/main" id="{67C18AC2-EE3C-48D7-996C-41F68DA1878F}"/>
-              </a:ext>
-            </a:extLst>
-          </p:cNvPr>
-          <p:cNvPicPr>
-            <a:picLocks noChangeAspect="1"/>
-          </p:cNvPicPr>
-          <p:nvPr/>
-        </p:nvPicPr>
-        <p:blipFill>
-          <a:blip r:embed="rId3">
-            <a:extLst>
-              <a:ext uri="{28A0092B-C50C-407E-A947-70E740481C1C}">
-                <a14:useLocalDpi xmlns:a14="http://schemas.microsoft.com/office/drawing/2010/main" val="0"/>
-              </a:ext>
-            </a:extLst>
-          </a:blip>
-          <a:stretch>
-            <a:fillRect/>
-          </a:stretch>
-        </p:blipFill>
-        <p:spPr>
-          <a:xfrm>
-            <a:off x="2915815" y="1203598"/>
-            <a:ext cx="5884792" cy="3240360"/>
+            <a:off x="1331640" y="1563638"/>
+            <a:ext cx="6961778" cy="1446550"/>
           </a:xfrm>
           <a:prstGeom prst="rect">
             <a:avLst/>
           </a:prstGeom>
         </p:spPr>
-      </p:pic>
+        <p:txBody>
+          <a:bodyPr wrap="square">
+            <a:spAutoFit/>
+          </a:bodyPr>
+          <a:lstStyle/>
+          <a:p>
+            <a:r>
+              <a:rPr lang="en-US" sz="2000" dirty="0">
+                <a:latin typeface="+mn-lt"/>
+              </a:rPr>
+              <a:t>Exercises: </a:t>
+            </a:r>
+          </a:p>
+          <a:p>
+            <a:pPr marL="342900" indent="-342900">
+              <a:spcAft>
+                <a:spcPts val="800"/>
+              </a:spcAft>
+              <a:buFont typeface="+mj-lt"/>
+              <a:buAutoNum type="arabicParenR"/>
+            </a:pPr>
+            <a:r>
+              <a:rPr lang="en-US" sz="1200" dirty="0">
+                <a:latin typeface="+mn-lt"/>
+              </a:rPr>
+              <a:t>get data into R: ./data/</a:t>
+            </a:r>
+            <a:r>
+              <a:rPr lang="en-US" sz="1200" b="1" dirty="0">
+                <a:solidFill>
+                  <a:srgbClr val="004D95"/>
+                </a:solidFill>
+                <a:latin typeface="+mn-lt"/>
+              </a:rPr>
+              <a:t>Example_data.csv</a:t>
+            </a:r>
+            <a:r>
+              <a:rPr lang="en-US" sz="1200" dirty="0">
+                <a:latin typeface="+mn-lt"/>
+              </a:rPr>
+              <a:t>, use </a:t>
+            </a:r>
+            <a:r>
+              <a:rPr lang="en-US" sz="1200" dirty="0" err="1">
+                <a:latin typeface="+mn-lt"/>
+              </a:rPr>
+              <a:t>read.table</a:t>
+            </a:r>
+            <a:r>
+              <a:rPr lang="en-US" sz="1200" dirty="0">
+                <a:latin typeface="+mn-lt"/>
+              </a:rPr>
+              <a:t>() function</a:t>
+            </a:r>
+          </a:p>
+          <a:p>
+            <a:pPr marL="342900" indent="-342900">
+              <a:spcAft>
+                <a:spcPts val="800"/>
+              </a:spcAft>
+              <a:buFont typeface="+mj-lt"/>
+              <a:buAutoNum type="arabicParenR"/>
+            </a:pPr>
+            <a:r>
+              <a:rPr lang="en-US" sz="1200" dirty="0">
+                <a:latin typeface="+mn-lt"/>
+              </a:rPr>
+              <a:t>Derive the annual maximum discharge series </a:t>
+            </a:r>
+          </a:p>
+          <a:p>
+            <a:pPr marL="342900" indent="-342900">
+              <a:spcAft>
+                <a:spcPts val="800"/>
+              </a:spcAft>
+              <a:buFont typeface="+mj-lt"/>
+              <a:buAutoNum type="arabicParenR"/>
+            </a:pPr>
+            <a:r>
+              <a:rPr lang="en-US" sz="1200" dirty="0">
+                <a:latin typeface="+mn-lt"/>
+              </a:rPr>
+              <a:t>Estimate the GEV parameters for annual maximum discharge</a:t>
+            </a:r>
+          </a:p>
+          <a:p>
+            <a:pPr marL="342900" indent="-342900">
+              <a:spcAft>
+                <a:spcPts val="800"/>
+              </a:spcAft>
+              <a:buFont typeface="+mj-lt"/>
+              <a:buAutoNum type="arabicParenR"/>
+            </a:pPr>
+            <a:r>
+              <a:rPr lang="en-US" sz="1200" dirty="0">
+                <a:latin typeface="+mn-lt"/>
+              </a:rPr>
+              <a:t>Generate 100 random numbers based on the estimated GEV parameters</a:t>
+            </a:r>
+          </a:p>
+        </p:txBody>
+      </p:sp>
     </p:spTree>
     <p:extLst>
       <p:ext uri="{BB962C8B-B14F-4D97-AF65-F5344CB8AC3E}">
-        <p14:creationId xmlns:p14="http://schemas.microsoft.com/office/powerpoint/2010/main" val="3050160320"/>
+        <p14:creationId xmlns:p14="http://schemas.microsoft.com/office/powerpoint/2010/main" val="3491938248"/>
       </p:ext>
     </p:extLst>
   </p:cSld>
@@ -18177,6 +18776,273 @@
               <a:rPr lang="de-DE" altLang="de-DE" smtClean="0"/>
               <a:pPr/>
               <a:t>23</a:t>
+            </a:fld>
+            <a:endParaRPr lang="de-DE" altLang="de-DE">
+              <a:solidFill>
+                <a:schemeClr val="tx1"/>
+              </a:solidFill>
+            </a:endParaRPr>
+          </a:p>
+        </p:txBody>
+      </p:sp>
+      <p:sp>
+        <p:nvSpPr>
+          <p:cNvPr id="3" name="TextBox 2">
+            <a:extLst>
+              <a:ext uri="{FF2B5EF4-FFF2-40B4-BE49-F238E27FC236}">
+                <a16:creationId xmlns:a16="http://schemas.microsoft.com/office/drawing/2014/main" id="{DF3F5431-4F69-422F-9376-A6F02AA272A7}"/>
+              </a:ext>
+            </a:extLst>
+          </p:cNvPr>
+          <p:cNvSpPr txBox="1"/>
+          <p:nvPr/>
+        </p:nvSpPr>
+        <p:spPr>
+          <a:xfrm>
+            <a:off x="395536" y="915566"/>
+            <a:ext cx="2295821" cy="1292662"/>
+          </a:xfrm>
+          <a:prstGeom prst="rect">
+            <a:avLst/>
+          </a:prstGeom>
+          <a:noFill/>
+        </p:spPr>
+        <p:txBody>
+          <a:bodyPr wrap="none" rtlCol="0">
+            <a:spAutoFit/>
+          </a:bodyPr>
+          <a:lstStyle/>
+          <a:p>
+            <a:r>
+              <a:rPr lang="en-US" sz="2000" dirty="0">
+                <a:solidFill>
+                  <a:srgbClr val="004D95"/>
+                </a:solidFill>
+              </a:rPr>
+              <a:t>Flood risk analysis</a:t>
+            </a:r>
+          </a:p>
+          <a:p>
+            <a:r>
+              <a:rPr lang="en-US" sz="1600" dirty="0"/>
+              <a:t>Components:</a:t>
+            </a:r>
+          </a:p>
+          <a:p>
+            <a:pPr marL="342900" indent="-342900">
+              <a:buFontTx/>
+              <a:buChar char="-"/>
+            </a:pPr>
+            <a:r>
+              <a:rPr lang="en-US" sz="1400" dirty="0"/>
+              <a:t>Hazard</a:t>
+            </a:r>
+          </a:p>
+          <a:p>
+            <a:pPr marL="342900" indent="-342900">
+              <a:buFontTx/>
+              <a:buChar char="-"/>
+            </a:pPr>
+            <a:r>
+              <a:rPr lang="en-US" sz="1400" dirty="0"/>
+              <a:t>Exposure</a:t>
+            </a:r>
+          </a:p>
+          <a:p>
+            <a:pPr marL="342900" indent="-342900">
+              <a:buFontTx/>
+              <a:buChar char="-"/>
+            </a:pPr>
+            <a:r>
+              <a:rPr lang="en-US" sz="1400" dirty="0"/>
+              <a:t>Vulnerability</a:t>
+            </a:r>
+          </a:p>
+        </p:txBody>
+      </p:sp>
+      <p:pic>
+        <p:nvPicPr>
+          <p:cNvPr id="7" name="Picture 6">
+            <a:extLst>
+              <a:ext uri="{FF2B5EF4-FFF2-40B4-BE49-F238E27FC236}">
+                <a16:creationId xmlns:a16="http://schemas.microsoft.com/office/drawing/2014/main" id="{67C18AC2-EE3C-48D7-996C-41F68DA1878F}"/>
+              </a:ext>
+            </a:extLst>
+          </p:cNvPr>
+          <p:cNvPicPr>
+            <a:picLocks noChangeAspect="1"/>
+          </p:cNvPicPr>
+          <p:nvPr/>
+        </p:nvPicPr>
+        <p:blipFill>
+          <a:blip r:embed="rId3">
+            <a:extLst>
+              <a:ext uri="{28A0092B-C50C-407E-A947-70E740481C1C}">
+                <a14:useLocalDpi xmlns:a14="http://schemas.microsoft.com/office/drawing/2010/main" val="0"/>
+              </a:ext>
+            </a:extLst>
+          </a:blip>
+          <a:stretch>
+            <a:fillRect/>
+          </a:stretch>
+        </p:blipFill>
+        <p:spPr>
+          <a:xfrm>
+            <a:off x="2915815" y="1203598"/>
+            <a:ext cx="5884792" cy="3240360"/>
+          </a:xfrm>
+          <a:prstGeom prst="rect">
+            <a:avLst/>
+          </a:prstGeom>
+        </p:spPr>
+      </p:pic>
+    </p:spTree>
+    <p:extLst>
+      <p:ext uri="{BB962C8B-B14F-4D97-AF65-F5344CB8AC3E}">
+        <p14:creationId xmlns:p14="http://schemas.microsoft.com/office/powerpoint/2010/main" val="3050160320"/>
+      </p:ext>
+    </p:extLst>
+  </p:cSld>
+  <p:clrMapOvr>
+    <a:masterClrMapping/>
+  </p:clrMapOvr>
+</p:sld>
+</file>
+
+<file path=ppt/slides/slide24.xml><?xml version="1.0" encoding="utf-8"?>
+<p:sld xmlns:a="http://schemas.openxmlformats.org/drawingml/2006/main" xmlns:r="http://schemas.openxmlformats.org/officeDocument/2006/relationships" xmlns:p="http://schemas.openxmlformats.org/presentationml/2006/main">
+  <p:cSld>
+    <p:spTree>
+      <p:nvGrpSpPr>
+        <p:cNvPr id="1" name=""/>
+        <p:cNvGrpSpPr/>
+        <p:nvPr/>
+      </p:nvGrpSpPr>
+      <p:grpSpPr>
+        <a:xfrm>
+          <a:off x="0" y="0"/>
+          <a:ext cx="0" cy="0"/>
+          <a:chOff x="0" y="0"/>
+          <a:chExt cx="0" cy="0"/>
+        </a:xfrm>
+      </p:grpSpPr>
+      <p:sp>
+        <p:nvSpPr>
+          <p:cNvPr id="4" name="Rectangle 3">
+            <a:extLst>
+              <a:ext uri="{FF2B5EF4-FFF2-40B4-BE49-F238E27FC236}">
+                <a16:creationId xmlns:a16="http://schemas.microsoft.com/office/drawing/2014/main" id="{741E6F0F-8952-48F7-B8A6-5C00D4C8363A}"/>
+              </a:ext>
+            </a:extLst>
+          </p:cNvPr>
+          <p:cNvSpPr/>
+          <p:nvPr/>
+        </p:nvSpPr>
+        <p:spPr bwMode="auto">
+          <a:xfrm>
+            <a:off x="0" y="0"/>
+            <a:ext cx="9144000" cy="627534"/>
+          </a:xfrm>
+          <a:prstGeom prst="rect">
+            <a:avLst/>
+          </a:prstGeom>
+          <a:solidFill>
+            <a:srgbClr val="00589C"/>
+          </a:solidFill>
+          <a:ln w="9525" cap="flat" cmpd="sng" algn="ctr">
+            <a:solidFill>
+              <a:srgbClr val="00589C"/>
+            </a:solidFill>
+            <a:prstDash val="solid"/>
+            <a:round/>
+            <a:headEnd type="none" w="med" len="med"/>
+            <a:tailEnd type="none" w="med" len="med"/>
+          </a:ln>
+          <a:effectLst/>
+          <a:extLst>
+            <a:ext uri="{AF507438-7753-43e0-B8FC-AC1667EBCBE1}">
+              <a14:hiddenEffects xmlns="" xmlns:a14="http://schemas.microsoft.com/office/drawing/2010/main">
+                <a:effectLst>
+                  <a:outerShdw dist="35921" dir="2700000" algn="ctr" rotWithShape="0">
+                    <a:schemeClr val="bg2"/>
+                  </a:outerShdw>
+                </a:effectLst>
+              </a14:hiddenEffects>
+            </a:ext>
+          </a:extLst>
+        </p:spPr>
+        <p:txBody>
+          <a:bodyPr vert="horz" wrap="square" lIns="91440" tIns="45720" rIns="91440" bIns="45720" numCol="1" rtlCol="0" anchor="ctr" anchorCtr="0" compatLnSpc="1">
+            <a:prstTxWarp prst="textNoShape">
+              <a:avLst/>
+            </a:prstTxWarp>
+          </a:bodyPr>
+          <a:lstStyle/>
+          <a:p>
+            <a:pPr eaLnBrk="0" hangingPunct="0"/>
+            <a:r>
+              <a:rPr kumimoji="0" lang="en-US" sz="2000" b="1" i="0" u="none" strike="noStrike" cap="none" normalizeH="0" baseline="0" dirty="0">
+                <a:ln>
+                  <a:noFill/>
+                </a:ln>
+                <a:solidFill>
+                  <a:schemeClr val="bg1"/>
+                </a:solidFill>
+                <a:effectLst/>
+                <a:latin typeface="+mj-lt"/>
+                <a:ea typeface="ＭＳ Ｐゴシック" pitchFamily="96" charset="-128"/>
+              </a:rPr>
+              <a:t>Topic 2</a:t>
+            </a:r>
+            <a:r>
+              <a:rPr lang="en-US" sz="2000" b="1" dirty="0">
+                <a:solidFill>
+                  <a:schemeClr val="bg1"/>
+                </a:solidFill>
+                <a:latin typeface="+mj-lt"/>
+                <a:ea typeface="ＭＳ Ｐゴシック" pitchFamily="96" charset="-128"/>
+              </a:rPr>
+              <a:t>. Exercise with R - Flood frequency analysis</a:t>
+            </a:r>
+            <a:endParaRPr kumimoji="0" lang="en-US" sz="2000" b="1" i="0" u="none" strike="noStrike" cap="none" normalizeH="0" baseline="0" dirty="0">
+              <a:ln>
+                <a:noFill/>
+              </a:ln>
+              <a:solidFill>
+                <a:schemeClr val="bg1"/>
+              </a:solidFill>
+              <a:effectLst/>
+              <a:latin typeface="+mj-lt"/>
+              <a:ea typeface="ＭＳ Ｐゴシック" pitchFamily="96" charset="-128"/>
+            </a:endParaRPr>
+          </a:p>
+        </p:txBody>
+      </p:sp>
+      <p:sp>
+        <p:nvSpPr>
+          <p:cNvPr id="2" name="Slide Number Placeholder 1">
+            <a:extLst>
+              <a:ext uri="{FF2B5EF4-FFF2-40B4-BE49-F238E27FC236}">
+                <a16:creationId xmlns:a16="http://schemas.microsoft.com/office/drawing/2014/main" id="{2070EC6C-AAF5-4D83-AEC1-C7F2433683BB}"/>
+              </a:ext>
+            </a:extLst>
+          </p:cNvPr>
+          <p:cNvSpPr>
+            <a:spLocks noGrp="1"/>
+          </p:cNvSpPr>
+          <p:nvPr>
+            <p:ph type="sldNum" sz="quarter" idx="11"/>
+          </p:nvPr>
+        </p:nvSpPr>
+        <p:spPr/>
+        <p:txBody>
+          <a:bodyPr/>
+          <a:lstStyle/>
+          <a:p>
+            <a:fld id="{48105EDC-34E1-4D80-B051-D0CBD59863B8}" type="slidenum">
+              <a:rPr lang="de-DE" altLang="de-DE" smtClean="0"/>
+              <a:pPr/>
+              <a:t>24</a:t>
             </a:fld>
             <a:endParaRPr lang="de-DE" altLang="de-DE">
               <a:solidFill>
@@ -19487,7 +20353,7 @@
 </p:sld>
 </file>
 
-<file path=ppt/slides/slide24.xml><?xml version="1.0" encoding="utf-8"?>
+<file path=ppt/slides/slide25.xml><?xml version="1.0" encoding="utf-8"?>
 <p:sld xmlns:a="http://schemas.openxmlformats.org/drawingml/2006/main" xmlns:r="http://schemas.openxmlformats.org/officeDocument/2006/relationships" xmlns:p="http://schemas.openxmlformats.org/presentationml/2006/main">
   <p:cSld>
     <p:spTree>
@@ -19620,7 +20486,7 @@
             <a:fld id="{48105EDC-34E1-4D80-B051-D0CBD59863B8}" type="slidenum">
               <a:rPr lang="de-DE" altLang="de-DE" smtClean="0"/>
               <a:pPr/>
-              <a:t>24</a:t>
+              <a:t>25</a:t>
             </a:fld>
             <a:endParaRPr lang="de-DE" altLang="de-DE">
               <a:solidFill>
@@ -19644,6 +20510,286 @@
 </file>
 
 <file path=ppt/slides/slide3.xml><?xml version="1.0" encoding="utf-8"?>
+<p:sld xmlns:a="http://schemas.openxmlformats.org/drawingml/2006/main" xmlns:r="http://schemas.openxmlformats.org/officeDocument/2006/relationships" xmlns:p="http://schemas.openxmlformats.org/presentationml/2006/main">
+  <p:cSld>
+    <p:spTree>
+      <p:nvGrpSpPr>
+        <p:cNvPr id="1" name=""/>
+        <p:cNvGrpSpPr/>
+        <p:nvPr/>
+      </p:nvGrpSpPr>
+      <p:grpSpPr>
+        <a:xfrm>
+          <a:off x="0" y="0"/>
+          <a:ext cx="0" cy="0"/>
+          <a:chOff x="0" y="0"/>
+          <a:chExt cx="0" cy="0"/>
+        </a:xfrm>
+      </p:grpSpPr>
+      <p:sp>
+        <p:nvSpPr>
+          <p:cNvPr id="4" name="Slide Number Placeholder 3">
+            <a:extLst>
+              <a:ext uri="{FF2B5EF4-FFF2-40B4-BE49-F238E27FC236}">
+                <a16:creationId xmlns:a16="http://schemas.microsoft.com/office/drawing/2014/main" id="{AA72B8FF-A73E-4099-9177-A946EDA402E3}"/>
+              </a:ext>
+            </a:extLst>
+          </p:cNvPr>
+          <p:cNvSpPr>
+            <a:spLocks noGrp="1"/>
+          </p:cNvSpPr>
+          <p:nvPr>
+            <p:ph type="sldNum" sz="quarter" idx="11"/>
+          </p:nvPr>
+        </p:nvSpPr>
+        <p:spPr/>
+        <p:txBody>
+          <a:bodyPr/>
+          <a:lstStyle/>
+          <a:p>
+            <a:fld id="{48105EDC-34E1-4D80-B051-D0CBD59863B8}" type="slidenum">
+              <a:rPr lang="de-DE" altLang="de-DE" smtClean="0"/>
+              <a:pPr/>
+              <a:t>3</a:t>
+            </a:fld>
+            <a:endParaRPr lang="de-DE" altLang="de-DE">
+              <a:solidFill>
+                <a:schemeClr val="tx1"/>
+              </a:solidFill>
+            </a:endParaRPr>
+          </a:p>
+        </p:txBody>
+      </p:sp>
+      <p:sp>
+        <p:nvSpPr>
+          <p:cNvPr id="6" name="TextBox 5">
+            <a:extLst>
+              <a:ext uri="{FF2B5EF4-FFF2-40B4-BE49-F238E27FC236}">
+                <a16:creationId xmlns:a16="http://schemas.microsoft.com/office/drawing/2014/main" id="{46B4361A-06E6-4FF7-9148-6A1D0E8F6DB9}"/>
+              </a:ext>
+            </a:extLst>
+          </p:cNvPr>
+          <p:cNvSpPr txBox="1"/>
+          <p:nvPr/>
+        </p:nvSpPr>
+        <p:spPr>
+          <a:xfrm>
+            <a:off x="1763688" y="1707654"/>
+            <a:ext cx="6408712" cy="1938992"/>
+          </a:xfrm>
+          <a:prstGeom prst="rect">
+            <a:avLst/>
+          </a:prstGeom>
+          <a:noFill/>
+        </p:spPr>
+        <p:txBody>
+          <a:bodyPr wrap="square">
+            <a:spAutoFit/>
+          </a:bodyPr>
+          <a:lstStyle/>
+          <a:p>
+            <a:pPr marL="457200" indent="-457200" algn="l">
+              <a:spcAft>
+                <a:spcPts val="600"/>
+              </a:spcAft>
+              <a:buFont typeface="+mj-lt"/>
+              <a:buAutoNum type="arabicParenR"/>
+            </a:pPr>
+            <a:r>
+              <a:rPr lang="en-US" sz="2000" b="0" i="0" dirty="0">
+                <a:solidFill>
+                  <a:srgbClr val="1F2328"/>
+                </a:solidFill>
+                <a:effectLst/>
+                <a:latin typeface="+mn-lt"/>
+              </a:rPr>
+              <a:t>10.05.2023: R basics </a:t>
+            </a:r>
+          </a:p>
+          <a:p>
+            <a:pPr marL="457200" indent="-457200" algn="l">
+              <a:spcAft>
+                <a:spcPts val="600"/>
+              </a:spcAft>
+              <a:buFont typeface="+mj-lt"/>
+              <a:buAutoNum type="arabicParenR"/>
+            </a:pPr>
+            <a:r>
+              <a:rPr lang="en-US" sz="2000" b="0" i="0" dirty="0">
+                <a:solidFill>
+                  <a:srgbClr val="1F2328"/>
+                </a:solidFill>
+                <a:effectLst/>
+                <a:latin typeface="+mn-lt"/>
+              </a:rPr>
+              <a:t>17.06.2023: R basics and frequency analysis</a:t>
+            </a:r>
+          </a:p>
+          <a:p>
+            <a:pPr marL="457200" indent="-457200" algn="l">
+              <a:spcAft>
+                <a:spcPts val="600"/>
+              </a:spcAft>
+              <a:buFont typeface="+mj-lt"/>
+              <a:buAutoNum type="arabicParenR"/>
+            </a:pPr>
+            <a:r>
+              <a:rPr lang="en-US" sz="2000" b="0" i="0" dirty="0">
+                <a:solidFill>
+                  <a:srgbClr val="1F2328"/>
+                </a:solidFill>
+                <a:effectLst/>
+                <a:latin typeface="+mn-lt"/>
+              </a:rPr>
+              <a:t>24.06.2023: Flood risk analysis</a:t>
+            </a:r>
+          </a:p>
+          <a:p>
+            <a:pPr marL="457200" indent="-457200" algn="l">
+              <a:spcAft>
+                <a:spcPts val="600"/>
+              </a:spcAft>
+              <a:buFont typeface="+mj-lt"/>
+              <a:buAutoNum type="arabicParenR"/>
+            </a:pPr>
+            <a:r>
+              <a:rPr lang="en-US" sz="2000" b="0" i="0" dirty="0">
+                <a:solidFill>
+                  <a:srgbClr val="1F2328"/>
+                </a:solidFill>
+                <a:effectLst/>
+                <a:latin typeface="+mn-lt"/>
+              </a:rPr>
+              <a:t>12.07.2023: Time-varying </a:t>
+            </a:r>
+            <a:r>
+              <a:rPr lang="en-US" sz="2000" dirty="0">
+                <a:solidFill>
+                  <a:srgbClr val="1F2328"/>
+                </a:solidFill>
+                <a:latin typeface="+mn-lt"/>
+              </a:rPr>
+              <a:t>f</a:t>
+            </a:r>
+            <a:r>
+              <a:rPr lang="en-US" sz="2000" b="0" i="0" dirty="0">
+                <a:solidFill>
+                  <a:srgbClr val="1F2328"/>
+                </a:solidFill>
+                <a:effectLst/>
+                <a:latin typeface="+mn-lt"/>
+              </a:rPr>
+              <a:t>lood risk exercise</a:t>
+            </a:r>
+          </a:p>
+          <a:p>
+            <a:pPr marL="457200" indent="-457200" algn="l">
+              <a:spcAft>
+                <a:spcPts val="600"/>
+              </a:spcAft>
+              <a:buFont typeface="+mj-lt"/>
+              <a:buAutoNum type="arabicParenR"/>
+            </a:pPr>
+            <a:r>
+              <a:rPr lang="en-US" sz="2000" b="0" i="0" dirty="0">
+                <a:solidFill>
+                  <a:srgbClr val="1F2328"/>
+                </a:solidFill>
+                <a:effectLst/>
+                <a:latin typeface="+mn-lt"/>
+              </a:rPr>
+              <a:t>19.07.2023: </a:t>
+            </a:r>
+            <a:r>
+              <a:rPr lang="en-US" sz="2000" dirty="0">
+                <a:solidFill>
+                  <a:srgbClr val="1F2328"/>
+                </a:solidFill>
+                <a:latin typeface="+mn-lt"/>
+              </a:rPr>
+              <a:t>T</a:t>
+            </a:r>
+            <a:r>
+              <a:rPr lang="en-US" sz="2000" b="0" i="0" dirty="0">
+                <a:solidFill>
+                  <a:srgbClr val="1F2328"/>
+                </a:solidFill>
+                <a:effectLst/>
+                <a:latin typeface="+mn-lt"/>
+              </a:rPr>
+              <a:t>ime-varying </a:t>
+            </a:r>
+            <a:r>
+              <a:rPr lang="en-US" sz="2000" dirty="0">
+                <a:solidFill>
+                  <a:srgbClr val="1F2328"/>
+                </a:solidFill>
+                <a:latin typeface="+mn-lt"/>
+              </a:rPr>
+              <a:t>f</a:t>
+            </a:r>
+            <a:r>
+              <a:rPr lang="en-US" sz="2000" b="0" i="0" dirty="0">
+                <a:solidFill>
+                  <a:srgbClr val="1F2328"/>
+                </a:solidFill>
+                <a:effectLst/>
+                <a:latin typeface="+mn-lt"/>
+              </a:rPr>
+              <a:t>lood risk exercise</a:t>
+            </a:r>
+          </a:p>
+        </p:txBody>
+      </p:sp>
+      <p:sp>
+        <p:nvSpPr>
+          <p:cNvPr id="7" name="Rectangle 2">
+            <a:extLst>
+              <a:ext uri="{FF2B5EF4-FFF2-40B4-BE49-F238E27FC236}">
+                <a16:creationId xmlns:a16="http://schemas.microsoft.com/office/drawing/2014/main" id="{E9F13255-302E-4941-88B1-82AFDAC0382D}"/>
+              </a:ext>
+            </a:extLst>
+          </p:cNvPr>
+          <p:cNvSpPr>
+            <a:spLocks noGrp="1" noChangeArrowheads="1"/>
+          </p:cNvSpPr>
+          <p:nvPr>
+            <p:ph type="title"/>
+          </p:nvPr>
+        </p:nvSpPr>
+        <p:spPr>
+          <a:xfrm>
+            <a:off x="152400" y="228600"/>
+            <a:ext cx="8839200" cy="914400"/>
+          </a:xfrm>
+        </p:spPr>
+        <p:txBody>
+          <a:bodyPr/>
+          <a:lstStyle/>
+          <a:p>
+            <a:pPr eaLnBrk="1" hangingPunct="1"/>
+            <a:r>
+              <a:rPr lang="de-DE" altLang="de-DE" dirty="0" err="1"/>
+              <a:t>Timetable</a:t>
+            </a:r>
+            <a:endParaRPr lang="de-DE" altLang="de-DE" dirty="0"/>
+          </a:p>
+        </p:txBody>
+      </p:sp>
+    </p:spTree>
+    <p:extLst>
+      <p:ext uri="{BB962C8B-B14F-4D97-AF65-F5344CB8AC3E}">
+        <p14:creationId xmlns:p14="http://schemas.microsoft.com/office/powerpoint/2010/main" val="199175090"/>
+      </p:ext>
+    </p:extLst>
+  </p:cSld>
+  <p:clrMapOvr>
+    <a:masterClrMapping/>
+  </p:clrMapOvr>
+</p:sld>
+</file>
+
+<file path=ppt/slides/slide4.xml><?xml version="1.0" encoding="utf-8"?>
 <p:sld xmlns:a="http://schemas.openxmlformats.org/drawingml/2006/main" xmlns:r="http://schemas.openxmlformats.org/officeDocument/2006/relationships" xmlns:p="http://schemas.openxmlformats.org/presentationml/2006/main">
   <p:cSld>
     <p:spTree>
@@ -19760,8 +20906,8 @@
         </p:nvSpPr>
         <p:spPr>
           <a:xfrm>
-            <a:off x="1475656" y="1345773"/>
-            <a:ext cx="6624736" cy="2451953"/>
+            <a:off x="2137792" y="1345773"/>
+            <a:ext cx="5458544" cy="2451953"/>
           </a:xfrm>
           <a:prstGeom prst="rect">
             <a:avLst/>
@@ -19808,7 +20954,7 @@
                   <a:srgbClr val="00589C"/>
                 </a:solidFill>
               </a:rPr>
-              <a:t>What’s R: Installation, IDE, Help files</a:t>
+              <a:t>What’s R: Installation, IDE</a:t>
             </a:r>
           </a:p>
           <a:p>
@@ -19822,9 +20968,7 @@
             <a:r>
               <a:rPr lang="en-US" sz="2000" dirty="0">
                 <a:solidFill>
-                  <a:schemeClr val="accent3">
-                    <a:lumMod val="85000"/>
-                  </a:schemeClr>
+                  <a:srgbClr val="00589C"/>
                 </a:solidFill>
               </a:rPr>
               <a:t>Data types and structures in R</a:t>
@@ -19841,9 +20985,7 @@
             <a:r>
               <a:rPr lang="en-US" sz="2000" dirty="0">
                 <a:solidFill>
-                  <a:schemeClr val="accent3">
-                    <a:lumMod val="85000"/>
-                  </a:schemeClr>
+                  <a:srgbClr val="00589C"/>
                 </a:solidFill>
               </a:rPr>
               <a:t>Getting data into R</a:t>
@@ -19860,9 +21002,7 @@
             <a:r>
               <a:rPr lang="en-US" sz="2000" dirty="0">
                 <a:solidFill>
-                  <a:schemeClr val="accent3">
-                    <a:lumMod val="85000"/>
-                  </a:schemeClr>
+                  <a:srgbClr val="00589C"/>
                 </a:solidFill>
               </a:rPr>
               <a:t>Functions and Control structures</a:t>
@@ -19879,9 +21019,7 @@
             <a:r>
               <a:rPr lang="en-US" sz="2000" dirty="0">
                 <a:solidFill>
-                  <a:schemeClr val="accent3">
-                    <a:lumMod val="85000"/>
-                  </a:schemeClr>
+                  <a:srgbClr val="00589C"/>
                 </a:solidFill>
               </a:rPr>
               <a:t>Data manipulation</a:t>
@@ -19898,9 +21036,7 @@
             <a:r>
               <a:rPr lang="en-US" sz="2000" dirty="0">
                 <a:solidFill>
-                  <a:schemeClr val="accent3">
-                    <a:lumMod val="85000"/>
-                  </a:schemeClr>
+                  <a:srgbClr val="00589C"/>
                 </a:solidFill>
               </a:rPr>
               <a:t>Graphic tools</a:t>
@@ -19932,7 +21068,7 @@
             <a:fld id="{48105EDC-34E1-4D80-B051-D0CBD59863B8}" type="slidenum">
               <a:rPr lang="de-DE" altLang="de-DE" smtClean="0"/>
               <a:pPr/>
-              <a:t>3</a:t>
+              <a:t>4</a:t>
             </a:fld>
             <a:endParaRPr lang="de-DE" altLang="de-DE">
               <a:solidFill>
@@ -19945,7 +21081,7 @@
     </p:spTree>
     <p:extLst>
       <p:ext uri="{BB962C8B-B14F-4D97-AF65-F5344CB8AC3E}">
-        <p14:creationId xmlns:p14="http://schemas.microsoft.com/office/powerpoint/2010/main" val="1327426691"/>
+        <p14:creationId xmlns:p14="http://schemas.microsoft.com/office/powerpoint/2010/main" val="4053242518"/>
       </p:ext>
     </p:extLst>
   </p:cSld>
@@ -19955,7 +21091,7 @@
 </p:sld>
 </file>
 
-<file path=ppt/slides/slide4.xml><?xml version="1.0" encoding="utf-8"?>
+<file path=ppt/slides/slide5.xml><?xml version="1.0" encoding="utf-8"?>
 <p:sld xmlns:a="http://schemas.openxmlformats.org/drawingml/2006/main" xmlns:r="http://schemas.openxmlformats.org/officeDocument/2006/relationships" xmlns:p="http://schemas.openxmlformats.org/presentationml/2006/main">
   <p:cSld>
     <p:spTree>
@@ -20304,7 +21440,7 @@
             <a:fld id="{48105EDC-34E1-4D80-B051-D0CBD59863B8}" type="slidenum">
               <a:rPr lang="de-DE" altLang="de-DE" smtClean="0"/>
               <a:pPr/>
-              <a:t>4</a:t>
+              <a:t>5</a:t>
             </a:fld>
             <a:endParaRPr lang="de-DE" altLang="de-DE">
               <a:solidFill>
@@ -20327,7 +21463,7 @@
 </p:sld>
 </file>
 
-<file path=ppt/slides/slide5.xml><?xml version="1.0" encoding="utf-8"?>
+<file path=ppt/slides/slide6.xml><?xml version="1.0" encoding="utf-8"?>
 <p:sld xmlns:a="http://schemas.openxmlformats.org/drawingml/2006/main" xmlns:r="http://schemas.openxmlformats.org/officeDocument/2006/relationships" xmlns:p="http://schemas.openxmlformats.org/presentationml/2006/main">
   <p:cSld>
     <p:spTree>
@@ -20694,775 +21830,6 @@
             <a:fld id="{48105EDC-34E1-4D80-B051-D0CBD59863B8}" type="slidenum">
               <a:rPr lang="de-DE" altLang="de-DE" smtClean="0"/>
               <a:pPr/>
-              <a:t>5</a:t>
-            </a:fld>
-            <a:endParaRPr lang="de-DE" altLang="de-DE">
-              <a:solidFill>
-                <a:schemeClr val="tx1"/>
-              </a:solidFill>
-            </a:endParaRPr>
-          </a:p>
-        </p:txBody>
-      </p:sp>
-    </p:spTree>
-    <p:extLst>
-      <p:ext uri="{BB962C8B-B14F-4D97-AF65-F5344CB8AC3E}">
-        <p14:creationId xmlns:p14="http://schemas.microsoft.com/office/powerpoint/2010/main" val="1822297397"/>
-      </p:ext>
-    </p:extLst>
-  </p:cSld>
-  <p:clrMapOvr>
-    <a:masterClrMapping/>
-  </p:clrMapOvr>
-</p:sld>
-</file>
-
-<file path=ppt/slides/slide6.xml><?xml version="1.0" encoding="utf-8"?>
-<p:sld xmlns:a="http://schemas.openxmlformats.org/drawingml/2006/main" xmlns:r="http://schemas.openxmlformats.org/officeDocument/2006/relationships" xmlns:p="http://schemas.openxmlformats.org/presentationml/2006/main">
-  <p:cSld>
-    <p:spTree>
-      <p:nvGrpSpPr>
-        <p:cNvPr id="1" name=""/>
-        <p:cNvGrpSpPr/>
-        <p:nvPr/>
-      </p:nvGrpSpPr>
-      <p:grpSpPr>
-        <a:xfrm>
-          <a:off x="0" y="0"/>
-          <a:ext cx="0" cy="0"/>
-          <a:chOff x="0" y="0"/>
-          <a:chExt cx="0" cy="0"/>
-        </a:xfrm>
-      </p:grpSpPr>
-      <p:sp>
-        <p:nvSpPr>
-          <p:cNvPr id="4" name="Rectangle 3">
-            <a:extLst>
-              <a:ext uri="{FF2B5EF4-FFF2-40B4-BE49-F238E27FC236}">
-                <a16:creationId xmlns:a16="http://schemas.microsoft.com/office/drawing/2014/main" id="{A1C3C5F6-8A40-4A11-882B-01105A36B5CC}"/>
-              </a:ext>
-            </a:extLst>
-          </p:cNvPr>
-          <p:cNvSpPr/>
-          <p:nvPr/>
-        </p:nvSpPr>
-        <p:spPr>
-          <a:xfrm>
-            <a:off x="827584" y="1707654"/>
-            <a:ext cx="5832648" cy="2092881"/>
-          </a:xfrm>
-          <a:prstGeom prst="rect">
-            <a:avLst/>
-          </a:prstGeom>
-        </p:spPr>
-        <p:txBody>
-          <a:bodyPr wrap="square">
-            <a:spAutoFit/>
-          </a:bodyPr>
-          <a:lstStyle/>
-          <a:p>
-            <a:pPr marL="228600" indent="-228600">
-              <a:spcAft>
-                <a:spcPts val="1000"/>
-              </a:spcAft>
-              <a:buFont typeface="+mj-lt"/>
-              <a:buAutoNum type="arabicParenR"/>
-            </a:pPr>
-            <a:r>
-              <a:rPr lang="en-US" sz="1000" b="1" dirty="0">
-                <a:solidFill>
-                  <a:srgbClr val="000000"/>
-                </a:solidFill>
-                <a:latin typeface="+mn-lt"/>
-              </a:rPr>
-              <a:t>Accessing</a:t>
-            </a:r>
-            <a:r>
-              <a:rPr lang="en-US" sz="1000" dirty="0">
-                <a:solidFill>
-                  <a:srgbClr val="000000"/>
-                </a:solidFill>
-                <a:latin typeface="+mn-lt"/>
-              </a:rPr>
-              <a:t> the data (getting the data into the application from multiple sources)</a:t>
-            </a:r>
-          </a:p>
-          <a:p>
-            <a:pPr marL="228600" indent="-228600">
-              <a:spcAft>
-                <a:spcPts val="1000"/>
-              </a:spcAft>
-              <a:buFont typeface="+mj-lt"/>
-              <a:buAutoNum type="arabicParenR"/>
-            </a:pPr>
-            <a:r>
-              <a:rPr lang="en-US" sz="1000" b="1" dirty="0">
-                <a:solidFill>
-                  <a:srgbClr val="000000"/>
-                </a:solidFill>
-                <a:latin typeface="+mn-lt"/>
-              </a:rPr>
-              <a:t>Cleaning</a:t>
-            </a:r>
-            <a:r>
-              <a:rPr lang="en-US" sz="1000" dirty="0">
-                <a:solidFill>
-                  <a:srgbClr val="000000"/>
-                </a:solidFill>
-                <a:latin typeface="+mn-lt"/>
-              </a:rPr>
-              <a:t> the data (coding missing data, fixing or deleting miscoded data, transforming variables into more useful formats)</a:t>
-            </a:r>
-          </a:p>
-          <a:p>
-            <a:pPr marL="228600" indent="-228600">
-              <a:spcAft>
-                <a:spcPts val="1000"/>
-              </a:spcAft>
-              <a:buFont typeface="+mj-lt"/>
-              <a:buAutoNum type="arabicParenR"/>
-            </a:pPr>
-            <a:r>
-              <a:rPr lang="en-US" sz="1000" b="1" dirty="0">
-                <a:solidFill>
-                  <a:srgbClr val="000000"/>
-                </a:solidFill>
-                <a:latin typeface="+mn-lt"/>
-              </a:rPr>
-              <a:t>Annotating</a:t>
-            </a:r>
-            <a:r>
-              <a:rPr lang="en-US" sz="1000" dirty="0">
-                <a:solidFill>
-                  <a:srgbClr val="000000"/>
-                </a:solidFill>
-                <a:latin typeface="+mn-lt"/>
-              </a:rPr>
-              <a:t> the data (in order to remember what each piece represents)</a:t>
-            </a:r>
-          </a:p>
-          <a:p>
-            <a:pPr marL="228600" indent="-228600">
-              <a:spcAft>
-                <a:spcPts val="1000"/>
-              </a:spcAft>
-              <a:buFont typeface="+mj-lt"/>
-              <a:buAutoNum type="arabicParenR"/>
-            </a:pPr>
-            <a:r>
-              <a:rPr lang="en-US" sz="1000" b="1" dirty="0">
-                <a:solidFill>
-                  <a:srgbClr val="000000"/>
-                </a:solidFill>
-                <a:latin typeface="+mn-lt"/>
-              </a:rPr>
-              <a:t>Summarizing</a:t>
-            </a:r>
-            <a:r>
-              <a:rPr lang="en-US" sz="1000" dirty="0">
-                <a:solidFill>
-                  <a:srgbClr val="000000"/>
-                </a:solidFill>
-                <a:latin typeface="+mn-lt"/>
-              </a:rPr>
-              <a:t> the data (getting descriptive statistics to help characterize the data)</a:t>
-            </a:r>
-          </a:p>
-          <a:p>
-            <a:pPr marL="228600" indent="-228600">
-              <a:spcAft>
-                <a:spcPts val="1000"/>
-              </a:spcAft>
-              <a:buFont typeface="+mj-lt"/>
-              <a:buAutoNum type="arabicParenR"/>
-            </a:pPr>
-            <a:r>
-              <a:rPr lang="en-US" sz="1000" b="1" dirty="0">
-                <a:solidFill>
-                  <a:srgbClr val="000000"/>
-                </a:solidFill>
-                <a:latin typeface="+mn-lt"/>
-              </a:rPr>
-              <a:t>Visualizing</a:t>
-            </a:r>
-            <a:r>
-              <a:rPr lang="en-US" sz="1000" dirty="0">
-                <a:solidFill>
-                  <a:srgbClr val="000000"/>
-                </a:solidFill>
-                <a:latin typeface="+mn-lt"/>
-              </a:rPr>
-              <a:t> the data (a picture really is worth a thousand words)</a:t>
-            </a:r>
-          </a:p>
-          <a:p>
-            <a:pPr marL="228600" indent="-228600">
-              <a:spcAft>
-                <a:spcPts val="1000"/>
-              </a:spcAft>
-              <a:buFont typeface="+mj-lt"/>
-              <a:buAutoNum type="arabicParenR"/>
-            </a:pPr>
-            <a:r>
-              <a:rPr lang="en-US" sz="1000" b="1" dirty="0">
-                <a:solidFill>
-                  <a:srgbClr val="000000"/>
-                </a:solidFill>
-                <a:latin typeface="+mn-lt"/>
-              </a:rPr>
-              <a:t>Modeling</a:t>
-            </a:r>
-            <a:r>
-              <a:rPr lang="en-US" sz="1000" dirty="0">
-                <a:solidFill>
-                  <a:srgbClr val="000000"/>
-                </a:solidFill>
-                <a:latin typeface="+mn-lt"/>
-              </a:rPr>
-              <a:t> the data (uncovering relationships and testing hypotheses)</a:t>
-            </a:r>
-          </a:p>
-          <a:p>
-            <a:pPr marL="228600" indent="-228600">
-              <a:spcAft>
-                <a:spcPts val="1000"/>
-              </a:spcAft>
-              <a:buFont typeface="+mj-lt"/>
-              <a:buAutoNum type="arabicParenR"/>
-            </a:pPr>
-            <a:r>
-              <a:rPr lang="en-US" sz="1000" b="1" dirty="0">
-                <a:solidFill>
-                  <a:srgbClr val="000000"/>
-                </a:solidFill>
-                <a:latin typeface="+mn-lt"/>
-              </a:rPr>
-              <a:t>Preparing the results </a:t>
-            </a:r>
-            <a:r>
-              <a:rPr lang="en-US" sz="1000" dirty="0">
-                <a:solidFill>
-                  <a:srgbClr val="000000"/>
-                </a:solidFill>
-                <a:latin typeface="+mn-lt"/>
-              </a:rPr>
-              <a:t>(creating publication-quality tables and graphs)</a:t>
-            </a:r>
-            <a:endParaRPr lang="en-US" sz="1000" dirty="0">
-              <a:latin typeface="+mn-lt"/>
-            </a:endParaRPr>
-          </a:p>
-        </p:txBody>
-      </p:sp>
-      <p:sp>
-        <p:nvSpPr>
-          <p:cNvPr id="6" name="TextBox 5">
-            <a:extLst>
-              <a:ext uri="{FF2B5EF4-FFF2-40B4-BE49-F238E27FC236}">
-                <a16:creationId xmlns:a16="http://schemas.microsoft.com/office/drawing/2014/main" id="{74C8E826-4539-4683-8467-B3E6BA459ED0}"/>
-              </a:ext>
-            </a:extLst>
-          </p:cNvPr>
-          <p:cNvSpPr txBox="1"/>
-          <p:nvPr/>
-        </p:nvSpPr>
-        <p:spPr>
-          <a:xfrm>
-            <a:off x="791050" y="1149908"/>
-            <a:ext cx="5654368" cy="400110"/>
-          </a:xfrm>
-          <a:prstGeom prst="rect">
-            <a:avLst/>
-          </a:prstGeom>
-          <a:noFill/>
-        </p:spPr>
-        <p:txBody>
-          <a:bodyPr wrap="none" rtlCol="0">
-            <a:spAutoFit/>
-          </a:bodyPr>
-          <a:lstStyle/>
-          <a:p>
-            <a:r>
-              <a:rPr lang="en-US" sz="2000" dirty="0">
-                <a:solidFill>
-                  <a:srgbClr val="00589C"/>
-                </a:solidFill>
-              </a:rPr>
-              <a:t>Typical (successful) procedures for data science</a:t>
-            </a:r>
-          </a:p>
-        </p:txBody>
-      </p:sp>
-      <p:grpSp>
-        <p:nvGrpSpPr>
-          <p:cNvPr id="22" name="Group 21">
-            <a:extLst>
-              <a:ext uri="{FF2B5EF4-FFF2-40B4-BE49-F238E27FC236}">
-                <a16:creationId xmlns:a16="http://schemas.microsoft.com/office/drawing/2014/main" id="{682C1A36-4477-46C3-B1A0-DED442A6C54C}"/>
-              </a:ext>
-            </a:extLst>
-          </p:cNvPr>
-          <p:cNvGrpSpPr/>
-          <p:nvPr/>
-        </p:nvGrpSpPr>
-        <p:grpSpPr>
-          <a:xfrm>
-            <a:off x="6871829" y="1782424"/>
-            <a:ext cx="1512168" cy="1973864"/>
-            <a:chOff x="6516216" y="2032822"/>
-            <a:chExt cx="1512168" cy="1973864"/>
-          </a:xfrm>
-        </p:grpSpPr>
-        <p:sp>
-          <p:nvSpPr>
-            <p:cNvPr id="7" name="Rectangle 6">
-              <a:extLst>
-                <a:ext uri="{FF2B5EF4-FFF2-40B4-BE49-F238E27FC236}">
-                  <a16:creationId xmlns:a16="http://schemas.microsoft.com/office/drawing/2014/main" id="{0A67D867-6956-4E00-93ED-41618CB3FE17}"/>
-                </a:ext>
-              </a:extLst>
-            </p:cNvPr>
-            <p:cNvSpPr/>
-            <p:nvPr/>
-          </p:nvSpPr>
-          <p:spPr bwMode="auto">
-            <a:xfrm>
-              <a:off x="6804248" y="2032822"/>
-              <a:ext cx="1224136" cy="360040"/>
-            </a:xfrm>
-            <a:prstGeom prst="rect">
-              <a:avLst/>
-            </a:prstGeom>
-            <a:solidFill>
-              <a:srgbClr val="00589C"/>
-            </a:solidFill>
-            <a:ln w="9525" cap="flat" cmpd="sng" algn="ctr">
-              <a:solidFill>
-                <a:srgbClr val="00589C"/>
-              </a:solidFill>
-              <a:prstDash val="solid"/>
-              <a:round/>
-              <a:headEnd type="none" w="med" len="med"/>
-              <a:tailEnd type="none" w="med" len="med"/>
-            </a:ln>
-            <a:effectLst/>
-            <a:extLst>
-              <a:ext uri="{AF507438-7753-43e0-B8FC-AC1667EBCBE1}">
-                <a14:hiddenEffects xmlns="" xmlns:a14="http://schemas.microsoft.com/office/drawing/2010/main">
-                  <a:effectLst>
-                    <a:outerShdw dist="35921" dir="2700000" algn="ctr" rotWithShape="0">
-                      <a:schemeClr val="bg2"/>
-                    </a:outerShdw>
-                  </a:effectLst>
-                </a14:hiddenEffects>
-              </a:ext>
-            </a:extLst>
-          </p:spPr>
-          <p:txBody>
-            <a:bodyPr vert="horz" wrap="square" lIns="91440" tIns="45720" rIns="91440" bIns="45720" numCol="1" rtlCol="0" anchor="ctr" anchorCtr="0" compatLnSpc="1">
-              <a:prstTxWarp prst="textNoShape">
-                <a:avLst/>
-              </a:prstTxWarp>
-            </a:bodyPr>
-            <a:lstStyle/>
-            <a:p>
-              <a:pPr marL="0" marR="0" indent="0" algn="ctr" defTabSz="914400" rtl="0" eaLnBrk="0" fontAlgn="base" latinLnBrk="0" hangingPunct="0">
-                <a:lnSpc>
-                  <a:spcPct val="100000"/>
-                </a:lnSpc>
-                <a:spcBef>
-                  <a:spcPct val="0"/>
-                </a:spcBef>
-                <a:spcAft>
-                  <a:spcPct val="0"/>
-                </a:spcAft>
-                <a:buClrTx/>
-                <a:buSzTx/>
-                <a:buFontTx/>
-                <a:buNone/>
-                <a:tabLst/>
-              </a:pPr>
-              <a:r>
-                <a:rPr kumimoji="0" lang="en-US" sz="900" b="1" i="0" u="none" strike="noStrike" cap="none" normalizeH="0" baseline="0" dirty="0">
-                  <a:ln>
-                    <a:noFill/>
-                  </a:ln>
-                  <a:solidFill>
-                    <a:schemeClr val="bg1"/>
-                  </a:solidFill>
-                  <a:effectLst/>
-                  <a:latin typeface="+mn-lt"/>
-                  <a:ea typeface="ＭＳ Ｐゴシック" pitchFamily="96" charset="-128"/>
-                </a:rPr>
-                <a:t>Getting data in</a:t>
-              </a:r>
-            </a:p>
-          </p:txBody>
-        </p:sp>
-        <p:sp>
-          <p:nvSpPr>
-            <p:cNvPr id="9" name="Rectangle 8">
-              <a:extLst>
-                <a:ext uri="{FF2B5EF4-FFF2-40B4-BE49-F238E27FC236}">
-                  <a16:creationId xmlns:a16="http://schemas.microsoft.com/office/drawing/2014/main" id="{D776F173-E9B8-4160-96BF-A438C8A1A294}"/>
-                </a:ext>
-              </a:extLst>
-            </p:cNvPr>
-            <p:cNvSpPr/>
-            <p:nvPr/>
-          </p:nvSpPr>
-          <p:spPr bwMode="auto">
-            <a:xfrm>
-              <a:off x="6804248" y="2570763"/>
-              <a:ext cx="1224136" cy="360040"/>
-            </a:xfrm>
-            <a:prstGeom prst="rect">
-              <a:avLst/>
-            </a:prstGeom>
-            <a:solidFill>
-              <a:srgbClr val="00589C"/>
-            </a:solidFill>
-            <a:ln w="9525" cap="flat" cmpd="sng" algn="ctr">
-              <a:solidFill>
-                <a:srgbClr val="00589C"/>
-              </a:solidFill>
-              <a:prstDash val="solid"/>
-              <a:round/>
-              <a:headEnd type="none" w="med" len="med"/>
-              <a:tailEnd type="none" w="med" len="med"/>
-            </a:ln>
-            <a:effectLst/>
-            <a:extLst>
-              <a:ext uri="{AF507438-7753-43e0-B8FC-AC1667EBCBE1}">
-                <a14:hiddenEffects xmlns="" xmlns:a14="http://schemas.microsoft.com/office/drawing/2010/main">
-                  <a:effectLst>
-                    <a:outerShdw dist="35921" dir="2700000" algn="ctr" rotWithShape="0">
-                      <a:schemeClr val="bg2"/>
-                    </a:outerShdw>
-                  </a:effectLst>
-                </a14:hiddenEffects>
-              </a:ext>
-            </a:extLst>
-          </p:spPr>
-          <p:txBody>
-            <a:bodyPr vert="horz" wrap="square" lIns="91440" tIns="45720" rIns="91440" bIns="45720" numCol="1" rtlCol="0" anchor="ctr" anchorCtr="0" compatLnSpc="1">
-              <a:prstTxWarp prst="textNoShape">
-                <a:avLst/>
-              </a:prstTxWarp>
-            </a:bodyPr>
-            <a:lstStyle/>
-            <a:p>
-              <a:pPr marL="0" marR="0" indent="0" algn="ctr" defTabSz="914400" rtl="0" eaLnBrk="0" fontAlgn="base" latinLnBrk="0" hangingPunct="0">
-                <a:lnSpc>
-                  <a:spcPct val="100000"/>
-                </a:lnSpc>
-                <a:spcBef>
-                  <a:spcPct val="0"/>
-                </a:spcBef>
-                <a:spcAft>
-                  <a:spcPct val="0"/>
-                </a:spcAft>
-                <a:buClrTx/>
-                <a:buSzTx/>
-                <a:buFontTx/>
-                <a:buNone/>
-                <a:tabLst/>
-              </a:pPr>
-              <a:r>
-                <a:rPr kumimoji="0" lang="en-US" sz="900" b="1" i="0" u="none" strike="noStrike" cap="none" normalizeH="0" baseline="0" dirty="0">
-                  <a:ln>
-                    <a:noFill/>
-                  </a:ln>
-                  <a:solidFill>
-                    <a:schemeClr val="bg1"/>
-                  </a:solidFill>
-                  <a:effectLst/>
-                  <a:latin typeface="+mn-lt"/>
-                  <a:ea typeface="ＭＳ Ｐゴシック" pitchFamily="96" charset="-128"/>
-                </a:rPr>
-                <a:t>Data manipulation</a:t>
-              </a:r>
-            </a:p>
-          </p:txBody>
-        </p:sp>
-        <p:sp>
-          <p:nvSpPr>
-            <p:cNvPr id="10" name="Rectangle 9">
-              <a:extLst>
-                <a:ext uri="{FF2B5EF4-FFF2-40B4-BE49-F238E27FC236}">
-                  <a16:creationId xmlns:a16="http://schemas.microsoft.com/office/drawing/2014/main" id="{BA8A10B7-07A3-4EFB-BD21-2E658B3307C4}"/>
-                </a:ext>
-              </a:extLst>
-            </p:cNvPr>
-            <p:cNvSpPr/>
-            <p:nvPr/>
-          </p:nvSpPr>
-          <p:spPr bwMode="auto">
-            <a:xfrm>
-              <a:off x="6804248" y="3108704"/>
-              <a:ext cx="1224136" cy="360040"/>
-            </a:xfrm>
-            <a:prstGeom prst="rect">
-              <a:avLst/>
-            </a:prstGeom>
-            <a:solidFill>
-              <a:srgbClr val="00589C"/>
-            </a:solidFill>
-            <a:ln w="9525" cap="flat" cmpd="sng" algn="ctr">
-              <a:solidFill>
-                <a:srgbClr val="00589C"/>
-              </a:solidFill>
-              <a:prstDash val="solid"/>
-              <a:round/>
-              <a:headEnd type="none" w="med" len="med"/>
-              <a:tailEnd type="none" w="med" len="med"/>
-            </a:ln>
-            <a:effectLst/>
-            <a:extLst>
-              <a:ext uri="{AF507438-7753-43e0-B8FC-AC1667EBCBE1}">
-                <a14:hiddenEffects xmlns="" xmlns:a14="http://schemas.microsoft.com/office/drawing/2010/main">
-                  <a:effectLst>
-                    <a:outerShdw dist="35921" dir="2700000" algn="ctr" rotWithShape="0">
-                      <a:schemeClr val="bg2"/>
-                    </a:outerShdw>
-                  </a:effectLst>
-                </a14:hiddenEffects>
-              </a:ext>
-            </a:extLst>
-          </p:spPr>
-          <p:txBody>
-            <a:bodyPr vert="horz" wrap="square" lIns="91440" tIns="45720" rIns="91440" bIns="45720" numCol="1" rtlCol="0" anchor="ctr" anchorCtr="0" compatLnSpc="1">
-              <a:prstTxWarp prst="textNoShape">
-                <a:avLst/>
-              </a:prstTxWarp>
-            </a:bodyPr>
-            <a:lstStyle/>
-            <a:p>
-              <a:pPr marL="0" marR="0" indent="0" algn="ctr" defTabSz="914400" rtl="0" eaLnBrk="0" fontAlgn="base" latinLnBrk="0" hangingPunct="0">
-                <a:lnSpc>
-                  <a:spcPct val="100000"/>
-                </a:lnSpc>
-                <a:spcBef>
-                  <a:spcPct val="0"/>
-                </a:spcBef>
-                <a:spcAft>
-                  <a:spcPct val="0"/>
-                </a:spcAft>
-                <a:buClrTx/>
-                <a:buSzTx/>
-                <a:buFontTx/>
-                <a:buNone/>
-                <a:tabLst/>
-              </a:pPr>
-              <a:r>
-                <a:rPr kumimoji="0" lang="en-US" sz="900" b="1" i="0" u="none" strike="noStrike" cap="none" normalizeH="0" baseline="0" dirty="0">
-                  <a:ln>
-                    <a:noFill/>
-                  </a:ln>
-                  <a:solidFill>
-                    <a:schemeClr val="bg1"/>
-                  </a:solidFill>
-                  <a:effectLst/>
-                  <a:latin typeface="+mn-lt"/>
-                  <a:ea typeface="ＭＳ Ｐゴシック" pitchFamily="96" charset="-128"/>
-                </a:rPr>
-                <a:t>Visualization</a:t>
-              </a:r>
-            </a:p>
-          </p:txBody>
-        </p:sp>
-        <p:sp>
-          <p:nvSpPr>
-            <p:cNvPr id="11" name="Rectangle 10">
-              <a:extLst>
-                <a:ext uri="{FF2B5EF4-FFF2-40B4-BE49-F238E27FC236}">
-                  <a16:creationId xmlns:a16="http://schemas.microsoft.com/office/drawing/2014/main" id="{4F71B93F-B91E-4601-8379-5FF7978FED3C}"/>
-                </a:ext>
-              </a:extLst>
-            </p:cNvPr>
-            <p:cNvSpPr/>
-            <p:nvPr/>
-          </p:nvSpPr>
-          <p:spPr bwMode="auto">
-            <a:xfrm>
-              <a:off x="6804248" y="3646646"/>
-              <a:ext cx="1224136" cy="360040"/>
-            </a:xfrm>
-            <a:prstGeom prst="rect">
-              <a:avLst/>
-            </a:prstGeom>
-            <a:solidFill>
-              <a:srgbClr val="00589C"/>
-            </a:solidFill>
-            <a:ln w="9525" cap="flat" cmpd="sng" algn="ctr">
-              <a:solidFill>
-                <a:srgbClr val="00589C"/>
-              </a:solidFill>
-              <a:prstDash val="solid"/>
-              <a:round/>
-              <a:headEnd type="none" w="med" len="med"/>
-              <a:tailEnd type="none" w="med" len="med"/>
-            </a:ln>
-            <a:effectLst/>
-            <a:extLst>
-              <a:ext uri="{AF507438-7753-43e0-B8FC-AC1667EBCBE1}">
-                <a14:hiddenEffects xmlns="" xmlns:a14="http://schemas.microsoft.com/office/drawing/2010/main">
-                  <a:effectLst>
-                    <a:outerShdw dist="35921" dir="2700000" algn="ctr" rotWithShape="0">
-                      <a:schemeClr val="bg2"/>
-                    </a:outerShdw>
-                  </a:effectLst>
-                </a14:hiddenEffects>
-              </a:ext>
-            </a:extLst>
-          </p:spPr>
-          <p:txBody>
-            <a:bodyPr vert="horz" wrap="square" lIns="91440" tIns="45720" rIns="91440" bIns="45720" numCol="1" rtlCol="0" anchor="ctr" anchorCtr="0" compatLnSpc="1">
-              <a:prstTxWarp prst="textNoShape">
-                <a:avLst/>
-              </a:prstTxWarp>
-            </a:bodyPr>
-            <a:lstStyle/>
-            <a:p>
-              <a:pPr marL="0" marR="0" indent="0" algn="ctr" defTabSz="914400" rtl="0" eaLnBrk="0" fontAlgn="base" latinLnBrk="0" hangingPunct="0">
-                <a:lnSpc>
-                  <a:spcPct val="100000"/>
-                </a:lnSpc>
-                <a:spcBef>
-                  <a:spcPct val="0"/>
-                </a:spcBef>
-                <a:spcAft>
-                  <a:spcPct val="0"/>
-                </a:spcAft>
-                <a:buClrTx/>
-                <a:buSzTx/>
-                <a:buFontTx/>
-                <a:buNone/>
-                <a:tabLst/>
-              </a:pPr>
-              <a:r>
-                <a:rPr kumimoji="0" lang="en-US" sz="900" b="1" i="0" u="none" strike="noStrike" cap="none" normalizeH="0" baseline="0" dirty="0">
-                  <a:ln>
-                    <a:noFill/>
-                  </a:ln>
-                  <a:solidFill>
-                    <a:schemeClr val="bg1"/>
-                  </a:solidFill>
-                  <a:effectLst/>
-                  <a:latin typeface="+mn-lt"/>
-                  <a:ea typeface="ＭＳ Ｐゴシック" pitchFamily="96" charset="-128"/>
-                </a:rPr>
-                <a:t>Algorithm</a:t>
-              </a:r>
-            </a:p>
-          </p:txBody>
-        </p:sp>
-        <p:sp>
-          <p:nvSpPr>
-            <p:cNvPr id="14" name="Right Brace 13">
-              <a:extLst>
-                <a:ext uri="{FF2B5EF4-FFF2-40B4-BE49-F238E27FC236}">
-                  <a16:creationId xmlns:a16="http://schemas.microsoft.com/office/drawing/2014/main" id="{DD877426-1E84-4B77-B2E4-AFBCE3A1B107}"/>
-                </a:ext>
-              </a:extLst>
-            </p:cNvPr>
-            <p:cNvSpPr/>
-            <p:nvPr/>
-          </p:nvSpPr>
-          <p:spPr bwMode="auto">
-            <a:xfrm>
-              <a:off x="6516216" y="2392862"/>
-              <a:ext cx="144016" cy="753820"/>
-            </a:xfrm>
-            <a:prstGeom prst="rightBrace">
-              <a:avLst/>
-            </a:prstGeom>
-            <a:noFill/>
-            <a:ln w="19050" cap="flat" cmpd="sng" algn="ctr">
-              <a:solidFill>
-                <a:srgbClr val="00589C"/>
-              </a:solidFill>
-              <a:prstDash val="solid"/>
-              <a:round/>
-              <a:headEnd type="none" w="med" len="med"/>
-              <a:tailEnd type="none" w="med" len="med"/>
-            </a:ln>
-            <a:effectLst/>
-            <a:extLst>
-              <a:ext uri="{AF507438-7753-43e0-B8FC-AC1667EBCBE1}">
-                <a14:hiddenEffects xmlns="" xmlns:a14="http://schemas.microsoft.com/office/drawing/2010/main">
-                  <a:effectLst>
-                    <a:outerShdw dist="35921" dir="2700000" algn="ctr" rotWithShape="0">
-                      <a:schemeClr val="bg2"/>
-                    </a:outerShdw>
-                  </a:effectLst>
-                </a14:hiddenEffects>
-              </a:ext>
-            </a:extLst>
-          </p:spPr>
-          <p:txBody>
-            <a:bodyPr vert="horz" wrap="square" lIns="91440" tIns="45720" rIns="91440" bIns="45720" numCol="1" rtlCol="0" anchor="t" anchorCtr="0" compatLnSpc="1">
-              <a:prstTxWarp prst="textNoShape">
-                <a:avLst/>
-              </a:prstTxWarp>
-            </a:bodyPr>
-            <a:lstStyle/>
-            <a:p>
-              <a:pPr marL="0" marR="0" indent="0" algn="l" defTabSz="914400" rtl="0" eaLnBrk="0" fontAlgn="base" latinLnBrk="0" hangingPunct="0">
-                <a:lnSpc>
-                  <a:spcPct val="100000"/>
-                </a:lnSpc>
-                <a:spcBef>
-                  <a:spcPct val="0"/>
-                </a:spcBef>
-                <a:spcAft>
-                  <a:spcPct val="0"/>
-                </a:spcAft>
-                <a:buClrTx/>
-                <a:buSzTx/>
-                <a:buFontTx/>
-                <a:buNone/>
-                <a:tabLst/>
-              </a:pPr>
-              <a:endParaRPr kumimoji="0" lang="en-US" sz="2400" b="0" i="0" u="none" strike="noStrike" cap="none" normalizeH="0" baseline="0">
-                <a:ln>
-                  <a:noFill/>
-                </a:ln>
-                <a:solidFill>
-                  <a:schemeClr val="tx1"/>
-                </a:solidFill>
-                <a:effectLst/>
-                <a:latin typeface="Arial" charset="0"/>
-                <a:ea typeface="ＭＳ Ｐゴシック" pitchFamily="96" charset="-128"/>
-              </a:endParaRPr>
-            </a:p>
-          </p:txBody>
-        </p:sp>
-      </p:grpSp>
-      <p:sp>
-        <p:nvSpPr>
-          <p:cNvPr id="23" name="Slide Number Placeholder 22">
-            <a:extLst>
-              <a:ext uri="{FF2B5EF4-FFF2-40B4-BE49-F238E27FC236}">
-                <a16:creationId xmlns:a16="http://schemas.microsoft.com/office/drawing/2014/main" id="{6F224781-9710-4691-80E9-CA40509C9C9C}"/>
-              </a:ext>
-            </a:extLst>
-          </p:cNvPr>
-          <p:cNvSpPr>
-            <a:spLocks noGrp="1"/>
-          </p:cNvSpPr>
-          <p:nvPr>
-            <p:ph type="sldNum" sz="quarter" idx="11"/>
-          </p:nvPr>
-        </p:nvSpPr>
-        <p:spPr/>
-        <p:txBody>
-          <a:bodyPr/>
-          <a:lstStyle/>
-          <a:p>
-            <a:fld id="{48105EDC-34E1-4D80-B051-D0CBD59863B8}" type="slidenum">
-              <a:rPr lang="de-DE" altLang="de-DE" smtClean="0"/>
-              <a:pPr/>
               <a:t>6</a:t>
             </a:fld>
             <a:endParaRPr lang="de-DE" altLang="de-DE">
@@ -21473,96 +21840,10 @@
           </a:p>
         </p:txBody>
       </p:sp>
-      <p:sp>
-        <p:nvSpPr>
-          <p:cNvPr id="26" name="Rectangle 25">
-            <a:extLst>
-              <a:ext uri="{FF2B5EF4-FFF2-40B4-BE49-F238E27FC236}">
-                <a16:creationId xmlns:a16="http://schemas.microsoft.com/office/drawing/2014/main" id="{92825894-94E4-47FA-8039-D98AA3D39589}"/>
-              </a:ext>
-            </a:extLst>
-          </p:cNvPr>
-          <p:cNvSpPr/>
-          <p:nvPr/>
-        </p:nvSpPr>
-        <p:spPr bwMode="auto">
-          <a:xfrm>
-            <a:off x="0" y="0"/>
-            <a:ext cx="9144000" cy="627534"/>
-          </a:xfrm>
-          <a:prstGeom prst="rect">
-            <a:avLst/>
-          </a:prstGeom>
-          <a:solidFill>
-            <a:srgbClr val="00589C"/>
-          </a:solidFill>
-          <a:ln w="9525" cap="flat" cmpd="sng" algn="ctr">
-            <a:solidFill>
-              <a:srgbClr val="00589C"/>
-            </a:solidFill>
-            <a:prstDash val="solid"/>
-            <a:round/>
-            <a:headEnd type="none" w="med" len="med"/>
-            <a:tailEnd type="none" w="med" len="med"/>
-          </a:ln>
-          <a:effectLst/>
-          <a:extLst>
-            <a:ext uri="{AF507438-7753-43e0-B8FC-AC1667EBCBE1}">
-              <a14:hiddenEffects xmlns="" xmlns:a14="http://schemas.microsoft.com/office/drawing/2010/main">
-                <a:effectLst>
-                  <a:outerShdw dist="35921" dir="2700000" algn="ctr" rotWithShape="0">
-                    <a:schemeClr val="bg2"/>
-                  </a:outerShdw>
-                </a:effectLst>
-              </a14:hiddenEffects>
-            </a:ext>
-          </a:extLst>
-        </p:spPr>
-        <p:txBody>
-          <a:bodyPr vert="horz" wrap="square" lIns="91440" tIns="45720" rIns="91440" bIns="45720" numCol="1" rtlCol="0" anchor="ctr" anchorCtr="0" compatLnSpc="1">
-            <a:prstTxWarp prst="textNoShape">
-              <a:avLst/>
-            </a:prstTxWarp>
-          </a:bodyPr>
-          <a:lstStyle/>
-          <a:p>
-            <a:pPr marL="0" marR="0" indent="0" algn="l" defTabSz="914400" rtl="0" eaLnBrk="0" fontAlgn="base" latinLnBrk="0" hangingPunct="0">
-              <a:lnSpc>
-                <a:spcPct val="100000"/>
-              </a:lnSpc>
-              <a:spcBef>
-                <a:spcPct val="0"/>
-              </a:spcBef>
-              <a:spcAft>
-                <a:spcPct val="0"/>
-              </a:spcAft>
-              <a:buClrTx/>
-              <a:buSzTx/>
-              <a:buFontTx/>
-              <a:buNone/>
-              <a:tabLst/>
-            </a:pPr>
-            <a:r>
-              <a:rPr kumimoji="0" lang="en-US" sz="2000" b="1" i="0" u="none" strike="noStrike" cap="none" normalizeH="0" baseline="0" dirty="0">
-                <a:ln>
-                  <a:noFill/>
-                </a:ln>
-                <a:solidFill>
-                  <a:schemeClr val="bg1"/>
-                </a:solidFill>
-                <a:effectLst/>
-                <a:latin typeface="+mj-lt"/>
-                <a:ea typeface="ＭＳ Ｐゴシック" pitchFamily="96" charset="-128"/>
-              </a:rPr>
-              <a:t>Topic 1. Introduction to R</a:t>
-            </a:r>
-          </a:p>
-        </p:txBody>
-      </p:sp>
     </p:spTree>
     <p:extLst>
       <p:ext uri="{BB962C8B-B14F-4D97-AF65-F5344CB8AC3E}">
-        <p14:creationId xmlns:p14="http://schemas.microsoft.com/office/powerpoint/2010/main" val="1873564231"/>
+        <p14:creationId xmlns:p14="http://schemas.microsoft.com/office/powerpoint/2010/main" val="1822297397"/>
       </p:ext>
     </p:extLst>
   </p:cSld>
@@ -21689,8 +21970,8 @@
         </p:nvSpPr>
         <p:spPr>
           <a:xfrm>
-            <a:off x="1475656" y="1345773"/>
-            <a:ext cx="6624736" cy="2451953"/>
+            <a:off x="2411760" y="1345773"/>
+            <a:ext cx="4464496" cy="2451953"/>
           </a:xfrm>
           <a:prstGeom prst="rect">
             <a:avLst/>
@@ -21739,7 +22020,7 @@
                   </a:schemeClr>
                 </a:solidFill>
               </a:rPr>
-              <a:t>What’s R: Installation, IDE, Help files</a:t>
+              <a:t>What’s R: Installation, IDE</a:t>
             </a:r>
           </a:p>
           <a:p>
@@ -21790,7 +22071,15 @@
                   <a:srgbClr val="00589C"/>
                 </a:solidFill>
               </a:rPr>
-              <a:t>Functions and Control structures</a:t>
+              <a:t>Functions </a:t>
+            </a:r>
+            <a:r>
+              <a:rPr lang="en-US" sz="2000" dirty="0">
+                <a:solidFill>
+                  <a:srgbClr val="E3E4E6"/>
+                </a:solidFill>
+              </a:rPr>
+              <a:t>and Control structures</a:t>
             </a:r>
           </a:p>
           <a:p>
@@ -21804,7 +22093,7 @@
             <a:r>
               <a:rPr lang="en-US" sz="2000" dirty="0">
                 <a:solidFill>
-                  <a:srgbClr val="00589C"/>
+                  <a:srgbClr val="E3E4E6"/>
                 </a:solidFill>
               </a:rPr>
               <a:t>Data manipulation</a:t>
@@ -21821,7 +22110,7 @@
             <a:r>
               <a:rPr lang="en-US" sz="2000" dirty="0">
                 <a:solidFill>
-                  <a:srgbClr val="00589C"/>
+                  <a:srgbClr val="E3E4E6"/>
                 </a:solidFill>
               </a:rPr>
               <a:t>Graphic tools</a:t>
@@ -23978,8 +24267,8 @@
         </p:nvSpPr>
         <p:spPr>
           <a:xfrm>
-            <a:off x="539552" y="1407028"/>
-            <a:ext cx="5055922" cy="2964914"/>
+            <a:off x="467544" y="1407028"/>
+            <a:ext cx="5040560" cy="2964914"/>
           </a:xfrm>
           <a:prstGeom prst="rect">
             <a:avLst/>
@@ -24113,7 +24402,25 @@
                 </a:solidFill>
                 <a:latin typeface="+mn-lt"/>
               </a:rPr>
-              <a:t>Character Vector or text strings (data type: character)</a:t>
+              <a:t>Character Vector or text strings (data type: </a:t>
+            </a:r>
+            <a:r>
+              <a:rPr lang="en-US" sz="1000" i="1" dirty="0">
+                <a:solidFill>
+                  <a:srgbClr val="000000"/>
+                </a:solidFill>
+                <a:latin typeface="+mn-lt"/>
+              </a:rPr>
+              <a:t>character</a:t>
+            </a:r>
+            <a:r>
+              <a:rPr lang="en-US" sz="1000" dirty="0">
+                <a:solidFill>
+                  <a:srgbClr val="000000"/>
+                </a:solidFill>
+                <a:latin typeface="+mn-lt"/>
+              </a:rPr>
+              <a:t>)</a:t>
             </a:r>
           </a:p>
           <a:p>
@@ -24201,7 +24508,25 @@
                 </a:solidFill>
                 <a:latin typeface="+mn-lt"/>
               </a:rPr>
-              <a:t>similar to matrices but they can be multi-dimensional (more than 2D) </a:t>
+              <a:t>similar to matrices but they can be multi-dimensional (</a:t>
+            </a:r>
+            <a:r>
+              <a:rPr lang="en-US" sz="1000" i="1" dirty="0">
+                <a:solidFill>
+                  <a:srgbClr val="000000"/>
+                </a:solidFill>
+                <a:latin typeface="+mn-lt"/>
+              </a:rPr>
+              <a:t>more than 2D</a:t>
+            </a:r>
+            <a:r>
+              <a:rPr lang="en-US" sz="1000" dirty="0">
+                <a:solidFill>
+                  <a:srgbClr val="000000"/>
+                </a:solidFill>
+                <a:latin typeface="+mn-lt"/>
+              </a:rPr>
+              <a:t>) </a:t>
             </a:r>
           </a:p>
           <a:p>
@@ -24240,7 +24565,7 @@
                 </a:solidFill>
                 <a:latin typeface="+mn-lt"/>
               </a:rPr>
-              <a:t>generalization of matrices where different columns can store different mode data.</a:t>
+              <a:t>Also 2D; generalization of matrix where different columns can store different data types.</a:t>
             </a:r>
           </a:p>
           <a:p>
@@ -24279,16 +24604,8 @@
                 </a:solidFill>
                 <a:latin typeface="+mn-lt"/>
               </a:rPr>
-              <a:t>ordered collection of objects, where the elements can be of different types</a:t>
-            </a:r>
-          </a:p>
-          <a:p>
-            <a:endParaRPr lang="en-US" sz="1000" dirty="0">
-              <a:solidFill>
-                <a:srgbClr val="000000"/>
-              </a:solidFill>
-              <a:latin typeface="+mn-lt"/>
-            </a:endParaRPr>
+              <a:t>ordered collection of objects, where the elements can be of different data structures</a:t>
+            </a:r>
           </a:p>
         </p:txBody>
       </p:sp>

--- a/slides/FRS_exercise_R.pptx
+++ b/slides/FRS_exercise_R.pptx
@@ -5896,7 +5896,7 @@
           <a:effectLst/>
           <a:extLst>
             <a:ext uri="{AF507438-7753-43e0-B8FC-AC1667EBCBE1}">
-              <a14:hiddenEffects xmlns="" xmlns:a14="http://schemas.microsoft.com/office/drawing/2010/main">
+              <a14:hiddenEffects xmlns:a14="http://schemas.microsoft.com/office/drawing/2010/main" xmlns="">
                 <a:effectLst>
                   <a:outerShdw dist="35921" dir="2700000" algn="ctr" rotWithShape="0">
                     <a:schemeClr val="bg2"/>
@@ -6176,7 +6176,7 @@
             <a:effectLst/>
             <a:extLst>
               <a:ext uri="{AF507438-7753-43e0-B8FC-AC1667EBCBE1}">
-                <a14:hiddenEffects xmlns="" xmlns:a14="http://schemas.microsoft.com/office/drawing/2010/main">
+                <a14:hiddenEffects xmlns:a14="http://schemas.microsoft.com/office/drawing/2010/main" xmlns="">
                   <a:effectLst>
                     <a:outerShdw dist="35921" dir="2700000" algn="ctr" rotWithShape="0">
                       <a:schemeClr val="bg2"/>
@@ -6306,7 +6306,7 @@
             <a:effectLst/>
             <a:extLst>
               <a:ext uri="{AF507438-7753-43e0-B8FC-AC1667EBCBE1}">
-                <a14:hiddenEffects xmlns="" xmlns:a14="http://schemas.microsoft.com/office/drawing/2010/main">
+                <a14:hiddenEffects xmlns:a14="http://schemas.microsoft.com/office/drawing/2010/main" xmlns="">
                   <a:effectLst>
                     <a:outerShdw dist="35921" dir="2700000" algn="ctr" rotWithShape="0">
                       <a:schemeClr val="bg2"/>
@@ -6536,7 +6536,7 @@
           <a:effectLst/>
           <a:extLst>
             <a:ext uri="{AF507438-7753-43e0-B8FC-AC1667EBCBE1}">
-              <a14:hiddenEffects xmlns="" xmlns:a14="http://schemas.microsoft.com/office/drawing/2010/main">
+              <a14:hiddenEffects xmlns:a14="http://schemas.microsoft.com/office/drawing/2010/main" xmlns="">
                 <a:effectLst>
                   <a:outerShdw dist="35921" dir="2700000" algn="ctr" rotWithShape="0">
                     <a:schemeClr val="bg2"/>
@@ -7040,7 +7040,7 @@
           <a:effectLst/>
           <a:extLst>
             <a:ext uri="{AF507438-7753-43e0-B8FC-AC1667EBCBE1}">
-              <a14:hiddenEffects xmlns="" xmlns:a14="http://schemas.microsoft.com/office/drawing/2010/main">
+              <a14:hiddenEffects xmlns:a14="http://schemas.microsoft.com/office/drawing/2010/main" xmlns="">
                 <a:effectLst>
                   <a:outerShdw dist="35921" dir="2700000" algn="ctr" rotWithShape="0">
                     <a:schemeClr val="bg2"/>
@@ -7624,7 +7624,7 @@
             <a:effectLst/>
             <a:extLst>
               <a:ext uri="{AF507438-7753-43e0-B8FC-AC1667EBCBE1}">
-                <a14:hiddenEffects xmlns="" xmlns:a14="http://schemas.microsoft.com/office/drawing/2010/main">
+                <a14:hiddenEffects xmlns:a14="http://schemas.microsoft.com/office/drawing/2010/main" xmlns="">
                   <a:effectLst>
                     <a:outerShdw dist="35921" dir="2700000" algn="ctr" rotWithShape="0">
                       <a:schemeClr val="bg2"/>
@@ -7710,7 +7710,7 @@
             <a:effectLst/>
             <a:extLst>
               <a:ext uri="{AF507438-7753-43e0-B8FC-AC1667EBCBE1}">
-                <a14:hiddenEffects xmlns="" xmlns:a14="http://schemas.microsoft.com/office/drawing/2010/main">
+                <a14:hiddenEffects xmlns:a14="http://schemas.microsoft.com/office/drawing/2010/main" xmlns="">
                   <a:effectLst>
                     <a:outerShdw dist="35921" dir="2700000" algn="ctr" rotWithShape="0">
                       <a:schemeClr val="bg2"/>
@@ -7796,7 +7796,7 @@
             <a:effectLst/>
             <a:extLst>
               <a:ext uri="{AF507438-7753-43e0-B8FC-AC1667EBCBE1}">
-                <a14:hiddenEffects xmlns="" xmlns:a14="http://schemas.microsoft.com/office/drawing/2010/main">
+                <a14:hiddenEffects xmlns:a14="http://schemas.microsoft.com/office/drawing/2010/main" xmlns="">
                   <a:effectLst>
                     <a:outerShdw dist="35921" dir="2700000" algn="ctr" rotWithShape="0">
                       <a:schemeClr val="bg2"/>
@@ -7882,7 +7882,7 @@
             <a:effectLst/>
             <a:extLst>
               <a:ext uri="{AF507438-7753-43e0-B8FC-AC1667EBCBE1}">
-                <a14:hiddenEffects xmlns="" xmlns:a14="http://schemas.microsoft.com/office/drawing/2010/main">
+                <a14:hiddenEffects xmlns:a14="http://schemas.microsoft.com/office/drawing/2010/main" xmlns="">
                   <a:effectLst>
                     <a:outerShdw dist="35921" dir="2700000" algn="ctr" rotWithShape="0">
                       <a:schemeClr val="bg2"/>
@@ -7966,7 +7966,7 @@
             <a:effectLst/>
             <a:extLst>
               <a:ext uri="{AF507438-7753-43e0-B8FC-AC1667EBCBE1}">
-                <a14:hiddenEffects xmlns="" xmlns:a14="http://schemas.microsoft.com/office/drawing/2010/main">
+                <a14:hiddenEffects xmlns:a14="http://schemas.microsoft.com/office/drawing/2010/main" xmlns="">
                   <a:effectLst>
                     <a:outerShdw dist="35921" dir="2700000" algn="ctr" rotWithShape="0">
                       <a:schemeClr val="bg2"/>
@@ -8084,7 +8084,7 @@
           <a:effectLst/>
           <a:extLst>
             <a:ext uri="{AF507438-7753-43e0-B8FC-AC1667EBCBE1}">
-              <a14:hiddenEffects xmlns="" xmlns:a14="http://schemas.microsoft.com/office/drawing/2010/main">
+              <a14:hiddenEffects xmlns:a14="http://schemas.microsoft.com/office/drawing/2010/main" xmlns="">
                 <a:effectLst>
                   <a:outerShdw dist="35921" dir="2700000" algn="ctr" rotWithShape="0">
                     <a:schemeClr val="bg2"/>
@@ -8200,7 +8200,7 @@
           <a:effectLst/>
           <a:extLst>
             <a:ext uri="{AF507438-7753-43e0-B8FC-AC1667EBCBE1}">
-              <a14:hiddenEffects xmlns="" xmlns:a14="http://schemas.microsoft.com/office/drawing/2010/main">
+              <a14:hiddenEffects xmlns:a14="http://schemas.microsoft.com/office/drawing/2010/main" xmlns="">
                 <a:effectLst>
                   <a:outerShdw dist="35921" dir="2700000" algn="ctr" rotWithShape="0">
                     <a:schemeClr val="bg2"/>
@@ -8481,7 +8481,7 @@
           <a:effectLst/>
           <a:extLst>
             <a:ext uri="{AF507438-7753-43e0-B8FC-AC1667EBCBE1}">
-              <a14:hiddenEffects xmlns="" xmlns:a14="http://schemas.microsoft.com/office/drawing/2010/main">
+              <a14:hiddenEffects xmlns:a14="http://schemas.microsoft.com/office/drawing/2010/main" xmlns="">
                 <a:effectLst>
                   <a:outerShdw dist="35921" dir="2700000" algn="ctr" rotWithShape="0">
                     <a:schemeClr val="bg2"/>
@@ -8801,7 +8801,7 @@
           <a:effectLst/>
           <a:extLst>
             <a:ext uri="{AF507438-7753-43e0-B8FC-AC1667EBCBE1}">
-              <a14:hiddenEffects xmlns="" xmlns:a14="http://schemas.microsoft.com/office/drawing/2010/main">
+              <a14:hiddenEffects xmlns:a14="http://schemas.microsoft.com/office/drawing/2010/main" xmlns="">
                 <a:effectLst>
                   <a:outerShdw dist="35921" dir="2700000" algn="ctr" rotWithShape="0">
                     <a:schemeClr val="bg2"/>
@@ -9972,7 +9972,7 @@
           <a:effectLst/>
           <a:extLst>
             <a:ext uri="{AF507438-7753-43e0-B8FC-AC1667EBCBE1}">
-              <a14:hiddenEffects xmlns="" xmlns:a14="http://schemas.microsoft.com/office/drawing/2010/main">
+              <a14:hiddenEffects xmlns:a14="http://schemas.microsoft.com/office/drawing/2010/main" xmlns="">
                 <a:effectLst>
                   <a:outerShdw dist="35921" dir="2700000" algn="ctr" rotWithShape="0">
                     <a:schemeClr val="bg2"/>
@@ -12337,7 +12337,7 @@
           <a:effectLst/>
           <a:extLst>
             <a:ext uri="{AF507438-7753-43e0-B8FC-AC1667EBCBE1}">
-              <a14:hiddenEffects xmlns="" xmlns:a14="http://schemas.microsoft.com/office/drawing/2010/main">
+              <a14:hiddenEffects xmlns:a14="http://schemas.microsoft.com/office/drawing/2010/main" xmlns="">
                 <a:effectLst>
                   <a:outerShdw dist="35921" dir="2700000" algn="ctr" rotWithShape="0">
                     <a:schemeClr val="bg2"/>
@@ -13040,7 +13040,7 @@
             <a:effectLst/>
             <a:extLst>
               <a:ext uri="{AF507438-7753-43e0-B8FC-AC1667EBCBE1}">
-                <a14:hiddenEffects xmlns="" xmlns:a14="http://schemas.microsoft.com/office/drawing/2010/main">
+                <a14:hiddenEffects xmlns:a14="http://schemas.microsoft.com/office/drawing/2010/main" xmlns="">
                   <a:effectLst>
                     <a:outerShdw dist="35921" dir="2700000" algn="ctr" rotWithShape="0">
                       <a:schemeClr val="bg2"/>
@@ -13121,7 +13121,7 @@
             <a:effectLst/>
             <a:extLst>
               <a:ext uri="{AF507438-7753-43e0-B8FC-AC1667EBCBE1}">
-                <a14:hiddenEffects xmlns="" xmlns:a14="http://schemas.microsoft.com/office/drawing/2010/main">
+                <a14:hiddenEffects xmlns:a14="http://schemas.microsoft.com/office/drawing/2010/main" xmlns="">
                   <a:effectLst>
                     <a:outerShdw dist="35921" dir="2700000" algn="ctr" rotWithShape="0">
                       <a:schemeClr val="bg2"/>
@@ -13202,7 +13202,7 @@
             <a:effectLst/>
             <a:extLst>
               <a:ext uri="{AF507438-7753-43e0-B8FC-AC1667EBCBE1}">
-                <a14:hiddenEffects xmlns="" xmlns:a14="http://schemas.microsoft.com/office/drawing/2010/main">
+                <a14:hiddenEffects xmlns:a14="http://schemas.microsoft.com/office/drawing/2010/main" xmlns="">
                   <a:effectLst>
                     <a:outerShdw dist="35921" dir="2700000" algn="ctr" rotWithShape="0">
                       <a:schemeClr val="bg2"/>
@@ -13283,7 +13283,7 @@
             <a:effectLst/>
             <a:extLst>
               <a:ext uri="{AF507438-7753-43e0-B8FC-AC1667EBCBE1}">
-                <a14:hiddenEffects xmlns="" xmlns:a14="http://schemas.microsoft.com/office/drawing/2010/main">
+                <a14:hiddenEffects xmlns:a14="http://schemas.microsoft.com/office/drawing/2010/main" xmlns="">
                   <a:effectLst>
                     <a:outerShdw dist="35921" dir="2700000" algn="ctr" rotWithShape="0">
                       <a:schemeClr val="bg2"/>
@@ -13521,7 +13521,7 @@
             <a:effectLst/>
             <a:extLst>
               <a:ext uri="{AF507438-7753-43e0-B8FC-AC1667EBCBE1}">
-                <a14:hiddenEffects xmlns="" xmlns:a14="http://schemas.microsoft.com/office/drawing/2010/main">
+                <a14:hiddenEffects xmlns:a14="http://schemas.microsoft.com/office/drawing/2010/main" xmlns="">
                   <a:effectLst>
                     <a:outerShdw dist="35921" dir="2700000" algn="ctr" rotWithShape="0">
                       <a:schemeClr val="bg2"/>
@@ -13602,7 +13602,7 @@
             <a:effectLst/>
             <a:extLst>
               <a:ext uri="{AF507438-7753-43e0-B8FC-AC1667EBCBE1}">
-                <a14:hiddenEffects xmlns="" xmlns:a14="http://schemas.microsoft.com/office/drawing/2010/main">
+                <a14:hiddenEffects xmlns:a14="http://schemas.microsoft.com/office/drawing/2010/main" xmlns="">
                   <a:effectLst>
                     <a:outerShdw dist="35921" dir="2700000" algn="ctr" rotWithShape="0">
                       <a:schemeClr val="bg2"/>
@@ -13683,7 +13683,7 @@
             <a:effectLst/>
             <a:extLst>
               <a:ext uri="{AF507438-7753-43e0-B8FC-AC1667EBCBE1}">
-                <a14:hiddenEffects xmlns="" xmlns:a14="http://schemas.microsoft.com/office/drawing/2010/main">
+                <a14:hiddenEffects xmlns:a14="http://schemas.microsoft.com/office/drawing/2010/main" xmlns="">
                   <a:effectLst>
                     <a:outerShdw dist="35921" dir="2700000" algn="ctr" rotWithShape="0">
                       <a:schemeClr val="bg2"/>
@@ -13764,7 +13764,7 @@
             <a:effectLst/>
             <a:extLst>
               <a:ext uri="{AF507438-7753-43e0-B8FC-AC1667EBCBE1}">
-                <a14:hiddenEffects xmlns="" xmlns:a14="http://schemas.microsoft.com/office/drawing/2010/main">
+                <a14:hiddenEffects xmlns:a14="http://schemas.microsoft.com/office/drawing/2010/main" xmlns="">
                   <a:effectLst>
                     <a:outerShdw dist="35921" dir="2700000" algn="ctr" rotWithShape="0">
                       <a:schemeClr val="bg2"/>
@@ -13868,7 +13868,7 @@
             <a:effectLst/>
             <a:extLst>
               <a:ext uri="{AF507438-7753-43e0-B8FC-AC1667EBCBE1}">
-                <a14:hiddenEffects xmlns="" xmlns:a14="http://schemas.microsoft.com/office/drawing/2010/main">
+                <a14:hiddenEffects xmlns:a14="http://schemas.microsoft.com/office/drawing/2010/main" xmlns="">
                   <a:effectLst>
                     <a:outerShdw dist="35921" dir="2700000" algn="ctr" rotWithShape="0">
                       <a:schemeClr val="bg2"/>
@@ -13914,7 +13914,7 @@
             <a:effectLst/>
             <a:extLst>
               <a:ext uri="{AF507438-7753-43e0-B8FC-AC1667EBCBE1}">
-                <a14:hiddenEffects xmlns="" xmlns:a14="http://schemas.microsoft.com/office/drawing/2010/main">
+                <a14:hiddenEffects xmlns:a14="http://schemas.microsoft.com/office/drawing/2010/main" xmlns="">
                   <a:effectLst>
                     <a:outerShdw dist="35921" dir="2700000" algn="ctr" rotWithShape="0">
                       <a:schemeClr val="bg2"/>
@@ -13960,7 +13960,7 @@
             <a:effectLst/>
             <a:extLst>
               <a:ext uri="{AF507438-7753-43e0-B8FC-AC1667EBCBE1}">
-                <a14:hiddenEffects xmlns="" xmlns:a14="http://schemas.microsoft.com/office/drawing/2010/main">
+                <a14:hiddenEffects xmlns:a14="http://schemas.microsoft.com/office/drawing/2010/main" xmlns="">
                   <a:effectLst>
                     <a:outerShdw dist="35921" dir="2700000" algn="ctr" rotWithShape="0">
                       <a:schemeClr val="bg2"/>
@@ -14006,7 +14006,7 @@
             <a:effectLst/>
             <a:extLst>
               <a:ext uri="{AF507438-7753-43e0-B8FC-AC1667EBCBE1}">
-                <a14:hiddenEffects xmlns="" xmlns:a14="http://schemas.microsoft.com/office/drawing/2010/main">
+                <a14:hiddenEffects xmlns:a14="http://schemas.microsoft.com/office/drawing/2010/main" xmlns="">
                   <a:effectLst>
                     <a:outerShdw dist="35921" dir="2700000" algn="ctr" rotWithShape="0">
                       <a:schemeClr val="bg2"/>
@@ -14801,7 +14801,7 @@
           <a:effectLst/>
           <a:extLst>
             <a:ext uri="{AF507438-7753-43e0-B8FC-AC1667EBCBE1}">
-              <a14:hiddenEffects xmlns="" xmlns:a14="http://schemas.microsoft.com/office/drawing/2010/main">
+              <a14:hiddenEffects xmlns:a14="http://schemas.microsoft.com/office/drawing/2010/main" xmlns="">
                 <a:effectLst>
                   <a:outerShdw dist="35921" dir="2700000" algn="ctr" rotWithShape="0">
                     <a:schemeClr val="bg2"/>
@@ -15419,7 +15419,7 @@
           <a:effectLst/>
           <a:extLst>
             <a:ext uri="{AF507438-7753-43e0-B8FC-AC1667EBCBE1}">
-              <a14:hiddenEffects xmlns="" xmlns:a14="http://schemas.microsoft.com/office/drawing/2010/main">
+              <a14:hiddenEffects xmlns:a14="http://schemas.microsoft.com/office/drawing/2010/main" xmlns="">
                 <a:effectLst>
                   <a:outerShdw dist="35921" dir="2700000" algn="ctr" rotWithShape="0">
                     <a:schemeClr val="bg2"/>
@@ -15600,7 +15600,7 @@
           <a:effectLst/>
           <a:extLst>
             <a:ext uri="{AF507438-7753-43e0-B8FC-AC1667EBCBE1}">
-              <a14:hiddenEffects xmlns="" xmlns:a14="http://schemas.microsoft.com/office/drawing/2010/main">
+              <a14:hiddenEffects xmlns:a14="http://schemas.microsoft.com/office/drawing/2010/main" xmlns="">
                 <a:effectLst>
                   <a:outerShdw dist="35921" dir="2700000" algn="ctr" rotWithShape="0">
                     <a:schemeClr val="bg2"/>
@@ -15749,7 +15749,7 @@
             <a:effectLst/>
             <a:extLst>
               <a:ext uri="{AF507438-7753-43e0-B8FC-AC1667EBCBE1}">
-                <a14:hiddenEffects xmlns="" xmlns:a14="http://schemas.microsoft.com/office/drawing/2010/main">
+                <a14:hiddenEffects xmlns:a14="http://schemas.microsoft.com/office/drawing/2010/main" xmlns="">
                   <a:effectLst>
                     <a:outerShdw dist="35921" dir="2700000" algn="ctr" rotWithShape="0">
                       <a:schemeClr val="bg2"/>
@@ -15837,7 +15837,7 @@
             <a:effectLst/>
             <a:extLst>
               <a:ext uri="{AF507438-7753-43e0-B8FC-AC1667EBCBE1}">
-                <a14:hiddenEffects xmlns="" xmlns:a14="http://schemas.microsoft.com/office/drawing/2010/main">
+                <a14:hiddenEffects xmlns:a14="http://schemas.microsoft.com/office/drawing/2010/main" xmlns="">
                   <a:effectLst>
                     <a:outerShdw dist="35921" dir="2700000" algn="ctr" rotWithShape="0">
                       <a:schemeClr val="bg2"/>
@@ -15932,7 +15932,7 @@
             <a:effectLst/>
             <a:extLst>
               <a:ext uri="{AF507438-7753-43e0-B8FC-AC1667EBCBE1}">
-                <a14:hiddenEffects xmlns="" xmlns:a14="http://schemas.microsoft.com/office/drawing/2010/main">
+                <a14:hiddenEffects xmlns:a14="http://schemas.microsoft.com/office/drawing/2010/main" xmlns="">
                   <a:effectLst>
                     <a:outerShdw dist="35921" dir="2700000" algn="ctr" rotWithShape="0">
                       <a:schemeClr val="bg2"/>
@@ -16020,7 +16020,7 @@
             <a:effectLst/>
             <a:extLst>
               <a:ext uri="{AF507438-7753-43e0-B8FC-AC1667EBCBE1}">
-                <a14:hiddenEffects xmlns="" xmlns:a14="http://schemas.microsoft.com/office/drawing/2010/main">
+                <a14:hiddenEffects xmlns:a14="http://schemas.microsoft.com/office/drawing/2010/main" xmlns="">
                   <a:effectLst>
                     <a:outerShdw dist="35921" dir="2700000" algn="ctr" rotWithShape="0">
                       <a:schemeClr val="bg2"/>
@@ -16108,7 +16108,7 @@
             <a:effectLst/>
             <a:extLst>
               <a:ext uri="{AF507438-7753-43e0-B8FC-AC1667EBCBE1}">
-                <a14:hiddenEffects xmlns="" xmlns:a14="http://schemas.microsoft.com/office/drawing/2010/main">
+                <a14:hiddenEffects xmlns:a14="http://schemas.microsoft.com/office/drawing/2010/main" xmlns="">
                   <a:effectLst>
                     <a:outerShdw dist="35921" dir="2700000" algn="ctr" rotWithShape="0">
                       <a:schemeClr val="bg2"/>
@@ -16196,7 +16196,7 @@
             <a:effectLst/>
             <a:extLst>
               <a:ext uri="{AF507438-7753-43e0-B8FC-AC1667EBCBE1}">
-                <a14:hiddenEffects xmlns="" xmlns:a14="http://schemas.microsoft.com/office/drawing/2010/main">
+                <a14:hiddenEffects xmlns:a14="http://schemas.microsoft.com/office/drawing/2010/main" xmlns="">
                   <a:effectLst>
                     <a:outerShdw dist="35921" dir="2700000" algn="ctr" rotWithShape="0">
                       <a:schemeClr val="bg2"/>
@@ -16284,7 +16284,7 @@
             <a:effectLst/>
             <a:extLst>
               <a:ext uri="{AF507438-7753-43e0-B8FC-AC1667EBCBE1}">
-                <a14:hiddenEffects xmlns="" xmlns:a14="http://schemas.microsoft.com/office/drawing/2010/main">
+                <a14:hiddenEffects xmlns:a14="http://schemas.microsoft.com/office/drawing/2010/main" xmlns="">
                   <a:effectLst>
                     <a:outerShdw dist="35921" dir="2700000" algn="ctr" rotWithShape="0">
                       <a:schemeClr val="bg2"/>
@@ -16372,7 +16372,7 @@
             <a:effectLst/>
             <a:extLst>
               <a:ext uri="{AF507438-7753-43e0-B8FC-AC1667EBCBE1}">
-                <a14:hiddenEffects xmlns="" xmlns:a14="http://schemas.microsoft.com/office/drawing/2010/main">
+                <a14:hiddenEffects xmlns:a14="http://schemas.microsoft.com/office/drawing/2010/main" xmlns="">
                   <a:effectLst>
                     <a:outerShdw dist="35921" dir="2700000" algn="ctr" rotWithShape="0">
                       <a:schemeClr val="bg2"/>
@@ -16460,7 +16460,7 @@
             <a:effectLst/>
             <a:extLst>
               <a:ext uri="{AF507438-7753-43e0-B8FC-AC1667EBCBE1}">
-                <a14:hiddenEffects xmlns="" xmlns:a14="http://schemas.microsoft.com/office/drawing/2010/main">
+                <a14:hiddenEffects xmlns:a14="http://schemas.microsoft.com/office/drawing/2010/main" xmlns="">
                   <a:effectLst>
                     <a:outerShdw dist="35921" dir="2700000" algn="ctr" rotWithShape="0">
                       <a:schemeClr val="bg2"/>
@@ -16557,7 +16557,7 @@
             <a:effectLst/>
             <a:extLst>
               <a:ext uri="{AF507438-7753-43e0-B8FC-AC1667EBCBE1}">
-                <a14:hiddenEffects xmlns="" xmlns:a14="http://schemas.microsoft.com/office/drawing/2010/main">
+                <a14:hiddenEffects xmlns:a14="http://schemas.microsoft.com/office/drawing/2010/main" xmlns="">
                   <a:effectLst>
                     <a:outerShdw dist="35921" dir="2700000" algn="ctr" rotWithShape="0">
                       <a:schemeClr val="bg2"/>
@@ -16608,7 +16608,7 @@
             <a:effectLst/>
             <a:extLst>
               <a:ext uri="{AF507438-7753-43e0-B8FC-AC1667EBCBE1}">
-                <a14:hiddenEffects xmlns="" xmlns:a14="http://schemas.microsoft.com/office/drawing/2010/main">
+                <a14:hiddenEffects xmlns:a14="http://schemas.microsoft.com/office/drawing/2010/main" xmlns="">
                   <a:effectLst>
                     <a:outerShdw dist="35921" dir="2700000" algn="ctr" rotWithShape="0">
                       <a:schemeClr val="bg2"/>
@@ -16658,7 +16658,7 @@
             <a:effectLst/>
             <a:extLst>
               <a:ext uri="{AF507438-7753-43e0-B8FC-AC1667EBCBE1}">
-                <a14:hiddenEffects xmlns="" xmlns:a14="http://schemas.microsoft.com/office/drawing/2010/main">
+                <a14:hiddenEffects xmlns:a14="http://schemas.microsoft.com/office/drawing/2010/main" xmlns="">
                   <a:effectLst>
                     <a:outerShdw dist="35921" dir="2700000" algn="ctr" rotWithShape="0">
                       <a:schemeClr val="bg2"/>
@@ -16706,7 +16706,7 @@
             <a:effectLst/>
             <a:extLst>
               <a:ext uri="{AF507438-7753-43e0-B8FC-AC1667EBCBE1}">
-                <a14:hiddenEffects xmlns="" xmlns:a14="http://schemas.microsoft.com/office/drawing/2010/main">
+                <a14:hiddenEffects xmlns:a14="http://schemas.microsoft.com/office/drawing/2010/main" xmlns="">
                   <a:effectLst>
                     <a:outerShdw dist="35921" dir="2700000" algn="ctr" rotWithShape="0">
                       <a:schemeClr val="bg2"/>
@@ -16791,7 +16791,7 @@
             <a:effectLst/>
             <a:extLst>
               <a:ext uri="{AF507438-7753-43e0-B8FC-AC1667EBCBE1}">
-                <a14:hiddenEffects xmlns="" xmlns:a14="http://schemas.microsoft.com/office/drawing/2010/main">
+                <a14:hiddenEffects xmlns:a14="http://schemas.microsoft.com/office/drawing/2010/main" xmlns="">
                   <a:effectLst>
                     <a:outerShdw dist="35921" dir="2700000" algn="ctr" rotWithShape="0">
                       <a:schemeClr val="bg2"/>
@@ -16837,7 +16837,7 @@
             <a:effectLst/>
             <a:extLst>
               <a:ext uri="{AF507438-7753-43e0-B8FC-AC1667EBCBE1}">
-                <a14:hiddenEffects xmlns="" xmlns:a14="http://schemas.microsoft.com/office/drawing/2010/main">
+                <a14:hiddenEffects xmlns:a14="http://schemas.microsoft.com/office/drawing/2010/main" xmlns="">
                   <a:effectLst>
                     <a:outerShdw dist="35921" dir="2700000" algn="ctr" rotWithShape="0">
                       <a:schemeClr val="bg2"/>
@@ -16888,7 +16888,7 @@
             <a:effectLst/>
             <a:extLst>
               <a:ext uri="{AF507438-7753-43e0-B8FC-AC1667EBCBE1}">
-                <a14:hiddenEffects xmlns="" xmlns:a14="http://schemas.microsoft.com/office/drawing/2010/main">
+                <a14:hiddenEffects xmlns:a14="http://schemas.microsoft.com/office/drawing/2010/main" xmlns="">
                   <a:effectLst>
                     <a:outerShdw dist="35921" dir="2700000" algn="ctr" rotWithShape="0">
                       <a:schemeClr val="bg2"/>
@@ -16936,7 +16936,7 @@
             <a:effectLst/>
             <a:extLst>
               <a:ext uri="{AF507438-7753-43e0-B8FC-AC1667EBCBE1}">
-                <a14:hiddenEffects xmlns="" xmlns:a14="http://schemas.microsoft.com/office/drawing/2010/main">
+                <a14:hiddenEffects xmlns:a14="http://schemas.microsoft.com/office/drawing/2010/main" xmlns="">
                   <a:effectLst>
                     <a:outerShdw dist="35921" dir="2700000" algn="ctr" rotWithShape="0">
                       <a:schemeClr val="bg2"/>
@@ -16986,7 +16986,7 @@
             <a:effectLst/>
             <a:extLst>
               <a:ext uri="{AF507438-7753-43e0-B8FC-AC1667EBCBE1}">
-                <a14:hiddenEffects xmlns="" xmlns:a14="http://schemas.microsoft.com/office/drawing/2010/main">
+                <a14:hiddenEffects xmlns:a14="http://schemas.microsoft.com/office/drawing/2010/main" xmlns="">
                   <a:effectLst>
                     <a:outerShdw dist="35921" dir="2700000" algn="ctr" rotWithShape="0">
                       <a:schemeClr val="bg2"/>
@@ -17036,7 +17036,7 @@
             <a:effectLst/>
             <a:extLst>
               <a:ext uri="{AF507438-7753-43e0-B8FC-AC1667EBCBE1}">
-                <a14:hiddenEffects xmlns="" xmlns:a14="http://schemas.microsoft.com/office/drawing/2010/main">
+                <a14:hiddenEffects xmlns:a14="http://schemas.microsoft.com/office/drawing/2010/main" xmlns="">
                   <a:effectLst>
                     <a:outerShdw dist="35921" dir="2700000" algn="ctr" rotWithShape="0">
                       <a:schemeClr val="bg2"/>
@@ -17084,7 +17084,7 @@
             <a:effectLst/>
             <a:extLst>
               <a:ext uri="{AF507438-7753-43e0-B8FC-AC1667EBCBE1}">
-                <a14:hiddenEffects xmlns="" xmlns:a14="http://schemas.microsoft.com/office/drawing/2010/main">
+                <a14:hiddenEffects xmlns:a14="http://schemas.microsoft.com/office/drawing/2010/main" xmlns="">
                   <a:effectLst>
                     <a:outerShdw dist="35921" dir="2700000" algn="ctr" rotWithShape="0">
                       <a:schemeClr val="bg2"/>
@@ -17181,7 +17181,7 @@
             <a:effectLst/>
             <a:extLst>
               <a:ext uri="{AF507438-7753-43e0-B8FC-AC1667EBCBE1}">
-                <a14:hiddenEffects xmlns="" xmlns:a14="http://schemas.microsoft.com/office/drawing/2010/main">
+                <a14:hiddenEffects xmlns:a14="http://schemas.microsoft.com/office/drawing/2010/main" xmlns="">
                   <a:effectLst>
                     <a:outerShdw dist="35921" dir="2700000" algn="ctr" rotWithShape="0">
                       <a:schemeClr val="bg2"/>
@@ -17232,7 +17232,7 @@
             <a:effectLst/>
             <a:extLst>
               <a:ext uri="{AF507438-7753-43e0-B8FC-AC1667EBCBE1}">
-                <a14:hiddenEffects xmlns="" xmlns:a14="http://schemas.microsoft.com/office/drawing/2010/main">
+                <a14:hiddenEffects xmlns:a14="http://schemas.microsoft.com/office/drawing/2010/main" xmlns="">
                   <a:effectLst>
                     <a:outerShdw dist="35921" dir="2700000" algn="ctr" rotWithShape="0">
                       <a:schemeClr val="bg2"/>
@@ -17282,7 +17282,7 @@
             <a:effectLst/>
             <a:extLst>
               <a:ext uri="{AF507438-7753-43e0-B8FC-AC1667EBCBE1}">
-                <a14:hiddenEffects xmlns="" xmlns:a14="http://schemas.microsoft.com/office/drawing/2010/main">
+                <a14:hiddenEffects xmlns:a14="http://schemas.microsoft.com/office/drawing/2010/main" xmlns="">
                   <a:effectLst>
                     <a:outerShdw dist="35921" dir="2700000" algn="ctr" rotWithShape="0">
                       <a:schemeClr val="bg2"/>
@@ -17359,7 +17359,7 @@
           <a:effectLst/>
           <a:extLst>
             <a:ext uri="{AF507438-7753-43e0-B8FC-AC1667EBCBE1}">
-              <a14:hiddenEffects xmlns="" xmlns:a14="http://schemas.microsoft.com/office/drawing/2010/main">
+              <a14:hiddenEffects xmlns:a14="http://schemas.microsoft.com/office/drawing/2010/main" xmlns="">
                 <a:effectLst>
                   <a:outerShdw dist="35921" dir="2700000" algn="ctr" rotWithShape="0">
                     <a:schemeClr val="bg2"/>
@@ -17855,7 +17855,7 @@
                 <a:graphicData uri="http://schemas.openxmlformats.org/presentationml/2006/ole">
                   <mc:AlternateContent xmlns:mc="http://schemas.openxmlformats.org/markup-compatibility/2006">
                     <mc:Choice xmlns:v="urn:schemas-microsoft-com:vml" Requires="v">
-                      <p:oleObj spid="_x0000_s1269" name="Formel" r:id="rId4" imgW="2590800" imgH="990600" progId="Equation.3">
+                      <p:oleObj spid="_x0000_s1271" name="Formel" r:id="rId4" imgW="2590800" imgH="990600" progId="Equation.3">
                         <p:embed/>
                       </p:oleObj>
                     </mc:Choice>
@@ -18415,7 +18415,7 @@
           <a:effectLst/>
           <a:extLst>
             <a:ext uri="{AF507438-7753-43e0-B8FC-AC1667EBCBE1}">
-              <a14:hiddenEffects xmlns="" xmlns:a14="http://schemas.microsoft.com/office/drawing/2010/main">
+              <a14:hiddenEffects xmlns:a14="http://schemas.microsoft.com/office/drawing/2010/main" xmlns="">
                 <a:effectLst>
                   <a:outerShdw dist="35921" dir="2700000" algn="ctr" rotWithShape="0">
                     <a:schemeClr val="bg2"/>
@@ -18694,7 +18694,7 @@
           <a:effectLst/>
           <a:extLst>
             <a:ext uri="{AF507438-7753-43e0-B8FC-AC1667EBCBE1}">
-              <a14:hiddenEffects xmlns="" xmlns:a14="http://schemas.microsoft.com/office/drawing/2010/main">
+              <a14:hiddenEffects xmlns:a14="http://schemas.microsoft.com/office/drawing/2010/main" xmlns="">
                 <a:effectLst>
                   <a:outerShdw dist="35921" dir="2700000" algn="ctr" rotWithShape="0">
                     <a:schemeClr val="bg2"/>
@@ -18961,7 +18961,7 @@
           <a:effectLst/>
           <a:extLst>
             <a:ext uri="{AF507438-7753-43e0-B8FC-AC1667EBCBE1}">
-              <a14:hiddenEffects xmlns="" xmlns:a14="http://schemas.microsoft.com/office/drawing/2010/main">
+              <a14:hiddenEffects xmlns:a14="http://schemas.microsoft.com/office/drawing/2010/main" xmlns="">
                 <a:effectLst>
                   <a:outerShdw dist="35921" dir="2700000" algn="ctr" rotWithShape="0">
                     <a:schemeClr val="bg2"/>
@@ -20405,7 +20405,7 @@
           <a:effectLst/>
           <a:extLst>
             <a:ext uri="{AF507438-7753-43e0-B8FC-AC1667EBCBE1}">
-              <a14:hiddenEffects xmlns="" xmlns:a14="http://schemas.microsoft.com/office/drawing/2010/main">
+              <a14:hiddenEffects xmlns:a14="http://schemas.microsoft.com/office/drawing/2010/main" xmlns="">
                 <a:effectLst>
                   <a:outerShdw dist="35921" dir="2700000" algn="ctr" rotWithShape="0">
                     <a:schemeClr val="bg2"/>
@@ -20841,7 +20841,7 @@
           <a:effectLst/>
           <a:extLst>
             <a:ext uri="{AF507438-7753-43e0-B8FC-AC1667EBCBE1}">
-              <a14:hiddenEffects xmlns="" xmlns:a14="http://schemas.microsoft.com/office/drawing/2010/main">
+              <a14:hiddenEffects xmlns:a14="http://schemas.microsoft.com/office/drawing/2010/main" xmlns="">
                 <a:effectLst>
                   <a:outerShdw dist="35921" dir="2700000" algn="ctr" rotWithShape="0">
                     <a:schemeClr val="bg2"/>
@@ -21231,7 +21231,7 @@
           <a:effectLst/>
           <a:extLst>
             <a:ext uri="{AF507438-7753-43e0-B8FC-AC1667EBCBE1}">
-              <a14:hiddenEffects xmlns="" xmlns:a14="http://schemas.microsoft.com/office/drawing/2010/main">
+              <a14:hiddenEffects xmlns:a14="http://schemas.microsoft.com/office/drawing/2010/main" xmlns="">
                 <a:effectLst>
                   <a:outerShdw dist="35921" dir="2700000" algn="ctr" rotWithShape="0">
                     <a:schemeClr val="bg2"/>
@@ -21515,7 +21515,7 @@
           <a:effectLst/>
           <a:extLst>
             <a:ext uri="{AF507438-7753-43e0-B8FC-AC1667EBCBE1}">
-              <a14:hiddenEffects xmlns="" xmlns:a14="http://schemas.microsoft.com/office/drawing/2010/main">
+              <a14:hiddenEffects xmlns:a14="http://schemas.microsoft.com/office/drawing/2010/main" xmlns="">
                 <a:effectLst>
                   <a:outerShdw dist="35921" dir="2700000" algn="ctr" rotWithShape="0">
                     <a:schemeClr val="bg2"/>
@@ -21705,7 +21705,7 @@
               <a:rPr lang="en-US" sz="2000" dirty="0">
                 <a:latin typeface="+mn-lt"/>
               </a:rPr>
-              <a:t>Interactive programming</a:t>
+              <a:t>Statistical facilities</a:t>
             </a:r>
           </a:p>
           <a:p>
@@ -21717,7 +21717,7 @@
               <a:rPr lang="en-US" sz="2000" dirty="0">
                 <a:latin typeface="+mn-lt"/>
               </a:rPr>
-              <a:t>Statistical facilities</a:t>
+              <a:t>Graphics capabilities</a:t>
             </a:r>
           </a:p>
           <a:p>
@@ -21729,7 +21729,7 @@
               <a:rPr lang="en-US" sz="2000" dirty="0">
                 <a:latin typeface="+mn-lt"/>
               </a:rPr>
-              <a:t>Graphics capabilities</a:t>
+              <a:t>Interactive programming</a:t>
             </a:r>
           </a:p>
         </p:txBody>
@@ -21905,7 +21905,7 @@
           <a:effectLst/>
           <a:extLst>
             <a:ext uri="{AF507438-7753-43e0-B8FC-AC1667EBCBE1}">
-              <a14:hiddenEffects xmlns="" xmlns:a14="http://schemas.microsoft.com/office/drawing/2010/main">
+              <a14:hiddenEffects xmlns:a14="http://schemas.microsoft.com/office/drawing/2010/main" xmlns="">
                 <a:effectLst>
                   <a:outerShdw dist="35921" dir="2700000" algn="ctr" rotWithShape="0">
                     <a:schemeClr val="bg2"/>
@@ -22217,7 +22217,7 @@
           <a:effectLst/>
           <a:extLst>
             <a:ext uri="{AF507438-7753-43e0-B8FC-AC1667EBCBE1}">
-              <a14:hiddenEffects xmlns="" xmlns:a14="http://schemas.microsoft.com/office/drawing/2010/main">
+              <a14:hiddenEffects xmlns:a14="http://schemas.microsoft.com/office/drawing/2010/main" xmlns="">
                 <a:effectLst>
                   <a:outerShdw dist="35921" dir="2700000" algn="ctr" rotWithShape="0">
                     <a:schemeClr val="bg2"/>
@@ -23583,7 +23583,7 @@
           <a:effectLst/>
           <a:extLst>
             <a:ext uri="{AF507438-7753-43e0-B8FC-AC1667EBCBE1}">
-              <a14:hiddenEffects xmlns:a14="http://schemas.microsoft.com/office/drawing/2010/main" xmlns="">
+              <a14:hiddenEffects xmlns="" xmlns:a14="http://schemas.microsoft.com/office/drawing/2010/main">
                 <a:effectLst>
                   <a:outerShdw dist="35921" dir="2700000" algn="ctr" rotWithShape="0">
                     <a:schemeClr val="bg2"/>
@@ -23666,7 +23666,7 @@
           <a:effectLst/>
           <a:extLst>
             <a:ext uri="{AF507438-7753-43e0-B8FC-AC1667EBCBE1}">
-              <a14:hiddenEffects xmlns:a14="http://schemas.microsoft.com/office/drawing/2010/main" xmlns="">
+              <a14:hiddenEffects xmlns="" xmlns:a14="http://schemas.microsoft.com/office/drawing/2010/main">
                 <a:effectLst>
                   <a:outerShdw dist="35921" dir="2700000" algn="ctr" rotWithShape="0">
                     <a:schemeClr val="bg2"/>
@@ -23877,7 +23877,7 @@
           <a:effectLst/>
           <a:extLst>
             <a:ext uri="{AF507438-7753-43e0-B8FC-AC1667EBCBE1}">
-              <a14:hiddenEffects xmlns="" xmlns:a14="http://schemas.microsoft.com/office/drawing/2010/main">
+              <a14:hiddenEffects xmlns:a14="http://schemas.microsoft.com/office/drawing/2010/main" xmlns="">
                 <a:effectLst>
                   <a:outerShdw dist="35921" dir="2700000" algn="ctr" rotWithShape="0">
                     <a:schemeClr val="bg2"/>
@@ -24074,7 +24074,7 @@
             <a:effectLst/>
             <a:extLst>
               <a:ext uri="{AF507438-7753-43e0-B8FC-AC1667EBCBE1}">
-                <a14:hiddenEffects xmlns:a14="http://schemas.microsoft.com/office/drawing/2010/main" xmlns="">
+                <a14:hiddenEffects xmlns="" xmlns:a14="http://schemas.microsoft.com/office/drawing/2010/main">
                   <a:effectLst>
                     <a:outerShdw dist="35921" dir="2700000" algn="ctr" rotWithShape="0">
                       <a:schemeClr val="bg2"/>
@@ -24872,7 +24872,7 @@
         <a:effectLst/>
         <a:extLst>
           <a:ext uri="{AF507438-7753-43e0-B8FC-AC1667EBCBE1}">
-            <a14:hiddenEffects xmlns="" xmlns:a14="http://schemas.microsoft.com/office/drawing/2010/main">
+            <a14:hiddenEffects xmlns:a14="http://schemas.microsoft.com/office/drawing/2010/main" xmlns="">
               <a:effectLst>
                 <a:outerShdw dist="35921" dir="2700000" algn="ctr" rotWithShape="0">
                   <a:schemeClr val="bg2"/>
@@ -24946,7 +24946,7 @@
         <a:effectLst/>
         <a:extLst>
           <a:ext uri="{AF507438-7753-43e0-B8FC-AC1667EBCBE1}">
-            <a14:hiddenEffects xmlns="" xmlns:a14="http://schemas.microsoft.com/office/drawing/2010/main">
+            <a14:hiddenEffects xmlns:a14="http://schemas.microsoft.com/office/drawing/2010/main" xmlns="">
               <a:effectLst>
                 <a:outerShdw dist="35921" dir="2700000" algn="ctr" rotWithShape="0">
                   <a:schemeClr val="bg2"/>

--- a/slides/FRS_exercise_R.pptx
+++ b/slides/FRS_exercise_R.pptx
@@ -5,10 +5,10 @@
     <p:sldMasterId id="2147483648" r:id="rId1"/>
   </p:sldMasterIdLst>
   <p:notesMasterIdLst>
-    <p:notesMasterId r:id="rId37"/>
+    <p:notesMasterId r:id="rId36"/>
   </p:notesMasterIdLst>
   <p:handoutMasterIdLst>
-    <p:handoutMasterId r:id="rId38"/>
+    <p:handoutMasterId r:id="rId37"/>
   </p:handoutMasterIdLst>
   <p:sldIdLst>
     <p:sldId id="258" r:id="rId2"/>
@@ -28,24 +28,23 @@
     <p:sldId id="280" r:id="rId16"/>
     <p:sldId id="282" r:id="rId17"/>
     <p:sldId id="283" r:id="rId18"/>
-    <p:sldId id="289" r:id="rId19"/>
-    <p:sldId id="290" r:id="rId20"/>
-    <p:sldId id="292" r:id="rId21"/>
-    <p:sldId id="291" r:id="rId22"/>
-    <p:sldId id="299" r:id="rId23"/>
-    <p:sldId id="293" r:id="rId24"/>
-    <p:sldId id="294" r:id="rId25"/>
-    <p:sldId id="295" r:id="rId26"/>
-    <p:sldId id="296" r:id="rId27"/>
-    <p:sldId id="266" r:id="rId28"/>
-    <p:sldId id="297" r:id="rId29"/>
-    <p:sldId id="270" r:id="rId30"/>
-    <p:sldId id="273" r:id="rId31"/>
-    <p:sldId id="277" r:id="rId32"/>
-    <p:sldId id="274" r:id="rId33"/>
-    <p:sldId id="284" r:id="rId34"/>
-    <p:sldId id="275" r:id="rId35"/>
-    <p:sldId id="278" r:id="rId36"/>
+    <p:sldId id="290" r:id="rId19"/>
+    <p:sldId id="292" r:id="rId20"/>
+    <p:sldId id="291" r:id="rId21"/>
+    <p:sldId id="299" r:id="rId22"/>
+    <p:sldId id="293" r:id="rId23"/>
+    <p:sldId id="294" r:id="rId24"/>
+    <p:sldId id="295" r:id="rId25"/>
+    <p:sldId id="296" r:id="rId26"/>
+    <p:sldId id="266" r:id="rId27"/>
+    <p:sldId id="297" r:id="rId28"/>
+    <p:sldId id="270" r:id="rId29"/>
+    <p:sldId id="273" r:id="rId30"/>
+    <p:sldId id="277" r:id="rId31"/>
+    <p:sldId id="274" r:id="rId32"/>
+    <p:sldId id="284" r:id="rId33"/>
+    <p:sldId id="275" r:id="rId34"/>
+    <p:sldId id="278" r:id="rId35"/>
   </p:sldIdLst>
   <p:sldSz cx="9144000" cy="5143500" type="screen16x9"/>
   <p:notesSz cx="6858000" cy="9144000"/>
@@ -1876,7 +1875,7 @@
     </p:spTree>
     <p:extLst>
       <p:ext uri="{BB962C8B-B14F-4D97-AF65-F5344CB8AC3E}">
-        <p14:creationId xmlns:p14="http://schemas.microsoft.com/office/powerpoint/2010/main" val="471437315"/>
+        <p14:creationId xmlns:p14="http://schemas.microsoft.com/office/powerpoint/2010/main" val="199220841"/>
       </p:ext>
     </p:extLst>
   </p:cSld>
@@ -1961,7 +1960,7 @@
     </p:spTree>
     <p:extLst>
       <p:ext uri="{BB962C8B-B14F-4D97-AF65-F5344CB8AC3E}">
-        <p14:creationId xmlns:p14="http://schemas.microsoft.com/office/powerpoint/2010/main" val="199220841"/>
+        <p14:creationId xmlns:p14="http://schemas.microsoft.com/office/powerpoint/2010/main" val="967548902"/>
       </p:ext>
     </p:extLst>
   </p:cSld>
@@ -2046,7 +2045,7 @@
     </p:spTree>
     <p:extLst>
       <p:ext uri="{BB962C8B-B14F-4D97-AF65-F5344CB8AC3E}">
-        <p14:creationId xmlns:p14="http://schemas.microsoft.com/office/powerpoint/2010/main" val="967548902"/>
+        <p14:creationId xmlns:p14="http://schemas.microsoft.com/office/powerpoint/2010/main" val="1405777558"/>
       </p:ext>
     </p:extLst>
   </p:cSld>
@@ -2131,7 +2130,7 @@
     </p:spTree>
     <p:extLst>
       <p:ext uri="{BB962C8B-B14F-4D97-AF65-F5344CB8AC3E}">
-        <p14:creationId xmlns:p14="http://schemas.microsoft.com/office/powerpoint/2010/main" val="1405777558"/>
+        <p14:creationId xmlns:p14="http://schemas.microsoft.com/office/powerpoint/2010/main" val="3289572777"/>
       </p:ext>
     </p:extLst>
   </p:cSld>
@@ -2216,7 +2215,7 @@
     </p:spTree>
     <p:extLst>
       <p:ext uri="{BB962C8B-B14F-4D97-AF65-F5344CB8AC3E}">
-        <p14:creationId xmlns:p14="http://schemas.microsoft.com/office/powerpoint/2010/main" val="3289572777"/>
+        <p14:creationId xmlns:p14="http://schemas.microsoft.com/office/powerpoint/2010/main" val="1171843222"/>
       </p:ext>
     </p:extLst>
   </p:cSld>
@@ -2386,7 +2385,7 @@
     </p:spTree>
     <p:extLst>
       <p:ext uri="{BB962C8B-B14F-4D97-AF65-F5344CB8AC3E}">
-        <p14:creationId xmlns:p14="http://schemas.microsoft.com/office/powerpoint/2010/main" val="1171843222"/>
+        <p14:creationId xmlns:p14="http://schemas.microsoft.com/office/powerpoint/2010/main" val="2484452675"/>
       </p:ext>
     </p:extLst>
   </p:cSld>
@@ -2471,7 +2470,7 @@
     </p:spTree>
     <p:extLst>
       <p:ext uri="{BB962C8B-B14F-4D97-AF65-F5344CB8AC3E}">
-        <p14:creationId xmlns:p14="http://schemas.microsoft.com/office/powerpoint/2010/main" val="2484452675"/>
+        <p14:creationId xmlns:p14="http://schemas.microsoft.com/office/powerpoint/2010/main" val="2834550919"/>
       </p:ext>
     </p:extLst>
   </p:cSld>
@@ -2556,7 +2555,7 @@
     </p:spTree>
     <p:extLst>
       <p:ext uri="{BB962C8B-B14F-4D97-AF65-F5344CB8AC3E}">
-        <p14:creationId xmlns:p14="http://schemas.microsoft.com/office/powerpoint/2010/main" val="2834550919"/>
+        <p14:creationId xmlns:p14="http://schemas.microsoft.com/office/powerpoint/2010/main" val="3845611949"/>
       </p:ext>
     </p:extLst>
   </p:cSld>
@@ -2641,7 +2640,7 @@
     </p:spTree>
     <p:extLst>
       <p:ext uri="{BB962C8B-B14F-4D97-AF65-F5344CB8AC3E}">
-        <p14:creationId xmlns:p14="http://schemas.microsoft.com/office/powerpoint/2010/main" val="3845611949"/>
+        <p14:creationId xmlns:p14="http://schemas.microsoft.com/office/powerpoint/2010/main" val="1935480146"/>
       </p:ext>
     </p:extLst>
   </p:cSld>
@@ -2717,7 +2716,7 @@
             <a:fld id="{0A463E84-36D0-47AB-AE84-D840C4315E64}" type="slidenum">
               <a:rPr lang="de-DE" altLang="de-DE" smtClean="0"/>
               <a:pPr/>
-              <a:t>27</a:t>
+              <a:t>28</a:t>
             </a:fld>
             <a:endParaRPr lang="de-DE" altLang="de-DE"/>
           </a:p>
@@ -2726,7 +2725,7 @@
     </p:spTree>
     <p:extLst>
       <p:ext uri="{BB962C8B-B14F-4D97-AF65-F5344CB8AC3E}">
-        <p14:creationId xmlns:p14="http://schemas.microsoft.com/office/powerpoint/2010/main" val="1935480146"/>
+        <p14:creationId xmlns:p14="http://schemas.microsoft.com/office/powerpoint/2010/main" val="1164181401"/>
       </p:ext>
     </p:extLst>
   </p:cSld>
@@ -2811,7 +2810,7 @@
     </p:spTree>
     <p:extLst>
       <p:ext uri="{BB962C8B-B14F-4D97-AF65-F5344CB8AC3E}">
-        <p14:creationId xmlns:p14="http://schemas.microsoft.com/office/powerpoint/2010/main" val="1164181401"/>
+        <p14:creationId xmlns:p14="http://schemas.microsoft.com/office/powerpoint/2010/main" val="2674444161"/>
       </p:ext>
     </p:extLst>
   </p:cSld>
@@ -2896,7 +2895,7 @@
     </p:spTree>
     <p:extLst>
       <p:ext uri="{BB962C8B-B14F-4D97-AF65-F5344CB8AC3E}">
-        <p14:creationId xmlns:p14="http://schemas.microsoft.com/office/powerpoint/2010/main" val="2674444161"/>
+        <p14:creationId xmlns:p14="http://schemas.microsoft.com/office/powerpoint/2010/main" val="2554823266"/>
       </p:ext>
     </p:extLst>
   </p:cSld>
@@ -2972,7 +2971,7 @@
             <a:fld id="{0A463E84-36D0-47AB-AE84-D840C4315E64}" type="slidenum">
               <a:rPr lang="de-DE" altLang="de-DE" smtClean="0"/>
               <a:pPr/>
-              <a:t>31</a:t>
+              <a:t>32</a:t>
             </a:fld>
             <a:endParaRPr lang="de-DE" altLang="de-DE"/>
           </a:p>
@@ -2981,7 +2980,7 @@
     </p:spTree>
     <p:extLst>
       <p:ext uri="{BB962C8B-B14F-4D97-AF65-F5344CB8AC3E}">
-        <p14:creationId xmlns:p14="http://schemas.microsoft.com/office/powerpoint/2010/main" val="2554823266"/>
+        <p14:creationId xmlns:p14="http://schemas.microsoft.com/office/powerpoint/2010/main" val="1576053959"/>
       </p:ext>
     </p:extLst>
   </p:cSld>
@@ -3035,91 +3034,6 @@
           <a:bodyPr/>
           <a:lstStyle/>
           <a:p>
-            <a:endParaRPr lang="en-US" dirty="0"/>
-          </a:p>
-        </p:txBody>
-      </p:sp>
-      <p:sp>
-        <p:nvSpPr>
-          <p:cNvPr id="4" name="Slide Number Placeholder 3"/>
-          <p:cNvSpPr>
-            <a:spLocks noGrp="1"/>
-          </p:cNvSpPr>
-          <p:nvPr>
-            <p:ph type="sldNum" sz="quarter" idx="5"/>
-          </p:nvPr>
-        </p:nvSpPr>
-        <p:spPr/>
-        <p:txBody>
-          <a:bodyPr/>
-          <a:lstStyle/>
-          <a:p>
-            <a:fld id="{0A463E84-36D0-47AB-AE84-D840C4315E64}" type="slidenum">
-              <a:rPr lang="de-DE" altLang="de-DE" smtClean="0"/>
-              <a:pPr/>
-              <a:t>33</a:t>
-            </a:fld>
-            <a:endParaRPr lang="de-DE" altLang="de-DE"/>
-          </a:p>
-        </p:txBody>
-      </p:sp>
-    </p:spTree>
-    <p:extLst>
-      <p:ext uri="{BB962C8B-B14F-4D97-AF65-F5344CB8AC3E}">
-        <p14:creationId xmlns:p14="http://schemas.microsoft.com/office/powerpoint/2010/main" val="1576053959"/>
-      </p:ext>
-    </p:extLst>
-  </p:cSld>
-  <p:clrMapOvr>
-    <a:masterClrMapping/>
-  </p:clrMapOvr>
-</p:notes>
-</file>
-
-<file path=ppt/notesSlides/notesSlide29.xml><?xml version="1.0" encoding="utf-8"?>
-<p:notes xmlns:a="http://schemas.openxmlformats.org/drawingml/2006/main" xmlns:r="http://schemas.openxmlformats.org/officeDocument/2006/relationships" xmlns:p="http://schemas.openxmlformats.org/presentationml/2006/main">
-  <p:cSld>
-    <p:spTree>
-      <p:nvGrpSpPr>
-        <p:cNvPr id="1" name=""/>
-        <p:cNvGrpSpPr/>
-        <p:nvPr/>
-      </p:nvGrpSpPr>
-      <p:grpSpPr>
-        <a:xfrm>
-          <a:off x="0" y="0"/>
-          <a:ext cx="0" cy="0"/>
-          <a:chOff x="0" y="0"/>
-          <a:chExt cx="0" cy="0"/>
-        </a:xfrm>
-      </p:grpSpPr>
-      <p:sp>
-        <p:nvSpPr>
-          <p:cNvPr id="2" name="Slide Image Placeholder 1"/>
-          <p:cNvSpPr>
-            <a:spLocks noGrp="1" noRot="1" noChangeAspect="1"/>
-          </p:cNvSpPr>
-          <p:nvPr>
-            <p:ph type="sldImg"/>
-          </p:nvPr>
-        </p:nvSpPr>
-        <p:spPr/>
-      </p:sp>
-      <p:sp>
-        <p:nvSpPr>
-          <p:cNvPr id="3" name="Notes Placeholder 2"/>
-          <p:cNvSpPr>
-            <a:spLocks noGrp="1"/>
-          </p:cNvSpPr>
-          <p:nvPr>
-            <p:ph type="body" idx="1"/>
-          </p:nvPr>
-        </p:nvSpPr>
-        <p:spPr/>
-        <p:txBody>
-          <a:bodyPr/>
-          <a:lstStyle/>
-          <a:p>
             <a:pPr marL="0" marR="0" lvl="0" indent="0" algn="l" defTabSz="914400" rtl="0" eaLnBrk="0" fontAlgn="base" latinLnBrk="0" hangingPunct="0">
               <a:lnSpc>
                 <a:spcPct val="100000"/>
@@ -3234,7 +3148,7 @@
             <a:fld id="{0A463E84-36D0-47AB-AE84-D840C4315E64}" type="slidenum">
               <a:rPr lang="de-DE" altLang="de-DE" smtClean="0"/>
               <a:pPr/>
-              <a:t>34</a:t>
+              <a:t>33</a:t>
             </a:fld>
             <a:endParaRPr lang="de-DE" altLang="de-DE"/>
           </a:p>
@@ -6770,7 +6684,7 @@
           <a:effectLst/>
           <a:extLst>
             <a:ext uri="{AF507438-7753-43e0-B8FC-AC1667EBCBE1}">
-              <a14:hiddenEffects xmlns:a14="http://schemas.microsoft.com/office/drawing/2010/main" xmlns="">
+              <a14:hiddenEffects xmlns="" xmlns:a14="http://schemas.microsoft.com/office/drawing/2010/main">
                 <a:effectLst>
                   <a:outerShdw dist="35921" dir="2700000" algn="ctr" rotWithShape="0">
                     <a:schemeClr val="bg2"/>
@@ -7050,7 +6964,7 @@
             <a:effectLst/>
             <a:extLst>
               <a:ext uri="{AF507438-7753-43e0-B8FC-AC1667EBCBE1}">
-                <a14:hiddenEffects xmlns:a14="http://schemas.microsoft.com/office/drawing/2010/main" xmlns="">
+                <a14:hiddenEffects xmlns="" xmlns:a14="http://schemas.microsoft.com/office/drawing/2010/main">
                   <a:effectLst>
                     <a:outerShdw dist="35921" dir="2700000" algn="ctr" rotWithShape="0">
                       <a:schemeClr val="bg2"/>
@@ -7180,7 +7094,7 @@
             <a:effectLst/>
             <a:extLst>
               <a:ext uri="{AF507438-7753-43e0-B8FC-AC1667EBCBE1}">
-                <a14:hiddenEffects xmlns:a14="http://schemas.microsoft.com/office/drawing/2010/main" xmlns="">
+                <a14:hiddenEffects xmlns="" xmlns:a14="http://schemas.microsoft.com/office/drawing/2010/main">
                   <a:effectLst>
                     <a:outerShdw dist="35921" dir="2700000" algn="ctr" rotWithShape="0">
                       <a:schemeClr val="bg2"/>
@@ -7410,7 +7324,7 @@
           <a:effectLst/>
           <a:extLst>
             <a:ext uri="{AF507438-7753-43e0-B8FC-AC1667EBCBE1}">
-              <a14:hiddenEffects xmlns:a14="http://schemas.microsoft.com/office/drawing/2010/main" xmlns="">
+              <a14:hiddenEffects xmlns="" xmlns:a14="http://schemas.microsoft.com/office/drawing/2010/main">
                 <a:effectLst>
                   <a:outerShdw dist="35921" dir="2700000" algn="ctr" rotWithShape="0">
                     <a:schemeClr val="bg2"/>
@@ -7914,7 +7828,7 @@
           <a:effectLst/>
           <a:extLst>
             <a:ext uri="{AF507438-7753-43e0-B8FC-AC1667EBCBE1}">
-              <a14:hiddenEffects xmlns:a14="http://schemas.microsoft.com/office/drawing/2010/main" xmlns="">
+              <a14:hiddenEffects xmlns="" xmlns:a14="http://schemas.microsoft.com/office/drawing/2010/main">
                 <a:effectLst>
                   <a:outerShdw dist="35921" dir="2700000" algn="ctr" rotWithShape="0">
                     <a:schemeClr val="bg2"/>
@@ -8219,7 +8133,7 @@
           <a:effectLst/>
           <a:extLst>
             <a:ext uri="{AF507438-7753-43e0-B8FC-AC1667EBCBE1}">
-              <a14:hiddenEffects xmlns:a14="http://schemas.microsoft.com/office/drawing/2010/main" xmlns="">
+              <a14:hiddenEffects xmlns="" xmlns:a14="http://schemas.microsoft.com/office/drawing/2010/main">
                 <a:effectLst>
                   <a:outerShdw dist="35921" dir="2700000" algn="ctr" rotWithShape="0">
                     <a:schemeClr val="bg2"/>
@@ -8723,7 +8637,7 @@
           <a:effectLst/>
           <a:extLst>
             <a:ext uri="{AF507438-7753-43e0-B8FC-AC1667EBCBE1}">
-              <a14:hiddenEffects xmlns:a14="http://schemas.microsoft.com/office/drawing/2010/main" xmlns="">
+              <a14:hiddenEffects xmlns="" xmlns:a14="http://schemas.microsoft.com/office/drawing/2010/main">
                 <a:effectLst>
                   <a:outerShdw dist="35921" dir="2700000" algn="ctr" rotWithShape="0">
                     <a:schemeClr val="bg2"/>
@@ -9004,7 +8918,7 @@
           <a:effectLst/>
           <a:extLst>
             <a:ext uri="{AF507438-7753-43e0-B8FC-AC1667EBCBE1}">
-              <a14:hiddenEffects xmlns:a14="http://schemas.microsoft.com/office/drawing/2010/main" xmlns="">
+              <a14:hiddenEffects xmlns="" xmlns:a14="http://schemas.microsoft.com/office/drawing/2010/main">
                 <a:effectLst>
                   <a:outerShdw dist="35921" dir="2700000" algn="ctr" rotWithShape="0">
                     <a:schemeClr val="bg2"/>
@@ -9324,7 +9238,7 @@
           <a:effectLst/>
           <a:extLst>
             <a:ext uri="{AF507438-7753-43e0-B8FC-AC1667EBCBE1}">
-              <a14:hiddenEffects xmlns:a14="http://schemas.microsoft.com/office/drawing/2010/main" xmlns="">
+              <a14:hiddenEffects xmlns="" xmlns:a14="http://schemas.microsoft.com/office/drawing/2010/main">
                 <a:effectLst>
                   <a:outerShdw dist="35921" dir="2700000" algn="ctr" rotWithShape="0">
                     <a:schemeClr val="bg2"/>
@@ -10495,7 +10409,7 @@
           <a:effectLst/>
           <a:extLst>
             <a:ext uri="{AF507438-7753-43e0-B8FC-AC1667EBCBE1}">
-              <a14:hiddenEffects xmlns:a14="http://schemas.microsoft.com/office/drawing/2010/main" xmlns="">
+              <a14:hiddenEffects xmlns="" xmlns:a14="http://schemas.microsoft.com/office/drawing/2010/main">
                 <a:effectLst>
                   <a:outerShdw dist="35921" dir="2700000" algn="ctr" rotWithShape="0">
                     <a:schemeClr val="bg2"/>
@@ -12827,6 +12741,168 @@
       </p:grpSpPr>
       <p:sp>
         <p:nvSpPr>
+          <p:cNvPr id="49" name="Rectangle 48">
+            <a:extLst>
+              <a:ext uri="{FF2B5EF4-FFF2-40B4-BE49-F238E27FC236}">
+                <a16:creationId xmlns:a16="http://schemas.microsoft.com/office/drawing/2014/main" id="{6E724D2D-ABBF-44DE-9A4D-BB5D070319CC}"/>
+              </a:ext>
+            </a:extLst>
+          </p:cNvPr>
+          <p:cNvSpPr/>
+          <p:nvPr/>
+        </p:nvSpPr>
+        <p:spPr bwMode="auto">
+          <a:xfrm>
+            <a:off x="5004048" y="2427734"/>
+            <a:ext cx="1930150" cy="1152128"/>
+          </a:xfrm>
+          <a:prstGeom prst="rect">
+            <a:avLst/>
+          </a:prstGeom>
+          <a:solidFill>
+            <a:schemeClr val="accent3">
+              <a:lumMod val="95000"/>
+            </a:schemeClr>
+          </a:solidFill>
+          <a:ln w="9525" cap="flat" cmpd="sng" algn="ctr">
+            <a:solidFill>
+              <a:schemeClr val="accent5"/>
+            </a:solidFill>
+            <a:prstDash val="solid"/>
+            <a:round/>
+            <a:headEnd type="none" w="med" len="med"/>
+            <a:tailEnd type="none" w="med" len="med"/>
+          </a:ln>
+          <a:effectLst/>
+          <a:extLst>
+            <a:ext uri="{AF507438-7753-43e0-B8FC-AC1667EBCBE1}">
+              <a14:hiddenEffects xmlns:a14="http://schemas.microsoft.com/office/drawing/2010/main" xmlns="">
+                <a:effectLst>
+                  <a:outerShdw dist="35921" dir="2700000" algn="ctr" rotWithShape="0">
+                    <a:schemeClr val="bg2"/>
+                  </a:outerShdw>
+                </a:effectLst>
+              </a14:hiddenEffects>
+            </a:ext>
+          </a:extLst>
+        </p:spPr>
+        <p:txBody>
+          <a:bodyPr vert="horz" wrap="square" lIns="91440" tIns="45720" rIns="91440" bIns="45720" numCol="1" rtlCol="0" anchor="t" anchorCtr="0" compatLnSpc="1">
+            <a:prstTxWarp prst="textNoShape">
+              <a:avLst/>
+            </a:prstTxWarp>
+          </a:bodyPr>
+          <a:lstStyle/>
+          <a:p>
+            <a:pPr marL="0" marR="0" indent="0" algn="l" defTabSz="914400" rtl="0" eaLnBrk="0" fontAlgn="base" latinLnBrk="0" hangingPunct="0">
+              <a:lnSpc>
+                <a:spcPct val="100000"/>
+              </a:lnSpc>
+              <a:spcBef>
+                <a:spcPct val="0"/>
+              </a:spcBef>
+              <a:spcAft>
+                <a:spcPct val="0"/>
+              </a:spcAft>
+              <a:buClrTx/>
+              <a:buSzTx/>
+              <a:buFontTx/>
+              <a:buNone/>
+              <a:tabLst/>
+            </a:pPr>
+            <a:endParaRPr kumimoji="0" lang="en-US" sz="2400" b="0" i="0" u="none" strike="noStrike" cap="none" normalizeH="0" baseline="0">
+              <a:ln>
+                <a:noFill/>
+              </a:ln>
+              <a:solidFill>
+                <a:schemeClr val="tx1"/>
+              </a:solidFill>
+              <a:effectLst/>
+              <a:latin typeface="Arial" charset="0"/>
+              <a:ea typeface="ＭＳ Ｐゴシック" pitchFamily="96" charset="-128"/>
+            </a:endParaRPr>
+          </a:p>
+        </p:txBody>
+      </p:sp>
+      <p:sp>
+        <p:nvSpPr>
+          <p:cNvPr id="24" name="TextBox 23">
+            <a:extLst>
+              <a:ext uri="{FF2B5EF4-FFF2-40B4-BE49-F238E27FC236}">
+                <a16:creationId xmlns:a16="http://schemas.microsoft.com/office/drawing/2014/main" id="{4491427B-75B8-46B5-BFCC-E1F46857D328}"/>
+              </a:ext>
+            </a:extLst>
+          </p:cNvPr>
+          <p:cNvSpPr txBox="1"/>
+          <p:nvPr/>
+        </p:nvSpPr>
+        <p:spPr>
+          <a:xfrm>
+            <a:off x="4584401" y="2010202"/>
+            <a:ext cx="2363863" cy="1569660"/>
+          </a:xfrm>
+          <a:prstGeom prst="rect">
+            <a:avLst/>
+          </a:prstGeom>
+          <a:noFill/>
+        </p:spPr>
+        <p:txBody>
+          <a:bodyPr wrap="square" rtlCol="0">
+            <a:spAutoFit/>
+          </a:bodyPr>
+          <a:lstStyle/>
+          <a:p>
+            <a:r>
+              <a:rPr lang="en-US" sz="1200" dirty="0"/>
+              <a:t>df</a:t>
+            </a:r>
+          </a:p>
+          <a:p>
+            <a:r>
+              <a:rPr lang="en-US" sz="1200" dirty="0"/>
+              <a:t>         c1  c2          c3              c4</a:t>
+            </a:r>
+          </a:p>
+          <a:p>
+            <a:r>
+              <a:rPr lang="en-US" sz="1200" dirty="0"/>
+              <a:t>1         1  25    Type1          Poor</a:t>
+            </a:r>
+          </a:p>
+          <a:p>
+            <a:r>
+              <a:rPr lang="en-US" sz="1200" dirty="0"/>
+              <a:t>2         2  34    Type2   Improved</a:t>
+            </a:r>
+          </a:p>
+          <a:p>
+            <a:r>
+              <a:rPr lang="en-US" sz="1200" dirty="0"/>
+              <a:t>3         3  28    Type1   Excellent</a:t>
+            </a:r>
+          </a:p>
+          <a:p>
+            <a:r>
+              <a:rPr lang="en-US" sz="1200" dirty="0"/>
+              <a:t>4         4  52    Type1          Poor</a:t>
+            </a:r>
+          </a:p>
+          <a:p>
+            <a:r>
+              <a:rPr lang="en-US" sz="1200" dirty="0"/>
+              <a:t>5         5  35    Type1          Poor</a:t>
+            </a:r>
+          </a:p>
+          <a:p>
+            <a:r>
+              <a:rPr lang="en-US" sz="1200" dirty="0"/>
+              <a:t>6         6  40    Type2   Improved</a:t>
+            </a:r>
+          </a:p>
+        </p:txBody>
+      </p:sp>
+      <p:sp>
+        <p:nvSpPr>
           <p:cNvPr id="4" name="Rectangle 3">
             <a:extLst>
               <a:ext uri="{FF2B5EF4-FFF2-40B4-BE49-F238E27FC236}">
@@ -12860,7 +12936,7 @@
           <a:effectLst/>
           <a:extLst>
             <a:ext uri="{AF507438-7753-43e0-B8FC-AC1667EBCBE1}">
-              <a14:hiddenEffects xmlns:a14="http://schemas.microsoft.com/office/drawing/2010/main" xmlns="">
+              <a14:hiddenEffects xmlns="" xmlns:a14="http://schemas.microsoft.com/office/drawing/2010/main">
                 <a:effectLst>
                   <a:outerShdw dist="35921" dir="2700000" algn="ctr" rotWithShape="0">
                     <a:schemeClr val="bg2"/>
@@ -13006,1082 +13082,6 @@
       </p:sp>
       <p:sp>
         <p:nvSpPr>
-          <p:cNvPr id="6" name="Rectangle 5">
-            <a:extLst>
-              <a:ext uri="{FF2B5EF4-FFF2-40B4-BE49-F238E27FC236}">
-                <a16:creationId xmlns:a16="http://schemas.microsoft.com/office/drawing/2014/main" id="{3AF6EB72-D8C1-471C-96B0-185F68B863CD}"/>
-              </a:ext>
-            </a:extLst>
-          </p:cNvPr>
-          <p:cNvSpPr/>
-          <p:nvPr/>
-        </p:nvSpPr>
-        <p:spPr>
-          <a:xfrm>
-            <a:off x="827584" y="2063045"/>
-            <a:ext cx="5832648" cy="2092881"/>
-          </a:xfrm>
-          <a:prstGeom prst="rect">
-            <a:avLst/>
-          </a:prstGeom>
-        </p:spPr>
-        <p:txBody>
-          <a:bodyPr wrap="square">
-            <a:spAutoFit/>
-          </a:bodyPr>
-          <a:lstStyle/>
-          <a:p>
-            <a:pPr marL="228600" indent="-228600">
-              <a:spcAft>
-                <a:spcPts val="1000"/>
-              </a:spcAft>
-              <a:buFont typeface="+mj-lt"/>
-              <a:buAutoNum type="arabicParenR"/>
-            </a:pPr>
-            <a:r>
-              <a:rPr lang="en-US" sz="1000" b="1" dirty="0">
-                <a:solidFill>
-                  <a:srgbClr val="000000"/>
-                </a:solidFill>
-                <a:latin typeface="+mn-lt"/>
-              </a:rPr>
-              <a:t>Accessing</a:t>
-            </a:r>
-            <a:r>
-              <a:rPr lang="en-US" sz="1000" dirty="0">
-                <a:solidFill>
-                  <a:srgbClr val="000000"/>
-                </a:solidFill>
-                <a:latin typeface="+mn-lt"/>
-              </a:rPr>
-              <a:t> the data (getting the data into the application from multiple sources)</a:t>
-            </a:r>
-          </a:p>
-          <a:p>
-            <a:pPr marL="228600" indent="-228600">
-              <a:spcAft>
-                <a:spcPts val="1000"/>
-              </a:spcAft>
-              <a:buFont typeface="+mj-lt"/>
-              <a:buAutoNum type="arabicParenR"/>
-            </a:pPr>
-            <a:r>
-              <a:rPr lang="en-US" sz="1000" b="1" dirty="0">
-                <a:solidFill>
-                  <a:srgbClr val="000000"/>
-                </a:solidFill>
-                <a:latin typeface="+mn-lt"/>
-              </a:rPr>
-              <a:t>Cleaning</a:t>
-            </a:r>
-            <a:r>
-              <a:rPr lang="en-US" sz="1000" dirty="0">
-                <a:solidFill>
-                  <a:srgbClr val="000000"/>
-                </a:solidFill>
-                <a:latin typeface="+mn-lt"/>
-              </a:rPr>
-              <a:t> the data (coding missing data, fixing or deleting miscoded data, transforming variables into more useful formats)</a:t>
-            </a:r>
-          </a:p>
-          <a:p>
-            <a:pPr marL="228600" indent="-228600">
-              <a:spcAft>
-                <a:spcPts val="1000"/>
-              </a:spcAft>
-              <a:buFont typeface="+mj-lt"/>
-              <a:buAutoNum type="arabicParenR"/>
-            </a:pPr>
-            <a:r>
-              <a:rPr lang="en-US" sz="1000" b="1" dirty="0">
-                <a:solidFill>
-                  <a:srgbClr val="000000"/>
-                </a:solidFill>
-                <a:latin typeface="+mn-lt"/>
-              </a:rPr>
-              <a:t>Annotating</a:t>
-            </a:r>
-            <a:r>
-              <a:rPr lang="en-US" sz="1000" dirty="0">
-                <a:solidFill>
-                  <a:srgbClr val="000000"/>
-                </a:solidFill>
-                <a:latin typeface="+mn-lt"/>
-              </a:rPr>
-              <a:t> the data (in order to remember what each piece represents)</a:t>
-            </a:r>
-          </a:p>
-          <a:p>
-            <a:pPr marL="228600" indent="-228600">
-              <a:spcAft>
-                <a:spcPts val="1000"/>
-              </a:spcAft>
-              <a:buFont typeface="+mj-lt"/>
-              <a:buAutoNum type="arabicParenR"/>
-            </a:pPr>
-            <a:r>
-              <a:rPr lang="en-US" sz="1000" b="1" dirty="0">
-                <a:solidFill>
-                  <a:srgbClr val="000000"/>
-                </a:solidFill>
-                <a:latin typeface="+mn-lt"/>
-              </a:rPr>
-              <a:t>Summarizing</a:t>
-            </a:r>
-            <a:r>
-              <a:rPr lang="en-US" sz="1000" dirty="0">
-                <a:solidFill>
-                  <a:srgbClr val="000000"/>
-                </a:solidFill>
-                <a:latin typeface="+mn-lt"/>
-              </a:rPr>
-              <a:t> the data (getting descriptive statistics to help characterize the data)</a:t>
-            </a:r>
-          </a:p>
-          <a:p>
-            <a:pPr marL="228600" indent="-228600">
-              <a:spcAft>
-                <a:spcPts val="1000"/>
-              </a:spcAft>
-              <a:buFont typeface="+mj-lt"/>
-              <a:buAutoNum type="arabicParenR"/>
-            </a:pPr>
-            <a:r>
-              <a:rPr lang="en-US" sz="1000" b="1" dirty="0">
-                <a:solidFill>
-                  <a:srgbClr val="000000"/>
-                </a:solidFill>
-                <a:latin typeface="+mn-lt"/>
-              </a:rPr>
-              <a:t>Visualizing</a:t>
-            </a:r>
-            <a:r>
-              <a:rPr lang="en-US" sz="1000" dirty="0">
-                <a:solidFill>
-                  <a:srgbClr val="000000"/>
-                </a:solidFill>
-                <a:latin typeface="+mn-lt"/>
-              </a:rPr>
-              <a:t> the data (a picture really is worth a thousand words)</a:t>
-            </a:r>
-          </a:p>
-          <a:p>
-            <a:pPr marL="228600" indent="-228600">
-              <a:spcAft>
-                <a:spcPts val="1000"/>
-              </a:spcAft>
-              <a:buFont typeface="+mj-lt"/>
-              <a:buAutoNum type="arabicParenR"/>
-            </a:pPr>
-            <a:r>
-              <a:rPr lang="en-US" sz="1000" b="1" dirty="0">
-                <a:solidFill>
-                  <a:srgbClr val="000000"/>
-                </a:solidFill>
-                <a:latin typeface="+mn-lt"/>
-              </a:rPr>
-              <a:t>Modeling</a:t>
-            </a:r>
-            <a:r>
-              <a:rPr lang="en-US" sz="1000" dirty="0">
-                <a:solidFill>
-                  <a:srgbClr val="000000"/>
-                </a:solidFill>
-                <a:latin typeface="+mn-lt"/>
-              </a:rPr>
-              <a:t> the data (uncovering relationships and testing hypotheses)</a:t>
-            </a:r>
-          </a:p>
-          <a:p>
-            <a:pPr marL="228600" indent="-228600">
-              <a:spcAft>
-                <a:spcPts val="1000"/>
-              </a:spcAft>
-              <a:buFont typeface="+mj-lt"/>
-              <a:buAutoNum type="arabicParenR"/>
-            </a:pPr>
-            <a:r>
-              <a:rPr lang="en-US" sz="1000" b="1" dirty="0">
-                <a:solidFill>
-                  <a:srgbClr val="000000"/>
-                </a:solidFill>
-                <a:latin typeface="+mn-lt"/>
-              </a:rPr>
-              <a:t>Preparing the results </a:t>
-            </a:r>
-            <a:r>
-              <a:rPr lang="en-US" sz="1000" dirty="0">
-                <a:solidFill>
-                  <a:srgbClr val="000000"/>
-                </a:solidFill>
-                <a:latin typeface="+mn-lt"/>
-              </a:rPr>
-              <a:t>(creating publication-quality tables and graphs)</a:t>
-            </a:r>
-            <a:endParaRPr lang="en-US" sz="1000" dirty="0">
-              <a:latin typeface="+mn-lt"/>
-            </a:endParaRPr>
-          </a:p>
-        </p:txBody>
-      </p:sp>
-      <p:sp>
-        <p:nvSpPr>
-          <p:cNvPr id="7" name="TextBox 6">
-            <a:extLst>
-              <a:ext uri="{FF2B5EF4-FFF2-40B4-BE49-F238E27FC236}">
-                <a16:creationId xmlns:a16="http://schemas.microsoft.com/office/drawing/2014/main" id="{37CEDBF0-540D-498A-8A93-44EEA3F2628D}"/>
-              </a:ext>
-            </a:extLst>
-          </p:cNvPr>
-          <p:cNvSpPr txBox="1"/>
-          <p:nvPr/>
-        </p:nvSpPr>
-        <p:spPr>
-          <a:xfrm>
-            <a:off x="791050" y="1505299"/>
-            <a:ext cx="5654368" cy="400110"/>
-          </a:xfrm>
-          <a:prstGeom prst="rect">
-            <a:avLst/>
-          </a:prstGeom>
-          <a:noFill/>
-        </p:spPr>
-        <p:txBody>
-          <a:bodyPr wrap="none" rtlCol="0">
-            <a:spAutoFit/>
-          </a:bodyPr>
-          <a:lstStyle/>
-          <a:p>
-            <a:r>
-              <a:rPr lang="en-US" sz="2000" dirty="0">
-                <a:solidFill>
-                  <a:srgbClr val="00589C"/>
-                </a:solidFill>
-              </a:rPr>
-              <a:t>Typical (successful) procedures for data science</a:t>
-            </a:r>
-          </a:p>
-        </p:txBody>
-      </p:sp>
-      <p:grpSp>
-        <p:nvGrpSpPr>
-          <p:cNvPr id="8" name="Group 7">
-            <a:extLst>
-              <a:ext uri="{FF2B5EF4-FFF2-40B4-BE49-F238E27FC236}">
-                <a16:creationId xmlns:a16="http://schemas.microsoft.com/office/drawing/2014/main" id="{3B8CD44F-C46A-452E-8A7A-8725FDA5171F}"/>
-              </a:ext>
-            </a:extLst>
-          </p:cNvPr>
-          <p:cNvGrpSpPr/>
-          <p:nvPr/>
-        </p:nvGrpSpPr>
-        <p:grpSpPr>
-          <a:xfrm>
-            <a:off x="6871829" y="2137815"/>
-            <a:ext cx="1512168" cy="1973864"/>
-            <a:chOff x="6516216" y="2032822"/>
-            <a:chExt cx="1512168" cy="1973864"/>
-          </a:xfrm>
-        </p:grpSpPr>
-        <p:sp>
-          <p:nvSpPr>
-            <p:cNvPr id="9" name="Rectangle 8">
-              <a:extLst>
-                <a:ext uri="{FF2B5EF4-FFF2-40B4-BE49-F238E27FC236}">
-                  <a16:creationId xmlns:a16="http://schemas.microsoft.com/office/drawing/2014/main" id="{9A34D308-8AB7-4A96-9BAC-DB940CF0C009}"/>
-                </a:ext>
-              </a:extLst>
-            </p:cNvPr>
-            <p:cNvSpPr/>
-            <p:nvPr/>
-          </p:nvSpPr>
-          <p:spPr bwMode="auto">
-            <a:xfrm>
-              <a:off x="6804248" y="2032822"/>
-              <a:ext cx="1224136" cy="360040"/>
-            </a:xfrm>
-            <a:prstGeom prst="rect">
-              <a:avLst/>
-            </a:prstGeom>
-            <a:solidFill>
-              <a:srgbClr val="00589C"/>
-            </a:solidFill>
-            <a:ln w="9525" cap="flat" cmpd="sng" algn="ctr">
-              <a:solidFill>
-                <a:srgbClr val="00589C"/>
-              </a:solidFill>
-              <a:prstDash val="solid"/>
-              <a:round/>
-              <a:headEnd type="none" w="med" len="med"/>
-              <a:tailEnd type="none" w="med" len="med"/>
-            </a:ln>
-            <a:effectLst/>
-            <a:extLst>
-              <a:ext uri="{AF507438-7753-43e0-B8FC-AC1667EBCBE1}">
-                <a14:hiddenEffects xmlns:a14="http://schemas.microsoft.com/office/drawing/2010/main" xmlns="">
-                  <a:effectLst>
-                    <a:outerShdw dist="35921" dir="2700000" algn="ctr" rotWithShape="0">
-                      <a:schemeClr val="bg2"/>
-                    </a:outerShdw>
-                  </a:effectLst>
-                </a14:hiddenEffects>
-              </a:ext>
-            </a:extLst>
-          </p:spPr>
-          <p:txBody>
-            <a:bodyPr vert="horz" wrap="square" lIns="91440" tIns="45720" rIns="91440" bIns="45720" numCol="1" rtlCol="0" anchor="ctr" anchorCtr="0" compatLnSpc="1">
-              <a:prstTxWarp prst="textNoShape">
-                <a:avLst/>
-              </a:prstTxWarp>
-            </a:bodyPr>
-            <a:lstStyle/>
-            <a:p>
-              <a:pPr marL="0" marR="0" indent="0" algn="ctr" defTabSz="914400" rtl="0" eaLnBrk="0" fontAlgn="base" latinLnBrk="0" hangingPunct="0">
-                <a:lnSpc>
-                  <a:spcPct val="100000"/>
-                </a:lnSpc>
-                <a:spcBef>
-                  <a:spcPct val="0"/>
-                </a:spcBef>
-                <a:spcAft>
-                  <a:spcPct val="0"/>
-                </a:spcAft>
-                <a:buClrTx/>
-                <a:buSzTx/>
-                <a:buFontTx/>
-                <a:buNone/>
-                <a:tabLst/>
-              </a:pPr>
-              <a:r>
-                <a:rPr kumimoji="0" lang="en-US" sz="900" b="1" i="0" u="none" strike="noStrike" cap="none" normalizeH="0" baseline="0" dirty="0">
-                  <a:ln>
-                    <a:noFill/>
-                  </a:ln>
-                  <a:solidFill>
-                    <a:schemeClr val="bg1"/>
-                  </a:solidFill>
-                  <a:effectLst/>
-                  <a:latin typeface="+mn-lt"/>
-                  <a:ea typeface="ＭＳ Ｐゴシック" pitchFamily="96" charset="-128"/>
-                </a:rPr>
-                <a:t>Getting data in</a:t>
-              </a:r>
-            </a:p>
-          </p:txBody>
-        </p:sp>
-        <p:sp>
-          <p:nvSpPr>
-            <p:cNvPr id="10" name="Rectangle 9">
-              <a:extLst>
-                <a:ext uri="{FF2B5EF4-FFF2-40B4-BE49-F238E27FC236}">
-                  <a16:creationId xmlns:a16="http://schemas.microsoft.com/office/drawing/2014/main" id="{26A94FAC-DE8B-4A50-830F-B1408C4ED971}"/>
-                </a:ext>
-              </a:extLst>
-            </p:cNvPr>
-            <p:cNvSpPr/>
-            <p:nvPr/>
-          </p:nvSpPr>
-          <p:spPr bwMode="auto">
-            <a:xfrm>
-              <a:off x="6804248" y="2570763"/>
-              <a:ext cx="1224136" cy="360040"/>
-            </a:xfrm>
-            <a:prstGeom prst="rect">
-              <a:avLst/>
-            </a:prstGeom>
-            <a:solidFill>
-              <a:srgbClr val="00589C"/>
-            </a:solidFill>
-            <a:ln w="9525" cap="flat" cmpd="sng" algn="ctr">
-              <a:solidFill>
-                <a:srgbClr val="00589C"/>
-              </a:solidFill>
-              <a:prstDash val="solid"/>
-              <a:round/>
-              <a:headEnd type="none" w="med" len="med"/>
-              <a:tailEnd type="none" w="med" len="med"/>
-            </a:ln>
-            <a:effectLst/>
-            <a:extLst>
-              <a:ext uri="{AF507438-7753-43e0-B8FC-AC1667EBCBE1}">
-                <a14:hiddenEffects xmlns:a14="http://schemas.microsoft.com/office/drawing/2010/main" xmlns="">
-                  <a:effectLst>
-                    <a:outerShdw dist="35921" dir="2700000" algn="ctr" rotWithShape="0">
-                      <a:schemeClr val="bg2"/>
-                    </a:outerShdw>
-                  </a:effectLst>
-                </a14:hiddenEffects>
-              </a:ext>
-            </a:extLst>
-          </p:spPr>
-          <p:txBody>
-            <a:bodyPr vert="horz" wrap="square" lIns="91440" tIns="45720" rIns="91440" bIns="45720" numCol="1" rtlCol="0" anchor="ctr" anchorCtr="0" compatLnSpc="1">
-              <a:prstTxWarp prst="textNoShape">
-                <a:avLst/>
-              </a:prstTxWarp>
-            </a:bodyPr>
-            <a:lstStyle/>
-            <a:p>
-              <a:pPr marL="0" marR="0" indent="0" algn="ctr" defTabSz="914400" rtl="0" eaLnBrk="0" fontAlgn="base" latinLnBrk="0" hangingPunct="0">
-                <a:lnSpc>
-                  <a:spcPct val="100000"/>
-                </a:lnSpc>
-                <a:spcBef>
-                  <a:spcPct val="0"/>
-                </a:spcBef>
-                <a:spcAft>
-                  <a:spcPct val="0"/>
-                </a:spcAft>
-                <a:buClrTx/>
-                <a:buSzTx/>
-                <a:buFontTx/>
-                <a:buNone/>
-                <a:tabLst/>
-              </a:pPr>
-              <a:r>
-                <a:rPr kumimoji="0" lang="en-US" sz="900" b="1" i="0" u="none" strike="noStrike" cap="none" normalizeH="0" baseline="0" dirty="0">
-                  <a:ln>
-                    <a:noFill/>
-                  </a:ln>
-                  <a:solidFill>
-                    <a:schemeClr val="bg1"/>
-                  </a:solidFill>
-                  <a:effectLst/>
-                  <a:latin typeface="+mn-lt"/>
-                  <a:ea typeface="ＭＳ Ｐゴシック" pitchFamily="96" charset="-128"/>
-                </a:rPr>
-                <a:t>Data manipulation</a:t>
-              </a:r>
-            </a:p>
-          </p:txBody>
-        </p:sp>
-        <p:sp>
-          <p:nvSpPr>
-            <p:cNvPr id="11" name="Rectangle 10">
-              <a:extLst>
-                <a:ext uri="{FF2B5EF4-FFF2-40B4-BE49-F238E27FC236}">
-                  <a16:creationId xmlns:a16="http://schemas.microsoft.com/office/drawing/2014/main" id="{393C1971-83E3-46C2-B893-30737BD2FFCF}"/>
-                </a:ext>
-              </a:extLst>
-            </p:cNvPr>
-            <p:cNvSpPr/>
-            <p:nvPr/>
-          </p:nvSpPr>
-          <p:spPr bwMode="auto">
-            <a:xfrm>
-              <a:off x="6804248" y="3108704"/>
-              <a:ext cx="1224136" cy="360040"/>
-            </a:xfrm>
-            <a:prstGeom prst="rect">
-              <a:avLst/>
-            </a:prstGeom>
-            <a:solidFill>
-              <a:srgbClr val="00589C"/>
-            </a:solidFill>
-            <a:ln w="9525" cap="flat" cmpd="sng" algn="ctr">
-              <a:solidFill>
-                <a:srgbClr val="00589C"/>
-              </a:solidFill>
-              <a:prstDash val="solid"/>
-              <a:round/>
-              <a:headEnd type="none" w="med" len="med"/>
-              <a:tailEnd type="none" w="med" len="med"/>
-            </a:ln>
-            <a:effectLst/>
-            <a:extLst>
-              <a:ext uri="{AF507438-7753-43e0-B8FC-AC1667EBCBE1}">
-                <a14:hiddenEffects xmlns:a14="http://schemas.microsoft.com/office/drawing/2010/main" xmlns="">
-                  <a:effectLst>
-                    <a:outerShdw dist="35921" dir="2700000" algn="ctr" rotWithShape="0">
-                      <a:schemeClr val="bg2"/>
-                    </a:outerShdw>
-                  </a:effectLst>
-                </a14:hiddenEffects>
-              </a:ext>
-            </a:extLst>
-          </p:spPr>
-          <p:txBody>
-            <a:bodyPr vert="horz" wrap="square" lIns="91440" tIns="45720" rIns="91440" bIns="45720" numCol="1" rtlCol="0" anchor="ctr" anchorCtr="0" compatLnSpc="1">
-              <a:prstTxWarp prst="textNoShape">
-                <a:avLst/>
-              </a:prstTxWarp>
-            </a:bodyPr>
-            <a:lstStyle/>
-            <a:p>
-              <a:pPr marL="0" marR="0" indent="0" algn="ctr" defTabSz="914400" rtl="0" eaLnBrk="0" fontAlgn="base" latinLnBrk="0" hangingPunct="0">
-                <a:lnSpc>
-                  <a:spcPct val="100000"/>
-                </a:lnSpc>
-                <a:spcBef>
-                  <a:spcPct val="0"/>
-                </a:spcBef>
-                <a:spcAft>
-                  <a:spcPct val="0"/>
-                </a:spcAft>
-                <a:buClrTx/>
-                <a:buSzTx/>
-                <a:buFontTx/>
-                <a:buNone/>
-                <a:tabLst/>
-              </a:pPr>
-              <a:r>
-                <a:rPr kumimoji="0" lang="en-US" sz="900" b="1" i="0" u="none" strike="noStrike" cap="none" normalizeH="0" baseline="0" dirty="0">
-                  <a:ln>
-                    <a:noFill/>
-                  </a:ln>
-                  <a:solidFill>
-                    <a:schemeClr val="bg1"/>
-                  </a:solidFill>
-                  <a:effectLst/>
-                  <a:latin typeface="+mn-lt"/>
-                  <a:ea typeface="ＭＳ Ｐゴシック" pitchFamily="96" charset="-128"/>
-                </a:rPr>
-                <a:t>Visualization</a:t>
-              </a:r>
-            </a:p>
-          </p:txBody>
-        </p:sp>
-        <p:sp>
-          <p:nvSpPr>
-            <p:cNvPr id="12" name="Rectangle 11">
-              <a:extLst>
-                <a:ext uri="{FF2B5EF4-FFF2-40B4-BE49-F238E27FC236}">
-                  <a16:creationId xmlns:a16="http://schemas.microsoft.com/office/drawing/2014/main" id="{B20AF476-C3F4-4BF7-8773-7DBD0A30BD42}"/>
-                </a:ext>
-              </a:extLst>
-            </p:cNvPr>
-            <p:cNvSpPr/>
-            <p:nvPr/>
-          </p:nvSpPr>
-          <p:spPr bwMode="auto">
-            <a:xfrm>
-              <a:off x="6804248" y="3646646"/>
-              <a:ext cx="1224136" cy="360040"/>
-            </a:xfrm>
-            <a:prstGeom prst="rect">
-              <a:avLst/>
-            </a:prstGeom>
-            <a:solidFill>
-              <a:srgbClr val="00589C"/>
-            </a:solidFill>
-            <a:ln w="9525" cap="flat" cmpd="sng" algn="ctr">
-              <a:solidFill>
-                <a:srgbClr val="00589C"/>
-              </a:solidFill>
-              <a:prstDash val="solid"/>
-              <a:round/>
-              <a:headEnd type="none" w="med" len="med"/>
-              <a:tailEnd type="none" w="med" len="med"/>
-            </a:ln>
-            <a:effectLst/>
-            <a:extLst>
-              <a:ext uri="{AF507438-7753-43e0-B8FC-AC1667EBCBE1}">
-                <a14:hiddenEffects xmlns:a14="http://schemas.microsoft.com/office/drawing/2010/main" xmlns="">
-                  <a:effectLst>
-                    <a:outerShdw dist="35921" dir="2700000" algn="ctr" rotWithShape="0">
-                      <a:schemeClr val="bg2"/>
-                    </a:outerShdw>
-                  </a:effectLst>
-                </a14:hiddenEffects>
-              </a:ext>
-            </a:extLst>
-          </p:spPr>
-          <p:txBody>
-            <a:bodyPr vert="horz" wrap="square" lIns="91440" tIns="45720" rIns="91440" bIns="45720" numCol="1" rtlCol="0" anchor="ctr" anchorCtr="0" compatLnSpc="1">
-              <a:prstTxWarp prst="textNoShape">
-                <a:avLst/>
-              </a:prstTxWarp>
-            </a:bodyPr>
-            <a:lstStyle/>
-            <a:p>
-              <a:pPr marL="0" marR="0" indent="0" algn="ctr" defTabSz="914400" rtl="0" eaLnBrk="0" fontAlgn="base" latinLnBrk="0" hangingPunct="0">
-                <a:lnSpc>
-                  <a:spcPct val="100000"/>
-                </a:lnSpc>
-                <a:spcBef>
-                  <a:spcPct val="0"/>
-                </a:spcBef>
-                <a:spcAft>
-                  <a:spcPct val="0"/>
-                </a:spcAft>
-                <a:buClrTx/>
-                <a:buSzTx/>
-                <a:buFontTx/>
-                <a:buNone/>
-                <a:tabLst/>
-              </a:pPr>
-              <a:r>
-                <a:rPr kumimoji="0" lang="en-US" sz="900" b="1" i="0" u="none" strike="noStrike" cap="none" normalizeH="0" baseline="0" dirty="0">
-                  <a:ln>
-                    <a:noFill/>
-                  </a:ln>
-                  <a:solidFill>
-                    <a:schemeClr val="bg1"/>
-                  </a:solidFill>
-                  <a:effectLst/>
-                  <a:latin typeface="+mn-lt"/>
-                  <a:ea typeface="ＭＳ Ｐゴシック" pitchFamily="96" charset="-128"/>
-                </a:rPr>
-                <a:t>Algorithm</a:t>
-              </a:r>
-            </a:p>
-          </p:txBody>
-        </p:sp>
-        <p:sp>
-          <p:nvSpPr>
-            <p:cNvPr id="13" name="Right Brace 12">
-              <a:extLst>
-                <a:ext uri="{FF2B5EF4-FFF2-40B4-BE49-F238E27FC236}">
-                  <a16:creationId xmlns:a16="http://schemas.microsoft.com/office/drawing/2014/main" id="{4219FFDD-B174-48F3-93A7-954D11707DF1}"/>
-                </a:ext>
-              </a:extLst>
-            </p:cNvPr>
-            <p:cNvSpPr/>
-            <p:nvPr/>
-          </p:nvSpPr>
-          <p:spPr bwMode="auto">
-            <a:xfrm>
-              <a:off x="6516216" y="2392862"/>
-              <a:ext cx="144016" cy="753820"/>
-            </a:xfrm>
-            <a:prstGeom prst="rightBrace">
-              <a:avLst/>
-            </a:prstGeom>
-            <a:noFill/>
-            <a:ln w="19050" cap="flat" cmpd="sng" algn="ctr">
-              <a:solidFill>
-                <a:srgbClr val="00589C"/>
-              </a:solidFill>
-              <a:prstDash val="solid"/>
-              <a:round/>
-              <a:headEnd type="none" w="med" len="med"/>
-              <a:tailEnd type="none" w="med" len="med"/>
-            </a:ln>
-            <a:effectLst/>
-            <a:extLst>
-              <a:ext uri="{AF507438-7753-43e0-B8FC-AC1667EBCBE1}">
-                <a14:hiddenEffects xmlns:a14="http://schemas.microsoft.com/office/drawing/2010/main" xmlns="">
-                  <a:effectLst>
-                    <a:outerShdw dist="35921" dir="2700000" algn="ctr" rotWithShape="0">
-                      <a:schemeClr val="bg2"/>
-                    </a:outerShdw>
-                  </a:effectLst>
-                </a14:hiddenEffects>
-              </a:ext>
-            </a:extLst>
-          </p:spPr>
-          <p:txBody>
-            <a:bodyPr vert="horz" wrap="square" lIns="91440" tIns="45720" rIns="91440" bIns="45720" numCol="1" rtlCol="0" anchor="t" anchorCtr="0" compatLnSpc="1">
-              <a:prstTxWarp prst="textNoShape">
-                <a:avLst/>
-              </a:prstTxWarp>
-            </a:bodyPr>
-            <a:lstStyle/>
-            <a:p>
-              <a:pPr marL="0" marR="0" indent="0" algn="l" defTabSz="914400" rtl="0" eaLnBrk="0" fontAlgn="base" latinLnBrk="0" hangingPunct="0">
-                <a:lnSpc>
-                  <a:spcPct val="100000"/>
-                </a:lnSpc>
-                <a:spcBef>
-                  <a:spcPct val="0"/>
-                </a:spcBef>
-                <a:spcAft>
-                  <a:spcPct val="0"/>
-                </a:spcAft>
-                <a:buClrTx/>
-                <a:buSzTx/>
-                <a:buFontTx/>
-                <a:buNone/>
-                <a:tabLst/>
-              </a:pPr>
-              <a:endParaRPr kumimoji="0" lang="en-US" sz="2400" b="0" i="0" u="none" strike="noStrike" cap="none" normalizeH="0" baseline="0">
-                <a:ln>
-                  <a:noFill/>
-                </a:ln>
-                <a:solidFill>
-                  <a:schemeClr val="tx1"/>
-                </a:solidFill>
-                <a:effectLst/>
-                <a:latin typeface="Arial" charset="0"/>
-                <a:ea typeface="ＭＳ Ｐゴシック" pitchFamily="96" charset="-128"/>
-              </a:endParaRPr>
-            </a:p>
-          </p:txBody>
-        </p:sp>
-      </p:grpSp>
-    </p:spTree>
-    <p:extLst>
-      <p:ext uri="{BB962C8B-B14F-4D97-AF65-F5344CB8AC3E}">
-        <p14:creationId xmlns:p14="http://schemas.microsoft.com/office/powerpoint/2010/main" val="1927715619"/>
-      </p:ext>
-    </p:extLst>
-  </p:cSld>
-  <p:clrMapOvr>
-    <a:masterClrMapping/>
-  </p:clrMapOvr>
-</p:sld>
-</file>
-
-<file path=ppt/slides/slide19.xml><?xml version="1.0" encoding="utf-8"?>
-<p:sld xmlns:a="http://schemas.openxmlformats.org/drawingml/2006/main" xmlns:r="http://schemas.openxmlformats.org/officeDocument/2006/relationships" xmlns:p="http://schemas.openxmlformats.org/presentationml/2006/main">
-  <p:cSld>
-    <p:spTree>
-      <p:nvGrpSpPr>
-        <p:cNvPr id="1" name=""/>
-        <p:cNvGrpSpPr/>
-        <p:nvPr/>
-      </p:nvGrpSpPr>
-      <p:grpSpPr>
-        <a:xfrm>
-          <a:off x="0" y="0"/>
-          <a:ext cx="0" cy="0"/>
-          <a:chOff x="0" y="0"/>
-          <a:chExt cx="0" cy="0"/>
-        </a:xfrm>
-      </p:grpSpPr>
-      <p:sp>
-        <p:nvSpPr>
-          <p:cNvPr id="49" name="Rectangle 48">
-            <a:extLst>
-              <a:ext uri="{FF2B5EF4-FFF2-40B4-BE49-F238E27FC236}">
-                <a16:creationId xmlns:a16="http://schemas.microsoft.com/office/drawing/2014/main" id="{6E724D2D-ABBF-44DE-9A4D-BB5D070319CC}"/>
-              </a:ext>
-            </a:extLst>
-          </p:cNvPr>
-          <p:cNvSpPr/>
-          <p:nvPr/>
-        </p:nvSpPr>
-        <p:spPr bwMode="auto">
-          <a:xfrm>
-            <a:off x="5004048" y="2427734"/>
-            <a:ext cx="1930150" cy="1152128"/>
-          </a:xfrm>
-          <a:prstGeom prst="rect">
-            <a:avLst/>
-          </a:prstGeom>
-          <a:solidFill>
-            <a:schemeClr val="accent3">
-              <a:lumMod val="95000"/>
-            </a:schemeClr>
-          </a:solidFill>
-          <a:ln w="9525" cap="flat" cmpd="sng" algn="ctr">
-            <a:solidFill>
-              <a:schemeClr val="accent5"/>
-            </a:solidFill>
-            <a:prstDash val="solid"/>
-            <a:round/>
-            <a:headEnd type="none" w="med" len="med"/>
-            <a:tailEnd type="none" w="med" len="med"/>
-          </a:ln>
-          <a:effectLst/>
-          <a:extLst>
-            <a:ext uri="{AF507438-7753-43e0-B8FC-AC1667EBCBE1}">
-              <a14:hiddenEffects xmlns="" xmlns:a14="http://schemas.microsoft.com/office/drawing/2010/main">
-                <a:effectLst>
-                  <a:outerShdw dist="35921" dir="2700000" algn="ctr" rotWithShape="0">
-                    <a:schemeClr val="bg2"/>
-                  </a:outerShdw>
-                </a:effectLst>
-              </a14:hiddenEffects>
-            </a:ext>
-          </a:extLst>
-        </p:spPr>
-        <p:txBody>
-          <a:bodyPr vert="horz" wrap="square" lIns="91440" tIns="45720" rIns="91440" bIns="45720" numCol="1" rtlCol="0" anchor="t" anchorCtr="0" compatLnSpc="1">
-            <a:prstTxWarp prst="textNoShape">
-              <a:avLst/>
-            </a:prstTxWarp>
-          </a:bodyPr>
-          <a:lstStyle/>
-          <a:p>
-            <a:pPr marL="0" marR="0" indent="0" algn="l" defTabSz="914400" rtl="0" eaLnBrk="0" fontAlgn="base" latinLnBrk="0" hangingPunct="0">
-              <a:lnSpc>
-                <a:spcPct val="100000"/>
-              </a:lnSpc>
-              <a:spcBef>
-                <a:spcPct val="0"/>
-              </a:spcBef>
-              <a:spcAft>
-                <a:spcPct val="0"/>
-              </a:spcAft>
-              <a:buClrTx/>
-              <a:buSzTx/>
-              <a:buFontTx/>
-              <a:buNone/>
-              <a:tabLst/>
-            </a:pPr>
-            <a:endParaRPr kumimoji="0" lang="en-US" sz="2400" b="0" i="0" u="none" strike="noStrike" cap="none" normalizeH="0" baseline="0">
-              <a:ln>
-                <a:noFill/>
-              </a:ln>
-              <a:solidFill>
-                <a:schemeClr val="tx1"/>
-              </a:solidFill>
-              <a:effectLst/>
-              <a:latin typeface="Arial" charset="0"/>
-              <a:ea typeface="ＭＳ Ｐゴシック" pitchFamily="96" charset="-128"/>
-            </a:endParaRPr>
-          </a:p>
-        </p:txBody>
-      </p:sp>
-      <p:sp>
-        <p:nvSpPr>
-          <p:cNvPr id="24" name="TextBox 23">
-            <a:extLst>
-              <a:ext uri="{FF2B5EF4-FFF2-40B4-BE49-F238E27FC236}">
-                <a16:creationId xmlns:a16="http://schemas.microsoft.com/office/drawing/2014/main" id="{4491427B-75B8-46B5-BFCC-E1F46857D328}"/>
-              </a:ext>
-            </a:extLst>
-          </p:cNvPr>
-          <p:cNvSpPr txBox="1"/>
-          <p:nvPr/>
-        </p:nvSpPr>
-        <p:spPr>
-          <a:xfrm>
-            <a:off x="4584401" y="2010202"/>
-            <a:ext cx="2363863" cy="1569660"/>
-          </a:xfrm>
-          <a:prstGeom prst="rect">
-            <a:avLst/>
-          </a:prstGeom>
-          <a:noFill/>
-        </p:spPr>
-        <p:txBody>
-          <a:bodyPr wrap="square" rtlCol="0">
-            <a:spAutoFit/>
-          </a:bodyPr>
-          <a:lstStyle/>
-          <a:p>
-            <a:r>
-              <a:rPr lang="en-US" sz="1200" dirty="0"/>
-              <a:t>df</a:t>
-            </a:r>
-          </a:p>
-          <a:p>
-            <a:r>
-              <a:rPr lang="en-US" sz="1200" dirty="0"/>
-              <a:t>         c1  c2          c3              c4</a:t>
-            </a:r>
-          </a:p>
-          <a:p>
-            <a:r>
-              <a:rPr lang="en-US" sz="1200" dirty="0"/>
-              <a:t>1         1  25    Type1          Poor</a:t>
-            </a:r>
-          </a:p>
-          <a:p>
-            <a:r>
-              <a:rPr lang="en-US" sz="1200" dirty="0"/>
-              <a:t>2         2  34    Type2   Improved</a:t>
-            </a:r>
-          </a:p>
-          <a:p>
-            <a:r>
-              <a:rPr lang="en-US" sz="1200" dirty="0"/>
-              <a:t>3         3  28    Type1   Excellent</a:t>
-            </a:r>
-          </a:p>
-          <a:p>
-            <a:r>
-              <a:rPr lang="en-US" sz="1200" dirty="0"/>
-              <a:t>4         4  52    Type1          Poor</a:t>
-            </a:r>
-          </a:p>
-          <a:p>
-            <a:r>
-              <a:rPr lang="en-US" sz="1200" dirty="0"/>
-              <a:t>5         5  35    Type1          Poor</a:t>
-            </a:r>
-          </a:p>
-          <a:p>
-            <a:r>
-              <a:rPr lang="en-US" sz="1200" dirty="0"/>
-              <a:t>6         6  40    Type2   Improved</a:t>
-            </a:r>
-          </a:p>
-        </p:txBody>
-      </p:sp>
-      <p:sp>
-        <p:nvSpPr>
-          <p:cNvPr id="4" name="Rectangle 3">
-            <a:extLst>
-              <a:ext uri="{FF2B5EF4-FFF2-40B4-BE49-F238E27FC236}">
-                <a16:creationId xmlns:a16="http://schemas.microsoft.com/office/drawing/2014/main" id="{741E6F0F-8952-48F7-B8A6-5C00D4C8363A}"/>
-              </a:ext>
-            </a:extLst>
-          </p:cNvPr>
-          <p:cNvSpPr/>
-          <p:nvPr/>
-        </p:nvSpPr>
-        <p:spPr bwMode="auto">
-          <a:xfrm>
-            <a:off x="0" y="0"/>
-            <a:ext cx="9144000" cy="627534"/>
-          </a:xfrm>
-          <a:prstGeom prst="rect">
-            <a:avLst/>
-          </a:prstGeom>
-          <a:solidFill>
-            <a:srgbClr val="00589C"/>
-          </a:solidFill>
-          <a:ln w="9525" cap="flat" cmpd="sng" algn="ctr">
-            <a:solidFill>
-              <a:srgbClr val="00589C"/>
-            </a:solidFill>
-            <a:prstDash val="solid"/>
-            <a:round/>
-            <a:headEnd type="none" w="med" len="med"/>
-            <a:tailEnd type="none" w="med" len="med"/>
-          </a:ln>
-          <a:effectLst/>
-          <a:extLst>
-            <a:ext uri="{AF507438-7753-43e0-B8FC-AC1667EBCBE1}">
-              <a14:hiddenEffects xmlns:a14="http://schemas.microsoft.com/office/drawing/2010/main" xmlns="">
-                <a:effectLst>
-                  <a:outerShdw dist="35921" dir="2700000" algn="ctr" rotWithShape="0">
-                    <a:schemeClr val="bg2"/>
-                  </a:outerShdw>
-                </a:effectLst>
-              </a14:hiddenEffects>
-            </a:ext>
-          </a:extLst>
-        </p:spPr>
-        <p:txBody>
-          <a:bodyPr vert="horz" wrap="square" lIns="91440" tIns="45720" rIns="91440" bIns="45720" numCol="1" rtlCol="0" anchor="ctr" anchorCtr="0" compatLnSpc="1">
-            <a:prstTxWarp prst="textNoShape">
-              <a:avLst/>
-            </a:prstTxWarp>
-          </a:bodyPr>
-          <a:lstStyle/>
-          <a:p>
-            <a:pPr marL="0" marR="0" indent="0" algn="l" defTabSz="914400" rtl="0" eaLnBrk="0" fontAlgn="base" latinLnBrk="0" hangingPunct="0">
-              <a:lnSpc>
-                <a:spcPct val="100000"/>
-              </a:lnSpc>
-              <a:spcBef>
-                <a:spcPct val="0"/>
-              </a:spcBef>
-              <a:spcAft>
-                <a:spcPct val="0"/>
-              </a:spcAft>
-              <a:buClrTx/>
-              <a:buSzTx/>
-              <a:buFontTx/>
-              <a:buNone/>
-              <a:tabLst/>
-            </a:pPr>
-            <a:r>
-              <a:rPr kumimoji="0" lang="en-US" sz="2000" b="1" i="0" u="none" strike="noStrike" cap="none" normalizeH="0" baseline="0" dirty="0">
-                <a:ln>
-                  <a:noFill/>
-                </a:ln>
-                <a:solidFill>
-                  <a:schemeClr val="bg1"/>
-                </a:solidFill>
-                <a:effectLst/>
-                <a:latin typeface="+mj-lt"/>
-                <a:ea typeface="ＭＳ Ｐゴシック" pitchFamily="96" charset="-128"/>
-              </a:rPr>
-              <a:t>Topic 1. Introduction to R</a:t>
-            </a:r>
-          </a:p>
-        </p:txBody>
-      </p:sp>
-      <p:sp>
-        <p:nvSpPr>
-          <p:cNvPr id="2" name="Slide Number Placeholder 1">
-            <a:extLst>
-              <a:ext uri="{FF2B5EF4-FFF2-40B4-BE49-F238E27FC236}">
-                <a16:creationId xmlns:a16="http://schemas.microsoft.com/office/drawing/2014/main" id="{4BA77301-7EC3-46B2-876D-812AAB1A3F7F}"/>
-              </a:ext>
-            </a:extLst>
-          </p:cNvPr>
-          <p:cNvSpPr>
-            <a:spLocks noGrp="1"/>
-          </p:cNvSpPr>
-          <p:nvPr>
-            <p:ph type="sldNum" sz="quarter" idx="11"/>
-          </p:nvPr>
-        </p:nvSpPr>
-        <p:spPr/>
-        <p:txBody>
-          <a:bodyPr/>
-          <a:lstStyle/>
-          <a:p>
-            <a:fld id="{48105EDC-34E1-4D80-B051-D0CBD59863B8}" type="slidenum">
-              <a:rPr lang="de-DE" altLang="de-DE" smtClean="0"/>
-              <a:pPr/>
-              <a:t>19</a:t>
-            </a:fld>
-            <a:endParaRPr lang="de-DE" altLang="de-DE">
-              <a:solidFill>
-                <a:schemeClr val="tx1"/>
-              </a:solidFill>
-            </a:endParaRPr>
-          </a:p>
-        </p:txBody>
-      </p:sp>
-      <p:sp>
-        <p:nvSpPr>
-          <p:cNvPr id="38" name="Rectangle 37">
-            <a:extLst>
-              <a:ext uri="{FF2B5EF4-FFF2-40B4-BE49-F238E27FC236}">
-                <a16:creationId xmlns:a16="http://schemas.microsoft.com/office/drawing/2014/main" id="{E154590B-CABE-4A07-956E-ABD19B1D7A9A}"/>
-              </a:ext>
-            </a:extLst>
-          </p:cNvPr>
-          <p:cNvSpPr/>
-          <p:nvPr/>
-        </p:nvSpPr>
-        <p:spPr>
-          <a:xfrm>
-            <a:off x="611560" y="767484"/>
-            <a:ext cx="2690160" cy="400110"/>
-          </a:xfrm>
-          <a:prstGeom prst="rect">
-            <a:avLst/>
-          </a:prstGeom>
-          <a:ln>
-            <a:noFill/>
-          </a:ln>
-          <a:effectLst>
-            <a:outerShdw blurRad="44450" dist="27940" dir="5400000" algn="ctr">
-              <a:srgbClr val="000000">
-                <a:alpha val="32000"/>
-              </a:srgbClr>
-            </a:outerShdw>
-          </a:effectLst>
-          <a:scene3d>
-            <a:camera prst="orthographicFront">
-              <a:rot lat="0" lon="0" rev="0"/>
-            </a:camera>
-            <a:lightRig rig="balanced" dir="t">
-              <a:rot lat="0" lon="0" rev="8700000"/>
-            </a:lightRig>
-          </a:scene3d>
-          <a:sp3d>
-            <a:bevelT w="190500" h="38100"/>
-          </a:sp3d>
-        </p:spPr>
-        <p:txBody>
-          <a:bodyPr wrap="none">
-            <a:spAutoFit/>
-          </a:bodyPr>
-          <a:lstStyle/>
-          <a:p>
-            <a:r>
-              <a:rPr lang="en-US" sz="2000" b="1" dirty="0">
-                <a:solidFill>
-                  <a:srgbClr val="00589C"/>
-                </a:solidFill>
-              </a:rPr>
-              <a:t>5. Data manipulation</a:t>
-            </a:r>
-          </a:p>
-        </p:txBody>
-      </p:sp>
-      <p:sp>
-        <p:nvSpPr>
           <p:cNvPr id="22" name="TextBox 21">
             <a:extLst>
               <a:ext uri="{FF2B5EF4-FFF2-40B4-BE49-F238E27FC236}">
@@ -14143,7 +13143,7 @@
           <a:p>
             <a:r>
               <a:rPr lang="en-US" sz="1800" dirty="0"/>
-              <a:t>Add</a:t>
+              <a:t>Add and append</a:t>
             </a:r>
           </a:p>
           <a:p>
@@ -14205,7 +13205,7 @@
           <a:effectLst/>
           <a:extLst>
             <a:ext uri="{AF507438-7753-43e0-B8FC-AC1667EBCBE1}">
-              <a14:hiddenEffects xmlns="" xmlns:a14="http://schemas.microsoft.com/office/drawing/2010/main">
+              <a14:hiddenEffects xmlns:a14="http://schemas.microsoft.com/office/drawing/2010/main" xmlns="">
                 <a:effectLst>
                   <a:outerShdw dist="35921" dir="2700000" algn="ctr" rotWithShape="0">
                     <a:schemeClr val="bg2"/>
@@ -14334,7 +13334,7 @@
           <a:effectLst/>
           <a:extLst>
             <a:ext uri="{AF507438-7753-43e0-B8FC-AC1667EBCBE1}">
-              <a14:hiddenEffects xmlns="" xmlns:a14="http://schemas.microsoft.com/office/drawing/2010/main">
+              <a14:hiddenEffects xmlns:a14="http://schemas.microsoft.com/office/drawing/2010/main" xmlns="">
                 <a:effectLst>
                   <a:outerShdw dist="35921" dir="2700000" algn="ctr" rotWithShape="0">
                     <a:schemeClr val="bg2"/>
@@ -14378,7 +13378,7 @@
           <a:effectLst/>
           <a:extLst>
             <a:ext uri="{AF507438-7753-43e0-B8FC-AC1667EBCBE1}">
-              <a14:hiddenEffects xmlns="" xmlns:a14="http://schemas.microsoft.com/office/drawing/2010/main">
+              <a14:hiddenEffects xmlns:a14="http://schemas.microsoft.com/office/drawing/2010/main" xmlns="">
                 <a:effectLst>
                   <a:outerShdw dist="35921" dir="2700000" algn="ctr" rotWithShape="0">
                     <a:schemeClr val="bg2"/>
@@ -14507,7 +13507,7 @@
           <a:effectLst/>
           <a:extLst>
             <a:ext uri="{AF507438-7753-43e0-B8FC-AC1667EBCBE1}">
-              <a14:hiddenEffects xmlns="" xmlns:a14="http://schemas.microsoft.com/office/drawing/2010/main">
+              <a14:hiddenEffects xmlns:a14="http://schemas.microsoft.com/office/drawing/2010/main" xmlns="">
                 <a:effectLst>
                   <a:outerShdw dist="35921" dir="2700000" algn="ctr" rotWithShape="0">
                     <a:schemeClr val="bg2"/>
@@ -14551,7 +13551,7 @@
           <a:effectLst/>
           <a:extLst>
             <a:ext uri="{AF507438-7753-43e0-B8FC-AC1667EBCBE1}">
-              <a14:hiddenEffects xmlns="" xmlns:a14="http://schemas.microsoft.com/office/drawing/2010/main">
+              <a14:hiddenEffects xmlns:a14="http://schemas.microsoft.com/office/drawing/2010/main" xmlns="">
                 <a:effectLst>
                   <a:outerShdw dist="35921" dir="2700000" algn="ctr" rotWithShape="0">
                     <a:schemeClr val="bg2"/>
@@ -14636,7 +13636,7 @@
           <a:effectLst/>
           <a:extLst>
             <a:ext uri="{AF507438-7753-43e0-B8FC-AC1667EBCBE1}">
-              <a14:hiddenEffects xmlns="" xmlns:a14="http://schemas.microsoft.com/office/drawing/2010/main">
+              <a14:hiddenEffects xmlns:a14="http://schemas.microsoft.com/office/drawing/2010/main" xmlns="">
                 <a:effectLst>
                   <a:outerShdw dist="35921" dir="2700000" algn="ctr" rotWithShape="0">
                     <a:schemeClr val="bg2"/>
@@ -14726,7 +13726,7 @@
           <a:effectLst/>
           <a:extLst>
             <a:ext uri="{AF507438-7753-43e0-B8FC-AC1667EBCBE1}">
-              <a14:hiddenEffects xmlns="" xmlns:a14="http://schemas.microsoft.com/office/drawing/2010/main">
+              <a14:hiddenEffects xmlns:a14="http://schemas.microsoft.com/office/drawing/2010/main" xmlns="">
                 <a:effectLst>
                   <a:outerShdw dist="35921" dir="2700000" algn="ctr" rotWithShape="0">
                     <a:schemeClr val="bg2"/>
@@ -14792,281 +13792,7 @@
 </p:sld>
 </file>
 
-<file path=ppt/slides/slide2.xml><?xml version="1.0" encoding="utf-8"?>
-<p:sld xmlns:a="http://schemas.openxmlformats.org/drawingml/2006/main" xmlns:r="http://schemas.openxmlformats.org/officeDocument/2006/relationships" xmlns:p="http://schemas.openxmlformats.org/presentationml/2006/main">
-  <p:cSld>
-    <p:spTree>
-      <p:nvGrpSpPr>
-        <p:cNvPr id="1" name=""/>
-        <p:cNvGrpSpPr/>
-        <p:nvPr/>
-      </p:nvGrpSpPr>
-      <p:grpSpPr>
-        <a:xfrm>
-          <a:off x="0" y="0"/>
-          <a:ext cx="0" cy="0"/>
-          <a:chOff x="0" y="0"/>
-          <a:chExt cx="0" cy="0"/>
-        </a:xfrm>
-      </p:grpSpPr>
-      <p:sp>
-        <p:nvSpPr>
-          <p:cNvPr id="13313" name="Rectangle 2"/>
-          <p:cNvSpPr>
-            <a:spLocks noGrp="1" noChangeArrowheads="1"/>
-          </p:cNvSpPr>
-          <p:nvPr>
-            <p:ph type="title"/>
-          </p:nvPr>
-        </p:nvSpPr>
-        <p:spPr/>
-        <p:txBody>
-          <a:bodyPr/>
-          <a:lstStyle/>
-          <a:p>
-            <a:pPr eaLnBrk="1" hangingPunct="1"/>
-            <a:r>
-              <a:rPr lang="de-DE" altLang="de-DE" dirty="0" err="1"/>
-              <a:t>Overview</a:t>
-            </a:r>
-            <a:endParaRPr lang="de-DE" altLang="de-DE" dirty="0"/>
-          </a:p>
-        </p:txBody>
-      </p:sp>
-      <p:sp>
-        <p:nvSpPr>
-          <p:cNvPr id="13314" name="Rectangle 3"/>
-          <p:cNvSpPr>
-            <a:spLocks noGrp="1" noChangeArrowheads="1"/>
-          </p:cNvSpPr>
-          <p:nvPr>
-            <p:ph type="body" idx="1"/>
-          </p:nvPr>
-        </p:nvSpPr>
-        <p:spPr>
-          <a:xfrm>
-            <a:off x="1331640" y="1635646"/>
-            <a:ext cx="7056784" cy="1584176"/>
-          </a:xfrm>
-        </p:spPr>
-        <p:txBody>
-          <a:bodyPr/>
-          <a:lstStyle/>
-          <a:p>
-            <a:pPr marL="457200" indent="-457200" eaLnBrk="1" hangingPunct="1">
-              <a:spcAft>
-                <a:spcPts val="1000"/>
-              </a:spcAft>
-              <a:buFont typeface="+mj-lt"/>
-              <a:buAutoNum type="arabicParenR"/>
-            </a:pPr>
-            <a:r>
-              <a:rPr lang="de-DE" altLang="de-DE" dirty="0" err="1"/>
-              <a:t>Introduction</a:t>
-            </a:r>
-            <a:r>
-              <a:rPr lang="de-DE" altLang="de-DE" dirty="0"/>
-              <a:t> </a:t>
-            </a:r>
-            <a:r>
-              <a:rPr lang="de-DE" altLang="de-DE" dirty="0" err="1"/>
-              <a:t>to</a:t>
-            </a:r>
-            <a:r>
-              <a:rPr lang="de-DE" altLang="de-DE" dirty="0"/>
-              <a:t> R and R </a:t>
-            </a:r>
-            <a:r>
-              <a:rPr lang="de-DE" altLang="de-DE" dirty="0" err="1"/>
-              <a:t>bsics</a:t>
-            </a:r>
-            <a:endParaRPr lang="de-DE" altLang="de-DE" dirty="0"/>
-          </a:p>
-          <a:p>
-            <a:pPr marL="457200" indent="-457200" eaLnBrk="1" hangingPunct="1">
-              <a:spcAft>
-                <a:spcPts val="1000"/>
-              </a:spcAft>
-              <a:buFont typeface="+mj-lt"/>
-              <a:buAutoNum type="arabicParenR"/>
-            </a:pPr>
-            <a:r>
-              <a:rPr lang="de-DE" altLang="de-DE" dirty="0" err="1"/>
-              <a:t>Exercise</a:t>
-            </a:r>
-            <a:r>
-              <a:rPr lang="de-DE" altLang="de-DE" dirty="0"/>
-              <a:t> </a:t>
-            </a:r>
-            <a:r>
-              <a:rPr lang="de-DE" altLang="de-DE" dirty="0" err="1"/>
-              <a:t>with</a:t>
-            </a:r>
-            <a:r>
-              <a:rPr lang="de-DE" altLang="de-DE" dirty="0"/>
-              <a:t> R - Flood </a:t>
-            </a:r>
-            <a:r>
-              <a:rPr lang="de-DE" altLang="de-DE" dirty="0" err="1"/>
-              <a:t>frequency</a:t>
-            </a:r>
-            <a:r>
-              <a:rPr lang="de-DE" altLang="de-DE" dirty="0"/>
-              <a:t> </a:t>
-            </a:r>
-            <a:r>
-              <a:rPr lang="de-DE" altLang="de-DE" dirty="0" err="1"/>
-              <a:t>analysis</a:t>
-            </a:r>
-            <a:endParaRPr lang="de-DE" altLang="de-DE" dirty="0"/>
-          </a:p>
-          <a:p>
-            <a:pPr marL="457200" indent="-457200">
-              <a:spcAft>
-                <a:spcPts val="1000"/>
-              </a:spcAft>
-              <a:buFont typeface="+mj-lt"/>
-              <a:buAutoNum type="arabicParenR"/>
-            </a:pPr>
-            <a:r>
-              <a:rPr lang="de-DE" altLang="de-DE" dirty="0" err="1"/>
-              <a:t>Exercise</a:t>
-            </a:r>
-            <a:r>
-              <a:rPr lang="de-DE" altLang="de-DE" dirty="0"/>
-              <a:t> </a:t>
-            </a:r>
-            <a:r>
-              <a:rPr lang="de-DE" altLang="de-DE" dirty="0" err="1"/>
-              <a:t>with</a:t>
-            </a:r>
-            <a:r>
-              <a:rPr lang="de-DE" altLang="de-DE" dirty="0"/>
-              <a:t> R - Time-</a:t>
-            </a:r>
-            <a:r>
-              <a:rPr lang="de-DE" altLang="de-DE" dirty="0" err="1"/>
-              <a:t>varying</a:t>
-            </a:r>
-            <a:r>
-              <a:rPr lang="de-DE" altLang="de-DE" dirty="0"/>
-              <a:t> </a:t>
-            </a:r>
-            <a:r>
-              <a:rPr lang="de-DE" altLang="de-DE" dirty="0" err="1"/>
-              <a:t>flood</a:t>
-            </a:r>
-            <a:r>
-              <a:rPr lang="de-DE" altLang="de-DE" dirty="0"/>
-              <a:t> </a:t>
-            </a:r>
-            <a:r>
-              <a:rPr lang="de-DE" altLang="de-DE" dirty="0" err="1"/>
-              <a:t>risk</a:t>
-            </a:r>
-            <a:r>
-              <a:rPr lang="de-DE" altLang="de-DE" dirty="0"/>
-              <a:t> </a:t>
-            </a:r>
-            <a:r>
-              <a:rPr lang="de-DE" altLang="de-DE" dirty="0" err="1"/>
-              <a:t>analysis</a:t>
-            </a:r>
-            <a:endParaRPr lang="de-DE" altLang="de-DE" dirty="0"/>
-          </a:p>
-        </p:txBody>
-      </p:sp>
-      <p:sp>
-        <p:nvSpPr>
-          <p:cNvPr id="2" name="Rectangle 1">
-            <a:extLst>
-              <a:ext uri="{FF2B5EF4-FFF2-40B4-BE49-F238E27FC236}">
-                <a16:creationId xmlns:a16="http://schemas.microsoft.com/office/drawing/2014/main" id="{758E25E9-32ED-4510-B433-984B559B4054}"/>
-              </a:ext>
-            </a:extLst>
-          </p:cNvPr>
-          <p:cNvSpPr/>
-          <p:nvPr/>
-        </p:nvSpPr>
-        <p:spPr>
-          <a:xfrm>
-            <a:off x="1547664" y="3782972"/>
-            <a:ext cx="7056784" cy="584775"/>
-          </a:xfrm>
-          <a:prstGeom prst="rect">
-            <a:avLst/>
-          </a:prstGeom>
-        </p:spPr>
-        <p:txBody>
-          <a:bodyPr wrap="square">
-            <a:spAutoFit/>
-          </a:bodyPr>
-          <a:lstStyle/>
-          <a:p>
-            <a:r>
-              <a:rPr lang="en-US" sz="1600" dirty="0">
-                <a:solidFill>
-                  <a:srgbClr val="00589C"/>
-                </a:solidFill>
-              </a:rPr>
-              <a:t>Materials here: </a:t>
-            </a:r>
-          </a:p>
-          <a:p>
-            <a:r>
-              <a:rPr lang="en-US" sz="1600" u="sng" dirty="0">
-                <a:solidFill>
-                  <a:srgbClr val="00589C"/>
-                </a:solidFill>
-              </a:rPr>
-              <a:t>https://github.com/XiaoxiangGuanGFZ/FloodRiskSeminar</a:t>
-            </a:r>
-          </a:p>
-        </p:txBody>
-      </p:sp>
-      <p:sp>
-        <p:nvSpPr>
-          <p:cNvPr id="3" name="Slide Number Placeholder 2">
-            <a:extLst>
-              <a:ext uri="{FF2B5EF4-FFF2-40B4-BE49-F238E27FC236}">
-                <a16:creationId xmlns:a16="http://schemas.microsoft.com/office/drawing/2014/main" id="{0D84647E-7901-4454-8634-949208E5F309}"/>
-              </a:ext>
-            </a:extLst>
-          </p:cNvPr>
-          <p:cNvSpPr>
-            <a:spLocks noGrp="1"/>
-          </p:cNvSpPr>
-          <p:nvPr>
-            <p:ph type="sldNum" sz="quarter" idx="11"/>
-          </p:nvPr>
-        </p:nvSpPr>
-        <p:spPr/>
-        <p:txBody>
-          <a:bodyPr/>
-          <a:lstStyle/>
-          <a:p>
-            <a:fld id="{48105EDC-34E1-4D80-B051-D0CBD59863B8}" type="slidenum">
-              <a:rPr lang="de-DE" altLang="de-DE" smtClean="0"/>
-              <a:pPr/>
-              <a:t>2</a:t>
-            </a:fld>
-            <a:endParaRPr lang="de-DE" altLang="de-DE">
-              <a:solidFill>
-                <a:schemeClr val="tx1"/>
-              </a:solidFill>
-            </a:endParaRPr>
-          </a:p>
-        </p:txBody>
-      </p:sp>
-    </p:spTree>
-  </p:cSld>
-  <p:clrMapOvr>
-    <a:masterClrMapping/>
-  </p:clrMapOvr>
-</p:sld>
-</file>
-
-<file path=ppt/slides/slide20.xml><?xml version="1.0" encoding="utf-8"?>
+<file path=ppt/slides/slide19.xml><?xml version="1.0" encoding="utf-8"?>
 <p:sld xmlns:a="http://schemas.openxmlformats.org/drawingml/2006/main" xmlns:r="http://schemas.openxmlformats.org/officeDocument/2006/relationships" xmlns:p="http://schemas.openxmlformats.org/presentationml/2006/main">
   <p:cSld>
     <p:spTree>
@@ -15118,7 +13844,7 @@
           <a:effectLst/>
           <a:extLst>
             <a:ext uri="{AF507438-7753-43e0-B8FC-AC1667EBCBE1}">
-              <a14:hiddenEffects xmlns="" xmlns:a14="http://schemas.microsoft.com/office/drawing/2010/main">
+              <a14:hiddenEffects xmlns:a14="http://schemas.microsoft.com/office/drawing/2010/main" xmlns="">
                 <a:effectLst>
                   <a:outerShdw dist="35921" dir="2700000" algn="ctr" rotWithShape="0">
                     <a:schemeClr val="bg2"/>
@@ -15286,7 +14012,7 @@
           <a:effectLst/>
           <a:extLst>
             <a:ext uri="{AF507438-7753-43e0-B8FC-AC1667EBCBE1}">
-              <a14:hiddenEffects xmlns:a14="http://schemas.microsoft.com/office/drawing/2010/main" xmlns="">
+              <a14:hiddenEffects xmlns="" xmlns:a14="http://schemas.microsoft.com/office/drawing/2010/main">
                 <a:effectLst>
                   <a:outerShdw dist="35921" dir="2700000" algn="ctr" rotWithShape="0">
                     <a:schemeClr val="bg2"/>
@@ -15361,7 +14087,7 @@
             <a:fld id="{48105EDC-34E1-4D80-B051-D0CBD59863B8}" type="slidenum">
               <a:rPr lang="de-DE" altLang="de-DE" smtClean="0"/>
               <a:pPr/>
-              <a:t>20</a:t>
+              <a:t>19</a:t>
             </a:fld>
             <a:endParaRPr lang="de-DE" altLang="de-DE">
               <a:solidFill>
@@ -15493,7 +14219,7 @@
           <a:p>
             <a:r>
               <a:rPr lang="en-US" sz="1800" dirty="0"/>
-              <a:t>Add</a:t>
+              <a:t>Add and append</a:t>
             </a:r>
           </a:p>
           <a:p>
@@ -15603,7 +14329,281 @@
 </p:sld>
 </file>
 
-<file path=ppt/slides/slide21.xml><?xml version="1.0" encoding="utf-8"?>
+<file path=ppt/slides/slide2.xml><?xml version="1.0" encoding="utf-8"?>
+<p:sld xmlns:a="http://schemas.openxmlformats.org/drawingml/2006/main" xmlns:r="http://schemas.openxmlformats.org/officeDocument/2006/relationships" xmlns:p="http://schemas.openxmlformats.org/presentationml/2006/main">
+  <p:cSld>
+    <p:spTree>
+      <p:nvGrpSpPr>
+        <p:cNvPr id="1" name=""/>
+        <p:cNvGrpSpPr/>
+        <p:nvPr/>
+      </p:nvGrpSpPr>
+      <p:grpSpPr>
+        <a:xfrm>
+          <a:off x="0" y="0"/>
+          <a:ext cx="0" cy="0"/>
+          <a:chOff x="0" y="0"/>
+          <a:chExt cx="0" cy="0"/>
+        </a:xfrm>
+      </p:grpSpPr>
+      <p:sp>
+        <p:nvSpPr>
+          <p:cNvPr id="13313" name="Rectangle 2"/>
+          <p:cNvSpPr>
+            <a:spLocks noGrp="1" noChangeArrowheads="1"/>
+          </p:cNvSpPr>
+          <p:nvPr>
+            <p:ph type="title"/>
+          </p:nvPr>
+        </p:nvSpPr>
+        <p:spPr/>
+        <p:txBody>
+          <a:bodyPr/>
+          <a:lstStyle/>
+          <a:p>
+            <a:pPr eaLnBrk="1" hangingPunct="1"/>
+            <a:r>
+              <a:rPr lang="de-DE" altLang="de-DE" dirty="0" err="1"/>
+              <a:t>Overview</a:t>
+            </a:r>
+            <a:endParaRPr lang="de-DE" altLang="de-DE" dirty="0"/>
+          </a:p>
+        </p:txBody>
+      </p:sp>
+      <p:sp>
+        <p:nvSpPr>
+          <p:cNvPr id="13314" name="Rectangle 3"/>
+          <p:cNvSpPr>
+            <a:spLocks noGrp="1" noChangeArrowheads="1"/>
+          </p:cNvSpPr>
+          <p:nvPr>
+            <p:ph type="body" idx="1"/>
+          </p:nvPr>
+        </p:nvSpPr>
+        <p:spPr>
+          <a:xfrm>
+            <a:off x="1331640" y="1635646"/>
+            <a:ext cx="7056784" cy="1584176"/>
+          </a:xfrm>
+        </p:spPr>
+        <p:txBody>
+          <a:bodyPr/>
+          <a:lstStyle/>
+          <a:p>
+            <a:pPr marL="457200" indent="-457200" eaLnBrk="1" hangingPunct="1">
+              <a:spcAft>
+                <a:spcPts val="1000"/>
+              </a:spcAft>
+              <a:buFont typeface="+mj-lt"/>
+              <a:buAutoNum type="arabicParenR"/>
+            </a:pPr>
+            <a:r>
+              <a:rPr lang="de-DE" altLang="de-DE" dirty="0" err="1"/>
+              <a:t>Introduction</a:t>
+            </a:r>
+            <a:r>
+              <a:rPr lang="de-DE" altLang="de-DE" dirty="0"/>
+              <a:t> </a:t>
+            </a:r>
+            <a:r>
+              <a:rPr lang="de-DE" altLang="de-DE" dirty="0" err="1"/>
+              <a:t>to</a:t>
+            </a:r>
+            <a:r>
+              <a:rPr lang="de-DE" altLang="de-DE" dirty="0"/>
+              <a:t> R and R </a:t>
+            </a:r>
+            <a:r>
+              <a:rPr lang="de-DE" altLang="de-DE" dirty="0" err="1"/>
+              <a:t>bsics</a:t>
+            </a:r>
+            <a:endParaRPr lang="de-DE" altLang="de-DE" dirty="0"/>
+          </a:p>
+          <a:p>
+            <a:pPr marL="457200" indent="-457200" eaLnBrk="1" hangingPunct="1">
+              <a:spcAft>
+                <a:spcPts val="1000"/>
+              </a:spcAft>
+              <a:buFont typeface="+mj-lt"/>
+              <a:buAutoNum type="arabicParenR"/>
+            </a:pPr>
+            <a:r>
+              <a:rPr lang="de-DE" altLang="de-DE" dirty="0" err="1"/>
+              <a:t>Exercise</a:t>
+            </a:r>
+            <a:r>
+              <a:rPr lang="de-DE" altLang="de-DE" dirty="0"/>
+              <a:t> </a:t>
+            </a:r>
+            <a:r>
+              <a:rPr lang="de-DE" altLang="de-DE" dirty="0" err="1"/>
+              <a:t>with</a:t>
+            </a:r>
+            <a:r>
+              <a:rPr lang="de-DE" altLang="de-DE" dirty="0"/>
+              <a:t> R - Flood </a:t>
+            </a:r>
+            <a:r>
+              <a:rPr lang="de-DE" altLang="de-DE" dirty="0" err="1"/>
+              <a:t>frequency</a:t>
+            </a:r>
+            <a:r>
+              <a:rPr lang="de-DE" altLang="de-DE" dirty="0"/>
+              <a:t> </a:t>
+            </a:r>
+            <a:r>
+              <a:rPr lang="de-DE" altLang="de-DE" dirty="0" err="1"/>
+              <a:t>analysis</a:t>
+            </a:r>
+            <a:endParaRPr lang="de-DE" altLang="de-DE" dirty="0"/>
+          </a:p>
+          <a:p>
+            <a:pPr marL="457200" indent="-457200">
+              <a:spcAft>
+                <a:spcPts val="1000"/>
+              </a:spcAft>
+              <a:buFont typeface="+mj-lt"/>
+              <a:buAutoNum type="arabicParenR"/>
+            </a:pPr>
+            <a:r>
+              <a:rPr lang="de-DE" altLang="de-DE" dirty="0" err="1"/>
+              <a:t>Exercise</a:t>
+            </a:r>
+            <a:r>
+              <a:rPr lang="de-DE" altLang="de-DE" dirty="0"/>
+              <a:t> </a:t>
+            </a:r>
+            <a:r>
+              <a:rPr lang="de-DE" altLang="de-DE" dirty="0" err="1"/>
+              <a:t>with</a:t>
+            </a:r>
+            <a:r>
+              <a:rPr lang="de-DE" altLang="de-DE" dirty="0"/>
+              <a:t> R - Time-</a:t>
+            </a:r>
+            <a:r>
+              <a:rPr lang="de-DE" altLang="de-DE" dirty="0" err="1"/>
+              <a:t>varying</a:t>
+            </a:r>
+            <a:r>
+              <a:rPr lang="de-DE" altLang="de-DE" dirty="0"/>
+              <a:t> </a:t>
+            </a:r>
+            <a:r>
+              <a:rPr lang="de-DE" altLang="de-DE" dirty="0" err="1"/>
+              <a:t>flood</a:t>
+            </a:r>
+            <a:r>
+              <a:rPr lang="de-DE" altLang="de-DE" dirty="0"/>
+              <a:t> </a:t>
+            </a:r>
+            <a:r>
+              <a:rPr lang="de-DE" altLang="de-DE" dirty="0" err="1"/>
+              <a:t>risk</a:t>
+            </a:r>
+            <a:r>
+              <a:rPr lang="de-DE" altLang="de-DE" dirty="0"/>
+              <a:t> </a:t>
+            </a:r>
+            <a:r>
+              <a:rPr lang="de-DE" altLang="de-DE" dirty="0" err="1"/>
+              <a:t>analysis</a:t>
+            </a:r>
+            <a:endParaRPr lang="de-DE" altLang="de-DE" dirty="0"/>
+          </a:p>
+        </p:txBody>
+      </p:sp>
+      <p:sp>
+        <p:nvSpPr>
+          <p:cNvPr id="2" name="Rectangle 1">
+            <a:extLst>
+              <a:ext uri="{FF2B5EF4-FFF2-40B4-BE49-F238E27FC236}">
+                <a16:creationId xmlns:a16="http://schemas.microsoft.com/office/drawing/2014/main" id="{758E25E9-32ED-4510-B433-984B559B4054}"/>
+              </a:ext>
+            </a:extLst>
+          </p:cNvPr>
+          <p:cNvSpPr/>
+          <p:nvPr/>
+        </p:nvSpPr>
+        <p:spPr>
+          <a:xfrm>
+            <a:off x="1547664" y="3782972"/>
+            <a:ext cx="7056784" cy="584775"/>
+          </a:xfrm>
+          <a:prstGeom prst="rect">
+            <a:avLst/>
+          </a:prstGeom>
+        </p:spPr>
+        <p:txBody>
+          <a:bodyPr wrap="square">
+            <a:spAutoFit/>
+          </a:bodyPr>
+          <a:lstStyle/>
+          <a:p>
+            <a:r>
+              <a:rPr lang="en-US" sz="1600" dirty="0">
+                <a:solidFill>
+                  <a:srgbClr val="00589C"/>
+                </a:solidFill>
+              </a:rPr>
+              <a:t>Materials here: </a:t>
+            </a:r>
+          </a:p>
+          <a:p>
+            <a:r>
+              <a:rPr lang="en-US" sz="1600" u="sng" dirty="0">
+                <a:solidFill>
+                  <a:srgbClr val="00589C"/>
+                </a:solidFill>
+              </a:rPr>
+              <a:t>https://github.com/XiaoxiangGuanGFZ/FloodRiskSeminar</a:t>
+            </a:r>
+          </a:p>
+        </p:txBody>
+      </p:sp>
+      <p:sp>
+        <p:nvSpPr>
+          <p:cNvPr id="3" name="Slide Number Placeholder 2">
+            <a:extLst>
+              <a:ext uri="{FF2B5EF4-FFF2-40B4-BE49-F238E27FC236}">
+                <a16:creationId xmlns:a16="http://schemas.microsoft.com/office/drawing/2014/main" id="{0D84647E-7901-4454-8634-949208E5F309}"/>
+              </a:ext>
+            </a:extLst>
+          </p:cNvPr>
+          <p:cNvSpPr>
+            <a:spLocks noGrp="1"/>
+          </p:cNvSpPr>
+          <p:nvPr>
+            <p:ph type="sldNum" sz="quarter" idx="11"/>
+          </p:nvPr>
+        </p:nvSpPr>
+        <p:spPr/>
+        <p:txBody>
+          <a:bodyPr/>
+          <a:lstStyle/>
+          <a:p>
+            <a:fld id="{48105EDC-34E1-4D80-B051-D0CBD59863B8}" type="slidenum">
+              <a:rPr lang="de-DE" altLang="de-DE" smtClean="0"/>
+              <a:pPr/>
+              <a:t>2</a:t>
+            </a:fld>
+            <a:endParaRPr lang="de-DE" altLang="de-DE">
+              <a:solidFill>
+                <a:schemeClr val="tx1"/>
+              </a:solidFill>
+            </a:endParaRPr>
+          </a:p>
+        </p:txBody>
+      </p:sp>
+    </p:spTree>
+  </p:cSld>
+  <p:clrMapOvr>
+    <a:masterClrMapping/>
+  </p:clrMapOvr>
+</p:sld>
+</file>
+
+<file path=ppt/slides/slide20.xml><?xml version="1.0" encoding="utf-8"?>
 <p:sld xmlns:a="http://schemas.openxmlformats.org/drawingml/2006/main" xmlns:r="http://schemas.openxmlformats.org/officeDocument/2006/relationships" xmlns:p="http://schemas.openxmlformats.org/presentationml/2006/main">
   <p:cSld>
     <p:spTree>
@@ -15756,7 +14756,7 @@
           <a:effectLst/>
           <a:extLst>
             <a:ext uri="{AF507438-7753-43e0-B8FC-AC1667EBCBE1}">
-              <a14:hiddenEffects xmlns:a14="http://schemas.microsoft.com/office/drawing/2010/main" xmlns="">
+              <a14:hiddenEffects xmlns="" xmlns:a14="http://schemas.microsoft.com/office/drawing/2010/main">
                 <a:effectLst>
                   <a:outerShdw dist="35921" dir="2700000" algn="ctr" rotWithShape="0">
                     <a:schemeClr val="bg2"/>
@@ -15831,7 +14831,7 @@
             <a:fld id="{48105EDC-34E1-4D80-B051-D0CBD59863B8}" type="slidenum">
               <a:rPr lang="de-DE" altLang="de-DE" smtClean="0"/>
               <a:pPr/>
-              <a:t>21</a:t>
+              <a:t>20</a:t>
             </a:fld>
             <a:endParaRPr lang="de-DE" altLang="de-DE">
               <a:solidFill>
@@ -15963,7 +14963,7 @@
           <a:p>
             <a:r>
               <a:rPr lang="en-US" sz="1800" dirty="0"/>
-              <a:t>Add</a:t>
+              <a:t>Add and append</a:t>
             </a:r>
           </a:p>
           <a:p>
@@ -16066,7 +15066,7 @@
 </p:sld>
 </file>
 
-<file path=ppt/slides/slide22.xml><?xml version="1.0" encoding="utf-8"?>
+<file path=ppt/slides/slide21.xml><?xml version="1.0" encoding="utf-8"?>
 <p:sld xmlns:a="http://schemas.openxmlformats.org/drawingml/2006/main" xmlns:r="http://schemas.openxmlformats.org/officeDocument/2006/relationships" xmlns:p="http://schemas.openxmlformats.org/presentationml/2006/main">
   <p:cSld>
     <p:spTree>
@@ -16118,7 +15118,7 @@
           <a:effectLst/>
           <a:extLst>
             <a:ext uri="{AF507438-7753-43e0-B8FC-AC1667EBCBE1}">
-              <a14:hiddenEffects xmlns:a14="http://schemas.microsoft.com/office/drawing/2010/main" xmlns="">
+              <a14:hiddenEffects xmlns="" xmlns:a14="http://schemas.microsoft.com/office/drawing/2010/main">
                 <a:effectLst>
                   <a:outerShdw dist="35921" dir="2700000" algn="ctr" rotWithShape="0">
                     <a:schemeClr val="bg2"/>
@@ -16193,7 +15193,7 @@
             <a:fld id="{48105EDC-34E1-4D80-B051-D0CBD59863B8}" type="slidenum">
               <a:rPr lang="de-DE" altLang="de-DE" smtClean="0"/>
               <a:pPr/>
-              <a:t>22</a:t>
+              <a:t>21</a:t>
             </a:fld>
             <a:endParaRPr lang="de-DE" altLang="de-DE">
               <a:solidFill>
@@ -16325,7 +15325,7 @@
                   </a:outerShdw>
                 </a:effectLst>
               </a:rPr>
-              <a:t>Add</a:t>
+              <a:t>Add and append</a:t>
             </a:r>
           </a:p>
           <a:p>
@@ -16805,7 +15805,7 @@
 </p:sld>
 </file>
 
-<file path=ppt/slides/slide23.xml><?xml version="1.0" encoding="utf-8"?>
+<file path=ppt/slides/slide22.xml><?xml version="1.0" encoding="utf-8"?>
 <p:sld xmlns:a="http://schemas.openxmlformats.org/drawingml/2006/main" xmlns:r="http://schemas.openxmlformats.org/officeDocument/2006/relationships" xmlns:p="http://schemas.openxmlformats.org/presentationml/2006/main">
   <p:cSld>
     <p:spTree>
@@ -16861,7 +15861,7 @@
           <a:effectLst/>
           <a:extLst>
             <a:ext uri="{AF507438-7753-43e0-B8FC-AC1667EBCBE1}">
-              <a14:hiddenEffects xmlns="" xmlns:a14="http://schemas.microsoft.com/office/drawing/2010/main">
+              <a14:hiddenEffects xmlns:a14="http://schemas.microsoft.com/office/drawing/2010/main" xmlns="">
                 <a:effectLst>
                   <a:outerShdw dist="35921" dir="2700000" algn="ctr" rotWithShape="0">
                     <a:schemeClr val="bg2"/>
@@ -17021,7 +16021,7 @@
           <a:effectLst/>
           <a:extLst>
             <a:ext uri="{AF507438-7753-43e0-B8FC-AC1667EBCBE1}">
-              <a14:hiddenEffects xmlns:a14="http://schemas.microsoft.com/office/drawing/2010/main" xmlns="">
+              <a14:hiddenEffects xmlns="" xmlns:a14="http://schemas.microsoft.com/office/drawing/2010/main">
                 <a:effectLst>
                   <a:outerShdw dist="35921" dir="2700000" algn="ctr" rotWithShape="0">
                     <a:schemeClr val="bg2"/>
@@ -17096,7 +16096,7 @@
             <a:fld id="{48105EDC-34E1-4D80-B051-D0CBD59863B8}" type="slidenum">
               <a:rPr lang="de-DE" altLang="de-DE" smtClean="0"/>
               <a:pPr/>
-              <a:t>23</a:t>
+              <a:t>22</a:t>
             </a:fld>
             <a:endParaRPr lang="de-DE" altLang="de-DE">
               <a:solidFill>
@@ -17217,7 +16217,7 @@
           <a:p>
             <a:r>
               <a:rPr lang="en-US" sz="1800" dirty="0"/>
-              <a:t>Add</a:t>
+              <a:t>Add and append</a:t>
             </a:r>
           </a:p>
           <a:p>
@@ -17356,7 +16356,7 @@
           <a:effectLst/>
           <a:extLst>
             <a:ext uri="{AF507438-7753-43e0-B8FC-AC1667EBCBE1}">
-              <a14:hiddenEffects xmlns="" xmlns:a14="http://schemas.microsoft.com/office/drawing/2010/main">
+              <a14:hiddenEffects xmlns:a14="http://schemas.microsoft.com/office/drawing/2010/main" xmlns="">
                 <a:effectLst>
                   <a:outerShdw dist="35921" dir="2700000" algn="ctr" rotWithShape="0">
                     <a:schemeClr val="bg2"/>
@@ -17554,7 +16554,7 @@
 </p:sld>
 </file>
 
-<file path=ppt/slides/slide24.xml><?xml version="1.0" encoding="utf-8"?>
+<file path=ppt/slides/slide23.xml><?xml version="1.0" encoding="utf-8"?>
 <p:sld xmlns:a="http://schemas.openxmlformats.org/drawingml/2006/main" xmlns:r="http://schemas.openxmlformats.org/officeDocument/2006/relationships" xmlns:p="http://schemas.openxmlformats.org/presentationml/2006/main">
   <p:cSld>
     <p:spTree>
@@ -17775,7 +16775,7 @@
           <a:effectLst/>
           <a:extLst>
             <a:ext uri="{AF507438-7753-43e0-B8FC-AC1667EBCBE1}">
-              <a14:hiddenEffects xmlns:a14="http://schemas.microsoft.com/office/drawing/2010/main" xmlns="">
+              <a14:hiddenEffects xmlns="" xmlns:a14="http://schemas.microsoft.com/office/drawing/2010/main">
                 <a:effectLst>
                   <a:outerShdw dist="35921" dir="2700000" algn="ctr" rotWithShape="0">
                     <a:schemeClr val="bg2"/>
@@ -17850,7 +16850,7 @@
             <a:fld id="{48105EDC-34E1-4D80-B051-D0CBD59863B8}" type="slidenum">
               <a:rPr lang="de-DE" altLang="de-DE" smtClean="0"/>
               <a:pPr/>
-              <a:t>24</a:t>
+              <a:t>23</a:t>
             </a:fld>
             <a:endParaRPr lang="de-DE" altLang="de-DE">
               <a:solidFill>
@@ -17971,7 +16971,7 @@
           <a:p>
             <a:r>
               <a:rPr lang="en-US" sz="1800" dirty="0"/>
-              <a:t>Add</a:t>
+              <a:t>Add and append</a:t>
             </a:r>
           </a:p>
           <a:p>
@@ -18530,7 +17530,7 @@
 </p:sld>
 </file>
 
-<file path=ppt/slides/slide25.xml><?xml version="1.0" encoding="utf-8"?>
+<file path=ppt/slides/slide24.xml><?xml version="1.0" encoding="utf-8"?>
 <p:sld xmlns:a="http://schemas.openxmlformats.org/drawingml/2006/main" xmlns:r="http://schemas.openxmlformats.org/officeDocument/2006/relationships" xmlns:p="http://schemas.openxmlformats.org/presentationml/2006/main">
   <p:cSld>
     <p:spTree>
@@ -18659,7 +17659,7 @@
           <a:effectLst/>
           <a:extLst>
             <a:ext uri="{AF507438-7753-43e0-B8FC-AC1667EBCBE1}">
-              <a14:hiddenEffects xmlns:a14="http://schemas.microsoft.com/office/drawing/2010/main" xmlns="">
+              <a14:hiddenEffects xmlns="" xmlns:a14="http://schemas.microsoft.com/office/drawing/2010/main">
                 <a:effectLst>
                   <a:outerShdw dist="35921" dir="2700000" algn="ctr" rotWithShape="0">
                     <a:schemeClr val="bg2"/>
@@ -18734,7 +17734,7 @@
             <a:fld id="{48105EDC-34E1-4D80-B051-D0CBD59863B8}" type="slidenum">
               <a:rPr lang="de-DE" altLang="de-DE" smtClean="0"/>
               <a:pPr/>
-              <a:t>25</a:t>
+              <a:t>24</a:t>
             </a:fld>
             <a:endParaRPr lang="de-DE" altLang="de-DE">
               <a:solidFill>
@@ -18855,7 +17855,7 @@
           <a:p>
             <a:r>
               <a:rPr lang="en-US" sz="1800" dirty="0"/>
-              <a:t>Add</a:t>
+              <a:t>Add and append</a:t>
             </a:r>
           </a:p>
           <a:p>
@@ -18950,7 +17950,7 @@
             <a:effectLst/>
             <a:extLst>
               <a:ext uri="{AF507438-7753-43e0-B8FC-AC1667EBCBE1}">
-                <a14:hiddenEffects xmlns="" xmlns:a14="http://schemas.microsoft.com/office/drawing/2010/main">
+                <a14:hiddenEffects xmlns:a14="http://schemas.microsoft.com/office/drawing/2010/main" xmlns="">
                   <a:effectLst>
                     <a:outerShdw dist="35921" dir="2700000" algn="ctr" rotWithShape="0">
                       <a:schemeClr val="bg2"/>
@@ -19159,7 +18159,7 @@
             <a:effectLst/>
             <a:extLst>
               <a:ext uri="{AF507438-7753-43e0-B8FC-AC1667EBCBE1}">
-                <a14:hiddenEffects xmlns="" xmlns:a14="http://schemas.microsoft.com/office/drawing/2010/main">
+                <a14:hiddenEffects xmlns:a14="http://schemas.microsoft.com/office/drawing/2010/main" xmlns="">
                   <a:effectLst>
                     <a:outerShdw dist="35921" dir="2700000" algn="ctr" rotWithShape="0">
                       <a:schemeClr val="bg2"/>
@@ -19224,7 +18224,7 @@
             <a:effectLst/>
             <a:extLst>
               <a:ext uri="{AF507438-7753-43e0-B8FC-AC1667EBCBE1}">
-                <a14:hiddenEffects xmlns="" xmlns:a14="http://schemas.microsoft.com/office/drawing/2010/main">
+                <a14:hiddenEffects xmlns:a14="http://schemas.microsoft.com/office/drawing/2010/main" xmlns="">
                   <a:effectLst>
                     <a:outerShdw dist="35921" dir="2700000" algn="ctr" rotWithShape="0">
                       <a:schemeClr val="bg2"/>
@@ -19362,7 +18362,7 @@
             <a:effectLst/>
             <a:extLst>
               <a:ext uri="{AF507438-7753-43e0-B8FC-AC1667EBCBE1}">
-                <a14:hiddenEffects xmlns="" xmlns:a14="http://schemas.microsoft.com/office/drawing/2010/main">
+                <a14:hiddenEffects xmlns:a14="http://schemas.microsoft.com/office/drawing/2010/main" xmlns="">
                   <a:effectLst>
                     <a:outerShdw dist="35921" dir="2700000" algn="ctr" rotWithShape="0">
                       <a:schemeClr val="bg2"/>
@@ -19427,7 +18427,7 @@
             <a:effectLst/>
             <a:extLst>
               <a:ext uri="{AF507438-7753-43e0-B8FC-AC1667EBCBE1}">
-                <a14:hiddenEffects xmlns="" xmlns:a14="http://schemas.microsoft.com/office/drawing/2010/main">
+                <a14:hiddenEffects xmlns:a14="http://schemas.microsoft.com/office/drawing/2010/main" xmlns="">
                   <a:effectLst>
                     <a:outerShdw dist="35921" dir="2700000" algn="ctr" rotWithShape="0">
                       <a:schemeClr val="bg2"/>
@@ -19565,7 +18565,7 @@
             <a:effectLst/>
             <a:extLst>
               <a:ext uri="{AF507438-7753-43e0-B8FC-AC1667EBCBE1}">
-                <a14:hiddenEffects xmlns="" xmlns:a14="http://schemas.microsoft.com/office/drawing/2010/main">
+                <a14:hiddenEffects xmlns:a14="http://schemas.microsoft.com/office/drawing/2010/main" xmlns="">
                   <a:effectLst>
                     <a:outerShdw dist="35921" dir="2700000" algn="ctr" rotWithShape="0">
                       <a:schemeClr val="bg2"/>
@@ -19650,7 +18650,7 @@
               <a:effectLst/>
               <a:extLst>
                 <a:ext uri="{AF507438-7753-43e0-B8FC-AC1667EBCBE1}">
-                  <a14:hiddenEffects xmlns="" xmlns:a14="http://schemas.microsoft.com/office/drawing/2010/main">
+                  <a14:hiddenEffects xmlns:a14="http://schemas.microsoft.com/office/drawing/2010/main" xmlns="">
                     <a:effectLst>
                       <a:outerShdw dist="35921" dir="2700000" algn="ctr" rotWithShape="0">
                         <a:schemeClr val="bg2"/>
@@ -19812,7 +18812,7 @@
             <a:effectLst/>
             <a:extLst>
               <a:ext uri="{AF507438-7753-43e0-B8FC-AC1667EBCBE1}">
-                <a14:hiddenEffects xmlns="" xmlns:a14="http://schemas.microsoft.com/office/drawing/2010/main">
+                <a14:hiddenEffects xmlns:a14="http://schemas.microsoft.com/office/drawing/2010/main" xmlns="">
                   <a:effectLst>
                     <a:outerShdw dist="35921" dir="2700000" algn="ctr" rotWithShape="0">
                       <a:schemeClr val="bg2"/>
@@ -20231,6 +19231,493 @@
 </p:sld>
 </file>
 
+<file path=ppt/slides/slide25.xml><?xml version="1.0" encoding="utf-8"?>
+<p:sld xmlns:a="http://schemas.openxmlformats.org/drawingml/2006/main" xmlns:r="http://schemas.openxmlformats.org/officeDocument/2006/relationships" xmlns:p="http://schemas.openxmlformats.org/presentationml/2006/main">
+  <p:cSld>
+    <p:spTree>
+      <p:nvGrpSpPr>
+        <p:cNvPr id="1" name=""/>
+        <p:cNvGrpSpPr/>
+        <p:nvPr/>
+      </p:nvGrpSpPr>
+      <p:grpSpPr>
+        <a:xfrm>
+          <a:off x="0" y="0"/>
+          <a:ext cx="0" cy="0"/>
+          <a:chOff x="0" y="0"/>
+          <a:chExt cx="0" cy="0"/>
+        </a:xfrm>
+      </p:grpSpPr>
+      <p:sp>
+        <p:nvSpPr>
+          <p:cNvPr id="4" name="Rectangle 3">
+            <a:extLst>
+              <a:ext uri="{FF2B5EF4-FFF2-40B4-BE49-F238E27FC236}">
+                <a16:creationId xmlns:a16="http://schemas.microsoft.com/office/drawing/2014/main" id="{741E6F0F-8952-48F7-B8A6-5C00D4C8363A}"/>
+              </a:ext>
+            </a:extLst>
+          </p:cNvPr>
+          <p:cNvSpPr/>
+          <p:nvPr/>
+        </p:nvSpPr>
+        <p:spPr bwMode="auto">
+          <a:xfrm>
+            <a:off x="0" y="0"/>
+            <a:ext cx="9144000" cy="627534"/>
+          </a:xfrm>
+          <a:prstGeom prst="rect">
+            <a:avLst/>
+          </a:prstGeom>
+          <a:solidFill>
+            <a:srgbClr val="00589C"/>
+          </a:solidFill>
+          <a:ln w="9525" cap="flat" cmpd="sng" algn="ctr">
+            <a:solidFill>
+              <a:srgbClr val="00589C"/>
+            </a:solidFill>
+            <a:prstDash val="solid"/>
+            <a:round/>
+            <a:headEnd type="none" w="med" len="med"/>
+            <a:tailEnd type="none" w="med" len="med"/>
+          </a:ln>
+          <a:effectLst/>
+          <a:extLst>
+            <a:ext uri="{AF507438-7753-43e0-B8FC-AC1667EBCBE1}">
+              <a14:hiddenEffects xmlns="" xmlns:a14="http://schemas.microsoft.com/office/drawing/2010/main">
+                <a:effectLst>
+                  <a:outerShdw dist="35921" dir="2700000" algn="ctr" rotWithShape="0">
+                    <a:schemeClr val="bg2"/>
+                  </a:outerShdw>
+                </a:effectLst>
+              </a14:hiddenEffects>
+            </a:ext>
+          </a:extLst>
+        </p:spPr>
+        <p:txBody>
+          <a:bodyPr vert="horz" wrap="square" lIns="91440" tIns="45720" rIns="91440" bIns="45720" numCol="1" rtlCol="0" anchor="ctr" anchorCtr="0" compatLnSpc="1">
+            <a:prstTxWarp prst="textNoShape">
+              <a:avLst/>
+            </a:prstTxWarp>
+          </a:bodyPr>
+          <a:lstStyle/>
+          <a:p>
+            <a:pPr marL="0" marR="0" indent="0" algn="l" defTabSz="914400" rtl="0" eaLnBrk="0" fontAlgn="base" latinLnBrk="0" hangingPunct="0">
+              <a:lnSpc>
+                <a:spcPct val="100000"/>
+              </a:lnSpc>
+              <a:spcBef>
+                <a:spcPct val="0"/>
+              </a:spcBef>
+              <a:spcAft>
+                <a:spcPct val="0"/>
+              </a:spcAft>
+              <a:buClrTx/>
+              <a:buSzTx/>
+              <a:buFontTx/>
+              <a:buNone/>
+              <a:tabLst/>
+            </a:pPr>
+            <a:r>
+              <a:rPr kumimoji="0" lang="en-US" sz="2000" b="1" i="0" u="none" strike="noStrike" cap="none" normalizeH="0" baseline="0" dirty="0">
+                <a:ln>
+                  <a:noFill/>
+                </a:ln>
+                <a:solidFill>
+                  <a:schemeClr val="bg1"/>
+                </a:solidFill>
+                <a:effectLst/>
+                <a:latin typeface="+mj-lt"/>
+                <a:ea typeface="ＭＳ Ｐゴシック" pitchFamily="96" charset="-128"/>
+              </a:rPr>
+              <a:t>Topic 1. Introduction to R</a:t>
+            </a:r>
+          </a:p>
+        </p:txBody>
+      </p:sp>
+      <p:sp>
+        <p:nvSpPr>
+          <p:cNvPr id="2" name="Slide Number Placeholder 1">
+            <a:extLst>
+              <a:ext uri="{FF2B5EF4-FFF2-40B4-BE49-F238E27FC236}">
+                <a16:creationId xmlns:a16="http://schemas.microsoft.com/office/drawing/2014/main" id="{4BA77301-7EC3-46B2-876D-812AAB1A3F7F}"/>
+              </a:ext>
+            </a:extLst>
+          </p:cNvPr>
+          <p:cNvSpPr>
+            <a:spLocks noGrp="1"/>
+          </p:cNvSpPr>
+          <p:nvPr>
+            <p:ph type="sldNum" sz="quarter" idx="11"/>
+          </p:nvPr>
+        </p:nvSpPr>
+        <p:spPr/>
+        <p:txBody>
+          <a:bodyPr/>
+          <a:lstStyle/>
+          <a:p>
+            <a:fld id="{48105EDC-34E1-4D80-B051-D0CBD59863B8}" type="slidenum">
+              <a:rPr lang="de-DE" altLang="de-DE" smtClean="0"/>
+              <a:pPr/>
+              <a:t>25</a:t>
+            </a:fld>
+            <a:endParaRPr lang="de-DE" altLang="de-DE">
+              <a:solidFill>
+                <a:schemeClr val="tx1"/>
+              </a:solidFill>
+            </a:endParaRPr>
+          </a:p>
+        </p:txBody>
+      </p:sp>
+      <p:sp>
+        <p:nvSpPr>
+          <p:cNvPr id="38" name="Rectangle 37">
+            <a:extLst>
+              <a:ext uri="{FF2B5EF4-FFF2-40B4-BE49-F238E27FC236}">
+                <a16:creationId xmlns:a16="http://schemas.microsoft.com/office/drawing/2014/main" id="{E154590B-CABE-4A07-956E-ABD19B1D7A9A}"/>
+              </a:ext>
+            </a:extLst>
+          </p:cNvPr>
+          <p:cNvSpPr/>
+          <p:nvPr/>
+        </p:nvSpPr>
+        <p:spPr>
+          <a:xfrm>
+            <a:off x="611560" y="767484"/>
+            <a:ext cx="2690160" cy="400110"/>
+          </a:xfrm>
+          <a:prstGeom prst="rect">
+            <a:avLst/>
+          </a:prstGeom>
+          <a:ln>
+            <a:noFill/>
+          </a:ln>
+          <a:effectLst>
+            <a:outerShdw blurRad="44450" dist="27940" dir="5400000" algn="ctr">
+              <a:srgbClr val="000000">
+                <a:alpha val="32000"/>
+              </a:srgbClr>
+            </a:outerShdw>
+          </a:effectLst>
+          <a:scene3d>
+            <a:camera prst="orthographicFront">
+              <a:rot lat="0" lon="0" rev="0"/>
+            </a:camera>
+            <a:lightRig rig="balanced" dir="t">
+              <a:rot lat="0" lon="0" rev="8700000"/>
+            </a:lightRig>
+          </a:scene3d>
+          <a:sp3d>
+            <a:bevelT w="190500" h="38100"/>
+          </a:sp3d>
+        </p:spPr>
+        <p:txBody>
+          <a:bodyPr wrap="none">
+            <a:spAutoFit/>
+          </a:bodyPr>
+          <a:lstStyle/>
+          <a:p>
+            <a:r>
+              <a:rPr lang="en-US" sz="2000" b="1" dirty="0">
+                <a:solidFill>
+                  <a:srgbClr val="00589C"/>
+                </a:solidFill>
+              </a:rPr>
+              <a:t>5. Data manipulation</a:t>
+            </a:r>
+          </a:p>
+        </p:txBody>
+      </p:sp>
+      <p:sp>
+        <p:nvSpPr>
+          <p:cNvPr id="22" name="TextBox 21">
+            <a:extLst>
+              <a:ext uri="{FF2B5EF4-FFF2-40B4-BE49-F238E27FC236}">
+                <a16:creationId xmlns:a16="http://schemas.microsoft.com/office/drawing/2014/main" id="{1177F1C9-3ADC-48A4-A8C3-68F2E28AB679}"/>
+              </a:ext>
+            </a:extLst>
+          </p:cNvPr>
+          <p:cNvSpPr txBox="1"/>
+          <p:nvPr/>
+        </p:nvSpPr>
+        <p:spPr>
+          <a:xfrm>
+            <a:off x="684630" y="1628924"/>
+            <a:ext cx="1872208" cy="2308324"/>
+          </a:xfrm>
+          <a:prstGeom prst="rect">
+            <a:avLst/>
+          </a:prstGeom>
+          <a:solidFill>
+            <a:schemeClr val="accent3">
+              <a:lumMod val="95000"/>
+            </a:schemeClr>
+          </a:solidFill>
+        </p:spPr>
+        <p:txBody>
+          <a:bodyPr wrap="square" rtlCol="0">
+            <a:spAutoFit/>
+          </a:bodyPr>
+          <a:lstStyle/>
+          <a:p>
+            <a:r>
+              <a:rPr lang="en-US" sz="1800" dirty="0"/>
+              <a:t>Create</a:t>
+            </a:r>
+          </a:p>
+          <a:p>
+            <a:r>
+              <a:rPr lang="en-US" sz="1800" dirty="0"/>
+              <a:t>Rename</a:t>
+            </a:r>
+          </a:p>
+          <a:p>
+            <a:r>
+              <a:rPr lang="en-US" sz="1800" dirty="0"/>
+              <a:t>Alter</a:t>
+            </a:r>
+          </a:p>
+          <a:p>
+            <a:r>
+              <a:rPr lang="en-US" sz="1800" dirty="0"/>
+              <a:t>Add and append</a:t>
+            </a:r>
+          </a:p>
+          <a:p>
+            <a:r>
+              <a:rPr lang="en-US" sz="1800" dirty="0"/>
+              <a:t>Sort</a:t>
+            </a:r>
+          </a:p>
+          <a:p>
+            <a:r>
+              <a:rPr lang="en-US" sz="1800" dirty="0"/>
+              <a:t>Merge</a:t>
+            </a:r>
+          </a:p>
+          <a:p>
+            <a:r>
+              <a:rPr lang="en-US" sz="1800" dirty="0"/>
+              <a:t>Filter and subset</a:t>
+            </a:r>
+          </a:p>
+          <a:p>
+            <a:r>
+              <a:rPr lang="en-US" sz="1800" dirty="0">
+                <a:solidFill>
+                  <a:srgbClr val="00589C"/>
+                </a:solidFill>
+                <a:effectLst>
+                  <a:outerShdw blurRad="38100" dist="38100" dir="2700000" algn="tl">
+                    <a:srgbClr val="000000">
+                      <a:alpha val="43137"/>
+                    </a:srgbClr>
+                  </a:outerShdw>
+                </a:effectLst>
+              </a:rPr>
+              <a:t>Aggregation</a:t>
+            </a:r>
+          </a:p>
+        </p:txBody>
+      </p:sp>
+      <p:sp>
+        <p:nvSpPr>
+          <p:cNvPr id="3" name="TextBox 2">
+            <a:extLst>
+              <a:ext uri="{FF2B5EF4-FFF2-40B4-BE49-F238E27FC236}">
+                <a16:creationId xmlns:a16="http://schemas.microsoft.com/office/drawing/2014/main" id="{FD52FE82-7A65-49B3-9B57-A810F380DE88}"/>
+              </a:ext>
+            </a:extLst>
+          </p:cNvPr>
+          <p:cNvSpPr txBox="1"/>
+          <p:nvPr/>
+        </p:nvSpPr>
+        <p:spPr>
+          <a:xfrm>
+            <a:off x="3594050" y="1965263"/>
+            <a:ext cx="4896544" cy="1569660"/>
+          </a:xfrm>
+          <a:prstGeom prst="rect">
+            <a:avLst/>
+          </a:prstGeom>
+          <a:noFill/>
+        </p:spPr>
+        <p:txBody>
+          <a:bodyPr wrap="square" rtlCol="0">
+            <a:spAutoFit/>
+          </a:bodyPr>
+          <a:lstStyle/>
+          <a:p>
+            <a:pPr algn="l"/>
+            <a:r>
+              <a:rPr lang="en-US" sz="1200" b="1" i="0" dirty="0">
+                <a:solidFill>
+                  <a:srgbClr val="4B4F4F"/>
+                </a:solidFill>
+                <a:effectLst/>
+                <a:latin typeface="Plain"/>
+              </a:rPr>
+              <a:t>data aggregation</a:t>
+            </a:r>
+            <a:r>
+              <a:rPr lang="en-US" sz="1200" b="0" i="0" dirty="0">
+                <a:solidFill>
+                  <a:srgbClr val="4B4F4F"/>
+                </a:solidFill>
+                <a:effectLst/>
+                <a:latin typeface="Plain"/>
+              </a:rPr>
+              <a:t> </a:t>
+            </a:r>
+          </a:p>
+          <a:p>
+            <a:pPr algn="l"/>
+            <a:r>
+              <a:rPr lang="en-US" sz="1200" b="0" i="0" dirty="0">
+                <a:solidFill>
+                  <a:srgbClr val="4B4F4F"/>
+                </a:solidFill>
+                <a:effectLst/>
+                <a:latin typeface="Plain"/>
+              </a:rPr>
+              <a:t>compile typically amounts of information and organize it into a more comprehensive medium. </a:t>
+            </a:r>
+          </a:p>
+          <a:p>
+            <a:pPr algn="l"/>
+            <a:endParaRPr lang="en-US" sz="1200" dirty="0">
+              <a:solidFill>
+                <a:srgbClr val="4B4F4F"/>
+              </a:solidFill>
+              <a:latin typeface="Plain"/>
+            </a:endParaRPr>
+          </a:p>
+          <a:p>
+            <a:pPr marL="171450" indent="-171450" algn="l">
+              <a:buFont typeface="Courier New" panose="02070309020205020404" pitchFamily="49" charset="0"/>
+              <a:buChar char="o"/>
+            </a:pPr>
+            <a:r>
+              <a:rPr lang="en-US" sz="1200" b="0" i="0" dirty="0">
+                <a:solidFill>
+                  <a:srgbClr val="4B4F4F"/>
+                </a:solidFill>
+                <a:effectLst/>
+                <a:latin typeface="Plain"/>
+              </a:rPr>
+              <a:t>Summarize information</a:t>
+            </a:r>
+          </a:p>
+          <a:p>
+            <a:pPr marL="171450" indent="-171450" algn="l">
+              <a:buFont typeface="Courier New" panose="02070309020205020404" pitchFamily="49" charset="0"/>
+              <a:buChar char="o"/>
+            </a:pPr>
+            <a:r>
+              <a:rPr lang="en-US" sz="1200" dirty="0">
+                <a:solidFill>
+                  <a:srgbClr val="4B4F4F"/>
+                </a:solidFill>
+                <a:latin typeface="Plain"/>
+              </a:rPr>
+              <a:t>Make conclusion</a:t>
+            </a:r>
+          </a:p>
+          <a:p>
+            <a:pPr marL="171450" indent="-171450" algn="l">
+              <a:buFont typeface="Courier New" panose="02070309020205020404" pitchFamily="49" charset="0"/>
+              <a:buChar char="o"/>
+            </a:pPr>
+            <a:r>
+              <a:rPr lang="en-US" sz="1200" dirty="0">
+                <a:solidFill>
+                  <a:srgbClr val="4B4F4F"/>
+                </a:solidFill>
+                <a:latin typeface="Plain"/>
+              </a:rPr>
+              <a:t>Shrink data</a:t>
+            </a:r>
+          </a:p>
+          <a:p>
+            <a:pPr marL="171450" indent="-171450" algn="l">
+              <a:buFont typeface="Courier New" panose="02070309020205020404" pitchFamily="49" charset="0"/>
+              <a:buChar char="o"/>
+            </a:pPr>
+            <a:r>
+              <a:rPr lang="en-US" sz="1200" dirty="0">
+                <a:solidFill>
+                  <a:srgbClr val="4B4F4F"/>
+                </a:solidFill>
+                <a:latin typeface="Plain"/>
+              </a:rPr>
+              <a:t>Group statistics</a:t>
+            </a:r>
+          </a:p>
+        </p:txBody>
+      </p:sp>
+      <p:sp>
+        <p:nvSpPr>
+          <p:cNvPr id="8" name="TextBox 7">
+            <a:extLst>
+              <a:ext uri="{FF2B5EF4-FFF2-40B4-BE49-F238E27FC236}">
+                <a16:creationId xmlns:a16="http://schemas.microsoft.com/office/drawing/2014/main" id="{6C55D07E-0456-425E-9C47-91D25AFF1C28}"/>
+              </a:ext>
+            </a:extLst>
+          </p:cNvPr>
+          <p:cNvSpPr txBox="1"/>
+          <p:nvPr/>
+        </p:nvSpPr>
+        <p:spPr>
+          <a:xfrm>
+            <a:off x="6228185" y="2859782"/>
+            <a:ext cx="1368152" cy="400110"/>
+          </a:xfrm>
+          <a:prstGeom prst="rect">
+            <a:avLst/>
+          </a:prstGeom>
+          <a:solidFill>
+            <a:schemeClr val="accent5"/>
+          </a:solidFill>
+        </p:spPr>
+        <p:txBody>
+          <a:bodyPr wrap="square">
+            <a:spAutoFit/>
+          </a:bodyPr>
+          <a:lstStyle/>
+          <a:p>
+            <a:pPr algn="ctr"/>
+            <a:r>
+              <a:rPr lang="en-US" sz="2000" dirty="0">
+                <a:solidFill>
+                  <a:srgbClr val="004D95"/>
+                </a:solidFill>
+                <a:effectLst/>
+                <a:latin typeface="Calibri" panose="020F0502020204030204" pitchFamily="34" charset="0"/>
+                <a:ea typeface="DengXian" panose="02010600030101010101" pitchFamily="2" charset="-122"/>
+                <a:cs typeface="Times New Roman" panose="02020603050405020304" pitchFamily="18" charset="0"/>
+              </a:rPr>
+              <a:t>aggregate()</a:t>
+            </a:r>
+            <a:endParaRPr lang="en-US" sz="2000" dirty="0">
+              <a:solidFill>
+                <a:srgbClr val="004D95"/>
+              </a:solidFill>
+            </a:endParaRPr>
+          </a:p>
+        </p:txBody>
+      </p:sp>
+    </p:spTree>
+    <p:extLst>
+      <p:ext uri="{BB962C8B-B14F-4D97-AF65-F5344CB8AC3E}">
+        <p14:creationId xmlns:p14="http://schemas.microsoft.com/office/powerpoint/2010/main" val="4162317249"/>
+      </p:ext>
+    </p:extLst>
+  </p:cSld>
+  <p:clrMapOvr>
+    <a:masterClrMapping/>
+  </p:clrMapOvr>
+</p:sld>
+</file>
+
 <file path=ppt/slides/slide26.xml><?xml version="1.0" encoding="utf-8"?>
 <p:sld xmlns:a="http://schemas.openxmlformats.org/drawingml/2006/main" xmlns:r="http://schemas.openxmlformats.org/officeDocument/2006/relationships" xmlns:p="http://schemas.openxmlformats.org/presentationml/2006/main">
   <p:cSld>
@@ -20283,7 +19770,7 @@
           <a:effectLst/>
           <a:extLst>
             <a:ext uri="{AF507438-7753-43e0-B8FC-AC1667EBCBE1}">
-              <a14:hiddenEffects xmlns:a14="http://schemas.microsoft.com/office/drawing/2010/main" xmlns="">
+              <a14:hiddenEffects xmlns="" xmlns:a14="http://schemas.microsoft.com/office/drawing/2010/main">
                 <a:effectLst>
                   <a:outerShdw dist="35921" dir="2700000" algn="ctr" rotWithShape="0">
                     <a:schemeClr val="bg2"/>
@@ -20359,430 +19846,6 @@
               <a:rPr lang="de-DE" altLang="de-DE" smtClean="0"/>
               <a:pPr/>
               <a:t>26</a:t>
-            </a:fld>
-            <a:endParaRPr lang="de-DE" altLang="de-DE">
-              <a:solidFill>
-                <a:schemeClr val="tx1"/>
-              </a:solidFill>
-            </a:endParaRPr>
-          </a:p>
-        </p:txBody>
-      </p:sp>
-      <p:sp>
-        <p:nvSpPr>
-          <p:cNvPr id="38" name="Rectangle 37">
-            <a:extLst>
-              <a:ext uri="{FF2B5EF4-FFF2-40B4-BE49-F238E27FC236}">
-                <a16:creationId xmlns:a16="http://schemas.microsoft.com/office/drawing/2014/main" id="{E154590B-CABE-4A07-956E-ABD19B1D7A9A}"/>
-              </a:ext>
-            </a:extLst>
-          </p:cNvPr>
-          <p:cNvSpPr/>
-          <p:nvPr/>
-        </p:nvSpPr>
-        <p:spPr>
-          <a:xfrm>
-            <a:off x="611560" y="767484"/>
-            <a:ext cx="2690160" cy="400110"/>
-          </a:xfrm>
-          <a:prstGeom prst="rect">
-            <a:avLst/>
-          </a:prstGeom>
-          <a:ln>
-            <a:noFill/>
-          </a:ln>
-          <a:effectLst>
-            <a:outerShdw blurRad="44450" dist="27940" dir="5400000" algn="ctr">
-              <a:srgbClr val="000000">
-                <a:alpha val="32000"/>
-              </a:srgbClr>
-            </a:outerShdw>
-          </a:effectLst>
-          <a:scene3d>
-            <a:camera prst="orthographicFront">
-              <a:rot lat="0" lon="0" rev="0"/>
-            </a:camera>
-            <a:lightRig rig="balanced" dir="t">
-              <a:rot lat="0" lon="0" rev="8700000"/>
-            </a:lightRig>
-          </a:scene3d>
-          <a:sp3d>
-            <a:bevelT w="190500" h="38100"/>
-          </a:sp3d>
-        </p:spPr>
-        <p:txBody>
-          <a:bodyPr wrap="none">
-            <a:spAutoFit/>
-          </a:bodyPr>
-          <a:lstStyle/>
-          <a:p>
-            <a:r>
-              <a:rPr lang="en-US" sz="2000" b="1" dirty="0">
-                <a:solidFill>
-                  <a:srgbClr val="00589C"/>
-                </a:solidFill>
-              </a:rPr>
-              <a:t>5. Data manipulation</a:t>
-            </a:r>
-          </a:p>
-        </p:txBody>
-      </p:sp>
-      <p:sp>
-        <p:nvSpPr>
-          <p:cNvPr id="22" name="TextBox 21">
-            <a:extLst>
-              <a:ext uri="{FF2B5EF4-FFF2-40B4-BE49-F238E27FC236}">
-                <a16:creationId xmlns:a16="http://schemas.microsoft.com/office/drawing/2014/main" id="{1177F1C9-3ADC-48A4-A8C3-68F2E28AB679}"/>
-              </a:ext>
-            </a:extLst>
-          </p:cNvPr>
-          <p:cNvSpPr txBox="1"/>
-          <p:nvPr/>
-        </p:nvSpPr>
-        <p:spPr>
-          <a:xfrm>
-            <a:off x="684630" y="1628924"/>
-            <a:ext cx="1872208" cy="2308324"/>
-          </a:xfrm>
-          <a:prstGeom prst="rect">
-            <a:avLst/>
-          </a:prstGeom>
-          <a:solidFill>
-            <a:schemeClr val="accent3">
-              <a:lumMod val="95000"/>
-            </a:schemeClr>
-          </a:solidFill>
-        </p:spPr>
-        <p:txBody>
-          <a:bodyPr wrap="square" rtlCol="0">
-            <a:spAutoFit/>
-          </a:bodyPr>
-          <a:lstStyle/>
-          <a:p>
-            <a:r>
-              <a:rPr lang="en-US" sz="1800" dirty="0"/>
-              <a:t>Create</a:t>
-            </a:r>
-          </a:p>
-          <a:p>
-            <a:r>
-              <a:rPr lang="en-US" sz="1800" dirty="0"/>
-              <a:t>Rename</a:t>
-            </a:r>
-          </a:p>
-          <a:p>
-            <a:r>
-              <a:rPr lang="en-US" sz="1800" dirty="0"/>
-              <a:t>Alter</a:t>
-            </a:r>
-          </a:p>
-          <a:p>
-            <a:r>
-              <a:rPr lang="en-US" sz="1800" dirty="0"/>
-              <a:t>Add</a:t>
-            </a:r>
-          </a:p>
-          <a:p>
-            <a:r>
-              <a:rPr lang="en-US" sz="1800" dirty="0"/>
-              <a:t>Sort</a:t>
-            </a:r>
-          </a:p>
-          <a:p>
-            <a:r>
-              <a:rPr lang="en-US" sz="1800" dirty="0"/>
-              <a:t>Merge</a:t>
-            </a:r>
-          </a:p>
-          <a:p>
-            <a:r>
-              <a:rPr lang="en-US" sz="1800" dirty="0"/>
-              <a:t>Filter and subset</a:t>
-            </a:r>
-          </a:p>
-          <a:p>
-            <a:r>
-              <a:rPr lang="en-US" sz="1800" dirty="0">
-                <a:solidFill>
-                  <a:srgbClr val="00589C"/>
-                </a:solidFill>
-                <a:effectLst>
-                  <a:outerShdw blurRad="38100" dist="38100" dir="2700000" algn="tl">
-                    <a:srgbClr val="000000">
-                      <a:alpha val="43137"/>
-                    </a:srgbClr>
-                  </a:outerShdw>
-                </a:effectLst>
-              </a:rPr>
-              <a:t>Aggregation</a:t>
-            </a:r>
-          </a:p>
-        </p:txBody>
-      </p:sp>
-      <p:sp>
-        <p:nvSpPr>
-          <p:cNvPr id="3" name="TextBox 2">
-            <a:extLst>
-              <a:ext uri="{FF2B5EF4-FFF2-40B4-BE49-F238E27FC236}">
-                <a16:creationId xmlns:a16="http://schemas.microsoft.com/office/drawing/2014/main" id="{FD52FE82-7A65-49B3-9B57-A810F380DE88}"/>
-              </a:ext>
-            </a:extLst>
-          </p:cNvPr>
-          <p:cNvSpPr txBox="1"/>
-          <p:nvPr/>
-        </p:nvSpPr>
-        <p:spPr>
-          <a:xfrm>
-            <a:off x="3594050" y="1965263"/>
-            <a:ext cx="4896544" cy="1569660"/>
-          </a:xfrm>
-          <a:prstGeom prst="rect">
-            <a:avLst/>
-          </a:prstGeom>
-          <a:noFill/>
-        </p:spPr>
-        <p:txBody>
-          <a:bodyPr wrap="square" rtlCol="0">
-            <a:spAutoFit/>
-          </a:bodyPr>
-          <a:lstStyle/>
-          <a:p>
-            <a:pPr algn="l"/>
-            <a:r>
-              <a:rPr lang="en-US" sz="1200" b="1" i="0" dirty="0">
-                <a:solidFill>
-                  <a:srgbClr val="4B4F4F"/>
-                </a:solidFill>
-                <a:effectLst/>
-                <a:latin typeface="Plain"/>
-              </a:rPr>
-              <a:t>data aggregation</a:t>
-            </a:r>
-            <a:r>
-              <a:rPr lang="en-US" sz="1200" b="0" i="0" dirty="0">
-                <a:solidFill>
-                  <a:srgbClr val="4B4F4F"/>
-                </a:solidFill>
-                <a:effectLst/>
-                <a:latin typeface="Plain"/>
-              </a:rPr>
-              <a:t> </a:t>
-            </a:r>
-          </a:p>
-          <a:p>
-            <a:pPr algn="l"/>
-            <a:r>
-              <a:rPr lang="en-US" sz="1200" b="0" i="0" dirty="0">
-                <a:solidFill>
-                  <a:srgbClr val="4B4F4F"/>
-                </a:solidFill>
-                <a:effectLst/>
-                <a:latin typeface="Plain"/>
-              </a:rPr>
-              <a:t>compile typically amounts of information and organize it into a more comprehensive medium. </a:t>
-            </a:r>
-          </a:p>
-          <a:p>
-            <a:pPr algn="l"/>
-            <a:endParaRPr lang="en-US" sz="1200" dirty="0">
-              <a:solidFill>
-                <a:srgbClr val="4B4F4F"/>
-              </a:solidFill>
-              <a:latin typeface="Plain"/>
-            </a:endParaRPr>
-          </a:p>
-          <a:p>
-            <a:pPr algn="l"/>
-            <a:r>
-              <a:rPr lang="en-US" sz="1200" b="0" i="0" dirty="0">
-                <a:solidFill>
-                  <a:srgbClr val="4B4F4F"/>
-                </a:solidFill>
-                <a:effectLst/>
-                <a:latin typeface="Plain"/>
-              </a:rPr>
-              <a:t>Summarize information</a:t>
-            </a:r>
-          </a:p>
-          <a:p>
-            <a:pPr algn="l"/>
-            <a:r>
-              <a:rPr lang="en-US" sz="1200" dirty="0">
-                <a:solidFill>
-                  <a:srgbClr val="4B4F4F"/>
-                </a:solidFill>
-                <a:latin typeface="Plain"/>
-              </a:rPr>
-              <a:t>Make conclusion</a:t>
-            </a:r>
-          </a:p>
-          <a:p>
-            <a:pPr algn="l"/>
-            <a:r>
-              <a:rPr lang="en-US" sz="1200" dirty="0">
-                <a:solidFill>
-                  <a:srgbClr val="4B4F4F"/>
-                </a:solidFill>
-                <a:latin typeface="Plain"/>
-              </a:rPr>
-              <a:t>Shrink data</a:t>
-            </a:r>
-          </a:p>
-          <a:p>
-            <a:pPr algn="l"/>
-            <a:r>
-              <a:rPr lang="en-US" sz="1200" dirty="0">
-                <a:solidFill>
-                  <a:srgbClr val="4B4F4F"/>
-                </a:solidFill>
-                <a:latin typeface="Plain"/>
-              </a:rPr>
-              <a:t>Group statistics</a:t>
-            </a:r>
-          </a:p>
-        </p:txBody>
-      </p:sp>
-    </p:spTree>
-    <p:extLst>
-      <p:ext uri="{BB962C8B-B14F-4D97-AF65-F5344CB8AC3E}">
-        <p14:creationId xmlns:p14="http://schemas.microsoft.com/office/powerpoint/2010/main" val="4162317249"/>
-      </p:ext>
-    </p:extLst>
-  </p:cSld>
-  <p:clrMapOvr>
-    <a:masterClrMapping/>
-  </p:clrMapOvr>
-</p:sld>
-</file>
-
-<file path=ppt/slides/slide27.xml><?xml version="1.0" encoding="utf-8"?>
-<p:sld xmlns:a="http://schemas.openxmlformats.org/drawingml/2006/main" xmlns:r="http://schemas.openxmlformats.org/officeDocument/2006/relationships" xmlns:p="http://schemas.openxmlformats.org/presentationml/2006/main">
-  <p:cSld>
-    <p:spTree>
-      <p:nvGrpSpPr>
-        <p:cNvPr id="1" name=""/>
-        <p:cNvGrpSpPr/>
-        <p:nvPr/>
-      </p:nvGrpSpPr>
-      <p:grpSpPr>
-        <a:xfrm>
-          <a:off x="0" y="0"/>
-          <a:ext cx="0" cy="0"/>
-          <a:chOff x="0" y="0"/>
-          <a:chExt cx="0" cy="0"/>
-        </a:xfrm>
-      </p:grpSpPr>
-      <p:sp>
-        <p:nvSpPr>
-          <p:cNvPr id="4" name="Rectangle 3">
-            <a:extLst>
-              <a:ext uri="{FF2B5EF4-FFF2-40B4-BE49-F238E27FC236}">
-                <a16:creationId xmlns:a16="http://schemas.microsoft.com/office/drawing/2014/main" id="{741E6F0F-8952-48F7-B8A6-5C00D4C8363A}"/>
-              </a:ext>
-            </a:extLst>
-          </p:cNvPr>
-          <p:cNvSpPr/>
-          <p:nvPr/>
-        </p:nvSpPr>
-        <p:spPr bwMode="auto">
-          <a:xfrm>
-            <a:off x="0" y="0"/>
-            <a:ext cx="9144000" cy="627534"/>
-          </a:xfrm>
-          <a:prstGeom prst="rect">
-            <a:avLst/>
-          </a:prstGeom>
-          <a:solidFill>
-            <a:srgbClr val="00589C"/>
-          </a:solidFill>
-          <a:ln w="9525" cap="flat" cmpd="sng" algn="ctr">
-            <a:solidFill>
-              <a:srgbClr val="00589C"/>
-            </a:solidFill>
-            <a:prstDash val="solid"/>
-            <a:round/>
-            <a:headEnd type="none" w="med" len="med"/>
-            <a:tailEnd type="none" w="med" len="med"/>
-          </a:ln>
-          <a:effectLst/>
-          <a:extLst>
-            <a:ext uri="{AF507438-7753-43e0-B8FC-AC1667EBCBE1}">
-              <a14:hiddenEffects xmlns:a14="http://schemas.microsoft.com/office/drawing/2010/main" xmlns="">
-                <a:effectLst>
-                  <a:outerShdw dist="35921" dir="2700000" algn="ctr" rotWithShape="0">
-                    <a:schemeClr val="bg2"/>
-                  </a:outerShdw>
-                </a:effectLst>
-              </a14:hiddenEffects>
-            </a:ext>
-          </a:extLst>
-        </p:spPr>
-        <p:txBody>
-          <a:bodyPr vert="horz" wrap="square" lIns="91440" tIns="45720" rIns="91440" bIns="45720" numCol="1" rtlCol="0" anchor="ctr" anchorCtr="0" compatLnSpc="1">
-            <a:prstTxWarp prst="textNoShape">
-              <a:avLst/>
-            </a:prstTxWarp>
-          </a:bodyPr>
-          <a:lstStyle/>
-          <a:p>
-            <a:pPr marL="0" marR="0" indent="0" algn="l" defTabSz="914400" rtl="0" eaLnBrk="0" fontAlgn="base" latinLnBrk="0" hangingPunct="0">
-              <a:lnSpc>
-                <a:spcPct val="100000"/>
-              </a:lnSpc>
-              <a:spcBef>
-                <a:spcPct val="0"/>
-              </a:spcBef>
-              <a:spcAft>
-                <a:spcPct val="0"/>
-              </a:spcAft>
-              <a:buClrTx/>
-              <a:buSzTx/>
-              <a:buFontTx/>
-              <a:buNone/>
-              <a:tabLst/>
-            </a:pPr>
-            <a:r>
-              <a:rPr kumimoji="0" lang="en-US" sz="2000" b="1" i="0" u="none" strike="noStrike" cap="none" normalizeH="0" baseline="0" dirty="0">
-                <a:ln>
-                  <a:noFill/>
-                </a:ln>
-                <a:solidFill>
-                  <a:schemeClr val="bg1"/>
-                </a:solidFill>
-                <a:effectLst/>
-                <a:latin typeface="+mj-lt"/>
-                <a:ea typeface="ＭＳ Ｐゴシック" pitchFamily="96" charset="-128"/>
-              </a:rPr>
-              <a:t>Topic 1. Introduction to R</a:t>
-            </a:r>
-          </a:p>
-        </p:txBody>
-      </p:sp>
-      <p:sp>
-        <p:nvSpPr>
-          <p:cNvPr id="2" name="Slide Number Placeholder 1">
-            <a:extLst>
-              <a:ext uri="{FF2B5EF4-FFF2-40B4-BE49-F238E27FC236}">
-                <a16:creationId xmlns:a16="http://schemas.microsoft.com/office/drawing/2014/main" id="{4BA77301-7EC3-46B2-876D-812AAB1A3F7F}"/>
-              </a:ext>
-            </a:extLst>
-          </p:cNvPr>
-          <p:cNvSpPr>
-            <a:spLocks noGrp="1"/>
-          </p:cNvSpPr>
-          <p:nvPr>
-            <p:ph type="sldNum" sz="quarter" idx="11"/>
-          </p:nvPr>
-        </p:nvSpPr>
-        <p:spPr/>
-        <p:txBody>
-          <a:bodyPr/>
-          <a:lstStyle/>
-          <a:p>
-            <a:fld id="{48105EDC-34E1-4D80-B051-D0CBD59863B8}" type="slidenum">
-              <a:rPr lang="de-DE" altLang="de-DE" smtClean="0"/>
-              <a:pPr/>
-              <a:t>27</a:t>
             </a:fld>
             <a:endParaRPr lang="de-DE" altLang="de-DE">
               <a:solidFill>
@@ -21039,7 +20102,7 @@
                     <a:srgbClr val="004D95"/>
                   </a:solidFill>
                 </a:rPr>
-                <a:t>Year	month	day	rainfall	evaporation	discharge</a:t>
+                <a:t>year	month	day	rainfall	evaporation	discharge</a:t>
               </a:r>
             </a:p>
           </p:txBody>
@@ -21410,7 +20473,7 @@
             <a:effectLst/>
             <a:extLst>
               <a:ext uri="{AF507438-7753-43e0-B8FC-AC1667EBCBE1}">
-                <a14:hiddenEffects xmlns:a14="http://schemas.microsoft.com/office/drawing/2010/main" xmlns="">
+                <a14:hiddenEffects xmlns="" xmlns:a14="http://schemas.microsoft.com/office/drawing/2010/main">
                   <a:effectLst>
                     <a:outerShdw dist="35921" dir="2700000" algn="ctr" rotWithShape="0">
                       <a:schemeClr val="bg2"/>
@@ -21491,7 +20554,7 @@
             <a:effectLst/>
             <a:extLst>
               <a:ext uri="{AF507438-7753-43e0-B8FC-AC1667EBCBE1}">
-                <a14:hiddenEffects xmlns:a14="http://schemas.microsoft.com/office/drawing/2010/main" xmlns="">
+                <a14:hiddenEffects xmlns="" xmlns:a14="http://schemas.microsoft.com/office/drawing/2010/main">
                   <a:effectLst>
                     <a:outerShdw dist="35921" dir="2700000" algn="ctr" rotWithShape="0">
                       <a:schemeClr val="bg2"/>
@@ -21572,7 +20635,7 @@
             <a:effectLst/>
             <a:extLst>
               <a:ext uri="{AF507438-7753-43e0-B8FC-AC1667EBCBE1}">
-                <a14:hiddenEffects xmlns:a14="http://schemas.microsoft.com/office/drawing/2010/main" xmlns="">
+                <a14:hiddenEffects xmlns="" xmlns:a14="http://schemas.microsoft.com/office/drawing/2010/main">
                   <a:effectLst>
                     <a:outerShdw dist="35921" dir="2700000" algn="ctr" rotWithShape="0">
                       <a:schemeClr val="bg2"/>
@@ -21653,7 +20716,7 @@
             <a:effectLst/>
             <a:extLst>
               <a:ext uri="{AF507438-7753-43e0-B8FC-AC1667EBCBE1}">
-                <a14:hiddenEffects xmlns:a14="http://schemas.microsoft.com/office/drawing/2010/main" xmlns="">
+                <a14:hiddenEffects xmlns="" xmlns:a14="http://schemas.microsoft.com/office/drawing/2010/main">
                   <a:effectLst>
                     <a:outerShdw dist="35921" dir="2700000" algn="ctr" rotWithShape="0">
                       <a:schemeClr val="bg2"/>
@@ -21891,7 +20954,7 @@
             <a:effectLst/>
             <a:extLst>
               <a:ext uri="{AF507438-7753-43e0-B8FC-AC1667EBCBE1}">
-                <a14:hiddenEffects xmlns:a14="http://schemas.microsoft.com/office/drawing/2010/main" xmlns="">
+                <a14:hiddenEffects xmlns="" xmlns:a14="http://schemas.microsoft.com/office/drawing/2010/main">
                   <a:effectLst>
                     <a:outerShdw dist="35921" dir="2700000" algn="ctr" rotWithShape="0">
                       <a:schemeClr val="bg2"/>
@@ -21972,7 +21035,7 @@
             <a:effectLst/>
             <a:extLst>
               <a:ext uri="{AF507438-7753-43e0-B8FC-AC1667EBCBE1}">
-                <a14:hiddenEffects xmlns:a14="http://schemas.microsoft.com/office/drawing/2010/main" xmlns="">
+                <a14:hiddenEffects xmlns="" xmlns:a14="http://schemas.microsoft.com/office/drawing/2010/main">
                   <a:effectLst>
                     <a:outerShdw dist="35921" dir="2700000" algn="ctr" rotWithShape="0">
                       <a:schemeClr val="bg2"/>
@@ -22053,7 +21116,7 @@
             <a:effectLst/>
             <a:extLst>
               <a:ext uri="{AF507438-7753-43e0-B8FC-AC1667EBCBE1}">
-                <a14:hiddenEffects xmlns:a14="http://schemas.microsoft.com/office/drawing/2010/main" xmlns="">
+                <a14:hiddenEffects xmlns="" xmlns:a14="http://schemas.microsoft.com/office/drawing/2010/main">
                   <a:effectLst>
                     <a:outerShdw dist="35921" dir="2700000" algn="ctr" rotWithShape="0">
                       <a:schemeClr val="bg2"/>
@@ -22134,7 +21197,7 @@
             <a:effectLst/>
             <a:extLst>
               <a:ext uri="{AF507438-7753-43e0-B8FC-AC1667EBCBE1}">
-                <a14:hiddenEffects xmlns:a14="http://schemas.microsoft.com/office/drawing/2010/main" xmlns="">
+                <a14:hiddenEffects xmlns="" xmlns:a14="http://schemas.microsoft.com/office/drawing/2010/main">
                   <a:effectLst>
                     <a:outerShdw dist="35921" dir="2700000" algn="ctr" rotWithShape="0">
                       <a:schemeClr val="bg2"/>
@@ -22238,7 +21301,7 @@
             <a:effectLst/>
             <a:extLst>
               <a:ext uri="{AF507438-7753-43e0-B8FC-AC1667EBCBE1}">
-                <a14:hiddenEffects xmlns:a14="http://schemas.microsoft.com/office/drawing/2010/main" xmlns="">
+                <a14:hiddenEffects xmlns="" xmlns:a14="http://schemas.microsoft.com/office/drawing/2010/main">
                   <a:effectLst>
                     <a:outerShdw dist="35921" dir="2700000" algn="ctr" rotWithShape="0">
                       <a:schemeClr val="bg2"/>
@@ -22284,7 +21347,7 @@
             <a:effectLst/>
             <a:extLst>
               <a:ext uri="{AF507438-7753-43e0-B8FC-AC1667EBCBE1}">
-                <a14:hiddenEffects xmlns:a14="http://schemas.microsoft.com/office/drawing/2010/main" xmlns="">
+                <a14:hiddenEffects xmlns="" xmlns:a14="http://schemas.microsoft.com/office/drawing/2010/main">
                   <a:effectLst>
                     <a:outerShdw dist="35921" dir="2700000" algn="ctr" rotWithShape="0">
                       <a:schemeClr val="bg2"/>
@@ -22330,7 +21393,7 @@
             <a:effectLst/>
             <a:extLst>
               <a:ext uri="{AF507438-7753-43e0-B8FC-AC1667EBCBE1}">
-                <a14:hiddenEffects xmlns:a14="http://schemas.microsoft.com/office/drawing/2010/main" xmlns="">
+                <a14:hiddenEffects xmlns="" xmlns:a14="http://schemas.microsoft.com/office/drawing/2010/main">
                   <a:effectLst>
                     <a:outerShdw dist="35921" dir="2700000" algn="ctr" rotWithShape="0">
                       <a:schemeClr val="bg2"/>
@@ -22376,7 +21439,7 @@
             <a:effectLst/>
             <a:extLst>
               <a:ext uri="{AF507438-7753-43e0-B8FC-AC1667EBCBE1}">
-                <a14:hiddenEffects xmlns:a14="http://schemas.microsoft.com/office/drawing/2010/main" xmlns="">
+                <a14:hiddenEffects xmlns="" xmlns:a14="http://schemas.microsoft.com/office/drawing/2010/main">
                   <a:effectLst>
                     <a:outerShdw dist="35921" dir="2700000" algn="ctr" rotWithShape="0">
                       <a:schemeClr val="bg2"/>
@@ -22969,6 +22032,300 @@
 </p:sld>
 </file>
 
+<file path=ppt/slides/slide27.xml><?xml version="1.0" encoding="utf-8"?>
+<p:sld xmlns:a="http://schemas.openxmlformats.org/drawingml/2006/main" xmlns:r="http://schemas.openxmlformats.org/officeDocument/2006/relationships" xmlns:p="http://schemas.openxmlformats.org/presentationml/2006/main">
+  <p:cSld>
+    <p:spTree>
+      <p:nvGrpSpPr>
+        <p:cNvPr id="1" name=""/>
+        <p:cNvGrpSpPr/>
+        <p:nvPr/>
+      </p:nvGrpSpPr>
+      <p:grpSpPr>
+        <a:xfrm>
+          <a:off x="0" y="0"/>
+          <a:ext cx="0" cy="0"/>
+          <a:chOff x="0" y="0"/>
+          <a:chExt cx="0" cy="0"/>
+        </a:xfrm>
+      </p:grpSpPr>
+      <p:sp>
+        <p:nvSpPr>
+          <p:cNvPr id="4" name="Rectangle 3">
+            <a:extLst>
+              <a:ext uri="{FF2B5EF4-FFF2-40B4-BE49-F238E27FC236}">
+                <a16:creationId xmlns:a16="http://schemas.microsoft.com/office/drawing/2014/main" id="{741E6F0F-8952-48F7-B8A6-5C00D4C8363A}"/>
+              </a:ext>
+            </a:extLst>
+          </p:cNvPr>
+          <p:cNvSpPr/>
+          <p:nvPr/>
+        </p:nvSpPr>
+        <p:spPr bwMode="auto">
+          <a:xfrm>
+            <a:off x="0" y="0"/>
+            <a:ext cx="9144000" cy="627534"/>
+          </a:xfrm>
+          <a:prstGeom prst="rect">
+            <a:avLst/>
+          </a:prstGeom>
+          <a:solidFill>
+            <a:srgbClr val="00589C"/>
+          </a:solidFill>
+          <a:ln w="9525" cap="flat" cmpd="sng" algn="ctr">
+            <a:solidFill>
+              <a:srgbClr val="00589C"/>
+            </a:solidFill>
+            <a:prstDash val="solid"/>
+            <a:round/>
+            <a:headEnd type="none" w="med" len="med"/>
+            <a:tailEnd type="none" w="med" len="med"/>
+          </a:ln>
+          <a:effectLst/>
+          <a:extLst>
+            <a:ext uri="{AF507438-7753-43e0-B8FC-AC1667EBCBE1}">
+              <a14:hiddenEffects xmlns="" xmlns:a14="http://schemas.microsoft.com/office/drawing/2010/main">
+                <a:effectLst>
+                  <a:outerShdw dist="35921" dir="2700000" algn="ctr" rotWithShape="0">
+                    <a:schemeClr val="bg2"/>
+                  </a:outerShdw>
+                </a:effectLst>
+              </a14:hiddenEffects>
+            </a:ext>
+          </a:extLst>
+        </p:spPr>
+        <p:txBody>
+          <a:bodyPr vert="horz" wrap="square" lIns="91440" tIns="45720" rIns="91440" bIns="45720" numCol="1" rtlCol="0" anchor="ctr" anchorCtr="0" compatLnSpc="1">
+            <a:prstTxWarp prst="textNoShape">
+              <a:avLst/>
+            </a:prstTxWarp>
+          </a:bodyPr>
+          <a:lstStyle/>
+          <a:p>
+            <a:pPr eaLnBrk="0" hangingPunct="0"/>
+            <a:r>
+              <a:rPr kumimoji="0" lang="en-US" sz="2000" b="1" i="0" u="none" strike="noStrike" cap="none" normalizeH="0" baseline="0" dirty="0">
+                <a:ln>
+                  <a:noFill/>
+                </a:ln>
+                <a:solidFill>
+                  <a:schemeClr val="bg1"/>
+                </a:solidFill>
+                <a:effectLst/>
+                <a:latin typeface="+mj-lt"/>
+                <a:ea typeface="ＭＳ Ｐゴシック" pitchFamily="96" charset="-128"/>
+              </a:rPr>
+              <a:t>Topic 2</a:t>
+            </a:r>
+            <a:r>
+              <a:rPr lang="en-US" sz="2000" b="1" dirty="0">
+                <a:solidFill>
+                  <a:schemeClr val="bg1"/>
+                </a:solidFill>
+                <a:latin typeface="+mj-lt"/>
+                <a:ea typeface="ＭＳ Ｐゴシック" pitchFamily="96" charset="-128"/>
+              </a:rPr>
+              <a:t>. Exercise with R - Flood frequency analysis</a:t>
+            </a:r>
+            <a:endParaRPr kumimoji="0" lang="en-US" sz="2000" b="1" i="0" u="none" strike="noStrike" cap="none" normalizeH="0" baseline="0" dirty="0">
+              <a:ln>
+                <a:noFill/>
+              </a:ln>
+              <a:solidFill>
+                <a:schemeClr val="bg1"/>
+              </a:solidFill>
+              <a:effectLst/>
+              <a:latin typeface="+mj-lt"/>
+              <a:ea typeface="ＭＳ Ｐゴシック" pitchFamily="96" charset="-128"/>
+            </a:endParaRPr>
+          </a:p>
+        </p:txBody>
+      </p:sp>
+      <p:sp>
+        <p:nvSpPr>
+          <p:cNvPr id="2" name="Slide Number Placeholder 1">
+            <a:extLst>
+              <a:ext uri="{FF2B5EF4-FFF2-40B4-BE49-F238E27FC236}">
+                <a16:creationId xmlns:a16="http://schemas.microsoft.com/office/drawing/2014/main" id="{2070EC6C-AAF5-4D83-AEC1-C7F2433683BB}"/>
+              </a:ext>
+            </a:extLst>
+          </p:cNvPr>
+          <p:cNvSpPr>
+            <a:spLocks noGrp="1"/>
+          </p:cNvSpPr>
+          <p:nvPr>
+            <p:ph type="sldNum" sz="quarter" idx="11"/>
+          </p:nvPr>
+        </p:nvSpPr>
+        <p:spPr/>
+        <p:txBody>
+          <a:bodyPr/>
+          <a:lstStyle/>
+          <a:p>
+            <a:fld id="{48105EDC-34E1-4D80-B051-D0CBD59863B8}" type="slidenum">
+              <a:rPr lang="de-DE" altLang="de-DE" smtClean="0"/>
+              <a:pPr/>
+              <a:t>27</a:t>
+            </a:fld>
+            <a:endParaRPr lang="de-DE" altLang="de-DE">
+              <a:solidFill>
+                <a:schemeClr val="tx1"/>
+              </a:solidFill>
+            </a:endParaRPr>
+          </a:p>
+        </p:txBody>
+      </p:sp>
+      <p:sp>
+        <p:nvSpPr>
+          <p:cNvPr id="5" name="Rectangle 4">
+            <a:extLst>
+              <a:ext uri="{FF2B5EF4-FFF2-40B4-BE49-F238E27FC236}">
+                <a16:creationId xmlns:a16="http://schemas.microsoft.com/office/drawing/2014/main" id="{FFD55E64-A004-4FD3-9310-E6F296A645FD}"/>
+              </a:ext>
+            </a:extLst>
+          </p:cNvPr>
+          <p:cNvSpPr/>
+          <p:nvPr/>
+        </p:nvSpPr>
+        <p:spPr>
+          <a:xfrm>
+            <a:off x="1331640" y="1563638"/>
+            <a:ext cx="6961778" cy="1733808"/>
+          </a:xfrm>
+          <a:prstGeom prst="rect">
+            <a:avLst/>
+          </a:prstGeom>
+        </p:spPr>
+        <p:txBody>
+          <a:bodyPr wrap="square">
+            <a:spAutoFit/>
+          </a:bodyPr>
+          <a:lstStyle/>
+          <a:p>
+            <a:r>
+              <a:rPr lang="en-US" sz="2000" dirty="0">
+                <a:latin typeface="+mn-lt"/>
+              </a:rPr>
+              <a:t>Exercises: </a:t>
+            </a:r>
+          </a:p>
+          <a:p>
+            <a:pPr marL="342900" indent="-342900">
+              <a:spcAft>
+                <a:spcPts val="800"/>
+              </a:spcAft>
+              <a:buFont typeface="+mj-lt"/>
+              <a:buAutoNum type="arabicParenR"/>
+            </a:pPr>
+            <a:r>
+              <a:rPr lang="en-US" sz="1200" dirty="0">
+                <a:latin typeface="+mn-lt"/>
+              </a:rPr>
+              <a:t>get data into R: ./data/</a:t>
+            </a:r>
+            <a:r>
+              <a:rPr lang="en-US" sz="1200" b="1" dirty="0">
+                <a:solidFill>
+                  <a:srgbClr val="004D95"/>
+                </a:solidFill>
+                <a:latin typeface="+mn-lt"/>
+              </a:rPr>
+              <a:t>Example_data.csv</a:t>
+            </a:r>
+            <a:r>
+              <a:rPr lang="en-US" sz="1200" dirty="0">
+                <a:latin typeface="+mn-lt"/>
+              </a:rPr>
+              <a:t>, use </a:t>
+            </a:r>
+            <a:r>
+              <a:rPr lang="en-US" sz="1200" dirty="0" err="1">
+                <a:latin typeface="+mn-lt"/>
+              </a:rPr>
+              <a:t>read.table</a:t>
+            </a:r>
+            <a:r>
+              <a:rPr lang="en-US" sz="1200" dirty="0">
+                <a:latin typeface="+mn-lt"/>
+              </a:rPr>
+              <a:t>() function</a:t>
+            </a:r>
+          </a:p>
+          <a:p>
+            <a:pPr marL="342900" indent="-342900">
+              <a:spcAft>
+                <a:spcPts val="800"/>
+              </a:spcAft>
+              <a:buFont typeface="+mj-lt"/>
+              <a:buAutoNum type="arabicParenR"/>
+            </a:pPr>
+            <a:r>
+              <a:rPr lang="en-US" sz="1200" dirty="0">
+                <a:latin typeface="+mn-lt"/>
+              </a:rPr>
+              <a:t>How many days are there with discharge exceeding (&gt;=) 8000? </a:t>
+            </a:r>
+          </a:p>
+          <a:p>
+            <a:pPr marL="342900" indent="-342900">
+              <a:spcAft>
+                <a:spcPts val="800"/>
+              </a:spcAft>
+              <a:buFont typeface="+mj-lt"/>
+              <a:buAutoNum type="arabicParenR"/>
+            </a:pPr>
+            <a:r>
+              <a:rPr lang="en-US" sz="1200" dirty="0">
+                <a:latin typeface="+mn-lt"/>
+              </a:rPr>
+              <a:t>Which month has the most discharge days exceeding 8000? </a:t>
+            </a:r>
+          </a:p>
+          <a:p>
+            <a:pPr marL="342900" indent="-342900">
+              <a:spcAft>
+                <a:spcPts val="800"/>
+              </a:spcAft>
+              <a:buFont typeface="+mj-lt"/>
+              <a:buAutoNum type="arabicParenR"/>
+            </a:pPr>
+            <a:r>
+              <a:rPr lang="en-US" sz="1200" dirty="0">
+                <a:latin typeface="+mn-lt"/>
+              </a:rPr>
+              <a:t>Derive the annual maximum discharge series </a:t>
+            </a:r>
+          </a:p>
+          <a:p>
+            <a:pPr marL="342900" indent="-342900">
+              <a:spcAft>
+                <a:spcPts val="800"/>
+              </a:spcAft>
+              <a:buFont typeface="+mj-lt"/>
+              <a:buAutoNum type="arabicParenR"/>
+            </a:pPr>
+            <a:r>
+              <a:rPr lang="en-US" sz="1200" dirty="0">
+                <a:latin typeface="+mn-lt"/>
+              </a:rPr>
+              <a:t>Figure out in which day (date) the discharge reaches the maxima for each year </a:t>
+            </a:r>
+          </a:p>
+        </p:txBody>
+      </p:sp>
+    </p:spTree>
+    <p:extLst>
+      <p:ext uri="{BB962C8B-B14F-4D97-AF65-F5344CB8AC3E}">
+        <p14:creationId xmlns:p14="http://schemas.microsoft.com/office/powerpoint/2010/main" val="3608833754"/>
+      </p:ext>
+    </p:extLst>
+  </p:cSld>
+  <p:clrMapOvr>
+    <a:masterClrMapping/>
+  </p:clrMapOvr>
+</p:sld>
+</file>
+
 <file path=ppt/slides/slide28.xml><?xml version="1.0" encoding="utf-8"?>
 <p:sld xmlns:a="http://schemas.openxmlformats.org/drawingml/2006/main" xmlns:r="http://schemas.openxmlformats.org/officeDocument/2006/relationships" xmlns:p="http://schemas.openxmlformats.org/presentationml/2006/main">
   <p:cSld>
@@ -23021,301 +22378,7 @@
           <a:effectLst/>
           <a:extLst>
             <a:ext uri="{AF507438-7753-43e0-B8FC-AC1667EBCBE1}">
-              <a14:hiddenEffects xmlns:a14="http://schemas.microsoft.com/office/drawing/2010/main" xmlns="">
-                <a:effectLst>
-                  <a:outerShdw dist="35921" dir="2700000" algn="ctr" rotWithShape="0">
-                    <a:schemeClr val="bg2"/>
-                  </a:outerShdw>
-                </a:effectLst>
-              </a14:hiddenEffects>
-            </a:ext>
-          </a:extLst>
-        </p:spPr>
-        <p:txBody>
-          <a:bodyPr vert="horz" wrap="square" lIns="91440" tIns="45720" rIns="91440" bIns="45720" numCol="1" rtlCol="0" anchor="ctr" anchorCtr="0" compatLnSpc="1">
-            <a:prstTxWarp prst="textNoShape">
-              <a:avLst/>
-            </a:prstTxWarp>
-          </a:bodyPr>
-          <a:lstStyle/>
-          <a:p>
-            <a:pPr eaLnBrk="0" hangingPunct="0"/>
-            <a:r>
-              <a:rPr kumimoji="0" lang="en-US" sz="2000" b="1" i="0" u="none" strike="noStrike" cap="none" normalizeH="0" baseline="0" dirty="0">
-                <a:ln>
-                  <a:noFill/>
-                </a:ln>
-                <a:solidFill>
-                  <a:schemeClr val="bg1"/>
-                </a:solidFill>
-                <a:effectLst/>
-                <a:latin typeface="+mj-lt"/>
-                <a:ea typeface="ＭＳ Ｐゴシック" pitchFamily="96" charset="-128"/>
-              </a:rPr>
-              <a:t>Topic 2</a:t>
-            </a:r>
-            <a:r>
-              <a:rPr lang="en-US" sz="2000" b="1" dirty="0">
-                <a:solidFill>
-                  <a:schemeClr val="bg1"/>
-                </a:solidFill>
-                <a:latin typeface="+mj-lt"/>
-                <a:ea typeface="ＭＳ Ｐゴシック" pitchFamily="96" charset="-128"/>
-              </a:rPr>
-              <a:t>. Exercise with R - Flood frequency analysis</a:t>
-            </a:r>
-            <a:endParaRPr kumimoji="0" lang="en-US" sz="2000" b="1" i="0" u="none" strike="noStrike" cap="none" normalizeH="0" baseline="0" dirty="0">
-              <a:ln>
-                <a:noFill/>
-              </a:ln>
-              <a:solidFill>
-                <a:schemeClr val="bg1"/>
-              </a:solidFill>
-              <a:effectLst/>
-              <a:latin typeface="+mj-lt"/>
-              <a:ea typeface="ＭＳ Ｐゴシック" pitchFamily="96" charset="-128"/>
-            </a:endParaRPr>
-          </a:p>
-        </p:txBody>
-      </p:sp>
-      <p:sp>
-        <p:nvSpPr>
-          <p:cNvPr id="2" name="Slide Number Placeholder 1">
-            <a:extLst>
-              <a:ext uri="{FF2B5EF4-FFF2-40B4-BE49-F238E27FC236}">
-                <a16:creationId xmlns:a16="http://schemas.microsoft.com/office/drawing/2014/main" id="{2070EC6C-AAF5-4D83-AEC1-C7F2433683BB}"/>
-              </a:ext>
-            </a:extLst>
-          </p:cNvPr>
-          <p:cNvSpPr>
-            <a:spLocks noGrp="1"/>
-          </p:cNvSpPr>
-          <p:nvPr>
-            <p:ph type="sldNum" sz="quarter" idx="11"/>
-          </p:nvPr>
-        </p:nvSpPr>
-        <p:spPr/>
-        <p:txBody>
-          <a:bodyPr/>
-          <a:lstStyle/>
-          <a:p>
-            <a:fld id="{48105EDC-34E1-4D80-B051-D0CBD59863B8}" type="slidenum">
-              <a:rPr lang="de-DE" altLang="de-DE" smtClean="0"/>
-              <a:pPr/>
-              <a:t>28</a:t>
-            </a:fld>
-            <a:endParaRPr lang="de-DE" altLang="de-DE">
-              <a:solidFill>
-                <a:schemeClr val="tx1"/>
-              </a:solidFill>
-            </a:endParaRPr>
-          </a:p>
-        </p:txBody>
-      </p:sp>
-      <p:sp>
-        <p:nvSpPr>
-          <p:cNvPr id="5" name="Rectangle 4">
-            <a:extLst>
-              <a:ext uri="{FF2B5EF4-FFF2-40B4-BE49-F238E27FC236}">
-                <a16:creationId xmlns:a16="http://schemas.microsoft.com/office/drawing/2014/main" id="{FFD55E64-A004-4FD3-9310-E6F296A645FD}"/>
-              </a:ext>
-            </a:extLst>
-          </p:cNvPr>
-          <p:cNvSpPr/>
-          <p:nvPr/>
-        </p:nvSpPr>
-        <p:spPr>
-          <a:xfrm>
-            <a:off x="1331640" y="1563638"/>
-            <a:ext cx="6961778" cy="1733808"/>
-          </a:xfrm>
-          <a:prstGeom prst="rect">
-            <a:avLst/>
-          </a:prstGeom>
-        </p:spPr>
-        <p:txBody>
-          <a:bodyPr wrap="square">
-            <a:spAutoFit/>
-          </a:bodyPr>
-          <a:lstStyle/>
-          <a:p>
-            <a:r>
-              <a:rPr lang="en-US" sz="2000" dirty="0">
-                <a:latin typeface="+mn-lt"/>
-              </a:rPr>
-              <a:t>Exercises: </a:t>
-            </a:r>
-          </a:p>
-          <a:p>
-            <a:pPr marL="342900" indent="-342900">
-              <a:spcAft>
-                <a:spcPts val="800"/>
-              </a:spcAft>
-              <a:buFont typeface="+mj-lt"/>
-              <a:buAutoNum type="arabicParenR"/>
-            </a:pPr>
-            <a:r>
-              <a:rPr lang="en-US" sz="1200" dirty="0">
-                <a:latin typeface="+mn-lt"/>
-              </a:rPr>
-              <a:t>get data into R: ./data/</a:t>
-            </a:r>
-            <a:r>
-              <a:rPr lang="en-US" sz="1200" b="1" dirty="0">
-                <a:solidFill>
-                  <a:srgbClr val="004D95"/>
-                </a:solidFill>
-                <a:latin typeface="+mn-lt"/>
-              </a:rPr>
-              <a:t>Example_data.csv</a:t>
-            </a:r>
-            <a:r>
-              <a:rPr lang="en-US" sz="1200" dirty="0">
-                <a:latin typeface="+mn-lt"/>
-              </a:rPr>
-              <a:t>, use </a:t>
-            </a:r>
-            <a:r>
-              <a:rPr lang="en-US" sz="1200" dirty="0" err="1">
-                <a:latin typeface="+mn-lt"/>
-              </a:rPr>
-              <a:t>read.table</a:t>
-            </a:r>
-            <a:r>
-              <a:rPr lang="en-US" sz="1200" dirty="0">
-                <a:latin typeface="+mn-lt"/>
-              </a:rPr>
-              <a:t>() function</a:t>
-            </a:r>
-          </a:p>
-          <a:p>
-            <a:pPr marL="342900" indent="-342900">
-              <a:spcAft>
-                <a:spcPts val="800"/>
-              </a:spcAft>
-              <a:buFont typeface="+mj-lt"/>
-              <a:buAutoNum type="arabicParenR"/>
-            </a:pPr>
-            <a:r>
-              <a:rPr lang="en-US" sz="1200" dirty="0">
-                <a:latin typeface="+mn-lt"/>
-              </a:rPr>
-              <a:t>How many days are there with discharge exceeding (&gt;=) 8000? </a:t>
-            </a:r>
-          </a:p>
-          <a:p>
-            <a:pPr marL="342900" indent="-342900">
-              <a:spcAft>
-                <a:spcPts val="800"/>
-              </a:spcAft>
-              <a:buFont typeface="+mj-lt"/>
-              <a:buAutoNum type="arabicParenR"/>
-            </a:pPr>
-            <a:r>
-              <a:rPr lang="en-US" sz="1200" dirty="0">
-                <a:latin typeface="+mn-lt"/>
-              </a:rPr>
-              <a:t>Which month has the most discharge days exceeding 8000? </a:t>
-            </a:r>
-          </a:p>
-          <a:p>
-            <a:pPr marL="342900" indent="-342900">
-              <a:spcAft>
-                <a:spcPts val="800"/>
-              </a:spcAft>
-              <a:buFont typeface="+mj-lt"/>
-              <a:buAutoNum type="arabicParenR"/>
-            </a:pPr>
-            <a:r>
-              <a:rPr lang="en-US" sz="1200" dirty="0">
-                <a:latin typeface="+mn-lt"/>
-              </a:rPr>
-              <a:t>Derive the annual maximum discharge series </a:t>
-            </a:r>
-          </a:p>
-          <a:p>
-            <a:pPr marL="342900" indent="-342900">
-              <a:spcAft>
-                <a:spcPts val="800"/>
-              </a:spcAft>
-              <a:buFont typeface="+mj-lt"/>
-              <a:buAutoNum type="arabicParenR"/>
-            </a:pPr>
-            <a:r>
-              <a:rPr lang="en-US" sz="1200" dirty="0">
-                <a:latin typeface="+mn-lt"/>
-              </a:rPr>
-              <a:t>Figure out in which day (date) the discharge reaches the maxima for each year </a:t>
-            </a:r>
-          </a:p>
-        </p:txBody>
-      </p:sp>
-    </p:spTree>
-    <p:extLst>
-      <p:ext uri="{BB962C8B-B14F-4D97-AF65-F5344CB8AC3E}">
-        <p14:creationId xmlns:p14="http://schemas.microsoft.com/office/powerpoint/2010/main" val="3608833754"/>
-      </p:ext>
-    </p:extLst>
-  </p:cSld>
-  <p:clrMapOvr>
-    <a:masterClrMapping/>
-  </p:clrMapOvr>
-</p:sld>
-</file>
-
-<file path=ppt/slides/slide29.xml><?xml version="1.0" encoding="utf-8"?>
-<p:sld xmlns:a="http://schemas.openxmlformats.org/drawingml/2006/main" xmlns:r="http://schemas.openxmlformats.org/officeDocument/2006/relationships" xmlns:p="http://schemas.openxmlformats.org/presentationml/2006/main">
-  <p:cSld>
-    <p:spTree>
-      <p:nvGrpSpPr>
-        <p:cNvPr id="1" name=""/>
-        <p:cNvGrpSpPr/>
-        <p:nvPr/>
-      </p:nvGrpSpPr>
-      <p:grpSpPr>
-        <a:xfrm>
-          <a:off x="0" y="0"/>
-          <a:ext cx="0" cy="0"/>
-          <a:chOff x="0" y="0"/>
-          <a:chExt cx="0" cy="0"/>
-        </a:xfrm>
-      </p:grpSpPr>
-      <p:sp>
-        <p:nvSpPr>
-          <p:cNvPr id="4" name="Rectangle 3">
-            <a:extLst>
-              <a:ext uri="{FF2B5EF4-FFF2-40B4-BE49-F238E27FC236}">
-                <a16:creationId xmlns:a16="http://schemas.microsoft.com/office/drawing/2014/main" id="{741E6F0F-8952-48F7-B8A6-5C00D4C8363A}"/>
-              </a:ext>
-            </a:extLst>
-          </p:cNvPr>
-          <p:cNvSpPr/>
-          <p:nvPr/>
-        </p:nvSpPr>
-        <p:spPr bwMode="auto">
-          <a:xfrm>
-            <a:off x="0" y="0"/>
-            <a:ext cx="9144000" cy="627534"/>
-          </a:xfrm>
-          <a:prstGeom prst="rect">
-            <a:avLst/>
-          </a:prstGeom>
-          <a:solidFill>
-            <a:srgbClr val="00589C"/>
-          </a:solidFill>
-          <a:ln w="9525" cap="flat" cmpd="sng" algn="ctr">
-            <a:solidFill>
-              <a:srgbClr val="00589C"/>
-            </a:solidFill>
-            <a:prstDash val="solid"/>
-            <a:round/>
-            <a:headEnd type="none" w="med" len="med"/>
-            <a:tailEnd type="none" w="med" len="med"/>
-          </a:ln>
-          <a:effectLst/>
-          <a:extLst>
-            <a:ext uri="{AF507438-7753-43e0-B8FC-AC1667EBCBE1}">
-              <a14:hiddenEffects xmlns:a14="http://schemas.microsoft.com/office/drawing/2010/main" xmlns="">
+              <a14:hiddenEffects xmlns="" xmlns:a14="http://schemas.microsoft.com/office/drawing/2010/main">
                 <a:effectLst>
                   <a:outerShdw dist="35921" dir="2700000" algn="ctr" rotWithShape="0">
                     <a:schemeClr val="bg2"/>
@@ -23449,7 +22512,7 @@
             <a:fld id="{48105EDC-34E1-4D80-B051-D0CBD59863B8}" type="slidenum">
               <a:rPr lang="de-DE" altLang="de-DE" smtClean="0"/>
               <a:pPr/>
-              <a:t>29</a:t>
+              <a:t>28</a:t>
             </a:fld>
             <a:endParaRPr lang="de-DE" altLang="de-DE">
               <a:solidFill>
@@ -23607,287 +22670,7 @@
 </p:sld>
 </file>
 
-<file path=ppt/slides/slide3.xml><?xml version="1.0" encoding="utf-8"?>
-<p:sld xmlns:a="http://schemas.openxmlformats.org/drawingml/2006/main" xmlns:r="http://schemas.openxmlformats.org/officeDocument/2006/relationships" xmlns:p="http://schemas.openxmlformats.org/presentationml/2006/main">
-  <p:cSld>
-    <p:spTree>
-      <p:nvGrpSpPr>
-        <p:cNvPr id="1" name=""/>
-        <p:cNvGrpSpPr/>
-        <p:nvPr/>
-      </p:nvGrpSpPr>
-      <p:grpSpPr>
-        <a:xfrm>
-          <a:off x="0" y="0"/>
-          <a:ext cx="0" cy="0"/>
-          <a:chOff x="0" y="0"/>
-          <a:chExt cx="0" cy="0"/>
-        </a:xfrm>
-      </p:grpSpPr>
-      <p:sp>
-        <p:nvSpPr>
-          <p:cNvPr id="4" name="Slide Number Placeholder 3">
-            <a:extLst>
-              <a:ext uri="{FF2B5EF4-FFF2-40B4-BE49-F238E27FC236}">
-                <a16:creationId xmlns:a16="http://schemas.microsoft.com/office/drawing/2014/main" id="{AA72B8FF-A73E-4099-9177-A946EDA402E3}"/>
-              </a:ext>
-            </a:extLst>
-          </p:cNvPr>
-          <p:cNvSpPr>
-            <a:spLocks noGrp="1"/>
-          </p:cNvSpPr>
-          <p:nvPr>
-            <p:ph type="sldNum" sz="quarter" idx="11"/>
-          </p:nvPr>
-        </p:nvSpPr>
-        <p:spPr/>
-        <p:txBody>
-          <a:bodyPr/>
-          <a:lstStyle/>
-          <a:p>
-            <a:fld id="{48105EDC-34E1-4D80-B051-D0CBD59863B8}" type="slidenum">
-              <a:rPr lang="de-DE" altLang="de-DE" smtClean="0"/>
-              <a:pPr/>
-              <a:t>3</a:t>
-            </a:fld>
-            <a:endParaRPr lang="de-DE" altLang="de-DE">
-              <a:solidFill>
-                <a:schemeClr val="tx1"/>
-              </a:solidFill>
-            </a:endParaRPr>
-          </a:p>
-        </p:txBody>
-      </p:sp>
-      <p:sp>
-        <p:nvSpPr>
-          <p:cNvPr id="6" name="TextBox 5">
-            <a:extLst>
-              <a:ext uri="{FF2B5EF4-FFF2-40B4-BE49-F238E27FC236}">
-                <a16:creationId xmlns:a16="http://schemas.microsoft.com/office/drawing/2014/main" id="{46B4361A-06E6-4FF7-9148-6A1D0E8F6DB9}"/>
-              </a:ext>
-            </a:extLst>
-          </p:cNvPr>
-          <p:cNvSpPr txBox="1"/>
-          <p:nvPr/>
-        </p:nvSpPr>
-        <p:spPr>
-          <a:xfrm>
-            <a:off x="1763688" y="1707654"/>
-            <a:ext cx="6408712" cy="1938992"/>
-          </a:xfrm>
-          <a:prstGeom prst="rect">
-            <a:avLst/>
-          </a:prstGeom>
-          <a:noFill/>
-        </p:spPr>
-        <p:txBody>
-          <a:bodyPr wrap="square">
-            <a:spAutoFit/>
-          </a:bodyPr>
-          <a:lstStyle/>
-          <a:p>
-            <a:pPr marL="457200" indent="-457200" algn="l">
-              <a:spcAft>
-                <a:spcPts val="600"/>
-              </a:spcAft>
-              <a:buFont typeface="+mj-lt"/>
-              <a:buAutoNum type="arabicParenR"/>
-            </a:pPr>
-            <a:r>
-              <a:rPr lang="en-US" sz="2000" b="0" i="0" dirty="0">
-                <a:solidFill>
-                  <a:srgbClr val="1F2328"/>
-                </a:solidFill>
-                <a:effectLst/>
-                <a:latin typeface="+mn-lt"/>
-              </a:rPr>
-              <a:t>10.05.2023: R basics </a:t>
-            </a:r>
-          </a:p>
-          <a:p>
-            <a:pPr marL="457200" indent="-457200" algn="l">
-              <a:spcAft>
-                <a:spcPts val="600"/>
-              </a:spcAft>
-              <a:buFont typeface="+mj-lt"/>
-              <a:buAutoNum type="arabicParenR"/>
-            </a:pPr>
-            <a:r>
-              <a:rPr lang="en-US" sz="2000" b="0" i="0" dirty="0">
-                <a:solidFill>
-                  <a:srgbClr val="1F2328"/>
-                </a:solidFill>
-                <a:effectLst/>
-                <a:latin typeface="+mn-lt"/>
-              </a:rPr>
-              <a:t>17.06.2023: R basics and frequency analysis</a:t>
-            </a:r>
-          </a:p>
-          <a:p>
-            <a:pPr marL="457200" indent="-457200" algn="l">
-              <a:spcAft>
-                <a:spcPts val="600"/>
-              </a:spcAft>
-              <a:buFont typeface="+mj-lt"/>
-              <a:buAutoNum type="arabicParenR"/>
-            </a:pPr>
-            <a:r>
-              <a:rPr lang="en-US" sz="2000" b="0" i="0" dirty="0">
-                <a:solidFill>
-                  <a:srgbClr val="1F2328"/>
-                </a:solidFill>
-                <a:effectLst/>
-                <a:latin typeface="+mn-lt"/>
-              </a:rPr>
-              <a:t>24.06.2023: Flood risk analysis</a:t>
-            </a:r>
-          </a:p>
-          <a:p>
-            <a:pPr marL="457200" indent="-457200" algn="l">
-              <a:spcAft>
-                <a:spcPts val="600"/>
-              </a:spcAft>
-              <a:buFont typeface="+mj-lt"/>
-              <a:buAutoNum type="arabicParenR"/>
-            </a:pPr>
-            <a:r>
-              <a:rPr lang="en-US" sz="2000" b="0" i="0" dirty="0">
-                <a:solidFill>
-                  <a:srgbClr val="1F2328"/>
-                </a:solidFill>
-                <a:effectLst/>
-                <a:latin typeface="+mn-lt"/>
-              </a:rPr>
-              <a:t>12.07.2023: Time-varying </a:t>
-            </a:r>
-            <a:r>
-              <a:rPr lang="en-US" sz="2000" dirty="0">
-                <a:solidFill>
-                  <a:srgbClr val="1F2328"/>
-                </a:solidFill>
-                <a:latin typeface="+mn-lt"/>
-              </a:rPr>
-              <a:t>f</a:t>
-            </a:r>
-            <a:r>
-              <a:rPr lang="en-US" sz="2000" b="0" i="0" dirty="0">
-                <a:solidFill>
-                  <a:srgbClr val="1F2328"/>
-                </a:solidFill>
-                <a:effectLst/>
-                <a:latin typeface="+mn-lt"/>
-              </a:rPr>
-              <a:t>lood risk exercise</a:t>
-            </a:r>
-          </a:p>
-          <a:p>
-            <a:pPr marL="457200" indent="-457200" algn="l">
-              <a:spcAft>
-                <a:spcPts val="600"/>
-              </a:spcAft>
-              <a:buFont typeface="+mj-lt"/>
-              <a:buAutoNum type="arabicParenR"/>
-            </a:pPr>
-            <a:r>
-              <a:rPr lang="en-US" sz="2000" b="0" i="0" dirty="0">
-                <a:solidFill>
-                  <a:srgbClr val="1F2328"/>
-                </a:solidFill>
-                <a:effectLst/>
-                <a:latin typeface="+mn-lt"/>
-              </a:rPr>
-              <a:t>19.07.2023: </a:t>
-            </a:r>
-            <a:r>
-              <a:rPr lang="en-US" sz="2000" dirty="0">
-                <a:solidFill>
-                  <a:srgbClr val="1F2328"/>
-                </a:solidFill>
-                <a:latin typeface="+mn-lt"/>
-              </a:rPr>
-              <a:t>T</a:t>
-            </a:r>
-            <a:r>
-              <a:rPr lang="en-US" sz="2000" b="0" i="0" dirty="0">
-                <a:solidFill>
-                  <a:srgbClr val="1F2328"/>
-                </a:solidFill>
-                <a:effectLst/>
-                <a:latin typeface="+mn-lt"/>
-              </a:rPr>
-              <a:t>ime-varying </a:t>
-            </a:r>
-            <a:r>
-              <a:rPr lang="en-US" sz="2000" dirty="0">
-                <a:solidFill>
-                  <a:srgbClr val="1F2328"/>
-                </a:solidFill>
-                <a:latin typeface="+mn-lt"/>
-              </a:rPr>
-              <a:t>f</a:t>
-            </a:r>
-            <a:r>
-              <a:rPr lang="en-US" sz="2000" b="0" i="0" dirty="0">
-                <a:solidFill>
-                  <a:srgbClr val="1F2328"/>
-                </a:solidFill>
-                <a:effectLst/>
-                <a:latin typeface="+mn-lt"/>
-              </a:rPr>
-              <a:t>lood risk exercise</a:t>
-            </a:r>
-          </a:p>
-        </p:txBody>
-      </p:sp>
-      <p:sp>
-        <p:nvSpPr>
-          <p:cNvPr id="7" name="Rectangle 2">
-            <a:extLst>
-              <a:ext uri="{FF2B5EF4-FFF2-40B4-BE49-F238E27FC236}">
-                <a16:creationId xmlns:a16="http://schemas.microsoft.com/office/drawing/2014/main" id="{E9F13255-302E-4941-88B1-82AFDAC0382D}"/>
-              </a:ext>
-            </a:extLst>
-          </p:cNvPr>
-          <p:cNvSpPr>
-            <a:spLocks noGrp="1" noChangeArrowheads="1"/>
-          </p:cNvSpPr>
-          <p:nvPr>
-            <p:ph type="title"/>
-          </p:nvPr>
-        </p:nvSpPr>
-        <p:spPr>
-          <a:xfrm>
-            <a:off x="152400" y="228600"/>
-            <a:ext cx="8839200" cy="914400"/>
-          </a:xfrm>
-        </p:spPr>
-        <p:txBody>
-          <a:bodyPr/>
-          <a:lstStyle/>
-          <a:p>
-            <a:pPr eaLnBrk="1" hangingPunct="1"/>
-            <a:r>
-              <a:rPr lang="de-DE" altLang="de-DE" dirty="0" err="1"/>
-              <a:t>Timetable</a:t>
-            </a:r>
-            <a:endParaRPr lang="de-DE" altLang="de-DE" dirty="0"/>
-          </a:p>
-        </p:txBody>
-      </p:sp>
-    </p:spTree>
-    <p:extLst>
-      <p:ext uri="{BB962C8B-B14F-4D97-AF65-F5344CB8AC3E}">
-        <p14:creationId xmlns:p14="http://schemas.microsoft.com/office/powerpoint/2010/main" val="199175090"/>
-      </p:ext>
-    </p:extLst>
-  </p:cSld>
-  <p:clrMapOvr>
-    <a:masterClrMapping/>
-  </p:clrMapOvr>
-</p:sld>
-</file>
-
-<file path=ppt/slides/slide30.xml><?xml version="1.0" encoding="utf-8"?>
+<file path=ppt/slides/slide29.xml><?xml version="1.0" encoding="utf-8"?>
 <p:sld xmlns:a="http://schemas.openxmlformats.org/drawingml/2006/main" xmlns:r="http://schemas.openxmlformats.org/officeDocument/2006/relationships" xmlns:p="http://schemas.openxmlformats.org/presentationml/2006/main">
   <p:cSld>
     <p:spTree>
@@ -23939,7 +22722,7 @@
           <a:effectLst/>
           <a:extLst>
             <a:ext uri="{AF507438-7753-43e0-B8FC-AC1667EBCBE1}">
-              <a14:hiddenEffects xmlns:a14="http://schemas.microsoft.com/office/drawing/2010/main" xmlns="">
+              <a14:hiddenEffects xmlns="" xmlns:a14="http://schemas.microsoft.com/office/drawing/2010/main">
                 <a:effectLst>
                   <a:outerShdw dist="35921" dir="2700000" algn="ctr" rotWithShape="0">
                     <a:schemeClr val="bg2"/>
@@ -24073,7 +22856,7 @@
             <a:fld id="{48105EDC-34E1-4D80-B051-D0CBD59863B8}" type="slidenum">
               <a:rPr lang="de-DE" altLang="de-DE" smtClean="0"/>
               <a:pPr/>
-              <a:t>30</a:t>
+              <a:t>29</a:t>
             </a:fld>
             <a:endParaRPr lang="de-DE" altLang="de-DE">
               <a:solidFill>
@@ -24120,7 +22903,7 @@
           <a:effectLst/>
           <a:extLst>
             <a:ext uri="{AF507438-7753-43e0-B8FC-AC1667EBCBE1}">
-              <a14:hiddenEffects xmlns:a14="http://schemas.microsoft.com/office/drawing/2010/main" xmlns="">
+              <a14:hiddenEffects xmlns="" xmlns:a14="http://schemas.microsoft.com/office/drawing/2010/main">
                 <a:effectLst>
                   <a:outerShdw dist="35921" dir="2700000" algn="ctr" rotWithShape="0">
                     <a:schemeClr val="bg2"/>
@@ -24269,7 +23052,7 @@
             <a:effectLst/>
             <a:extLst>
               <a:ext uri="{AF507438-7753-43e0-B8FC-AC1667EBCBE1}">
-                <a14:hiddenEffects xmlns:a14="http://schemas.microsoft.com/office/drawing/2010/main" xmlns="">
+                <a14:hiddenEffects xmlns="" xmlns:a14="http://schemas.microsoft.com/office/drawing/2010/main">
                   <a:effectLst>
                     <a:outerShdw dist="35921" dir="2700000" algn="ctr" rotWithShape="0">
                       <a:schemeClr val="bg2"/>
@@ -24357,7 +23140,7 @@
             <a:effectLst/>
             <a:extLst>
               <a:ext uri="{AF507438-7753-43e0-B8FC-AC1667EBCBE1}">
-                <a14:hiddenEffects xmlns:a14="http://schemas.microsoft.com/office/drawing/2010/main" xmlns="">
+                <a14:hiddenEffects xmlns="" xmlns:a14="http://schemas.microsoft.com/office/drawing/2010/main">
                   <a:effectLst>
                     <a:outerShdw dist="35921" dir="2700000" algn="ctr" rotWithShape="0">
                       <a:schemeClr val="bg2"/>
@@ -24452,7 +23235,7 @@
             <a:effectLst/>
             <a:extLst>
               <a:ext uri="{AF507438-7753-43e0-B8FC-AC1667EBCBE1}">
-                <a14:hiddenEffects xmlns:a14="http://schemas.microsoft.com/office/drawing/2010/main" xmlns="">
+                <a14:hiddenEffects xmlns="" xmlns:a14="http://schemas.microsoft.com/office/drawing/2010/main">
                   <a:effectLst>
                     <a:outerShdw dist="35921" dir="2700000" algn="ctr" rotWithShape="0">
                       <a:schemeClr val="bg2"/>
@@ -24540,7 +23323,7 @@
             <a:effectLst/>
             <a:extLst>
               <a:ext uri="{AF507438-7753-43e0-B8FC-AC1667EBCBE1}">
-                <a14:hiddenEffects xmlns:a14="http://schemas.microsoft.com/office/drawing/2010/main" xmlns="">
+                <a14:hiddenEffects xmlns="" xmlns:a14="http://schemas.microsoft.com/office/drawing/2010/main">
                   <a:effectLst>
                     <a:outerShdw dist="35921" dir="2700000" algn="ctr" rotWithShape="0">
                       <a:schemeClr val="bg2"/>
@@ -24628,7 +23411,7 @@
             <a:effectLst/>
             <a:extLst>
               <a:ext uri="{AF507438-7753-43e0-B8FC-AC1667EBCBE1}">
-                <a14:hiddenEffects xmlns:a14="http://schemas.microsoft.com/office/drawing/2010/main" xmlns="">
+                <a14:hiddenEffects xmlns="" xmlns:a14="http://schemas.microsoft.com/office/drawing/2010/main">
                   <a:effectLst>
                     <a:outerShdw dist="35921" dir="2700000" algn="ctr" rotWithShape="0">
                       <a:schemeClr val="bg2"/>
@@ -24716,7 +23499,7 @@
             <a:effectLst/>
             <a:extLst>
               <a:ext uri="{AF507438-7753-43e0-B8FC-AC1667EBCBE1}">
-                <a14:hiddenEffects xmlns:a14="http://schemas.microsoft.com/office/drawing/2010/main" xmlns="">
+                <a14:hiddenEffects xmlns="" xmlns:a14="http://schemas.microsoft.com/office/drawing/2010/main">
                   <a:effectLst>
                     <a:outerShdw dist="35921" dir="2700000" algn="ctr" rotWithShape="0">
                       <a:schemeClr val="bg2"/>
@@ -24804,7 +23587,7 @@
             <a:effectLst/>
             <a:extLst>
               <a:ext uri="{AF507438-7753-43e0-B8FC-AC1667EBCBE1}">
-                <a14:hiddenEffects xmlns:a14="http://schemas.microsoft.com/office/drawing/2010/main" xmlns="">
+                <a14:hiddenEffects xmlns="" xmlns:a14="http://schemas.microsoft.com/office/drawing/2010/main">
                   <a:effectLst>
                     <a:outerShdw dist="35921" dir="2700000" algn="ctr" rotWithShape="0">
                       <a:schemeClr val="bg2"/>
@@ -24892,7 +23675,7 @@
             <a:effectLst/>
             <a:extLst>
               <a:ext uri="{AF507438-7753-43e0-B8FC-AC1667EBCBE1}">
-                <a14:hiddenEffects xmlns:a14="http://schemas.microsoft.com/office/drawing/2010/main" xmlns="">
+                <a14:hiddenEffects xmlns="" xmlns:a14="http://schemas.microsoft.com/office/drawing/2010/main">
                   <a:effectLst>
                     <a:outerShdw dist="35921" dir="2700000" algn="ctr" rotWithShape="0">
                       <a:schemeClr val="bg2"/>
@@ -24980,7 +23763,7 @@
             <a:effectLst/>
             <a:extLst>
               <a:ext uri="{AF507438-7753-43e0-B8FC-AC1667EBCBE1}">
-                <a14:hiddenEffects xmlns:a14="http://schemas.microsoft.com/office/drawing/2010/main" xmlns="">
+                <a14:hiddenEffects xmlns="" xmlns:a14="http://schemas.microsoft.com/office/drawing/2010/main">
                   <a:effectLst>
                     <a:outerShdw dist="35921" dir="2700000" algn="ctr" rotWithShape="0">
                       <a:schemeClr val="bg2"/>
@@ -25077,7 +23860,7 @@
             <a:effectLst/>
             <a:extLst>
               <a:ext uri="{AF507438-7753-43e0-B8FC-AC1667EBCBE1}">
-                <a14:hiddenEffects xmlns:a14="http://schemas.microsoft.com/office/drawing/2010/main" xmlns="">
+                <a14:hiddenEffects xmlns="" xmlns:a14="http://schemas.microsoft.com/office/drawing/2010/main">
                   <a:effectLst>
                     <a:outerShdw dist="35921" dir="2700000" algn="ctr" rotWithShape="0">
                       <a:schemeClr val="bg2"/>
@@ -25128,7 +23911,7 @@
             <a:effectLst/>
             <a:extLst>
               <a:ext uri="{AF507438-7753-43e0-B8FC-AC1667EBCBE1}">
-                <a14:hiddenEffects xmlns:a14="http://schemas.microsoft.com/office/drawing/2010/main" xmlns="">
+                <a14:hiddenEffects xmlns="" xmlns:a14="http://schemas.microsoft.com/office/drawing/2010/main">
                   <a:effectLst>
                     <a:outerShdw dist="35921" dir="2700000" algn="ctr" rotWithShape="0">
                       <a:schemeClr val="bg2"/>
@@ -25178,7 +23961,7 @@
             <a:effectLst/>
             <a:extLst>
               <a:ext uri="{AF507438-7753-43e0-B8FC-AC1667EBCBE1}">
-                <a14:hiddenEffects xmlns:a14="http://schemas.microsoft.com/office/drawing/2010/main" xmlns="">
+                <a14:hiddenEffects xmlns="" xmlns:a14="http://schemas.microsoft.com/office/drawing/2010/main">
                   <a:effectLst>
                     <a:outerShdw dist="35921" dir="2700000" algn="ctr" rotWithShape="0">
                       <a:schemeClr val="bg2"/>
@@ -25226,7 +24009,7 @@
             <a:effectLst/>
             <a:extLst>
               <a:ext uri="{AF507438-7753-43e0-B8FC-AC1667EBCBE1}">
-                <a14:hiddenEffects xmlns:a14="http://schemas.microsoft.com/office/drawing/2010/main" xmlns="">
+                <a14:hiddenEffects xmlns="" xmlns:a14="http://schemas.microsoft.com/office/drawing/2010/main">
                   <a:effectLst>
                     <a:outerShdw dist="35921" dir="2700000" algn="ctr" rotWithShape="0">
                       <a:schemeClr val="bg2"/>
@@ -25311,7 +24094,7 @@
             <a:effectLst/>
             <a:extLst>
               <a:ext uri="{AF507438-7753-43e0-B8FC-AC1667EBCBE1}">
-                <a14:hiddenEffects xmlns:a14="http://schemas.microsoft.com/office/drawing/2010/main" xmlns="">
+                <a14:hiddenEffects xmlns="" xmlns:a14="http://schemas.microsoft.com/office/drawing/2010/main">
                   <a:effectLst>
                     <a:outerShdw dist="35921" dir="2700000" algn="ctr" rotWithShape="0">
                       <a:schemeClr val="bg2"/>
@@ -25357,7 +24140,7 @@
             <a:effectLst/>
             <a:extLst>
               <a:ext uri="{AF507438-7753-43e0-B8FC-AC1667EBCBE1}">
-                <a14:hiddenEffects xmlns:a14="http://schemas.microsoft.com/office/drawing/2010/main" xmlns="">
+                <a14:hiddenEffects xmlns="" xmlns:a14="http://schemas.microsoft.com/office/drawing/2010/main">
                   <a:effectLst>
                     <a:outerShdw dist="35921" dir="2700000" algn="ctr" rotWithShape="0">
                       <a:schemeClr val="bg2"/>
@@ -25408,7 +24191,7 @@
             <a:effectLst/>
             <a:extLst>
               <a:ext uri="{AF507438-7753-43e0-B8FC-AC1667EBCBE1}">
-                <a14:hiddenEffects xmlns:a14="http://schemas.microsoft.com/office/drawing/2010/main" xmlns="">
+                <a14:hiddenEffects xmlns="" xmlns:a14="http://schemas.microsoft.com/office/drawing/2010/main">
                   <a:effectLst>
                     <a:outerShdw dist="35921" dir="2700000" algn="ctr" rotWithShape="0">
                       <a:schemeClr val="bg2"/>
@@ -25456,7 +24239,7 @@
             <a:effectLst/>
             <a:extLst>
               <a:ext uri="{AF507438-7753-43e0-B8FC-AC1667EBCBE1}">
-                <a14:hiddenEffects xmlns:a14="http://schemas.microsoft.com/office/drawing/2010/main" xmlns="">
+                <a14:hiddenEffects xmlns="" xmlns:a14="http://schemas.microsoft.com/office/drawing/2010/main">
                   <a:effectLst>
                     <a:outerShdw dist="35921" dir="2700000" algn="ctr" rotWithShape="0">
                       <a:schemeClr val="bg2"/>
@@ -25506,7 +24289,7 @@
             <a:effectLst/>
             <a:extLst>
               <a:ext uri="{AF507438-7753-43e0-B8FC-AC1667EBCBE1}">
-                <a14:hiddenEffects xmlns:a14="http://schemas.microsoft.com/office/drawing/2010/main" xmlns="">
+                <a14:hiddenEffects xmlns="" xmlns:a14="http://schemas.microsoft.com/office/drawing/2010/main">
                   <a:effectLst>
                     <a:outerShdw dist="35921" dir="2700000" algn="ctr" rotWithShape="0">
                       <a:schemeClr val="bg2"/>
@@ -25556,7 +24339,7 @@
             <a:effectLst/>
             <a:extLst>
               <a:ext uri="{AF507438-7753-43e0-B8FC-AC1667EBCBE1}">
-                <a14:hiddenEffects xmlns:a14="http://schemas.microsoft.com/office/drawing/2010/main" xmlns="">
+                <a14:hiddenEffects xmlns="" xmlns:a14="http://schemas.microsoft.com/office/drawing/2010/main">
                   <a:effectLst>
                     <a:outerShdw dist="35921" dir="2700000" algn="ctr" rotWithShape="0">
                       <a:schemeClr val="bg2"/>
@@ -25604,7 +24387,7 @@
             <a:effectLst/>
             <a:extLst>
               <a:ext uri="{AF507438-7753-43e0-B8FC-AC1667EBCBE1}">
-                <a14:hiddenEffects xmlns:a14="http://schemas.microsoft.com/office/drawing/2010/main" xmlns="">
+                <a14:hiddenEffects xmlns="" xmlns:a14="http://schemas.microsoft.com/office/drawing/2010/main">
                   <a:effectLst>
                     <a:outerShdw dist="35921" dir="2700000" algn="ctr" rotWithShape="0">
                       <a:schemeClr val="bg2"/>
@@ -25701,7 +24484,7 @@
             <a:effectLst/>
             <a:extLst>
               <a:ext uri="{AF507438-7753-43e0-B8FC-AC1667EBCBE1}">
-                <a14:hiddenEffects xmlns:a14="http://schemas.microsoft.com/office/drawing/2010/main" xmlns="">
+                <a14:hiddenEffects xmlns="" xmlns:a14="http://schemas.microsoft.com/office/drawing/2010/main">
                   <a:effectLst>
                     <a:outerShdw dist="35921" dir="2700000" algn="ctr" rotWithShape="0">
                       <a:schemeClr val="bg2"/>
@@ -25752,7 +24535,7 @@
             <a:effectLst/>
             <a:extLst>
               <a:ext uri="{AF507438-7753-43e0-B8FC-AC1667EBCBE1}">
-                <a14:hiddenEffects xmlns:a14="http://schemas.microsoft.com/office/drawing/2010/main" xmlns="">
+                <a14:hiddenEffects xmlns="" xmlns:a14="http://schemas.microsoft.com/office/drawing/2010/main">
                   <a:effectLst>
                     <a:outerShdw dist="35921" dir="2700000" algn="ctr" rotWithShape="0">
                       <a:schemeClr val="bg2"/>
@@ -25802,7 +24585,7 @@
             <a:effectLst/>
             <a:extLst>
               <a:ext uri="{AF507438-7753-43e0-B8FC-AC1667EBCBE1}">
-                <a14:hiddenEffects xmlns:a14="http://schemas.microsoft.com/office/drawing/2010/main" xmlns="">
+                <a14:hiddenEffects xmlns="" xmlns:a14="http://schemas.microsoft.com/office/drawing/2010/main">
                   <a:effectLst>
                     <a:outerShdw dist="35921" dir="2700000" algn="ctr" rotWithShape="0">
                       <a:schemeClr val="bg2"/>
@@ -25827,7 +24610,287 @@
 </p:sld>
 </file>
 
-<file path=ppt/slides/slide31.xml><?xml version="1.0" encoding="utf-8"?>
+<file path=ppt/slides/slide3.xml><?xml version="1.0" encoding="utf-8"?>
+<p:sld xmlns:a="http://schemas.openxmlformats.org/drawingml/2006/main" xmlns:r="http://schemas.openxmlformats.org/officeDocument/2006/relationships" xmlns:p="http://schemas.openxmlformats.org/presentationml/2006/main">
+  <p:cSld>
+    <p:spTree>
+      <p:nvGrpSpPr>
+        <p:cNvPr id="1" name=""/>
+        <p:cNvGrpSpPr/>
+        <p:nvPr/>
+      </p:nvGrpSpPr>
+      <p:grpSpPr>
+        <a:xfrm>
+          <a:off x="0" y="0"/>
+          <a:ext cx="0" cy="0"/>
+          <a:chOff x="0" y="0"/>
+          <a:chExt cx="0" cy="0"/>
+        </a:xfrm>
+      </p:grpSpPr>
+      <p:sp>
+        <p:nvSpPr>
+          <p:cNvPr id="4" name="Slide Number Placeholder 3">
+            <a:extLst>
+              <a:ext uri="{FF2B5EF4-FFF2-40B4-BE49-F238E27FC236}">
+                <a16:creationId xmlns:a16="http://schemas.microsoft.com/office/drawing/2014/main" id="{AA72B8FF-A73E-4099-9177-A946EDA402E3}"/>
+              </a:ext>
+            </a:extLst>
+          </p:cNvPr>
+          <p:cNvSpPr>
+            <a:spLocks noGrp="1"/>
+          </p:cNvSpPr>
+          <p:nvPr>
+            <p:ph type="sldNum" sz="quarter" idx="11"/>
+          </p:nvPr>
+        </p:nvSpPr>
+        <p:spPr/>
+        <p:txBody>
+          <a:bodyPr/>
+          <a:lstStyle/>
+          <a:p>
+            <a:fld id="{48105EDC-34E1-4D80-B051-D0CBD59863B8}" type="slidenum">
+              <a:rPr lang="de-DE" altLang="de-DE" smtClean="0"/>
+              <a:pPr/>
+              <a:t>3</a:t>
+            </a:fld>
+            <a:endParaRPr lang="de-DE" altLang="de-DE">
+              <a:solidFill>
+                <a:schemeClr val="tx1"/>
+              </a:solidFill>
+            </a:endParaRPr>
+          </a:p>
+        </p:txBody>
+      </p:sp>
+      <p:sp>
+        <p:nvSpPr>
+          <p:cNvPr id="6" name="TextBox 5">
+            <a:extLst>
+              <a:ext uri="{FF2B5EF4-FFF2-40B4-BE49-F238E27FC236}">
+                <a16:creationId xmlns:a16="http://schemas.microsoft.com/office/drawing/2014/main" id="{46B4361A-06E6-4FF7-9148-6A1D0E8F6DB9}"/>
+              </a:ext>
+            </a:extLst>
+          </p:cNvPr>
+          <p:cNvSpPr txBox="1"/>
+          <p:nvPr/>
+        </p:nvSpPr>
+        <p:spPr>
+          <a:xfrm>
+            <a:off x="1763688" y="1707654"/>
+            <a:ext cx="6408712" cy="1938992"/>
+          </a:xfrm>
+          <a:prstGeom prst="rect">
+            <a:avLst/>
+          </a:prstGeom>
+          <a:noFill/>
+        </p:spPr>
+        <p:txBody>
+          <a:bodyPr wrap="square">
+            <a:spAutoFit/>
+          </a:bodyPr>
+          <a:lstStyle/>
+          <a:p>
+            <a:pPr marL="457200" indent="-457200" algn="l">
+              <a:spcAft>
+                <a:spcPts val="600"/>
+              </a:spcAft>
+              <a:buFont typeface="+mj-lt"/>
+              <a:buAutoNum type="arabicParenR"/>
+            </a:pPr>
+            <a:r>
+              <a:rPr lang="en-US" sz="2000" b="0" i="0" dirty="0">
+                <a:solidFill>
+                  <a:srgbClr val="1F2328"/>
+                </a:solidFill>
+                <a:effectLst/>
+                <a:latin typeface="+mn-lt"/>
+              </a:rPr>
+              <a:t>10.05.2023: R basics </a:t>
+            </a:r>
+          </a:p>
+          <a:p>
+            <a:pPr marL="457200" indent="-457200" algn="l">
+              <a:spcAft>
+                <a:spcPts val="600"/>
+              </a:spcAft>
+              <a:buFont typeface="+mj-lt"/>
+              <a:buAutoNum type="arabicParenR"/>
+            </a:pPr>
+            <a:r>
+              <a:rPr lang="en-US" sz="2000" b="0" i="0" dirty="0">
+                <a:solidFill>
+                  <a:srgbClr val="1F2328"/>
+                </a:solidFill>
+                <a:effectLst/>
+                <a:latin typeface="+mn-lt"/>
+              </a:rPr>
+              <a:t>17.06.2023: R basics and frequency analysis</a:t>
+            </a:r>
+          </a:p>
+          <a:p>
+            <a:pPr marL="457200" indent="-457200" algn="l">
+              <a:spcAft>
+                <a:spcPts val="600"/>
+              </a:spcAft>
+              <a:buFont typeface="+mj-lt"/>
+              <a:buAutoNum type="arabicParenR"/>
+            </a:pPr>
+            <a:r>
+              <a:rPr lang="en-US" sz="2000" b="0" i="0" dirty="0">
+                <a:solidFill>
+                  <a:srgbClr val="1F2328"/>
+                </a:solidFill>
+                <a:effectLst/>
+                <a:latin typeface="+mn-lt"/>
+              </a:rPr>
+              <a:t>24.06.2023: Flood risk analysis</a:t>
+            </a:r>
+          </a:p>
+          <a:p>
+            <a:pPr marL="457200" indent="-457200" algn="l">
+              <a:spcAft>
+                <a:spcPts val="600"/>
+              </a:spcAft>
+              <a:buFont typeface="+mj-lt"/>
+              <a:buAutoNum type="arabicParenR"/>
+            </a:pPr>
+            <a:r>
+              <a:rPr lang="en-US" sz="2000" b="0" i="0" dirty="0">
+                <a:solidFill>
+                  <a:srgbClr val="1F2328"/>
+                </a:solidFill>
+                <a:effectLst/>
+                <a:latin typeface="+mn-lt"/>
+              </a:rPr>
+              <a:t>12.07.2023: Time-varying </a:t>
+            </a:r>
+            <a:r>
+              <a:rPr lang="en-US" sz="2000" dirty="0">
+                <a:solidFill>
+                  <a:srgbClr val="1F2328"/>
+                </a:solidFill>
+                <a:latin typeface="+mn-lt"/>
+              </a:rPr>
+              <a:t>f</a:t>
+            </a:r>
+            <a:r>
+              <a:rPr lang="en-US" sz="2000" b="0" i="0" dirty="0">
+                <a:solidFill>
+                  <a:srgbClr val="1F2328"/>
+                </a:solidFill>
+                <a:effectLst/>
+                <a:latin typeface="+mn-lt"/>
+              </a:rPr>
+              <a:t>lood risk exercise</a:t>
+            </a:r>
+          </a:p>
+          <a:p>
+            <a:pPr marL="457200" indent="-457200" algn="l">
+              <a:spcAft>
+                <a:spcPts val="600"/>
+              </a:spcAft>
+              <a:buFont typeface="+mj-lt"/>
+              <a:buAutoNum type="arabicParenR"/>
+            </a:pPr>
+            <a:r>
+              <a:rPr lang="en-US" sz="2000" b="0" i="0" dirty="0">
+                <a:solidFill>
+                  <a:srgbClr val="1F2328"/>
+                </a:solidFill>
+                <a:effectLst/>
+                <a:latin typeface="+mn-lt"/>
+              </a:rPr>
+              <a:t>19.07.2023: </a:t>
+            </a:r>
+            <a:r>
+              <a:rPr lang="en-US" sz="2000" dirty="0">
+                <a:solidFill>
+                  <a:srgbClr val="1F2328"/>
+                </a:solidFill>
+                <a:latin typeface="+mn-lt"/>
+              </a:rPr>
+              <a:t>T</a:t>
+            </a:r>
+            <a:r>
+              <a:rPr lang="en-US" sz="2000" b="0" i="0" dirty="0">
+                <a:solidFill>
+                  <a:srgbClr val="1F2328"/>
+                </a:solidFill>
+                <a:effectLst/>
+                <a:latin typeface="+mn-lt"/>
+              </a:rPr>
+              <a:t>ime-varying </a:t>
+            </a:r>
+            <a:r>
+              <a:rPr lang="en-US" sz="2000" dirty="0">
+                <a:solidFill>
+                  <a:srgbClr val="1F2328"/>
+                </a:solidFill>
+                <a:latin typeface="+mn-lt"/>
+              </a:rPr>
+              <a:t>f</a:t>
+            </a:r>
+            <a:r>
+              <a:rPr lang="en-US" sz="2000" b="0" i="0" dirty="0">
+                <a:solidFill>
+                  <a:srgbClr val="1F2328"/>
+                </a:solidFill>
+                <a:effectLst/>
+                <a:latin typeface="+mn-lt"/>
+              </a:rPr>
+              <a:t>lood risk exercise</a:t>
+            </a:r>
+          </a:p>
+        </p:txBody>
+      </p:sp>
+      <p:sp>
+        <p:nvSpPr>
+          <p:cNvPr id="7" name="Rectangle 2">
+            <a:extLst>
+              <a:ext uri="{FF2B5EF4-FFF2-40B4-BE49-F238E27FC236}">
+                <a16:creationId xmlns:a16="http://schemas.microsoft.com/office/drawing/2014/main" id="{E9F13255-302E-4941-88B1-82AFDAC0382D}"/>
+              </a:ext>
+            </a:extLst>
+          </p:cNvPr>
+          <p:cNvSpPr>
+            <a:spLocks noGrp="1" noChangeArrowheads="1"/>
+          </p:cNvSpPr>
+          <p:nvPr>
+            <p:ph type="title"/>
+          </p:nvPr>
+        </p:nvSpPr>
+        <p:spPr>
+          <a:xfrm>
+            <a:off x="152400" y="228600"/>
+            <a:ext cx="8839200" cy="914400"/>
+          </a:xfrm>
+        </p:spPr>
+        <p:txBody>
+          <a:bodyPr/>
+          <a:lstStyle/>
+          <a:p>
+            <a:pPr eaLnBrk="1" hangingPunct="1"/>
+            <a:r>
+              <a:rPr lang="de-DE" altLang="de-DE" dirty="0" err="1"/>
+              <a:t>Timetable</a:t>
+            </a:r>
+            <a:endParaRPr lang="de-DE" altLang="de-DE" dirty="0"/>
+          </a:p>
+        </p:txBody>
+      </p:sp>
+    </p:spTree>
+    <p:extLst>
+      <p:ext uri="{BB962C8B-B14F-4D97-AF65-F5344CB8AC3E}">
+        <p14:creationId xmlns:p14="http://schemas.microsoft.com/office/powerpoint/2010/main" val="199175090"/>
+      </p:ext>
+    </p:extLst>
+  </p:cSld>
+  <p:clrMapOvr>
+    <a:masterClrMapping/>
+  </p:clrMapOvr>
+</p:sld>
+</file>
+
+<file path=ppt/slides/slide30.xml><?xml version="1.0" encoding="utf-8"?>
 <p:sld xmlns:a="http://schemas.openxmlformats.org/drawingml/2006/main" xmlns:r="http://schemas.openxmlformats.org/officeDocument/2006/relationships" xmlns:p="http://schemas.openxmlformats.org/presentationml/2006/main">
   <p:cSld>
     <p:spTree>
@@ -25879,7 +24942,7 @@
           <a:effectLst/>
           <a:extLst>
             <a:ext uri="{AF507438-7753-43e0-B8FC-AC1667EBCBE1}">
-              <a14:hiddenEffects xmlns:a14="http://schemas.microsoft.com/office/drawing/2010/main" xmlns="">
+              <a14:hiddenEffects xmlns="" xmlns:a14="http://schemas.microsoft.com/office/drawing/2010/main">
                 <a:effectLst>
                   <a:outerShdw dist="35921" dir="2700000" algn="ctr" rotWithShape="0">
                     <a:schemeClr val="bg2"/>
@@ -25960,7 +25023,7 @@
             <a:fld id="{48105EDC-34E1-4D80-B051-D0CBD59863B8}" type="slidenum">
               <a:rPr lang="de-DE" altLang="de-DE" smtClean="0"/>
               <a:pPr/>
-              <a:t>31</a:t>
+              <a:t>30</a:t>
             </a:fld>
             <a:endParaRPr lang="de-DE" altLang="de-DE">
               <a:solidFill>
@@ -26375,7 +25438,7 @@
                 <a:graphicData uri="http://schemas.openxmlformats.org/presentationml/2006/ole">
                   <mc:AlternateContent xmlns:mc="http://schemas.openxmlformats.org/markup-compatibility/2006">
                     <mc:Choice xmlns:v="urn:schemas-microsoft-com:vml" Requires="v">
-                      <p:oleObj spid="_x0000_s1375" name="Formel" r:id="rId4" imgW="2590800" imgH="990600" progId="Equation.3">
+                      <p:oleObj spid="_x0000_s1406" name="Formel" r:id="rId4" imgW="2590800" imgH="990600" progId="Equation.3">
                         <p:embed/>
                       </p:oleObj>
                     </mc:Choice>
@@ -26883,6 +25946,285 @@
 </p:sld>
 </file>
 
+<file path=ppt/slides/slide31.xml><?xml version="1.0" encoding="utf-8"?>
+<p:sld xmlns:a="http://schemas.openxmlformats.org/drawingml/2006/main" xmlns:r="http://schemas.openxmlformats.org/officeDocument/2006/relationships" xmlns:p="http://schemas.openxmlformats.org/presentationml/2006/main">
+  <p:cSld>
+    <p:spTree>
+      <p:nvGrpSpPr>
+        <p:cNvPr id="1" name=""/>
+        <p:cNvGrpSpPr/>
+        <p:nvPr/>
+      </p:nvGrpSpPr>
+      <p:grpSpPr>
+        <a:xfrm>
+          <a:off x="0" y="0"/>
+          <a:ext cx="0" cy="0"/>
+          <a:chOff x="0" y="0"/>
+          <a:chExt cx="0" cy="0"/>
+        </a:xfrm>
+      </p:grpSpPr>
+      <p:sp>
+        <p:nvSpPr>
+          <p:cNvPr id="4" name="Rectangle 3">
+            <a:extLst>
+              <a:ext uri="{FF2B5EF4-FFF2-40B4-BE49-F238E27FC236}">
+                <a16:creationId xmlns:a16="http://schemas.microsoft.com/office/drawing/2014/main" id="{741E6F0F-8952-48F7-B8A6-5C00D4C8363A}"/>
+              </a:ext>
+            </a:extLst>
+          </p:cNvPr>
+          <p:cNvSpPr/>
+          <p:nvPr/>
+        </p:nvSpPr>
+        <p:spPr bwMode="auto">
+          <a:xfrm>
+            <a:off x="0" y="0"/>
+            <a:ext cx="9144000" cy="627534"/>
+          </a:xfrm>
+          <a:prstGeom prst="rect">
+            <a:avLst/>
+          </a:prstGeom>
+          <a:solidFill>
+            <a:srgbClr val="00589C"/>
+          </a:solidFill>
+          <a:ln w="9525" cap="flat" cmpd="sng" algn="ctr">
+            <a:solidFill>
+              <a:srgbClr val="00589C"/>
+            </a:solidFill>
+            <a:prstDash val="solid"/>
+            <a:round/>
+            <a:headEnd type="none" w="med" len="med"/>
+            <a:tailEnd type="none" w="med" len="med"/>
+          </a:ln>
+          <a:effectLst/>
+          <a:extLst>
+            <a:ext uri="{AF507438-7753-43e0-B8FC-AC1667EBCBE1}">
+              <a14:hiddenEffects xmlns="" xmlns:a14="http://schemas.microsoft.com/office/drawing/2010/main">
+                <a:effectLst>
+                  <a:outerShdw dist="35921" dir="2700000" algn="ctr" rotWithShape="0">
+                    <a:schemeClr val="bg2"/>
+                  </a:outerShdw>
+                </a:effectLst>
+              </a14:hiddenEffects>
+            </a:ext>
+          </a:extLst>
+        </p:spPr>
+        <p:txBody>
+          <a:bodyPr vert="horz" wrap="square" lIns="91440" tIns="45720" rIns="91440" bIns="45720" numCol="1" rtlCol="0" anchor="ctr" anchorCtr="0" compatLnSpc="1">
+            <a:prstTxWarp prst="textNoShape">
+              <a:avLst/>
+            </a:prstTxWarp>
+          </a:bodyPr>
+          <a:lstStyle/>
+          <a:p>
+            <a:pPr eaLnBrk="0" hangingPunct="0"/>
+            <a:r>
+              <a:rPr kumimoji="0" lang="en-US" sz="2000" b="1" i="0" u="none" strike="noStrike" cap="none" normalizeH="0" baseline="0" dirty="0">
+                <a:ln>
+                  <a:noFill/>
+                </a:ln>
+                <a:solidFill>
+                  <a:schemeClr val="bg1"/>
+                </a:solidFill>
+                <a:effectLst/>
+                <a:latin typeface="+mj-lt"/>
+                <a:ea typeface="ＭＳ Ｐゴシック" pitchFamily="96" charset="-128"/>
+              </a:rPr>
+              <a:t>Topic 2</a:t>
+            </a:r>
+            <a:r>
+              <a:rPr lang="en-US" sz="2000" b="1" dirty="0">
+                <a:solidFill>
+                  <a:schemeClr val="bg1"/>
+                </a:solidFill>
+                <a:latin typeface="+mj-lt"/>
+                <a:ea typeface="ＭＳ Ｐゴシック" pitchFamily="96" charset="-128"/>
+              </a:rPr>
+              <a:t>. Exercise with R - Flood frequency analysis</a:t>
+            </a:r>
+            <a:endParaRPr kumimoji="0" lang="en-US" sz="2000" b="1" i="0" u="none" strike="noStrike" cap="none" normalizeH="0" baseline="0" dirty="0">
+              <a:ln>
+                <a:noFill/>
+              </a:ln>
+              <a:solidFill>
+                <a:schemeClr val="bg1"/>
+              </a:solidFill>
+              <a:effectLst/>
+              <a:latin typeface="+mj-lt"/>
+              <a:ea typeface="ＭＳ Ｐゴシック" pitchFamily="96" charset="-128"/>
+            </a:endParaRPr>
+          </a:p>
+        </p:txBody>
+      </p:sp>
+      <p:sp>
+        <p:nvSpPr>
+          <p:cNvPr id="2" name="Slide Number Placeholder 1">
+            <a:extLst>
+              <a:ext uri="{FF2B5EF4-FFF2-40B4-BE49-F238E27FC236}">
+                <a16:creationId xmlns:a16="http://schemas.microsoft.com/office/drawing/2014/main" id="{2070EC6C-AAF5-4D83-AEC1-C7F2433683BB}"/>
+              </a:ext>
+            </a:extLst>
+          </p:cNvPr>
+          <p:cNvSpPr>
+            <a:spLocks noGrp="1"/>
+          </p:cNvSpPr>
+          <p:nvPr>
+            <p:ph type="sldNum" sz="quarter" idx="11"/>
+          </p:nvPr>
+        </p:nvSpPr>
+        <p:spPr/>
+        <p:txBody>
+          <a:bodyPr/>
+          <a:lstStyle/>
+          <a:p>
+            <a:fld id="{48105EDC-34E1-4D80-B051-D0CBD59863B8}" type="slidenum">
+              <a:rPr lang="de-DE" altLang="de-DE" smtClean="0"/>
+              <a:pPr/>
+              <a:t>31</a:t>
+            </a:fld>
+            <a:endParaRPr lang="de-DE" altLang="de-DE">
+              <a:solidFill>
+                <a:schemeClr val="tx1"/>
+              </a:solidFill>
+            </a:endParaRPr>
+          </a:p>
+        </p:txBody>
+      </p:sp>
+      <p:sp>
+        <p:nvSpPr>
+          <p:cNvPr id="5" name="Rectangle 4">
+            <a:extLst>
+              <a:ext uri="{FF2B5EF4-FFF2-40B4-BE49-F238E27FC236}">
+                <a16:creationId xmlns:a16="http://schemas.microsoft.com/office/drawing/2014/main" id="{FFD55E64-A004-4FD3-9310-E6F296A645FD}"/>
+              </a:ext>
+            </a:extLst>
+          </p:cNvPr>
+          <p:cNvSpPr/>
+          <p:nvPr/>
+        </p:nvSpPr>
+        <p:spPr>
+          <a:xfrm>
+            <a:off x="1331640" y="1563638"/>
+            <a:ext cx="6961778" cy="1446550"/>
+          </a:xfrm>
+          <a:prstGeom prst="rect">
+            <a:avLst/>
+          </a:prstGeom>
+        </p:spPr>
+        <p:txBody>
+          <a:bodyPr wrap="square">
+            <a:spAutoFit/>
+          </a:bodyPr>
+          <a:lstStyle/>
+          <a:p>
+            <a:r>
+              <a:rPr lang="en-US" sz="2000" dirty="0">
+                <a:latin typeface="+mn-lt"/>
+              </a:rPr>
+              <a:t>Exercises: </a:t>
+            </a:r>
+          </a:p>
+          <a:p>
+            <a:pPr marL="342900" indent="-342900">
+              <a:spcAft>
+                <a:spcPts val="800"/>
+              </a:spcAft>
+              <a:buFont typeface="+mj-lt"/>
+              <a:buAutoNum type="arabicParenR"/>
+            </a:pPr>
+            <a:r>
+              <a:rPr lang="en-US" sz="1200" dirty="0">
+                <a:latin typeface="+mn-lt"/>
+              </a:rPr>
+              <a:t>get data into R: ./data/</a:t>
+            </a:r>
+            <a:r>
+              <a:rPr lang="en-US" sz="1200" b="1" dirty="0">
+                <a:solidFill>
+                  <a:srgbClr val="004D95"/>
+                </a:solidFill>
+                <a:latin typeface="+mn-lt"/>
+              </a:rPr>
+              <a:t>Example_data.csv</a:t>
+            </a:r>
+            <a:r>
+              <a:rPr lang="en-US" sz="1200" dirty="0">
+                <a:latin typeface="+mn-lt"/>
+              </a:rPr>
+              <a:t>, use </a:t>
+            </a:r>
+            <a:r>
+              <a:rPr lang="en-US" sz="1200" dirty="0" err="1">
+                <a:latin typeface="+mn-lt"/>
+              </a:rPr>
+              <a:t>read.table</a:t>
+            </a:r>
+            <a:r>
+              <a:rPr lang="en-US" sz="1200" dirty="0">
+                <a:latin typeface="+mn-lt"/>
+              </a:rPr>
+              <a:t>() function</a:t>
+            </a:r>
+          </a:p>
+          <a:p>
+            <a:pPr marL="342900" indent="-342900">
+              <a:spcAft>
+                <a:spcPts val="800"/>
+              </a:spcAft>
+              <a:buFont typeface="+mj-lt"/>
+              <a:buAutoNum type="arabicParenR"/>
+            </a:pPr>
+            <a:r>
+              <a:rPr lang="en-US" sz="1200" dirty="0">
+                <a:latin typeface="+mn-lt"/>
+              </a:rPr>
+              <a:t>Derive the annual maximum discharge series </a:t>
+            </a:r>
+          </a:p>
+          <a:p>
+            <a:pPr marL="342900" indent="-342900">
+              <a:spcAft>
+                <a:spcPts val="800"/>
+              </a:spcAft>
+              <a:buFont typeface="+mj-lt"/>
+              <a:buAutoNum type="arabicParenR"/>
+            </a:pPr>
+            <a:r>
+              <a:rPr lang="en-US" sz="1200" dirty="0">
+                <a:latin typeface="+mn-lt"/>
+              </a:rPr>
+              <a:t>Estimate the GEV parameters for annual maximum discharge</a:t>
+            </a:r>
+          </a:p>
+          <a:p>
+            <a:pPr marL="342900" indent="-342900">
+              <a:spcAft>
+                <a:spcPts val="800"/>
+              </a:spcAft>
+              <a:buFont typeface="+mj-lt"/>
+              <a:buAutoNum type="arabicParenR"/>
+            </a:pPr>
+            <a:r>
+              <a:rPr lang="en-US" sz="1200" dirty="0">
+                <a:latin typeface="+mn-lt"/>
+              </a:rPr>
+              <a:t>Generate 100 random numbers based on the estimated GEV parameters</a:t>
+            </a:r>
+          </a:p>
+        </p:txBody>
+      </p:sp>
+    </p:spTree>
+    <p:extLst>
+      <p:ext uri="{BB962C8B-B14F-4D97-AF65-F5344CB8AC3E}">
+        <p14:creationId xmlns:p14="http://schemas.microsoft.com/office/powerpoint/2010/main" val="3491938248"/>
+      </p:ext>
+    </p:extLst>
+  </p:cSld>
+  <p:clrMapOvr>
+    <a:masterClrMapping/>
+  </p:clrMapOvr>
+</p:sld>
+</file>
+
 <file path=ppt/slides/slide32.xml><?xml version="1.0" encoding="utf-8"?>
 <p:sld xmlns:a="http://schemas.openxmlformats.org/drawingml/2006/main" xmlns:r="http://schemas.openxmlformats.org/officeDocument/2006/relationships" xmlns:p="http://schemas.openxmlformats.org/presentationml/2006/main">
   <p:cSld>
@@ -26935,7 +26277,7 @@
           <a:effectLst/>
           <a:extLst>
             <a:ext uri="{AF507438-7753-43e0-B8FC-AC1667EBCBE1}">
-              <a14:hiddenEffects xmlns:a14="http://schemas.microsoft.com/office/drawing/2010/main" xmlns="">
+              <a14:hiddenEffects xmlns="" xmlns:a14="http://schemas.microsoft.com/office/drawing/2010/main">
                 <a:effectLst>
                   <a:outerShdw dist="35921" dir="2700000" algn="ctr" rotWithShape="0">
                     <a:schemeClr val="bg2"/>
@@ -27028,131 +26370,119 @@
       </p:sp>
       <p:sp>
         <p:nvSpPr>
-          <p:cNvPr id="5" name="Rectangle 4">
+          <p:cNvPr id="3" name="TextBox 2">
             <a:extLst>
               <a:ext uri="{FF2B5EF4-FFF2-40B4-BE49-F238E27FC236}">
-                <a16:creationId xmlns:a16="http://schemas.microsoft.com/office/drawing/2014/main" id="{FFD55E64-A004-4FD3-9310-E6F296A645FD}"/>
+                <a16:creationId xmlns:a16="http://schemas.microsoft.com/office/drawing/2014/main" id="{DF3F5431-4F69-422F-9376-A6F02AA272A7}"/>
               </a:ext>
             </a:extLst>
           </p:cNvPr>
-          <p:cNvSpPr/>
+          <p:cNvSpPr txBox="1"/>
           <p:nvPr/>
         </p:nvSpPr>
         <p:spPr>
           <a:xfrm>
-            <a:off x="1331640" y="1563638"/>
-            <a:ext cx="6961778" cy="1446550"/>
+            <a:off x="395536" y="915566"/>
+            <a:ext cx="2295821" cy="1292662"/>
+          </a:xfrm>
+          <a:prstGeom prst="rect">
+            <a:avLst/>
+          </a:prstGeom>
+          <a:noFill/>
+        </p:spPr>
+        <p:txBody>
+          <a:bodyPr wrap="none" rtlCol="0">
+            <a:spAutoFit/>
+          </a:bodyPr>
+          <a:lstStyle/>
+          <a:p>
+            <a:r>
+              <a:rPr lang="en-US" sz="2000" dirty="0">
+                <a:solidFill>
+                  <a:srgbClr val="004D95"/>
+                </a:solidFill>
+              </a:rPr>
+              <a:t>Flood risk analysis</a:t>
+            </a:r>
+          </a:p>
+          <a:p>
+            <a:r>
+              <a:rPr lang="en-US" sz="1600" dirty="0"/>
+              <a:t>Components:</a:t>
+            </a:r>
+          </a:p>
+          <a:p>
+            <a:pPr marL="342900" indent="-342900">
+              <a:buFontTx/>
+              <a:buChar char="-"/>
+            </a:pPr>
+            <a:r>
+              <a:rPr lang="en-US" sz="1400" dirty="0"/>
+              <a:t>Hazard</a:t>
+            </a:r>
+          </a:p>
+          <a:p>
+            <a:pPr marL="342900" indent="-342900">
+              <a:buFontTx/>
+              <a:buChar char="-"/>
+            </a:pPr>
+            <a:r>
+              <a:rPr lang="en-US" sz="1400" dirty="0"/>
+              <a:t>Exposure</a:t>
+            </a:r>
+          </a:p>
+          <a:p>
+            <a:pPr marL="342900" indent="-342900">
+              <a:buFontTx/>
+              <a:buChar char="-"/>
+            </a:pPr>
+            <a:r>
+              <a:rPr lang="en-US" sz="1400" dirty="0"/>
+              <a:t>Vulnerability</a:t>
+            </a:r>
+          </a:p>
+        </p:txBody>
+      </p:sp>
+      <p:pic>
+        <p:nvPicPr>
+          <p:cNvPr id="7" name="Picture 6">
+            <a:extLst>
+              <a:ext uri="{FF2B5EF4-FFF2-40B4-BE49-F238E27FC236}">
+                <a16:creationId xmlns:a16="http://schemas.microsoft.com/office/drawing/2014/main" id="{67C18AC2-EE3C-48D7-996C-41F68DA1878F}"/>
+              </a:ext>
+            </a:extLst>
+          </p:cNvPr>
+          <p:cNvPicPr>
+            <a:picLocks noChangeAspect="1"/>
+          </p:cNvPicPr>
+          <p:nvPr/>
+        </p:nvPicPr>
+        <p:blipFill>
+          <a:blip r:embed="rId3">
+            <a:extLst>
+              <a:ext uri="{28A0092B-C50C-407E-A947-70E740481C1C}">
+                <a14:useLocalDpi xmlns:a14="http://schemas.microsoft.com/office/drawing/2010/main" val="0"/>
+              </a:ext>
+            </a:extLst>
+          </a:blip>
+          <a:stretch>
+            <a:fillRect/>
+          </a:stretch>
+        </p:blipFill>
+        <p:spPr>
+          <a:xfrm>
+            <a:off x="2915815" y="1203598"/>
+            <a:ext cx="5884792" cy="3240360"/>
           </a:xfrm>
           <a:prstGeom prst="rect">
             <a:avLst/>
           </a:prstGeom>
         </p:spPr>
-        <p:txBody>
-          <a:bodyPr wrap="square">
-            <a:spAutoFit/>
-          </a:bodyPr>
-          <a:lstStyle/>
-          <a:p>
-            <a:r>
-              <a:rPr lang="en-US" sz="2000" dirty="0">
-                <a:latin typeface="+mn-lt"/>
-              </a:rPr>
-              <a:t>Exercises: </a:t>
-            </a:r>
-          </a:p>
-          <a:p>
-            <a:pPr marL="342900" indent="-342900">
-              <a:spcAft>
-                <a:spcPts val="800"/>
-              </a:spcAft>
-              <a:buFont typeface="+mj-lt"/>
-              <a:buAutoNum type="arabicParenR"/>
-            </a:pPr>
-            <a:r>
-              <a:rPr lang="en-US" sz="1200" dirty="0">
-                <a:latin typeface="+mn-lt"/>
-              </a:rPr>
-              <a:t>get data into R: ./data/</a:t>
-            </a:r>
-            <a:r>
-              <a:rPr lang="en-US" sz="1200" b="1" dirty="0">
-                <a:solidFill>
-                  <a:srgbClr val="004D95"/>
-                </a:solidFill>
-                <a:latin typeface="+mn-lt"/>
-              </a:rPr>
-              <a:t>Example_data.csv</a:t>
-            </a:r>
-            <a:r>
-              <a:rPr lang="en-US" sz="1200" dirty="0">
-                <a:latin typeface="+mn-lt"/>
-              </a:rPr>
-              <a:t>, use </a:t>
-            </a:r>
-            <a:r>
-              <a:rPr lang="en-US" sz="1200" dirty="0" err="1">
-                <a:latin typeface="+mn-lt"/>
-              </a:rPr>
-              <a:t>read.table</a:t>
-            </a:r>
-            <a:r>
-              <a:rPr lang="en-US" sz="1200" dirty="0">
-                <a:latin typeface="+mn-lt"/>
-              </a:rPr>
-              <a:t>() function</a:t>
-            </a:r>
-          </a:p>
-          <a:p>
-            <a:pPr marL="342900" indent="-342900">
-              <a:spcAft>
-                <a:spcPts val="800"/>
-              </a:spcAft>
-              <a:buFont typeface="+mj-lt"/>
-              <a:buAutoNum type="arabicParenR"/>
-            </a:pPr>
-            <a:r>
-              <a:rPr lang="en-US" sz="1200" dirty="0">
-                <a:latin typeface="+mn-lt"/>
-              </a:rPr>
-              <a:t>Derive the annual maximum discharge series </a:t>
-            </a:r>
-          </a:p>
-          <a:p>
-            <a:pPr marL="342900" indent="-342900">
-              <a:spcAft>
-                <a:spcPts val="800"/>
-              </a:spcAft>
-              <a:buFont typeface="+mj-lt"/>
-              <a:buAutoNum type="arabicParenR"/>
-            </a:pPr>
-            <a:r>
-              <a:rPr lang="en-US" sz="1200" dirty="0">
-                <a:latin typeface="+mn-lt"/>
-              </a:rPr>
-              <a:t>Estimate the GEV parameters for annual maximum discharge</a:t>
-            </a:r>
-          </a:p>
-          <a:p>
-            <a:pPr marL="342900" indent="-342900">
-              <a:spcAft>
-                <a:spcPts val="800"/>
-              </a:spcAft>
-              <a:buFont typeface="+mj-lt"/>
-              <a:buAutoNum type="arabicParenR"/>
-            </a:pPr>
-            <a:r>
-              <a:rPr lang="en-US" sz="1200" dirty="0">
-                <a:latin typeface="+mn-lt"/>
-              </a:rPr>
-              <a:t>Generate 100 random numbers based on the estimated GEV parameters</a:t>
-            </a:r>
-          </a:p>
-        </p:txBody>
-      </p:sp>
+      </p:pic>
     </p:spTree>
     <p:extLst>
       <p:ext uri="{BB962C8B-B14F-4D97-AF65-F5344CB8AC3E}">
-        <p14:creationId xmlns:p14="http://schemas.microsoft.com/office/powerpoint/2010/main" val="3491938248"/>
+        <p14:creationId xmlns:p14="http://schemas.microsoft.com/office/powerpoint/2010/main" val="3050160320"/>
       </p:ext>
     </p:extLst>
   </p:cSld>
@@ -27214,7 +26544,7 @@
           <a:effectLst/>
           <a:extLst>
             <a:ext uri="{AF507438-7753-43e0-B8FC-AC1667EBCBE1}">
-              <a14:hiddenEffects xmlns:a14="http://schemas.microsoft.com/office/drawing/2010/main" xmlns="">
+              <a14:hiddenEffects xmlns="" xmlns:a14="http://schemas.microsoft.com/office/drawing/2010/main">
                 <a:effectLst>
                   <a:outerShdw dist="35921" dir="2700000" algn="ctr" rotWithShape="0">
                     <a:schemeClr val="bg2"/>
@@ -27296,273 +26626,6 @@
               <a:rPr lang="de-DE" altLang="de-DE" smtClean="0"/>
               <a:pPr/>
               <a:t>33</a:t>
-            </a:fld>
-            <a:endParaRPr lang="de-DE" altLang="de-DE">
-              <a:solidFill>
-                <a:schemeClr val="tx1"/>
-              </a:solidFill>
-            </a:endParaRPr>
-          </a:p>
-        </p:txBody>
-      </p:sp>
-      <p:sp>
-        <p:nvSpPr>
-          <p:cNvPr id="3" name="TextBox 2">
-            <a:extLst>
-              <a:ext uri="{FF2B5EF4-FFF2-40B4-BE49-F238E27FC236}">
-                <a16:creationId xmlns:a16="http://schemas.microsoft.com/office/drawing/2014/main" id="{DF3F5431-4F69-422F-9376-A6F02AA272A7}"/>
-              </a:ext>
-            </a:extLst>
-          </p:cNvPr>
-          <p:cNvSpPr txBox="1"/>
-          <p:nvPr/>
-        </p:nvSpPr>
-        <p:spPr>
-          <a:xfrm>
-            <a:off x="395536" y="915566"/>
-            <a:ext cx="2295821" cy="1292662"/>
-          </a:xfrm>
-          <a:prstGeom prst="rect">
-            <a:avLst/>
-          </a:prstGeom>
-          <a:noFill/>
-        </p:spPr>
-        <p:txBody>
-          <a:bodyPr wrap="none" rtlCol="0">
-            <a:spAutoFit/>
-          </a:bodyPr>
-          <a:lstStyle/>
-          <a:p>
-            <a:r>
-              <a:rPr lang="en-US" sz="2000" dirty="0">
-                <a:solidFill>
-                  <a:srgbClr val="004D95"/>
-                </a:solidFill>
-              </a:rPr>
-              <a:t>Flood risk analysis</a:t>
-            </a:r>
-          </a:p>
-          <a:p>
-            <a:r>
-              <a:rPr lang="en-US" sz="1600" dirty="0"/>
-              <a:t>Components:</a:t>
-            </a:r>
-          </a:p>
-          <a:p>
-            <a:pPr marL="342900" indent="-342900">
-              <a:buFontTx/>
-              <a:buChar char="-"/>
-            </a:pPr>
-            <a:r>
-              <a:rPr lang="en-US" sz="1400" dirty="0"/>
-              <a:t>Hazard</a:t>
-            </a:r>
-          </a:p>
-          <a:p>
-            <a:pPr marL="342900" indent="-342900">
-              <a:buFontTx/>
-              <a:buChar char="-"/>
-            </a:pPr>
-            <a:r>
-              <a:rPr lang="en-US" sz="1400" dirty="0"/>
-              <a:t>Exposure</a:t>
-            </a:r>
-          </a:p>
-          <a:p>
-            <a:pPr marL="342900" indent="-342900">
-              <a:buFontTx/>
-              <a:buChar char="-"/>
-            </a:pPr>
-            <a:r>
-              <a:rPr lang="en-US" sz="1400" dirty="0"/>
-              <a:t>Vulnerability</a:t>
-            </a:r>
-          </a:p>
-        </p:txBody>
-      </p:sp>
-      <p:pic>
-        <p:nvPicPr>
-          <p:cNvPr id="7" name="Picture 6">
-            <a:extLst>
-              <a:ext uri="{FF2B5EF4-FFF2-40B4-BE49-F238E27FC236}">
-                <a16:creationId xmlns:a16="http://schemas.microsoft.com/office/drawing/2014/main" id="{67C18AC2-EE3C-48D7-996C-41F68DA1878F}"/>
-              </a:ext>
-            </a:extLst>
-          </p:cNvPr>
-          <p:cNvPicPr>
-            <a:picLocks noChangeAspect="1"/>
-          </p:cNvPicPr>
-          <p:nvPr/>
-        </p:nvPicPr>
-        <p:blipFill>
-          <a:blip r:embed="rId3">
-            <a:extLst>
-              <a:ext uri="{28A0092B-C50C-407E-A947-70E740481C1C}">
-                <a14:useLocalDpi xmlns:a14="http://schemas.microsoft.com/office/drawing/2010/main" val="0"/>
-              </a:ext>
-            </a:extLst>
-          </a:blip>
-          <a:stretch>
-            <a:fillRect/>
-          </a:stretch>
-        </p:blipFill>
-        <p:spPr>
-          <a:xfrm>
-            <a:off x="2915815" y="1203598"/>
-            <a:ext cx="5884792" cy="3240360"/>
-          </a:xfrm>
-          <a:prstGeom prst="rect">
-            <a:avLst/>
-          </a:prstGeom>
-        </p:spPr>
-      </p:pic>
-    </p:spTree>
-    <p:extLst>
-      <p:ext uri="{BB962C8B-B14F-4D97-AF65-F5344CB8AC3E}">
-        <p14:creationId xmlns:p14="http://schemas.microsoft.com/office/powerpoint/2010/main" val="3050160320"/>
-      </p:ext>
-    </p:extLst>
-  </p:cSld>
-  <p:clrMapOvr>
-    <a:masterClrMapping/>
-  </p:clrMapOvr>
-</p:sld>
-</file>
-
-<file path=ppt/slides/slide34.xml><?xml version="1.0" encoding="utf-8"?>
-<p:sld xmlns:a="http://schemas.openxmlformats.org/drawingml/2006/main" xmlns:r="http://schemas.openxmlformats.org/officeDocument/2006/relationships" xmlns:p="http://schemas.openxmlformats.org/presentationml/2006/main">
-  <p:cSld>
-    <p:spTree>
-      <p:nvGrpSpPr>
-        <p:cNvPr id="1" name=""/>
-        <p:cNvGrpSpPr/>
-        <p:nvPr/>
-      </p:nvGrpSpPr>
-      <p:grpSpPr>
-        <a:xfrm>
-          <a:off x="0" y="0"/>
-          <a:ext cx="0" cy="0"/>
-          <a:chOff x="0" y="0"/>
-          <a:chExt cx="0" cy="0"/>
-        </a:xfrm>
-      </p:grpSpPr>
-      <p:sp>
-        <p:nvSpPr>
-          <p:cNvPr id="4" name="Rectangle 3">
-            <a:extLst>
-              <a:ext uri="{FF2B5EF4-FFF2-40B4-BE49-F238E27FC236}">
-                <a16:creationId xmlns:a16="http://schemas.microsoft.com/office/drawing/2014/main" id="{741E6F0F-8952-48F7-B8A6-5C00D4C8363A}"/>
-              </a:ext>
-            </a:extLst>
-          </p:cNvPr>
-          <p:cNvSpPr/>
-          <p:nvPr/>
-        </p:nvSpPr>
-        <p:spPr bwMode="auto">
-          <a:xfrm>
-            <a:off x="0" y="0"/>
-            <a:ext cx="9144000" cy="627534"/>
-          </a:xfrm>
-          <a:prstGeom prst="rect">
-            <a:avLst/>
-          </a:prstGeom>
-          <a:solidFill>
-            <a:srgbClr val="00589C"/>
-          </a:solidFill>
-          <a:ln w="9525" cap="flat" cmpd="sng" algn="ctr">
-            <a:solidFill>
-              <a:srgbClr val="00589C"/>
-            </a:solidFill>
-            <a:prstDash val="solid"/>
-            <a:round/>
-            <a:headEnd type="none" w="med" len="med"/>
-            <a:tailEnd type="none" w="med" len="med"/>
-          </a:ln>
-          <a:effectLst/>
-          <a:extLst>
-            <a:ext uri="{AF507438-7753-43e0-B8FC-AC1667EBCBE1}">
-              <a14:hiddenEffects xmlns:a14="http://schemas.microsoft.com/office/drawing/2010/main" xmlns="">
-                <a:effectLst>
-                  <a:outerShdw dist="35921" dir="2700000" algn="ctr" rotWithShape="0">
-                    <a:schemeClr val="bg2"/>
-                  </a:outerShdw>
-                </a:effectLst>
-              </a14:hiddenEffects>
-            </a:ext>
-          </a:extLst>
-        </p:spPr>
-        <p:txBody>
-          <a:bodyPr vert="horz" wrap="square" lIns="91440" tIns="45720" rIns="91440" bIns="45720" numCol="1" rtlCol="0" anchor="ctr" anchorCtr="0" compatLnSpc="1">
-            <a:prstTxWarp prst="textNoShape">
-              <a:avLst/>
-            </a:prstTxWarp>
-          </a:bodyPr>
-          <a:lstStyle/>
-          <a:p>
-            <a:pPr eaLnBrk="0" hangingPunct="0"/>
-            <a:r>
-              <a:rPr kumimoji="0" lang="en-US" sz="2000" b="1" i="0" u="none" strike="noStrike" cap="none" normalizeH="0" baseline="0" dirty="0">
-                <a:ln>
-                  <a:noFill/>
-                </a:ln>
-                <a:solidFill>
-                  <a:schemeClr val="bg1"/>
-                </a:solidFill>
-                <a:effectLst/>
-                <a:latin typeface="+mj-lt"/>
-                <a:ea typeface="ＭＳ Ｐゴシック" pitchFamily="96" charset="-128"/>
-              </a:rPr>
-              <a:t>Topic 2</a:t>
-            </a:r>
-            <a:r>
-              <a:rPr lang="en-US" sz="2000" b="1" dirty="0">
-                <a:solidFill>
-                  <a:schemeClr val="bg1"/>
-                </a:solidFill>
-                <a:latin typeface="+mj-lt"/>
-                <a:ea typeface="ＭＳ Ｐゴシック" pitchFamily="96" charset="-128"/>
-              </a:rPr>
-              <a:t>. Exercise with R - Flood frequency analysis</a:t>
-            </a:r>
-            <a:endParaRPr kumimoji="0" lang="en-US" sz="2000" b="1" i="0" u="none" strike="noStrike" cap="none" normalizeH="0" baseline="0" dirty="0">
-              <a:ln>
-                <a:noFill/>
-              </a:ln>
-              <a:solidFill>
-                <a:schemeClr val="bg1"/>
-              </a:solidFill>
-              <a:effectLst/>
-              <a:latin typeface="+mj-lt"/>
-              <a:ea typeface="ＭＳ Ｐゴシック" pitchFamily="96" charset="-128"/>
-            </a:endParaRPr>
-          </a:p>
-        </p:txBody>
-      </p:sp>
-      <p:sp>
-        <p:nvSpPr>
-          <p:cNvPr id="2" name="Slide Number Placeholder 1">
-            <a:extLst>
-              <a:ext uri="{FF2B5EF4-FFF2-40B4-BE49-F238E27FC236}">
-                <a16:creationId xmlns:a16="http://schemas.microsoft.com/office/drawing/2014/main" id="{2070EC6C-AAF5-4D83-AEC1-C7F2433683BB}"/>
-              </a:ext>
-            </a:extLst>
-          </p:cNvPr>
-          <p:cNvSpPr>
-            <a:spLocks noGrp="1"/>
-          </p:cNvSpPr>
-          <p:nvPr>
-            <p:ph type="sldNum" sz="quarter" idx="11"/>
-          </p:nvPr>
-        </p:nvSpPr>
-        <p:spPr/>
-        <p:txBody>
-          <a:bodyPr/>
-          <a:lstStyle/>
-          <a:p>
-            <a:fld id="{48105EDC-34E1-4D80-B051-D0CBD59863B8}" type="slidenum">
-              <a:rPr lang="de-DE" altLang="de-DE" smtClean="0"/>
-              <a:pPr/>
-              <a:t>34</a:t>
             </a:fld>
             <a:endParaRPr lang="de-DE" altLang="de-DE">
               <a:solidFill>
@@ -28873,7 +27936,7 @@
 </p:sld>
 </file>
 
-<file path=ppt/slides/slide35.xml><?xml version="1.0" encoding="utf-8"?>
+<file path=ppt/slides/slide34.xml><?xml version="1.0" encoding="utf-8"?>
 <p:sld xmlns:a="http://schemas.openxmlformats.org/drawingml/2006/main" xmlns:r="http://schemas.openxmlformats.org/officeDocument/2006/relationships" xmlns:p="http://schemas.openxmlformats.org/presentationml/2006/main">
   <p:cSld>
     <p:spTree>
@@ -28925,7 +27988,7 @@
           <a:effectLst/>
           <a:extLst>
             <a:ext uri="{AF507438-7753-43e0-B8FC-AC1667EBCBE1}">
-              <a14:hiddenEffects xmlns:a14="http://schemas.microsoft.com/office/drawing/2010/main" xmlns="">
+              <a14:hiddenEffects xmlns="" xmlns:a14="http://schemas.microsoft.com/office/drawing/2010/main">
                 <a:effectLst>
                   <a:outerShdw dist="35921" dir="2700000" algn="ctr" rotWithShape="0">
                     <a:schemeClr val="bg2"/>
@@ -29006,7 +28069,7 @@
             <a:fld id="{48105EDC-34E1-4D80-B051-D0CBD59863B8}" type="slidenum">
               <a:rPr lang="de-DE" altLang="de-DE" smtClean="0"/>
               <a:pPr/>
-              <a:t>35</a:t>
+              <a:t>34</a:t>
             </a:fld>
             <a:endParaRPr lang="de-DE" altLang="de-DE">
               <a:solidFill>
@@ -29081,7 +28144,7 @@
           <a:effectLst/>
           <a:extLst>
             <a:ext uri="{AF507438-7753-43e0-B8FC-AC1667EBCBE1}">
-              <a14:hiddenEffects xmlns:a14="http://schemas.microsoft.com/office/drawing/2010/main" xmlns="">
+              <a14:hiddenEffects xmlns="" xmlns:a14="http://schemas.microsoft.com/office/drawing/2010/main">
                 <a:effectLst>
                   <a:outerShdw dist="35921" dir="2700000" algn="ctr" rotWithShape="0">
                     <a:schemeClr val="bg2"/>
@@ -29471,7 +28534,7 @@
           <a:effectLst/>
           <a:extLst>
             <a:ext uri="{AF507438-7753-43e0-B8FC-AC1667EBCBE1}">
-              <a14:hiddenEffects xmlns:a14="http://schemas.microsoft.com/office/drawing/2010/main" xmlns="">
+              <a14:hiddenEffects xmlns="" xmlns:a14="http://schemas.microsoft.com/office/drawing/2010/main">
                 <a:effectLst>
                   <a:outerShdw dist="35921" dir="2700000" algn="ctr" rotWithShape="0">
                     <a:schemeClr val="bg2"/>
@@ -29755,7 +28818,7 @@
           <a:effectLst/>
           <a:extLst>
             <a:ext uri="{AF507438-7753-43e0-B8FC-AC1667EBCBE1}">
-              <a14:hiddenEffects xmlns:a14="http://schemas.microsoft.com/office/drawing/2010/main" xmlns="">
+              <a14:hiddenEffects xmlns="" xmlns:a14="http://schemas.microsoft.com/office/drawing/2010/main">
                 <a:effectLst>
                   <a:outerShdw dist="35921" dir="2700000" algn="ctr" rotWithShape="0">
                     <a:schemeClr val="bg2"/>
@@ -30145,7 +29208,7 @@
           <a:effectLst/>
           <a:extLst>
             <a:ext uri="{AF507438-7753-43e0-B8FC-AC1667EBCBE1}">
-              <a14:hiddenEffects xmlns:a14="http://schemas.microsoft.com/office/drawing/2010/main" xmlns="">
+              <a14:hiddenEffects xmlns="" xmlns:a14="http://schemas.microsoft.com/office/drawing/2010/main">
                 <a:effectLst>
                   <a:outerShdw dist="35921" dir="2700000" algn="ctr" rotWithShape="0">
                     <a:schemeClr val="bg2"/>
@@ -30457,7 +29520,7 @@
           <a:effectLst/>
           <a:extLst>
             <a:ext uri="{AF507438-7753-43e0-B8FC-AC1667EBCBE1}">
-              <a14:hiddenEffects xmlns:a14="http://schemas.microsoft.com/office/drawing/2010/main" xmlns="">
+              <a14:hiddenEffects xmlns="" xmlns:a14="http://schemas.microsoft.com/office/drawing/2010/main">
                 <a:effectLst>
                   <a:outerShdw dist="35921" dir="2700000" algn="ctr" rotWithShape="0">
                     <a:schemeClr val="bg2"/>
@@ -31823,7 +30886,7 @@
           <a:effectLst/>
           <a:extLst>
             <a:ext uri="{AF507438-7753-43e0-B8FC-AC1667EBCBE1}">
-              <a14:hiddenEffects xmlns="" xmlns:a14="http://schemas.microsoft.com/office/drawing/2010/main">
+              <a14:hiddenEffects xmlns:a14="http://schemas.microsoft.com/office/drawing/2010/main" xmlns="">
                 <a:effectLst>
                   <a:outerShdw dist="35921" dir="2700000" algn="ctr" rotWithShape="0">
                     <a:schemeClr val="bg2"/>
@@ -31906,7 +30969,7 @@
           <a:effectLst/>
           <a:extLst>
             <a:ext uri="{AF507438-7753-43e0-B8FC-AC1667EBCBE1}">
-              <a14:hiddenEffects xmlns="" xmlns:a14="http://schemas.microsoft.com/office/drawing/2010/main">
+              <a14:hiddenEffects xmlns:a14="http://schemas.microsoft.com/office/drawing/2010/main" xmlns="">
                 <a:effectLst>
                   <a:outerShdw dist="35921" dir="2700000" algn="ctr" rotWithShape="0">
                     <a:schemeClr val="bg2"/>
@@ -32117,7 +31180,7 @@
           <a:effectLst/>
           <a:extLst>
             <a:ext uri="{AF507438-7753-43e0-B8FC-AC1667EBCBE1}">
-              <a14:hiddenEffects xmlns:a14="http://schemas.microsoft.com/office/drawing/2010/main" xmlns="">
+              <a14:hiddenEffects xmlns="" xmlns:a14="http://schemas.microsoft.com/office/drawing/2010/main">
                 <a:effectLst>
                   <a:outerShdw dist="35921" dir="2700000" algn="ctr" rotWithShape="0">
                     <a:schemeClr val="bg2"/>
@@ -32314,7 +31377,7 @@
             <a:effectLst/>
             <a:extLst>
               <a:ext uri="{AF507438-7753-43e0-B8FC-AC1667EBCBE1}">
-                <a14:hiddenEffects xmlns="" xmlns:a14="http://schemas.microsoft.com/office/drawing/2010/main">
+                <a14:hiddenEffects xmlns:a14="http://schemas.microsoft.com/office/drawing/2010/main" xmlns="">
                   <a:effectLst>
                     <a:outerShdw dist="35921" dir="2700000" algn="ctr" rotWithShape="0">
                       <a:schemeClr val="bg2"/>
@@ -33112,7 +32175,7 @@
         <a:effectLst/>
         <a:extLst>
           <a:ext uri="{AF507438-7753-43e0-B8FC-AC1667EBCBE1}">
-            <a14:hiddenEffects xmlns:a14="http://schemas.microsoft.com/office/drawing/2010/main" xmlns="">
+            <a14:hiddenEffects xmlns="" xmlns:a14="http://schemas.microsoft.com/office/drawing/2010/main">
               <a:effectLst>
                 <a:outerShdw dist="35921" dir="2700000" algn="ctr" rotWithShape="0">
                   <a:schemeClr val="bg2"/>
@@ -33186,7 +32249,7 @@
         <a:effectLst/>
         <a:extLst>
           <a:ext uri="{AF507438-7753-43e0-B8FC-AC1667EBCBE1}">
-            <a14:hiddenEffects xmlns:a14="http://schemas.microsoft.com/office/drawing/2010/main" xmlns="">
+            <a14:hiddenEffects xmlns="" xmlns:a14="http://schemas.microsoft.com/office/drawing/2010/main">
               <a:effectLst>
                 <a:outerShdw dist="35921" dir="2700000" algn="ctr" rotWithShape="0">
                   <a:schemeClr val="bg2"/>
